--- a/micro-network-project.pptx
+++ b/micro-network-project.pptx
@@ -5,19 +5,22 @@
     <p:sldMasterId id="2147483648" r:id="rId1"/>
   </p:sldMasterIdLst>
   <p:notesMasterIdLst>
-    <p:notesMasterId r:id="rId12"/>
+    <p:notesMasterId r:id="rId15"/>
   </p:notesMasterIdLst>
   <p:sldIdLst>
     <p:sldId id="256" r:id="rId2"/>
     <p:sldId id="262" r:id="rId3"/>
     <p:sldId id="257" r:id="rId4"/>
     <p:sldId id="261" r:id="rId5"/>
-    <p:sldId id="263" r:id="rId6"/>
+    <p:sldId id="305" r:id="rId6"/>
     <p:sldId id="260" r:id="rId7"/>
     <p:sldId id="299" r:id="rId8"/>
     <p:sldId id="301" r:id="rId9"/>
     <p:sldId id="303" r:id="rId10"/>
-    <p:sldId id="302" r:id="rId11"/>
+    <p:sldId id="263" r:id="rId11"/>
+    <p:sldId id="306" r:id="rId12"/>
+    <p:sldId id="307" r:id="rId13"/>
+    <p:sldId id="302" r:id="rId14"/>
   </p:sldIdLst>
   <p:sldSz cx="12192000" cy="6858000"/>
   <p:notesSz cx="6858000" cy="9144000"/>
@@ -116,6 +119,11 @@
       </a:defRPr>
     </a:lvl9pPr>
   </p:defaultTextStyle>
+  <p:extLst>
+    <p:ext uri="{EFAFB233-063F-42B5-8137-9DF3F51BA10A}">
+      <p15:sldGuideLst xmlns:p15="http://schemas.microsoft.com/office/powerpoint/2012/main"/>
+    </p:ext>
+  </p:extLst>
 </p:presentation>
 </file>
 
@@ -201,7 +209,7 @@
           <a:p>
             <a:fld id="{555D5C1C-6798-4FBE-88F4-FFD1BF4E1875}" type="datetimeFigureOut">
               <a:rPr lang="en-US" smtClean="0"/>
-              <a:t>8/18/2024</a:t>
+              <a:t>8/19/2024</a:t>
             </a:fld>
             <a:endParaRPr lang="en-US"/>
           </a:p>
@@ -1124,7 +1132,7 @@
           <a:p>
             <a:fld id="{8040ADDC-8370-4EF6-9B0F-387196F75E7A}" type="slidenum">
               <a:rPr lang="en-US" smtClean="0"/>
-              <a:t>5</a:t>
+              <a:t>10</a:t>
             </a:fld>
             <a:endParaRPr lang="en-US"/>
           </a:p>
@@ -1134,6 +1142,608 @@
     <p:extLst>
       <p:ext uri="{BB962C8B-B14F-4D97-AF65-F5344CB8AC3E}">
         <p14:creationId xmlns:p14="http://schemas.microsoft.com/office/powerpoint/2010/main" val="3443202215"/>
+      </p:ext>
+    </p:extLst>
+  </p:cSld>
+  <p:clrMapOvr>
+    <a:masterClrMapping/>
+  </p:clrMapOvr>
+</p:notes>
+</file>
+
+<file path=ppt/notesSlides/notesSlide3.xml><?xml version="1.0" encoding="utf-8"?>
+<p:notes xmlns:a="http://schemas.openxmlformats.org/drawingml/2006/main" xmlns:r="http://schemas.openxmlformats.org/officeDocument/2006/relationships" xmlns:p="http://schemas.openxmlformats.org/presentationml/2006/main">
+  <p:cSld>
+    <p:spTree>
+      <p:nvGrpSpPr>
+        <p:cNvPr id="1" name=""/>
+        <p:cNvGrpSpPr/>
+        <p:nvPr/>
+      </p:nvGrpSpPr>
+      <p:grpSpPr>
+        <a:xfrm>
+          <a:off x="0" y="0"/>
+          <a:ext cx="0" cy="0"/>
+          <a:chOff x="0" y="0"/>
+          <a:chExt cx="0" cy="0"/>
+        </a:xfrm>
+      </p:grpSpPr>
+      <p:sp>
+        <p:nvSpPr>
+          <p:cNvPr id="2" name="Slide Image Placeholder 1"/>
+          <p:cNvSpPr>
+            <a:spLocks noGrp="1" noRot="1" noChangeAspect="1"/>
+          </p:cNvSpPr>
+          <p:nvPr>
+            <p:ph type="sldImg"/>
+          </p:nvPr>
+        </p:nvSpPr>
+        <p:spPr/>
+      </p:sp>
+      <p:sp>
+        <p:nvSpPr>
+          <p:cNvPr id="3" name="Notes Placeholder 2"/>
+          <p:cNvSpPr>
+            <a:spLocks noGrp="1"/>
+          </p:cNvSpPr>
+          <p:nvPr>
+            <p:ph type="body" idx="1"/>
+          </p:nvPr>
+        </p:nvSpPr>
+        <p:spPr/>
+        <p:txBody>
+          <a:bodyPr/>
+          <a:lstStyle/>
+          <a:p>
+            <a:r>
+              <a:rPr lang="en-US" dirty="0"/>
+              <a:t>[1]: Kaufman, S., </a:t>
+            </a:r>
+            <a:r>
+              <a:rPr lang="en-US" dirty="0" err="1"/>
+              <a:t>Phothilimthana</a:t>
+            </a:r>
+            <a:r>
+              <a:rPr lang="en-US" dirty="0"/>
+              <a:t>, P., Zhou, Y., Mendis, C., Roy, S., </a:t>
+            </a:r>
+            <a:r>
+              <a:rPr lang="en-US" dirty="0" err="1"/>
+              <a:t>Sabne</a:t>
+            </a:r>
+            <a:r>
+              <a:rPr lang="en-US" dirty="0"/>
+              <a:t>, A., and Burrows, M. A learned performance model for tensor processing units. Proceedings of Machine Learning and Systems, 3:387–400, 2021.</a:t>
+            </a:r>
+          </a:p>
+          <a:p>
+            <a:r>
+              <a:rPr lang="en-US" dirty="0"/>
+              <a:t>[2]: </a:t>
+            </a:r>
+          </a:p>
+          <a:p>
+            <a:r>
+              <a:rPr lang="en-US" dirty="0"/>
+              <a:t>[3]:</a:t>
+            </a:r>
+          </a:p>
+          <a:p>
+            <a:r>
+              <a:rPr lang="en-US" dirty="0"/>
+              <a:t>[4]:</a:t>
+            </a:r>
+          </a:p>
+          <a:p>
+            <a:r>
+              <a:rPr lang="en-US" dirty="0"/>
+              <a:t>[5]:</a:t>
+            </a:r>
+          </a:p>
+        </p:txBody>
+      </p:sp>
+      <p:sp>
+        <p:nvSpPr>
+          <p:cNvPr id="4" name="Slide Number Placeholder 3"/>
+          <p:cNvSpPr>
+            <a:spLocks noGrp="1"/>
+          </p:cNvSpPr>
+          <p:nvPr>
+            <p:ph type="sldNum" sz="quarter" idx="5"/>
+          </p:nvPr>
+        </p:nvSpPr>
+        <p:spPr/>
+        <p:txBody>
+          <a:bodyPr/>
+          <a:lstStyle/>
+          <a:p>
+            <a:fld id="{8040ADDC-8370-4EF6-9B0F-387196F75E7A}" type="slidenum">
+              <a:rPr lang="en-US" smtClean="0"/>
+              <a:t>11</a:t>
+            </a:fld>
+            <a:endParaRPr lang="en-US"/>
+          </a:p>
+        </p:txBody>
+      </p:sp>
+    </p:spTree>
+    <p:extLst>
+      <p:ext uri="{BB962C8B-B14F-4D97-AF65-F5344CB8AC3E}">
+        <p14:creationId xmlns:p14="http://schemas.microsoft.com/office/powerpoint/2010/main" val="3866353076"/>
+      </p:ext>
+    </p:extLst>
+  </p:cSld>
+  <p:clrMapOvr>
+    <a:masterClrMapping/>
+  </p:clrMapOvr>
+</p:notes>
+</file>
+
+<file path=ppt/notesSlides/notesSlide4.xml><?xml version="1.0" encoding="utf-8"?>
+<p:notes xmlns:a="http://schemas.openxmlformats.org/drawingml/2006/main" xmlns:r="http://schemas.openxmlformats.org/officeDocument/2006/relationships" xmlns:p="http://schemas.openxmlformats.org/presentationml/2006/main">
+  <p:cSld>
+    <p:spTree>
+      <p:nvGrpSpPr>
+        <p:cNvPr id="1" name=""/>
+        <p:cNvGrpSpPr/>
+        <p:nvPr/>
+      </p:nvGrpSpPr>
+      <p:grpSpPr>
+        <a:xfrm>
+          <a:off x="0" y="0"/>
+          <a:ext cx="0" cy="0"/>
+          <a:chOff x="0" y="0"/>
+          <a:chExt cx="0" cy="0"/>
+        </a:xfrm>
+      </p:grpSpPr>
+      <p:sp>
+        <p:nvSpPr>
+          <p:cNvPr id="2" name="Slide Image Placeholder 1"/>
+          <p:cNvSpPr>
+            <a:spLocks noGrp="1" noRot="1" noChangeAspect="1"/>
+          </p:cNvSpPr>
+          <p:nvPr>
+            <p:ph type="sldImg"/>
+          </p:nvPr>
+        </p:nvSpPr>
+        <p:spPr/>
+      </p:sp>
+      <p:sp>
+        <p:nvSpPr>
+          <p:cNvPr id="3" name="Notes Placeholder 2"/>
+          <p:cNvSpPr>
+            <a:spLocks noGrp="1"/>
+          </p:cNvSpPr>
+          <p:nvPr>
+            <p:ph type="body" idx="1"/>
+          </p:nvPr>
+        </p:nvSpPr>
+        <p:spPr/>
+        <p:txBody>
+          <a:bodyPr/>
+          <a:lstStyle/>
+          <a:p>
+            <a:r>
+              <a:rPr lang="en-US" dirty="0"/>
+              <a:t>[1]: </a:t>
+            </a:r>
+            <a:r>
+              <a:rPr lang="en-US" b="0" i="0" dirty="0">
+                <a:solidFill>
+                  <a:srgbClr val="222222"/>
+                </a:solidFill>
+                <a:effectLst/>
+                <a:highlight>
+                  <a:srgbClr val="FFFFFF"/>
+                </a:highlight>
+                <a:latin typeface="Arial" panose="020B0604020202020204" pitchFamily="34" charset="0"/>
+              </a:rPr>
+              <a:t>Banbury, C., Zhou, C., Fedorov, I., Matas, R., </a:t>
+            </a:r>
+            <a:r>
+              <a:rPr lang="en-US" b="0" i="0" dirty="0" err="1">
+                <a:solidFill>
+                  <a:srgbClr val="222222"/>
+                </a:solidFill>
+                <a:effectLst/>
+                <a:highlight>
+                  <a:srgbClr val="FFFFFF"/>
+                </a:highlight>
+                <a:latin typeface="Arial" panose="020B0604020202020204" pitchFamily="34" charset="0"/>
+              </a:rPr>
+              <a:t>Thakker</a:t>
+            </a:r>
+            <a:r>
+              <a:rPr lang="en-US" b="0" i="0" dirty="0">
+                <a:solidFill>
+                  <a:srgbClr val="222222"/>
+                </a:solidFill>
+                <a:effectLst/>
+                <a:highlight>
+                  <a:srgbClr val="FFFFFF"/>
+                </a:highlight>
+                <a:latin typeface="Arial" panose="020B0604020202020204" pitchFamily="34" charset="0"/>
+              </a:rPr>
+              <a:t>, U., </a:t>
+            </a:r>
+            <a:r>
+              <a:rPr lang="en-US" b="0" i="0" dirty="0" err="1">
+                <a:solidFill>
+                  <a:srgbClr val="222222"/>
+                </a:solidFill>
+                <a:effectLst/>
+                <a:highlight>
+                  <a:srgbClr val="FFFFFF"/>
+                </a:highlight>
+                <a:latin typeface="Arial" panose="020B0604020202020204" pitchFamily="34" charset="0"/>
+              </a:rPr>
+              <a:t>Gope</a:t>
+            </a:r>
+            <a:r>
+              <a:rPr lang="en-US" b="0" i="0" dirty="0">
+                <a:solidFill>
+                  <a:srgbClr val="222222"/>
+                </a:solidFill>
+                <a:effectLst/>
+                <a:highlight>
+                  <a:srgbClr val="FFFFFF"/>
+                </a:highlight>
+                <a:latin typeface="Arial" panose="020B0604020202020204" pitchFamily="34" charset="0"/>
+              </a:rPr>
+              <a:t>, D., ... &amp; </a:t>
+            </a:r>
+            <a:r>
+              <a:rPr lang="en-US" b="0" i="0" dirty="0" err="1">
+                <a:solidFill>
+                  <a:srgbClr val="222222"/>
+                </a:solidFill>
+                <a:effectLst/>
+                <a:highlight>
+                  <a:srgbClr val="FFFFFF"/>
+                </a:highlight>
+                <a:latin typeface="Arial" panose="020B0604020202020204" pitchFamily="34" charset="0"/>
+              </a:rPr>
+              <a:t>Whatmough</a:t>
+            </a:r>
+            <a:r>
+              <a:rPr lang="en-US" b="0" i="0" dirty="0">
+                <a:solidFill>
+                  <a:srgbClr val="222222"/>
+                </a:solidFill>
+                <a:effectLst/>
+                <a:highlight>
+                  <a:srgbClr val="FFFFFF"/>
+                </a:highlight>
+                <a:latin typeface="Arial" panose="020B0604020202020204" pitchFamily="34" charset="0"/>
+              </a:rPr>
+              <a:t>, P. (2021). </a:t>
+            </a:r>
+            <a:r>
+              <a:rPr lang="en-US" b="0" i="0" dirty="0" err="1">
+                <a:solidFill>
+                  <a:srgbClr val="222222"/>
+                </a:solidFill>
+                <a:effectLst/>
+                <a:highlight>
+                  <a:srgbClr val="FFFFFF"/>
+                </a:highlight>
+                <a:latin typeface="Arial" panose="020B0604020202020204" pitchFamily="34" charset="0"/>
+              </a:rPr>
+              <a:t>Micronets</a:t>
+            </a:r>
+            <a:r>
+              <a:rPr lang="en-US" b="0" i="0" dirty="0">
+                <a:solidFill>
+                  <a:srgbClr val="222222"/>
+                </a:solidFill>
+                <a:effectLst/>
+                <a:highlight>
+                  <a:srgbClr val="FFFFFF"/>
+                </a:highlight>
+                <a:latin typeface="Arial" panose="020B0604020202020204" pitchFamily="34" charset="0"/>
+              </a:rPr>
+              <a:t>: Neural network architectures for deploying </a:t>
+            </a:r>
+            <a:r>
+              <a:rPr lang="en-US" b="0" i="0" dirty="0" err="1">
+                <a:solidFill>
+                  <a:srgbClr val="222222"/>
+                </a:solidFill>
+                <a:effectLst/>
+                <a:highlight>
+                  <a:srgbClr val="FFFFFF"/>
+                </a:highlight>
+                <a:latin typeface="Arial" panose="020B0604020202020204" pitchFamily="34" charset="0"/>
+              </a:rPr>
+              <a:t>tinyml</a:t>
+            </a:r>
+            <a:r>
+              <a:rPr lang="en-US" b="0" i="0" dirty="0">
+                <a:solidFill>
+                  <a:srgbClr val="222222"/>
+                </a:solidFill>
+                <a:effectLst/>
+                <a:highlight>
+                  <a:srgbClr val="FFFFFF"/>
+                </a:highlight>
+                <a:latin typeface="Arial" panose="020B0604020202020204" pitchFamily="34" charset="0"/>
+              </a:rPr>
+              <a:t> applications on commodity microcontrollers. </a:t>
+            </a:r>
+            <a:r>
+              <a:rPr lang="en-US" b="0" i="1" dirty="0">
+                <a:solidFill>
+                  <a:srgbClr val="222222"/>
+                </a:solidFill>
+                <a:effectLst/>
+                <a:highlight>
+                  <a:srgbClr val="FFFFFF"/>
+                </a:highlight>
+                <a:latin typeface="Arial" panose="020B0604020202020204" pitchFamily="34" charset="0"/>
+              </a:rPr>
+              <a:t>Proceedings of machine learning and systems</a:t>
+            </a:r>
+            <a:r>
+              <a:rPr lang="en-US" b="0" i="0" dirty="0">
+                <a:solidFill>
+                  <a:srgbClr val="222222"/>
+                </a:solidFill>
+                <a:effectLst/>
+                <a:highlight>
+                  <a:srgbClr val="FFFFFF"/>
+                </a:highlight>
+                <a:latin typeface="Arial" panose="020B0604020202020204" pitchFamily="34" charset="0"/>
+              </a:rPr>
+              <a:t>, </a:t>
+            </a:r>
+            <a:r>
+              <a:rPr lang="en-US" b="0" i="1" dirty="0">
+                <a:solidFill>
+                  <a:srgbClr val="222222"/>
+                </a:solidFill>
+                <a:effectLst/>
+                <a:highlight>
+                  <a:srgbClr val="FFFFFF"/>
+                </a:highlight>
+                <a:latin typeface="Arial" panose="020B0604020202020204" pitchFamily="34" charset="0"/>
+              </a:rPr>
+              <a:t>3</a:t>
+            </a:r>
+            <a:r>
+              <a:rPr lang="en-US" b="0" i="0" dirty="0">
+                <a:solidFill>
+                  <a:srgbClr val="222222"/>
+                </a:solidFill>
+                <a:effectLst/>
+                <a:highlight>
+                  <a:srgbClr val="FFFFFF"/>
+                </a:highlight>
+                <a:latin typeface="Arial" panose="020B0604020202020204" pitchFamily="34" charset="0"/>
+              </a:rPr>
+              <a:t>, 517-532.</a:t>
+            </a:r>
+          </a:p>
+          <a:p>
+            <a:r>
+              <a:rPr lang="en-US" b="0" i="0" dirty="0">
+                <a:solidFill>
+                  <a:srgbClr val="222222"/>
+                </a:solidFill>
+                <a:effectLst/>
+                <a:highlight>
+                  <a:srgbClr val="FFFFFF"/>
+                </a:highlight>
+                <a:latin typeface="Arial" panose="020B0604020202020204" pitchFamily="34" charset="0"/>
+              </a:rPr>
+              <a:t>[2]: Banbury, Colby R., Vijay </a:t>
+            </a:r>
+            <a:r>
+              <a:rPr lang="en-US" b="0" i="0" dirty="0" err="1">
+                <a:solidFill>
+                  <a:srgbClr val="222222"/>
+                </a:solidFill>
+                <a:effectLst/>
+                <a:highlight>
+                  <a:srgbClr val="FFFFFF"/>
+                </a:highlight>
+                <a:latin typeface="Arial" panose="020B0604020202020204" pitchFamily="34" charset="0"/>
+              </a:rPr>
+              <a:t>Janapa</a:t>
+            </a:r>
+            <a:r>
+              <a:rPr lang="en-US" b="0" i="0" dirty="0">
+                <a:solidFill>
+                  <a:srgbClr val="222222"/>
+                </a:solidFill>
+                <a:effectLst/>
+                <a:highlight>
+                  <a:srgbClr val="FFFFFF"/>
+                </a:highlight>
+                <a:latin typeface="Arial" panose="020B0604020202020204" pitchFamily="34" charset="0"/>
+              </a:rPr>
+              <a:t> Reddi, Max Lam, William Fu, Amin Fazel, Jeremy Holleman, Xinyuan Huang et al. "Benchmarking </a:t>
+            </a:r>
+            <a:r>
+              <a:rPr lang="en-US" b="0" i="0" dirty="0" err="1">
+                <a:solidFill>
+                  <a:srgbClr val="222222"/>
+                </a:solidFill>
+                <a:effectLst/>
+                <a:highlight>
+                  <a:srgbClr val="FFFFFF"/>
+                </a:highlight>
+                <a:latin typeface="Arial" panose="020B0604020202020204" pitchFamily="34" charset="0"/>
+              </a:rPr>
+              <a:t>tinyml</a:t>
+            </a:r>
+            <a:r>
+              <a:rPr lang="en-US" b="0" i="0" dirty="0">
+                <a:solidFill>
+                  <a:srgbClr val="222222"/>
+                </a:solidFill>
+                <a:effectLst/>
+                <a:highlight>
+                  <a:srgbClr val="FFFFFF"/>
+                </a:highlight>
+                <a:latin typeface="Arial" panose="020B0604020202020204" pitchFamily="34" charset="0"/>
+              </a:rPr>
+              <a:t> systems: Challenges and direction." </a:t>
+            </a:r>
+            <a:r>
+              <a:rPr lang="en-US" b="0" i="1" dirty="0" err="1">
+                <a:solidFill>
+                  <a:srgbClr val="222222"/>
+                </a:solidFill>
+                <a:effectLst/>
+                <a:highlight>
+                  <a:srgbClr val="FFFFFF"/>
+                </a:highlight>
+                <a:latin typeface="Arial" panose="020B0604020202020204" pitchFamily="34" charset="0"/>
+              </a:rPr>
+              <a:t>arXiv</a:t>
+            </a:r>
+            <a:r>
+              <a:rPr lang="en-US" b="0" i="1" dirty="0">
+                <a:solidFill>
+                  <a:srgbClr val="222222"/>
+                </a:solidFill>
+                <a:effectLst/>
+                <a:highlight>
+                  <a:srgbClr val="FFFFFF"/>
+                </a:highlight>
+                <a:latin typeface="Arial" panose="020B0604020202020204" pitchFamily="34" charset="0"/>
+              </a:rPr>
+              <a:t> preprint arXiv:2003.04821</a:t>
+            </a:r>
+            <a:r>
+              <a:rPr lang="en-US" b="0" i="0" dirty="0">
+                <a:solidFill>
+                  <a:srgbClr val="222222"/>
+                </a:solidFill>
+                <a:effectLst/>
+                <a:highlight>
+                  <a:srgbClr val="FFFFFF"/>
+                </a:highlight>
+                <a:latin typeface="Arial" panose="020B0604020202020204" pitchFamily="34" charset="0"/>
+              </a:rPr>
+              <a:t> (2020).</a:t>
+            </a:r>
+          </a:p>
+          <a:p>
+            <a:endParaRPr lang="en-US" dirty="0"/>
+          </a:p>
+        </p:txBody>
+      </p:sp>
+      <p:sp>
+        <p:nvSpPr>
+          <p:cNvPr id="4" name="Slide Number Placeholder 3"/>
+          <p:cNvSpPr>
+            <a:spLocks noGrp="1"/>
+          </p:cNvSpPr>
+          <p:nvPr>
+            <p:ph type="sldNum" sz="quarter" idx="5"/>
+          </p:nvPr>
+        </p:nvSpPr>
+        <p:spPr/>
+        <p:txBody>
+          <a:bodyPr/>
+          <a:lstStyle/>
+          <a:p>
+            <a:fld id="{8040ADDC-8370-4EF6-9B0F-387196F75E7A}" type="slidenum">
+              <a:rPr lang="en-US" smtClean="0"/>
+              <a:t>12</a:t>
+            </a:fld>
+            <a:endParaRPr lang="en-US"/>
+          </a:p>
+        </p:txBody>
+      </p:sp>
+    </p:spTree>
+    <p:extLst>
+      <p:ext uri="{BB962C8B-B14F-4D97-AF65-F5344CB8AC3E}">
+        <p14:creationId xmlns:p14="http://schemas.microsoft.com/office/powerpoint/2010/main" val="2949921131"/>
+      </p:ext>
+    </p:extLst>
+  </p:cSld>
+  <p:clrMapOvr>
+    <a:masterClrMapping/>
+  </p:clrMapOvr>
+</p:notes>
+</file>
+
+<file path=ppt/notesSlides/notesSlide5.xml><?xml version="1.0" encoding="utf-8"?>
+<p:notes xmlns:a="http://schemas.openxmlformats.org/drawingml/2006/main" xmlns:r="http://schemas.openxmlformats.org/officeDocument/2006/relationships" xmlns:p="http://schemas.openxmlformats.org/presentationml/2006/main">
+  <p:cSld>
+    <p:spTree>
+      <p:nvGrpSpPr>
+        <p:cNvPr id="1" name=""/>
+        <p:cNvGrpSpPr/>
+        <p:nvPr/>
+      </p:nvGrpSpPr>
+      <p:grpSpPr>
+        <a:xfrm>
+          <a:off x="0" y="0"/>
+          <a:ext cx="0" cy="0"/>
+          <a:chOff x="0" y="0"/>
+          <a:chExt cx="0" cy="0"/>
+        </a:xfrm>
+      </p:grpSpPr>
+      <p:sp>
+        <p:nvSpPr>
+          <p:cNvPr id="2" name="Slide Image Placeholder 1"/>
+          <p:cNvSpPr>
+            <a:spLocks noGrp="1" noRot="1" noChangeAspect="1"/>
+          </p:cNvSpPr>
+          <p:nvPr>
+            <p:ph type="sldImg"/>
+          </p:nvPr>
+        </p:nvSpPr>
+        <p:spPr/>
+      </p:sp>
+      <p:sp>
+        <p:nvSpPr>
+          <p:cNvPr id="3" name="Notes Placeholder 2"/>
+          <p:cNvSpPr>
+            <a:spLocks noGrp="1"/>
+          </p:cNvSpPr>
+          <p:nvPr>
+            <p:ph type="body" idx="1"/>
+          </p:nvPr>
+        </p:nvSpPr>
+        <p:spPr/>
+        <p:txBody>
+          <a:bodyPr/>
+          <a:lstStyle/>
+          <a:p>
+            <a:endParaRPr lang="en-US" dirty="0"/>
+          </a:p>
+        </p:txBody>
+      </p:sp>
+      <p:sp>
+        <p:nvSpPr>
+          <p:cNvPr id="4" name="Slide Number Placeholder 3"/>
+          <p:cNvSpPr>
+            <a:spLocks noGrp="1"/>
+          </p:cNvSpPr>
+          <p:nvPr>
+            <p:ph type="sldNum" sz="quarter" idx="5"/>
+          </p:nvPr>
+        </p:nvSpPr>
+        <p:spPr/>
+        <p:txBody>
+          <a:bodyPr/>
+          <a:lstStyle/>
+          <a:p>
+            <a:fld id="{8040ADDC-8370-4EF6-9B0F-387196F75E7A}" type="slidenum">
+              <a:rPr lang="en-US" smtClean="0"/>
+              <a:t>13</a:t>
+            </a:fld>
+            <a:endParaRPr lang="en-US"/>
+          </a:p>
+        </p:txBody>
+      </p:sp>
+    </p:spTree>
+    <p:extLst>
+      <p:ext uri="{BB962C8B-B14F-4D97-AF65-F5344CB8AC3E}">
+        <p14:creationId xmlns:p14="http://schemas.microsoft.com/office/powerpoint/2010/main" val="3974527039"/>
       </p:ext>
     </p:extLst>
   </p:cSld>
@@ -1290,7 +1900,7 @@
           <a:p>
             <a:fld id="{CA099234-8B86-476D-9D9B-8192FE9AA948}" type="datetimeFigureOut">
               <a:rPr lang="en-US" smtClean="0"/>
-              <a:t>8/18/2024</a:t>
+              <a:t>8/19/2024</a:t>
             </a:fld>
             <a:endParaRPr lang="en-US"/>
           </a:p>
@@ -1488,7 +2098,7 @@
           <a:p>
             <a:fld id="{CA099234-8B86-476D-9D9B-8192FE9AA948}" type="datetimeFigureOut">
               <a:rPr lang="en-US" smtClean="0"/>
-              <a:t>8/18/2024</a:t>
+              <a:t>8/19/2024</a:t>
             </a:fld>
             <a:endParaRPr lang="en-US"/>
           </a:p>
@@ -1696,7 +2306,7 @@
           <a:p>
             <a:fld id="{CA099234-8B86-476D-9D9B-8192FE9AA948}" type="datetimeFigureOut">
               <a:rPr lang="en-US" smtClean="0"/>
-              <a:t>8/18/2024</a:t>
+              <a:t>8/19/2024</a:t>
             </a:fld>
             <a:endParaRPr lang="en-US"/>
           </a:p>
@@ -1894,7 +2504,7 @@
           <a:p>
             <a:fld id="{CA099234-8B86-476D-9D9B-8192FE9AA948}" type="datetimeFigureOut">
               <a:rPr lang="en-US" smtClean="0"/>
-              <a:t>8/18/2024</a:t>
+              <a:t>8/19/2024</a:t>
             </a:fld>
             <a:endParaRPr lang="en-US"/>
           </a:p>
@@ -2169,7 +2779,7 @@
           <a:p>
             <a:fld id="{CA099234-8B86-476D-9D9B-8192FE9AA948}" type="datetimeFigureOut">
               <a:rPr lang="en-US" smtClean="0"/>
-              <a:t>8/18/2024</a:t>
+              <a:t>8/19/2024</a:t>
             </a:fld>
             <a:endParaRPr lang="en-US"/>
           </a:p>
@@ -2434,7 +3044,7 @@
           <a:p>
             <a:fld id="{CA099234-8B86-476D-9D9B-8192FE9AA948}" type="datetimeFigureOut">
               <a:rPr lang="en-US" smtClean="0"/>
-              <a:t>8/18/2024</a:t>
+              <a:t>8/19/2024</a:t>
             </a:fld>
             <a:endParaRPr lang="en-US"/>
           </a:p>
@@ -2846,7 +3456,7 @@
           <a:p>
             <a:fld id="{CA099234-8B86-476D-9D9B-8192FE9AA948}" type="datetimeFigureOut">
               <a:rPr lang="en-US" smtClean="0"/>
-              <a:t>8/18/2024</a:t>
+              <a:t>8/19/2024</a:t>
             </a:fld>
             <a:endParaRPr lang="en-US"/>
           </a:p>
@@ -2987,7 +3597,7 @@
           <a:p>
             <a:fld id="{CA099234-8B86-476D-9D9B-8192FE9AA948}" type="datetimeFigureOut">
               <a:rPr lang="en-US" smtClean="0"/>
-              <a:t>8/18/2024</a:t>
+              <a:t>8/19/2024</a:t>
             </a:fld>
             <a:endParaRPr lang="en-US"/>
           </a:p>
@@ -3100,7 +3710,7 @@
           <a:p>
             <a:fld id="{CA099234-8B86-476D-9D9B-8192FE9AA948}" type="datetimeFigureOut">
               <a:rPr lang="en-US" smtClean="0"/>
-              <a:t>8/18/2024</a:t>
+              <a:t>8/19/2024</a:t>
             </a:fld>
             <a:endParaRPr lang="en-US"/>
           </a:p>
@@ -3411,7 +4021,7 @@
           <a:p>
             <a:fld id="{CA099234-8B86-476D-9D9B-8192FE9AA948}" type="datetimeFigureOut">
               <a:rPr lang="en-US" smtClean="0"/>
-              <a:t>8/18/2024</a:t>
+              <a:t>8/19/2024</a:t>
             </a:fld>
             <a:endParaRPr lang="en-US"/>
           </a:p>
@@ -3699,7 +4309,7 @@
           <a:p>
             <a:fld id="{CA099234-8B86-476D-9D9B-8192FE9AA948}" type="datetimeFigureOut">
               <a:rPr lang="en-US" smtClean="0"/>
-              <a:t>8/18/2024</a:t>
+              <a:t>8/19/2024</a:t>
             </a:fld>
             <a:endParaRPr lang="en-US"/>
           </a:p>
@@ -3940,7 +4550,7 @@
           <a:p>
             <a:fld id="{CA099234-8B86-476D-9D9B-8192FE9AA948}" type="datetimeFigureOut">
               <a:rPr lang="en-US" smtClean="0"/>
-              <a:t>8/18/2024</a:t>
+              <a:t>8/19/2024</a:t>
             </a:fld>
             <a:endParaRPr lang="en-US"/>
           </a:p>
@@ -4446,11 +5056,546 @@
           <a:chExt cx="0" cy="0"/>
         </a:xfrm>
       </p:grpSpPr>
+      <p:pic>
+        <p:nvPicPr>
+          <p:cNvPr id="5" name="Picture 4">
+            <a:extLst>
+              <a:ext uri="{FF2B5EF4-FFF2-40B4-BE49-F238E27FC236}">
+                <a16:creationId xmlns:a16="http://schemas.microsoft.com/office/drawing/2014/main" id="{AEC0D26A-EF43-06BF-A6D5-771873938ABF}"/>
+              </a:ext>
+            </a:extLst>
+          </p:cNvPr>
+          <p:cNvPicPr>
+            <a:picLocks noChangeAspect="1"/>
+          </p:cNvPicPr>
+          <p:nvPr/>
+        </p:nvPicPr>
+        <p:blipFill>
+          <a:blip r:embed="rId3"/>
+          <a:stretch>
+            <a:fillRect/>
+          </a:stretch>
+        </p:blipFill>
+        <p:spPr>
+          <a:xfrm>
+            <a:off x="7049467" y="4543613"/>
+            <a:ext cx="4889211" cy="2106045"/>
+          </a:xfrm>
+          <a:prstGeom prst="rect">
+            <a:avLst/>
+          </a:prstGeom>
+        </p:spPr>
+      </p:pic>
       <p:sp>
         <p:nvSpPr>
           <p:cNvPr id="2" name="Title 1">
             <a:extLst>
               <a:ext uri="{FF2B5EF4-FFF2-40B4-BE49-F238E27FC236}">
+                <a16:creationId xmlns:a16="http://schemas.microsoft.com/office/drawing/2014/main" id="{4860E9A2-BC0F-43EA-5D2B-A17EF4F0B643}"/>
+              </a:ext>
+            </a:extLst>
+          </p:cNvPr>
+          <p:cNvSpPr>
+            <a:spLocks noGrp="1"/>
+          </p:cNvSpPr>
+          <p:nvPr>
+            <p:ph type="title"/>
+          </p:nvPr>
+        </p:nvSpPr>
+        <p:spPr/>
+        <p:txBody>
+          <a:bodyPr/>
+          <a:lstStyle/>
+          <a:p>
+            <a:r>
+              <a:rPr lang="en-US"/>
+              <a:t>Model Partitioning Existing Works</a:t>
+            </a:r>
+            <a:endParaRPr lang="en-US" dirty="0"/>
+          </a:p>
+        </p:txBody>
+      </p:sp>
+      <p:sp>
+        <p:nvSpPr>
+          <p:cNvPr id="3" name="Content Placeholder 2">
+            <a:extLst>
+              <a:ext uri="{FF2B5EF4-FFF2-40B4-BE49-F238E27FC236}">
+                <a16:creationId xmlns:a16="http://schemas.microsoft.com/office/drawing/2014/main" id="{2F994F7F-58B6-B22D-A34F-EC6FEA2CBAAF}"/>
+              </a:ext>
+            </a:extLst>
+          </p:cNvPr>
+          <p:cNvSpPr>
+            <a:spLocks noGrp="1"/>
+          </p:cNvSpPr>
+          <p:nvPr>
+            <p:ph idx="1"/>
+          </p:nvPr>
+        </p:nvSpPr>
+        <p:spPr>
+          <a:xfrm>
+            <a:off x="838200" y="1690688"/>
+            <a:ext cx="6384792" cy="4594851"/>
+          </a:xfrm>
+        </p:spPr>
+        <p:txBody>
+          <a:bodyPr>
+            <a:normAutofit fontScale="92500" lnSpcReduction="10000"/>
+          </a:bodyPr>
+          <a:lstStyle/>
+          <a:p>
+            <a:r>
+              <a:rPr lang="en-US" dirty="0"/>
+              <a:t>Applicable Scenarios: Edge-Cloud</a:t>
+            </a:r>
+          </a:p>
+          <a:p>
+            <a:r>
+              <a:rPr lang="en-US" b="1" dirty="0"/>
+              <a:t>Neurosurgeon</a:t>
+            </a:r>
+            <a:r>
+              <a:rPr lang="en-US" dirty="0"/>
+              <a:t>(ASPLOS’17)[1]: </a:t>
+            </a:r>
+          </a:p>
+          <a:p>
+            <a:pPr lvl="1"/>
+            <a:r>
+              <a:rPr lang="en-US" dirty="0"/>
+              <a:t>Analyze DNN Architecture-&gt; Predict Layer Performance-&gt;Evaluate Partition Points-&gt;Execute Partitioned DNN</a:t>
+            </a:r>
+          </a:p>
+          <a:p>
+            <a:r>
+              <a:rPr lang="en-US" b="1" dirty="0"/>
+              <a:t>DADS</a:t>
+            </a:r>
+            <a:r>
+              <a:rPr lang="en-US" dirty="0"/>
+              <a:t>(INFOCOM’19)[2]: Min-Cut</a:t>
+            </a:r>
+          </a:p>
+          <a:p>
+            <a:r>
+              <a:rPr lang="en-US" b="1" dirty="0"/>
+              <a:t>QDMP</a:t>
+            </a:r>
+            <a:r>
+              <a:rPr lang="en-US" dirty="0"/>
+              <a:t>(IMWUT’20)[3]: Per layer latency is calculated by subtracting the maximum latency of all precursor layers from the total latency up to the current layer.</a:t>
+            </a:r>
+          </a:p>
+          <a:p>
+            <a:r>
+              <a:rPr lang="en-US" b="1" dirty="0"/>
+              <a:t>Auto-Split</a:t>
+            </a:r>
+            <a:r>
+              <a:rPr lang="en-US" dirty="0"/>
+              <a:t>(KDD’21 ADS Track)[4]: Graph Optimization(Layer folding, layer fusion)</a:t>
+            </a:r>
+          </a:p>
+          <a:p>
+            <a:pPr lvl="1"/>
+            <a:endParaRPr lang="en-US" dirty="0"/>
+          </a:p>
+        </p:txBody>
+      </p:sp>
+      <p:pic>
+        <p:nvPicPr>
+          <p:cNvPr id="11" name="Picture 10">
+            <a:extLst>
+              <a:ext uri="{FF2B5EF4-FFF2-40B4-BE49-F238E27FC236}">
+                <a16:creationId xmlns:a16="http://schemas.microsoft.com/office/drawing/2014/main" id="{CEBF5F02-34DF-C847-EDF9-38FFD97C4653}"/>
+              </a:ext>
+            </a:extLst>
+          </p:cNvPr>
+          <p:cNvPicPr>
+            <a:picLocks noChangeAspect="1"/>
+          </p:cNvPicPr>
+          <p:nvPr/>
+        </p:nvPicPr>
+        <p:blipFill>
+          <a:blip r:embed="rId4"/>
+          <a:stretch>
+            <a:fillRect/>
+          </a:stretch>
+        </p:blipFill>
+        <p:spPr>
+          <a:xfrm>
+            <a:off x="7414073" y="1790213"/>
+            <a:ext cx="4362077" cy="2855952"/>
+          </a:xfrm>
+          <a:prstGeom prst="rect">
+            <a:avLst/>
+          </a:prstGeom>
+        </p:spPr>
+      </p:pic>
+    </p:spTree>
+    <p:extLst>
+      <p:ext uri="{BB962C8B-B14F-4D97-AF65-F5344CB8AC3E}">
+        <p14:creationId xmlns:p14="http://schemas.microsoft.com/office/powerpoint/2010/main" val="108957251"/>
+      </p:ext>
+    </p:extLst>
+  </p:cSld>
+  <p:clrMapOvr>
+    <a:masterClrMapping/>
+  </p:clrMapOvr>
+</p:sld>
+</file>
+
+<file path=ppt/slides/slide11.xml><?xml version="1.0" encoding="utf-8"?>
+<p:sld xmlns:a="http://schemas.openxmlformats.org/drawingml/2006/main" xmlns:r="http://schemas.openxmlformats.org/officeDocument/2006/relationships" xmlns:p="http://schemas.openxmlformats.org/presentationml/2006/main">
+  <p:cSld>
+    <p:spTree>
+      <p:nvGrpSpPr>
+        <p:cNvPr id="1" name=""/>
+        <p:cNvGrpSpPr/>
+        <p:nvPr/>
+      </p:nvGrpSpPr>
+      <p:grpSpPr>
+        <a:xfrm>
+          <a:off x="0" y="0"/>
+          <a:ext cx="0" cy="0"/>
+          <a:chOff x="0" y="0"/>
+          <a:chExt cx="0" cy="0"/>
+        </a:xfrm>
+      </p:grpSpPr>
+      <p:sp>
+        <p:nvSpPr>
+          <p:cNvPr id="2" name="Title 1">
+            <a:extLst>
+              <a:ext uri="{FF2B5EF4-FFF2-40B4-BE49-F238E27FC236}">
+                <a16:creationId xmlns:a16="http://schemas.microsoft.com/office/drawing/2014/main" id="{C9E3005D-E2B3-1DD9-23B0-99EECECCF198}"/>
+              </a:ext>
+            </a:extLst>
+          </p:cNvPr>
+          <p:cNvSpPr>
+            <a:spLocks noGrp="1"/>
+          </p:cNvSpPr>
+          <p:nvPr>
+            <p:ph type="title"/>
+          </p:nvPr>
+        </p:nvSpPr>
+        <p:spPr/>
+        <p:txBody>
+          <a:bodyPr>
+            <a:normAutofit/>
+          </a:bodyPr>
+          <a:lstStyle/>
+          <a:p>
+            <a:r>
+              <a:rPr lang="en-US" sz="4200" dirty="0"/>
+              <a:t>Inference Performance Predictor Existing Works</a:t>
+            </a:r>
+          </a:p>
+        </p:txBody>
+      </p:sp>
+      <p:sp>
+        <p:nvSpPr>
+          <p:cNvPr id="3" name="Content Placeholder 2">
+            <a:extLst>
+              <a:ext uri="{FF2B5EF4-FFF2-40B4-BE49-F238E27FC236}">
+                <a16:creationId xmlns:a16="http://schemas.microsoft.com/office/drawing/2014/main" id="{C8D0959C-AA11-B8DF-ECC0-5CED3B80B075}"/>
+              </a:ext>
+            </a:extLst>
+          </p:cNvPr>
+          <p:cNvSpPr>
+            <a:spLocks noGrp="1"/>
+          </p:cNvSpPr>
+          <p:nvPr>
+            <p:ph idx="1"/>
+          </p:nvPr>
+        </p:nvSpPr>
+        <p:spPr>
+          <a:xfrm>
+            <a:off x="762395" y="1868266"/>
+            <a:ext cx="10515600" cy="4351338"/>
+          </a:xfrm>
+        </p:spPr>
+        <p:txBody>
+          <a:bodyPr/>
+          <a:lstStyle/>
+          <a:p>
+            <a:r>
+              <a:rPr lang="en-US" dirty="0"/>
+              <a:t>LPM-TPU[1]</a:t>
+            </a:r>
+          </a:p>
+          <a:p>
+            <a:r>
+              <a:rPr lang="en-US" dirty="0"/>
+              <a:t>NP-NAS[2]</a:t>
+            </a:r>
+          </a:p>
+          <a:p>
+            <a:r>
+              <a:rPr lang="en-US" dirty="0"/>
+              <a:t>BRP-NAS (Eagle)[3]</a:t>
+            </a:r>
+          </a:p>
+          <a:p>
+            <a:r>
+              <a:rPr lang="en-US" dirty="0" err="1"/>
+              <a:t>Nn</a:t>
+            </a:r>
+            <a:r>
+              <a:rPr lang="en-US" dirty="0"/>
+              <a:t>-Meter[4]</a:t>
+            </a:r>
+          </a:p>
+          <a:p>
+            <a:r>
+              <a:rPr lang="en-US" dirty="0" err="1"/>
+              <a:t>PerfSAGE</a:t>
+            </a:r>
+            <a:r>
+              <a:rPr lang="en-US" dirty="0"/>
+              <a:t>[5]</a:t>
+            </a:r>
+          </a:p>
+        </p:txBody>
+      </p:sp>
+      <p:pic>
+        <p:nvPicPr>
+          <p:cNvPr id="5" name="Picture 4">
+            <a:extLst>
+              <a:ext uri="{FF2B5EF4-FFF2-40B4-BE49-F238E27FC236}">
+                <a16:creationId xmlns:a16="http://schemas.microsoft.com/office/drawing/2014/main" id="{850737B8-7B70-58E5-5624-7604B3AD6A77}"/>
+              </a:ext>
+            </a:extLst>
+          </p:cNvPr>
+          <p:cNvPicPr>
+            <a:picLocks noChangeAspect="1"/>
+          </p:cNvPicPr>
+          <p:nvPr/>
+        </p:nvPicPr>
+        <p:blipFill>
+          <a:blip r:embed="rId3"/>
+          <a:stretch>
+            <a:fillRect/>
+          </a:stretch>
+        </p:blipFill>
+        <p:spPr>
+          <a:xfrm>
+            <a:off x="4302581" y="4439341"/>
+            <a:ext cx="7288110" cy="2194113"/>
+          </a:xfrm>
+          <a:prstGeom prst="rect">
+            <a:avLst/>
+          </a:prstGeom>
+        </p:spPr>
+      </p:pic>
+      <p:pic>
+        <p:nvPicPr>
+          <p:cNvPr id="7" name="Picture 6">
+            <a:extLst>
+              <a:ext uri="{FF2B5EF4-FFF2-40B4-BE49-F238E27FC236}">
+                <a16:creationId xmlns:a16="http://schemas.microsoft.com/office/drawing/2014/main" id="{3221AD1E-AD0C-6A1B-8F35-4F5D22C05C03}"/>
+              </a:ext>
+            </a:extLst>
+          </p:cNvPr>
+          <p:cNvPicPr>
+            <a:picLocks noChangeAspect="1"/>
+          </p:cNvPicPr>
+          <p:nvPr/>
+        </p:nvPicPr>
+        <p:blipFill>
+          <a:blip r:embed="rId4"/>
+          <a:stretch>
+            <a:fillRect/>
+          </a:stretch>
+        </p:blipFill>
+        <p:spPr>
+          <a:xfrm>
+            <a:off x="5405173" y="1454416"/>
+            <a:ext cx="5285331" cy="2755295"/>
+          </a:xfrm>
+          <a:prstGeom prst="rect">
+            <a:avLst/>
+          </a:prstGeom>
+        </p:spPr>
+      </p:pic>
+    </p:spTree>
+    <p:extLst>
+      <p:ext uri="{BB962C8B-B14F-4D97-AF65-F5344CB8AC3E}">
+        <p14:creationId xmlns:p14="http://schemas.microsoft.com/office/powerpoint/2010/main" val="3619413236"/>
+      </p:ext>
+    </p:extLst>
+  </p:cSld>
+  <p:clrMapOvr>
+    <a:masterClrMapping/>
+  </p:clrMapOvr>
+</p:sld>
+</file>
+
+<file path=ppt/slides/slide12.xml><?xml version="1.0" encoding="utf-8"?>
+<p:sld xmlns:a="http://schemas.openxmlformats.org/drawingml/2006/main" xmlns:r="http://schemas.openxmlformats.org/officeDocument/2006/relationships" xmlns:p="http://schemas.openxmlformats.org/presentationml/2006/main">
+  <p:cSld>
+    <p:spTree>
+      <p:nvGrpSpPr>
+        <p:cNvPr id="1" name=""/>
+        <p:cNvGrpSpPr/>
+        <p:nvPr/>
+      </p:nvGrpSpPr>
+      <p:grpSpPr>
+        <a:xfrm>
+          <a:off x="0" y="0"/>
+          <a:ext cx="0" cy="0"/>
+          <a:chOff x="0" y="0"/>
+          <a:chExt cx="0" cy="0"/>
+        </a:xfrm>
+      </p:grpSpPr>
+      <p:pic>
+        <p:nvPicPr>
+          <p:cNvPr id="5" name="Picture 4">
+            <a:extLst>
+              <a:ext uri="{FF2B5EF4-FFF2-40B4-BE49-F238E27FC236}">
+                <a16:creationId xmlns:a16="http://schemas.microsoft.com/office/drawing/2014/main" id="{08ECA5DE-1C00-2055-D585-F705E572446E}"/>
+              </a:ext>
+            </a:extLst>
+          </p:cNvPr>
+          <p:cNvPicPr>
+            <a:picLocks noChangeAspect="1"/>
+          </p:cNvPicPr>
+          <p:nvPr/>
+        </p:nvPicPr>
+        <p:blipFill>
+          <a:blip r:embed="rId3"/>
+          <a:stretch>
+            <a:fillRect/>
+          </a:stretch>
+        </p:blipFill>
+        <p:spPr>
+          <a:xfrm>
+            <a:off x="7598979" y="2077759"/>
+            <a:ext cx="4347696" cy="3847558"/>
+          </a:xfrm>
+          <a:prstGeom prst="rect">
+            <a:avLst/>
+          </a:prstGeom>
+        </p:spPr>
+      </p:pic>
+      <p:sp>
+        <p:nvSpPr>
+          <p:cNvPr id="2" name="Title 1">
+            <a:extLst>
+              <a:ext uri="{FF2B5EF4-FFF2-40B4-BE49-F238E27FC236}">
+                <a16:creationId xmlns:a16="http://schemas.microsoft.com/office/drawing/2014/main" id="{F865125A-C969-D953-54FE-44EC1FC4B7BB}"/>
+              </a:ext>
+            </a:extLst>
+          </p:cNvPr>
+          <p:cNvSpPr>
+            <a:spLocks noGrp="1"/>
+          </p:cNvSpPr>
+          <p:nvPr>
+            <p:ph type="title"/>
+          </p:nvPr>
+        </p:nvSpPr>
+        <p:spPr/>
+        <p:txBody>
+          <a:bodyPr>
+            <a:normAutofit/>
+          </a:bodyPr>
+          <a:lstStyle/>
+          <a:p>
+            <a:r>
+              <a:rPr lang="en-US" sz="4200" dirty="0"/>
+              <a:t>Inference Performance Predictor Existing Works</a:t>
+            </a:r>
+          </a:p>
+        </p:txBody>
+      </p:sp>
+      <p:sp>
+        <p:nvSpPr>
+          <p:cNvPr id="3" name="Content Placeholder 2">
+            <a:extLst>
+              <a:ext uri="{FF2B5EF4-FFF2-40B4-BE49-F238E27FC236}">
+                <a16:creationId xmlns:a16="http://schemas.microsoft.com/office/drawing/2014/main" id="{42ED046F-D813-73AB-8D87-9EECAB0EF3A0}"/>
+              </a:ext>
+            </a:extLst>
+          </p:cNvPr>
+          <p:cNvSpPr>
+            <a:spLocks noGrp="1"/>
+          </p:cNvSpPr>
+          <p:nvPr>
+            <p:ph idx="1"/>
+          </p:nvPr>
+        </p:nvSpPr>
+        <p:spPr>
+          <a:xfrm>
+            <a:off x="838200" y="1825625"/>
+            <a:ext cx="6760779" cy="4351338"/>
+          </a:xfrm>
+        </p:spPr>
+        <p:txBody>
+          <a:bodyPr/>
+          <a:lstStyle/>
+          <a:p>
+            <a:r>
+              <a:rPr lang="en-US" dirty="0" err="1"/>
+              <a:t>MicroNets</a:t>
+            </a:r>
+            <a:r>
+              <a:rPr lang="en-US" dirty="0"/>
+              <a:t>[1]:</a:t>
+            </a:r>
+          </a:p>
+          <a:p>
+            <a:r>
+              <a:rPr lang="en-US" dirty="0" err="1"/>
+              <a:t>TinyMLPerf</a:t>
+            </a:r>
+            <a:r>
+              <a:rPr lang="en-US" dirty="0"/>
+              <a:t>[2]: overall performance of </a:t>
+            </a:r>
+            <a:r>
+              <a:rPr lang="en-US" dirty="0" err="1"/>
+              <a:t>TinyML</a:t>
+            </a:r>
+            <a:r>
+              <a:rPr lang="en-US" dirty="0"/>
+              <a:t> models.</a:t>
+            </a:r>
+          </a:p>
+        </p:txBody>
+      </p:sp>
+    </p:spTree>
+    <p:extLst>
+      <p:ext uri="{BB962C8B-B14F-4D97-AF65-F5344CB8AC3E}">
+        <p14:creationId xmlns:p14="http://schemas.microsoft.com/office/powerpoint/2010/main" val="2677941560"/>
+      </p:ext>
+    </p:extLst>
+  </p:cSld>
+  <p:clrMapOvr>
+    <a:masterClrMapping/>
+  </p:clrMapOvr>
+</p:sld>
+</file>
+
+<file path=ppt/slides/slide13.xml><?xml version="1.0" encoding="utf-8"?>
+<p:sld xmlns:a="http://schemas.openxmlformats.org/drawingml/2006/main" xmlns:r="http://schemas.openxmlformats.org/officeDocument/2006/relationships" xmlns:p="http://schemas.openxmlformats.org/presentationml/2006/main">
+  <p:cSld>
+    <p:spTree>
+      <p:nvGrpSpPr>
+        <p:cNvPr id="1" name=""/>
+        <p:cNvGrpSpPr/>
+        <p:nvPr/>
+      </p:nvGrpSpPr>
+      <p:grpSpPr>
+        <a:xfrm>
+          <a:off x="0" y="0"/>
+          <a:ext cx="0" cy="0"/>
+          <a:chOff x="0" y="0"/>
+          <a:chExt cx="0" cy="0"/>
+        </a:xfrm>
+      </p:grpSpPr>
+      <p:sp>
+        <p:nvSpPr>
+          <p:cNvPr id="2" name="Title 1">
+            <a:extLst>
+              <a:ext uri="{FF2B5EF4-FFF2-40B4-BE49-F238E27FC236}">
                 <a16:creationId xmlns:a16="http://schemas.microsoft.com/office/drawing/2014/main" id="{6ABD71B6-787F-170F-81DA-B8BB6CDFAA09}"/>
               </a:ext>
             </a:extLst>
@@ -4467,6 +5612,14 @@
           <a:bodyPr/>
           <a:lstStyle/>
           <a:p>
+            <a:r>
+              <a:rPr lang="en-US" dirty="0"/>
+              <a:t>Q</a:t>
+            </a:r>
+            <a:r>
+              <a:rPr lang="en-US" altLang="zh-CN" dirty="0"/>
+              <a:t>uestions</a:t>
+            </a:r>
             <a:endParaRPr lang="en-US" dirty="0"/>
           </a:p>
         </p:txBody>
@@ -4492,7 +5645,25 @@
           <a:bodyPr/>
           <a:lstStyle/>
           <a:p>
-            <a:endParaRPr lang="en-US"/>
+            <a:r>
+              <a:rPr lang="en-US" dirty="0"/>
+              <a:t>1. Per layer execution time</a:t>
+            </a:r>
+          </a:p>
+          <a:p>
+            <a:r>
+              <a:rPr lang="en-US" dirty="0"/>
+              <a:t>2. How to evaluate search methods?</a:t>
+            </a:r>
+          </a:p>
+          <a:p>
+            <a:r>
+              <a:rPr lang="en-US" dirty="0"/>
+              <a:t>3. Does the BLE MESH setting affect the applicability of model partitioning?</a:t>
+            </a:r>
+          </a:p>
+          <a:p>
+            <a:endParaRPr lang="en-US" dirty="0"/>
           </a:p>
         </p:txBody>
       </p:sp>
@@ -5010,153 +6181,905 @@
       </p:grpSpPr>
       <p:sp>
         <p:nvSpPr>
-          <p:cNvPr id="2" name="Title 1">
-            <a:extLst>
-              <a:ext uri="{FF2B5EF4-FFF2-40B4-BE49-F238E27FC236}">
-                <a16:creationId xmlns:a16="http://schemas.microsoft.com/office/drawing/2014/main" id="{4860E9A2-BC0F-43EA-5D2B-A17EF4F0B643}"/>
-              </a:ext>
-            </a:extLst>
-          </p:cNvPr>
-          <p:cNvSpPr>
-            <a:spLocks noGrp="1"/>
-          </p:cNvSpPr>
-          <p:nvPr>
-            <p:ph type="title"/>
-          </p:nvPr>
-        </p:nvSpPr>
-        <p:spPr/>
-        <p:txBody>
-          <a:bodyPr/>
-          <a:lstStyle/>
-          <a:p>
-            <a:r>
-              <a:rPr lang="en-US"/>
-              <a:t>Model Partitioning Existing Works</a:t>
-            </a:r>
-            <a:endParaRPr lang="en-US" dirty="0"/>
-          </a:p>
-        </p:txBody>
-      </p:sp>
-      <p:sp>
-        <p:nvSpPr>
-          <p:cNvPr id="3" name="Content Placeholder 2">
-            <a:extLst>
-              <a:ext uri="{FF2B5EF4-FFF2-40B4-BE49-F238E27FC236}">
-                <a16:creationId xmlns:a16="http://schemas.microsoft.com/office/drawing/2014/main" id="{2F994F7F-58B6-B22D-A34F-EC6FEA2CBAAF}"/>
-              </a:ext>
-            </a:extLst>
-          </p:cNvPr>
-          <p:cNvSpPr>
-            <a:spLocks noGrp="1"/>
-          </p:cNvSpPr>
-          <p:nvPr>
-            <p:ph idx="1"/>
-          </p:nvPr>
+          <p:cNvPr id="24" name="Rectangle: Rounded Corners 23">
+            <a:extLst>
+              <a:ext uri="{FF2B5EF4-FFF2-40B4-BE49-F238E27FC236}">
+                <a16:creationId xmlns:a16="http://schemas.microsoft.com/office/drawing/2014/main" id="{749BBE8A-48E2-EDB7-67CA-52D925701399}"/>
+              </a:ext>
+            </a:extLst>
+          </p:cNvPr>
+          <p:cNvSpPr/>
+          <p:nvPr/>
         </p:nvSpPr>
         <p:spPr>
           <a:xfrm>
-            <a:off x="838200" y="1690688"/>
-            <a:ext cx="6384792" cy="4594851"/>
+            <a:off x="369550" y="99494"/>
+            <a:ext cx="11062819" cy="3198031"/>
           </a:xfrm>
+          <a:prstGeom prst="roundRect">
+            <a:avLst/>
+          </a:prstGeom>
+          <a:solidFill>
+            <a:schemeClr val="bg1"/>
+          </a:solidFill>
         </p:spPr>
-        <p:txBody>
-          <a:bodyPr>
-            <a:normAutofit fontScale="92500" lnSpcReduction="10000"/>
-          </a:bodyPr>
-          <a:lstStyle/>
-          <a:p>
-            <a:r>
-              <a:rPr lang="en-US" dirty="0"/>
-              <a:t>Applicable Scenarios: Edge-Cloud</a:t>
-            </a:r>
-          </a:p>
-          <a:p>
-            <a:r>
-              <a:rPr lang="en-US" b="1" dirty="0"/>
-              <a:t>Neurosurgeon</a:t>
-            </a:r>
-            <a:r>
-              <a:rPr lang="en-US" dirty="0"/>
-              <a:t>(ASPLOS’17)[1]: </a:t>
-            </a:r>
-          </a:p>
-          <a:p>
-            <a:pPr lvl="1"/>
-            <a:r>
-              <a:rPr lang="en-US" dirty="0"/>
-              <a:t>Analyze DNN Architecture-&gt; Predict Layer Performance-&gt;Evaluate Partition Points-&gt;Execute Partitioned DNN</a:t>
-            </a:r>
-          </a:p>
-          <a:p>
-            <a:r>
-              <a:rPr lang="en-US" b="1" dirty="0"/>
-              <a:t>DADS</a:t>
-            </a:r>
-            <a:r>
-              <a:rPr lang="en-US" dirty="0"/>
-              <a:t>(INFOCOM’19)[2]: Min-Cut</a:t>
-            </a:r>
-          </a:p>
-          <a:p>
-            <a:r>
-              <a:rPr lang="en-US" b="1" dirty="0"/>
-              <a:t>QDMP</a:t>
-            </a:r>
-            <a:r>
-              <a:rPr lang="en-US" dirty="0"/>
-              <a:t>(IMWUT’20)[3]: Per layer latency is calculated by subtracting the maximum latency of all precursor layers from the total latency up to the current layer.</a:t>
-            </a:r>
-          </a:p>
-          <a:p>
-            <a:r>
-              <a:rPr lang="en-US" b="1" dirty="0"/>
-              <a:t>Auto-Split</a:t>
-            </a:r>
-            <a:r>
-              <a:rPr lang="en-US" dirty="0"/>
-              <a:t>(KDD’21 ADS Track)[4]: Graph Optimization(Layer folding, layer fusion)</a:t>
-            </a:r>
-          </a:p>
-          <a:p>
-            <a:pPr lvl="1"/>
-            <a:endParaRPr lang="en-US" dirty="0"/>
-          </a:p>
-        </p:txBody>
-      </p:sp>
-      <p:pic>
-        <p:nvPicPr>
-          <p:cNvPr id="11" name="Picture 10">
-            <a:extLst>
-              <a:ext uri="{FF2B5EF4-FFF2-40B4-BE49-F238E27FC236}">
-                <a16:creationId xmlns:a16="http://schemas.microsoft.com/office/drawing/2014/main" id="{CEBF5F02-34DF-C847-EDF9-38FFD97C4653}"/>
-              </a:ext>
-            </a:extLst>
-          </p:cNvPr>
-          <p:cNvPicPr>
-            <a:picLocks noChangeAspect="1"/>
-          </p:cNvPicPr>
+        <p:style>
+          <a:lnRef idx="2">
+            <a:schemeClr val="accent1">
+              <a:shade val="15000"/>
+            </a:schemeClr>
+          </a:lnRef>
+          <a:fillRef idx="1">
+            <a:schemeClr val="accent1"/>
+          </a:fillRef>
+          <a:effectRef idx="0">
+            <a:schemeClr val="accent1"/>
+          </a:effectRef>
+          <a:fontRef idx="minor">
+            <a:schemeClr val="lt1"/>
+          </a:fontRef>
+        </p:style>
+        <p:txBody>
+          <a:bodyPr rtlCol="0" anchor="ctr"/>
+          <a:lstStyle/>
+          <a:p>
+            <a:pPr algn="ctr"/>
+            <a:endParaRPr lang="en-US"/>
+          </a:p>
+        </p:txBody>
+      </p:sp>
+      <p:sp>
+        <p:nvSpPr>
+          <p:cNvPr id="25" name="Rectangle: Rounded Corners 24">
+            <a:extLst>
+              <a:ext uri="{FF2B5EF4-FFF2-40B4-BE49-F238E27FC236}">
+                <a16:creationId xmlns:a16="http://schemas.microsoft.com/office/drawing/2014/main" id="{D7591ACB-4325-BDF3-E3A9-F679556D0E63}"/>
+              </a:ext>
+            </a:extLst>
+          </p:cNvPr>
+          <p:cNvSpPr/>
           <p:nvPr/>
-        </p:nvPicPr>
-        <p:blipFill>
-          <a:blip r:embed="rId3"/>
-          <a:stretch>
-            <a:fillRect/>
-          </a:stretch>
-        </p:blipFill>
+        </p:nvSpPr>
         <p:spPr>
           <a:xfrm>
-            <a:off x="7526807" y="2573318"/>
-            <a:ext cx="4362077" cy="2855952"/>
+            <a:off x="3529679" y="168781"/>
+            <a:ext cx="7585256" cy="2128467"/>
+          </a:xfrm>
+          <a:prstGeom prst="roundRect">
+            <a:avLst/>
+          </a:prstGeom>
+          <a:solidFill>
+            <a:schemeClr val="bg1"/>
+          </a:solidFill>
+        </p:spPr>
+        <p:style>
+          <a:lnRef idx="2">
+            <a:schemeClr val="accent1">
+              <a:shade val="15000"/>
+            </a:schemeClr>
+          </a:lnRef>
+          <a:fillRef idx="1">
+            <a:schemeClr val="accent1"/>
+          </a:fillRef>
+          <a:effectRef idx="0">
+            <a:schemeClr val="accent1"/>
+          </a:effectRef>
+          <a:fontRef idx="minor">
+            <a:schemeClr val="lt1"/>
+          </a:fontRef>
+        </p:style>
+        <p:txBody>
+          <a:bodyPr rtlCol="0" anchor="ctr"/>
+          <a:lstStyle/>
+          <a:p>
+            <a:pPr algn="ctr"/>
+            <a:endParaRPr lang="en-US"/>
+          </a:p>
+        </p:txBody>
+      </p:sp>
+      <p:sp>
+        <p:nvSpPr>
+          <p:cNvPr id="4" name="Rectangle 3">
+            <a:extLst>
+              <a:ext uri="{FF2B5EF4-FFF2-40B4-BE49-F238E27FC236}">
+                <a16:creationId xmlns:a16="http://schemas.microsoft.com/office/drawing/2014/main" id="{48EEC607-324E-25F5-B6E7-707AD8D2552F}"/>
+              </a:ext>
+            </a:extLst>
+          </p:cNvPr>
+          <p:cNvSpPr/>
+          <p:nvPr/>
+        </p:nvSpPr>
+        <p:spPr>
+          <a:xfrm>
+            <a:off x="753315" y="5356506"/>
+            <a:ext cx="2274155" cy="822803"/>
           </a:xfrm>
           <a:prstGeom prst="rect">
             <a:avLst/>
           </a:prstGeom>
         </p:spPr>
-      </p:pic>
+        <p:style>
+          <a:lnRef idx="2">
+            <a:schemeClr val="accent1">
+              <a:shade val="15000"/>
+            </a:schemeClr>
+          </a:lnRef>
+          <a:fillRef idx="1">
+            <a:schemeClr val="accent1"/>
+          </a:fillRef>
+          <a:effectRef idx="0">
+            <a:schemeClr val="accent1"/>
+          </a:effectRef>
+          <a:fontRef idx="minor">
+            <a:schemeClr val="lt1"/>
+          </a:fontRef>
+        </p:style>
+        <p:txBody>
+          <a:bodyPr rtlCol="0" anchor="ctr"/>
+          <a:lstStyle/>
+          <a:p>
+            <a:pPr algn="ctr"/>
+            <a:r>
+              <a:rPr lang="en-US" sz="2800" dirty="0"/>
+              <a:t>BLE Mesh Network</a:t>
+            </a:r>
+          </a:p>
+        </p:txBody>
+      </p:sp>
+      <p:sp>
+        <p:nvSpPr>
+          <p:cNvPr id="5" name="Rectangle 4">
+            <a:extLst>
+              <a:ext uri="{FF2B5EF4-FFF2-40B4-BE49-F238E27FC236}">
+                <a16:creationId xmlns:a16="http://schemas.microsoft.com/office/drawing/2014/main" id="{25987686-FAFE-9436-ED8C-C1B0782AFC7D}"/>
+              </a:ext>
+            </a:extLst>
+          </p:cNvPr>
+          <p:cNvSpPr/>
+          <p:nvPr/>
+        </p:nvSpPr>
+        <p:spPr>
+          <a:xfrm>
+            <a:off x="715412" y="3704385"/>
+            <a:ext cx="2274155" cy="822802"/>
+          </a:xfrm>
+          <a:prstGeom prst="rect">
+            <a:avLst/>
+          </a:prstGeom>
+        </p:spPr>
+        <p:style>
+          <a:lnRef idx="2">
+            <a:schemeClr val="accent1">
+              <a:shade val="15000"/>
+            </a:schemeClr>
+          </a:lnRef>
+          <a:fillRef idx="1">
+            <a:schemeClr val="accent1"/>
+          </a:fillRef>
+          <a:effectRef idx="0">
+            <a:schemeClr val="accent1"/>
+          </a:effectRef>
+          <a:fontRef idx="minor">
+            <a:schemeClr val="lt1"/>
+          </a:fontRef>
+        </p:style>
+        <p:txBody>
+          <a:bodyPr rtlCol="0" anchor="ctr"/>
+          <a:lstStyle/>
+          <a:p>
+            <a:pPr algn="ctr"/>
+            <a:r>
+              <a:rPr lang="en-US" sz="2800" dirty="0"/>
+              <a:t>Overlay Network</a:t>
+            </a:r>
+          </a:p>
+        </p:txBody>
+      </p:sp>
+      <p:sp>
+        <p:nvSpPr>
+          <p:cNvPr id="6" name="Rectangle 5">
+            <a:extLst>
+              <a:ext uri="{FF2B5EF4-FFF2-40B4-BE49-F238E27FC236}">
+                <a16:creationId xmlns:a16="http://schemas.microsoft.com/office/drawing/2014/main" id="{768C9F72-CF74-AD49-189A-475EEB07EC38}"/>
+              </a:ext>
+            </a:extLst>
+          </p:cNvPr>
+          <p:cNvSpPr/>
+          <p:nvPr/>
+        </p:nvSpPr>
+        <p:spPr>
+          <a:xfrm>
+            <a:off x="753315" y="476545"/>
+            <a:ext cx="1942507" cy="2451429"/>
+          </a:xfrm>
+          <a:prstGeom prst="rect">
+            <a:avLst/>
+          </a:prstGeom>
+        </p:spPr>
+        <p:style>
+          <a:lnRef idx="2">
+            <a:schemeClr val="accent1">
+              <a:shade val="15000"/>
+            </a:schemeClr>
+          </a:lnRef>
+          <a:fillRef idx="1">
+            <a:schemeClr val="accent1"/>
+          </a:fillRef>
+          <a:effectRef idx="0">
+            <a:schemeClr val="accent1"/>
+          </a:effectRef>
+          <a:fontRef idx="minor">
+            <a:schemeClr val="lt1"/>
+          </a:fontRef>
+        </p:style>
+        <p:txBody>
+          <a:bodyPr rtlCol="0" anchor="ctr"/>
+          <a:lstStyle/>
+          <a:p>
+            <a:pPr algn="ctr"/>
+            <a:r>
+              <a:rPr lang="en-US" sz="2800" dirty="0"/>
+              <a:t>Model Partitioning</a:t>
+            </a:r>
+          </a:p>
+          <a:p>
+            <a:pPr algn="ctr"/>
+            <a:r>
+              <a:rPr lang="en-US" sz="2800" dirty="0"/>
+              <a:t>Scheduler</a:t>
+            </a:r>
+          </a:p>
+        </p:txBody>
+      </p:sp>
+      <p:sp>
+        <p:nvSpPr>
+          <p:cNvPr id="7" name="Rectangle 6">
+            <a:extLst>
+              <a:ext uri="{FF2B5EF4-FFF2-40B4-BE49-F238E27FC236}">
+                <a16:creationId xmlns:a16="http://schemas.microsoft.com/office/drawing/2014/main" id="{78A4D91E-8F55-4DA0-B00C-BA97DD807663}"/>
+              </a:ext>
+            </a:extLst>
+          </p:cNvPr>
+          <p:cNvSpPr/>
+          <p:nvPr/>
+        </p:nvSpPr>
+        <p:spPr>
+          <a:xfrm>
+            <a:off x="3672207" y="412980"/>
+            <a:ext cx="1298164" cy="1482149"/>
+          </a:xfrm>
+          <a:prstGeom prst="rect">
+            <a:avLst/>
+          </a:prstGeom>
+        </p:spPr>
+        <p:style>
+          <a:lnRef idx="2">
+            <a:schemeClr val="accent1">
+              <a:shade val="15000"/>
+            </a:schemeClr>
+          </a:lnRef>
+          <a:fillRef idx="1">
+            <a:schemeClr val="accent1"/>
+          </a:fillRef>
+          <a:effectRef idx="0">
+            <a:schemeClr val="accent1"/>
+          </a:effectRef>
+          <a:fontRef idx="minor">
+            <a:schemeClr val="lt1"/>
+          </a:fontRef>
+        </p:style>
+        <p:txBody>
+          <a:bodyPr rtlCol="0" anchor="ctr"/>
+          <a:lstStyle/>
+          <a:p>
+            <a:pPr algn="ctr"/>
+            <a:r>
+              <a:rPr lang="en-US" sz="2400" dirty="0"/>
+              <a:t>Profiler</a:t>
+            </a:r>
+          </a:p>
+        </p:txBody>
+      </p:sp>
+      <p:sp>
+        <p:nvSpPr>
+          <p:cNvPr id="8" name="Rectangle 7">
+            <a:extLst>
+              <a:ext uri="{FF2B5EF4-FFF2-40B4-BE49-F238E27FC236}">
+                <a16:creationId xmlns:a16="http://schemas.microsoft.com/office/drawing/2014/main" id="{18A99AB6-8776-7E96-6984-1EC52F55D2EF}"/>
+              </a:ext>
+            </a:extLst>
+          </p:cNvPr>
+          <p:cNvSpPr/>
+          <p:nvPr/>
+        </p:nvSpPr>
+        <p:spPr>
+          <a:xfrm>
+            <a:off x="3672208" y="2411552"/>
+            <a:ext cx="1298164" cy="588281"/>
+          </a:xfrm>
+          <a:prstGeom prst="rect">
+            <a:avLst/>
+          </a:prstGeom>
+        </p:spPr>
+        <p:style>
+          <a:lnRef idx="2">
+            <a:schemeClr val="accent1">
+              <a:shade val="15000"/>
+            </a:schemeClr>
+          </a:lnRef>
+          <a:fillRef idx="1">
+            <a:schemeClr val="accent1"/>
+          </a:fillRef>
+          <a:effectRef idx="0">
+            <a:schemeClr val="accent1"/>
+          </a:effectRef>
+          <a:fontRef idx="minor">
+            <a:schemeClr val="lt1"/>
+          </a:fontRef>
+        </p:style>
+        <p:txBody>
+          <a:bodyPr rtlCol="0" anchor="ctr"/>
+          <a:lstStyle/>
+          <a:p>
+            <a:pPr algn="ctr"/>
+            <a:r>
+              <a:rPr lang="en-US" sz="2400" dirty="0"/>
+              <a:t>Search</a:t>
+            </a:r>
+          </a:p>
+        </p:txBody>
+      </p:sp>
+      <p:sp>
+        <p:nvSpPr>
+          <p:cNvPr id="9" name="Rectangle 8">
+            <a:extLst>
+              <a:ext uri="{FF2B5EF4-FFF2-40B4-BE49-F238E27FC236}">
+                <a16:creationId xmlns:a16="http://schemas.microsoft.com/office/drawing/2014/main" id="{8D838477-8178-27A5-3F0A-C0DAFAD32DB1}"/>
+              </a:ext>
+            </a:extLst>
+          </p:cNvPr>
+          <p:cNvSpPr/>
+          <p:nvPr/>
+        </p:nvSpPr>
+        <p:spPr>
+          <a:xfrm>
+            <a:off x="5587079" y="412981"/>
+            <a:ext cx="2867964" cy="559853"/>
+          </a:xfrm>
+          <a:prstGeom prst="rect">
+            <a:avLst/>
+          </a:prstGeom>
+        </p:spPr>
+        <p:style>
+          <a:lnRef idx="2">
+            <a:schemeClr val="accent1">
+              <a:shade val="15000"/>
+            </a:schemeClr>
+          </a:lnRef>
+          <a:fillRef idx="1">
+            <a:schemeClr val="accent1"/>
+          </a:fillRef>
+          <a:effectRef idx="0">
+            <a:schemeClr val="accent1"/>
+          </a:effectRef>
+          <a:fontRef idx="minor">
+            <a:schemeClr val="lt1"/>
+          </a:fontRef>
+        </p:style>
+        <p:txBody>
+          <a:bodyPr rtlCol="0" anchor="ctr"/>
+          <a:lstStyle/>
+          <a:p>
+            <a:pPr algn="ctr"/>
+            <a:r>
+              <a:rPr lang="en-US" sz="2000" dirty="0">
+                <a:solidFill>
+                  <a:srgbClr val="FF0000"/>
+                </a:solidFill>
+              </a:rPr>
+              <a:t>Inference performance predictor for MCUs</a:t>
+            </a:r>
+          </a:p>
+        </p:txBody>
+      </p:sp>
+      <p:sp>
+        <p:nvSpPr>
+          <p:cNvPr id="10" name="Rectangle 9">
+            <a:extLst>
+              <a:ext uri="{FF2B5EF4-FFF2-40B4-BE49-F238E27FC236}">
+                <a16:creationId xmlns:a16="http://schemas.microsoft.com/office/drawing/2014/main" id="{2B67B26A-77BE-2802-B101-9A32B2548331}"/>
+              </a:ext>
+            </a:extLst>
+          </p:cNvPr>
+          <p:cNvSpPr/>
+          <p:nvPr/>
+        </p:nvSpPr>
+        <p:spPr>
+          <a:xfrm>
+            <a:off x="9015290" y="207280"/>
+            <a:ext cx="1076276" cy="269266"/>
+          </a:xfrm>
+          <a:prstGeom prst="rect">
+            <a:avLst/>
+          </a:prstGeom>
+        </p:spPr>
+        <p:style>
+          <a:lnRef idx="2">
+            <a:schemeClr val="accent1">
+              <a:shade val="15000"/>
+            </a:schemeClr>
+          </a:lnRef>
+          <a:fillRef idx="1">
+            <a:schemeClr val="accent1"/>
+          </a:fillRef>
+          <a:effectRef idx="0">
+            <a:schemeClr val="accent1"/>
+          </a:effectRef>
+          <a:fontRef idx="minor">
+            <a:schemeClr val="lt1"/>
+          </a:fontRef>
+        </p:style>
+        <p:txBody>
+          <a:bodyPr rtlCol="0" anchor="ctr"/>
+          <a:lstStyle/>
+          <a:p>
+            <a:pPr algn="ctr"/>
+            <a:r>
+              <a:rPr lang="en-US" sz="1600" dirty="0"/>
+              <a:t>Latency</a:t>
+            </a:r>
+          </a:p>
+        </p:txBody>
+      </p:sp>
+      <p:sp>
+        <p:nvSpPr>
+          <p:cNvPr id="11" name="Rectangle 10">
+            <a:extLst>
+              <a:ext uri="{FF2B5EF4-FFF2-40B4-BE49-F238E27FC236}">
+                <a16:creationId xmlns:a16="http://schemas.microsoft.com/office/drawing/2014/main" id="{AC4263E1-0431-0F13-AEBF-0399496D2342}"/>
+              </a:ext>
+            </a:extLst>
+          </p:cNvPr>
+          <p:cNvSpPr/>
+          <p:nvPr/>
+        </p:nvSpPr>
+        <p:spPr>
+          <a:xfrm>
+            <a:off x="9015290" y="557484"/>
+            <a:ext cx="1076276" cy="276372"/>
+          </a:xfrm>
+          <a:prstGeom prst="rect">
+            <a:avLst/>
+          </a:prstGeom>
+        </p:spPr>
+        <p:style>
+          <a:lnRef idx="2">
+            <a:schemeClr val="accent1">
+              <a:shade val="15000"/>
+            </a:schemeClr>
+          </a:lnRef>
+          <a:fillRef idx="1">
+            <a:schemeClr val="accent1"/>
+          </a:fillRef>
+          <a:effectRef idx="0">
+            <a:schemeClr val="accent1"/>
+          </a:effectRef>
+          <a:fontRef idx="minor">
+            <a:schemeClr val="lt1"/>
+          </a:fontRef>
+        </p:style>
+        <p:txBody>
+          <a:bodyPr rtlCol="0" anchor="ctr"/>
+          <a:lstStyle/>
+          <a:p>
+            <a:pPr algn="ctr"/>
+            <a:r>
+              <a:rPr lang="en-US" sz="1600" dirty="0"/>
+              <a:t>Memory</a:t>
+            </a:r>
+          </a:p>
+        </p:txBody>
+      </p:sp>
+      <p:sp>
+        <p:nvSpPr>
+          <p:cNvPr id="12" name="Rectangle 11">
+            <a:extLst>
+              <a:ext uri="{FF2B5EF4-FFF2-40B4-BE49-F238E27FC236}">
+                <a16:creationId xmlns:a16="http://schemas.microsoft.com/office/drawing/2014/main" id="{844BB857-473D-F063-838A-1735BD4EBB1E}"/>
+              </a:ext>
+            </a:extLst>
+          </p:cNvPr>
+          <p:cNvSpPr/>
+          <p:nvPr/>
+        </p:nvSpPr>
+        <p:spPr>
+          <a:xfrm>
+            <a:off x="9015290" y="914794"/>
+            <a:ext cx="1076276" cy="276372"/>
+          </a:xfrm>
+          <a:prstGeom prst="rect">
+            <a:avLst/>
+          </a:prstGeom>
+        </p:spPr>
+        <p:style>
+          <a:lnRef idx="2">
+            <a:schemeClr val="accent1">
+              <a:shade val="15000"/>
+            </a:schemeClr>
+          </a:lnRef>
+          <a:fillRef idx="1">
+            <a:schemeClr val="accent1"/>
+          </a:fillRef>
+          <a:effectRef idx="0">
+            <a:schemeClr val="accent1"/>
+          </a:effectRef>
+          <a:fontRef idx="minor">
+            <a:schemeClr val="lt1"/>
+          </a:fontRef>
+        </p:style>
+        <p:txBody>
+          <a:bodyPr rtlCol="0" anchor="ctr"/>
+          <a:lstStyle/>
+          <a:p>
+            <a:pPr algn="ctr"/>
+            <a:r>
+              <a:rPr lang="en-US" sz="1600" dirty="0"/>
+              <a:t>Energy</a:t>
+            </a:r>
+          </a:p>
+        </p:txBody>
+      </p:sp>
+      <p:sp>
+        <p:nvSpPr>
+          <p:cNvPr id="13" name="Rectangle 12">
+            <a:extLst>
+              <a:ext uri="{FF2B5EF4-FFF2-40B4-BE49-F238E27FC236}">
+                <a16:creationId xmlns:a16="http://schemas.microsoft.com/office/drawing/2014/main" id="{BC7F899C-F3CF-844A-3D9D-A35BED202F88}"/>
+              </a:ext>
+            </a:extLst>
+          </p:cNvPr>
+          <p:cNvSpPr/>
+          <p:nvPr/>
+        </p:nvSpPr>
+        <p:spPr>
+          <a:xfrm>
+            <a:off x="5608200" y="1468128"/>
+            <a:ext cx="2702140" cy="517019"/>
+          </a:xfrm>
+          <a:prstGeom prst="rect">
+            <a:avLst/>
+          </a:prstGeom>
+        </p:spPr>
+        <p:style>
+          <a:lnRef idx="2">
+            <a:schemeClr val="accent1">
+              <a:shade val="15000"/>
+            </a:schemeClr>
+          </a:lnRef>
+          <a:fillRef idx="1">
+            <a:schemeClr val="accent1"/>
+          </a:fillRef>
+          <a:effectRef idx="0">
+            <a:schemeClr val="accent1"/>
+          </a:effectRef>
+          <a:fontRef idx="minor">
+            <a:schemeClr val="lt1"/>
+          </a:fontRef>
+        </p:style>
+        <p:txBody>
+          <a:bodyPr rtlCol="0" anchor="ctr"/>
+          <a:lstStyle/>
+          <a:p>
+            <a:pPr algn="ctr"/>
+            <a:r>
+              <a:rPr lang="en-US" sz="2000" dirty="0"/>
+              <a:t>Network Conditions</a:t>
+            </a:r>
+          </a:p>
+          <a:p>
+            <a:pPr algn="ctr"/>
+            <a:r>
+              <a:rPr lang="en-US" sz="2000" dirty="0"/>
+              <a:t>Profiler</a:t>
+            </a:r>
+          </a:p>
+        </p:txBody>
+      </p:sp>
+      <p:sp>
+        <p:nvSpPr>
+          <p:cNvPr id="14" name="Rectangle 13">
+            <a:extLst>
+              <a:ext uri="{FF2B5EF4-FFF2-40B4-BE49-F238E27FC236}">
+                <a16:creationId xmlns:a16="http://schemas.microsoft.com/office/drawing/2014/main" id="{032F5EC2-15CC-EFB0-CB48-6DC1483C09BF}"/>
+              </a:ext>
+            </a:extLst>
+          </p:cNvPr>
+          <p:cNvSpPr/>
+          <p:nvPr/>
+        </p:nvSpPr>
+        <p:spPr>
+          <a:xfrm>
+            <a:off x="8948169" y="1394989"/>
+            <a:ext cx="1246838" cy="321975"/>
+          </a:xfrm>
+          <a:prstGeom prst="rect">
+            <a:avLst/>
+          </a:prstGeom>
+        </p:spPr>
+        <p:style>
+          <a:lnRef idx="2">
+            <a:schemeClr val="accent1">
+              <a:shade val="15000"/>
+            </a:schemeClr>
+          </a:lnRef>
+          <a:fillRef idx="1">
+            <a:schemeClr val="accent1"/>
+          </a:fillRef>
+          <a:effectRef idx="0">
+            <a:schemeClr val="accent1"/>
+          </a:effectRef>
+          <a:fontRef idx="minor">
+            <a:schemeClr val="lt1"/>
+          </a:fontRef>
+        </p:style>
+        <p:txBody>
+          <a:bodyPr rtlCol="0" anchor="ctr"/>
+          <a:lstStyle/>
+          <a:p>
+            <a:pPr algn="ctr"/>
+            <a:r>
+              <a:rPr lang="en-US" sz="1600" dirty="0"/>
+              <a:t>Bandwidth</a:t>
+            </a:r>
+          </a:p>
+        </p:txBody>
+      </p:sp>
+      <p:sp>
+        <p:nvSpPr>
+          <p:cNvPr id="15" name="Rectangle 14">
+            <a:extLst>
+              <a:ext uri="{FF2B5EF4-FFF2-40B4-BE49-F238E27FC236}">
+                <a16:creationId xmlns:a16="http://schemas.microsoft.com/office/drawing/2014/main" id="{C60EAEDF-91BD-91C0-3CE7-84EAF24CBA1C}"/>
+              </a:ext>
+            </a:extLst>
+          </p:cNvPr>
+          <p:cNvSpPr/>
+          <p:nvPr/>
+        </p:nvSpPr>
+        <p:spPr>
+          <a:xfrm>
+            <a:off x="8663896" y="1825141"/>
+            <a:ext cx="1905397" cy="383764"/>
+          </a:xfrm>
+          <a:prstGeom prst="rect">
+            <a:avLst/>
+          </a:prstGeom>
+        </p:spPr>
+        <p:style>
+          <a:lnRef idx="2">
+            <a:schemeClr val="accent1">
+              <a:shade val="15000"/>
+            </a:schemeClr>
+          </a:lnRef>
+          <a:fillRef idx="1">
+            <a:schemeClr val="accent1"/>
+          </a:fillRef>
+          <a:effectRef idx="0">
+            <a:schemeClr val="accent1"/>
+          </a:effectRef>
+          <a:fontRef idx="minor">
+            <a:schemeClr val="lt1"/>
+          </a:fontRef>
+        </p:style>
+        <p:txBody>
+          <a:bodyPr rtlCol="0" anchor="ctr"/>
+          <a:lstStyle/>
+          <a:p>
+            <a:pPr algn="ctr"/>
+            <a:r>
+              <a:rPr lang="en-US" sz="1600" dirty="0"/>
+              <a:t>Nodes Capabilities</a:t>
+            </a:r>
+          </a:p>
+        </p:txBody>
+      </p:sp>
+      <p:sp>
+        <p:nvSpPr>
+          <p:cNvPr id="20" name="Rectangle 19">
+            <a:extLst>
+              <a:ext uri="{FF2B5EF4-FFF2-40B4-BE49-F238E27FC236}">
+                <a16:creationId xmlns:a16="http://schemas.microsoft.com/office/drawing/2014/main" id="{ADE703FB-41A1-D209-0C31-2804212102AC}"/>
+              </a:ext>
+            </a:extLst>
+          </p:cNvPr>
+          <p:cNvSpPr/>
+          <p:nvPr/>
+        </p:nvSpPr>
+        <p:spPr>
+          <a:xfrm>
+            <a:off x="3866852" y="3600744"/>
+            <a:ext cx="1496363" cy="426799"/>
+          </a:xfrm>
+          <a:prstGeom prst="rect">
+            <a:avLst/>
+          </a:prstGeom>
+        </p:spPr>
+        <p:style>
+          <a:lnRef idx="2">
+            <a:schemeClr val="accent1">
+              <a:shade val="15000"/>
+            </a:schemeClr>
+          </a:lnRef>
+          <a:fillRef idx="1">
+            <a:schemeClr val="accent1"/>
+          </a:fillRef>
+          <a:effectRef idx="0">
+            <a:schemeClr val="accent1"/>
+          </a:effectRef>
+          <a:fontRef idx="minor">
+            <a:schemeClr val="lt1"/>
+          </a:fontRef>
+        </p:style>
+        <p:txBody>
+          <a:bodyPr rtlCol="0" anchor="ctr"/>
+          <a:lstStyle/>
+          <a:p>
+            <a:pPr algn="ctr"/>
+            <a:r>
+              <a:rPr lang="en-US" sz="2400" dirty="0"/>
+              <a:t>Routing</a:t>
+            </a:r>
+          </a:p>
+        </p:txBody>
+      </p:sp>
+      <p:sp>
+        <p:nvSpPr>
+          <p:cNvPr id="21" name="Rectangle 20">
+            <a:extLst>
+              <a:ext uri="{FF2B5EF4-FFF2-40B4-BE49-F238E27FC236}">
+                <a16:creationId xmlns:a16="http://schemas.microsoft.com/office/drawing/2014/main" id="{BF52E885-6E88-1904-09BB-E28603C2E9F8}"/>
+              </a:ext>
+            </a:extLst>
+          </p:cNvPr>
+          <p:cNvSpPr/>
+          <p:nvPr/>
+        </p:nvSpPr>
+        <p:spPr>
+          <a:xfrm>
+            <a:off x="3730246" y="5136199"/>
+            <a:ext cx="2078325" cy="559852"/>
+          </a:xfrm>
+          <a:prstGeom prst="rect">
+            <a:avLst/>
+          </a:prstGeom>
+        </p:spPr>
+        <p:style>
+          <a:lnRef idx="2">
+            <a:schemeClr val="accent1">
+              <a:shade val="15000"/>
+            </a:schemeClr>
+          </a:lnRef>
+          <a:fillRef idx="1">
+            <a:schemeClr val="accent1"/>
+          </a:fillRef>
+          <a:effectRef idx="0">
+            <a:schemeClr val="accent1"/>
+          </a:effectRef>
+          <a:fontRef idx="minor">
+            <a:schemeClr val="lt1"/>
+          </a:fontRef>
+        </p:style>
+        <p:txBody>
+          <a:bodyPr rtlCol="0" anchor="ctr"/>
+          <a:lstStyle/>
+          <a:p>
+            <a:pPr algn="ctr"/>
+            <a:r>
+              <a:rPr lang="en-US" sz="2400" dirty="0"/>
+              <a:t>Provisioning</a:t>
+            </a:r>
+          </a:p>
+        </p:txBody>
+      </p:sp>
+      <p:sp>
+        <p:nvSpPr>
+          <p:cNvPr id="22" name="Rectangle 21">
+            <a:extLst>
+              <a:ext uri="{FF2B5EF4-FFF2-40B4-BE49-F238E27FC236}">
+                <a16:creationId xmlns:a16="http://schemas.microsoft.com/office/drawing/2014/main" id="{0E8DB65E-FB4B-0D2D-DA06-3B22F137B872}"/>
+              </a:ext>
+            </a:extLst>
+          </p:cNvPr>
+          <p:cNvSpPr/>
+          <p:nvPr/>
+        </p:nvSpPr>
+        <p:spPr>
+          <a:xfrm>
+            <a:off x="3730246" y="5899383"/>
+            <a:ext cx="2078325" cy="559852"/>
+          </a:xfrm>
+          <a:prstGeom prst="rect">
+            <a:avLst/>
+          </a:prstGeom>
+        </p:spPr>
+        <p:style>
+          <a:lnRef idx="2">
+            <a:schemeClr val="accent1">
+              <a:shade val="15000"/>
+            </a:schemeClr>
+          </a:lnRef>
+          <a:fillRef idx="1">
+            <a:schemeClr val="accent1"/>
+          </a:fillRef>
+          <a:effectRef idx="0">
+            <a:schemeClr val="accent1"/>
+          </a:effectRef>
+          <a:fontRef idx="minor">
+            <a:schemeClr val="lt1"/>
+          </a:fontRef>
+        </p:style>
+        <p:txBody>
+          <a:bodyPr rtlCol="0" anchor="ctr"/>
+          <a:lstStyle/>
+          <a:p>
+            <a:pPr algn="ctr"/>
+            <a:r>
+              <a:rPr lang="en-US" sz="2400" dirty="0"/>
+              <a:t>Forwarding</a:t>
+            </a:r>
+          </a:p>
+        </p:txBody>
+      </p:sp>
+      <p:sp>
+        <p:nvSpPr>
+          <p:cNvPr id="23" name="Rectangle 22">
+            <a:extLst>
+              <a:ext uri="{FF2B5EF4-FFF2-40B4-BE49-F238E27FC236}">
+                <a16:creationId xmlns:a16="http://schemas.microsoft.com/office/drawing/2014/main" id="{FC01F528-8900-A8CE-5D8D-BF4E05CA0B41}"/>
+              </a:ext>
+            </a:extLst>
+          </p:cNvPr>
+          <p:cNvSpPr/>
+          <p:nvPr/>
+        </p:nvSpPr>
+        <p:spPr>
+          <a:xfrm>
+            <a:off x="3866851" y="4230875"/>
+            <a:ext cx="1496363" cy="426799"/>
+          </a:xfrm>
+          <a:prstGeom prst="rect">
+            <a:avLst/>
+          </a:prstGeom>
+        </p:spPr>
+        <p:style>
+          <a:lnRef idx="2">
+            <a:schemeClr val="accent1">
+              <a:shade val="15000"/>
+            </a:schemeClr>
+          </a:lnRef>
+          <a:fillRef idx="1">
+            <a:schemeClr val="accent1"/>
+          </a:fillRef>
+          <a:effectRef idx="0">
+            <a:schemeClr val="accent1"/>
+          </a:effectRef>
+          <a:fontRef idx="minor">
+            <a:schemeClr val="lt1"/>
+          </a:fontRef>
+        </p:style>
+        <p:txBody>
+          <a:bodyPr rtlCol="0" anchor="ctr"/>
+          <a:lstStyle/>
+          <a:p>
+            <a:pPr algn="ctr"/>
+            <a:endParaRPr lang="en-US" sz="2400" dirty="0"/>
+          </a:p>
+        </p:txBody>
+      </p:sp>
     </p:spTree>
     <p:extLst>
       <p:ext uri="{BB962C8B-B14F-4D97-AF65-F5344CB8AC3E}">
-        <p14:creationId xmlns:p14="http://schemas.microsoft.com/office/powerpoint/2010/main" val="108957251"/>
+        <p14:creationId xmlns:p14="http://schemas.microsoft.com/office/powerpoint/2010/main" val="1819793623"/>
       </p:ext>
     </p:extLst>
   </p:cSld>
@@ -5948,6 +7871,108 @@
           </a:p>
           <a:p>
             <a:endParaRPr lang="en-US" dirty="0"/>
+          </a:p>
+        </p:txBody>
+      </p:sp>
+      <p:graphicFrame>
+        <p:nvGraphicFramePr>
+          <p:cNvPr id="5" name="Object 4">
+            <a:extLst>
+              <a:ext uri="{FF2B5EF4-FFF2-40B4-BE49-F238E27FC236}">
+                <a16:creationId xmlns:a16="http://schemas.microsoft.com/office/drawing/2014/main" id="{1737084D-57FE-F690-829E-06EFC1231049}"/>
+              </a:ext>
+            </a:extLst>
+          </p:cNvPr>
+          <p:cNvGraphicFramePr>
+            <a:graphicFrameLocks noChangeAspect="1"/>
+          </p:cNvGraphicFramePr>
+          <p:nvPr>
+            <p:extLst>
+              <p:ext uri="{D42A27DB-BD31-4B8C-83A1-F6EECF244321}">
+                <p14:modId xmlns:p14="http://schemas.microsoft.com/office/powerpoint/2010/main" val="1348597895"/>
+              </p:ext>
+            </p:extLst>
+          </p:nvPr>
+        </p:nvGraphicFramePr>
+        <p:xfrm>
+          <a:off x="6483927" y="1795930"/>
+          <a:ext cx="4695075" cy="3266139"/>
+        </p:xfrm>
+        <a:graphic>
+          <a:graphicData uri="http://schemas.openxmlformats.org/presentationml/2006/ole">
+            <mc:AlternateContent xmlns:mc="http://schemas.openxmlformats.org/markup-compatibility/2006">
+              <mc:Choice xmlns:v="urn:schemas-microsoft-com:vml" Requires="v">
+                <p:oleObj name="Worksheet" r:id="rId2" imgW="2920832" imgH="2031857" progId="Excel.Sheet.12">
+                  <p:embed/>
+                </p:oleObj>
+              </mc:Choice>
+              <mc:Fallback>
+                <p:oleObj name="Worksheet" r:id="rId2" imgW="2920832" imgH="2031857" progId="Excel.Sheet.12">
+                  <p:embed/>
+                  <p:pic>
+                    <p:nvPicPr>
+                      <p:cNvPr id="0" name=""/>
+                      <p:cNvPicPr/>
+                      <p:nvPr/>
+                    </p:nvPicPr>
+                    <p:blipFill>
+                      <a:blip r:embed="rId3"/>
+                      <a:stretch>
+                        <a:fillRect/>
+                      </a:stretch>
+                    </p:blipFill>
+                    <p:spPr>
+                      <a:xfrm>
+                        <a:off x="6483927" y="1795930"/>
+                        <a:ext cx="4695075" cy="3266139"/>
+                      </a:xfrm>
+                      <a:prstGeom prst="rect">
+                        <a:avLst/>
+                      </a:prstGeom>
+                    </p:spPr>
+                  </p:pic>
+                </p:oleObj>
+              </mc:Fallback>
+            </mc:AlternateContent>
+          </a:graphicData>
+        </a:graphic>
+      </p:graphicFrame>
+      <p:sp>
+        <p:nvSpPr>
+          <p:cNvPr id="6" name="TextBox 5">
+            <a:extLst>
+              <a:ext uri="{FF2B5EF4-FFF2-40B4-BE49-F238E27FC236}">
+                <a16:creationId xmlns:a16="http://schemas.microsoft.com/office/drawing/2014/main" id="{8E997740-BADB-8D42-BDFA-5543D76C7577}"/>
+              </a:ext>
+            </a:extLst>
+          </p:cNvPr>
+          <p:cNvSpPr txBox="1"/>
+          <p:nvPr/>
+        </p:nvSpPr>
+        <p:spPr>
+          <a:xfrm>
+            <a:off x="6354619" y="5253633"/>
+            <a:ext cx="4999181" cy="1200329"/>
+          </a:xfrm>
+          <a:prstGeom prst="rect">
+            <a:avLst/>
+          </a:prstGeom>
+          <a:noFill/>
+        </p:spPr>
+        <p:txBody>
+          <a:bodyPr wrap="square" rtlCol="0">
+            <a:spAutoFit/>
+          </a:bodyPr>
+          <a:lstStyle/>
+          <a:p>
+            <a:r>
+              <a:rPr lang="en-US" b="1" dirty="0"/>
+              <a:t>Table</a:t>
+            </a:r>
+            <a:r>
+              <a:rPr lang="en-US" dirty="0"/>
+              <a:t>: Performance Comparison of Different Partitioning Algorithms for Layer-Device Assignment in Distributed Inference on a 6-Layer Model Across 5 Devices</a:t>
+            </a:r>
           </a:p>
         </p:txBody>
       </p:sp>

--- a/micro-network-project.pptx
+++ b/micro-network-project.pptx
@@ -5,7 +5,7 @@
     <p:sldMasterId id="2147483648" r:id="rId1"/>
   </p:sldMasterIdLst>
   <p:notesMasterIdLst>
-    <p:notesMasterId r:id="rId15"/>
+    <p:notesMasterId r:id="rId18"/>
   </p:notesMasterIdLst>
   <p:sldIdLst>
     <p:sldId id="256" r:id="rId2"/>
@@ -15,12 +15,15 @@
     <p:sldId id="305" r:id="rId6"/>
     <p:sldId id="260" r:id="rId7"/>
     <p:sldId id="299" r:id="rId8"/>
-    <p:sldId id="301" r:id="rId9"/>
-    <p:sldId id="303" r:id="rId10"/>
-    <p:sldId id="263" r:id="rId11"/>
-    <p:sldId id="306" r:id="rId12"/>
-    <p:sldId id="307" r:id="rId13"/>
-    <p:sldId id="302" r:id="rId14"/>
+    <p:sldId id="263" r:id="rId9"/>
+    <p:sldId id="306" r:id="rId10"/>
+    <p:sldId id="307" r:id="rId11"/>
+    <p:sldId id="310" r:id="rId12"/>
+    <p:sldId id="308" r:id="rId13"/>
+    <p:sldId id="311" r:id="rId14"/>
+    <p:sldId id="301" r:id="rId15"/>
+    <p:sldId id="303" r:id="rId16"/>
+    <p:sldId id="302" r:id="rId17"/>
   </p:sldIdLst>
   <p:sldSz cx="12192000" cy="6858000"/>
   <p:notesSz cx="6858000" cy="9144000"/>
@@ -209,7 +212,7 @@
           <a:p>
             <a:fld id="{555D5C1C-6798-4FBE-88F4-FFD1BF4E1875}" type="datetimeFigureOut">
               <a:rPr lang="en-US" smtClean="0"/>
-              <a:t>8/19/2024</a:t>
+              <a:t>8/20/2024</a:t>
             </a:fld>
             <a:endParaRPr lang="en-US"/>
           </a:p>
@@ -1132,7 +1135,7 @@
           <a:p>
             <a:fld id="{8040ADDC-8370-4EF6-9B0F-387196F75E7A}" type="slidenum">
               <a:rPr lang="en-US" smtClean="0"/>
-              <a:t>10</a:t>
+              <a:t>8</a:t>
             </a:fld>
             <a:endParaRPr lang="en-US"/>
           </a:p>
@@ -1259,7 +1262,7 @@
           <a:p>
             <a:fld id="{8040ADDC-8370-4EF6-9B0F-387196F75E7A}" type="slidenum">
               <a:rPr lang="en-US" smtClean="0"/>
-              <a:t>11</a:t>
+              <a:t>9</a:t>
             </a:fld>
             <a:endParaRPr lang="en-US"/>
           </a:p>
@@ -1650,7 +1653,7 @@
           <a:p>
             <a:fld id="{8040ADDC-8370-4EF6-9B0F-387196F75E7A}" type="slidenum">
               <a:rPr lang="en-US" smtClean="0"/>
-              <a:t>12</a:t>
+              <a:t>10</a:t>
             </a:fld>
             <a:endParaRPr lang="en-US"/>
           </a:p>
@@ -1734,7 +1737,7 @@
           <a:p>
             <a:fld id="{8040ADDC-8370-4EF6-9B0F-387196F75E7A}" type="slidenum">
               <a:rPr lang="en-US" smtClean="0"/>
-              <a:t>13</a:t>
+              <a:t>16</a:t>
             </a:fld>
             <a:endParaRPr lang="en-US"/>
           </a:p>
@@ -1900,7 +1903,7 @@
           <a:p>
             <a:fld id="{CA099234-8B86-476D-9D9B-8192FE9AA948}" type="datetimeFigureOut">
               <a:rPr lang="en-US" smtClean="0"/>
-              <a:t>8/19/2024</a:t>
+              <a:t>8/20/2024</a:t>
             </a:fld>
             <a:endParaRPr lang="en-US"/>
           </a:p>
@@ -2098,7 +2101,7 @@
           <a:p>
             <a:fld id="{CA099234-8B86-476D-9D9B-8192FE9AA948}" type="datetimeFigureOut">
               <a:rPr lang="en-US" smtClean="0"/>
-              <a:t>8/19/2024</a:t>
+              <a:t>8/20/2024</a:t>
             </a:fld>
             <a:endParaRPr lang="en-US"/>
           </a:p>
@@ -2306,7 +2309,7 @@
           <a:p>
             <a:fld id="{CA099234-8B86-476D-9D9B-8192FE9AA948}" type="datetimeFigureOut">
               <a:rPr lang="en-US" smtClean="0"/>
-              <a:t>8/19/2024</a:t>
+              <a:t>8/20/2024</a:t>
             </a:fld>
             <a:endParaRPr lang="en-US"/>
           </a:p>
@@ -2504,7 +2507,7 @@
           <a:p>
             <a:fld id="{CA099234-8B86-476D-9D9B-8192FE9AA948}" type="datetimeFigureOut">
               <a:rPr lang="en-US" smtClean="0"/>
-              <a:t>8/19/2024</a:t>
+              <a:t>8/20/2024</a:t>
             </a:fld>
             <a:endParaRPr lang="en-US"/>
           </a:p>
@@ -2779,7 +2782,7 @@
           <a:p>
             <a:fld id="{CA099234-8B86-476D-9D9B-8192FE9AA948}" type="datetimeFigureOut">
               <a:rPr lang="en-US" smtClean="0"/>
-              <a:t>8/19/2024</a:t>
+              <a:t>8/20/2024</a:t>
             </a:fld>
             <a:endParaRPr lang="en-US"/>
           </a:p>
@@ -3044,7 +3047,7 @@
           <a:p>
             <a:fld id="{CA099234-8B86-476D-9D9B-8192FE9AA948}" type="datetimeFigureOut">
               <a:rPr lang="en-US" smtClean="0"/>
-              <a:t>8/19/2024</a:t>
+              <a:t>8/20/2024</a:t>
             </a:fld>
             <a:endParaRPr lang="en-US"/>
           </a:p>
@@ -3456,7 +3459,7 @@
           <a:p>
             <a:fld id="{CA099234-8B86-476D-9D9B-8192FE9AA948}" type="datetimeFigureOut">
               <a:rPr lang="en-US" smtClean="0"/>
-              <a:t>8/19/2024</a:t>
+              <a:t>8/20/2024</a:t>
             </a:fld>
             <a:endParaRPr lang="en-US"/>
           </a:p>
@@ -3597,7 +3600,7 @@
           <a:p>
             <a:fld id="{CA099234-8B86-476D-9D9B-8192FE9AA948}" type="datetimeFigureOut">
               <a:rPr lang="en-US" smtClean="0"/>
-              <a:t>8/19/2024</a:t>
+              <a:t>8/20/2024</a:t>
             </a:fld>
             <a:endParaRPr lang="en-US"/>
           </a:p>
@@ -3710,7 +3713,7 @@
           <a:p>
             <a:fld id="{CA099234-8B86-476D-9D9B-8192FE9AA948}" type="datetimeFigureOut">
               <a:rPr lang="en-US" smtClean="0"/>
-              <a:t>8/19/2024</a:t>
+              <a:t>8/20/2024</a:t>
             </a:fld>
             <a:endParaRPr lang="en-US"/>
           </a:p>
@@ -4021,7 +4024,7 @@
           <a:p>
             <a:fld id="{CA099234-8B86-476D-9D9B-8192FE9AA948}" type="datetimeFigureOut">
               <a:rPr lang="en-US" smtClean="0"/>
-              <a:t>8/19/2024</a:t>
+              <a:t>8/20/2024</a:t>
             </a:fld>
             <a:endParaRPr lang="en-US"/>
           </a:p>
@@ -4309,7 +4312,7 @@
           <a:p>
             <a:fld id="{CA099234-8B86-476D-9D9B-8192FE9AA948}" type="datetimeFigureOut">
               <a:rPr lang="en-US" smtClean="0"/>
-              <a:t>8/19/2024</a:t>
+              <a:t>8/20/2024</a:t>
             </a:fld>
             <a:endParaRPr lang="en-US"/>
           </a:p>
@@ -4550,7 +4553,7 @@
           <a:p>
             <a:fld id="{CA099234-8B86-476D-9D9B-8192FE9AA948}" type="datetimeFigureOut">
               <a:rPr lang="en-US" smtClean="0"/>
-              <a:t>8/19/2024</a:t>
+              <a:t>8/20/2024</a:t>
             </a:fld>
             <a:endParaRPr lang="en-US"/>
           </a:p>
@@ -5061,7 +5064,7 @@
           <p:cNvPr id="5" name="Picture 4">
             <a:extLst>
               <a:ext uri="{FF2B5EF4-FFF2-40B4-BE49-F238E27FC236}">
-                <a16:creationId xmlns:a16="http://schemas.microsoft.com/office/drawing/2014/main" id="{AEC0D26A-EF43-06BF-A6D5-771873938ABF}"/>
+                <a16:creationId xmlns:a16="http://schemas.microsoft.com/office/drawing/2014/main" id="{08ECA5DE-1C00-2055-D585-F705E572446E}"/>
               </a:ext>
             </a:extLst>
           </p:cNvPr>
@@ -5078,8 +5081,8 @@
         </p:blipFill>
         <p:spPr>
           <a:xfrm>
-            <a:off x="7049467" y="4543613"/>
-            <a:ext cx="4889211" cy="2106045"/>
+            <a:off x="7598979" y="2077759"/>
+            <a:ext cx="4347696" cy="3847558"/>
           </a:xfrm>
           <a:prstGeom prst="rect">
             <a:avLst/>
@@ -5091,7 +5094,7 @@
           <p:cNvPr id="2" name="Title 1">
             <a:extLst>
               <a:ext uri="{FF2B5EF4-FFF2-40B4-BE49-F238E27FC236}">
-                <a16:creationId xmlns:a16="http://schemas.microsoft.com/office/drawing/2014/main" id="{4860E9A2-BC0F-43EA-5D2B-A17EF4F0B643}"/>
+                <a16:creationId xmlns:a16="http://schemas.microsoft.com/office/drawing/2014/main" id="{F865125A-C969-D953-54FE-44EC1FC4B7BB}"/>
               </a:ext>
             </a:extLst>
           </p:cNvPr>
@@ -5104,14 +5107,15 @@
         </p:nvSpPr>
         <p:spPr/>
         <p:txBody>
-          <a:bodyPr/>
-          <a:lstStyle/>
-          <a:p>
-            <a:r>
-              <a:rPr lang="en-US"/>
-              <a:t>Model Partitioning Existing Works</a:t>
-            </a:r>
-            <a:endParaRPr lang="en-US" dirty="0"/>
+          <a:bodyPr>
+            <a:normAutofit/>
+          </a:bodyPr>
+          <a:lstStyle/>
+          <a:p>
+            <a:r>
+              <a:rPr lang="en-US" sz="4200" dirty="0"/>
+              <a:t>Inference Performance Predictor Existing Works</a:t>
+            </a:r>
           </a:p>
         </p:txBody>
       </p:sp>
@@ -5120,7 +5124,7 @@
           <p:cNvPr id="3" name="Content Placeholder 2">
             <a:extLst>
               <a:ext uri="{FF2B5EF4-FFF2-40B4-BE49-F238E27FC236}">
-                <a16:creationId xmlns:a16="http://schemas.microsoft.com/office/drawing/2014/main" id="{2F994F7F-58B6-B22D-A34F-EC6FEA2CBAAF}"/>
+                <a16:creationId xmlns:a16="http://schemas.microsoft.com/office/drawing/2014/main" id="{42ED046F-D813-73AB-8D87-9EECAB0EF3A0}"/>
               </a:ext>
             </a:extLst>
           </p:cNvPr>
@@ -5133,108 +5137,62 @@
         </p:nvSpPr>
         <p:spPr>
           <a:xfrm>
-            <a:off x="838200" y="1690688"/>
-            <a:ext cx="6384792" cy="4594851"/>
+            <a:off x="838200" y="1825625"/>
+            <a:ext cx="6760779" cy="4351338"/>
           </a:xfrm>
         </p:spPr>
         <p:txBody>
-          <a:bodyPr>
-            <a:normAutofit fontScale="92500" lnSpcReduction="10000"/>
-          </a:bodyPr>
-          <a:lstStyle/>
-          <a:p>
+          <a:bodyPr/>
+          <a:lstStyle/>
+          <a:p>
+            <a:r>
+              <a:rPr lang="en-US" dirty="0" err="1"/>
+              <a:t>MicroNets</a:t>
+            </a:r>
             <a:r>
               <a:rPr lang="en-US" dirty="0"/>
-              <a:t>Applicable Scenarios: Edge-Cloud</a:t>
-            </a:r>
-          </a:p>
-          <a:p>
-            <a:r>
-              <a:rPr lang="en-US" b="1" dirty="0"/>
-              <a:t>Neurosurgeon</a:t>
+              <a:t>[1]:</a:t>
+            </a:r>
+          </a:p>
+          <a:p>
+            <a:r>
+              <a:rPr lang="en-US" dirty="0" err="1"/>
+              <a:t>TinyMLPerf</a:t>
             </a:r>
             <a:r>
               <a:rPr lang="en-US" dirty="0"/>
-              <a:t>(ASPLOS’17)[1]: </a:t>
-            </a:r>
-          </a:p>
-          <a:p>
-            <a:pPr lvl="1"/>
+              <a:t>[2]: overall performance of </a:t>
+            </a:r>
+            <a:r>
+              <a:rPr lang="en-US" dirty="0" err="1"/>
+              <a:t>TinyML</a:t>
+            </a:r>
             <a:r>
               <a:rPr lang="en-US" dirty="0"/>
-              <a:t>Analyze DNN Architecture-&gt; Predict Layer Performance-&gt;Evaluate Partition Points-&gt;Execute Partitioned DNN</a:t>
-            </a:r>
-          </a:p>
-          <a:p>
-            <a:r>
-              <a:rPr lang="en-US" b="1" dirty="0"/>
-              <a:t>DADS</a:t>
-            </a:r>
+              <a:t> models.</a:t>
+            </a:r>
+          </a:p>
+          <a:p>
+            <a:endParaRPr lang="en-US" dirty="0"/>
+          </a:p>
+          <a:p>
+            <a:endParaRPr lang="en-US" dirty="0"/>
+          </a:p>
+          <a:p>
             <a:r>
               <a:rPr lang="en-US" dirty="0"/>
-              <a:t>(INFOCOM’19)[2]: Min-Cut</a:t>
-            </a:r>
-          </a:p>
-          <a:p>
-            <a:r>
-              <a:rPr lang="en-US" b="1" dirty="0"/>
-              <a:t>QDMP</a:t>
-            </a:r>
-            <a:r>
-              <a:rPr lang="en-US" dirty="0"/>
-              <a:t>(IMWUT’20)[3]: Per layer latency is calculated by subtracting the maximum latency of all precursor layers from the total latency up to the current layer.</a:t>
-            </a:r>
-          </a:p>
-          <a:p>
-            <a:r>
-              <a:rPr lang="en-US" b="1" dirty="0"/>
-              <a:t>Auto-Split</a:t>
-            </a:r>
-            <a:r>
-              <a:rPr lang="en-US" dirty="0"/>
-              <a:t>(KDD’21 ADS Track)[4]: Graph Optimization(Layer folding, layer fusion)</a:t>
-            </a:r>
-          </a:p>
-          <a:p>
-            <a:pPr lvl="1"/>
+              <a:t>Regression model:</a:t>
+            </a:r>
+          </a:p>
+          <a:p>
             <a:endParaRPr lang="en-US" dirty="0"/>
           </a:p>
         </p:txBody>
       </p:sp>
-      <p:pic>
-        <p:nvPicPr>
-          <p:cNvPr id="11" name="Picture 10">
-            <a:extLst>
-              <a:ext uri="{FF2B5EF4-FFF2-40B4-BE49-F238E27FC236}">
-                <a16:creationId xmlns:a16="http://schemas.microsoft.com/office/drawing/2014/main" id="{CEBF5F02-34DF-C847-EDF9-38FFD97C4653}"/>
-              </a:ext>
-            </a:extLst>
-          </p:cNvPr>
-          <p:cNvPicPr>
-            <a:picLocks noChangeAspect="1"/>
-          </p:cNvPicPr>
-          <p:nvPr/>
-        </p:nvPicPr>
-        <p:blipFill>
-          <a:blip r:embed="rId4"/>
-          <a:stretch>
-            <a:fillRect/>
-          </a:stretch>
-        </p:blipFill>
-        <p:spPr>
-          <a:xfrm>
-            <a:off x="7414073" y="1790213"/>
-            <a:ext cx="4362077" cy="2855952"/>
-          </a:xfrm>
-          <a:prstGeom prst="rect">
-            <a:avLst/>
-          </a:prstGeom>
-        </p:spPr>
-      </p:pic>
     </p:spTree>
     <p:extLst>
       <p:ext uri="{BB962C8B-B14F-4D97-AF65-F5344CB8AC3E}">
-        <p14:creationId xmlns:p14="http://schemas.microsoft.com/office/powerpoint/2010/main" val="108957251"/>
+        <p14:creationId xmlns:p14="http://schemas.microsoft.com/office/powerpoint/2010/main" val="2677941560"/>
       </p:ext>
     </p:extLst>
   </p:cSld>
@@ -5266,7 +5224,7 @@
           <p:cNvPr id="2" name="Title 1">
             <a:extLst>
               <a:ext uri="{FF2B5EF4-FFF2-40B4-BE49-F238E27FC236}">
-                <a16:creationId xmlns:a16="http://schemas.microsoft.com/office/drawing/2014/main" id="{C9E3005D-E2B3-1DD9-23B0-99EECECCF198}"/>
+                <a16:creationId xmlns:a16="http://schemas.microsoft.com/office/drawing/2014/main" id="{D95EC6A8-A25C-8346-826C-F89E7FD48D79}"/>
               </a:ext>
             </a:extLst>
           </p:cNvPr>
@@ -5279,14 +5237,12 @@
         </p:nvSpPr>
         <p:spPr/>
         <p:txBody>
-          <a:bodyPr>
-            <a:normAutofit/>
-          </a:bodyPr>
-          <a:lstStyle/>
-          <a:p>
-            <a:r>
-              <a:rPr lang="en-US" sz="4200" dirty="0"/>
-              <a:t>Inference Performance Predictor Existing Works</a:t>
+          <a:bodyPr/>
+          <a:lstStyle/>
+          <a:p>
+            <a:r>
+              <a:rPr lang="en-US" dirty="0"/>
+              <a:t>Regression Models and Datasets</a:t>
             </a:r>
           </a:p>
         </p:txBody>
@@ -5296,7 +5252,7 @@
           <p:cNvPr id="3" name="Content Placeholder 2">
             <a:extLst>
               <a:ext uri="{FF2B5EF4-FFF2-40B4-BE49-F238E27FC236}">
-                <a16:creationId xmlns:a16="http://schemas.microsoft.com/office/drawing/2014/main" id="{C8D0959C-AA11-B8DF-ECC0-5CED3B80B075}"/>
+                <a16:creationId xmlns:a16="http://schemas.microsoft.com/office/drawing/2014/main" id="{9A29F99F-CBC1-51F6-782C-F04234DDF2F5}"/>
               </a:ext>
             </a:extLst>
           </p:cNvPr>
@@ -5307,119 +5263,46 @@
             <p:ph idx="1"/>
           </p:nvPr>
         </p:nvSpPr>
-        <p:spPr>
-          <a:xfrm>
-            <a:off x="762395" y="1868266"/>
-            <a:ext cx="10515600" cy="4351338"/>
-          </a:xfrm>
-        </p:spPr>
+        <p:spPr/>
         <p:txBody>
           <a:bodyPr/>
           <a:lstStyle/>
           <a:p>
             <a:r>
+              <a:rPr lang="en-US" b="1" dirty="0"/>
+              <a:t>Inference performance predictor datasets:</a:t>
+            </a:r>
+          </a:p>
+          <a:p>
+            <a:pPr lvl="1"/>
+            <a:r>
               <a:rPr lang="en-US" dirty="0"/>
-              <a:t>LPM-TPU[1]</a:t>
-            </a:r>
-          </a:p>
-          <a:p>
+              <a:t>For various MCUs and different types of layers and sizes, latency, memory footprint, and energy consumption are measured using TensorFlow Lite for Microcontrollers (TFLM).</a:t>
+            </a:r>
+          </a:p>
+          <a:p>
+            <a:r>
+              <a:rPr lang="en-US" b="1" dirty="0"/>
+              <a:t>Inference performance predictor:</a:t>
+            </a:r>
+          </a:p>
+          <a:p>
+            <a:pPr lvl="1"/>
             <a:r>
               <a:rPr lang="en-US" dirty="0"/>
-              <a:t>NP-NAS[2]</a:t>
-            </a:r>
-          </a:p>
-          <a:p>
-            <a:r>
-              <a:rPr lang="en-US" dirty="0"/>
-              <a:t>BRP-NAS (Eagle)[3]</a:t>
-            </a:r>
-          </a:p>
-          <a:p>
-            <a:r>
-              <a:rPr lang="en-US" dirty="0" err="1"/>
-              <a:t>Nn</a:t>
-            </a:r>
-            <a:r>
-              <a:rPr lang="en-US" dirty="0"/>
-              <a:t>-Meter[4]</a:t>
-            </a:r>
-          </a:p>
-          <a:p>
-            <a:r>
-              <a:rPr lang="en-US" dirty="0" err="1"/>
-              <a:t>PerfSAGE</a:t>
-            </a:r>
-            <a:r>
-              <a:rPr lang="en-US" dirty="0"/>
-              <a:t>[5]</a:t>
-            </a:r>
-          </a:p>
-        </p:txBody>
-      </p:sp>
-      <p:pic>
-        <p:nvPicPr>
-          <p:cNvPr id="5" name="Picture 4">
-            <a:extLst>
-              <a:ext uri="{FF2B5EF4-FFF2-40B4-BE49-F238E27FC236}">
-                <a16:creationId xmlns:a16="http://schemas.microsoft.com/office/drawing/2014/main" id="{850737B8-7B70-58E5-5624-7604B3AD6A77}"/>
-              </a:ext>
-            </a:extLst>
-          </p:cNvPr>
-          <p:cNvPicPr>
-            <a:picLocks noChangeAspect="1"/>
-          </p:cNvPicPr>
-          <p:nvPr/>
-        </p:nvPicPr>
-        <p:blipFill>
-          <a:blip r:embed="rId3"/>
-          <a:stretch>
-            <a:fillRect/>
-          </a:stretch>
-        </p:blipFill>
-        <p:spPr>
-          <a:xfrm>
-            <a:off x="4302581" y="4439341"/>
-            <a:ext cx="7288110" cy="2194113"/>
-          </a:xfrm>
-          <a:prstGeom prst="rect">
-            <a:avLst/>
-          </a:prstGeom>
-        </p:spPr>
-      </p:pic>
-      <p:pic>
-        <p:nvPicPr>
-          <p:cNvPr id="7" name="Picture 6">
-            <a:extLst>
-              <a:ext uri="{FF2B5EF4-FFF2-40B4-BE49-F238E27FC236}">
-                <a16:creationId xmlns:a16="http://schemas.microsoft.com/office/drawing/2014/main" id="{3221AD1E-AD0C-6A1B-8F35-4F5D22C05C03}"/>
-              </a:ext>
-            </a:extLst>
-          </p:cNvPr>
-          <p:cNvPicPr>
-            <a:picLocks noChangeAspect="1"/>
-          </p:cNvPicPr>
-          <p:nvPr/>
-        </p:nvPicPr>
-        <p:blipFill>
-          <a:blip r:embed="rId4"/>
-          <a:stretch>
-            <a:fillRect/>
-          </a:stretch>
-        </p:blipFill>
-        <p:spPr>
-          <a:xfrm>
-            <a:off x="5405173" y="1454416"/>
-            <a:ext cx="5285331" cy="2755295"/>
-          </a:xfrm>
-          <a:prstGeom prst="rect">
-            <a:avLst/>
-          </a:prstGeom>
-        </p:spPr>
-      </p:pic>
+              <a:t>For various MCUs and different types of layers, we train a regression model, can predict inference performance including latency, memory footprint, and energy consumption.</a:t>
+            </a:r>
+          </a:p>
+          <a:p>
+            <a:pPr lvl="1"/>
+            <a:endParaRPr lang="en-US" dirty="0"/>
+          </a:p>
+        </p:txBody>
+      </p:sp>
     </p:spTree>
     <p:extLst>
       <p:ext uri="{BB962C8B-B14F-4D97-AF65-F5344CB8AC3E}">
-        <p14:creationId xmlns:p14="http://schemas.microsoft.com/office/powerpoint/2010/main" val="3619413236"/>
+        <p14:creationId xmlns:p14="http://schemas.microsoft.com/office/powerpoint/2010/main" val="3936172290"/>
       </p:ext>
     </p:extLst>
   </p:cSld>
@@ -5448,10 +5331,10 @@
       </p:grpSpPr>
       <p:pic>
         <p:nvPicPr>
-          <p:cNvPr id="5" name="Picture 4">
-            <a:extLst>
-              <a:ext uri="{FF2B5EF4-FFF2-40B4-BE49-F238E27FC236}">
-                <a16:creationId xmlns:a16="http://schemas.microsoft.com/office/drawing/2014/main" id="{08ECA5DE-1C00-2055-D585-F705E572446E}"/>
+          <p:cNvPr id="7" name="Picture 6">
+            <a:extLst>
+              <a:ext uri="{FF2B5EF4-FFF2-40B4-BE49-F238E27FC236}">
+                <a16:creationId xmlns:a16="http://schemas.microsoft.com/office/drawing/2014/main" id="{F28F17EB-8777-EB4E-73B4-C6DC6F679DF5}"/>
               </a:ext>
             </a:extLst>
           </p:cNvPr>
@@ -5461,15 +5344,15 @@
           <p:nvPr/>
         </p:nvPicPr>
         <p:blipFill>
-          <a:blip r:embed="rId3"/>
+          <a:blip r:embed="rId2"/>
           <a:stretch>
             <a:fillRect/>
           </a:stretch>
         </p:blipFill>
         <p:spPr>
           <a:xfrm>
-            <a:off x="7598979" y="2077759"/>
-            <a:ext cx="4347696" cy="3847558"/>
+            <a:off x="6654045" y="1943947"/>
+            <a:ext cx="5537955" cy="3856463"/>
           </a:xfrm>
           <a:prstGeom prst="rect">
             <a:avLst/>
@@ -5481,7 +5364,7 @@
           <p:cNvPr id="2" name="Title 1">
             <a:extLst>
               <a:ext uri="{FF2B5EF4-FFF2-40B4-BE49-F238E27FC236}">
-                <a16:creationId xmlns:a16="http://schemas.microsoft.com/office/drawing/2014/main" id="{F865125A-C969-D953-54FE-44EC1FC4B7BB}"/>
+                <a16:creationId xmlns:a16="http://schemas.microsoft.com/office/drawing/2014/main" id="{66100857-F4BD-5FAD-E385-DE457A4797D0}"/>
               </a:ext>
             </a:extLst>
           </p:cNvPr>
@@ -5494,14 +5377,12 @@
         </p:nvSpPr>
         <p:spPr/>
         <p:txBody>
-          <a:bodyPr>
-            <a:normAutofit/>
-          </a:bodyPr>
-          <a:lstStyle/>
-          <a:p>
-            <a:r>
-              <a:rPr lang="en-US" sz="4200" dirty="0"/>
-              <a:t>Inference Performance Predictor Existing Works</a:t>
+          <a:bodyPr/>
+          <a:lstStyle/>
+          <a:p>
+            <a:r>
+              <a:rPr lang="en-US" dirty="0"/>
+              <a:t>Search</a:t>
             </a:r>
           </a:p>
         </p:txBody>
@@ -5511,7 +5392,7 @@
           <p:cNvPr id="3" name="Content Placeholder 2">
             <a:extLst>
               <a:ext uri="{FF2B5EF4-FFF2-40B4-BE49-F238E27FC236}">
-                <a16:creationId xmlns:a16="http://schemas.microsoft.com/office/drawing/2014/main" id="{42ED046F-D813-73AB-8D87-9EECAB0EF3A0}"/>
+                <a16:creationId xmlns:a16="http://schemas.microsoft.com/office/drawing/2014/main" id="{B7CB7517-534B-E936-EFB0-C6CD58AC6E19}"/>
               </a:ext>
             </a:extLst>
           </p:cNvPr>
@@ -5525,7 +5406,7 @@
         <p:spPr>
           <a:xfrm>
             <a:off x="838200" y="1825625"/>
-            <a:ext cx="6760779" cy="4351338"/>
+            <a:ext cx="6299447" cy="4351338"/>
           </a:xfrm>
         </p:spPr>
         <p:txBody>
@@ -5533,38 +5414,40 @@
           <a:lstStyle/>
           <a:p>
             <a:r>
-              <a:rPr lang="en-US" dirty="0" err="1"/>
-              <a:t>MicroNets</a:t>
-            </a:r>
-            <a:r>
               <a:rPr lang="en-US" dirty="0"/>
-              <a:t>[1]:</a:t>
-            </a:r>
-          </a:p>
-          <a:p>
-            <a:r>
-              <a:rPr lang="en-US" dirty="0" err="1"/>
-              <a:t>TinyMLPerf</a:t>
-            </a:r>
+              <a:t>Observation:</a:t>
+            </a:r>
+          </a:p>
+          <a:p>
+            <a:pPr lvl="1"/>
             <a:r>
               <a:rPr lang="en-US" dirty="0"/>
-              <a:t>[2]: overall performance of </a:t>
-            </a:r>
-            <a:r>
-              <a:rPr lang="en-US" dirty="0" err="1"/>
-              <a:t>TinyML</a:t>
-            </a:r>
+              <a:t>Early layers(Conv1, MaxPool1) have large output data sizes but relatively low latency.</a:t>
+            </a:r>
+          </a:p>
+          <a:p>
+            <a:pPr lvl="1"/>
             <a:r>
               <a:rPr lang="en-US" dirty="0"/>
-              <a:t> models.</a:t>
-            </a:r>
+              <a:t>Later dense layers(e.g., Dense1) have significantly higher execution latency despite lower output data sizes.</a:t>
+            </a:r>
+          </a:p>
+          <a:p>
+            <a:pPr lvl="1"/>
+            <a:r>
+              <a:rPr lang="en-US" dirty="0"/>
+              <a:t>Intermediate layers(e.g., Conv2 to Conv5) show a balance between moderate data sizes and execution latency. </a:t>
+            </a:r>
+          </a:p>
+          <a:p>
+            <a:endParaRPr lang="en-US" dirty="0"/>
           </a:p>
         </p:txBody>
       </p:sp>
     </p:spTree>
     <p:extLst>
       <p:ext uri="{BB962C8B-B14F-4D97-AF65-F5344CB8AC3E}">
-        <p14:creationId xmlns:p14="http://schemas.microsoft.com/office/powerpoint/2010/main" val="2677941560"/>
+        <p14:creationId xmlns:p14="http://schemas.microsoft.com/office/powerpoint/2010/main" val="1609492456"/>
       </p:ext>
     </p:extLst>
   </p:cSld>
@@ -5596,6 +5479,1672 @@
           <p:cNvPr id="2" name="Title 1">
             <a:extLst>
               <a:ext uri="{FF2B5EF4-FFF2-40B4-BE49-F238E27FC236}">
+                <a16:creationId xmlns:a16="http://schemas.microsoft.com/office/drawing/2014/main" id="{6E2B5D9A-FAEE-C87E-4F78-08A32C2FA3EA}"/>
+              </a:ext>
+            </a:extLst>
+          </p:cNvPr>
+          <p:cNvSpPr>
+            <a:spLocks noGrp="1"/>
+          </p:cNvSpPr>
+          <p:nvPr>
+            <p:ph type="title"/>
+          </p:nvPr>
+        </p:nvSpPr>
+        <p:spPr/>
+        <p:txBody>
+          <a:bodyPr/>
+          <a:lstStyle/>
+          <a:p>
+            <a:r>
+              <a:rPr lang="en-US" dirty="0"/>
+              <a:t>Cost Function</a:t>
+            </a:r>
+          </a:p>
+        </p:txBody>
+      </p:sp>
+      <mc:AlternateContent xmlns:mc="http://schemas.openxmlformats.org/markup-compatibility/2006">
+        <mc:Choice xmlns:a14="http://schemas.microsoft.com/office/drawing/2010/main" Requires="a14">
+          <p:sp>
+            <p:nvSpPr>
+              <p:cNvPr id="3" name="Content Placeholder 2">
+                <a:extLst>
+                  <a:ext uri="{FF2B5EF4-FFF2-40B4-BE49-F238E27FC236}">
+                    <a16:creationId xmlns:a16="http://schemas.microsoft.com/office/drawing/2014/main" id="{5A274EAD-5829-CAD4-C252-58D0D9690797}"/>
+                  </a:ext>
+                </a:extLst>
+              </p:cNvPr>
+              <p:cNvSpPr>
+                <a:spLocks noGrp="1"/>
+              </p:cNvSpPr>
+              <p:nvPr>
+                <p:ph idx="1"/>
+              </p:nvPr>
+            </p:nvSpPr>
+            <p:spPr>
+              <a:xfrm>
+                <a:off x="838200" y="1825625"/>
+                <a:ext cx="10844814" cy="4351338"/>
+              </a:xfrm>
+            </p:spPr>
+            <p:txBody>
+              <a:bodyPr>
+                <a:normAutofit fontScale="85000" lnSpcReduction="10000"/>
+              </a:bodyPr>
+              <a:lstStyle/>
+              <a:p>
+                <a14:m>
+                  <m:oMath xmlns:m="http://schemas.openxmlformats.org/officeDocument/2006/math">
+                    <m:sSub>
+                      <m:sSubPr>
+                        <m:ctrlPr>
+                          <a:rPr lang="en-US" b="0" i="1" smtClean="0">
+                            <a:latin typeface="Cambria Math" panose="02040503050406030204" pitchFamily="18" charset="0"/>
+                          </a:rPr>
+                        </m:ctrlPr>
+                      </m:sSubPr>
+                      <m:e>
+                        <m:r>
+                          <a:rPr lang="en-US" b="0" i="1" smtClean="0">
+                            <a:latin typeface="Cambria Math" panose="02040503050406030204" pitchFamily="18" charset="0"/>
+                          </a:rPr>
+                          <m:t>𝑇</m:t>
+                        </m:r>
+                      </m:e>
+                      <m:sub>
+                        <m:r>
+                          <a:rPr lang="en-US" b="0" i="1" smtClean="0">
+                            <a:latin typeface="Cambria Math" panose="02040503050406030204" pitchFamily="18" charset="0"/>
+                          </a:rPr>
+                          <m:t>𝑖𝑗</m:t>
+                        </m:r>
+                      </m:sub>
+                    </m:sSub>
+                    <m:r>
+                      <a:rPr lang="en-US" b="0" i="1" smtClean="0">
+                        <a:latin typeface="Cambria Math" panose="02040503050406030204" pitchFamily="18" charset="0"/>
+                      </a:rPr>
+                      <m:t>:</m:t>
+                    </m:r>
+                    <m:r>
+                      <a:rPr lang="en-US" b="0" i="1" smtClean="0">
+                        <a:latin typeface="Cambria Math" panose="02040503050406030204" pitchFamily="18" charset="0"/>
+                      </a:rPr>
+                      <m:t>𝑇𝑟𝑎𝑛𝑠𝑓𝑒𝑟</m:t>
+                    </m:r>
+                    <m:r>
+                      <a:rPr lang="en-US" b="0" i="1" smtClean="0">
+                        <a:latin typeface="Cambria Math" panose="02040503050406030204" pitchFamily="18" charset="0"/>
+                      </a:rPr>
+                      <m:t> </m:t>
+                    </m:r>
+                    <m:r>
+                      <a:rPr lang="en-US" b="0" i="1" smtClean="0">
+                        <a:latin typeface="Cambria Math" panose="02040503050406030204" pitchFamily="18" charset="0"/>
+                      </a:rPr>
+                      <m:t>𝑡𝑖𝑚𝑒</m:t>
+                    </m:r>
+                    <m:r>
+                      <a:rPr lang="en-US" b="0" i="1" smtClean="0">
+                        <a:latin typeface="Cambria Math" panose="02040503050406030204" pitchFamily="18" charset="0"/>
+                      </a:rPr>
+                      <m:t> </m:t>
+                    </m:r>
+                    <m:r>
+                      <a:rPr lang="en-US" b="0" i="1" smtClean="0">
+                        <a:latin typeface="Cambria Math" panose="02040503050406030204" pitchFamily="18" charset="0"/>
+                      </a:rPr>
+                      <m:t>𝑓𝑟𝑜𝑚</m:t>
+                    </m:r>
+                    <m:r>
+                      <a:rPr lang="en-US" b="0" i="1" smtClean="0">
+                        <a:latin typeface="Cambria Math" panose="02040503050406030204" pitchFamily="18" charset="0"/>
+                      </a:rPr>
+                      <m:t> </m:t>
+                    </m:r>
+                    <m:r>
+                      <a:rPr lang="en-US" b="0" i="1" smtClean="0">
+                        <a:latin typeface="Cambria Math" panose="02040503050406030204" pitchFamily="18" charset="0"/>
+                      </a:rPr>
+                      <m:t>𝑛𝑜𝑑𝑒</m:t>
+                    </m:r>
+                    <m:r>
+                      <a:rPr lang="en-US" b="0" i="1" smtClean="0">
+                        <a:latin typeface="Cambria Math" panose="02040503050406030204" pitchFamily="18" charset="0"/>
+                      </a:rPr>
+                      <m:t> </m:t>
+                    </m:r>
+                    <m:r>
+                      <a:rPr lang="en-US" b="0" i="1" smtClean="0">
+                        <a:latin typeface="Cambria Math" panose="02040503050406030204" pitchFamily="18" charset="0"/>
+                      </a:rPr>
+                      <m:t>𝑖</m:t>
+                    </m:r>
+                    <m:r>
+                      <a:rPr lang="en-US" b="0" i="1" smtClean="0">
+                        <a:latin typeface="Cambria Math" panose="02040503050406030204" pitchFamily="18" charset="0"/>
+                      </a:rPr>
+                      <m:t> </m:t>
+                    </m:r>
+                    <m:r>
+                      <a:rPr lang="en-US" b="0" i="1" smtClean="0">
+                        <a:latin typeface="Cambria Math" panose="02040503050406030204" pitchFamily="18" charset="0"/>
+                      </a:rPr>
+                      <m:t>𝑡𝑜</m:t>
+                    </m:r>
+                    <m:r>
+                      <a:rPr lang="en-US" b="0" i="1" smtClean="0">
+                        <a:latin typeface="Cambria Math" panose="02040503050406030204" pitchFamily="18" charset="0"/>
+                      </a:rPr>
+                      <m:t> </m:t>
+                    </m:r>
+                    <m:r>
+                      <a:rPr lang="en-US" b="0" i="1" smtClean="0">
+                        <a:latin typeface="Cambria Math" panose="02040503050406030204" pitchFamily="18" charset="0"/>
+                      </a:rPr>
+                      <m:t>𝑛𝑜𝑑𝑒</m:t>
+                    </m:r>
+                    <m:r>
+                      <a:rPr lang="en-US" b="0" i="1" smtClean="0">
+                        <a:latin typeface="Cambria Math" panose="02040503050406030204" pitchFamily="18" charset="0"/>
+                      </a:rPr>
+                      <m:t> </m:t>
+                    </m:r>
+                    <m:r>
+                      <a:rPr lang="en-US" b="0" i="1" smtClean="0">
+                        <a:latin typeface="Cambria Math" panose="02040503050406030204" pitchFamily="18" charset="0"/>
+                      </a:rPr>
+                      <m:t>𝑗</m:t>
+                    </m:r>
+                    <m:r>
+                      <a:rPr lang="en-US" b="0" i="1" smtClean="0">
+                        <a:latin typeface="Cambria Math" panose="02040503050406030204" pitchFamily="18" charset="0"/>
+                      </a:rPr>
+                      <m:t>.</m:t>
+                    </m:r>
+                  </m:oMath>
+                </a14:m>
+                <a:endParaRPr lang="en-US" b="0" dirty="0"/>
+              </a:p>
+              <a:p>
+                <a14:m>
+                  <m:oMath xmlns:m="http://schemas.openxmlformats.org/officeDocument/2006/math">
+                    <m:sSub>
+                      <m:sSubPr>
+                        <m:ctrlPr>
+                          <a:rPr lang="en-US" b="0" i="1" smtClean="0">
+                            <a:latin typeface="Cambria Math" panose="02040503050406030204" pitchFamily="18" charset="0"/>
+                          </a:rPr>
+                        </m:ctrlPr>
+                      </m:sSubPr>
+                      <m:e>
+                        <m:r>
+                          <a:rPr lang="en-US" b="0" i="1" smtClean="0">
+                            <a:latin typeface="Cambria Math" panose="02040503050406030204" pitchFamily="18" charset="0"/>
+                          </a:rPr>
+                          <m:t>𝐶</m:t>
+                        </m:r>
+                      </m:e>
+                      <m:sub>
+                        <m:r>
+                          <a:rPr lang="en-US" b="0" i="1" smtClean="0">
+                            <a:latin typeface="Cambria Math" panose="02040503050406030204" pitchFamily="18" charset="0"/>
+                          </a:rPr>
+                          <m:t>𝑖𝑗</m:t>
+                        </m:r>
+                      </m:sub>
+                    </m:sSub>
+                    <m:r>
+                      <a:rPr lang="en-US" b="0" i="1" smtClean="0">
+                        <a:latin typeface="Cambria Math" panose="02040503050406030204" pitchFamily="18" charset="0"/>
+                      </a:rPr>
+                      <m:t>:</m:t>
+                    </m:r>
+                    <m:r>
+                      <a:rPr lang="en-US" b="0" i="1" smtClean="0">
+                        <a:latin typeface="Cambria Math" panose="02040503050406030204" pitchFamily="18" charset="0"/>
+                      </a:rPr>
+                      <m:t>𝐶𝑜𝑚𝑝𝑢𝑡𝑎𝑡𝑖𝑜𝑛</m:t>
+                    </m:r>
+                    <m:r>
+                      <a:rPr lang="en-US" b="0" i="1" smtClean="0">
+                        <a:latin typeface="Cambria Math" panose="02040503050406030204" pitchFamily="18" charset="0"/>
+                      </a:rPr>
+                      <m:t> </m:t>
+                    </m:r>
+                    <m:r>
+                      <a:rPr lang="en-US" b="0" i="1" smtClean="0">
+                        <a:latin typeface="Cambria Math" panose="02040503050406030204" pitchFamily="18" charset="0"/>
+                      </a:rPr>
+                      <m:t>𝑡𝑖𝑚𝑒</m:t>
+                    </m:r>
+                    <m:r>
+                      <a:rPr lang="en-US" b="0" i="1" smtClean="0">
+                        <a:latin typeface="Cambria Math" panose="02040503050406030204" pitchFamily="18" charset="0"/>
+                      </a:rPr>
+                      <m:t> </m:t>
+                    </m:r>
+                    <m:r>
+                      <a:rPr lang="en-US" b="0" i="1" smtClean="0">
+                        <a:latin typeface="Cambria Math" panose="02040503050406030204" pitchFamily="18" charset="0"/>
+                      </a:rPr>
+                      <m:t>𝑓𝑜𝑟</m:t>
+                    </m:r>
+                    <m:r>
+                      <a:rPr lang="en-US" b="0" i="1" smtClean="0">
+                        <a:latin typeface="Cambria Math" panose="02040503050406030204" pitchFamily="18" charset="0"/>
+                      </a:rPr>
+                      <m:t> </m:t>
+                    </m:r>
+                    <m:r>
+                      <a:rPr lang="en-US" b="0" i="1" smtClean="0">
+                        <a:latin typeface="Cambria Math" panose="02040503050406030204" pitchFamily="18" charset="0"/>
+                      </a:rPr>
+                      <m:t>𝑙𝑎𝑦𝑒𝑟</m:t>
+                    </m:r>
+                    <m:r>
+                      <a:rPr lang="en-US" b="0" i="1" smtClean="0">
+                        <a:latin typeface="Cambria Math" panose="02040503050406030204" pitchFamily="18" charset="0"/>
+                      </a:rPr>
+                      <m:t> </m:t>
+                    </m:r>
+                    <m:r>
+                      <a:rPr lang="en-US" b="0" i="1" smtClean="0">
+                        <a:latin typeface="Cambria Math" panose="02040503050406030204" pitchFamily="18" charset="0"/>
+                      </a:rPr>
+                      <m:t>𝑖</m:t>
+                    </m:r>
+                    <m:r>
+                      <a:rPr lang="en-US" b="0" i="1" smtClean="0">
+                        <a:latin typeface="Cambria Math" panose="02040503050406030204" pitchFamily="18" charset="0"/>
+                      </a:rPr>
+                      <m:t> </m:t>
+                    </m:r>
+                    <m:r>
+                      <a:rPr lang="en-US" b="0" i="1" smtClean="0">
+                        <a:latin typeface="Cambria Math" panose="02040503050406030204" pitchFamily="18" charset="0"/>
+                      </a:rPr>
+                      <m:t>𝑜𝑛</m:t>
+                    </m:r>
+                    <m:r>
+                      <a:rPr lang="en-US" b="0" i="1" smtClean="0">
+                        <a:latin typeface="Cambria Math" panose="02040503050406030204" pitchFamily="18" charset="0"/>
+                      </a:rPr>
+                      <m:t> </m:t>
+                    </m:r>
+                    <m:r>
+                      <a:rPr lang="en-US" b="0" i="1" smtClean="0">
+                        <a:latin typeface="Cambria Math" panose="02040503050406030204" pitchFamily="18" charset="0"/>
+                      </a:rPr>
+                      <m:t>𝑡h𝑒</m:t>
+                    </m:r>
+                    <m:r>
+                      <a:rPr lang="en-US" b="0" i="1" smtClean="0">
+                        <a:latin typeface="Cambria Math" panose="02040503050406030204" pitchFamily="18" charset="0"/>
+                      </a:rPr>
+                      <m:t> </m:t>
+                    </m:r>
+                    <m:r>
+                      <a:rPr lang="en-US" b="0" i="1" smtClean="0">
+                        <a:latin typeface="Cambria Math" panose="02040503050406030204" pitchFamily="18" charset="0"/>
+                      </a:rPr>
+                      <m:t>𝑎𝑠𝑠𝑖𝑔𝑛𝑒𝑑</m:t>
+                    </m:r>
+                    <m:r>
+                      <a:rPr lang="en-US" b="0" i="1" smtClean="0">
+                        <a:latin typeface="Cambria Math" panose="02040503050406030204" pitchFamily="18" charset="0"/>
+                      </a:rPr>
+                      <m:t> </m:t>
+                    </m:r>
+                    <m:r>
+                      <a:rPr lang="en-US" b="0" i="1" smtClean="0">
+                        <a:latin typeface="Cambria Math" panose="02040503050406030204" pitchFamily="18" charset="0"/>
+                      </a:rPr>
+                      <m:t>𝑑𝑒𝑣𝑖𝑐𝑒</m:t>
+                    </m:r>
+                    <m:r>
+                      <a:rPr lang="en-US" b="0" i="1" smtClean="0">
+                        <a:latin typeface="Cambria Math" panose="02040503050406030204" pitchFamily="18" charset="0"/>
+                      </a:rPr>
+                      <m:t> </m:t>
+                    </m:r>
+                    <m:r>
+                      <a:rPr lang="en-US" b="0" i="1" smtClean="0">
+                        <a:latin typeface="Cambria Math" panose="02040503050406030204" pitchFamily="18" charset="0"/>
+                      </a:rPr>
+                      <m:t>𝑗</m:t>
+                    </m:r>
+                  </m:oMath>
+                </a14:m>
+                <a:r>
+                  <a:rPr lang="en-US" b="0" i="1" dirty="0">
+                    <a:latin typeface="Cambria Math" panose="02040503050406030204" pitchFamily="18" charset="0"/>
+                  </a:rPr>
+                  <a:t>.</a:t>
+                </a:r>
+              </a:p>
+              <a:p>
+                <a14:m>
+                  <m:oMath xmlns:m="http://schemas.openxmlformats.org/officeDocument/2006/math">
+                    <m:sSubSup>
+                      <m:sSubSupPr>
+                        <m:ctrlPr>
+                          <a:rPr lang="en-US" b="0" i="1" smtClean="0">
+                            <a:latin typeface="Cambria Math" panose="02040503050406030204" pitchFamily="18" charset="0"/>
+                          </a:rPr>
+                        </m:ctrlPr>
+                      </m:sSubSupPr>
+                      <m:e>
+                        <m:r>
+                          <a:rPr lang="en-US" b="0" i="1" smtClean="0">
+                            <a:latin typeface="Cambria Math" panose="02040503050406030204" pitchFamily="18" charset="0"/>
+                          </a:rPr>
+                          <m:t>𝐸</m:t>
+                        </m:r>
+                      </m:e>
+                      <m:sub>
+                        <m:r>
+                          <a:rPr lang="en-US" b="0" i="1" smtClean="0">
+                            <a:latin typeface="Cambria Math" panose="02040503050406030204" pitchFamily="18" charset="0"/>
+                          </a:rPr>
+                          <m:t>𝑖𝑗</m:t>
+                        </m:r>
+                      </m:sub>
+                      <m:sup>
+                        <m:r>
+                          <a:rPr lang="en-US" b="0" i="1" smtClean="0">
+                            <a:latin typeface="Cambria Math" panose="02040503050406030204" pitchFamily="18" charset="0"/>
+                          </a:rPr>
+                          <m:t>𝑡𝑟𝑎𝑛𝑠</m:t>
+                        </m:r>
+                      </m:sup>
+                    </m:sSubSup>
+                    <m:r>
+                      <a:rPr lang="en-US" b="0" i="1" smtClean="0">
+                        <a:latin typeface="Cambria Math" panose="02040503050406030204" pitchFamily="18" charset="0"/>
+                      </a:rPr>
+                      <m:t>:</m:t>
+                    </m:r>
+                    <m:r>
+                      <a:rPr lang="en-US" b="0" i="1" smtClean="0">
+                        <a:latin typeface="Cambria Math" panose="02040503050406030204" pitchFamily="18" charset="0"/>
+                      </a:rPr>
+                      <m:t>𝐸𝑛𝑒𝑟𝑔𝑦</m:t>
+                    </m:r>
+                    <m:r>
+                      <a:rPr lang="en-US" b="0" i="1" smtClean="0">
+                        <a:latin typeface="Cambria Math" panose="02040503050406030204" pitchFamily="18" charset="0"/>
+                      </a:rPr>
+                      <m:t> </m:t>
+                    </m:r>
+                    <m:r>
+                      <a:rPr lang="en-US" b="0" i="1" smtClean="0">
+                        <a:latin typeface="Cambria Math" panose="02040503050406030204" pitchFamily="18" charset="0"/>
+                      </a:rPr>
+                      <m:t>𝑐𝑜𝑛𝑠𝑢𝑚𝑝𝑡𝑖𝑜𝑛</m:t>
+                    </m:r>
+                    <m:r>
+                      <a:rPr lang="en-US" b="0" i="1" smtClean="0">
+                        <a:latin typeface="Cambria Math" panose="02040503050406030204" pitchFamily="18" charset="0"/>
+                      </a:rPr>
+                      <m:t> </m:t>
+                    </m:r>
+                    <m:r>
+                      <a:rPr lang="en-US" b="0" i="1" smtClean="0">
+                        <a:latin typeface="Cambria Math" panose="02040503050406030204" pitchFamily="18" charset="0"/>
+                      </a:rPr>
+                      <m:t>𝑓𝑜𝑟</m:t>
+                    </m:r>
+                    <m:r>
+                      <a:rPr lang="en-US" b="0" i="1" smtClean="0">
+                        <a:latin typeface="Cambria Math" panose="02040503050406030204" pitchFamily="18" charset="0"/>
+                      </a:rPr>
+                      <m:t> </m:t>
+                    </m:r>
+                    <m:r>
+                      <a:rPr lang="en-US" b="0" i="1" smtClean="0">
+                        <a:latin typeface="Cambria Math" panose="02040503050406030204" pitchFamily="18" charset="0"/>
+                      </a:rPr>
+                      <m:t>𝑡𝑟𝑎𝑛𝑠𝑓𝑒𝑟𝑟𝑖𝑛𝑔</m:t>
+                    </m:r>
+                    <m:r>
+                      <a:rPr lang="en-US" b="0" i="1" smtClean="0">
+                        <a:latin typeface="Cambria Math" panose="02040503050406030204" pitchFamily="18" charset="0"/>
+                      </a:rPr>
+                      <m:t> </m:t>
+                    </m:r>
+                    <m:r>
+                      <a:rPr lang="en-US" b="0" i="1" smtClean="0">
+                        <a:latin typeface="Cambria Math" panose="02040503050406030204" pitchFamily="18" charset="0"/>
+                      </a:rPr>
+                      <m:t>𝑑𝑎𝑡𝑎</m:t>
+                    </m:r>
+                    <m:r>
+                      <a:rPr lang="en-US" b="0" i="1" smtClean="0">
+                        <a:latin typeface="Cambria Math" panose="02040503050406030204" pitchFamily="18" charset="0"/>
+                      </a:rPr>
+                      <m:t> </m:t>
+                    </m:r>
+                    <m:r>
+                      <a:rPr lang="en-US" b="0" i="1" smtClean="0">
+                        <a:latin typeface="Cambria Math" panose="02040503050406030204" pitchFamily="18" charset="0"/>
+                      </a:rPr>
+                      <m:t>𝑓𝑟𝑜𝑚</m:t>
+                    </m:r>
+                    <m:r>
+                      <a:rPr lang="en-US" b="0" i="1" smtClean="0">
+                        <a:latin typeface="Cambria Math" panose="02040503050406030204" pitchFamily="18" charset="0"/>
+                      </a:rPr>
+                      <m:t> </m:t>
+                    </m:r>
+                    <m:r>
+                      <a:rPr lang="en-US" b="0" i="1" smtClean="0">
+                        <a:latin typeface="Cambria Math" panose="02040503050406030204" pitchFamily="18" charset="0"/>
+                      </a:rPr>
+                      <m:t>𝑛𝑜𝑑𝑒</m:t>
+                    </m:r>
+                    <m:r>
+                      <a:rPr lang="en-US" b="0" i="1" smtClean="0">
+                        <a:latin typeface="Cambria Math" panose="02040503050406030204" pitchFamily="18" charset="0"/>
+                      </a:rPr>
+                      <m:t> </m:t>
+                    </m:r>
+                    <m:r>
+                      <a:rPr lang="en-US" b="0" i="1" smtClean="0">
+                        <a:latin typeface="Cambria Math" panose="02040503050406030204" pitchFamily="18" charset="0"/>
+                      </a:rPr>
+                      <m:t>𝑖</m:t>
+                    </m:r>
+                    <m:r>
+                      <a:rPr lang="en-US" b="0" i="1" smtClean="0">
+                        <a:latin typeface="Cambria Math" panose="02040503050406030204" pitchFamily="18" charset="0"/>
+                      </a:rPr>
+                      <m:t> </m:t>
+                    </m:r>
+                    <m:r>
+                      <a:rPr lang="en-US" b="0" i="1" smtClean="0">
+                        <a:latin typeface="Cambria Math" panose="02040503050406030204" pitchFamily="18" charset="0"/>
+                      </a:rPr>
+                      <m:t>𝑡𝑜</m:t>
+                    </m:r>
+                    <m:r>
+                      <a:rPr lang="en-US" b="0" i="1" smtClean="0">
+                        <a:latin typeface="Cambria Math" panose="02040503050406030204" pitchFamily="18" charset="0"/>
+                      </a:rPr>
+                      <m:t> </m:t>
+                    </m:r>
+                    <m:r>
+                      <a:rPr lang="en-US" b="0" i="1" smtClean="0">
+                        <a:latin typeface="Cambria Math" panose="02040503050406030204" pitchFamily="18" charset="0"/>
+                      </a:rPr>
+                      <m:t>𝑛𝑜𝑑𝑒</m:t>
+                    </m:r>
+                    <m:r>
+                      <a:rPr lang="en-US" b="0" i="1" smtClean="0">
+                        <a:latin typeface="Cambria Math" panose="02040503050406030204" pitchFamily="18" charset="0"/>
+                      </a:rPr>
+                      <m:t> </m:t>
+                    </m:r>
+                    <m:r>
+                      <a:rPr lang="en-US" b="0" i="1" smtClean="0">
+                        <a:latin typeface="Cambria Math" panose="02040503050406030204" pitchFamily="18" charset="0"/>
+                      </a:rPr>
+                      <m:t>𝑗</m:t>
+                    </m:r>
+                    <m:r>
+                      <a:rPr lang="en-US" b="0" i="1" smtClean="0">
+                        <a:latin typeface="Cambria Math" panose="02040503050406030204" pitchFamily="18" charset="0"/>
+                      </a:rPr>
+                      <m:t>.</m:t>
+                    </m:r>
+                  </m:oMath>
+                </a14:m>
+                <a:endParaRPr lang="en-US" b="0" dirty="0"/>
+              </a:p>
+              <a:p>
+                <a14:m>
+                  <m:oMath xmlns:m="http://schemas.openxmlformats.org/officeDocument/2006/math">
+                    <m:sSubSup>
+                      <m:sSubSupPr>
+                        <m:ctrlPr>
+                          <a:rPr lang="en-US" b="0" i="1" smtClean="0">
+                            <a:latin typeface="Cambria Math" panose="02040503050406030204" pitchFamily="18" charset="0"/>
+                          </a:rPr>
+                        </m:ctrlPr>
+                      </m:sSubSupPr>
+                      <m:e>
+                        <m:r>
+                          <a:rPr lang="en-US" b="0" i="1" smtClean="0">
+                            <a:latin typeface="Cambria Math" panose="02040503050406030204" pitchFamily="18" charset="0"/>
+                          </a:rPr>
+                          <m:t>𝐸</m:t>
+                        </m:r>
+                      </m:e>
+                      <m:sub>
+                        <m:r>
+                          <a:rPr lang="en-US" b="0" i="1" smtClean="0">
+                            <a:latin typeface="Cambria Math" panose="02040503050406030204" pitchFamily="18" charset="0"/>
+                          </a:rPr>
+                          <m:t>𝑖𝑗</m:t>
+                        </m:r>
+                      </m:sub>
+                      <m:sup>
+                        <m:r>
+                          <a:rPr lang="en-US" b="0" i="1" smtClean="0">
+                            <a:latin typeface="Cambria Math" panose="02040503050406030204" pitchFamily="18" charset="0"/>
+                          </a:rPr>
+                          <m:t>𝑐𝑜𝑚𝑝</m:t>
+                        </m:r>
+                      </m:sup>
+                    </m:sSubSup>
+                    <m:r>
+                      <a:rPr lang="en-US" b="0" i="1" smtClean="0">
+                        <a:latin typeface="Cambria Math" panose="02040503050406030204" pitchFamily="18" charset="0"/>
+                      </a:rPr>
+                      <m:t>:</m:t>
+                    </m:r>
+                    <m:r>
+                      <a:rPr lang="en-US" b="0" i="1" smtClean="0">
+                        <a:latin typeface="Cambria Math" panose="02040503050406030204" pitchFamily="18" charset="0"/>
+                      </a:rPr>
+                      <m:t>𝐸𝑛𝑒𝑟𝑔𝑦</m:t>
+                    </m:r>
+                    <m:r>
+                      <a:rPr lang="en-US" b="0" i="1" smtClean="0">
+                        <a:latin typeface="Cambria Math" panose="02040503050406030204" pitchFamily="18" charset="0"/>
+                      </a:rPr>
+                      <m:t> </m:t>
+                    </m:r>
+                    <m:r>
+                      <a:rPr lang="en-US" b="0" i="1" smtClean="0">
+                        <a:latin typeface="Cambria Math" panose="02040503050406030204" pitchFamily="18" charset="0"/>
+                      </a:rPr>
+                      <m:t>𝑐𝑜𝑛𝑠𝑢𝑚𝑝𝑡𝑖𝑜𝑛</m:t>
+                    </m:r>
+                    <m:r>
+                      <a:rPr lang="en-US" b="0" i="1" smtClean="0">
+                        <a:latin typeface="Cambria Math" panose="02040503050406030204" pitchFamily="18" charset="0"/>
+                      </a:rPr>
+                      <m:t> </m:t>
+                    </m:r>
+                    <m:r>
+                      <a:rPr lang="en-US" b="0" i="1" smtClean="0">
+                        <a:latin typeface="Cambria Math" panose="02040503050406030204" pitchFamily="18" charset="0"/>
+                      </a:rPr>
+                      <m:t>𝑓𝑜𝑟</m:t>
+                    </m:r>
+                    <m:r>
+                      <a:rPr lang="en-US" b="0" i="1" smtClean="0">
+                        <a:latin typeface="Cambria Math" panose="02040503050406030204" pitchFamily="18" charset="0"/>
+                      </a:rPr>
+                      <m:t> </m:t>
+                    </m:r>
+                    <m:r>
+                      <a:rPr lang="en-US" b="0" i="1" smtClean="0">
+                        <a:latin typeface="Cambria Math" panose="02040503050406030204" pitchFamily="18" charset="0"/>
+                      </a:rPr>
+                      <m:t>𝑐𝑜𝑚𝑝𝑢𝑡𝑖𝑛𝑔</m:t>
+                    </m:r>
+                    <m:r>
+                      <a:rPr lang="en-US" b="0" i="1" smtClean="0">
+                        <a:latin typeface="Cambria Math" panose="02040503050406030204" pitchFamily="18" charset="0"/>
+                      </a:rPr>
+                      <m:t> </m:t>
+                    </m:r>
+                    <m:r>
+                      <a:rPr lang="en-US" b="0" i="1" smtClean="0">
+                        <a:latin typeface="Cambria Math" panose="02040503050406030204" pitchFamily="18" charset="0"/>
+                      </a:rPr>
+                      <m:t>𝑙𝑎𝑦𝑒𝑟</m:t>
+                    </m:r>
+                    <m:r>
+                      <a:rPr lang="en-US" b="0" i="1" smtClean="0">
+                        <a:latin typeface="Cambria Math" panose="02040503050406030204" pitchFamily="18" charset="0"/>
+                      </a:rPr>
+                      <m:t> </m:t>
+                    </m:r>
+                    <m:r>
+                      <a:rPr lang="en-US" b="0" i="1" smtClean="0">
+                        <a:latin typeface="Cambria Math" panose="02040503050406030204" pitchFamily="18" charset="0"/>
+                      </a:rPr>
+                      <m:t>𝑖</m:t>
+                    </m:r>
+                    <m:r>
+                      <a:rPr lang="en-US" b="0" i="1" smtClean="0">
+                        <a:latin typeface="Cambria Math" panose="02040503050406030204" pitchFamily="18" charset="0"/>
+                      </a:rPr>
+                      <m:t> </m:t>
+                    </m:r>
+                    <m:r>
+                      <a:rPr lang="en-US" b="0" i="1" smtClean="0">
+                        <a:latin typeface="Cambria Math" panose="02040503050406030204" pitchFamily="18" charset="0"/>
+                      </a:rPr>
+                      <m:t>𝑜𝑛</m:t>
+                    </m:r>
+                    <m:r>
+                      <a:rPr lang="en-US" b="0" i="1" smtClean="0">
+                        <a:latin typeface="Cambria Math" panose="02040503050406030204" pitchFamily="18" charset="0"/>
+                      </a:rPr>
+                      <m:t> </m:t>
+                    </m:r>
+                    <m:r>
+                      <a:rPr lang="en-US" b="0" i="1" smtClean="0">
+                        <a:latin typeface="Cambria Math" panose="02040503050406030204" pitchFamily="18" charset="0"/>
+                      </a:rPr>
+                      <m:t>𝑡h𝑒</m:t>
+                    </m:r>
+                    <m:r>
+                      <a:rPr lang="en-US" b="0" i="1" smtClean="0">
+                        <a:latin typeface="Cambria Math" panose="02040503050406030204" pitchFamily="18" charset="0"/>
+                      </a:rPr>
+                      <m:t> </m:t>
+                    </m:r>
+                    <m:r>
+                      <a:rPr lang="en-US" b="0" i="1" smtClean="0">
+                        <a:latin typeface="Cambria Math" panose="02040503050406030204" pitchFamily="18" charset="0"/>
+                      </a:rPr>
+                      <m:t>𝑎𝑠𝑠𝑖𝑔𝑛𝑒𝑑</m:t>
+                    </m:r>
+                    <m:r>
+                      <a:rPr lang="en-US" b="0" i="1" smtClean="0">
+                        <a:latin typeface="Cambria Math" panose="02040503050406030204" pitchFamily="18" charset="0"/>
+                      </a:rPr>
+                      <m:t> </m:t>
+                    </m:r>
+                    <m:r>
+                      <a:rPr lang="en-US" b="0" i="1" smtClean="0">
+                        <a:latin typeface="Cambria Math" panose="02040503050406030204" pitchFamily="18" charset="0"/>
+                      </a:rPr>
+                      <m:t>𝑑𝑒𝑣𝑖𝑐𝑒</m:t>
+                    </m:r>
+                    <m:r>
+                      <a:rPr lang="en-US" b="0" i="1" smtClean="0">
+                        <a:latin typeface="Cambria Math" panose="02040503050406030204" pitchFamily="18" charset="0"/>
+                      </a:rPr>
+                      <m:t> </m:t>
+                    </m:r>
+                    <m:r>
+                      <a:rPr lang="en-US" b="0" i="1" smtClean="0">
+                        <a:latin typeface="Cambria Math" panose="02040503050406030204" pitchFamily="18" charset="0"/>
+                      </a:rPr>
+                      <m:t>𝑗</m:t>
+                    </m:r>
+                    <m:r>
+                      <a:rPr lang="en-US" b="0" i="1" smtClean="0">
+                        <a:latin typeface="Cambria Math" panose="02040503050406030204" pitchFamily="18" charset="0"/>
+                      </a:rPr>
+                      <m:t>.</m:t>
+                    </m:r>
+                  </m:oMath>
+                </a14:m>
+                <a:endParaRPr lang="en-US" b="0" dirty="0"/>
+              </a:p>
+              <a:p>
+                <a:endParaRPr lang="en-US" b="0" dirty="0"/>
+              </a:p>
+              <a:p>
+                <a14:m>
+                  <m:oMath xmlns:m="http://schemas.openxmlformats.org/officeDocument/2006/math">
+                    <m:r>
+                      <a:rPr lang="en-US" b="0" i="1" smtClean="0">
+                        <a:latin typeface="Cambria Math" panose="02040503050406030204" pitchFamily="18" charset="0"/>
+                      </a:rPr>
+                      <m:t>𝐶𝑜𝑠𝑡</m:t>
+                    </m:r>
+                    <m:d>
+                      <m:dPr>
+                        <m:ctrlPr>
+                          <a:rPr lang="en-US" b="0" i="1" smtClean="0">
+                            <a:latin typeface="Cambria Math" panose="02040503050406030204" pitchFamily="18" charset="0"/>
+                          </a:rPr>
+                        </m:ctrlPr>
+                      </m:dPr>
+                      <m:e>
+                        <m:r>
+                          <a:rPr lang="en-US" b="0" i="1" smtClean="0">
+                            <a:latin typeface="Cambria Math" panose="02040503050406030204" pitchFamily="18" charset="0"/>
+                          </a:rPr>
+                          <m:t>𝑋</m:t>
+                        </m:r>
+                      </m:e>
+                    </m:d>
+                    <m:r>
+                      <a:rPr lang="en-US" b="0" i="1" smtClean="0">
+                        <a:latin typeface="Cambria Math" panose="02040503050406030204" pitchFamily="18" charset="0"/>
+                      </a:rPr>
+                      <m:t>=</m:t>
+                    </m:r>
+                    <m:sSub>
+                      <m:sSubPr>
+                        <m:ctrlPr>
+                          <a:rPr lang="en-US" b="0" i="1" smtClean="0">
+                            <a:latin typeface="Cambria Math" panose="02040503050406030204" pitchFamily="18" charset="0"/>
+                          </a:rPr>
+                        </m:ctrlPr>
+                      </m:sSubPr>
+                      <m:e>
+                        <m:r>
+                          <a:rPr lang="en-US" i="1">
+                            <a:latin typeface="Cambria Math" panose="02040503050406030204" pitchFamily="18" charset="0"/>
+                          </a:rPr>
+                          <m:t>𝜆</m:t>
+                        </m:r>
+                      </m:e>
+                      <m:sub>
+                        <m:r>
+                          <a:rPr lang="en-US" b="0" i="1" smtClean="0">
+                            <a:latin typeface="Cambria Math" panose="02040503050406030204" pitchFamily="18" charset="0"/>
+                          </a:rPr>
+                          <m:t>𝑡</m:t>
+                        </m:r>
+                      </m:sub>
+                    </m:sSub>
+                    <m:d>
+                      <m:dPr>
+                        <m:ctrlPr>
+                          <a:rPr lang="en-US" b="0" i="1" smtClean="0">
+                            <a:latin typeface="Cambria Math" panose="02040503050406030204" pitchFamily="18" charset="0"/>
+                          </a:rPr>
+                        </m:ctrlPr>
+                      </m:dPr>
+                      <m:e>
+                        <m:nary>
+                          <m:naryPr>
+                            <m:chr m:val="∑"/>
+                            <m:supHide m:val="on"/>
+                            <m:ctrlPr>
+                              <a:rPr lang="en-US" b="0" i="1" smtClean="0">
+                                <a:latin typeface="Cambria Math" panose="02040503050406030204" pitchFamily="18" charset="0"/>
+                              </a:rPr>
+                            </m:ctrlPr>
+                          </m:naryPr>
+                          <m:sub>
+                            <m:r>
+                              <m:rPr>
+                                <m:brk m:alnAt="7"/>
+                              </m:rPr>
+                              <a:rPr lang="en-US" b="0" i="1" smtClean="0">
+                                <a:latin typeface="Cambria Math" panose="02040503050406030204" pitchFamily="18" charset="0"/>
+                              </a:rPr>
+                              <m:t>𝑖𝑗</m:t>
+                            </m:r>
+                          </m:sub>
+                          <m:sup/>
+                          <m:e>
+                            <m:sSub>
+                              <m:sSubPr>
+                                <m:ctrlPr>
+                                  <a:rPr lang="en-US" b="0" i="1" smtClean="0">
+                                    <a:latin typeface="Cambria Math" panose="02040503050406030204" pitchFamily="18" charset="0"/>
+                                  </a:rPr>
+                                </m:ctrlPr>
+                              </m:sSubPr>
+                              <m:e>
+                                <m:r>
+                                  <a:rPr lang="en-US" b="0" i="1" smtClean="0">
+                                    <a:latin typeface="Cambria Math" panose="02040503050406030204" pitchFamily="18" charset="0"/>
+                                  </a:rPr>
+                                  <m:t>𝐶</m:t>
+                                </m:r>
+                              </m:e>
+                              <m:sub>
+                                <m:r>
+                                  <a:rPr lang="en-US" b="0" i="1" smtClean="0">
+                                    <a:latin typeface="Cambria Math" panose="02040503050406030204" pitchFamily="18" charset="0"/>
+                                  </a:rPr>
+                                  <m:t>𝑖𝑗</m:t>
+                                </m:r>
+                              </m:sub>
+                            </m:sSub>
+                          </m:e>
+                        </m:nary>
+                        <m:r>
+                          <a:rPr lang="en-US" b="0" i="1" smtClean="0">
+                            <a:latin typeface="Cambria Math" panose="02040503050406030204" pitchFamily="18" charset="0"/>
+                          </a:rPr>
+                          <m:t>+</m:t>
+                        </m:r>
+                        <m:nary>
+                          <m:naryPr>
+                            <m:chr m:val="∑"/>
+                            <m:supHide m:val="on"/>
+                            <m:ctrlPr>
+                              <a:rPr lang="en-US" i="1">
+                                <a:latin typeface="Cambria Math" panose="02040503050406030204" pitchFamily="18" charset="0"/>
+                              </a:rPr>
+                            </m:ctrlPr>
+                          </m:naryPr>
+                          <m:sub>
+                            <m:r>
+                              <m:rPr>
+                                <m:brk m:alnAt="7"/>
+                              </m:rPr>
+                              <a:rPr lang="en-US" i="1">
+                                <a:latin typeface="Cambria Math" panose="02040503050406030204" pitchFamily="18" charset="0"/>
+                              </a:rPr>
+                              <m:t>𝑖</m:t>
+                            </m:r>
+                            <m:r>
+                              <a:rPr lang="en-US" i="1">
+                                <a:latin typeface="Cambria Math" panose="02040503050406030204" pitchFamily="18" charset="0"/>
+                              </a:rPr>
+                              <m:t>𝑗</m:t>
+                            </m:r>
+                          </m:sub>
+                          <m:sup/>
+                          <m:e>
+                            <m:sSub>
+                              <m:sSubPr>
+                                <m:ctrlPr>
+                                  <a:rPr lang="en-US" i="1">
+                                    <a:latin typeface="Cambria Math" panose="02040503050406030204" pitchFamily="18" charset="0"/>
+                                  </a:rPr>
+                                </m:ctrlPr>
+                              </m:sSubPr>
+                              <m:e>
+                                <m:r>
+                                  <a:rPr lang="en-US" b="0" i="1" smtClean="0">
+                                    <a:latin typeface="Cambria Math" panose="02040503050406030204" pitchFamily="18" charset="0"/>
+                                  </a:rPr>
+                                  <m:t>𝑇</m:t>
+                                </m:r>
+                              </m:e>
+                              <m:sub>
+                                <m:r>
+                                  <a:rPr lang="en-US" i="1">
+                                    <a:latin typeface="Cambria Math" panose="02040503050406030204" pitchFamily="18" charset="0"/>
+                                  </a:rPr>
+                                  <m:t>𝑖𝑗</m:t>
+                                </m:r>
+                              </m:sub>
+                            </m:sSub>
+                          </m:e>
+                        </m:nary>
+                      </m:e>
+                    </m:d>
+                    <m:r>
+                      <a:rPr lang="en-US" b="0" i="1" smtClean="0">
+                        <a:latin typeface="Cambria Math" panose="02040503050406030204" pitchFamily="18" charset="0"/>
+                      </a:rPr>
+                      <m:t>+</m:t>
+                    </m:r>
+                    <m:sSub>
+                      <m:sSubPr>
+                        <m:ctrlPr>
+                          <a:rPr lang="en-US" i="1">
+                            <a:latin typeface="Cambria Math" panose="02040503050406030204" pitchFamily="18" charset="0"/>
+                          </a:rPr>
+                        </m:ctrlPr>
+                      </m:sSubPr>
+                      <m:e>
+                        <m:r>
+                          <a:rPr lang="en-US" i="1">
+                            <a:latin typeface="Cambria Math" panose="02040503050406030204" pitchFamily="18" charset="0"/>
+                          </a:rPr>
+                          <m:t>𝜆</m:t>
+                        </m:r>
+                      </m:e>
+                      <m:sub>
+                        <m:r>
+                          <a:rPr lang="en-US" b="0" i="1" smtClean="0">
+                            <a:latin typeface="Cambria Math" panose="02040503050406030204" pitchFamily="18" charset="0"/>
+                          </a:rPr>
+                          <m:t>𝑒</m:t>
+                        </m:r>
+                      </m:sub>
+                    </m:sSub>
+                    <m:r>
+                      <a:rPr lang="en-US" b="0" i="1" smtClean="0">
+                        <a:latin typeface="Cambria Math" panose="02040503050406030204" pitchFamily="18" charset="0"/>
+                      </a:rPr>
+                      <m:t>(</m:t>
+                    </m:r>
+                    <m:nary>
+                      <m:naryPr>
+                        <m:chr m:val="∑"/>
+                        <m:supHide m:val="on"/>
+                        <m:ctrlPr>
+                          <a:rPr lang="en-US" b="0" i="1" smtClean="0">
+                            <a:latin typeface="Cambria Math" panose="02040503050406030204" pitchFamily="18" charset="0"/>
+                          </a:rPr>
+                        </m:ctrlPr>
+                      </m:naryPr>
+                      <m:sub>
+                        <m:r>
+                          <m:rPr>
+                            <m:brk m:alnAt="7"/>
+                          </m:rPr>
+                          <a:rPr lang="en-US" b="0" i="1" smtClean="0">
+                            <a:latin typeface="Cambria Math" panose="02040503050406030204" pitchFamily="18" charset="0"/>
+                          </a:rPr>
+                          <m:t>𝑖𝑗</m:t>
+                        </m:r>
+                      </m:sub>
+                      <m:sup/>
+                      <m:e>
+                        <m:sSubSup>
+                          <m:sSubSupPr>
+                            <m:ctrlPr>
+                              <a:rPr lang="en-US" b="0" i="1" smtClean="0">
+                                <a:latin typeface="Cambria Math" panose="02040503050406030204" pitchFamily="18" charset="0"/>
+                              </a:rPr>
+                            </m:ctrlPr>
+                          </m:sSubSupPr>
+                          <m:e>
+                            <m:r>
+                              <a:rPr lang="en-US" b="0" i="1" smtClean="0">
+                                <a:latin typeface="Cambria Math" panose="02040503050406030204" pitchFamily="18" charset="0"/>
+                              </a:rPr>
+                              <m:t>𝐸</m:t>
+                            </m:r>
+                          </m:e>
+                          <m:sub>
+                            <m:r>
+                              <a:rPr lang="en-US" b="0" i="1" smtClean="0">
+                                <a:latin typeface="Cambria Math" panose="02040503050406030204" pitchFamily="18" charset="0"/>
+                              </a:rPr>
+                              <m:t>𝑖𝑗</m:t>
+                            </m:r>
+                          </m:sub>
+                          <m:sup>
+                            <m:r>
+                              <a:rPr lang="en-US" b="0" i="1" smtClean="0">
+                                <a:latin typeface="Cambria Math" panose="02040503050406030204" pitchFamily="18" charset="0"/>
+                              </a:rPr>
+                              <m:t>𝑐𝑜𝑚𝑝</m:t>
+                            </m:r>
+                          </m:sup>
+                        </m:sSubSup>
+                      </m:e>
+                    </m:nary>
+                    <m:r>
+                      <a:rPr lang="en-US" b="0" i="1" smtClean="0">
+                        <a:latin typeface="Cambria Math" panose="02040503050406030204" pitchFamily="18" charset="0"/>
+                      </a:rPr>
+                      <m:t>+</m:t>
+                    </m:r>
+                    <m:nary>
+                      <m:naryPr>
+                        <m:chr m:val="∑"/>
+                        <m:supHide m:val="on"/>
+                        <m:ctrlPr>
+                          <a:rPr lang="en-US" i="1">
+                            <a:latin typeface="Cambria Math" panose="02040503050406030204" pitchFamily="18" charset="0"/>
+                          </a:rPr>
+                        </m:ctrlPr>
+                      </m:naryPr>
+                      <m:sub>
+                        <m:r>
+                          <m:rPr>
+                            <m:brk m:alnAt="7"/>
+                          </m:rPr>
+                          <a:rPr lang="en-US" i="1">
+                            <a:latin typeface="Cambria Math" panose="02040503050406030204" pitchFamily="18" charset="0"/>
+                          </a:rPr>
+                          <m:t>𝑖</m:t>
+                        </m:r>
+                        <m:r>
+                          <a:rPr lang="en-US" i="1">
+                            <a:latin typeface="Cambria Math" panose="02040503050406030204" pitchFamily="18" charset="0"/>
+                          </a:rPr>
+                          <m:t>𝑗</m:t>
+                        </m:r>
+                      </m:sub>
+                      <m:sup/>
+                      <m:e>
+                        <m:sSubSup>
+                          <m:sSubSupPr>
+                            <m:ctrlPr>
+                              <a:rPr lang="en-US" i="1">
+                                <a:latin typeface="Cambria Math" panose="02040503050406030204" pitchFamily="18" charset="0"/>
+                              </a:rPr>
+                            </m:ctrlPr>
+                          </m:sSubSupPr>
+                          <m:e>
+                            <m:r>
+                              <a:rPr lang="en-US" i="1">
+                                <a:latin typeface="Cambria Math" panose="02040503050406030204" pitchFamily="18" charset="0"/>
+                              </a:rPr>
+                              <m:t>𝐸</m:t>
+                            </m:r>
+                          </m:e>
+                          <m:sub>
+                            <m:r>
+                              <a:rPr lang="en-US" i="1">
+                                <a:latin typeface="Cambria Math" panose="02040503050406030204" pitchFamily="18" charset="0"/>
+                              </a:rPr>
+                              <m:t>𝑖𝑗</m:t>
+                            </m:r>
+                          </m:sub>
+                          <m:sup>
+                            <m:r>
+                              <a:rPr lang="en-US" b="0" i="1" smtClean="0">
+                                <a:latin typeface="Cambria Math" panose="02040503050406030204" pitchFamily="18" charset="0"/>
+                              </a:rPr>
+                              <m:t>𝑡𝑟𝑎𝑛𝑠</m:t>
+                            </m:r>
+                          </m:sup>
+                        </m:sSubSup>
+                      </m:e>
+                    </m:nary>
+                    <m:r>
+                      <a:rPr lang="en-US" b="0" i="1" smtClean="0">
+                        <a:latin typeface="Cambria Math" panose="02040503050406030204" pitchFamily="18" charset="0"/>
+                      </a:rPr>
+                      <m:t>)</m:t>
+                    </m:r>
+                  </m:oMath>
+                </a14:m>
+                <a:endParaRPr lang="en-US" dirty="0"/>
+              </a:p>
+              <a:p>
+                <a:endParaRPr lang="en-US" dirty="0"/>
+              </a:p>
+            </p:txBody>
+          </p:sp>
+        </mc:Choice>
+        <mc:Fallback>
+          <p:sp>
+            <p:nvSpPr>
+              <p:cNvPr id="3" name="Content Placeholder 2">
+                <a:extLst>
+                  <a:ext uri="{FF2B5EF4-FFF2-40B4-BE49-F238E27FC236}">
+                    <a16:creationId xmlns:a16="http://schemas.microsoft.com/office/drawing/2014/main" id="{5A274EAD-5829-CAD4-C252-58D0D9690797}"/>
+                  </a:ext>
+                </a:extLst>
+              </p:cNvPr>
+              <p:cNvSpPr>
+                <a:spLocks noGrp="1" noRot="1" noChangeAspect="1" noMove="1" noResize="1" noEditPoints="1" noAdjustHandles="1" noChangeArrowheads="1" noChangeShapeType="1" noTextEdit="1"/>
+              </p:cNvSpPr>
+              <p:nvPr>
+                <p:ph idx="1"/>
+              </p:nvPr>
+            </p:nvSpPr>
+            <p:spPr>
+              <a:xfrm>
+                <a:off x="838200" y="1825625"/>
+                <a:ext cx="10844814" cy="4351338"/>
+              </a:xfrm>
+              <a:blipFill>
+                <a:blip r:embed="rId2"/>
+                <a:stretch>
+                  <a:fillRect l="-787" t="-1261"/>
+                </a:stretch>
+              </a:blipFill>
+            </p:spPr>
+            <p:txBody>
+              <a:bodyPr/>
+              <a:lstStyle/>
+              <a:p>
+                <a:r>
+                  <a:rPr lang="en-US">
+                    <a:noFill/>
+                  </a:rPr>
+                  <a:t> </a:t>
+                </a:r>
+              </a:p>
+            </p:txBody>
+          </p:sp>
+        </mc:Fallback>
+      </mc:AlternateContent>
+    </p:spTree>
+    <p:extLst>
+      <p:ext uri="{BB962C8B-B14F-4D97-AF65-F5344CB8AC3E}">
+        <p14:creationId xmlns:p14="http://schemas.microsoft.com/office/powerpoint/2010/main" val="2261403786"/>
+      </p:ext>
+    </p:extLst>
+  </p:cSld>
+  <p:clrMapOvr>
+    <a:masterClrMapping/>
+  </p:clrMapOvr>
+</p:sld>
+</file>
+
+<file path=ppt/slides/slide14.xml><?xml version="1.0" encoding="utf-8"?>
+<p:sld xmlns:a="http://schemas.openxmlformats.org/drawingml/2006/main" xmlns:r="http://schemas.openxmlformats.org/officeDocument/2006/relationships" xmlns:p="http://schemas.openxmlformats.org/presentationml/2006/main">
+  <p:cSld>
+    <p:spTree>
+      <p:nvGrpSpPr>
+        <p:cNvPr id="1" name=""/>
+        <p:cNvGrpSpPr/>
+        <p:nvPr/>
+      </p:nvGrpSpPr>
+      <p:grpSpPr>
+        <a:xfrm>
+          <a:off x="0" y="0"/>
+          <a:ext cx="0" cy="0"/>
+          <a:chOff x="0" y="0"/>
+          <a:chExt cx="0" cy="0"/>
+        </a:xfrm>
+      </p:grpSpPr>
+      <p:sp>
+        <p:nvSpPr>
+          <p:cNvPr id="2" name="Title 1">
+            <a:extLst>
+              <a:ext uri="{FF2B5EF4-FFF2-40B4-BE49-F238E27FC236}">
+                <a16:creationId xmlns:a16="http://schemas.microsoft.com/office/drawing/2014/main" id="{D643D72F-F76A-2DC9-0601-E7E23C5B1849}"/>
+              </a:ext>
+            </a:extLst>
+          </p:cNvPr>
+          <p:cNvSpPr>
+            <a:spLocks noGrp="1"/>
+          </p:cNvSpPr>
+          <p:nvPr>
+            <p:ph type="title"/>
+          </p:nvPr>
+        </p:nvSpPr>
+        <p:spPr/>
+        <p:txBody>
+          <a:bodyPr/>
+          <a:lstStyle/>
+          <a:p>
+            <a:r>
+              <a:rPr lang="en-US" dirty="0"/>
+              <a:t>Computation and transfer time</a:t>
+            </a:r>
+          </a:p>
+        </p:txBody>
+      </p:sp>
+      <p:sp>
+        <p:nvSpPr>
+          <p:cNvPr id="3" name="Content Placeholder 2">
+            <a:extLst>
+              <a:ext uri="{FF2B5EF4-FFF2-40B4-BE49-F238E27FC236}">
+                <a16:creationId xmlns:a16="http://schemas.microsoft.com/office/drawing/2014/main" id="{40EDB800-BAB5-7EC0-2D74-D3D58ED01B09}"/>
+              </a:ext>
+            </a:extLst>
+          </p:cNvPr>
+          <p:cNvSpPr>
+            <a:spLocks noGrp="1"/>
+          </p:cNvSpPr>
+          <p:nvPr>
+            <p:ph idx="1"/>
+          </p:nvPr>
+        </p:nvSpPr>
+        <p:spPr>
+          <a:xfrm>
+            <a:off x="838200" y="1825625"/>
+            <a:ext cx="10910688" cy="4351338"/>
+          </a:xfrm>
+        </p:spPr>
+        <p:txBody>
+          <a:bodyPr>
+            <a:normAutofit/>
+          </a:bodyPr>
+          <a:lstStyle/>
+          <a:p>
+            <a:r>
+              <a:rPr lang="en-US" dirty="0"/>
+              <a:t>1. Layer-Device Assignment Matrix (X)</a:t>
+            </a:r>
+          </a:p>
+          <a:p>
+            <a:pPr lvl="1"/>
+            <a:r>
+              <a:rPr lang="en-US" dirty="0"/>
+              <a:t>Represents which device each layer is assigned to.</a:t>
+            </a:r>
+          </a:p>
+          <a:p>
+            <a:pPr lvl="1"/>
+            <a:r>
+              <a:rPr lang="en-US" dirty="0"/>
+              <a:t>Rows correspond to layers, and columns correspond to devices.</a:t>
+            </a:r>
+          </a:p>
+          <a:p>
+            <a:pPr lvl="1"/>
+            <a:r>
+              <a:rPr lang="en-US" dirty="0"/>
+              <a:t>A ‘1’ in the matrix indicates the layer is assigned to that device.</a:t>
+            </a:r>
+          </a:p>
+          <a:p>
+            <a:r>
+              <a:rPr lang="en-US" dirty="0"/>
+              <a:t>2. Transfer Time Matrix (T)</a:t>
+            </a:r>
+          </a:p>
+          <a:p>
+            <a:pPr lvl="1"/>
+            <a:r>
+              <a:rPr lang="en-US" dirty="0"/>
+              <a:t>Represents the time required to transfer data between devices.</a:t>
+            </a:r>
+          </a:p>
+          <a:p>
+            <a:pPr lvl="1"/>
+            <a:r>
+              <a:rPr lang="en-US" dirty="0"/>
+              <a:t>Rows and columns correspond to devices.</a:t>
+            </a:r>
+          </a:p>
+          <a:p>
+            <a:pPr lvl="1"/>
+            <a:r>
+              <a:rPr lang="en-US" dirty="0"/>
+              <a:t>An element T[</a:t>
+            </a:r>
+            <a:r>
+              <a:rPr lang="en-US" dirty="0" err="1"/>
+              <a:t>i,j</a:t>
+            </a:r>
+            <a:r>
+              <a:rPr lang="en-US" dirty="0"/>
+              <a:t>] indicates the time to transfer data from Device </a:t>
+            </a:r>
+            <a:r>
+              <a:rPr lang="en-US" dirty="0" err="1"/>
+              <a:t>i</a:t>
+            </a:r>
+            <a:r>
+              <a:rPr lang="en-US" dirty="0"/>
+              <a:t> to device j.</a:t>
+            </a:r>
+          </a:p>
+          <a:p>
+            <a:r>
+              <a:rPr lang="en-US" dirty="0"/>
+              <a:t>3. Computation Time Matrix (C)</a:t>
+            </a:r>
+          </a:p>
+          <a:p>
+            <a:pPr lvl="1"/>
+            <a:r>
+              <a:rPr lang="en-US" dirty="0"/>
+              <a:t>An element C[</a:t>
+            </a:r>
+            <a:r>
+              <a:rPr lang="en-US" dirty="0" err="1"/>
+              <a:t>i,j</a:t>
+            </a:r>
+            <a:r>
+              <a:rPr lang="en-US" dirty="0"/>
+              <a:t>] indicates the computation time that device j process layer </a:t>
+            </a:r>
+            <a:r>
+              <a:rPr lang="en-US" dirty="0" err="1"/>
+              <a:t>i</a:t>
+            </a:r>
+            <a:endParaRPr lang="en-US" dirty="0"/>
+          </a:p>
+          <a:p>
+            <a:pPr lvl="1"/>
+            <a:endParaRPr lang="en-US" dirty="0"/>
+          </a:p>
+        </p:txBody>
+      </p:sp>
+      <p:pic>
+        <p:nvPicPr>
+          <p:cNvPr id="7" name="Picture 6">
+            <a:extLst>
+              <a:ext uri="{FF2B5EF4-FFF2-40B4-BE49-F238E27FC236}">
+                <a16:creationId xmlns:a16="http://schemas.microsoft.com/office/drawing/2014/main" id="{38FB0ED7-7DC9-4A8D-F1BE-3C9545F4EAE2}"/>
+              </a:ext>
+            </a:extLst>
+          </p:cNvPr>
+          <p:cNvPicPr>
+            <a:picLocks noChangeAspect="1"/>
+          </p:cNvPicPr>
+          <p:nvPr/>
+        </p:nvPicPr>
+        <p:blipFill>
+          <a:blip r:embed="rId2"/>
+          <a:stretch>
+            <a:fillRect/>
+          </a:stretch>
+        </p:blipFill>
+        <p:spPr>
+          <a:xfrm>
+            <a:off x="8565613" y="1354578"/>
+            <a:ext cx="1314450" cy="1323975"/>
+          </a:xfrm>
+          <a:prstGeom prst="rect">
+            <a:avLst/>
+          </a:prstGeom>
+        </p:spPr>
+      </p:pic>
+      <p:pic>
+        <p:nvPicPr>
+          <p:cNvPr id="9" name="Picture 8">
+            <a:extLst>
+              <a:ext uri="{FF2B5EF4-FFF2-40B4-BE49-F238E27FC236}">
+                <a16:creationId xmlns:a16="http://schemas.microsoft.com/office/drawing/2014/main" id="{2B12AC83-E6FF-0C5B-20A6-83AA3B4D9D3C}"/>
+              </a:ext>
+            </a:extLst>
+          </p:cNvPr>
+          <p:cNvPicPr>
+            <a:picLocks noChangeAspect="1"/>
+          </p:cNvPicPr>
+          <p:nvPr/>
+        </p:nvPicPr>
+        <p:blipFill>
+          <a:blip r:embed="rId3"/>
+          <a:stretch>
+            <a:fillRect/>
+          </a:stretch>
+        </p:blipFill>
+        <p:spPr>
+          <a:xfrm>
+            <a:off x="10089257" y="1477971"/>
+            <a:ext cx="1741425" cy="1111548"/>
+          </a:xfrm>
+          <a:prstGeom prst="rect">
+            <a:avLst/>
+          </a:prstGeom>
+        </p:spPr>
+      </p:pic>
+      <p:pic>
+        <p:nvPicPr>
+          <p:cNvPr id="11" name="Picture 10">
+            <a:extLst>
+              <a:ext uri="{FF2B5EF4-FFF2-40B4-BE49-F238E27FC236}">
+                <a16:creationId xmlns:a16="http://schemas.microsoft.com/office/drawing/2014/main" id="{2B8C74A5-2BED-A5C6-E960-F9E2A06545F4}"/>
+              </a:ext>
+            </a:extLst>
+          </p:cNvPr>
+          <p:cNvPicPr>
+            <a:picLocks noChangeAspect="1"/>
+          </p:cNvPicPr>
+          <p:nvPr/>
+        </p:nvPicPr>
+        <p:blipFill>
+          <a:blip r:embed="rId4"/>
+          <a:stretch>
+            <a:fillRect/>
+          </a:stretch>
+        </p:blipFill>
+        <p:spPr>
+          <a:xfrm>
+            <a:off x="10375271" y="2872588"/>
+            <a:ext cx="1373616" cy="1477942"/>
+          </a:xfrm>
+          <a:prstGeom prst="rect">
+            <a:avLst/>
+          </a:prstGeom>
+        </p:spPr>
+      </p:pic>
+    </p:spTree>
+    <p:extLst>
+      <p:ext uri="{BB962C8B-B14F-4D97-AF65-F5344CB8AC3E}">
+        <p14:creationId xmlns:p14="http://schemas.microsoft.com/office/powerpoint/2010/main" val="2888019445"/>
+      </p:ext>
+    </p:extLst>
+  </p:cSld>
+  <p:clrMapOvr>
+    <a:masterClrMapping/>
+  </p:clrMapOvr>
+</p:sld>
+</file>
+
+<file path=ppt/slides/slide15.xml><?xml version="1.0" encoding="utf-8"?>
+<p:sld xmlns:a="http://schemas.openxmlformats.org/drawingml/2006/main" xmlns:r="http://schemas.openxmlformats.org/officeDocument/2006/relationships" xmlns:p="http://schemas.openxmlformats.org/presentationml/2006/main">
+  <p:cSld>
+    <p:spTree>
+      <p:nvGrpSpPr>
+        <p:cNvPr id="1" name=""/>
+        <p:cNvGrpSpPr/>
+        <p:nvPr/>
+      </p:nvGrpSpPr>
+      <p:grpSpPr>
+        <a:xfrm>
+          <a:off x="0" y="0"/>
+          <a:ext cx="0" cy="0"/>
+          <a:chOff x="0" y="0"/>
+          <a:chExt cx="0" cy="0"/>
+        </a:xfrm>
+      </p:grpSpPr>
+      <p:sp>
+        <p:nvSpPr>
+          <p:cNvPr id="2" name="Title 1">
+            <a:extLst>
+              <a:ext uri="{FF2B5EF4-FFF2-40B4-BE49-F238E27FC236}">
+                <a16:creationId xmlns:a16="http://schemas.microsoft.com/office/drawing/2014/main" id="{4D2B17F8-E014-2157-E1E3-1F3954E7628E}"/>
+              </a:ext>
+            </a:extLst>
+          </p:cNvPr>
+          <p:cNvSpPr>
+            <a:spLocks noGrp="1"/>
+          </p:cNvSpPr>
+          <p:nvPr>
+            <p:ph type="title"/>
+          </p:nvPr>
+        </p:nvSpPr>
+        <p:spPr/>
+        <p:txBody>
+          <a:bodyPr/>
+          <a:lstStyle/>
+          <a:p>
+            <a:r>
+              <a:rPr lang="en-US" dirty="0"/>
+              <a:t>Search Methods</a:t>
+            </a:r>
+          </a:p>
+        </p:txBody>
+      </p:sp>
+      <p:sp>
+        <p:nvSpPr>
+          <p:cNvPr id="3" name="Content Placeholder 2">
+            <a:extLst>
+              <a:ext uri="{FF2B5EF4-FFF2-40B4-BE49-F238E27FC236}">
+                <a16:creationId xmlns:a16="http://schemas.microsoft.com/office/drawing/2014/main" id="{8C77490A-41B6-60CF-4CD9-D92D09A88A30}"/>
+              </a:ext>
+            </a:extLst>
+          </p:cNvPr>
+          <p:cNvSpPr>
+            <a:spLocks noGrp="1"/>
+          </p:cNvSpPr>
+          <p:nvPr>
+            <p:ph idx="1"/>
+          </p:nvPr>
+        </p:nvSpPr>
+        <p:spPr/>
+        <p:txBody>
+          <a:bodyPr>
+            <a:normAutofit fontScale="92500" lnSpcReduction="20000"/>
+          </a:bodyPr>
+          <a:lstStyle/>
+          <a:p>
+            <a:r>
+              <a:rPr lang="en-US" dirty="0"/>
+              <a:t>Greedy Algorithm</a:t>
+            </a:r>
+          </a:p>
+          <a:p>
+            <a:r>
+              <a:rPr lang="en-US" dirty="0"/>
+              <a:t>Simulated Annealing</a:t>
+            </a:r>
+          </a:p>
+          <a:p>
+            <a:r>
+              <a:rPr lang="en-US" dirty="0"/>
+              <a:t>Genetic Algorithm</a:t>
+            </a:r>
+          </a:p>
+          <a:p>
+            <a:r>
+              <a:rPr lang="en-US" dirty="0"/>
+              <a:t>Particle Swarm Optimization</a:t>
+            </a:r>
+          </a:p>
+          <a:p>
+            <a:r>
+              <a:rPr lang="en-US" dirty="0"/>
+              <a:t>Ant Colony Optimization</a:t>
+            </a:r>
+          </a:p>
+          <a:p>
+            <a:r>
+              <a:rPr lang="en-US" dirty="0"/>
+              <a:t>Branch and Bound</a:t>
+            </a:r>
+          </a:p>
+          <a:p>
+            <a:r>
+              <a:rPr lang="en-US" dirty="0"/>
+              <a:t>Hill Climbing</a:t>
+            </a:r>
+          </a:p>
+          <a:p>
+            <a:r>
+              <a:rPr lang="en-US" dirty="0"/>
+              <a:t>Random Search</a:t>
+            </a:r>
+          </a:p>
+          <a:p>
+            <a:r>
+              <a:rPr lang="en-US" dirty="0"/>
+              <a:t>Mixed-Integer Linear Programming</a:t>
+            </a:r>
+          </a:p>
+          <a:p>
+            <a:r>
+              <a:rPr lang="en-US" dirty="0"/>
+              <a:t>Tabu Search</a:t>
+            </a:r>
+          </a:p>
+          <a:p>
+            <a:endParaRPr lang="en-US" dirty="0"/>
+          </a:p>
+        </p:txBody>
+      </p:sp>
+      <p:graphicFrame>
+        <p:nvGraphicFramePr>
+          <p:cNvPr id="5" name="Object 4">
+            <a:extLst>
+              <a:ext uri="{FF2B5EF4-FFF2-40B4-BE49-F238E27FC236}">
+                <a16:creationId xmlns:a16="http://schemas.microsoft.com/office/drawing/2014/main" id="{1737084D-57FE-F690-829E-06EFC1231049}"/>
+              </a:ext>
+            </a:extLst>
+          </p:cNvPr>
+          <p:cNvGraphicFramePr>
+            <a:graphicFrameLocks noChangeAspect="1"/>
+          </p:cNvGraphicFramePr>
+          <p:nvPr>
+            <p:extLst>
+              <p:ext uri="{D42A27DB-BD31-4B8C-83A1-F6EECF244321}">
+                <p14:modId xmlns:p14="http://schemas.microsoft.com/office/powerpoint/2010/main" val="1348597895"/>
+              </p:ext>
+            </p:extLst>
+          </p:nvPr>
+        </p:nvGraphicFramePr>
+        <p:xfrm>
+          <a:off x="6483927" y="1795930"/>
+          <a:ext cx="4695075" cy="3266139"/>
+        </p:xfrm>
+        <a:graphic>
+          <a:graphicData uri="http://schemas.openxmlformats.org/presentationml/2006/ole">
+            <mc:AlternateContent xmlns:mc="http://schemas.openxmlformats.org/markup-compatibility/2006">
+              <mc:Choice xmlns:v="urn:schemas-microsoft-com:vml" Requires="v">
+                <p:oleObj name="Worksheet" r:id="rId2" imgW="2920832" imgH="2031857" progId="Excel.Sheet.12">
+                  <p:embed/>
+                </p:oleObj>
+              </mc:Choice>
+              <mc:Fallback>
+                <p:oleObj name="Worksheet" r:id="rId2" imgW="2920832" imgH="2031857" progId="Excel.Sheet.12">
+                  <p:embed/>
+                  <p:pic>
+                    <p:nvPicPr>
+                      <p:cNvPr id="0" name=""/>
+                      <p:cNvPicPr/>
+                      <p:nvPr/>
+                    </p:nvPicPr>
+                    <p:blipFill>
+                      <a:blip r:embed="rId3"/>
+                      <a:stretch>
+                        <a:fillRect/>
+                      </a:stretch>
+                    </p:blipFill>
+                    <p:spPr>
+                      <a:xfrm>
+                        <a:off x="6483927" y="1795930"/>
+                        <a:ext cx="4695075" cy="3266139"/>
+                      </a:xfrm>
+                      <a:prstGeom prst="rect">
+                        <a:avLst/>
+                      </a:prstGeom>
+                    </p:spPr>
+                  </p:pic>
+                </p:oleObj>
+              </mc:Fallback>
+            </mc:AlternateContent>
+          </a:graphicData>
+        </a:graphic>
+      </p:graphicFrame>
+      <p:sp>
+        <p:nvSpPr>
+          <p:cNvPr id="6" name="TextBox 5">
+            <a:extLst>
+              <a:ext uri="{FF2B5EF4-FFF2-40B4-BE49-F238E27FC236}">
+                <a16:creationId xmlns:a16="http://schemas.microsoft.com/office/drawing/2014/main" id="{8E997740-BADB-8D42-BDFA-5543D76C7577}"/>
+              </a:ext>
+            </a:extLst>
+          </p:cNvPr>
+          <p:cNvSpPr txBox="1"/>
+          <p:nvPr/>
+        </p:nvSpPr>
+        <p:spPr>
+          <a:xfrm>
+            <a:off x="6354619" y="5253633"/>
+            <a:ext cx="4999181" cy="1200329"/>
+          </a:xfrm>
+          <a:prstGeom prst="rect">
+            <a:avLst/>
+          </a:prstGeom>
+          <a:noFill/>
+        </p:spPr>
+        <p:txBody>
+          <a:bodyPr wrap="square" rtlCol="0">
+            <a:spAutoFit/>
+          </a:bodyPr>
+          <a:lstStyle/>
+          <a:p>
+            <a:r>
+              <a:rPr lang="en-US" b="1" dirty="0"/>
+              <a:t>Table</a:t>
+            </a:r>
+            <a:r>
+              <a:rPr lang="en-US" dirty="0"/>
+              <a:t>: Performance Comparison of Different Partitioning Algorithms for Layer-Device Assignment in Distributed Inference on a 6-Layer Model Across 5 Devices</a:t>
+            </a:r>
+          </a:p>
+        </p:txBody>
+      </p:sp>
+    </p:spTree>
+    <p:extLst>
+      <p:ext uri="{BB962C8B-B14F-4D97-AF65-F5344CB8AC3E}">
+        <p14:creationId xmlns:p14="http://schemas.microsoft.com/office/powerpoint/2010/main" val="1825789174"/>
+      </p:ext>
+    </p:extLst>
+  </p:cSld>
+  <p:clrMapOvr>
+    <a:masterClrMapping/>
+  </p:clrMapOvr>
+</p:sld>
+</file>
+
+<file path=ppt/slides/slide16.xml><?xml version="1.0" encoding="utf-8"?>
+<p:sld xmlns:a="http://schemas.openxmlformats.org/drawingml/2006/main" xmlns:r="http://schemas.openxmlformats.org/officeDocument/2006/relationships" xmlns:p="http://schemas.openxmlformats.org/presentationml/2006/main">
+  <p:cSld>
+    <p:spTree>
+      <p:nvGrpSpPr>
+        <p:cNvPr id="1" name=""/>
+        <p:cNvGrpSpPr/>
+        <p:nvPr/>
+      </p:nvGrpSpPr>
+      <p:grpSpPr>
+        <a:xfrm>
+          <a:off x="0" y="0"/>
+          <a:ext cx="0" cy="0"/>
+          <a:chOff x="0" y="0"/>
+          <a:chExt cx="0" cy="0"/>
+        </a:xfrm>
+      </p:grpSpPr>
+      <p:sp>
+        <p:nvSpPr>
+          <p:cNvPr id="2" name="Title 1">
+            <a:extLst>
+              <a:ext uri="{FF2B5EF4-FFF2-40B4-BE49-F238E27FC236}">
                 <a16:creationId xmlns:a16="http://schemas.microsoft.com/office/drawing/2014/main" id="{6ABD71B6-787F-170F-81DA-B8BB6CDFAA09}"/>
               </a:ext>
             </a:extLst>
@@ -5659,8 +7208,13 @@
           <a:p>
             <a:r>
               <a:rPr lang="en-US" dirty="0"/>
-              <a:t>3. Does the BLE MESH setting affect the applicability of model partitioning?</a:t>
-            </a:r>
+              <a:t>3. C</a:t>
+            </a:r>
+            <a:r>
+              <a:rPr lang="en-US" altLang="zh-CN" dirty="0"/>
+              <a:t>ontributions</a:t>
+            </a:r>
+            <a:endParaRPr lang="en-US" dirty="0"/>
           </a:p>
           <a:p>
             <a:endParaRPr lang="en-US" dirty="0"/>
@@ -6143,7 +7697,7 @@
           <a:lstStyle/>
           <a:p>
             <a:r>
-              <a:rPr lang="en-US"/>
+              <a:rPr lang="en-US" dirty="0"/>
               <a:t>We will use computing/super nodes to establish the distributed learning path on the overlay network.</a:t>
             </a:r>
           </a:p>
@@ -7482,199 +9036,12 @@
           <a:chExt cx="0" cy="0"/>
         </a:xfrm>
       </p:grpSpPr>
-      <p:sp>
-        <p:nvSpPr>
-          <p:cNvPr id="2" name="Title 1">
-            <a:extLst>
-              <a:ext uri="{FF2B5EF4-FFF2-40B4-BE49-F238E27FC236}">
-                <a16:creationId xmlns:a16="http://schemas.microsoft.com/office/drawing/2014/main" id="{D643D72F-F76A-2DC9-0601-E7E23C5B1849}"/>
-              </a:ext>
-            </a:extLst>
-          </p:cNvPr>
-          <p:cNvSpPr>
-            <a:spLocks noGrp="1"/>
-          </p:cNvSpPr>
-          <p:nvPr>
-            <p:ph type="title"/>
-          </p:nvPr>
-        </p:nvSpPr>
-        <p:spPr/>
-        <p:txBody>
-          <a:bodyPr/>
-          <a:lstStyle/>
-          <a:p>
-            <a:r>
-              <a:rPr lang="en-US" dirty="0"/>
-              <a:t>Computation and transfer time</a:t>
-            </a:r>
-          </a:p>
-        </p:txBody>
-      </p:sp>
-      <p:sp>
-        <p:nvSpPr>
-          <p:cNvPr id="3" name="Content Placeholder 2">
-            <a:extLst>
-              <a:ext uri="{FF2B5EF4-FFF2-40B4-BE49-F238E27FC236}">
-                <a16:creationId xmlns:a16="http://schemas.microsoft.com/office/drawing/2014/main" id="{40EDB800-BAB5-7EC0-2D74-D3D58ED01B09}"/>
-              </a:ext>
-            </a:extLst>
-          </p:cNvPr>
-          <p:cNvSpPr>
-            <a:spLocks noGrp="1"/>
-          </p:cNvSpPr>
-          <p:nvPr>
-            <p:ph idx="1"/>
-          </p:nvPr>
-        </p:nvSpPr>
-        <p:spPr>
-          <a:xfrm>
-            <a:off x="838200" y="1825625"/>
-            <a:ext cx="10910688" cy="4351338"/>
-          </a:xfrm>
-        </p:spPr>
-        <p:txBody>
-          <a:bodyPr>
-            <a:normAutofit/>
-          </a:bodyPr>
-          <a:lstStyle/>
-          <a:p>
-            <a:r>
-              <a:rPr lang="en-US" dirty="0"/>
-              <a:t>1. Layer-Device Assignment Matrix (X)</a:t>
-            </a:r>
-          </a:p>
-          <a:p>
-            <a:pPr lvl="1"/>
-            <a:r>
-              <a:rPr lang="en-US" dirty="0"/>
-              <a:t>Represents which device each layer is assigned to.</a:t>
-            </a:r>
-          </a:p>
-          <a:p>
-            <a:pPr lvl="1"/>
-            <a:r>
-              <a:rPr lang="en-US" dirty="0"/>
-              <a:t>Rows correspond to layers, and columns correspond to devices.</a:t>
-            </a:r>
-          </a:p>
-          <a:p>
-            <a:pPr lvl="1"/>
-            <a:r>
-              <a:rPr lang="en-US" dirty="0"/>
-              <a:t>A ‘1’ in the matrix indicates the layer is assigned to that device.</a:t>
-            </a:r>
-          </a:p>
-          <a:p>
-            <a:r>
-              <a:rPr lang="en-US" dirty="0"/>
-              <a:t>2. Transfer Time Matrix (T)</a:t>
-            </a:r>
-          </a:p>
-          <a:p>
-            <a:pPr lvl="1"/>
-            <a:r>
-              <a:rPr lang="en-US" dirty="0"/>
-              <a:t>Represents the time required to transfer data between devices.</a:t>
-            </a:r>
-          </a:p>
-          <a:p>
-            <a:pPr lvl="1"/>
-            <a:r>
-              <a:rPr lang="en-US" dirty="0"/>
-              <a:t>Rows and columns correspond to devices.</a:t>
-            </a:r>
-          </a:p>
-          <a:p>
-            <a:pPr lvl="1"/>
-            <a:r>
-              <a:rPr lang="en-US" dirty="0"/>
-              <a:t>An element T[</a:t>
-            </a:r>
-            <a:r>
-              <a:rPr lang="en-US" dirty="0" err="1"/>
-              <a:t>i,j</a:t>
-            </a:r>
-            <a:r>
-              <a:rPr lang="en-US" dirty="0"/>
-              <a:t>] indicates the time to transfer data from Device </a:t>
-            </a:r>
-            <a:r>
-              <a:rPr lang="en-US" dirty="0" err="1"/>
-              <a:t>i</a:t>
-            </a:r>
-            <a:r>
-              <a:rPr lang="en-US" dirty="0"/>
-              <a:t> to device j.</a:t>
-            </a:r>
-          </a:p>
-          <a:p>
-            <a:r>
-              <a:rPr lang="en-US" dirty="0"/>
-              <a:t>3. Computation Time Matrix (C)</a:t>
-            </a:r>
-          </a:p>
-          <a:p>
-            <a:pPr lvl="1"/>
-            <a:r>
-              <a:rPr lang="en-US" dirty="0"/>
-              <a:t>An element C[</a:t>
-            </a:r>
-            <a:r>
-              <a:rPr lang="en-US" dirty="0" err="1"/>
-              <a:t>i,j</a:t>
-            </a:r>
-            <a:r>
-              <a:rPr lang="en-US" dirty="0"/>
-              <a:t>] indicates the computation time that device j process layer </a:t>
-            </a:r>
-            <a:r>
-              <a:rPr lang="en-US" dirty="0" err="1"/>
-              <a:t>i</a:t>
-            </a:r>
-            <a:endParaRPr lang="en-US" dirty="0"/>
-          </a:p>
-          <a:p>
-            <a:pPr lvl="1"/>
-            <a:endParaRPr lang="en-US" dirty="0"/>
-          </a:p>
-        </p:txBody>
-      </p:sp>
       <p:pic>
         <p:nvPicPr>
-          <p:cNvPr id="7" name="Picture 6">
-            <a:extLst>
-              <a:ext uri="{FF2B5EF4-FFF2-40B4-BE49-F238E27FC236}">
-                <a16:creationId xmlns:a16="http://schemas.microsoft.com/office/drawing/2014/main" id="{38FB0ED7-7DC9-4A8D-F1BE-3C9545F4EAE2}"/>
-              </a:ext>
-            </a:extLst>
-          </p:cNvPr>
-          <p:cNvPicPr>
-            <a:picLocks noChangeAspect="1"/>
-          </p:cNvPicPr>
-          <p:nvPr/>
-        </p:nvPicPr>
-        <p:blipFill>
-          <a:blip r:embed="rId2"/>
-          <a:stretch>
-            <a:fillRect/>
-          </a:stretch>
-        </p:blipFill>
-        <p:spPr>
-          <a:xfrm>
-            <a:off x="8565613" y="1354578"/>
-            <a:ext cx="1314450" cy="1323975"/>
-          </a:xfrm>
-          <a:prstGeom prst="rect">
-            <a:avLst/>
-          </a:prstGeom>
-        </p:spPr>
-      </p:pic>
-      <p:pic>
-        <p:nvPicPr>
-          <p:cNvPr id="9" name="Picture 8">
-            <a:extLst>
-              <a:ext uri="{FF2B5EF4-FFF2-40B4-BE49-F238E27FC236}">
-                <a16:creationId xmlns:a16="http://schemas.microsoft.com/office/drawing/2014/main" id="{2B12AC83-E6FF-0C5B-20A6-83AA3B4D9D3C}"/>
+          <p:cNvPr id="5" name="Picture 4">
+            <a:extLst>
+              <a:ext uri="{FF2B5EF4-FFF2-40B4-BE49-F238E27FC236}">
+                <a16:creationId xmlns:a16="http://schemas.microsoft.com/office/drawing/2014/main" id="{AEC0D26A-EF43-06BF-A6D5-771873938ABF}"/>
               </a:ext>
             </a:extLst>
           </p:cNvPr>
@@ -7691,20 +9058,135 @@
         </p:blipFill>
         <p:spPr>
           <a:xfrm>
-            <a:off x="10089257" y="1477971"/>
-            <a:ext cx="1741425" cy="1111548"/>
+            <a:off x="7049467" y="4543613"/>
+            <a:ext cx="4889211" cy="2106045"/>
           </a:xfrm>
           <a:prstGeom prst="rect">
             <a:avLst/>
           </a:prstGeom>
         </p:spPr>
       </p:pic>
+      <p:sp>
+        <p:nvSpPr>
+          <p:cNvPr id="2" name="Title 1">
+            <a:extLst>
+              <a:ext uri="{FF2B5EF4-FFF2-40B4-BE49-F238E27FC236}">
+                <a16:creationId xmlns:a16="http://schemas.microsoft.com/office/drawing/2014/main" id="{4860E9A2-BC0F-43EA-5D2B-A17EF4F0B643}"/>
+              </a:ext>
+            </a:extLst>
+          </p:cNvPr>
+          <p:cNvSpPr>
+            <a:spLocks noGrp="1"/>
+          </p:cNvSpPr>
+          <p:nvPr>
+            <p:ph type="title"/>
+          </p:nvPr>
+        </p:nvSpPr>
+        <p:spPr/>
+        <p:txBody>
+          <a:bodyPr/>
+          <a:lstStyle/>
+          <a:p>
+            <a:r>
+              <a:rPr lang="en-US"/>
+              <a:t>Model Partitioning Existing Works</a:t>
+            </a:r>
+            <a:endParaRPr lang="en-US" dirty="0"/>
+          </a:p>
+        </p:txBody>
+      </p:sp>
+      <p:sp>
+        <p:nvSpPr>
+          <p:cNvPr id="3" name="Content Placeholder 2">
+            <a:extLst>
+              <a:ext uri="{FF2B5EF4-FFF2-40B4-BE49-F238E27FC236}">
+                <a16:creationId xmlns:a16="http://schemas.microsoft.com/office/drawing/2014/main" id="{2F994F7F-58B6-B22D-A34F-EC6FEA2CBAAF}"/>
+              </a:ext>
+            </a:extLst>
+          </p:cNvPr>
+          <p:cNvSpPr>
+            <a:spLocks noGrp="1"/>
+          </p:cNvSpPr>
+          <p:nvPr>
+            <p:ph idx="1"/>
+          </p:nvPr>
+        </p:nvSpPr>
+        <p:spPr>
+          <a:xfrm>
+            <a:off x="838200" y="1690688"/>
+            <a:ext cx="6384792" cy="4594851"/>
+          </a:xfrm>
+        </p:spPr>
+        <p:txBody>
+          <a:bodyPr>
+            <a:normAutofit fontScale="92500" lnSpcReduction="10000"/>
+          </a:bodyPr>
+          <a:lstStyle/>
+          <a:p>
+            <a:r>
+              <a:rPr lang="en-US" dirty="0"/>
+              <a:t>Applicable Scenarios: Edge-Cloud</a:t>
+            </a:r>
+          </a:p>
+          <a:p>
+            <a:r>
+              <a:rPr lang="en-US" b="1" dirty="0"/>
+              <a:t>Neurosurgeon</a:t>
+            </a:r>
+            <a:r>
+              <a:rPr lang="en-US" dirty="0"/>
+              <a:t>(ASPLOS’17)[1]: </a:t>
+            </a:r>
+          </a:p>
+          <a:p>
+            <a:pPr lvl="1"/>
+            <a:r>
+              <a:rPr lang="en-US" dirty="0"/>
+              <a:t>Analyze DNN Architecture-&gt; Predict Layer Performance-&gt;Evaluate Partition Points-&gt;Execute Partitioned DNN</a:t>
+            </a:r>
+          </a:p>
+          <a:p>
+            <a:r>
+              <a:rPr lang="en-US" b="1" dirty="0"/>
+              <a:t>DADS</a:t>
+            </a:r>
+            <a:r>
+              <a:rPr lang="en-US" dirty="0"/>
+              <a:t>(INFOCOM’19)[2]: Min-Cut</a:t>
+            </a:r>
+          </a:p>
+          <a:p>
+            <a:r>
+              <a:rPr lang="en-US" b="1" dirty="0"/>
+              <a:t>QDMP</a:t>
+            </a:r>
+            <a:r>
+              <a:rPr lang="en-US" dirty="0"/>
+              <a:t>(IMWUT’20)[3]: Per layer latency is calculated by subtracting the maximum latency of all precursor layers from the total latency up to the current layer.</a:t>
+            </a:r>
+          </a:p>
+          <a:p>
+            <a:r>
+              <a:rPr lang="en-US" b="1" dirty="0"/>
+              <a:t>Auto-Split</a:t>
+            </a:r>
+            <a:r>
+              <a:rPr lang="en-US" dirty="0"/>
+              <a:t>(KDD’21 ADS Track)[4]: Graph Optimization(Layer folding, layer fusion)</a:t>
+            </a:r>
+          </a:p>
+          <a:p>
+            <a:pPr lvl="1"/>
+            <a:endParaRPr lang="en-US" dirty="0"/>
+          </a:p>
+        </p:txBody>
+      </p:sp>
       <p:pic>
         <p:nvPicPr>
           <p:cNvPr id="11" name="Picture 10">
             <a:extLst>
               <a:ext uri="{FF2B5EF4-FFF2-40B4-BE49-F238E27FC236}">
-                <a16:creationId xmlns:a16="http://schemas.microsoft.com/office/drawing/2014/main" id="{2B8C74A5-2BED-A5C6-E960-F9E2A06545F4}"/>
+                <a16:creationId xmlns:a16="http://schemas.microsoft.com/office/drawing/2014/main" id="{CEBF5F02-34DF-C847-EDF9-38FFD97C4653}"/>
               </a:ext>
             </a:extLst>
           </p:cNvPr>
@@ -7721,8 +9203,8 @@
         </p:blipFill>
         <p:spPr>
           <a:xfrm>
-            <a:off x="10375271" y="2872588"/>
-            <a:ext cx="1373616" cy="1477942"/>
+            <a:off x="7414073" y="1790213"/>
+            <a:ext cx="4362077" cy="2855952"/>
           </a:xfrm>
           <a:prstGeom prst="rect">
             <a:avLst/>
@@ -7732,7 +9214,7 @@
     </p:spTree>
     <p:extLst>
       <p:ext uri="{BB962C8B-B14F-4D97-AF65-F5344CB8AC3E}">
-        <p14:creationId xmlns:p14="http://schemas.microsoft.com/office/powerpoint/2010/main" val="2888019445"/>
+        <p14:creationId xmlns:p14="http://schemas.microsoft.com/office/powerpoint/2010/main" val="108957251"/>
       </p:ext>
     </p:extLst>
   </p:cSld>
@@ -7764,7 +9246,7 @@
           <p:cNvPr id="2" name="Title 1">
             <a:extLst>
               <a:ext uri="{FF2B5EF4-FFF2-40B4-BE49-F238E27FC236}">
-                <a16:creationId xmlns:a16="http://schemas.microsoft.com/office/drawing/2014/main" id="{4D2B17F8-E014-2157-E1E3-1F3954E7628E}"/>
+                <a16:creationId xmlns:a16="http://schemas.microsoft.com/office/drawing/2014/main" id="{C9E3005D-E2B3-1DD9-23B0-99EECECCF198}"/>
               </a:ext>
             </a:extLst>
           </p:cNvPr>
@@ -7777,12 +9259,14 @@
         </p:nvSpPr>
         <p:spPr/>
         <p:txBody>
-          <a:bodyPr/>
-          <a:lstStyle/>
-          <a:p>
-            <a:r>
-              <a:rPr lang="en-US" dirty="0"/>
-              <a:t>Search Methods</a:t>
+          <a:bodyPr>
+            <a:normAutofit/>
+          </a:bodyPr>
+          <a:lstStyle/>
+          <a:p>
+            <a:r>
+              <a:rPr lang="en-US" sz="4200" dirty="0"/>
+              <a:t>Inference Performance Predictor Existing Works</a:t>
             </a:r>
           </a:p>
         </p:txBody>
@@ -7792,7 +9276,7 @@
           <p:cNvPr id="3" name="Content Placeholder 2">
             <a:extLst>
               <a:ext uri="{FF2B5EF4-FFF2-40B4-BE49-F238E27FC236}">
-                <a16:creationId xmlns:a16="http://schemas.microsoft.com/office/drawing/2014/main" id="{8C77490A-41B6-60CF-4CD9-D92D09A88A30}"/>
+                <a16:creationId xmlns:a16="http://schemas.microsoft.com/office/drawing/2014/main" id="{C8D0959C-AA11-B8DF-ECC0-5CED3B80B075}"/>
               </a:ext>
             </a:extLst>
           </p:cNvPr>
@@ -7802,184 +9286,120 @@
           <p:nvPr>
             <p:ph idx="1"/>
           </p:nvPr>
-        </p:nvSpPr>
-        <p:spPr/>
-        <p:txBody>
-          <a:bodyPr>
-            <a:normAutofit fontScale="92500" lnSpcReduction="20000"/>
-          </a:bodyPr>
-          <a:lstStyle/>
-          <a:p>
-            <a:r>
-              <a:rPr lang="en-US" dirty="0"/>
-              <a:t>Greedy Algorithm</a:t>
-            </a:r>
-          </a:p>
-          <a:p>
-            <a:r>
-              <a:rPr lang="en-US" dirty="0"/>
-              <a:t>Simulated Annealing</a:t>
-            </a:r>
-          </a:p>
-          <a:p>
-            <a:r>
-              <a:rPr lang="en-US" dirty="0"/>
-              <a:t>Genetic Algorithm</a:t>
-            </a:r>
-          </a:p>
-          <a:p>
-            <a:r>
-              <a:rPr lang="en-US" dirty="0"/>
-              <a:t>Particle Swarm Optimization</a:t>
-            </a:r>
-          </a:p>
-          <a:p>
-            <a:r>
-              <a:rPr lang="en-US" dirty="0"/>
-              <a:t>Ant Colony Optimization</a:t>
-            </a:r>
-          </a:p>
-          <a:p>
-            <a:r>
-              <a:rPr lang="en-US" dirty="0"/>
-              <a:t>Branch and Bound</a:t>
-            </a:r>
-          </a:p>
-          <a:p>
-            <a:r>
-              <a:rPr lang="en-US" dirty="0"/>
-              <a:t>Hill Climbing</a:t>
-            </a:r>
-          </a:p>
-          <a:p>
-            <a:r>
-              <a:rPr lang="en-US" dirty="0"/>
-              <a:t>Random Search</a:t>
-            </a:r>
-          </a:p>
-          <a:p>
-            <a:r>
-              <a:rPr lang="en-US" dirty="0"/>
-              <a:t>Mixed-Integer Linear Programming</a:t>
-            </a:r>
-          </a:p>
-          <a:p>
-            <a:r>
-              <a:rPr lang="en-US" dirty="0"/>
-              <a:t>Tabu Search</a:t>
-            </a:r>
-          </a:p>
-          <a:p>
-            <a:endParaRPr lang="en-US" dirty="0"/>
-          </a:p>
-        </p:txBody>
-      </p:sp>
-      <p:graphicFrame>
-        <p:nvGraphicFramePr>
-          <p:cNvPr id="5" name="Object 4">
-            <a:extLst>
-              <a:ext uri="{FF2B5EF4-FFF2-40B4-BE49-F238E27FC236}">
-                <a16:creationId xmlns:a16="http://schemas.microsoft.com/office/drawing/2014/main" id="{1737084D-57FE-F690-829E-06EFC1231049}"/>
-              </a:ext>
-            </a:extLst>
-          </p:cNvPr>
-          <p:cNvGraphicFramePr>
-            <a:graphicFrameLocks noChangeAspect="1"/>
-          </p:cNvGraphicFramePr>
-          <p:nvPr>
-            <p:extLst>
-              <p:ext uri="{D42A27DB-BD31-4B8C-83A1-F6EECF244321}">
-                <p14:modId xmlns:p14="http://schemas.microsoft.com/office/powerpoint/2010/main" val="1348597895"/>
-              </p:ext>
-            </p:extLst>
-          </p:nvPr>
-        </p:nvGraphicFramePr>
-        <p:xfrm>
-          <a:off x="6483927" y="1795930"/>
-          <a:ext cx="4695075" cy="3266139"/>
-        </p:xfrm>
-        <a:graphic>
-          <a:graphicData uri="http://schemas.openxmlformats.org/presentationml/2006/ole">
-            <mc:AlternateContent xmlns:mc="http://schemas.openxmlformats.org/markup-compatibility/2006">
-              <mc:Choice xmlns:v="urn:schemas-microsoft-com:vml" Requires="v">
-                <p:oleObj name="Worksheet" r:id="rId2" imgW="2920832" imgH="2031857" progId="Excel.Sheet.12">
-                  <p:embed/>
-                </p:oleObj>
-              </mc:Choice>
-              <mc:Fallback>
-                <p:oleObj name="Worksheet" r:id="rId2" imgW="2920832" imgH="2031857" progId="Excel.Sheet.12">
-                  <p:embed/>
-                  <p:pic>
-                    <p:nvPicPr>
-                      <p:cNvPr id="0" name=""/>
-                      <p:cNvPicPr/>
-                      <p:nvPr/>
-                    </p:nvPicPr>
-                    <p:blipFill>
-                      <a:blip r:embed="rId3"/>
-                      <a:stretch>
-                        <a:fillRect/>
-                      </a:stretch>
-                    </p:blipFill>
-                    <p:spPr>
-                      <a:xfrm>
-                        <a:off x="6483927" y="1795930"/>
-                        <a:ext cx="4695075" cy="3266139"/>
-                      </a:xfrm>
-                      <a:prstGeom prst="rect">
-                        <a:avLst/>
-                      </a:prstGeom>
-                    </p:spPr>
-                  </p:pic>
-                </p:oleObj>
-              </mc:Fallback>
-            </mc:AlternateContent>
-          </a:graphicData>
-        </a:graphic>
-      </p:graphicFrame>
-      <p:sp>
-        <p:nvSpPr>
-          <p:cNvPr id="6" name="TextBox 5">
-            <a:extLst>
-              <a:ext uri="{FF2B5EF4-FFF2-40B4-BE49-F238E27FC236}">
-                <a16:creationId xmlns:a16="http://schemas.microsoft.com/office/drawing/2014/main" id="{8E997740-BADB-8D42-BDFA-5543D76C7577}"/>
-              </a:ext>
-            </a:extLst>
-          </p:cNvPr>
-          <p:cNvSpPr txBox="1"/>
-          <p:nvPr/>
         </p:nvSpPr>
         <p:spPr>
           <a:xfrm>
-            <a:off x="6354619" y="5253633"/>
-            <a:ext cx="4999181" cy="1200329"/>
+            <a:off x="762395" y="1868266"/>
+            <a:ext cx="10515600" cy="4351338"/>
+          </a:xfrm>
+        </p:spPr>
+        <p:txBody>
+          <a:bodyPr/>
+          <a:lstStyle/>
+          <a:p>
+            <a:r>
+              <a:rPr lang="en-US" dirty="0"/>
+              <a:t>LPM-TPU[1]</a:t>
+            </a:r>
+          </a:p>
+          <a:p>
+            <a:r>
+              <a:rPr lang="en-US" dirty="0"/>
+              <a:t>NP-NAS[2]</a:t>
+            </a:r>
+          </a:p>
+          <a:p>
+            <a:r>
+              <a:rPr lang="en-US" dirty="0"/>
+              <a:t>BRP-NAS (Eagle)[3]</a:t>
+            </a:r>
+          </a:p>
+          <a:p>
+            <a:r>
+              <a:rPr lang="en-US" dirty="0" err="1"/>
+              <a:t>Nn</a:t>
+            </a:r>
+            <a:r>
+              <a:rPr lang="en-US" dirty="0"/>
+              <a:t>-Meter[4]</a:t>
+            </a:r>
+          </a:p>
+          <a:p>
+            <a:r>
+              <a:rPr lang="en-US" dirty="0" err="1"/>
+              <a:t>PerfSAGE</a:t>
+            </a:r>
+            <a:r>
+              <a:rPr lang="en-US" dirty="0"/>
+              <a:t>[5]</a:t>
+            </a:r>
+          </a:p>
+        </p:txBody>
+      </p:sp>
+      <p:pic>
+        <p:nvPicPr>
+          <p:cNvPr id="5" name="Picture 4">
+            <a:extLst>
+              <a:ext uri="{FF2B5EF4-FFF2-40B4-BE49-F238E27FC236}">
+                <a16:creationId xmlns:a16="http://schemas.microsoft.com/office/drawing/2014/main" id="{850737B8-7B70-58E5-5624-7604B3AD6A77}"/>
+              </a:ext>
+            </a:extLst>
+          </p:cNvPr>
+          <p:cNvPicPr>
+            <a:picLocks noChangeAspect="1"/>
+          </p:cNvPicPr>
+          <p:nvPr/>
+        </p:nvPicPr>
+        <p:blipFill>
+          <a:blip r:embed="rId3"/>
+          <a:stretch>
+            <a:fillRect/>
+          </a:stretch>
+        </p:blipFill>
+        <p:spPr>
+          <a:xfrm>
+            <a:off x="4302581" y="4439341"/>
+            <a:ext cx="7288110" cy="2194113"/>
           </a:xfrm>
           <a:prstGeom prst="rect">
             <a:avLst/>
           </a:prstGeom>
-          <a:noFill/>
         </p:spPr>
-        <p:txBody>
-          <a:bodyPr wrap="square" rtlCol="0">
-            <a:spAutoFit/>
-          </a:bodyPr>
-          <a:lstStyle/>
-          <a:p>
-            <a:r>
-              <a:rPr lang="en-US" b="1" dirty="0"/>
-              <a:t>Table</a:t>
-            </a:r>
-            <a:r>
-              <a:rPr lang="en-US" dirty="0"/>
-              <a:t>: Performance Comparison of Different Partitioning Algorithms for Layer-Device Assignment in Distributed Inference on a 6-Layer Model Across 5 Devices</a:t>
-            </a:r>
-          </a:p>
-        </p:txBody>
-      </p:sp>
+      </p:pic>
+      <p:pic>
+        <p:nvPicPr>
+          <p:cNvPr id="7" name="Picture 6">
+            <a:extLst>
+              <a:ext uri="{FF2B5EF4-FFF2-40B4-BE49-F238E27FC236}">
+                <a16:creationId xmlns:a16="http://schemas.microsoft.com/office/drawing/2014/main" id="{3221AD1E-AD0C-6A1B-8F35-4F5D22C05C03}"/>
+              </a:ext>
+            </a:extLst>
+          </p:cNvPr>
+          <p:cNvPicPr>
+            <a:picLocks noChangeAspect="1"/>
+          </p:cNvPicPr>
+          <p:nvPr/>
+        </p:nvPicPr>
+        <p:blipFill>
+          <a:blip r:embed="rId4"/>
+          <a:stretch>
+            <a:fillRect/>
+          </a:stretch>
+        </p:blipFill>
+        <p:spPr>
+          <a:xfrm>
+            <a:off x="5405173" y="1454416"/>
+            <a:ext cx="5285331" cy="2755295"/>
+          </a:xfrm>
+          <a:prstGeom prst="rect">
+            <a:avLst/>
+          </a:prstGeom>
+        </p:spPr>
+      </p:pic>
     </p:spTree>
     <p:extLst>
       <p:ext uri="{BB962C8B-B14F-4D97-AF65-F5344CB8AC3E}">
-        <p14:creationId xmlns:p14="http://schemas.microsoft.com/office/powerpoint/2010/main" val="1825789174"/>
+        <p14:creationId xmlns:p14="http://schemas.microsoft.com/office/powerpoint/2010/main" val="3619413236"/>
       </p:ext>
     </p:extLst>
   </p:cSld>

--- a/micro-network-project.pptx
+++ b/micro-network-project.pptx
@@ -5,7 +5,7 @@
     <p:sldMasterId id="2147483648" r:id="rId1"/>
   </p:sldMasterIdLst>
   <p:notesMasterIdLst>
-    <p:notesMasterId r:id="rId18"/>
+    <p:notesMasterId r:id="rId19"/>
   </p:notesMasterIdLst>
   <p:sldIdLst>
     <p:sldId id="256" r:id="rId2"/>
@@ -21,9 +21,10 @@
     <p:sldId id="310" r:id="rId12"/>
     <p:sldId id="308" r:id="rId13"/>
     <p:sldId id="311" r:id="rId14"/>
-    <p:sldId id="301" r:id="rId15"/>
-    <p:sldId id="303" r:id="rId16"/>
-    <p:sldId id="302" r:id="rId17"/>
+    <p:sldId id="312" r:id="rId15"/>
+    <p:sldId id="301" r:id="rId16"/>
+    <p:sldId id="303" r:id="rId17"/>
+    <p:sldId id="302" r:id="rId18"/>
   </p:sldIdLst>
   <p:sldSz cx="12192000" cy="6858000"/>
   <p:notesSz cx="6858000" cy="9144000"/>
@@ -1737,7 +1738,91 @@
           <a:p>
             <a:fld id="{8040ADDC-8370-4EF6-9B0F-387196F75E7A}" type="slidenum">
               <a:rPr lang="en-US" smtClean="0"/>
-              <a:t>16</a:t>
+              <a:t>13</a:t>
+            </a:fld>
+            <a:endParaRPr lang="en-US"/>
+          </a:p>
+        </p:txBody>
+      </p:sp>
+    </p:spTree>
+    <p:extLst>
+      <p:ext uri="{BB962C8B-B14F-4D97-AF65-F5344CB8AC3E}">
+        <p14:creationId xmlns:p14="http://schemas.microsoft.com/office/powerpoint/2010/main" val="767670145"/>
+      </p:ext>
+    </p:extLst>
+  </p:cSld>
+  <p:clrMapOvr>
+    <a:masterClrMapping/>
+  </p:clrMapOvr>
+</p:notes>
+</file>
+
+<file path=ppt/notesSlides/notesSlide6.xml><?xml version="1.0" encoding="utf-8"?>
+<p:notes xmlns:a="http://schemas.openxmlformats.org/drawingml/2006/main" xmlns:r="http://schemas.openxmlformats.org/officeDocument/2006/relationships" xmlns:p="http://schemas.openxmlformats.org/presentationml/2006/main">
+  <p:cSld>
+    <p:spTree>
+      <p:nvGrpSpPr>
+        <p:cNvPr id="1" name=""/>
+        <p:cNvGrpSpPr/>
+        <p:nvPr/>
+      </p:nvGrpSpPr>
+      <p:grpSpPr>
+        <a:xfrm>
+          <a:off x="0" y="0"/>
+          <a:ext cx="0" cy="0"/>
+          <a:chOff x="0" y="0"/>
+          <a:chExt cx="0" cy="0"/>
+        </a:xfrm>
+      </p:grpSpPr>
+      <p:sp>
+        <p:nvSpPr>
+          <p:cNvPr id="2" name="Slide Image Placeholder 1"/>
+          <p:cNvSpPr>
+            <a:spLocks noGrp="1" noRot="1" noChangeAspect="1"/>
+          </p:cNvSpPr>
+          <p:nvPr>
+            <p:ph type="sldImg"/>
+          </p:nvPr>
+        </p:nvSpPr>
+        <p:spPr/>
+      </p:sp>
+      <p:sp>
+        <p:nvSpPr>
+          <p:cNvPr id="3" name="Notes Placeholder 2"/>
+          <p:cNvSpPr>
+            <a:spLocks noGrp="1"/>
+          </p:cNvSpPr>
+          <p:nvPr>
+            <p:ph type="body" idx="1"/>
+          </p:nvPr>
+        </p:nvSpPr>
+        <p:spPr/>
+        <p:txBody>
+          <a:bodyPr/>
+          <a:lstStyle/>
+          <a:p>
+            <a:endParaRPr lang="en-US" dirty="0"/>
+          </a:p>
+        </p:txBody>
+      </p:sp>
+      <p:sp>
+        <p:nvSpPr>
+          <p:cNvPr id="4" name="Slide Number Placeholder 3"/>
+          <p:cNvSpPr>
+            <a:spLocks noGrp="1"/>
+          </p:cNvSpPr>
+          <p:nvPr>
+            <p:ph type="sldNum" sz="quarter" idx="5"/>
+          </p:nvPr>
+        </p:nvSpPr>
+        <p:spPr/>
+        <p:txBody>
+          <a:bodyPr/>
+          <a:lstStyle/>
+          <a:p>
+            <a:fld id="{8040ADDC-8370-4EF6-9B0F-387196F75E7A}" type="slidenum">
+              <a:rPr lang="en-US" smtClean="0"/>
+              <a:t>17</a:t>
             </a:fld>
             <a:endParaRPr lang="en-US"/>
           </a:p>
@@ -5497,7 +5582,7 @@
           <a:p>
             <a:r>
               <a:rPr lang="en-US" dirty="0"/>
-              <a:t>Cost Function</a:t>
+              <a:t>Cost Function: multi-objectives search </a:t>
             </a:r>
           </a:p>
         </p:txBody>
@@ -5528,7 +5613,7 @@
             </p:spPr>
             <p:txBody>
               <a:bodyPr>
-                <a:normAutofit fontScale="85000" lnSpcReduction="10000"/>
+                <a:normAutofit fontScale="85000" lnSpcReduction="20000"/>
               </a:bodyPr>
               <a:lstStyle/>
               <a:p>
@@ -6182,6 +6267,13 @@
                 <a:endParaRPr lang="en-US" b="0" dirty="0"/>
               </a:p>
               <a:p>
+                <a:r>
+                  <a:rPr lang="en-US" b="0" dirty="0"/>
+                  <a:t>Linear:</a:t>
+                </a:r>
+              </a:p>
+              <a:p>
+                <a:pPr lvl="1"/>
                 <a14:m>
                   <m:oMath xmlns:m="http://schemas.openxmlformats.org/officeDocument/2006/math">
                     <m:r>
@@ -6265,7 +6357,13 @@
                               <a:rPr lang="en-US" b="0" i="1" smtClean="0">
                                 <a:latin typeface="Cambria Math" panose="02040503050406030204" pitchFamily="18" charset="0"/>
                               </a:rPr>
-                              <m:t>𝑖𝑗</m:t>
+                              <m:t>𝑖</m:t>
+                            </m:r>
+                            <m:r>
+                              <a:rPr lang="en-US" b="0" i="1" smtClean="0">
+                                <a:latin typeface="Cambria Math" panose="02040503050406030204" pitchFamily="18" charset="0"/>
+                              </a:rPr>
+                              <m:t>𝑗</m:t>
                             </m:r>
                           </m:sub>
                           <m:sup/>
@@ -6416,7 +6514,13 @@
                           <a:rPr lang="en-US" b="0" i="1" smtClean="0">
                             <a:latin typeface="Cambria Math" panose="02040503050406030204" pitchFamily="18" charset="0"/>
                           </a:rPr>
-                          <m:t>𝑖𝑗</m:t>
+                          <m:t>𝑖</m:t>
+                        </m:r>
+                        <m:r>
+                          <a:rPr lang="en-US" b="0" i="1" smtClean="0">
+                            <a:latin typeface="Cambria Math" panose="02040503050406030204" pitchFamily="18" charset="0"/>
+                          </a:rPr>
+                          <m:t>𝑗</m:t>
                         </m:r>
                       </m:sub>
                       <m:sup/>
@@ -6537,7 +6641,108 @@
                 <a:endParaRPr lang="en-US" dirty="0"/>
               </a:p>
               <a:p>
+                <a:r>
+                  <a:rPr lang="en-US" dirty="0"/>
+                  <a:t>Or non-linear: </a:t>
+                </a:r>
+                <a:endParaRPr lang="en-US" b="0" i="1" dirty="0">
+                  <a:latin typeface="Cambria Math" panose="02040503050406030204" pitchFamily="18" charset="0"/>
+                </a:endParaRPr>
+              </a:p>
+              <a:p>
+                <a:pPr lvl="1"/>
+                <a14:m>
+                  <m:oMath xmlns:m="http://schemas.openxmlformats.org/officeDocument/2006/math">
+                    <m:r>
+                      <a:rPr lang="en-US" b="0" i="1" smtClean="0">
+                        <a:latin typeface="Cambria Math" panose="02040503050406030204" pitchFamily="18" charset="0"/>
+                      </a:rPr>
+                      <m:t>𝐶𝑜𝑠𝑡</m:t>
+                    </m:r>
+                    <m:d>
+                      <m:dPr>
+                        <m:ctrlPr>
+                          <a:rPr lang="en-US" b="0" i="1" smtClean="0">
+                            <a:latin typeface="Cambria Math" panose="02040503050406030204" pitchFamily="18" charset="0"/>
+                          </a:rPr>
+                        </m:ctrlPr>
+                      </m:dPr>
+                      <m:e>
+                        <m:r>
+                          <a:rPr lang="en-US" b="0" i="1" smtClean="0">
+                            <a:latin typeface="Cambria Math" panose="02040503050406030204" pitchFamily="18" charset="0"/>
+                          </a:rPr>
+                          <m:t>𝑋</m:t>
+                        </m:r>
+                      </m:e>
+                    </m:d>
+                    <m:r>
+                      <a:rPr lang="en-US" b="0" i="1" smtClean="0">
+                        <a:latin typeface="Cambria Math" panose="02040503050406030204" pitchFamily="18" charset="0"/>
+                      </a:rPr>
+                      <m:t>=</m:t>
+                    </m:r>
+                    <m:r>
+                      <a:rPr lang="en-US" b="0" i="1" smtClean="0">
+                        <a:latin typeface="Cambria Math" panose="02040503050406030204" pitchFamily="18" charset="0"/>
+                      </a:rPr>
+                      <m:t>𝑓</m:t>
+                    </m:r>
+                    <m:r>
+                      <a:rPr lang="en-US" b="0" i="1" smtClean="0">
+                        <a:latin typeface="Cambria Math" panose="02040503050406030204" pitchFamily="18" charset="0"/>
+                      </a:rPr>
+                      <m:t>(</m:t>
+                    </m:r>
+                    <m:r>
+                      <a:rPr lang="en-US" b="0" i="1" smtClean="0">
+                        <a:latin typeface="Cambria Math" panose="02040503050406030204" pitchFamily="18" charset="0"/>
+                      </a:rPr>
+                      <m:t>𝐶</m:t>
+                    </m:r>
+                    <m:r>
+                      <a:rPr lang="en-US" b="0" i="1" smtClean="0">
+                        <a:latin typeface="Cambria Math" panose="02040503050406030204" pitchFamily="18" charset="0"/>
+                      </a:rPr>
+                      <m:t>,</m:t>
+                    </m:r>
+                    <m:r>
+                      <a:rPr lang="en-US" b="0" i="1" smtClean="0">
+                        <a:latin typeface="Cambria Math" panose="02040503050406030204" pitchFamily="18" charset="0"/>
+                      </a:rPr>
+                      <m:t>𝑇</m:t>
+                    </m:r>
+                    <m:r>
+                      <a:rPr lang="en-US" b="0" i="1" smtClean="0">
+                        <a:latin typeface="Cambria Math" panose="02040503050406030204" pitchFamily="18" charset="0"/>
+                      </a:rPr>
+                      <m:t>,</m:t>
+                    </m:r>
+                    <m:r>
+                      <a:rPr lang="en-US" b="0" i="1" smtClean="0">
+                        <a:latin typeface="Cambria Math" panose="02040503050406030204" pitchFamily="18" charset="0"/>
+                      </a:rPr>
+                      <m:t>𝐸</m:t>
+                    </m:r>
+                    <m:r>
+                      <a:rPr lang="en-US" b="0" i="1" smtClean="0">
+                        <a:latin typeface="Cambria Math" panose="02040503050406030204" pitchFamily="18" charset="0"/>
+                      </a:rPr>
+                      <m:t>)</m:t>
+                    </m:r>
+                  </m:oMath>
+                </a14:m>
                 <a:endParaRPr lang="en-US" dirty="0"/>
+              </a:p>
+              <a:p>
+                <a:r>
+                  <a:rPr lang="en-US" dirty="0">
+                    <a:solidFill>
+                      <a:srgbClr val="FF0000"/>
+                    </a:solidFill>
+                  </a:rPr>
+                  <a:t>How to find a cost function?</a:t>
+                </a:r>
               </a:p>
             </p:txBody>
           </p:sp>
@@ -6565,7 +6770,7 @@
                 <a:ext cx="10844814" cy="4351338"/>
               </a:xfrm>
               <a:blipFill>
-                <a:blip r:embed="rId2"/>
+                <a:blip r:embed="rId3"/>
                 <a:stretch>
                   <a:fillRect l="-787" t="-1261"/>
                 </a:stretch>
@@ -6621,6 +6826,111 @@
           <p:cNvPr id="2" name="Title 1">
             <a:extLst>
               <a:ext uri="{FF2B5EF4-FFF2-40B4-BE49-F238E27FC236}">
+                <a16:creationId xmlns:a16="http://schemas.microsoft.com/office/drawing/2014/main" id="{1F68BA5A-4E37-105B-25E1-4DA00C51497F}"/>
+              </a:ext>
+            </a:extLst>
+          </p:cNvPr>
+          <p:cNvSpPr>
+            <a:spLocks noGrp="1"/>
+          </p:cNvSpPr>
+          <p:nvPr>
+            <p:ph type="title"/>
+          </p:nvPr>
+        </p:nvSpPr>
+        <p:spPr/>
+        <p:txBody>
+          <a:bodyPr/>
+          <a:lstStyle/>
+          <a:p>
+            <a:r>
+              <a:rPr lang="en-US" dirty="0"/>
+              <a:t>S</a:t>
+            </a:r>
+            <a:r>
+              <a:rPr lang="en-US" altLang="zh-CN" dirty="0"/>
+              <a:t>earch</a:t>
+            </a:r>
+            <a:endParaRPr lang="en-US" dirty="0"/>
+          </a:p>
+        </p:txBody>
+      </p:sp>
+      <p:sp>
+        <p:nvSpPr>
+          <p:cNvPr id="3" name="Content Placeholder 2">
+            <a:extLst>
+              <a:ext uri="{FF2B5EF4-FFF2-40B4-BE49-F238E27FC236}">
+                <a16:creationId xmlns:a16="http://schemas.microsoft.com/office/drawing/2014/main" id="{5F7CA0D7-D258-F0A0-D677-9D0CD614FC47}"/>
+              </a:ext>
+            </a:extLst>
+          </p:cNvPr>
+          <p:cNvSpPr>
+            <a:spLocks noGrp="1"/>
+          </p:cNvSpPr>
+          <p:nvPr>
+            <p:ph idx="1"/>
+          </p:nvPr>
+        </p:nvSpPr>
+        <p:spPr/>
+        <p:txBody>
+          <a:bodyPr/>
+          <a:lstStyle/>
+          <a:p>
+            <a:r>
+              <a:rPr lang="en-US" dirty="0"/>
+              <a:t>Insights:</a:t>
+            </a:r>
+          </a:p>
+          <a:p>
+            <a:pPr lvl="1"/>
+            <a:r>
+              <a:rPr lang="en-US" dirty="0"/>
+              <a:t>Memory Constraints First(hard conditions)</a:t>
+            </a:r>
+          </a:p>
+          <a:p>
+            <a:pPr lvl="1"/>
+            <a:r>
+              <a:rPr lang="en-US" dirty="0"/>
+              <a:t>Latency-Intensive Layers to powerful devices</a:t>
+            </a:r>
+          </a:p>
+        </p:txBody>
+      </p:sp>
+    </p:spTree>
+    <p:extLst>
+      <p:ext uri="{BB962C8B-B14F-4D97-AF65-F5344CB8AC3E}">
+        <p14:creationId xmlns:p14="http://schemas.microsoft.com/office/powerpoint/2010/main" val="885374420"/>
+      </p:ext>
+    </p:extLst>
+  </p:cSld>
+  <p:clrMapOvr>
+    <a:masterClrMapping/>
+  </p:clrMapOvr>
+</p:sld>
+</file>
+
+<file path=ppt/slides/slide15.xml><?xml version="1.0" encoding="utf-8"?>
+<p:sld xmlns:a="http://schemas.openxmlformats.org/drawingml/2006/main" xmlns:r="http://schemas.openxmlformats.org/officeDocument/2006/relationships" xmlns:p="http://schemas.openxmlformats.org/presentationml/2006/main">
+  <p:cSld>
+    <p:spTree>
+      <p:nvGrpSpPr>
+        <p:cNvPr id="1" name=""/>
+        <p:cNvGrpSpPr/>
+        <p:nvPr/>
+      </p:nvGrpSpPr>
+      <p:grpSpPr>
+        <a:xfrm>
+          <a:off x="0" y="0"/>
+          <a:ext cx="0" cy="0"/>
+          <a:chOff x="0" y="0"/>
+          <a:chExt cx="0" cy="0"/>
+        </a:xfrm>
+      </p:grpSpPr>
+      <p:sp>
+        <p:nvSpPr>
+          <p:cNvPr id="2" name="Title 1">
+            <a:extLst>
+              <a:ext uri="{FF2B5EF4-FFF2-40B4-BE49-F238E27FC236}">
                 <a16:creationId xmlns:a16="http://schemas.microsoft.com/office/drawing/2014/main" id="{D643D72F-F76A-2DC9-0601-E7E23C5B1849}"/>
               </a:ext>
             </a:extLst>
@@ -6876,7 +7186,7 @@
 </p:sld>
 </file>
 
-<file path=ppt/slides/slide15.xml><?xml version="1.0" encoding="utf-8"?>
+<file path=ppt/slides/slide16.xml><?xml version="1.0" encoding="utf-8"?>
 <p:sld xmlns:a="http://schemas.openxmlformats.org/drawingml/2006/main" xmlns:r="http://schemas.openxmlformats.org/officeDocument/2006/relationships" xmlns:p="http://schemas.openxmlformats.org/presentationml/2006/main">
   <p:cSld>
     <p:spTree>
@@ -7123,7 +7433,7 @@
 </p:sld>
 </file>
 
-<file path=ppt/slides/slide16.xml><?xml version="1.0" encoding="utf-8"?>
+<file path=ppt/slides/slide17.xml><?xml version="1.0" encoding="utf-8"?>
 <p:sld xmlns:a="http://schemas.openxmlformats.org/drawingml/2006/main" xmlns:r="http://schemas.openxmlformats.org/officeDocument/2006/relationships" xmlns:p="http://schemas.openxmlformats.org/presentationml/2006/main">
   <p:cSld>
     <p:spTree>
@@ -8151,7 +8461,7 @@
         <p:spPr>
           <a:xfrm>
             <a:off x="9015290" y="207280"/>
-            <a:ext cx="1076276" cy="269266"/>
+            <a:ext cx="920864" cy="174810"/>
           </a:xfrm>
           <a:prstGeom prst="rect">
             <a:avLst/>
@@ -8199,8 +8509,8 @@
         </p:nvSpPr>
         <p:spPr>
           <a:xfrm>
-            <a:off x="9015290" y="557484"/>
-            <a:ext cx="1076276" cy="276372"/>
+            <a:off x="9015289" y="451377"/>
+            <a:ext cx="920863" cy="206492"/>
           </a:xfrm>
           <a:prstGeom prst="rect">
             <a:avLst/>
@@ -8248,8 +8558,8 @@
         </p:nvSpPr>
         <p:spPr>
           <a:xfrm>
-            <a:off x="9015290" y="914794"/>
-            <a:ext cx="1076276" cy="276372"/>
+            <a:off x="9015288" y="728627"/>
+            <a:ext cx="920864" cy="152400"/>
           </a:xfrm>
           <a:prstGeom prst="rect">
             <a:avLst/>
@@ -8627,6 +8937,55 @@
           <a:p>
             <a:pPr algn="ctr"/>
             <a:endParaRPr lang="en-US" sz="2400" dirty="0"/>
+          </a:p>
+        </p:txBody>
+      </p:sp>
+      <p:sp>
+        <p:nvSpPr>
+          <p:cNvPr id="2" name="Rectangle 1">
+            <a:extLst>
+              <a:ext uri="{FF2B5EF4-FFF2-40B4-BE49-F238E27FC236}">
+                <a16:creationId xmlns:a16="http://schemas.microsoft.com/office/drawing/2014/main" id="{66BFD63E-4AEA-2936-C6AA-92FD531D64AF}"/>
+              </a:ext>
+            </a:extLst>
+          </p:cNvPr>
+          <p:cNvSpPr/>
+          <p:nvPr/>
+        </p:nvSpPr>
+        <p:spPr>
+          <a:xfrm>
+            <a:off x="8962061" y="966810"/>
+            <a:ext cx="1027317" cy="152400"/>
+          </a:xfrm>
+          <a:prstGeom prst="rect">
+            <a:avLst/>
+          </a:prstGeom>
+        </p:spPr>
+        <p:style>
+          <a:lnRef idx="2">
+            <a:schemeClr val="accent1">
+              <a:shade val="15000"/>
+            </a:schemeClr>
+          </a:lnRef>
+          <a:fillRef idx="1">
+            <a:schemeClr val="accent1"/>
+          </a:fillRef>
+          <a:effectRef idx="0">
+            <a:schemeClr val="accent1"/>
+          </a:effectRef>
+          <a:fontRef idx="minor">
+            <a:schemeClr val="lt1"/>
+          </a:fontRef>
+        </p:style>
+        <p:txBody>
+          <a:bodyPr rtlCol="0" anchor="ctr"/>
+          <a:lstStyle/>
+          <a:p>
+            <a:pPr algn="ctr"/>
+            <a:r>
+              <a:rPr lang="en-US" sz="1600" dirty="0"/>
+              <a:t>Data Size</a:t>
+            </a:r>
           </a:p>
         </p:txBody>
       </p:sp>
@@ -9316,8 +9675,12 @@
           </a:p>
           <a:p>
             <a:r>
+              <a:rPr lang="en-US" altLang="zh-CN" dirty="0" err="1"/>
+              <a:t>n</a:t>
+            </a:r>
+            <a:r>
               <a:rPr lang="en-US" dirty="0" err="1"/>
-              <a:t>Nn</a:t>
+              <a:t>n</a:t>
             </a:r>
             <a:r>
               <a:rPr lang="en-US" dirty="0"/>

--- a/micro-network-project.pptx
+++ b/micro-network-project.pptx
@@ -5,26 +5,28 @@
     <p:sldMasterId id="2147483648" r:id="rId1"/>
   </p:sldMasterIdLst>
   <p:notesMasterIdLst>
-    <p:notesMasterId r:id="rId19"/>
+    <p:notesMasterId r:id="rId21"/>
   </p:notesMasterIdLst>
   <p:sldIdLst>
     <p:sldId id="256" r:id="rId2"/>
     <p:sldId id="262" r:id="rId3"/>
     <p:sldId id="257" r:id="rId4"/>
     <p:sldId id="261" r:id="rId5"/>
-    <p:sldId id="305" r:id="rId6"/>
-    <p:sldId id="260" r:id="rId7"/>
-    <p:sldId id="299" r:id="rId8"/>
-    <p:sldId id="263" r:id="rId9"/>
-    <p:sldId id="306" r:id="rId10"/>
-    <p:sldId id="307" r:id="rId11"/>
-    <p:sldId id="310" r:id="rId12"/>
-    <p:sldId id="308" r:id="rId13"/>
-    <p:sldId id="311" r:id="rId14"/>
-    <p:sldId id="312" r:id="rId15"/>
-    <p:sldId id="301" r:id="rId16"/>
-    <p:sldId id="303" r:id="rId17"/>
-    <p:sldId id="302" r:id="rId18"/>
+    <p:sldId id="260" r:id="rId6"/>
+    <p:sldId id="313" r:id="rId7"/>
+    <p:sldId id="305" r:id="rId8"/>
+    <p:sldId id="299" r:id="rId9"/>
+    <p:sldId id="263" r:id="rId10"/>
+    <p:sldId id="306" r:id="rId11"/>
+    <p:sldId id="307" r:id="rId12"/>
+    <p:sldId id="310" r:id="rId13"/>
+    <p:sldId id="308" r:id="rId14"/>
+    <p:sldId id="311" r:id="rId15"/>
+    <p:sldId id="312" r:id="rId16"/>
+    <p:sldId id="301" r:id="rId17"/>
+    <p:sldId id="303" r:id="rId18"/>
+    <p:sldId id="302" r:id="rId19"/>
+    <p:sldId id="314" r:id="rId20"/>
   </p:sldIdLst>
   <p:sldSz cx="12192000" cy="6858000"/>
   <p:notesSz cx="6858000" cy="9144000"/>
@@ -213,7 +215,7 @@
           <a:p>
             <a:fld id="{555D5C1C-6798-4FBE-88F4-FFD1BF4E1875}" type="datetimeFigureOut">
               <a:rPr lang="en-US" smtClean="0"/>
-              <a:t>8/20/2024</a:t>
+              <a:t>8/21/2024</a:t>
             </a:fld>
             <a:endParaRPr lang="en-US"/>
           </a:p>
@@ -1136,7 +1138,7 @@
           <a:p>
             <a:fld id="{8040ADDC-8370-4EF6-9B0F-387196F75E7A}" type="slidenum">
               <a:rPr lang="en-US" smtClean="0"/>
-              <a:t>8</a:t>
+              <a:t>9</a:t>
             </a:fld>
             <a:endParaRPr lang="en-US"/>
           </a:p>
@@ -1263,7 +1265,7 @@
           <a:p>
             <a:fld id="{8040ADDC-8370-4EF6-9B0F-387196F75E7A}" type="slidenum">
               <a:rPr lang="en-US" smtClean="0"/>
-              <a:t>9</a:t>
+              <a:t>10</a:t>
             </a:fld>
             <a:endParaRPr lang="en-US"/>
           </a:p>
@@ -1654,7 +1656,7 @@
           <a:p>
             <a:fld id="{8040ADDC-8370-4EF6-9B0F-387196F75E7A}" type="slidenum">
               <a:rPr lang="en-US" smtClean="0"/>
-              <a:t>10</a:t>
+              <a:t>11</a:t>
             </a:fld>
             <a:endParaRPr lang="en-US"/>
           </a:p>
@@ -1738,7 +1740,7 @@
           <a:p>
             <a:fld id="{8040ADDC-8370-4EF6-9B0F-387196F75E7A}" type="slidenum">
               <a:rPr lang="en-US" smtClean="0"/>
-              <a:t>13</a:t>
+              <a:t>14</a:t>
             </a:fld>
             <a:endParaRPr lang="en-US"/>
           </a:p>
@@ -1822,7 +1824,7 @@
           <a:p>
             <a:fld id="{8040ADDC-8370-4EF6-9B0F-387196F75E7A}" type="slidenum">
               <a:rPr lang="en-US" smtClean="0"/>
-              <a:t>17</a:t>
+              <a:t>18</a:t>
             </a:fld>
             <a:endParaRPr lang="en-US"/>
           </a:p>
@@ -1988,7 +1990,7 @@
           <a:p>
             <a:fld id="{CA099234-8B86-476D-9D9B-8192FE9AA948}" type="datetimeFigureOut">
               <a:rPr lang="en-US" smtClean="0"/>
-              <a:t>8/20/2024</a:t>
+              <a:t>8/21/2024</a:t>
             </a:fld>
             <a:endParaRPr lang="en-US"/>
           </a:p>
@@ -2186,7 +2188,7 @@
           <a:p>
             <a:fld id="{CA099234-8B86-476D-9D9B-8192FE9AA948}" type="datetimeFigureOut">
               <a:rPr lang="en-US" smtClean="0"/>
-              <a:t>8/20/2024</a:t>
+              <a:t>8/21/2024</a:t>
             </a:fld>
             <a:endParaRPr lang="en-US"/>
           </a:p>
@@ -2394,7 +2396,7 @@
           <a:p>
             <a:fld id="{CA099234-8B86-476D-9D9B-8192FE9AA948}" type="datetimeFigureOut">
               <a:rPr lang="en-US" smtClean="0"/>
-              <a:t>8/20/2024</a:t>
+              <a:t>8/21/2024</a:t>
             </a:fld>
             <a:endParaRPr lang="en-US"/>
           </a:p>
@@ -2592,7 +2594,7 @@
           <a:p>
             <a:fld id="{CA099234-8B86-476D-9D9B-8192FE9AA948}" type="datetimeFigureOut">
               <a:rPr lang="en-US" smtClean="0"/>
-              <a:t>8/20/2024</a:t>
+              <a:t>8/21/2024</a:t>
             </a:fld>
             <a:endParaRPr lang="en-US"/>
           </a:p>
@@ -2867,7 +2869,7 @@
           <a:p>
             <a:fld id="{CA099234-8B86-476D-9D9B-8192FE9AA948}" type="datetimeFigureOut">
               <a:rPr lang="en-US" smtClean="0"/>
-              <a:t>8/20/2024</a:t>
+              <a:t>8/21/2024</a:t>
             </a:fld>
             <a:endParaRPr lang="en-US"/>
           </a:p>
@@ -3132,7 +3134,7 @@
           <a:p>
             <a:fld id="{CA099234-8B86-476D-9D9B-8192FE9AA948}" type="datetimeFigureOut">
               <a:rPr lang="en-US" smtClean="0"/>
-              <a:t>8/20/2024</a:t>
+              <a:t>8/21/2024</a:t>
             </a:fld>
             <a:endParaRPr lang="en-US"/>
           </a:p>
@@ -3544,7 +3546,7 @@
           <a:p>
             <a:fld id="{CA099234-8B86-476D-9D9B-8192FE9AA948}" type="datetimeFigureOut">
               <a:rPr lang="en-US" smtClean="0"/>
-              <a:t>8/20/2024</a:t>
+              <a:t>8/21/2024</a:t>
             </a:fld>
             <a:endParaRPr lang="en-US"/>
           </a:p>
@@ -3685,7 +3687,7 @@
           <a:p>
             <a:fld id="{CA099234-8B86-476D-9D9B-8192FE9AA948}" type="datetimeFigureOut">
               <a:rPr lang="en-US" smtClean="0"/>
-              <a:t>8/20/2024</a:t>
+              <a:t>8/21/2024</a:t>
             </a:fld>
             <a:endParaRPr lang="en-US"/>
           </a:p>
@@ -3798,7 +3800,7 @@
           <a:p>
             <a:fld id="{CA099234-8B86-476D-9D9B-8192FE9AA948}" type="datetimeFigureOut">
               <a:rPr lang="en-US" smtClean="0"/>
-              <a:t>8/20/2024</a:t>
+              <a:t>8/21/2024</a:t>
             </a:fld>
             <a:endParaRPr lang="en-US"/>
           </a:p>
@@ -4109,7 +4111,7 @@
           <a:p>
             <a:fld id="{CA099234-8B86-476D-9D9B-8192FE9AA948}" type="datetimeFigureOut">
               <a:rPr lang="en-US" smtClean="0"/>
-              <a:t>8/20/2024</a:t>
+              <a:t>8/21/2024</a:t>
             </a:fld>
             <a:endParaRPr lang="en-US"/>
           </a:p>
@@ -4397,7 +4399,7 @@
           <a:p>
             <a:fld id="{CA099234-8B86-476D-9D9B-8192FE9AA948}" type="datetimeFigureOut">
               <a:rPr lang="en-US" smtClean="0"/>
-              <a:t>8/20/2024</a:t>
+              <a:t>8/21/2024</a:t>
             </a:fld>
             <a:endParaRPr lang="en-US"/>
           </a:p>
@@ -4638,7 +4640,7 @@
           <a:p>
             <a:fld id="{CA099234-8B86-476D-9D9B-8192FE9AA948}" type="datetimeFigureOut">
               <a:rPr lang="en-US" smtClean="0"/>
-              <a:t>8/20/2024</a:t>
+              <a:t>8/21/2024</a:t>
             </a:fld>
             <a:endParaRPr lang="en-US"/>
           </a:p>
@@ -5144,12 +5146,111 @@
           <a:chExt cx="0" cy="0"/>
         </a:xfrm>
       </p:grpSpPr>
+      <p:sp>
+        <p:nvSpPr>
+          <p:cNvPr id="2" name="Title 1">
+            <a:extLst>
+              <a:ext uri="{FF2B5EF4-FFF2-40B4-BE49-F238E27FC236}">
+                <a16:creationId xmlns:a16="http://schemas.microsoft.com/office/drawing/2014/main" id="{C9E3005D-E2B3-1DD9-23B0-99EECECCF198}"/>
+              </a:ext>
+            </a:extLst>
+          </p:cNvPr>
+          <p:cNvSpPr>
+            <a:spLocks noGrp="1"/>
+          </p:cNvSpPr>
+          <p:nvPr>
+            <p:ph type="title"/>
+          </p:nvPr>
+        </p:nvSpPr>
+        <p:spPr/>
+        <p:txBody>
+          <a:bodyPr>
+            <a:normAutofit/>
+          </a:bodyPr>
+          <a:lstStyle/>
+          <a:p>
+            <a:r>
+              <a:rPr lang="en-US" sz="4200" dirty="0"/>
+              <a:t>Inference Performance Predictor Existing Works</a:t>
+            </a:r>
+          </a:p>
+        </p:txBody>
+      </p:sp>
+      <p:sp>
+        <p:nvSpPr>
+          <p:cNvPr id="3" name="Content Placeholder 2">
+            <a:extLst>
+              <a:ext uri="{FF2B5EF4-FFF2-40B4-BE49-F238E27FC236}">
+                <a16:creationId xmlns:a16="http://schemas.microsoft.com/office/drawing/2014/main" id="{C8D0959C-AA11-B8DF-ECC0-5CED3B80B075}"/>
+              </a:ext>
+            </a:extLst>
+          </p:cNvPr>
+          <p:cNvSpPr>
+            <a:spLocks noGrp="1"/>
+          </p:cNvSpPr>
+          <p:nvPr>
+            <p:ph idx="1"/>
+          </p:nvPr>
+        </p:nvSpPr>
+        <p:spPr>
+          <a:xfrm>
+            <a:off x="762395" y="1868266"/>
+            <a:ext cx="10515600" cy="4351338"/>
+          </a:xfrm>
+        </p:spPr>
+        <p:txBody>
+          <a:bodyPr/>
+          <a:lstStyle/>
+          <a:p>
+            <a:r>
+              <a:rPr lang="en-US" dirty="0"/>
+              <a:t>LPM-TPU[1]</a:t>
+            </a:r>
+          </a:p>
+          <a:p>
+            <a:r>
+              <a:rPr lang="en-US" dirty="0"/>
+              <a:t>NP-NAS[2]</a:t>
+            </a:r>
+          </a:p>
+          <a:p>
+            <a:r>
+              <a:rPr lang="en-US" dirty="0"/>
+              <a:t>BRP-NAS (Eagle)[3]</a:t>
+            </a:r>
+          </a:p>
+          <a:p>
+            <a:r>
+              <a:rPr lang="en-US" altLang="zh-CN" dirty="0" err="1"/>
+              <a:t>n</a:t>
+            </a:r>
+            <a:r>
+              <a:rPr lang="en-US" dirty="0" err="1"/>
+              <a:t>n</a:t>
+            </a:r>
+            <a:r>
+              <a:rPr lang="en-US" dirty="0"/>
+              <a:t>-Meter[4]</a:t>
+            </a:r>
+          </a:p>
+          <a:p>
+            <a:r>
+              <a:rPr lang="en-US" dirty="0" err="1"/>
+              <a:t>PerfSAGE</a:t>
+            </a:r>
+            <a:r>
+              <a:rPr lang="en-US" dirty="0"/>
+              <a:t>[5]</a:t>
+            </a:r>
+          </a:p>
+        </p:txBody>
+      </p:sp>
       <p:pic>
         <p:nvPicPr>
           <p:cNvPr id="5" name="Picture 4">
             <a:extLst>
               <a:ext uri="{FF2B5EF4-FFF2-40B4-BE49-F238E27FC236}">
-                <a16:creationId xmlns:a16="http://schemas.microsoft.com/office/drawing/2014/main" id="{08ECA5DE-1C00-2055-D585-F705E572446E}"/>
+                <a16:creationId xmlns:a16="http://schemas.microsoft.com/office/drawing/2014/main" id="{850737B8-7B70-58E5-5624-7604B3AD6A77}"/>
               </a:ext>
             </a:extLst>
           </p:cNvPr>
@@ -5166,118 +5267,48 @@
         </p:blipFill>
         <p:spPr>
           <a:xfrm>
-            <a:off x="7598979" y="2077759"/>
-            <a:ext cx="4347696" cy="3847558"/>
+            <a:off x="4302581" y="4439341"/>
+            <a:ext cx="7288110" cy="2194113"/>
           </a:xfrm>
           <a:prstGeom prst="rect">
             <a:avLst/>
           </a:prstGeom>
         </p:spPr>
       </p:pic>
-      <p:sp>
-        <p:nvSpPr>
-          <p:cNvPr id="2" name="Title 1">
-            <a:extLst>
-              <a:ext uri="{FF2B5EF4-FFF2-40B4-BE49-F238E27FC236}">
-                <a16:creationId xmlns:a16="http://schemas.microsoft.com/office/drawing/2014/main" id="{F865125A-C969-D953-54FE-44EC1FC4B7BB}"/>
-              </a:ext>
-            </a:extLst>
-          </p:cNvPr>
-          <p:cNvSpPr>
-            <a:spLocks noGrp="1"/>
-          </p:cNvSpPr>
-          <p:nvPr>
-            <p:ph type="title"/>
-          </p:nvPr>
-        </p:nvSpPr>
-        <p:spPr/>
-        <p:txBody>
-          <a:bodyPr>
-            <a:normAutofit/>
-          </a:bodyPr>
-          <a:lstStyle/>
-          <a:p>
-            <a:r>
-              <a:rPr lang="en-US" sz="4200" dirty="0"/>
-              <a:t>Inference Performance Predictor Existing Works</a:t>
-            </a:r>
-          </a:p>
-        </p:txBody>
-      </p:sp>
-      <p:sp>
-        <p:nvSpPr>
-          <p:cNvPr id="3" name="Content Placeholder 2">
-            <a:extLst>
-              <a:ext uri="{FF2B5EF4-FFF2-40B4-BE49-F238E27FC236}">
-                <a16:creationId xmlns:a16="http://schemas.microsoft.com/office/drawing/2014/main" id="{42ED046F-D813-73AB-8D87-9EECAB0EF3A0}"/>
-              </a:ext>
-            </a:extLst>
-          </p:cNvPr>
-          <p:cNvSpPr>
-            <a:spLocks noGrp="1"/>
-          </p:cNvSpPr>
-          <p:nvPr>
-            <p:ph idx="1"/>
-          </p:nvPr>
-        </p:nvSpPr>
+      <p:pic>
+        <p:nvPicPr>
+          <p:cNvPr id="7" name="Picture 6">
+            <a:extLst>
+              <a:ext uri="{FF2B5EF4-FFF2-40B4-BE49-F238E27FC236}">
+                <a16:creationId xmlns:a16="http://schemas.microsoft.com/office/drawing/2014/main" id="{3221AD1E-AD0C-6A1B-8F35-4F5D22C05C03}"/>
+              </a:ext>
+            </a:extLst>
+          </p:cNvPr>
+          <p:cNvPicPr>
+            <a:picLocks noChangeAspect="1"/>
+          </p:cNvPicPr>
+          <p:nvPr/>
+        </p:nvPicPr>
+        <p:blipFill>
+          <a:blip r:embed="rId4"/>
+          <a:stretch>
+            <a:fillRect/>
+          </a:stretch>
+        </p:blipFill>
         <p:spPr>
           <a:xfrm>
-            <a:off x="838200" y="1825625"/>
-            <a:ext cx="6760779" cy="4351338"/>
+            <a:off x="5405173" y="1454416"/>
+            <a:ext cx="5285331" cy="2755295"/>
           </a:xfrm>
+          <a:prstGeom prst="rect">
+            <a:avLst/>
+          </a:prstGeom>
         </p:spPr>
-        <p:txBody>
-          <a:bodyPr/>
-          <a:lstStyle/>
-          <a:p>
-            <a:r>
-              <a:rPr lang="en-US" dirty="0" err="1"/>
-              <a:t>MicroNets</a:t>
-            </a:r>
-            <a:r>
-              <a:rPr lang="en-US" dirty="0"/>
-              <a:t>[1]:</a:t>
-            </a:r>
-          </a:p>
-          <a:p>
-            <a:r>
-              <a:rPr lang="en-US" dirty="0" err="1"/>
-              <a:t>TinyMLPerf</a:t>
-            </a:r>
-            <a:r>
-              <a:rPr lang="en-US" dirty="0"/>
-              <a:t>[2]: overall performance of </a:t>
-            </a:r>
-            <a:r>
-              <a:rPr lang="en-US" dirty="0" err="1"/>
-              <a:t>TinyML</a:t>
-            </a:r>
-            <a:r>
-              <a:rPr lang="en-US" dirty="0"/>
-              <a:t> models.</a:t>
-            </a:r>
-          </a:p>
-          <a:p>
-            <a:endParaRPr lang="en-US" dirty="0"/>
-          </a:p>
-          <a:p>
-            <a:endParaRPr lang="en-US" dirty="0"/>
-          </a:p>
-          <a:p>
-            <a:r>
-              <a:rPr lang="en-US" dirty="0"/>
-              <a:t>Regression model:</a:t>
-            </a:r>
-          </a:p>
-          <a:p>
-            <a:endParaRPr lang="en-US" dirty="0"/>
-          </a:p>
-        </p:txBody>
-      </p:sp>
+      </p:pic>
     </p:spTree>
     <p:extLst>
       <p:ext uri="{BB962C8B-B14F-4D97-AF65-F5344CB8AC3E}">
-        <p14:creationId xmlns:p14="http://schemas.microsoft.com/office/powerpoint/2010/main" val="2677941560"/>
+        <p14:creationId xmlns:p14="http://schemas.microsoft.com/office/powerpoint/2010/main" val="3619413236"/>
       </p:ext>
     </p:extLst>
   </p:cSld>
@@ -5309,7 +5340,7 @@
           <p:cNvPr id="2" name="Title 1">
             <a:extLst>
               <a:ext uri="{FF2B5EF4-FFF2-40B4-BE49-F238E27FC236}">
-                <a16:creationId xmlns:a16="http://schemas.microsoft.com/office/drawing/2014/main" id="{D95EC6A8-A25C-8346-826C-F89E7FD48D79}"/>
+                <a16:creationId xmlns:a16="http://schemas.microsoft.com/office/drawing/2014/main" id="{F865125A-C969-D953-54FE-44EC1FC4B7BB}"/>
               </a:ext>
             </a:extLst>
           </p:cNvPr>
@@ -5322,72 +5353,122 @@
         </p:nvSpPr>
         <p:spPr/>
         <p:txBody>
+          <a:bodyPr>
+            <a:normAutofit/>
+          </a:bodyPr>
+          <a:lstStyle/>
+          <a:p>
+            <a:r>
+              <a:rPr lang="en-US" sz="4200" dirty="0"/>
+              <a:t>Inference Performance Predictor Existing Works</a:t>
+            </a:r>
+          </a:p>
+        </p:txBody>
+      </p:sp>
+      <p:sp>
+        <p:nvSpPr>
+          <p:cNvPr id="3" name="Content Placeholder 2">
+            <a:extLst>
+              <a:ext uri="{FF2B5EF4-FFF2-40B4-BE49-F238E27FC236}">
+                <a16:creationId xmlns:a16="http://schemas.microsoft.com/office/drawing/2014/main" id="{42ED046F-D813-73AB-8D87-9EECAB0EF3A0}"/>
+              </a:ext>
+            </a:extLst>
+          </p:cNvPr>
+          <p:cNvSpPr>
+            <a:spLocks noGrp="1"/>
+          </p:cNvSpPr>
+          <p:nvPr>
+            <p:ph idx="1"/>
+          </p:nvPr>
+        </p:nvSpPr>
+        <p:spPr>
+          <a:xfrm>
+            <a:off x="838200" y="1825625"/>
+            <a:ext cx="6760779" cy="4351338"/>
+          </a:xfrm>
+        </p:spPr>
+        <p:txBody>
           <a:bodyPr/>
           <a:lstStyle/>
           <a:p>
             <a:r>
-              <a:rPr lang="en-US" dirty="0"/>
-              <a:t>Regression Models and Datasets</a:t>
-            </a:r>
-          </a:p>
-        </p:txBody>
-      </p:sp>
-      <p:sp>
-        <p:nvSpPr>
-          <p:cNvPr id="3" name="Content Placeholder 2">
-            <a:extLst>
-              <a:ext uri="{FF2B5EF4-FFF2-40B4-BE49-F238E27FC236}">
-                <a16:creationId xmlns:a16="http://schemas.microsoft.com/office/drawing/2014/main" id="{9A29F99F-CBC1-51F6-782C-F04234DDF2F5}"/>
-              </a:ext>
-            </a:extLst>
-          </p:cNvPr>
-          <p:cNvSpPr>
-            <a:spLocks noGrp="1"/>
-          </p:cNvSpPr>
-          <p:nvPr>
-            <p:ph idx="1"/>
-          </p:nvPr>
-        </p:nvSpPr>
-        <p:spPr/>
-        <p:txBody>
-          <a:bodyPr/>
-          <a:lstStyle/>
-          <a:p>
-            <a:r>
-              <a:rPr lang="en-US" b="1" dirty="0"/>
-              <a:t>Inference performance predictor datasets:</a:t>
-            </a:r>
-          </a:p>
-          <a:p>
-            <a:pPr lvl="1"/>
-            <a:r>
-              <a:rPr lang="en-US" dirty="0"/>
-              <a:t>For various MCUs and different types of layers and sizes, latency, memory footprint, and energy consumption are measured using TensorFlow Lite for Microcontrollers (TFLM).</a:t>
-            </a:r>
-          </a:p>
-          <a:p>
-            <a:r>
-              <a:rPr lang="en-US" b="1" dirty="0"/>
-              <a:t>Inference performance predictor:</a:t>
-            </a:r>
-          </a:p>
-          <a:p>
-            <a:pPr lvl="1"/>
-            <a:r>
-              <a:rPr lang="en-US" dirty="0"/>
-              <a:t>For various MCUs and different types of layers, we train a regression model, can predict inference performance including latency, memory footprint, and energy consumption.</a:t>
-            </a:r>
-          </a:p>
-          <a:p>
-            <a:pPr lvl="1"/>
+              <a:rPr lang="en-US" dirty="0" err="1"/>
+              <a:t>MicroNets</a:t>
+            </a:r>
+            <a:r>
+              <a:rPr lang="en-US" dirty="0"/>
+              <a:t>[1]:</a:t>
+            </a:r>
+          </a:p>
+          <a:p>
+            <a:r>
+              <a:rPr lang="en-US" dirty="0" err="1"/>
+              <a:t>TinyMLPerf</a:t>
+            </a:r>
+            <a:r>
+              <a:rPr lang="en-US" dirty="0"/>
+              <a:t>[2]: overall performance of </a:t>
+            </a:r>
+            <a:r>
+              <a:rPr lang="en-US" dirty="0" err="1"/>
+              <a:t>TinyML</a:t>
+            </a:r>
+            <a:r>
+              <a:rPr lang="en-US" dirty="0"/>
+              <a:t> models.</a:t>
+            </a:r>
+          </a:p>
+          <a:p>
             <a:endParaRPr lang="en-US" dirty="0"/>
           </a:p>
-        </p:txBody>
-      </p:sp>
+          <a:p>
+            <a:endParaRPr lang="en-US" dirty="0"/>
+          </a:p>
+          <a:p>
+            <a:r>
+              <a:rPr lang="en-US" dirty="0"/>
+              <a:t>Regression model:</a:t>
+            </a:r>
+          </a:p>
+          <a:p>
+            <a:endParaRPr lang="en-US" dirty="0"/>
+          </a:p>
+        </p:txBody>
+      </p:sp>
+      <p:pic>
+        <p:nvPicPr>
+          <p:cNvPr id="5" name="Picture 4">
+            <a:extLst>
+              <a:ext uri="{FF2B5EF4-FFF2-40B4-BE49-F238E27FC236}">
+                <a16:creationId xmlns:a16="http://schemas.microsoft.com/office/drawing/2014/main" id="{08ECA5DE-1C00-2055-D585-F705E572446E}"/>
+              </a:ext>
+            </a:extLst>
+          </p:cNvPr>
+          <p:cNvPicPr>
+            <a:picLocks noChangeAspect="1"/>
+          </p:cNvPicPr>
+          <p:nvPr/>
+        </p:nvPicPr>
+        <p:blipFill>
+          <a:blip r:embed="rId3"/>
+          <a:stretch>
+            <a:fillRect/>
+          </a:stretch>
+        </p:blipFill>
+        <p:spPr>
+          <a:xfrm>
+            <a:off x="7252137" y="2478226"/>
+            <a:ext cx="4179530" cy="3698737"/>
+          </a:xfrm>
+          <a:prstGeom prst="rect">
+            <a:avLst/>
+          </a:prstGeom>
+        </p:spPr>
+      </p:pic>
     </p:spTree>
     <p:extLst>
       <p:ext uri="{BB962C8B-B14F-4D97-AF65-F5344CB8AC3E}">
-        <p14:creationId xmlns:p14="http://schemas.microsoft.com/office/powerpoint/2010/main" val="3936172290"/>
+        <p14:creationId xmlns:p14="http://schemas.microsoft.com/office/powerpoint/2010/main" val="2677941560"/>
       </p:ext>
     </p:extLst>
   </p:cSld>
@@ -5414,42 +5495,12 @@
           <a:chExt cx="0" cy="0"/>
         </a:xfrm>
       </p:grpSpPr>
-      <p:pic>
-        <p:nvPicPr>
-          <p:cNvPr id="7" name="Picture 6">
-            <a:extLst>
-              <a:ext uri="{FF2B5EF4-FFF2-40B4-BE49-F238E27FC236}">
-                <a16:creationId xmlns:a16="http://schemas.microsoft.com/office/drawing/2014/main" id="{F28F17EB-8777-EB4E-73B4-C6DC6F679DF5}"/>
-              </a:ext>
-            </a:extLst>
-          </p:cNvPr>
-          <p:cNvPicPr>
-            <a:picLocks noChangeAspect="1"/>
-          </p:cNvPicPr>
-          <p:nvPr/>
-        </p:nvPicPr>
-        <p:blipFill>
-          <a:blip r:embed="rId2"/>
-          <a:stretch>
-            <a:fillRect/>
-          </a:stretch>
-        </p:blipFill>
-        <p:spPr>
-          <a:xfrm>
-            <a:off x="6654045" y="1943947"/>
-            <a:ext cx="5537955" cy="3856463"/>
-          </a:xfrm>
-          <a:prstGeom prst="rect">
-            <a:avLst/>
-          </a:prstGeom>
-        </p:spPr>
-      </p:pic>
       <p:sp>
         <p:nvSpPr>
           <p:cNvPr id="2" name="Title 1">
             <a:extLst>
               <a:ext uri="{FF2B5EF4-FFF2-40B4-BE49-F238E27FC236}">
-                <a16:creationId xmlns:a16="http://schemas.microsoft.com/office/drawing/2014/main" id="{66100857-F4BD-5FAD-E385-DE457A4797D0}"/>
+                <a16:creationId xmlns:a16="http://schemas.microsoft.com/office/drawing/2014/main" id="{D95EC6A8-A25C-8346-826C-F89E7FD48D79}"/>
               </a:ext>
             </a:extLst>
           </p:cNvPr>
@@ -5467,7 +5518,7 @@
           <a:p>
             <a:r>
               <a:rPr lang="en-US" dirty="0"/>
-              <a:t>Search</a:t>
+              <a:t>Regression Models and Datasets</a:t>
             </a:r>
           </a:p>
         </p:txBody>
@@ -5477,7 +5528,7 @@
           <p:cNvPr id="3" name="Content Placeholder 2">
             <a:extLst>
               <a:ext uri="{FF2B5EF4-FFF2-40B4-BE49-F238E27FC236}">
-                <a16:creationId xmlns:a16="http://schemas.microsoft.com/office/drawing/2014/main" id="{B7CB7517-534B-E936-EFB0-C6CD58AC6E19}"/>
+                <a16:creationId xmlns:a16="http://schemas.microsoft.com/office/drawing/2014/main" id="{9A29F99F-CBC1-51F6-782C-F04234DDF2F5}"/>
               </a:ext>
             </a:extLst>
           </p:cNvPr>
@@ -5488,43 +5539,38 @@
             <p:ph idx="1"/>
           </p:nvPr>
         </p:nvSpPr>
-        <p:spPr>
-          <a:xfrm>
-            <a:off x="838200" y="1825625"/>
-            <a:ext cx="6299447" cy="4351338"/>
-          </a:xfrm>
-        </p:spPr>
+        <p:spPr/>
         <p:txBody>
           <a:bodyPr/>
           <a:lstStyle/>
           <a:p>
             <a:r>
-              <a:rPr lang="en-US" dirty="0"/>
-              <a:t>Observation:</a:t>
+              <a:rPr lang="en-US" b="1" dirty="0"/>
+              <a:t>Inference performance predictor datasets:</a:t>
             </a:r>
           </a:p>
           <a:p>
             <a:pPr lvl="1"/>
             <a:r>
               <a:rPr lang="en-US" dirty="0"/>
-              <a:t>Early layers(Conv1, MaxPool1) have large output data sizes but relatively low latency.</a:t>
+              <a:t>For various MCUs and different types of layers and sizes, latency, memory footprint, and energy consumption are measured using TensorFlow Lite for Microcontrollers (TFLM).</a:t>
+            </a:r>
+          </a:p>
+          <a:p>
+            <a:r>
+              <a:rPr lang="en-US" b="1" dirty="0"/>
+              <a:t>Inference performance predictor:</a:t>
             </a:r>
           </a:p>
           <a:p>
             <a:pPr lvl="1"/>
             <a:r>
               <a:rPr lang="en-US" dirty="0"/>
-              <a:t>Later dense layers(e.g., Dense1) have significantly higher execution latency despite lower output data sizes.</a:t>
+              <a:t>For various MCUs and different types of layers, we train a regression model, can predict inference performance including latency, memory footprint, and energy consumption.</a:t>
             </a:r>
           </a:p>
           <a:p>
             <a:pPr lvl="1"/>
-            <a:r>
-              <a:rPr lang="en-US" dirty="0"/>
-              <a:t>Intermediate layers(e.g., Conv2 to Conv5) show a balance between moderate data sizes and execution latency. </a:t>
-            </a:r>
-          </a:p>
-          <a:p>
             <a:endParaRPr lang="en-US" dirty="0"/>
           </a:p>
         </p:txBody>
@@ -5532,7 +5578,7 @@
     </p:spTree>
     <p:extLst>
       <p:ext uri="{BB962C8B-B14F-4D97-AF65-F5344CB8AC3E}">
-        <p14:creationId xmlns:p14="http://schemas.microsoft.com/office/powerpoint/2010/main" val="1609492456"/>
+        <p14:creationId xmlns:p14="http://schemas.microsoft.com/office/powerpoint/2010/main" val="3936172290"/>
       </p:ext>
     </p:extLst>
   </p:cSld>
@@ -5559,11 +5605,156 @@
           <a:chExt cx="0" cy="0"/>
         </a:xfrm>
       </p:grpSpPr>
+      <p:pic>
+        <p:nvPicPr>
+          <p:cNvPr id="7" name="Picture 6">
+            <a:extLst>
+              <a:ext uri="{FF2B5EF4-FFF2-40B4-BE49-F238E27FC236}">
+                <a16:creationId xmlns:a16="http://schemas.microsoft.com/office/drawing/2014/main" id="{F28F17EB-8777-EB4E-73B4-C6DC6F679DF5}"/>
+              </a:ext>
+            </a:extLst>
+          </p:cNvPr>
+          <p:cNvPicPr>
+            <a:picLocks noChangeAspect="1"/>
+          </p:cNvPicPr>
+          <p:nvPr/>
+        </p:nvPicPr>
+        <p:blipFill>
+          <a:blip r:embed="rId2"/>
+          <a:stretch>
+            <a:fillRect/>
+          </a:stretch>
+        </p:blipFill>
+        <p:spPr>
+          <a:xfrm>
+            <a:off x="6654045" y="1943947"/>
+            <a:ext cx="5537955" cy="3856463"/>
+          </a:xfrm>
+          <a:prstGeom prst="rect">
+            <a:avLst/>
+          </a:prstGeom>
+        </p:spPr>
+      </p:pic>
       <p:sp>
         <p:nvSpPr>
           <p:cNvPr id="2" name="Title 1">
             <a:extLst>
               <a:ext uri="{FF2B5EF4-FFF2-40B4-BE49-F238E27FC236}">
+                <a16:creationId xmlns:a16="http://schemas.microsoft.com/office/drawing/2014/main" id="{66100857-F4BD-5FAD-E385-DE457A4797D0}"/>
+              </a:ext>
+            </a:extLst>
+          </p:cNvPr>
+          <p:cNvSpPr>
+            <a:spLocks noGrp="1"/>
+          </p:cNvSpPr>
+          <p:nvPr>
+            <p:ph type="title"/>
+          </p:nvPr>
+        </p:nvSpPr>
+        <p:spPr/>
+        <p:txBody>
+          <a:bodyPr/>
+          <a:lstStyle/>
+          <a:p>
+            <a:r>
+              <a:rPr lang="en-US" dirty="0"/>
+              <a:t>Search</a:t>
+            </a:r>
+          </a:p>
+        </p:txBody>
+      </p:sp>
+      <p:sp>
+        <p:nvSpPr>
+          <p:cNvPr id="3" name="Content Placeholder 2">
+            <a:extLst>
+              <a:ext uri="{FF2B5EF4-FFF2-40B4-BE49-F238E27FC236}">
+                <a16:creationId xmlns:a16="http://schemas.microsoft.com/office/drawing/2014/main" id="{B7CB7517-534B-E936-EFB0-C6CD58AC6E19}"/>
+              </a:ext>
+            </a:extLst>
+          </p:cNvPr>
+          <p:cNvSpPr>
+            <a:spLocks noGrp="1"/>
+          </p:cNvSpPr>
+          <p:nvPr>
+            <p:ph idx="1"/>
+          </p:nvPr>
+        </p:nvSpPr>
+        <p:spPr>
+          <a:xfrm>
+            <a:off x="838200" y="1825625"/>
+            <a:ext cx="6299447" cy="4351338"/>
+          </a:xfrm>
+        </p:spPr>
+        <p:txBody>
+          <a:bodyPr/>
+          <a:lstStyle/>
+          <a:p>
+            <a:r>
+              <a:rPr lang="en-US" dirty="0"/>
+              <a:t>Observation:</a:t>
+            </a:r>
+          </a:p>
+          <a:p>
+            <a:pPr lvl="1"/>
+            <a:r>
+              <a:rPr lang="en-US" dirty="0"/>
+              <a:t>Early layers(Conv1, MaxPool1) have large output data sizes but relatively low latency.</a:t>
+            </a:r>
+          </a:p>
+          <a:p>
+            <a:pPr lvl="1"/>
+            <a:r>
+              <a:rPr lang="en-US" dirty="0"/>
+              <a:t>Later dense layers(e.g., Dense1) have significantly higher execution latency despite lower output data sizes.</a:t>
+            </a:r>
+          </a:p>
+          <a:p>
+            <a:pPr lvl="1"/>
+            <a:r>
+              <a:rPr lang="en-US" dirty="0"/>
+              <a:t>Intermediate layers(e.g., Conv2 to Conv5) show a balance between moderate data sizes and execution latency. </a:t>
+            </a:r>
+          </a:p>
+          <a:p>
+            <a:endParaRPr lang="en-US" dirty="0"/>
+          </a:p>
+        </p:txBody>
+      </p:sp>
+    </p:spTree>
+    <p:extLst>
+      <p:ext uri="{BB962C8B-B14F-4D97-AF65-F5344CB8AC3E}">
+        <p14:creationId xmlns:p14="http://schemas.microsoft.com/office/powerpoint/2010/main" val="1609492456"/>
+      </p:ext>
+    </p:extLst>
+  </p:cSld>
+  <p:clrMapOvr>
+    <a:masterClrMapping/>
+  </p:clrMapOvr>
+</p:sld>
+</file>
+
+<file path=ppt/slides/slide14.xml><?xml version="1.0" encoding="utf-8"?>
+<p:sld xmlns:a="http://schemas.openxmlformats.org/drawingml/2006/main" xmlns:r="http://schemas.openxmlformats.org/officeDocument/2006/relationships" xmlns:p="http://schemas.openxmlformats.org/presentationml/2006/main">
+  <p:cSld>
+    <p:spTree>
+      <p:nvGrpSpPr>
+        <p:cNvPr id="1" name=""/>
+        <p:cNvGrpSpPr/>
+        <p:nvPr/>
+      </p:nvGrpSpPr>
+      <p:grpSpPr>
+        <a:xfrm>
+          <a:off x="0" y="0"/>
+          <a:ext cx="0" cy="0"/>
+          <a:chOff x="0" y="0"/>
+          <a:chExt cx="0" cy="0"/>
+        </a:xfrm>
+      </p:grpSpPr>
+      <p:sp>
+        <p:nvSpPr>
+          <p:cNvPr id="2" name="Title 1">
+            <a:extLst>
+              <a:ext uri="{FF2B5EF4-FFF2-40B4-BE49-F238E27FC236}">
                 <a16:creationId xmlns:a16="http://schemas.microsoft.com/office/drawing/2014/main" id="{6E2B5D9A-FAEE-C87E-4F78-08A32C2FA3EA}"/>
               </a:ext>
             </a:extLst>
@@ -5587,8 +5778,8 @@
           </a:p>
         </p:txBody>
       </p:sp>
-      <mc:AlternateContent xmlns:mc="http://schemas.openxmlformats.org/markup-compatibility/2006">
-        <mc:Choice xmlns:a14="http://schemas.microsoft.com/office/drawing/2010/main" Requires="a14">
+      <mc:AlternateContent xmlns:mc="http://schemas.openxmlformats.org/markup-compatibility/2006" xmlns:a14="http://schemas.microsoft.com/office/drawing/2010/main">
+        <mc:Choice Requires="a14">
           <p:sp>
             <p:nvSpPr>
               <p:cNvPr id="3" name="Content Placeholder 2">
@@ -6747,7 +6938,7 @@
             </p:txBody>
           </p:sp>
         </mc:Choice>
-        <mc:Fallback>
+        <mc:Fallback xmlns="">
           <p:sp>
             <p:nvSpPr>
               <p:cNvPr id="3" name="Content Placeholder 2">
@@ -6804,7 +6995,7 @@
 </p:sld>
 </file>
 
-<file path=ppt/slides/slide14.xml><?xml version="1.0" encoding="utf-8"?>
+<file path=ppt/slides/slide15.xml><?xml version="1.0" encoding="utf-8"?>
 <p:sld xmlns:a="http://schemas.openxmlformats.org/drawingml/2006/main" xmlns:r="http://schemas.openxmlformats.org/officeDocument/2006/relationships" xmlns:p="http://schemas.openxmlformats.org/presentationml/2006/main">
   <p:cSld>
     <p:spTree>
@@ -6909,7 +7100,7 @@
 </p:sld>
 </file>
 
-<file path=ppt/slides/slide15.xml><?xml version="1.0" encoding="utf-8"?>
+<file path=ppt/slides/slide16.xml><?xml version="1.0" encoding="utf-8"?>
 <p:sld xmlns:a="http://schemas.openxmlformats.org/drawingml/2006/main" xmlns:r="http://schemas.openxmlformats.org/officeDocument/2006/relationships" xmlns:p="http://schemas.openxmlformats.org/presentationml/2006/main">
   <p:cSld>
     <p:spTree>
@@ -7186,7 +7377,7 @@
 </p:sld>
 </file>
 
-<file path=ppt/slides/slide16.xml><?xml version="1.0" encoding="utf-8"?>
+<file path=ppt/slides/slide17.xml><?xml version="1.0" encoding="utf-8"?>
 <p:sld xmlns:a="http://schemas.openxmlformats.org/drawingml/2006/main" xmlns:r="http://schemas.openxmlformats.org/officeDocument/2006/relationships" xmlns:p="http://schemas.openxmlformats.org/presentationml/2006/main">
   <p:cSld>
     <p:spTree>
@@ -7433,7 +7624,7 @@
 </p:sld>
 </file>
 
-<file path=ppt/slides/slide17.xml><?xml version="1.0" encoding="utf-8"?>
+<file path=ppt/slides/slide18.xml><?xml version="1.0" encoding="utf-8"?>
 <p:sld xmlns:a="http://schemas.openxmlformats.org/drawingml/2006/main" xmlns:r="http://schemas.openxmlformats.org/officeDocument/2006/relationships" xmlns:p="http://schemas.openxmlformats.org/presentationml/2006/main">
   <p:cSld>
     <p:spTree>
@@ -7512,13 +7703,19 @@
           <a:p>
             <a:r>
               <a:rPr lang="en-US" dirty="0"/>
+              <a:t>2. Feedback: model &lt;-&gt; network</a:t>
+            </a:r>
+          </a:p>
+          <a:p>
+            <a:r>
+              <a:rPr lang="en-US" dirty="0"/>
               <a:t>2. How to evaluate search methods?</a:t>
             </a:r>
           </a:p>
           <a:p>
             <a:r>
               <a:rPr lang="en-US" dirty="0"/>
-              <a:t>3. C</a:t>
+              <a:t>4. C</a:t>
             </a:r>
             <a:r>
               <a:rPr lang="en-US" altLang="zh-CN" dirty="0"/>
@@ -7535,6 +7732,86 @@
     <p:extLst>
       <p:ext uri="{BB962C8B-B14F-4D97-AF65-F5344CB8AC3E}">
         <p14:creationId xmlns:p14="http://schemas.microsoft.com/office/powerpoint/2010/main" val="1267984057"/>
+      </p:ext>
+    </p:extLst>
+  </p:cSld>
+  <p:clrMapOvr>
+    <a:masterClrMapping/>
+  </p:clrMapOvr>
+</p:sld>
+</file>
+
+<file path=ppt/slides/slide19.xml><?xml version="1.0" encoding="utf-8"?>
+<p:sld xmlns:a="http://schemas.openxmlformats.org/drawingml/2006/main" xmlns:r="http://schemas.openxmlformats.org/officeDocument/2006/relationships" xmlns:p="http://schemas.openxmlformats.org/presentationml/2006/main">
+  <p:cSld>
+    <p:spTree>
+      <p:nvGrpSpPr>
+        <p:cNvPr id="1" name=""/>
+        <p:cNvGrpSpPr/>
+        <p:nvPr/>
+      </p:nvGrpSpPr>
+      <p:grpSpPr>
+        <a:xfrm>
+          <a:off x="0" y="0"/>
+          <a:ext cx="0" cy="0"/>
+          <a:chOff x="0" y="0"/>
+          <a:chExt cx="0" cy="0"/>
+        </a:xfrm>
+      </p:grpSpPr>
+      <p:sp>
+        <p:nvSpPr>
+          <p:cNvPr id="2" name="Title 1">
+            <a:extLst>
+              <a:ext uri="{FF2B5EF4-FFF2-40B4-BE49-F238E27FC236}">
+                <a16:creationId xmlns:a16="http://schemas.microsoft.com/office/drawing/2014/main" id="{74902368-0F56-044B-8108-D724D2465F8E}"/>
+              </a:ext>
+            </a:extLst>
+          </p:cNvPr>
+          <p:cNvSpPr>
+            <a:spLocks noGrp="1"/>
+          </p:cNvSpPr>
+          <p:nvPr>
+            <p:ph type="title"/>
+          </p:nvPr>
+        </p:nvSpPr>
+        <p:spPr/>
+        <p:txBody>
+          <a:bodyPr/>
+          <a:lstStyle/>
+          <a:p>
+            <a:endParaRPr lang="en-US"/>
+          </a:p>
+        </p:txBody>
+      </p:sp>
+      <p:sp>
+        <p:nvSpPr>
+          <p:cNvPr id="3" name="Content Placeholder 2">
+            <a:extLst>
+              <a:ext uri="{FF2B5EF4-FFF2-40B4-BE49-F238E27FC236}">
+                <a16:creationId xmlns:a16="http://schemas.microsoft.com/office/drawing/2014/main" id="{BA3BEDC8-C95C-51D4-1325-A1D98F60CE3B}"/>
+              </a:ext>
+            </a:extLst>
+          </p:cNvPr>
+          <p:cNvSpPr>
+            <a:spLocks noGrp="1"/>
+          </p:cNvSpPr>
+          <p:nvPr>
+            <p:ph idx="1"/>
+          </p:nvPr>
+        </p:nvSpPr>
+        <p:spPr/>
+        <p:txBody>
+          <a:bodyPr/>
+          <a:lstStyle/>
+          <a:p>
+            <a:endParaRPr lang="en-US"/>
+          </a:p>
+        </p:txBody>
+      </p:sp>
+    </p:spTree>
+    <p:extLst>
+      <p:ext uri="{BB962C8B-B14F-4D97-AF65-F5344CB8AC3E}">
+        <p14:creationId xmlns:p14="http://schemas.microsoft.com/office/powerpoint/2010/main" val="3442928414"/>
       </p:ext>
     </p:extLst>
   </p:cSld>
@@ -8045,6 +8322,834 @@
       </p:grpSpPr>
       <p:sp>
         <p:nvSpPr>
+          <p:cNvPr id="2" name="Title 1">
+            <a:extLst>
+              <a:ext uri="{FF2B5EF4-FFF2-40B4-BE49-F238E27FC236}">
+                <a16:creationId xmlns:a16="http://schemas.microsoft.com/office/drawing/2014/main" id="{3C4A9EB1-AC01-2A64-C7CE-5EEEBB35B1EA}"/>
+              </a:ext>
+            </a:extLst>
+          </p:cNvPr>
+          <p:cNvSpPr>
+            <a:spLocks noGrp="1"/>
+          </p:cNvSpPr>
+          <p:nvPr>
+            <p:ph type="title"/>
+          </p:nvPr>
+        </p:nvSpPr>
+        <p:spPr/>
+        <p:txBody>
+          <a:bodyPr/>
+          <a:lstStyle/>
+          <a:p>
+            <a:r>
+              <a:rPr lang="en-US" dirty="0"/>
+              <a:t>Pipeline</a:t>
+            </a:r>
+          </a:p>
+        </p:txBody>
+      </p:sp>
+      <p:sp>
+        <p:nvSpPr>
+          <p:cNvPr id="3" name="Content Placeholder 2">
+            <a:extLst>
+              <a:ext uri="{FF2B5EF4-FFF2-40B4-BE49-F238E27FC236}">
+                <a16:creationId xmlns:a16="http://schemas.microsoft.com/office/drawing/2014/main" id="{29EFB5C7-8C1F-DFA1-BA2D-49F9C6A8469D}"/>
+              </a:ext>
+            </a:extLst>
+          </p:cNvPr>
+          <p:cNvSpPr>
+            <a:spLocks noGrp="1"/>
+          </p:cNvSpPr>
+          <p:nvPr>
+            <p:ph idx="1"/>
+          </p:nvPr>
+        </p:nvSpPr>
+        <p:spPr/>
+        <p:txBody>
+          <a:bodyPr>
+            <a:normAutofit fontScale="85000" lnSpcReduction="20000"/>
+          </a:bodyPr>
+          <a:lstStyle/>
+          <a:p>
+            <a:r>
+              <a:rPr lang="en-US" dirty="0"/>
+              <a:t>1. Network Construction</a:t>
+            </a:r>
+          </a:p>
+          <a:p>
+            <a:r>
+              <a:rPr lang="en-US" dirty="0"/>
+              <a:t>2. Profiling</a:t>
+            </a:r>
+          </a:p>
+          <a:p>
+            <a:pPr lvl="1"/>
+            <a:r>
+              <a:rPr lang="en-US" dirty="0"/>
+              <a:t>Network conditions:</a:t>
+            </a:r>
+          </a:p>
+          <a:p>
+            <a:pPr lvl="2"/>
+            <a:r>
+              <a:rPr lang="en-US" dirty="0"/>
+              <a:t>Nodes capabilities(CPU, Memory, Architecture)-&gt;processing time</a:t>
+            </a:r>
+          </a:p>
+          <a:p>
+            <a:pPr lvl="2"/>
+            <a:r>
+              <a:rPr lang="en-US" dirty="0"/>
+              <a:t>Network bandwidth -&gt; transfer time</a:t>
+            </a:r>
+          </a:p>
+          <a:p>
+            <a:pPr lvl="1"/>
+            <a:r>
+              <a:rPr lang="en-US" dirty="0"/>
+              <a:t>DNN Model (per layer)</a:t>
+            </a:r>
+          </a:p>
+          <a:p>
+            <a:pPr lvl="2"/>
+            <a:r>
+              <a:rPr lang="en-US" dirty="0"/>
+              <a:t>Latency, memory, energy, data size</a:t>
+            </a:r>
+          </a:p>
+          <a:p>
+            <a:r>
+              <a:rPr lang="en-US" dirty="0"/>
+              <a:t>3.  Model Partitioning</a:t>
+            </a:r>
+          </a:p>
+          <a:p>
+            <a:pPr lvl="1"/>
+            <a:r>
+              <a:rPr lang="en-US" dirty="0"/>
+              <a:t>Per layer execution time (</a:t>
+            </a:r>
+            <a:r>
+              <a:rPr lang="en-US" dirty="0">
+                <a:solidFill>
+                  <a:srgbClr val="FF0000"/>
+                </a:solidFill>
+              </a:rPr>
+              <a:t>Assume that each layer is independent</a:t>
+            </a:r>
+            <a:r>
+              <a:rPr lang="en-US" dirty="0"/>
+              <a:t>)</a:t>
+            </a:r>
+          </a:p>
+          <a:p>
+            <a:pPr lvl="1"/>
+            <a:r>
+              <a:rPr lang="en-US" dirty="0"/>
+              <a:t>Assignment(layer-device) determination</a:t>
+            </a:r>
+          </a:p>
+          <a:p>
+            <a:r>
+              <a:rPr lang="en-US" dirty="0"/>
+              <a:t>4.  Model Deployment</a:t>
+            </a:r>
+          </a:p>
+          <a:p>
+            <a:pPr lvl="1"/>
+            <a:r>
+              <a:rPr lang="en-US" dirty="0"/>
+              <a:t>Select virtual ‘routing’ for distributed inference</a:t>
+            </a:r>
+          </a:p>
+          <a:p>
+            <a:r>
+              <a:rPr lang="en-US" dirty="0"/>
+              <a:t>5.  Feedback loop</a:t>
+            </a:r>
+          </a:p>
+          <a:p>
+            <a:pPr lvl="1"/>
+            <a:r>
+              <a:rPr lang="en-US" dirty="0">
+                <a:solidFill>
+                  <a:srgbClr val="FF0000"/>
+                </a:solidFill>
+              </a:rPr>
+              <a:t>Network &lt;-&gt; Model performance</a:t>
+            </a:r>
+          </a:p>
+          <a:p>
+            <a:pPr lvl="1"/>
+            <a:endParaRPr lang="en-US" dirty="0"/>
+          </a:p>
+        </p:txBody>
+      </p:sp>
+    </p:spTree>
+    <p:extLst>
+      <p:ext uri="{BB962C8B-B14F-4D97-AF65-F5344CB8AC3E}">
+        <p14:creationId xmlns:p14="http://schemas.microsoft.com/office/powerpoint/2010/main" val="1580585430"/>
+      </p:ext>
+    </p:extLst>
+  </p:cSld>
+  <p:clrMapOvr>
+    <a:masterClrMapping/>
+  </p:clrMapOvr>
+</p:sld>
+</file>
+
+<file path=ppt/slides/slide6.xml><?xml version="1.0" encoding="utf-8"?>
+<p:sld xmlns:a="http://schemas.openxmlformats.org/drawingml/2006/main" xmlns:r="http://schemas.openxmlformats.org/officeDocument/2006/relationships" xmlns:p="http://schemas.openxmlformats.org/presentationml/2006/main">
+  <p:cSld>
+    <p:spTree>
+      <p:nvGrpSpPr>
+        <p:cNvPr id="1" name=""/>
+        <p:cNvGrpSpPr/>
+        <p:nvPr/>
+      </p:nvGrpSpPr>
+      <p:grpSpPr>
+        <a:xfrm>
+          <a:off x="0" y="0"/>
+          <a:ext cx="0" cy="0"/>
+          <a:chOff x="0" y="0"/>
+          <a:chExt cx="0" cy="0"/>
+        </a:xfrm>
+      </p:grpSpPr>
+      <p:sp>
+        <p:nvSpPr>
+          <p:cNvPr id="2" name="Title 1">
+            <a:extLst>
+              <a:ext uri="{FF2B5EF4-FFF2-40B4-BE49-F238E27FC236}">
+                <a16:creationId xmlns:a16="http://schemas.microsoft.com/office/drawing/2014/main" id="{43B54947-2B35-7D0E-AD81-D17D4DCBC308}"/>
+              </a:ext>
+            </a:extLst>
+          </p:cNvPr>
+          <p:cNvSpPr>
+            <a:spLocks noGrp="1"/>
+          </p:cNvSpPr>
+          <p:nvPr>
+            <p:ph type="title"/>
+          </p:nvPr>
+        </p:nvSpPr>
+        <p:spPr/>
+        <p:txBody>
+          <a:bodyPr/>
+          <a:lstStyle/>
+          <a:p>
+            <a:r>
+              <a:rPr lang="en-US" dirty="0"/>
+              <a:t>S</a:t>
+            </a:r>
+            <a:r>
+              <a:rPr lang="en-US" altLang="zh-CN" dirty="0"/>
+              <a:t>ystem Design</a:t>
+            </a:r>
+            <a:endParaRPr lang="en-US" dirty="0"/>
+          </a:p>
+        </p:txBody>
+      </p:sp>
+      <p:sp>
+        <p:nvSpPr>
+          <p:cNvPr id="16" name="Content Placeholder 2">
+            <a:extLst>
+              <a:ext uri="{FF2B5EF4-FFF2-40B4-BE49-F238E27FC236}">
+                <a16:creationId xmlns:a16="http://schemas.microsoft.com/office/drawing/2014/main" id="{890C08B2-4BDD-E7D1-AC61-E9590AAF0944}"/>
+              </a:ext>
+            </a:extLst>
+          </p:cNvPr>
+          <p:cNvSpPr>
+            <a:spLocks noGrp="1"/>
+          </p:cNvSpPr>
+          <p:nvPr>
+            <p:ph idx="1"/>
+          </p:nvPr>
+        </p:nvSpPr>
+        <p:spPr>
+          <a:xfrm>
+            <a:off x="1021976" y="1755579"/>
+            <a:ext cx="4004779" cy="1325563"/>
+          </a:xfrm>
+        </p:spPr>
+        <p:txBody>
+          <a:bodyPr>
+            <a:normAutofit fontScale="92500" lnSpcReduction="20000"/>
+          </a:bodyPr>
+          <a:lstStyle/>
+          <a:p>
+            <a:r>
+              <a:rPr lang="en-US" dirty="0"/>
+              <a:t>1. Network construction</a:t>
+            </a:r>
+          </a:p>
+          <a:p>
+            <a:pPr lvl="1"/>
+            <a:r>
+              <a:rPr lang="en-US" dirty="0"/>
+              <a:t>Network topology</a:t>
+            </a:r>
+          </a:p>
+          <a:p>
+            <a:pPr lvl="1"/>
+            <a:r>
+              <a:rPr lang="en-US" dirty="0"/>
+              <a:t>Roles assignment</a:t>
+            </a:r>
+          </a:p>
+          <a:p>
+            <a:pPr lvl="1"/>
+            <a:r>
+              <a:rPr lang="en-US" dirty="0"/>
+              <a:t>Link?</a:t>
+            </a:r>
+          </a:p>
+        </p:txBody>
+      </p:sp>
+      <p:grpSp>
+        <p:nvGrpSpPr>
+          <p:cNvPr id="21" name="Group 20">
+            <a:extLst>
+              <a:ext uri="{FF2B5EF4-FFF2-40B4-BE49-F238E27FC236}">
+                <a16:creationId xmlns:a16="http://schemas.microsoft.com/office/drawing/2014/main" id="{51311A4F-9A10-4E4E-BB28-969832C8948A}"/>
+              </a:ext>
+            </a:extLst>
+          </p:cNvPr>
+          <p:cNvGrpSpPr/>
+          <p:nvPr/>
+        </p:nvGrpSpPr>
+        <p:grpSpPr>
+          <a:xfrm>
+            <a:off x="2306374" y="3559921"/>
+            <a:ext cx="7579252" cy="2015810"/>
+            <a:chOff x="1760342" y="1690688"/>
+            <a:chExt cx="7579252" cy="2015810"/>
+          </a:xfrm>
+        </p:grpSpPr>
+        <p:sp>
+          <p:nvSpPr>
+            <p:cNvPr id="20" name="Rectangle 19">
+              <a:extLst>
+                <a:ext uri="{FF2B5EF4-FFF2-40B4-BE49-F238E27FC236}">
+                  <a16:creationId xmlns:a16="http://schemas.microsoft.com/office/drawing/2014/main" id="{69E71B27-24AF-3C0B-83F8-69AED4E65A56}"/>
+                </a:ext>
+              </a:extLst>
+            </p:cNvPr>
+            <p:cNvSpPr/>
+            <p:nvPr/>
+          </p:nvSpPr>
+          <p:spPr>
+            <a:xfrm>
+              <a:off x="1760342" y="1690688"/>
+              <a:ext cx="7579252" cy="2015810"/>
+            </a:xfrm>
+            <a:prstGeom prst="rect">
+              <a:avLst/>
+            </a:prstGeom>
+            <a:solidFill>
+              <a:schemeClr val="bg1"/>
+            </a:solidFill>
+          </p:spPr>
+          <p:style>
+            <a:lnRef idx="2">
+              <a:schemeClr val="accent1">
+                <a:shade val="15000"/>
+              </a:schemeClr>
+            </a:lnRef>
+            <a:fillRef idx="1">
+              <a:schemeClr val="accent1"/>
+            </a:fillRef>
+            <a:effectRef idx="0">
+              <a:schemeClr val="accent1"/>
+            </a:effectRef>
+            <a:fontRef idx="minor">
+              <a:schemeClr val="lt1"/>
+            </a:fontRef>
+          </p:style>
+          <p:txBody>
+            <a:bodyPr rtlCol="0" anchor="ctr"/>
+            <a:lstStyle/>
+            <a:p>
+              <a:pPr algn="ctr"/>
+              <a:endParaRPr lang="en-US"/>
+            </a:p>
+          </p:txBody>
+        </p:sp>
+        <p:grpSp>
+          <p:nvGrpSpPr>
+            <p:cNvPr id="19" name="Group 18">
+              <a:extLst>
+                <a:ext uri="{FF2B5EF4-FFF2-40B4-BE49-F238E27FC236}">
+                  <a16:creationId xmlns:a16="http://schemas.microsoft.com/office/drawing/2014/main" id="{1C15C3BE-3B8B-FF1C-03F5-CAC1823B3D83}"/>
+                </a:ext>
+              </a:extLst>
+            </p:cNvPr>
+            <p:cNvGrpSpPr/>
+            <p:nvPr/>
+          </p:nvGrpSpPr>
+          <p:grpSpPr>
+            <a:xfrm>
+              <a:off x="1939321" y="1821465"/>
+              <a:ext cx="7221125" cy="1693929"/>
+              <a:chOff x="1939321" y="1821465"/>
+              <a:chExt cx="7221125" cy="1693929"/>
+            </a:xfrm>
+          </p:grpSpPr>
+          <p:sp>
+            <p:nvSpPr>
+              <p:cNvPr id="6" name="Rectangle 5">
+                <a:extLst>
+                  <a:ext uri="{FF2B5EF4-FFF2-40B4-BE49-F238E27FC236}">
+                    <a16:creationId xmlns:a16="http://schemas.microsoft.com/office/drawing/2014/main" id="{E37540AF-AB86-CF97-5AE5-7B5DAA4F5701}"/>
+                  </a:ext>
+                </a:extLst>
+              </p:cNvPr>
+              <p:cNvSpPr/>
+              <p:nvPr/>
+            </p:nvSpPr>
+            <p:spPr>
+              <a:xfrm>
+                <a:off x="7555566" y="2499037"/>
+                <a:ext cx="1604880" cy="426799"/>
+              </a:xfrm>
+              <a:prstGeom prst="rect">
+                <a:avLst/>
+              </a:prstGeom>
+            </p:spPr>
+            <p:style>
+              <a:lnRef idx="2">
+                <a:schemeClr val="accent1">
+                  <a:shade val="15000"/>
+                </a:schemeClr>
+              </a:lnRef>
+              <a:fillRef idx="1">
+                <a:schemeClr val="accent1"/>
+              </a:fillRef>
+              <a:effectRef idx="0">
+                <a:schemeClr val="accent1"/>
+              </a:effectRef>
+              <a:fontRef idx="minor">
+                <a:schemeClr val="lt1"/>
+              </a:fontRef>
+            </p:style>
+            <p:txBody>
+              <a:bodyPr rtlCol="0" anchor="ctr"/>
+              <a:lstStyle/>
+              <a:p>
+                <a:pPr algn="ctr"/>
+                <a:r>
+                  <a:rPr lang="en-US" sz="2400" dirty="0"/>
+                  <a:t>Scheduler</a:t>
+                </a:r>
+              </a:p>
+            </p:txBody>
+          </p:sp>
+          <p:pic>
+            <p:nvPicPr>
+              <p:cNvPr id="11" name="Picture 10">
+                <a:extLst>
+                  <a:ext uri="{FF2B5EF4-FFF2-40B4-BE49-F238E27FC236}">
+                    <a16:creationId xmlns:a16="http://schemas.microsoft.com/office/drawing/2014/main" id="{0A1ACD45-A951-BD0A-7122-852A0F8804AB}"/>
+                  </a:ext>
+                </a:extLst>
+              </p:cNvPr>
+              <p:cNvPicPr>
+                <a:picLocks noChangeAspect="1"/>
+              </p:cNvPicPr>
+              <p:nvPr/>
+            </p:nvPicPr>
+            <p:blipFill>
+              <a:blip r:embed="rId2"/>
+              <a:stretch>
+                <a:fillRect/>
+              </a:stretch>
+            </p:blipFill>
+            <p:spPr>
+              <a:xfrm>
+                <a:off x="1939321" y="1821465"/>
+                <a:ext cx="3374153" cy="1693929"/>
+              </a:xfrm>
+              <a:prstGeom prst="rect">
+                <a:avLst/>
+              </a:prstGeom>
+            </p:spPr>
+          </p:pic>
+          <p:sp>
+            <p:nvSpPr>
+              <p:cNvPr id="12" name="Arrow: Left-Right 11">
+                <a:extLst>
+                  <a:ext uri="{FF2B5EF4-FFF2-40B4-BE49-F238E27FC236}">
+                    <a16:creationId xmlns:a16="http://schemas.microsoft.com/office/drawing/2014/main" id="{A2C8BEE8-333B-B6F2-53B2-E29BD7449FFE}"/>
+                  </a:ext>
+                </a:extLst>
+              </p:cNvPr>
+              <p:cNvSpPr/>
+              <p:nvPr/>
+            </p:nvSpPr>
+            <p:spPr>
+              <a:xfrm>
+                <a:off x="5760231" y="2568187"/>
+                <a:ext cx="1163782" cy="288500"/>
+              </a:xfrm>
+              <a:prstGeom prst="leftRightArrow">
+                <a:avLst/>
+              </a:prstGeom>
+            </p:spPr>
+            <p:style>
+              <a:lnRef idx="2">
+                <a:schemeClr val="accent1">
+                  <a:shade val="15000"/>
+                </a:schemeClr>
+              </a:lnRef>
+              <a:fillRef idx="1">
+                <a:schemeClr val="accent1"/>
+              </a:fillRef>
+              <a:effectRef idx="0">
+                <a:schemeClr val="accent1"/>
+              </a:effectRef>
+              <a:fontRef idx="minor">
+                <a:schemeClr val="lt1"/>
+              </a:fontRef>
+            </p:style>
+            <p:txBody>
+              <a:bodyPr rtlCol="0" anchor="ctr"/>
+              <a:lstStyle/>
+              <a:p>
+                <a:pPr algn="ctr"/>
+                <a:endParaRPr lang="en-US"/>
+              </a:p>
+            </p:txBody>
+          </p:sp>
+          <p:sp>
+            <p:nvSpPr>
+              <p:cNvPr id="18" name="TextBox 17">
+                <a:extLst>
+                  <a:ext uri="{FF2B5EF4-FFF2-40B4-BE49-F238E27FC236}">
+                    <a16:creationId xmlns:a16="http://schemas.microsoft.com/office/drawing/2014/main" id="{161F34F4-0748-1908-3A18-D32F7E625A0E}"/>
+                  </a:ext>
+                </a:extLst>
+              </p:cNvPr>
+              <p:cNvSpPr txBox="1"/>
+              <p:nvPr/>
+            </p:nvSpPr>
+            <p:spPr>
+              <a:xfrm>
+                <a:off x="5313474" y="2198855"/>
+                <a:ext cx="2242092" cy="369332"/>
+              </a:xfrm>
+              <a:prstGeom prst="rect">
+                <a:avLst/>
+              </a:prstGeom>
+              <a:noFill/>
+            </p:spPr>
+            <p:txBody>
+              <a:bodyPr wrap="square" rtlCol="0">
+                <a:spAutoFit/>
+              </a:bodyPr>
+              <a:lstStyle/>
+              <a:p>
+                <a:r>
+                  <a:rPr lang="en-US" dirty="0">
+                    <a:solidFill>
+                      <a:srgbClr val="FF0000"/>
+                    </a:solidFill>
+                  </a:rPr>
+                  <a:t>Communication API</a:t>
+                </a:r>
+              </a:p>
+            </p:txBody>
+          </p:sp>
+        </p:grpSp>
+      </p:grpSp>
+      <p:sp>
+        <p:nvSpPr>
+          <p:cNvPr id="22" name="Content Placeholder 2">
+            <a:extLst>
+              <a:ext uri="{FF2B5EF4-FFF2-40B4-BE49-F238E27FC236}">
+                <a16:creationId xmlns:a16="http://schemas.microsoft.com/office/drawing/2014/main" id="{A533FEAB-1EBF-978F-79D0-1A2B4CCCBE05}"/>
+              </a:ext>
+            </a:extLst>
+          </p:cNvPr>
+          <p:cNvSpPr txBox="1">
+            <a:spLocks/>
+          </p:cNvSpPr>
+          <p:nvPr/>
+        </p:nvSpPr>
+        <p:spPr>
+          <a:xfrm>
+            <a:off x="6479852" y="1755579"/>
+            <a:ext cx="5172636" cy="1673421"/>
+          </a:xfrm>
+          <a:prstGeom prst="rect">
+            <a:avLst/>
+          </a:prstGeom>
+        </p:spPr>
+        <p:txBody>
+          <a:bodyPr vert="horz" lIns="91440" tIns="45720" rIns="91440" bIns="45720" rtlCol="0">
+            <a:normAutofit/>
+          </a:bodyPr>
+          <a:lstStyle>
+            <a:lvl1pPr marL="228600" indent="-228600" algn="l" defTabSz="914400" rtl="0" eaLnBrk="1" latinLnBrk="0" hangingPunct="1">
+              <a:lnSpc>
+                <a:spcPct val="90000"/>
+              </a:lnSpc>
+              <a:spcBef>
+                <a:spcPts val="1000"/>
+              </a:spcBef>
+              <a:buFont typeface="Arial" panose="020B0604020202020204" pitchFamily="34" charset="0"/>
+              <a:buChar char="•"/>
+              <a:defRPr sz="2800" kern="1200">
+                <a:solidFill>
+                  <a:schemeClr val="tx1"/>
+                </a:solidFill>
+                <a:latin typeface="+mn-lt"/>
+                <a:ea typeface="+mn-ea"/>
+                <a:cs typeface="+mn-cs"/>
+              </a:defRPr>
+            </a:lvl1pPr>
+            <a:lvl2pPr marL="685800" indent="-228600" algn="l" defTabSz="914400" rtl="0" eaLnBrk="1" latinLnBrk="0" hangingPunct="1">
+              <a:lnSpc>
+                <a:spcPct val="90000"/>
+              </a:lnSpc>
+              <a:spcBef>
+                <a:spcPts val="500"/>
+              </a:spcBef>
+              <a:buFont typeface="Arial" panose="020B0604020202020204" pitchFamily="34" charset="0"/>
+              <a:buChar char="•"/>
+              <a:defRPr sz="2400" kern="1200">
+                <a:solidFill>
+                  <a:schemeClr val="tx1"/>
+                </a:solidFill>
+                <a:latin typeface="+mn-lt"/>
+                <a:ea typeface="+mn-ea"/>
+                <a:cs typeface="+mn-cs"/>
+              </a:defRPr>
+            </a:lvl2pPr>
+            <a:lvl3pPr marL="1143000" indent="-228600" algn="l" defTabSz="914400" rtl="0" eaLnBrk="1" latinLnBrk="0" hangingPunct="1">
+              <a:lnSpc>
+                <a:spcPct val="90000"/>
+              </a:lnSpc>
+              <a:spcBef>
+                <a:spcPts val="500"/>
+              </a:spcBef>
+              <a:buFont typeface="Arial" panose="020B0604020202020204" pitchFamily="34" charset="0"/>
+              <a:buChar char="•"/>
+              <a:defRPr sz="2000" kern="1200">
+                <a:solidFill>
+                  <a:schemeClr val="tx1"/>
+                </a:solidFill>
+                <a:latin typeface="+mn-lt"/>
+                <a:ea typeface="+mn-ea"/>
+                <a:cs typeface="+mn-cs"/>
+              </a:defRPr>
+            </a:lvl3pPr>
+            <a:lvl4pPr marL="1600200" indent="-228600" algn="l" defTabSz="914400" rtl="0" eaLnBrk="1" latinLnBrk="0" hangingPunct="1">
+              <a:lnSpc>
+                <a:spcPct val="90000"/>
+              </a:lnSpc>
+              <a:spcBef>
+                <a:spcPts val="500"/>
+              </a:spcBef>
+              <a:buFont typeface="Arial" panose="020B0604020202020204" pitchFamily="34" charset="0"/>
+              <a:buChar char="•"/>
+              <a:defRPr sz="1800" kern="1200">
+                <a:solidFill>
+                  <a:schemeClr val="tx1"/>
+                </a:solidFill>
+                <a:latin typeface="+mn-lt"/>
+                <a:ea typeface="+mn-ea"/>
+                <a:cs typeface="+mn-cs"/>
+              </a:defRPr>
+            </a:lvl4pPr>
+            <a:lvl5pPr marL="2057400" indent="-228600" algn="l" defTabSz="914400" rtl="0" eaLnBrk="1" latinLnBrk="0" hangingPunct="1">
+              <a:lnSpc>
+                <a:spcPct val="90000"/>
+              </a:lnSpc>
+              <a:spcBef>
+                <a:spcPts val="500"/>
+              </a:spcBef>
+              <a:buFont typeface="Arial" panose="020B0604020202020204" pitchFamily="34" charset="0"/>
+              <a:buChar char="•"/>
+              <a:defRPr sz="1800" kern="1200">
+                <a:solidFill>
+                  <a:schemeClr val="tx1"/>
+                </a:solidFill>
+                <a:latin typeface="+mn-lt"/>
+                <a:ea typeface="+mn-ea"/>
+                <a:cs typeface="+mn-cs"/>
+              </a:defRPr>
+            </a:lvl5pPr>
+            <a:lvl6pPr marL="2514600" indent="-228600" algn="l" defTabSz="914400" rtl="0" eaLnBrk="1" latinLnBrk="0" hangingPunct="1">
+              <a:lnSpc>
+                <a:spcPct val="90000"/>
+              </a:lnSpc>
+              <a:spcBef>
+                <a:spcPts val="500"/>
+              </a:spcBef>
+              <a:buFont typeface="Arial" panose="020B0604020202020204" pitchFamily="34" charset="0"/>
+              <a:buChar char="•"/>
+              <a:defRPr sz="1800" kern="1200">
+                <a:solidFill>
+                  <a:schemeClr val="tx1"/>
+                </a:solidFill>
+                <a:latin typeface="+mn-lt"/>
+                <a:ea typeface="+mn-ea"/>
+                <a:cs typeface="+mn-cs"/>
+              </a:defRPr>
+            </a:lvl6pPr>
+            <a:lvl7pPr marL="2971800" indent="-228600" algn="l" defTabSz="914400" rtl="0" eaLnBrk="1" latinLnBrk="0" hangingPunct="1">
+              <a:lnSpc>
+                <a:spcPct val="90000"/>
+              </a:lnSpc>
+              <a:spcBef>
+                <a:spcPts val="500"/>
+              </a:spcBef>
+              <a:buFont typeface="Arial" panose="020B0604020202020204" pitchFamily="34" charset="0"/>
+              <a:buChar char="•"/>
+              <a:defRPr sz="1800" kern="1200">
+                <a:solidFill>
+                  <a:schemeClr val="tx1"/>
+                </a:solidFill>
+                <a:latin typeface="+mn-lt"/>
+                <a:ea typeface="+mn-ea"/>
+                <a:cs typeface="+mn-cs"/>
+              </a:defRPr>
+            </a:lvl7pPr>
+            <a:lvl8pPr marL="3429000" indent="-228600" algn="l" defTabSz="914400" rtl="0" eaLnBrk="1" latinLnBrk="0" hangingPunct="1">
+              <a:lnSpc>
+                <a:spcPct val="90000"/>
+              </a:lnSpc>
+              <a:spcBef>
+                <a:spcPts val="500"/>
+              </a:spcBef>
+              <a:buFont typeface="Arial" panose="020B0604020202020204" pitchFamily="34" charset="0"/>
+              <a:buChar char="•"/>
+              <a:defRPr sz="1800" kern="1200">
+                <a:solidFill>
+                  <a:schemeClr val="tx1"/>
+                </a:solidFill>
+                <a:latin typeface="+mn-lt"/>
+                <a:ea typeface="+mn-ea"/>
+                <a:cs typeface="+mn-cs"/>
+              </a:defRPr>
+            </a:lvl8pPr>
+            <a:lvl9pPr marL="3886200" indent="-228600" algn="l" defTabSz="914400" rtl="0" eaLnBrk="1" latinLnBrk="0" hangingPunct="1">
+              <a:lnSpc>
+                <a:spcPct val="90000"/>
+              </a:lnSpc>
+              <a:spcBef>
+                <a:spcPts val="500"/>
+              </a:spcBef>
+              <a:buFont typeface="Arial" panose="020B0604020202020204" pitchFamily="34" charset="0"/>
+              <a:buChar char="•"/>
+              <a:defRPr sz="1800" kern="1200">
+                <a:solidFill>
+                  <a:schemeClr val="tx1"/>
+                </a:solidFill>
+                <a:latin typeface="+mn-lt"/>
+                <a:ea typeface="+mn-ea"/>
+                <a:cs typeface="+mn-cs"/>
+              </a:defRPr>
+            </a:lvl9pPr>
+          </a:lstStyle>
+          <a:p>
+            <a:r>
+              <a:rPr lang="en-US" sz="2000" dirty="0"/>
+              <a:t>Scheduler:</a:t>
+            </a:r>
+          </a:p>
+          <a:p>
+            <a:pPr lvl="1"/>
+            <a:r>
+              <a:rPr lang="en-US" sz="2000" dirty="0"/>
+              <a:t>1. Preconfigure the network</a:t>
+            </a:r>
+          </a:p>
+          <a:p>
+            <a:pPr lvl="1"/>
+            <a:r>
+              <a:rPr lang="en-US" sz="2000" dirty="0"/>
+              <a:t>2. Model partitioning and deployment</a:t>
+            </a:r>
+          </a:p>
+          <a:p>
+            <a:pPr lvl="1"/>
+            <a:r>
+              <a:rPr lang="en-US" sz="2000" dirty="0"/>
+              <a:t>3. Monitor the network (feedback loop)</a:t>
+            </a:r>
+          </a:p>
+        </p:txBody>
+      </p:sp>
+      <p:sp>
+        <p:nvSpPr>
+          <p:cNvPr id="25" name="TextBox 24">
+            <a:extLst>
+              <a:ext uri="{FF2B5EF4-FFF2-40B4-BE49-F238E27FC236}">
+                <a16:creationId xmlns:a16="http://schemas.microsoft.com/office/drawing/2014/main" id="{60B15C90-79B3-4AA8-18C8-163261B373D2}"/>
+              </a:ext>
+            </a:extLst>
+          </p:cNvPr>
+          <p:cNvSpPr txBox="1"/>
+          <p:nvPr/>
+        </p:nvSpPr>
+        <p:spPr>
+          <a:xfrm>
+            <a:off x="3198769" y="5950441"/>
+            <a:ext cx="6214987" cy="369332"/>
+          </a:xfrm>
+          <a:prstGeom prst="rect">
+            <a:avLst/>
+          </a:prstGeom>
+          <a:noFill/>
+        </p:spPr>
+        <p:txBody>
+          <a:bodyPr wrap="square" rtlCol="0">
+            <a:spAutoFit/>
+          </a:bodyPr>
+          <a:lstStyle/>
+          <a:p>
+            <a:r>
+              <a:rPr lang="en-US" dirty="0">
+                <a:solidFill>
+                  <a:srgbClr val="FF0000"/>
+                </a:solidFill>
+              </a:rPr>
+              <a:t>What is our goal to build a network before deploying a DNN? </a:t>
+            </a:r>
+          </a:p>
+        </p:txBody>
+      </p:sp>
+    </p:spTree>
+    <p:extLst>
+      <p:ext uri="{BB962C8B-B14F-4D97-AF65-F5344CB8AC3E}">
+        <p14:creationId xmlns:p14="http://schemas.microsoft.com/office/powerpoint/2010/main" val="2884314888"/>
+      </p:ext>
+    </p:extLst>
+  </p:cSld>
+  <p:clrMapOvr>
+    <a:masterClrMapping/>
+  </p:clrMapOvr>
+</p:sld>
+</file>
+
+<file path=ppt/slides/slide7.xml><?xml version="1.0" encoding="utf-8"?>
+<p:sld xmlns:a="http://schemas.openxmlformats.org/drawingml/2006/main" xmlns:r="http://schemas.openxmlformats.org/officeDocument/2006/relationships" xmlns:p="http://schemas.openxmlformats.org/presentationml/2006/main">
+  <p:cSld>
+    <p:spTree>
+      <p:nvGrpSpPr>
+        <p:cNvPr id="1" name=""/>
+        <p:cNvGrpSpPr/>
+        <p:nvPr/>
+      </p:nvGrpSpPr>
+      <p:grpSpPr>
+        <a:xfrm>
+          <a:off x="0" y="0"/>
+          <a:ext cx="0" cy="0"/>
+          <a:chOff x="0" y="0"/>
+          <a:chExt cx="0" cy="0"/>
+        </a:xfrm>
+      </p:grpSpPr>
+      <p:sp>
+        <p:nvSpPr>
           <p:cNvPr id="24" name="Rectangle: Rounded Corners 23">
             <a:extLst>
               <a:ext uri="{FF2B5EF4-FFF2-40B4-BE49-F238E27FC236}">
@@ -8889,7 +9994,7 @@
             <a:pPr algn="ctr"/>
             <a:r>
               <a:rPr lang="en-US" sz="2400" dirty="0"/>
-              <a:t>Forwarding</a:t>
+              <a:t>Flooding</a:t>
             </a:r>
           </a:p>
         </p:txBody>
@@ -8989,386 +10094,59 @@
           </a:p>
         </p:txBody>
       </p:sp>
+      <p:sp>
+        <p:nvSpPr>
+          <p:cNvPr id="3" name="Rectangle 2">
+            <a:extLst>
+              <a:ext uri="{FF2B5EF4-FFF2-40B4-BE49-F238E27FC236}">
+                <a16:creationId xmlns:a16="http://schemas.microsoft.com/office/drawing/2014/main" id="{0808B222-789B-5812-0D1A-8E0417A1B5CD}"/>
+              </a:ext>
+            </a:extLst>
+          </p:cNvPr>
+          <p:cNvSpPr/>
+          <p:nvPr/>
+        </p:nvSpPr>
+        <p:spPr>
+          <a:xfrm>
+            <a:off x="6096000" y="5136199"/>
+            <a:ext cx="2078325" cy="559852"/>
+          </a:xfrm>
+          <a:prstGeom prst="rect">
+            <a:avLst/>
+          </a:prstGeom>
+        </p:spPr>
+        <p:style>
+          <a:lnRef idx="2">
+            <a:schemeClr val="accent1">
+              <a:shade val="15000"/>
+            </a:schemeClr>
+          </a:lnRef>
+          <a:fillRef idx="1">
+            <a:schemeClr val="accent1"/>
+          </a:fillRef>
+          <a:effectRef idx="0">
+            <a:schemeClr val="accent1"/>
+          </a:effectRef>
+          <a:fontRef idx="minor">
+            <a:schemeClr val="lt1"/>
+          </a:fontRef>
+        </p:style>
+        <p:txBody>
+          <a:bodyPr rtlCol="0" anchor="ctr"/>
+          <a:lstStyle/>
+          <a:p>
+            <a:pPr algn="ctr"/>
+            <a:r>
+              <a:rPr lang="en-US" sz="2400" dirty="0"/>
+              <a:t>Relaying</a:t>
+            </a:r>
+          </a:p>
+        </p:txBody>
+      </p:sp>
     </p:spTree>
     <p:extLst>
       <p:ext uri="{BB962C8B-B14F-4D97-AF65-F5344CB8AC3E}">
         <p14:creationId xmlns:p14="http://schemas.microsoft.com/office/powerpoint/2010/main" val="1819793623"/>
-      </p:ext>
-    </p:extLst>
-  </p:cSld>
-  <p:clrMapOvr>
-    <a:masterClrMapping/>
-  </p:clrMapOvr>
-</p:sld>
-</file>
-
-<file path=ppt/slides/slide6.xml><?xml version="1.0" encoding="utf-8"?>
-<p:sld xmlns:a="http://schemas.openxmlformats.org/drawingml/2006/main" xmlns:r="http://schemas.openxmlformats.org/officeDocument/2006/relationships" xmlns:p="http://schemas.openxmlformats.org/presentationml/2006/main">
-  <p:cSld>
-    <p:spTree>
-      <p:nvGrpSpPr>
-        <p:cNvPr id="1" name=""/>
-        <p:cNvGrpSpPr/>
-        <p:nvPr/>
-      </p:nvGrpSpPr>
-      <p:grpSpPr>
-        <a:xfrm>
-          <a:off x="0" y="0"/>
-          <a:ext cx="0" cy="0"/>
-          <a:chOff x="0" y="0"/>
-          <a:chExt cx="0" cy="0"/>
-        </a:xfrm>
-      </p:grpSpPr>
-      <p:sp>
-        <p:nvSpPr>
-          <p:cNvPr id="2" name="Title 1">
-            <a:extLst>
-              <a:ext uri="{FF2B5EF4-FFF2-40B4-BE49-F238E27FC236}">
-                <a16:creationId xmlns:a16="http://schemas.microsoft.com/office/drawing/2014/main" id="{3C4A9EB1-AC01-2A64-C7CE-5EEEBB35B1EA}"/>
-              </a:ext>
-            </a:extLst>
-          </p:cNvPr>
-          <p:cNvSpPr>
-            <a:spLocks noGrp="1"/>
-          </p:cNvSpPr>
-          <p:nvPr>
-            <p:ph type="title"/>
-          </p:nvPr>
-        </p:nvSpPr>
-        <p:spPr/>
-        <p:txBody>
-          <a:bodyPr/>
-          <a:lstStyle/>
-          <a:p>
-            <a:r>
-              <a:rPr lang="en-US" dirty="0"/>
-              <a:t>Pipeline</a:t>
-            </a:r>
-          </a:p>
-        </p:txBody>
-      </p:sp>
-      <p:sp>
-        <p:nvSpPr>
-          <p:cNvPr id="3" name="Content Placeholder 2">
-            <a:extLst>
-              <a:ext uri="{FF2B5EF4-FFF2-40B4-BE49-F238E27FC236}">
-                <a16:creationId xmlns:a16="http://schemas.microsoft.com/office/drawing/2014/main" id="{29EFB5C7-8C1F-DFA1-BA2D-49F9C6A8469D}"/>
-              </a:ext>
-            </a:extLst>
-          </p:cNvPr>
-          <p:cNvSpPr>
-            <a:spLocks noGrp="1"/>
-          </p:cNvSpPr>
-          <p:nvPr>
-            <p:ph idx="1"/>
-          </p:nvPr>
-        </p:nvSpPr>
-        <p:spPr/>
-        <p:txBody>
-          <a:bodyPr>
-            <a:normAutofit/>
-          </a:bodyPr>
-          <a:lstStyle/>
-          <a:p>
-            <a:r>
-              <a:rPr lang="en-US" dirty="0"/>
-              <a:t>1. Network Profiling</a:t>
-            </a:r>
-          </a:p>
-          <a:p>
-            <a:pPr lvl="1"/>
-            <a:r>
-              <a:rPr lang="en-US" dirty="0"/>
-              <a:t>Nodes capabilities(CPU, Memory, Architecture)-&gt;processing time</a:t>
-            </a:r>
-          </a:p>
-          <a:p>
-            <a:pPr lvl="1"/>
-            <a:r>
-              <a:rPr lang="en-US" dirty="0"/>
-              <a:t>Network bandwidth -&gt; transfer time</a:t>
-            </a:r>
-          </a:p>
-          <a:p>
-            <a:r>
-              <a:rPr lang="en-US" dirty="0"/>
-              <a:t>2.  Model Partitioning</a:t>
-            </a:r>
-          </a:p>
-          <a:p>
-            <a:pPr lvl="1"/>
-            <a:r>
-              <a:rPr lang="en-US" dirty="0"/>
-              <a:t>Per layer execution time (</a:t>
-            </a:r>
-            <a:r>
-              <a:rPr lang="en-US" dirty="0">
-                <a:solidFill>
-                  <a:srgbClr val="FF0000"/>
-                </a:solidFill>
-              </a:rPr>
-              <a:t>Assume that each layer is independent</a:t>
-            </a:r>
-            <a:r>
-              <a:rPr lang="en-US" dirty="0"/>
-              <a:t>)</a:t>
-            </a:r>
-          </a:p>
-          <a:p>
-            <a:pPr lvl="1"/>
-            <a:r>
-              <a:rPr lang="en-US" dirty="0"/>
-              <a:t>Assignment(layer-device) determination</a:t>
-            </a:r>
-          </a:p>
-          <a:p>
-            <a:r>
-              <a:rPr lang="en-US" dirty="0"/>
-              <a:t>3.  Model Deployment</a:t>
-            </a:r>
-          </a:p>
-          <a:p>
-            <a:pPr lvl="1"/>
-            <a:r>
-              <a:rPr lang="en-US" dirty="0"/>
-              <a:t>Select virtual ‘routing’ for distributed inference</a:t>
-            </a:r>
-          </a:p>
-          <a:p>
-            <a:pPr lvl="1"/>
-            <a:r>
-              <a:rPr lang="en-US" dirty="0">
-                <a:solidFill>
-                  <a:srgbClr val="FF0000"/>
-                </a:solidFill>
-              </a:rPr>
-              <a:t>(Does the model also affect the construction of the network?)</a:t>
-            </a:r>
-          </a:p>
-        </p:txBody>
-      </p:sp>
-    </p:spTree>
-    <p:extLst>
-      <p:ext uri="{BB962C8B-B14F-4D97-AF65-F5344CB8AC3E}">
-        <p14:creationId xmlns:p14="http://schemas.microsoft.com/office/powerpoint/2010/main" val="1580585430"/>
-      </p:ext>
-    </p:extLst>
-  </p:cSld>
-  <p:clrMapOvr>
-    <a:masterClrMapping/>
-  </p:clrMapOvr>
-</p:sld>
-</file>
-
-<file path=ppt/slides/slide7.xml><?xml version="1.0" encoding="utf-8"?>
-<p:sld xmlns:a="http://schemas.openxmlformats.org/drawingml/2006/main" xmlns:r="http://schemas.openxmlformats.org/officeDocument/2006/relationships" xmlns:p="http://schemas.openxmlformats.org/presentationml/2006/main">
-  <p:cSld>
-    <p:spTree>
-      <p:nvGrpSpPr>
-        <p:cNvPr id="1" name=""/>
-        <p:cNvGrpSpPr/>
-        <p:nvPr/>
-      </p:nvGrpSpPr>
-      <p:grpSpPr>
-        <a:xfrm>
-          <a:off x="0" y="0"/>
-          <a:ext cx="0" cy="0"/>
-          <a:chOff x="0" y="0"/>
-          <a:chExt cx="0" cy="0"/>
-        </a:xfrm>
-      </p:grpSpPr>
-      <p:sp>
-        <p:nvSpPr>
-          <p:cNvPr id="2" name="Title 1">
-            <a:extLst>
-              <a:ext uri="{FF2B5EF4-FFF2-40B4-BE49-F238E27FC236}">
-                <a16:creationId xmlns:a16="http://schemas.microsoft.com/office/drawing/2014/main" id="{F31F78BE-3AEA-F21A-A00D-D96F5C4EC332}"/>
-              </a:ext>
-            </a:extLst>
-          </p:cNvPr>
-          <p:cNvSpPr>
-            <a:spLocks noGrp="1"/>
-          </p:cNvSpPr>
-          <p:nvPr>
-            <p:ph type="title"/>
-          </p:nvPr>
-        </p:nvSpPr>
-        <p:spPr/>
-        <p:txBody>
-          <a:bodyPr/>
-          <a:lstStyle/>
-          <a:p>
-            <a:r>
-              <a:rPr lang="en-US" dirty="0"/>
-              <a:t>Model Partitioning Pipeline</a:t>
-            </a:r>
-          </a:p>
-        </p:txBody>
-      </p:sp>
-      <p:sp>
-        <p:nvSpPr>
-          <p:cNvPr id="3" name="Content Placeholder 2">
-            <a:extLst>
-              <a:ext uri="{FF2B5EF4-FFF2-40B4-BE49-F238E27FC236}">
-                <a16:creationId xmlns:a16="http://schemas.microsoft.com/office/drawing/2014/main" id="{B4FA9D81-B9C6-94F9-3C49-5B78F31889FC}"/>
-              </a:ext>
-            </a:extLst>
-          </p:cNvPr>
-          <p:cNvSpPr>
-            <a:spLocks noGrp="1"/>
-          </p:cNvSpPr>
-          <p:nvPr>
-            <p:ph idx="1"/>
-          </p:nvPr>
-        </p:nvSpPr>
-        <p:spPr/>
-        <p:txBody>
-          <a:bodyPr vert="horz" lIns="91440" tIns="45720" rIns="91440" bIns="45720" rtlCol="0" anchor="t">
-            <a:normAutofit fontScale="92500" lnSpcReduction="10000"/>
-          </a:bodyPr>
-          <a:lstStyle/>
-          <a:p>
-            <a:r>
-              <a:rPr lang="en-US" dirty="0"/>
-              <a:t>Determination of assignment(layer-device)</a:t>
-            </a:r>
-            <a:r>
-              <a:rPr lang="en-US" dirty="0">
-                <a:sym typeface="Wingdings" panose="05000000000000000000" pitchFamily="2" charset="2"/>
-              </a:rPr>
-              <a:t>: </a:t>
-            </a:r>
-            <a:r>
-              <a:rPr lang="en-US" dirty="0">
-                <a:solidFill>
-                  <a:srgbClr val="FF0000"/>
-                </a:solidFill>
-                <a:sym typeface="Wingdings" panose="05000000000000000000" pitchFamily="2" charset="2"/>
-              </a:rPr>
-              <a:t>(search problem</a:t>
-            </a:r>
-            <a:r>
-              <a:rPr lang="en-US" dirty="0">
-                <a:sym typeface="Wingdings" panose="05000000000000000000" pitchFamily="2" charset="2"/>
-              </a:rPr>
-              <a:t>)</a:t>
-            </a:r>
-            <a:endParaRPr lang="en-US" dirty="0"/>
-          </a:p>
-          <a:p>
-            <a:pPr lvl="1">
-              <a:buFont typeface="Courier New" panose="020B0604020202020204" pitchFamily="34" charset="0"/>
-              <a:buChar char="o"/>
-            </a:pPr>
-            <a:r>
-              <a:rPr lang="en-US" dirty="0"/>
-              <a:t>Input(network, model)</a:t>
-            </a:r>
-          </a:p>
-          <a:p>
-            <a:pPr lvl="2">
-              <a:buFont typeface="Wingdings" panose="020B0604020202020204" pitchFamily="34" charset="0"/>
-              <a:buChar char="§"/>
-            </a:pPr>
-            <a:r>
-              <a:rPr lang="en-US" dirty="0"/>
-              <a:t>Network(nodes,)</a:t>
-            </a:r>
-          </a:p>
-          <a:p>
-            <a:pPr lvl="2">
-              <a:buFont typeface="Wingdings" panose="020B0604020202020204" pitchFamily="34" charset="0"/>
-              <a:buChar char="§"/>
-            </a:pPr>
-            <a:r>
-              <a:rPr lang="en-US" dirty="0"/>
-              <a:t>Model(layers,) </a:t>
-            </a:r>
-          </a:p>
-          <a:p>
-            <a:pPr lvl="1">
-              <a:buFont typeface="Courier New" panose="020B0604020202020204" pitchFamily="34" charset="0"/>
-              <a:buChar char="o"/>
-            </a:pPr>
-            <a:r>
-              <a:rPr lang="en-US" dirty="0"/>
-              <a:t>Output(assignment)</a:t>
-            </a:r>
-          </a:p>
-          <a:p>
-            <a:r>
-              <a:rPr lang="en-US" dirty="0"/>
-              <a:t>Model partition:</a:t>
-            </a:r>
-          </a:p>
-          <a:p>
-            <a:pPr lvl="1">
-              <a:buFont typeface="Courier New" panose="020B0604020202020204" pitchFamily="34" charset="0"/>
-              <a:buChar char="o"/>
-            </a:pPr>
-            <a:r>
-              <a:rPr lang="en-US" dirty="0"/>
-              <a:t>Input(assignment, model)</a:t>
-            </a:r>
-          </a:p>
-          <a:p>
-            <a:pPr lvl="1">
-              <a:buFont typeface="Courier New" panose="020B0604020202020204" pitchFamily="34" charset="0"/>
-              <a:buChar char="o"/>
-            </a:pPr>
-            <a:r>
-              <a:rPr lang="en-US" dirty="0"/>
-              <a:t>Output(model segment 1, model segment 2)</a:t>
-            </a:r>
-          </a:p>
-          <a:p>
-            <a:r>
-              <a:rPr lang="en-US" dirty="0"/>
-              <a:t>Model deployment:</a:t>
-            </a:r>
-          </a:p>
-          <a:p>
-            <a:pPr lvl="1">
-              <a:buFont typeface="Courier New" panose="020B0604020202020204" pitchFamily="34" charset="0"/>
-              <a:buChar char="o"/>
-            </a:pPr>
-            <a:r>
-              <a:rPr lang="en-US" dirty="0"/>
-              <a:t>Model segment 1 -&gt; MCU 1</a:t>
-            </a:r>
-          </a:p>
-          <a:p>
-            <a:pPr lvl="1">
-              <a:buFont typeface="Courier New" panose="020B0604020202020204" pitchFamily="34" charset="0"/>
-              <a:buChar char="o"/>
-            </a:pPr>
-            <a:r>
-              <a:rPr lang="en-US" dirty="0"/>
-              <a:t>Model segment 2 -&gt; MCU 2</a:t>
-            </a:r>
-          </a:p>
-          <a:p>
-            <a:pPr lvl="1">
-              <a:buFont typeface="Courier New" panose="020B0604020202020204" pitchFamily="34" charset="0"/>
-              <a:buChar char="o"/>
-            </a:pPr>
-            <a:r>
-              <a:rPr lang="en-US" dirty="0"/>
-              <a:t>……</a:t>
-            </a:r>
-          </a:p>
-          <a:p>
-            <a:endParaRPr lang="en-US" dirty="0"/>
-          </a:p>
-          <a:p>
-            <a:endParaRPr lang="en-US" dirty="0"/>
-          </a:p>
-        </p:txBody>
-      </p:sp>
-    </p:spTree>
-    <p:extLst>
-      <p:ext uri="{BB962C8B-B14F-4D97-AF65-F5344CB8AC3E}">
-        <p14:creationId xmlns:p14="http://schemas.microsoft.com/office/powerpoint/2010/main" val="801084978"/>
       </p:ext>
     </p:extLst>
   </p:cSld>
@@ -9395,42 +10173,12 @@
           <a:chExt cx="0" cy="0"/>
         </a:xfrm>
       </p:grpSpPr>
-      <p:pic>
-        <p:nvPicPr>
-          <p:cNvPr id="5" name="Picture 4">
-            <a:extLst>
-              <a:ext uri="{FF2B5EF4-FFF2-40B4-BE49-F238E27FC236}">
-                <a16:creationId xmlns:a16="http://schemas.microsoft.com/office/drawing/2014/main" id="{AEC0D26A-EF43-06BF-A6D5-771873938ABF}"/>
-              </a:ext>
-            </a:extLst>
-          </p:cNvPr>
-          <p:cNvPicPr>
-            <a:picLocks noChangeAspect="1"/>
-          </p:cNvPicPr>
-          <p:nvPr/>
-        </p:nvPicPr>
-        <p:blipFill>
-          <a:blip r:embed="rId3"/>
-          <a:stretch>
-            <a:fillRect/>
-          </a:stretch>
-        </p:blipFill>
-        <p:spPr>
-          <a:xfrm>
-            <a:off x="7049467" y="4543613"/>
-            <a:ext cx="4889211" cy="2106045"/>
-          </a:xfrm>
-          <a:prstGeom prst="rect">
-            <a:avLst/>
-          </a:prstGeom>
-        </p:spPr>
-      </p:pic>
       <p:sp>
         <p:nvSpPr>
           <p:cNvPr id="2" name="Title 1">
             <a:extLst>
               <a:ext uri="{FF2B5EF4-FFF2-40B4-BE49-F238E27FC236}">
-                <a16:creationId xmlns:a16="http://schemas.microsoft.com/office/drawing/2014/main" id="{4860E9A2-BC0F-43EA-5D2B-A17EF4F0B643}"/>
+                <a16:creationId xmlns:a16="http://schemas.microsoft.com/office/drawing/2014/main" id="{F31F78BE-3AEA-F21A-A00D-D96F5C4EC332}"/>
               </a:ext>
             </a:extLst>
           </p:cNvPr>
@@ -9447,10 +10195,9 @@
           <a:lstStyle/>
           <a:p>
             <a:r>
-              <a:rPr lang="en-US"/>
-              <a:t>Model Partitioning Existing Works</a:t>
-            </a:r>
-            <a:endParaRPr lang="en-US" dirty="0"/>
+              <a:rPr lang="en-US" dirty="0"/>
+              <a:t>Model Partitioning Pipeline</a:t>
+            </a:r>
           </a:p>
         </p:txBody>
       </p:sp>
@@ -9459,7 +10206,7 @@
           <p:cNvPr id="3" name="Content Placeholder 2">
             <a:extLst>
               <a:ext uri="{FF2B5EF4-FFF2-40B4-BE49-F238E27FC236}">
-                <a16:creationId xmlns:a16="http://schemas.microsoft.com/office/drawing/2014/main" id="{2F994F7F-58B6-B22D-A34F-EC6FEA2CBAAF}"/>
+                <a16:creationId xmlns:a16="http://schemas.microsoft.com/office/drawing/2014/main" id="{B4FA9D81-B9C6-94F9-3C49-5B78F31889FC}"/>
               </a:ext>
             </a:extLst>
           </p:cNvPr>
@@ -9470,110 +10217,154 @@
             <p:ph idx="1"/>
           </p:nvPr>
         </p:nvSpPr>
-        <p:spPr>
-          <a:xfrm>
-            <a:off x="838200" y="1690688"/>
-            <a:ext cx="6384792" cy="4594851"/>
-          </a:xfrm>
-        </p:spPr>
-        <p:txBody>
-          <a:bodyPr>
+        <p:spPr/>
+        <p:txBody>
+          <a:bodyPr vert="horz" lIns="91440" tIns="45720" rIns="91440" bIns="45720" rtlCol="0" anchor="t">
             <a:normAutofit fontScale="92500" lnSpcReduction="10000"/>
           </a:bodyPr>
           <a:lstStyle/>
           <a:p>
             <a:r>
               <a:rPr lang="en-US" dirty="0"/>
-              <a:t>Applicable Scenarios: Edge-Cloud</a:t>
-            </a:r>
-          </a:p>
-          <a:p>
-            <a:r>
-              <a:rPr lang="en-US" b="1" dirty="0"/>
-              <a:t>Neurosurgeon</a:t>
-            </a:r>
-            <a:r>
-              <a:rPr lang="en-US" dirty="0"/>
-              <a:t>(ASPLOS’17)[1]: </a:t>
-            </a:r>
-          </a:p>
-          <a:p>
-            <a:pPr lvl="1"/>
-            <a:r>
-              <a:rPr lang="en-US" dirty="0"/>
-              <a:t>Analyze DNN Architecture-&gt; Predict Layer Performance-&gt;Evaluate Partition Points-&gt;Execute Partitioned DNN</a:t>
-            </a:r>
-          </a:p>
-          <a:p>
-            <a:r>
-              <a:rPr lang="en-US" b="1" dirty="0"/>
-              <a:t>DADS</a:t>
-            </a:r>
-            <a:r>
-              <a:rPr lang="en-US" dirty="0"/>
-              <a:t>(INFOCOM’19)[2]: Min-Cut</a:t>
-            </a:r>
-          </a:p>
-          <a:p>
-            <a:r>
-              <a:rPr lang="en-US" b="1" dirty="0"/>
-              <a:t>QDMP</a:t>
-            </a:r>
-            <a:r>
-              <a:rPr lang="en-US" dirty="0"/>
-              <a:t>(IMWUT’20)[3]: Per layer latency is calculated by subtracting the maximum latency of all precursor layers from the total latency up to the current layer.</a:t>
-            </a:r>
-          </a:p>
-          <a:p>
-            <a:r>
-              <a:rPr lang="en-US" b="1" dirty="0"/>
-              <a:t>Auto-Split</a:t>
-            </a:r>
-            <a:r>
-              <a:rPr lang="en-US" dirty="0"/>
-              <a:t>(KDD’21 ADS Track)[4]: Graph Optimization(Layer folding, layer fusion)</a:t>
-            </a:r>
-          </a:p>
-          <a:p>
-            <a:pPr lvl="1"/>
+              <a:t>Determination of assignment(layer-device)</a:t>
+            </a:r>
+            <a:r>
+              <a:rPr lang="en-US" dirty="0">
+                <a:sym typeface="Wingdings" panose="05000000000000000000" pitchFamily="2" charset="2"/>
+              </a:rPr>
+              <a:t>: </a:t>
+            </a:r>
+            <a:r>
+              <a:rPr lang="en-US" dirty="0">
+                <a:solidFill>
+                  <a:srgbClr val="FF0000"/>
+                </a:solidFill>
+                <a:sym typeface="Wingdings" panose="05000000000000000000" pitchFamily="2" charset="2"/>
+              </a:rPr>
+              <a:t>(search problem</a:t>
+            </a:r>
+            <a:r>
+              <a:rPr lang="en-US" dirty="0">
+                <a:sym typeface="Wingdings" panose="05000000000000000000" pitchFamily="2" charset="2"/>
+              </a:rPr>
+              <a:t>)</a:t>
+            </a:r>
             <a:endParaRPr lang="en-US" dirty="0"/>
           </a:p>
-        </p:txBody>
-      </p:sp>
-      <p:pic>
-        <p:nvPicPr>
-          <p:cNvPr id="11" name="Picture 10">
-            <a:extLst>
-              <a:ext uri="{FF2B5EF4-FFF2-40B4-BE49-F238E27FC236}">
-                <a16:creationId xmlns:a16="http://schemas.microsoft.com/office/drawing/2014/main" id="{CEBF5F02-34DF-C847-EDF9-38FFD97C4653}"/>
-              </a:ext>
-            </a:extLst>
-          </p:cNvPr>
-          <p:cNvPicPr>
-            <a:picLocks noChangeAspect="1"/>
-          </p:cNvPicPr>
-          <p:nvPr/>
-        </p:nvPicPr>
-        <p:blipFill>
-          <a:blip r:embed="rId4"/>
-          <a:stretch>
-            <a:fillRect/>
-          </a:stretch>
-        </p:blipFill>
-        <p:spPr>
-          <a:xfrm>
-            <a:off x="7414073" y="1790213"/>
-            <a:ext cx="4362077" cy="2855952"/>
-          </a:xfrm>
-          <a:prstGeom prst="rect">
-            <a:avLst/>
-          </a:prstGeom>
-        </p:spPr>
-      </p:pic>
+          <a:p>
+            <a:pPr lvl="1">
+              <a:buFont typeface="Courier New" panose="020B0604020202020204" pitchFamily="34" charset="0"/>
+              <a:buChar char="o"/>
+            </a:pPr>
+            <a:r>
+              <a:rPr lang="en-US" dirty="0"/>
+              <a:t>Input(network, model)</a:t>
+            </a:r>
+          </a:p>
+          <a:p>
+            <a:pPr lvl="2">
+              <a:buFont typeface="Wingdings" panose="020B0604020202020204" pitchFamily="34" charset="0"/>
+              <a:buChar char="§"/>
+            </a:pPr>
+            <a:r>
+              <a:rPr lang="en-US" dirty="0"/>
+              <a:t>Network(nodes,)</a:t>
+            </a:r>
+          </a:p>
+          <a:p>
+            <a:pPr lvl="2">
+              <a:buFont typeface="Wingdings" panose="020B0604020202020204" pitchFamily="34" charset="0"/>
+              <a:buChar char="§"/>
+            </a:pPr>
+            <a:r>
+              <a:rPr lang="en-US" dirty="0"/>
+              <a:t>Model(layers,) </a:t>
+            </a:r>
+          </a:p>
+          <a:p>
+            <a:pPr lvl="1">
+              <a:buFont typeface="Courier New" panose="020B0604020202020204" pitchFamily="34" charset="0"/>
+              <a:buChar char="o"/>
+            </a:pPr>
+            <a:r>
+              <a:rPr lang="en-US" dirty="0"/>
+              <a:t>Output(assignment)</a:t>
+            </a:r>
+          </a:p>
+          <a:p>
+            <a:r>
+              <a:rPr lang="en-US" dirty="0"/>
+              <a:t>Model partition:</a:t>
+            </a:r>
+          </a:p>
+          <a:p>
+            <a:pPr lvl="1">
+              <a:buFont typeface="Courier New" panose="020B0604020202020204" pitchFamily="34" charset="0"/>
+              <a:buChar char="o"/>
+            </a:pPr>
+            <a:r>
+              <a:rPr lang="en-US" dirty="0"/>
+              <a:t>Input(assignment, model)</a:t>
+            </a:r>
+          </a:p>
+          <a:p>
+            <a:pPr lvl="1">
+              <a:buFont typeface="Courier New" panose="020B0604020202020204" pitchFamily="34" charset="0"/>
+              <a:buChar char="o"/>
+            </a:pPr>
+            <a:r>
+              <a:rPr lang="en-US" dirty="0"/>
+              <a:t>Output(model segment 1, model segment 2)</a:t>
+            </a:r>
+          </a:p>
+          <a:p>
+            <a:r>
+              <a:rPr lang="en-US" dirty="0"/>
+              <a:t>Model deployment:</a:t>
+            </a:r>
+          </a:p>
+          <a:p>
+            <a:pPr lvl="1">
+              <a:buFont typeface="Courier New" panose="020B0604020202020204" pitchFamily="34" charset="0"/>
+              <a:buChar char="o"/>
+            </a:pPr>
+            <a:r>
+              <a:rPr lang="en-US" dirty="0"/>
+              <a:t>Model segment 1 -&gt; MCU 1</a:t>
+            </a:r>
+          </a:p>
+          <a:p>
+            <a:pPr lvl="1">
+              <a:buFont typeface="Courier New" panose="020B0604020202020204" pitchFamily="34" charset="0"/>
+              <a:buChar char="o"/>
+            </a:pPr>
+            <a:r>
+              <a:rPr lang="en-US" dirty="0"/>
+              <a:t>Model segment 2 -&gt; MCU 2</a:t>
+            </a:r>
+          </a:p>
+          <a:p>
+            <a:pPr lvl="1">
+              <a:buFont typeface="Courier New" panose="020B0604020202020204" pitchFamily="34" charset="0"/>
+              <a:buChar char="o"/>
+            </a:pPr>
+            <a:r>
+              <a:rPr lang="en-US" dirty="0"/>
+              <a:t>……</a:t>
+            </a:r>
+          </a:p>
+          <a:p>
+            <a:endParaRPr lang="en-US" dirty="0"/>
+          </a:p>
+          <a:p>
+            <a:endParaRPr lang="en-US" dirty="0"/>
+          </a:p>
+        </p:txBody>
+      </p:sp>
     </p:spTree>
     <p:extLst>
       <p:ext uri="{BB962C8B-B14F-4D97-AF65-F5344CB8AC3E}">
-        <p14:creationId xmlns:p14="http://schemas.microsoft.com/office/powerpoint/2010/main" val="108957251"/>
+        <p14:creationId xmlns:p14="http://schemas.microsoft.com/office/powerpoint/2010/main" val="801084978"/>
       </p:ext>
     </p:extLst>
   </p:cSld>
@@ -9600,111 +10391,12 @@
           <a:chExt cx="0" cy="0"/>
         </a:xfrm>
       </p:grpSpPr>
-      <p:sp>
-        <p:nvSpPr>
-          <p:cNvPr id="2" name="Title 1">
-            <a:extLst>
-              <a:ext uri="{FF2B5EF4-FFF2-40B4-BE49-F238E27FC236}">
-                <a16:creationId xmlns:a16="http://schemas.microsoft.com/office/drawing/2014/main" id="{C9E3005D-E2B3-1DD9-23B0-99EECECCF198}"/>
-              </a:ext>
-            </a:extLst>
-          </p:cNvPr>
-          <p:cNvSpPr>
-            <a:spLocks noGrp="1"/>
-          </p:cNvSpPr>
-          <p:nvPr>
-            <p:ph type="title"/>
-          </p:nvPr>
-        </p:nvSpPr>
-        <p:spPr/>
-        <p:txBody>
-          <a:bodyPr>
-            <a:normAutofit/>
-          </a:bodyPr>
-          <a:lstStyle/>
-          <a:p>
-            <a:r>
-              <a:rPr lang="en-US" sz="4200" dirty="0"/>
-              <a:t>Inference Performance Predictor Existing Works</a:t>
-            </a:r>
-          </a:p>
-        </p:txBody>
-      </p:sp>
-      <p:sp>
-        <p:nvSpPr>
-          <p:cNvPr id="3" name="Content Placeholder 2">
-            <a:extLst>
-              <a:ext uri="{FF2B5EF4-FFF2-40B4-BE49-F238E27FC236}">
-                <a16:creationId xmlns:a16="http://schemas.microsoft.com/office/drawing/2014/main" id="{C8D0959C-AA11-B8DF-ECC0-5CED3B80B075}"/>
-              </a:ext>
-            </a:extLst>
-          </p:cNvPr>
-          <p:cNvSpPr>
-            <a:spLocks noGrp="1"/>
-          </p:cNvSpPr>
-          <p:nvPr>
-            <p:ph idx="1"/>
-          </p:nvPr>
-        </p:nvSpPr>
-        <p:spPr>
-          <a:xfrm>
-            <a:off x="762395" y="1868266"/>
-            <a:ext cx="10515600" cy="4351338"/>
-          </a:xfrm>
-        </p:spPr>
-        <p:txBody>
-          <a:bodyPr/>
-          <a:lstStyle/>
-          <a:p>
-            <a:r>
-              <a:rPr lang="en-US" dirty="0"/>
-              <a:t>LPM-TPU[1]</a:t>
-            </a:r>
-          </a:p>
-          <a:p>
-            <a:r>
-              <a:rPr lang="en-US" dirty="0"/>
-              <a:t>NP-NAS[2]</a:t>
-            </a:r>
-          </a:p>
-          <a:p>
-            <a:r>
-              <a:rPr lang="en-US" dirty="0"/>
-              <a:t>BRP-NAS (Eagle)[3]</a:t>
-            </a:r>
-          </a:p>
-          <a:p>
-            <a:r>
-              <a:rPr lang="en-US" altLang="zh-CN" dirty="0" err="1"/>
-              <a:t>n</a:t>
-            </a:r>
-            <a:r>
-              <a:rPr lang="en-US" dirty="0" err="1"/>
-              <a:t>n</a:t>
-            </a:r>
-            <a:r>
-              <a:rPr lang="en-US" dirty="0"/>
-              <a:t>-Meter[4]</a:t>
-            </a:r>
-          </a:p>
-          <a:p>
-            <a:r>
-              <a:rPr lang="en-US" dirty="0" err="1"/>
-              <a:t>PerfSAGE</a:t>
-            </a:r>
-            <a:r>
-              <a:rPr lang="en-US" dirty="0"/>
-              <a:t>[5]</a:t>
-            </a:r>
-          </a:p>
-        </p:txBody>
-      </p:sp>
       <p:pic>
         <p:nvPicPr>
           <p:cNvPr id="5" name="Picture 4">
             <a:extLst>
               <a:ext uri="{FF2B5EF4-FFF2-40B4-BE49-F238E27FC236}">
-                <a16:creationId xmlns:a16="http://schemas.microsoft.com/office/drawing/2014/main" id="{850737B8-7B70-58E5-5624-7604B3AD6A77}"/>
+                <a16:creationId xmlns:a16="http://schemas.microsoft.com/office/drawing/2014/main" id="{AEC0D26A-EF43-06BF-A6D5-771873938ABF}"/>
               </a:ext>
             </a:extLst>
           </p:cNvPr>
@@ -9721,20 +10413,135 @@
         </p:blipFill>
         <p:spPr>
           <a:xfrm>
-            <a:off x="4302581" y="4439341"/>
-            <a:ext cx="7288110" cy="2194113"/>
+            <a:off x="7049467" y="4543613"/>
+            <a:ext cx="4889211" cy="2106045"/>
           </a:xfrm>
           <a:prstGeom prst="rect">
             <a:avLst/>
           </a:prstGeom>
         </p:spPr>
       </p:pic>
+      <p:sp>
+        <p:nvSpPr>
+          <p:cNvPr id="2" name="Title 1">
+            <a:extLst>
+              <a:ext uri="{FF2B5EF4-FFF2-40B4-BE49-F238E27FC236}">
+                <a16:creationId xmlns:a16="http://schemas.microsoft.com/office/drawing/2014/main" id="{4860E9A2-BC0F-43EA-5D2B-A17EF4F0B643}"/>
+              </a:ext>
+            </a:extLst>
+          </p:cNvPr>
+          <p:cNvSpPr>
+            <a:spLocks noGrp="1"/>
+          </p:cNvSpPr>
+          <p:nvPr>
+            <p:ph type="title"/>
+          </p:nvPr>
+        </p:nvSpPr>
+        <p:spPr/>
+        <p:txBody>
+          <a:bodyPr/>
+          <a:lstStyle/>
+          <a:p>
+            <a:r>
+              <a:rPr lang="en-US"/>
+              <a:t>Model Partitioning Existing Works</a:t>
+            </a:r>
+            <a:endParaRPr lang="en-US" dirty="0"/>
+          </a:p>
+        </p:txBody>
+      </p:sp>
+      <p:sp>
+        <p:nvSpPr>
+          <p:cNvPr id="3" name="Content Placeholder 2">
+            <a:extLst>
+              <a:ext uri="{FF2B5EF4-FFF2-40B4-BE49-F238E27FC236}">
+                <a16:creationId xmlns:a16="http://schemas.microsoft.com/office/drawing/2014/main" id="{2F994F7F-58B6-B22D-A34F-EC6FEA2CBAAF}"/>
+              </a:ext>
+            </a:extLst>
+          </p:cNvPr>
+          <p:cNvSpPr>
+            <a:spLocks noGrp="1"/>
+          </p:cNvSpPr>
+          <p:nvPr>
+            <p:ph idx="1"/>
+          </p:nvPr>
+        </p:nvSpPr>
+        <p:spPr>
+          <a:xfrm>
+            <a:off x="838200" y="1690688"/>
+            <a:ext cx="6384792" cy="4594851"/>
+          </a:xfrm>
+        </p:spPr>
+        <p:txBody>
+          <a:bodyPr>
+            <a:normAutofit fontScale="92500" lnSpcReduction="10000"/>
+          </a:bodyPr>
+          <a:lstStyle/>
+          <a:p>
+            <a:r>
+              <a:rPr lang="en-US" dirty="0"/>
+              <a:t>Applicable Scenarios: Edge-Cloud</a:t>
+            </a:r>
+          </a:p>
+          <a:p>
+            <a:r>
+              <a:rPr lang="en-US" b="1" dirty="0"/>
+              <a:t>Neurosurgeon</a:t>
+            </a:r>
+            <a:r>
+              <a:rPr lang="en-US" dirty="0"/>
+              <a:t>(ASPLOS’17)[1]: </a:t>
+            </a:r>
+          </a:p>
+          <a:p>
+            <a:pPr lvl="1"/>
+            <a:r>
+              <a:rPr lang="en-US" dirty="0"/>
+              <a:t>Analyze DNN Architecture-&gt; Predict Layer Performance-&gt;Evaluate Partition Points-&gt;Execute Partitioned DNN</a:t>
+            </a:r>
+          </a:p>
+          <a:p>
+            <a:r>
+              <a:rPr lang="en-US" b="1" dirty="0"/>
+              <a:t>DADS</a:t>
+            </a:r>
+            <a:r>
+              <a:rPr lang="en-US" dirty="0"/>
+              <a:t>(INFOCOM’19)[2]: Min-Cut</a:t>
+            </a:r>
+          </a:p>
+          <a:p>
+            <a:r>
+              <a:rPr lang="en-US" b="1" dirty="0"/>
+              <a:t>QDMP</a:t>
+            </a:r>
+            <a:r>
+              <a:rPr lang="en-US" dirty="0"/>
+              <a:t>(IMWUT’20)[3]: Per layer latency is calculated by subtracting the maximum latency of all precursor layers from the total latency up to the current layer.</a:t>
+            </a:r>
+          </a:p>
+          <a:p>
+            <a:r>
+              <a:rPr lang="en-US" b="1" dirty="0"/>
+              <a:t>Auto-Split</a:t>
+            </a:r>
+            <a:r>
+              <a:rPr lang="en-US" dirty="0"/>
+              <a:t>(KDD’21 ADS Track)[4]: Graph Optimization(Layer folding, layer fusion)</a:t>
+            </a:r>
+          </a:p>
+          <a:p>
+            <a:pPr lvl="1"/>
+            <a:endParaRPr lang="en-US" dirty="0"/>
+          </a:p>
+        </p:txBody>
+      </p:sp>
       <p:pic>
         <p:nvPicPr>
-          <p:cNvPr id="7" name="Picture 6">
-            <a:extLst>
-              <a:ext uri="{FF2B5EF4-FFF2-40B4-BE49-F238E27FC236}">
-                <a16:creationId xmlns:a16="http://schemas.microsoft.com/office/drawing/2014/main" id="{3221AD1E-AD0C-6A1B-8F35-4F5D22C05C03}"/>
+          <p:cNvPr id="11" name="Picture 10">
+            <a:extLst>
+              <a:ext uri="{FF2B5EF4-FFF2-40B4-BE49-F238E27FC236}">
+                <a16:creationId xmlns:a16="http://schemas.microsoft.com/office/drawing/2014/main" id="{CEBF5F02-34DF-C847-EDF9-38FFD97C4653}"/>
               </a:ext>
             </a:extLst>
           </p:cNvPr>
@@ -9751,8 +10558,8 @@
         </p:blipFill>
         <p:spPr>
           <a:xfrm>
-            <a:off x="5405173" y="1454416"/>
-            <a:ext cx="5285331" cy="2755295"/>
+            <a:off x="7414073" y="1790213"/>
+            <a:ext cx="4362077" cy="2855952"/>
           </a:xfrm>
           <a:prstGeom prst="rect">
             <a:avLst/>
@@ -9762,7 +10569,7 @@
     </p:spTree>
     <p:extLst>
       <p:ext uri="{BB962C8B-B14F-4D97-AF65-F5344CB8AC3E}">
-        <p14:creationId xmlns:p14="http://schemas.microsoft.com/office/powerpoint/2010/main" val="3619413236"/>
+        <p14:creationId xmlns:p14="http://schemas.microsoft.com/office/powerpoint/2010/main" val="108957251"/>
       </p:ext>
     </p:extLst>
   </p:cSld>

--- a/micro-network-project.pptx
+++ b/micro-network-project.pptx
@@ -5,15 +5,15 @@
     <p:sldMasterId id="2147483648" r:id="rId1"/>
   </p:sldMasterIdLst>
   <p:notesMasterIdLst>
-    <p:notesMasterId r:id="rId21"/>
+    <p:notesMasterId r:id="rId23"/>
   </p:notesMasterIdLst>
   <p:sldIdLst>
     <p:sldId id="256" r:id="rId2"/>
-    <p:sldId id="262" r:id="rId3"/>
-    <p:sldId id="257" r:id="rId4"/>
-    <p:sldId id="261" r:id="rId5"/>
-    <p:sldId id="260" r:id="rId6"/>
-    <p:sldId id="313" r:id="rId7"/>
+    <p:sldId id="319" r:id="rId3"/>
+    <p:sldId id="262" r:id="rId4"/>
+    <p:sldId id="313" r:id="rId5"/>
+    <p:sldId id="261" r:id="rId6"/>
+    <p:sldId id="260" r:id="rId7"/>
     <p:sldId id="305" r:id="rId8"/>
     <p:sldId id="299" r:id="rId9"/>
     <p:sldId id="263" r:id="rId10"/>
@@ -27,6 +27,8 @@
     <p:sldId id="303" r:id="rId18"/>
     <p:sldId id="302" r:id="rId19"/>
     <p:sldId id="314" r:id="rId20"/>
+    <p:sldId id="315" r:id="rId21"/>
+    <p:sldId id="318" r:id="rId22"/>
   </p:sldIdLst>
   <p:sldSz cx="12192000" cy="6858000"/>
   <p:notesSz cx="6858000" cy="9144000"/>
@@ -215,7 +217,7 @@
           <a:p>
             <a:fld id="{555D5C1C-6798-4FBE-88F4-FFD1BF4E1875}" type="datetimeFigureOut">
               <a:rPr lang="en-US" smtClean="0"/>
-              <a:t>8/21/2024</a:t>
+              <a:t>8/23/2024</a:t>
             </a:fld>
             <a:endParaRPr lang="en-US"/>
           </a:p>
@@ -547,7 +549,7 @@
           <a:p>
             <a:fld id="{8040ADDC-8370-4EF6-9B0F-387196F75E7A}" type="slidenum">
               <a:rPr lang="en-US" smtClean="0"/>
-              <a:t>2</a:t>
+              <a:t>3</a:t>
             </a:fld>
             <a:endParaRPr lang="en-US"/>
           </a:p>
@@ -1227,24 +1229,704 @@
               <a:rPr lang="en-US" dirty="0"/>
               <a:t>[2]: </a:t>
             </a:r>
-          </a:p>
-          <a:p>
-            <a:r>
-              <a:rPr lang="en-US" dirty="0"/>
-              <a:t>[3]:</a:t>
-            </a:r>
-          </a:p>
-          <a:p>
-            <a:r>
-              <a:rPr lang="en-US" dirty="0"/>
-              <a:t>[4]:</a:t>
-            </a:r>
-          </a:p>
-          <a:p>
-            <a:r>
-              <a:rPr lang="en-US" dirty="0"/>
-              <a:t>[5]:</a:t>
-            </a:r>
+            <a:r>
+              <a:rPr lang="en-US" b="0" i="0" dirty="0">
+                <a:solidFill>
+                  <a:srgbClr val="222222"/>
+                </a:solidFill>
+                <a:effectLst/>
+                <a:highlight>
+                  <a:srgbClr val="FFFFFF"/>
+                </a:highlight>
+                <a:latin typeface="Arial" panose="020B0604020202020204" pitchFamily="34" charset="0"/>
+              </a:rPr>
+              <a:t>Wen, Wei, </a:t>
+            </a:r>
+            <a:r>
+              <a:rPr lang="en-US" b="0" i="0" dirty="0" err="1">
+                <a:solidFill>
+                  <a:srgbClr val="222222"/>
+                </a:solidFill>
+                <a:effectLst/>
+                <a:highlight>
+                  <a:srgbClr val="FFFFFF"/>
+                </a:highlight>
+                <a:latin typeface="Arial" panose="020B0604020202020204" pitchFamily="34" charset="0"/>
+              </a:rPr>
+              <a:t>Hanxiao</a:t>
+            </a:r>
+            <a:r>
+              <a:rPr lang="en-US" b="0" i="0" dirty="0">
+                <a:solidFill>
+                  <a:srgbClr val="222222"/>
+                </a:solidFill>
+                <a:effectLst/>
+                <a:highlight>
+                  <a:srgbClr val="FFFFFF"/>
+                </a:highlight>
+                <a:latin typeface="Arial" panose="020B0604020202020204" pitchFamily="34" charset="0"/>
+              </a:rPr>
+              <a:t> Liu, </a:t>
+            </a:r>
+            <a:r>
+              <a:rPr lang="en-US" b="0" i="0" dirty="0" err="1">
+                <a:solidFill>
+                  <a:srgbClr val="222222"/>
+                </a:solidFill>
+                <a:effectLst/>
+                <a:highlight>
+                  <a:srgbClr val="FFFFFF"/>
+                </a:highlight>
+                <a:latin typeface="Arial" panose="020B0604020202020204" pitchFamily="34" charset="0"/>
+              </a:rPr>
+              <a:t>Yiran</a:t>
+            </a:r>
+            <a:r>
+              <a:rPr lang="en-US" b="0" i="0" dirty="0">
+                <a:solidFill>
+                  <a:srgbClr val="222222"/>
+                </a:solidFill>
+                <a:effectLst/>
+                <a:highlight>
+                  <a:srgbClr val="FFFFFF"/>
+                </a:highlight>
+                <a:latin typeface="Arial" panose="020B0604020202020204" pitchFamily="34" charset="0"/>
+              </a:rPr>
+              <a:t> Chen, Hai Li, Gabriel Bender, and Pieter-Jan </a:t>
+            </a:r>
+            <a:r>
+              <a:rPr lang="en-US" b="0" i="0" dirty="0" err="1">
+                <a:solidFill>
+                  <a:srgbClr val="222222"/>
+                </a:solidFill>
+                <a:effectLst/>
+                <a:highlight>
+                  <a:srgbClr val="FFFFFF"/>
+                </a:highlight>
+                <a:latin typeface="Arial" panose="020B0604020202020204" pitchFamily="34" charset="0"/>
+              </a:rPr>
+              <a:t>Kindermans</a:t>
+            </a:r>
+            <a:r>
+              <a:rPr lang="en-US" b="0" i="0" dirty="0">
+                <a:solidFill>
+                  <a:srgbClr val="222222"/>
+                </a:solidFill>
+                <a:effectLst/>
+                <a:highlight>
+                  <a:srgbClr val="FFFFFF"/>
+                </a:highlight>
+                <a:latin typeface="Arial" panose="020B0604020202020204" pitchFamily="34" charset="0"/>
+              </a:rPr>
+              <a:t>. "Neural predictor for neural architecture search." In </a:t>
+            </a:r>
+            <a:r>
+              <a:rPr lang="en-US" b="0" i="1" dirty="0">
+                <a:solidFill>
+                  <a:srgbClr val="222222"/>
+                </a:solidFill>
+                <a:effectLst/>
+                <a:highlight>
+                  <a:srgbClr val="FFFFFF"/>
+                </a:highlight>
+                <a:latin typeface="Arial" panose="020B0604020202020204" pitchFamily="34" charset="0"/>
+              </a:rPr>
+              <a:t>European Conference on Computer Vision</a:t>
+            </a:r>
+            <a:r>
+              <a:rPr lang="en-US" b="0" i="0" dirty="0">
+                <a:solidFill>
+                  <a:srgbClr val="222222"/>
+                </a:solidFill>
+                <a:effectLst/>
+                <a:highlight>
+                  <a:srgbClr val="FFFFFF"/>
+                </a:highlight>
+                <a:latin typeface="Arial" panose="020B0604020202020204" pitchFamily="34" charset="0"/>
+              </a:rPr>
+              <a:t>, pp. 660-676. Cham: Springer International Publishing, 2020.</a:t>
+            </a:r>
+            <a:endParaRPr lang="en-US" dirty="0"/>
+          </a:p>
+          <a:p>
+            <a:r>
+              <a:rPr lang="en-US" dirty="0"/>
+              <a:t>[3]: </a:t>
+            </a:r>
+            <a:r>
+              <a:rPr lang="en-US" b="0" i="0" dirty="0" err="1">
+                <a:solidFill>
+                  <a:srgbClr val="222222"/>
+                </a:solidFill>
+                <a:effectLst/>
+                <a:highlight>
+                  <a:srgbClr val="FFFFFF"/>
+                </a:highlight>
+                <a:latin typeface="Arial" panose="020B0604020202020204" pitchFamily="34" charset="0"/>
+              </a:rPr>
+              <a:t>Dudziak</a:t>
+            </a:r>
+            <a:r>
+              <a:rPr lang="en-US" b="0" i="0" dirty="0">
+                <a:solidFill>
+                  <a:srgbClr val="222222"/>
+                </a:solidFill>
+                <a:effectLst/>
+                <a:highlight>
+                  <a:srgbClr val="FFFFFF"/>
+                </a:highlight>
+                <a:latin typeface="Arial" panose="020B0604020202020204" pitchFamily="34" charset="0"/>
+              </a:rPr>
+              <a:t>, Lukasz, Thomas Chau, Mohamed Abdelfattah, </a:t>
+            </a:r>
+            <a:r>
+              <a:rPr lang="en-US" b="0" i="0" dirty="0" err="1">
+                <a:solidFill>
+                  <a:srgbClr val="222222"/>
+                </a:solidFill>
+                <a:effectLst/>
+                <a:highlight>
+                  <a:srgbClr val="FFFFFF"/>
+                </a:highlight>
+                <a:latin typeface="Arial" panose="020B0604020202020204" pitchFamily="34" charset="0"/>
+              </a:rPr>
+              <a:t>Royson</a:t>
+            </a:r>
+            <a:r>
+              <a:rPr lang="en-US" b="0" i="0" dirty="0">
+                <a:solidFill>
+                  <a:srgbClr val="222222"/>
+                </a:solidFill>
+                <a:effectLst/>
+                <a:highlight>
+                  <a:srgbClr val="FFFFFF"/>
+                </a:highlight>
+                <a:latin typeface="Arial" panose="020B0604020202020204" pitchFamily="34" charset="0"/>
+              </a:rPr>
+              <a:t> Lee, </a:t>
+            </a:r>
+            <a:r>
+              <a:rPr lang="en-US" b="0" i="0" dirty="0" err="1">
+                <a:solidFill>
+                  <a:srgbClr val="222222"/>
+                </a:solidFill>
+                <a:effectLst/>
+                <a:highlight>
+                  <a:srgbClr val="FFFFFF"/>
+                </a:highlight>
+                <a:latin typeface="Arial" panose="020B0604020202020204" pitchFamily="34" charset="0"/>
+              </a:rPr>
+              <a:t>Hyeji</a:t>
+            </a:r>
+            <a:r>
+              <a:rPr lang="en-US" b="0" i="0" dirty="0">
+                <a:solidFill>
+                  <a:srgbClr val="222222"/>
+                </a:solidFill>
+                <a:effectLst/>
+                <a:highlight>
+                  <a:srgbClr val="FFFFFF"/>
+                </a:highlight>
+                <a:latin typeface="Arial" panose="020B0604020202020204" pitchFamily="34" charset="0"/>
+              </a:rPr>
+              <a:t> Kim, and Nicholas Lane. "</a:t>
+            </a:r>
+            <a:r>
+              <a:rPr lang="en-US" b="0" i="0" dirty="0" err="1">
+                <a:solidFill>
+                  <a:srgbClr val="222222"/>
+                </a:solidFill>
+                <a:effectLst/>
+                <a:highlight>
+                  <a:srgbClr val="FFFFFF"/>
+                </a:highlight>
+                <a:latin typeface="Arial" panose="020B0604020202020204" pitchFamily="34" charset="0"/>
+              </a:rPr>
+              <a:t>Brp-nas</a:t>
+            </a:r>
+            <a:r>
+              <a:rPr lang="en-US" b="0" i="0" dirty="0">
+                <a:solidFill>
+                  <a:srgbClr val="222222"/>
+                </a:solidFill>
+                <a:effectLst/>
+                <a:highlight>
+                  <a:srgbClr val="FFFFFF"/>
+                </a:highlight>
+                <a:latin typeface="Arial" panose="020B0604020202020204" pitchFamily="34" charset="0"/>
+              </a:rPr>
+              <a:t>: Prediction-based </a:t>
+            </a:r>
+            <a:r>
+              <a:rPr lang="en-US" b="0" i="0" dirty="0" err="1">
+                <a:solidFill>
+                  <a:srgbClr val="222222"/>
+                </a:solidFill>
+                <a:effectLst/>
+                <a:highlight>
+                  <a:srgbClr val="FFFFFF"/>
+                </a:highlight>
+                <a:latin typeface="Arial" panose="020B0604020202020204" pitchFamily="34" charset="0"/>
+              </a:rPr>
+              <a:t>nas</a:t>
+            </a:r>
+            <a:r>
+              <a:rPr lang="en-US" b="0" i="0" dirty="0">
+                <a:solidFill>
+                  <a:srgbClr val="222222"/>
+                </a:solidFill>
+                <a:effectLst/>
+                <a:highlight>
+                  <a:srgbClr val="FFFFFF"/>
+                </a:highlight>
+                <a:latin typeface="Arial" panose="020B0604020202020204" pitchFamily="34" charset="0"/>
+              </a:rPr>
+              <a:t> using </a:t>
+            </a:r>
+            <a:r>
+              <a:rPr lang="en-US" b="0" i="0" dirty="0" err="1">
+                <a:solidFill>
+                  <a:srgbClr val="222222"/>
+                </a:solidFill>
+                <a:effectLst/>
+                <a:highlight>
+                  <a:srgbClr val="FFFFFF"/>
+                </a:highlight>
+                <a:latin typeface="Arial" panose="020B0604020202020204" pitchFamily="34" charset="0"/>
+              </a:rPr>
+              <a:t>gcns</a:t>
+            </a:r>
+            <a:r>
+              <a:rPr lang="en-US" b="0" i="0" dirty="0">
+                <a:solidFill>
+                  <a:srgbClr val="222222"/>
+                </a:solidFill>
+                <a:effectLst/>
+                <a:highlight>
+                  <a:srgbClr val="FFFFFF"/>
+                </a:highlight>
+                <a:latin typeface="Arial" panose="020B0604020202020204" pitchFamily="34" charset="0"/>
+              </a:rPr>
+              <a:t>." </a:t>
+            </a:r>
+            <a:r>
+              <a:rPr lang="en-US" b="0" i="1" dirty="0">
+                <a:solidFill>
+                  <a:srgbClr val="222222"/>
+                </a:solidFill>
+                <a:effectLst/>
+                <a:highlight>
+                  <a:srgbClr val="FFFFFF"/>
+                </a:highlight>
+                <a:latin typeface="Arial" panose="020B0604020202020204" pitchFamily="34" charset="0"/>
+              </a:rPr>
+              <a:t>Advances in Neural Information Processing Systems</a:t>
+            </a:r>
+            <a:r>
+              <a:rPr lang="en-US" b="0" i="0" dirty="0">
+                <a:solidFill>
+                  <a:srgbClr val="222222"/>
+                </a:solidFill>
+                <a:effectLst/>
+                <a:highlight>
+                  <a:srgbClr val="FFFFFF"/>
+                </a:highlight>
+                <a:latin typeface="Arial" panose="020B0604020202020204" pitchFamily="34" charset="0"/>
+              </a:rPr>
+              <a:t> 33 (2020): 10480-10490.</a:t>
+            </a:r>
+            <a:endParaRPr lang="en-US" dirty="0"/>
+          </a:p>
+          <a:p>
+            <a:r>
+              <a:rPr lang="en-US" dirty="0"/>
+              <a:t>[4]: </a:t>
+            </a:r>
+            <a:r>
+              <a:rPr lang="en-US" b="0" i="0" dirty="0">
+                <a:solidFill>
+                  <a:srgbClr val="222222"/>
+                </a:solidFill>
+                <a:effectLst/>
+                <a:highlight>
+                  <a:srgbClr val="FFFFFF"/>
+                </a:highlight>
+                <a:latin typeface="Arial" panose="020B0604020202020204" pitchFamily="34" charset="0"/>
+              </a:rPr>
+              <a:t>Zhang, Li </a:t>
+            </a:r>
+            <a:r>
+              <a:rPr lang="en-US" b="0" i="0" dirty="0" err="1">
+                <a:solidFill>
+                  <a:srgbClr val="222222"/>
+                </a:solidFill>
+                <a:effectLst/>
+                <a:highlight>
+                  <a:srgbClr val="FFFFFF"/>
+                </a:highlight>
+                <a:latin typeface="Arial" panose="020B0604020202020204" pitchFamily="34" charset="0"/>
+              </a:rPr>
+              <a:t>Lyna</a:t>
+            </a:r>
+            <a:r>
+              <a:rPr lang="en-US" b="0" i="0" dirty="0">
+                <a:solidFill>
+                  <a:srgbClr val="222222"/>
+                </a:solidFill>
+                <a:effectLst/>
+                <a:highlight>
+                  <a:srgbClr val="FFFFFF"/>
+                </a:highlight>
+                <a:latin typeface="Arial" panose="020B0604020202020204" pitchFamily="34" charset="0"/>
+              </a:rPr>
+              <a:t>, </a:t>
+            </a:r>
+            <a:r>
+              <a:rPr lang="en-US" b="0" i="0" dirty="0" err="1">
+                <a:solidFill>
+                  <a:srgbClr val="222222"/>
+                </a:solidFill>
+                <a:effectLst/>
+                <a:highlight>
+                  <a:srgbClr val="FFFFFF"/>
+                </a:highlight>
+                <a:latin typeface="Arial" panose="020B0604020202020204" pitchFamily="34" charset="0"/>
+              </a:rPr>
+              <a:t>Shihao</a:t>
+            </a:r>
+            <a:r>
+              <a:rPr lang="en-US" b="0" i="0" dirty="0">
+                <a:solidFill>
+                  <a:srgbClr val="222222"/>
+                </a:solidFill>
+                <a:effectLst/>
+                <a:highlight>
+                  <a:srgbClr val="FFFFFF"/>
+                </a:highlight>
+                <a:latin typeface="Arial" panose="020B0604020202020204" pitchFamily="34" charset="0"/>
+              </a:rPr>
+              <a:t> Han, Jianyu Wei, </a:t>
+            </a:r>
+            <a:r>
+              <a:rPr lang="en-US" b="0" i="0" dirty="0" err="1">
+                <a:solidFill>
+                  <a:srgbClr val="222222"/>
+                </a:solidFill>
+                <a:effectLst/>
+                <a:highlight>
+                  <a:srgbClr val="FFFFFF"/>
+                </a:highlight>
+                <a:latin typeface="Arial" panose="020B0604020202020204" pitchFamily="34" charset="0"/>
+              </a:rPr>
+              <a:t>Ningxin</a:t>
+            </a:r>
+            <a:r>
+              <a:rPr lang="en-US" b="0" i="0" dirty="0">
+                <a:solidFill>
+                  <a:srgbClr val="222222"/>
+                </a:solidFill>
+                <a:effectLst/>
+                <a:highlight>
+                  <a:srgbClr val="FFFFFF"/>
+                </a:highlight>
+                <a:latin typeface="Arial" panose="020B0604020202020204" pitchFamily="34" charset="0"/>
+              </a:rPr>
+              <a:t> Zheng, Ting Cao, </a:t>
+            </a:r>
+            <a:r>
+              <a:rPr lang="en-US" b="0" i="0" dirty="0" err="1">
+                <a:solidFill>
+                  <a:srgbClr val="222222"/>
+                </a:solidFill>
+                <a:effectLst/>
+                <a:highlight>
+                  <a:srgbClr val="FFFFFF"/>
+                </a:highlight>
+                <a:latin typeface="Arial" panose="020B0604020202020204" pitchFamily="34" charset="0"/>
+              </a:rPr>
+              <a:t>Yuqing</a:t>
+            </a:r>
+            <a:r>
+              <a:rPr lang="en-US" b="0" i="0" dirty="0">
+                <a:solidFill>
+                  <a:srgbClr val="222222"/>
+                </a:solidFill>
+                <a:effectLst/>
+                <a:highlight>
+                  <a:srgbClr val="FFFFFF"/>
+                </a:highlight>
+                <a:latin typeface="Arial" panose="020B0604020202020204" pitchFamily="34" charset="0"/>
+              </a:rPr>
+              <a:t> Yang, and </a:t>
+            </a:r>
+            <a:r>
+              <a:rPr lang="en-US" b="0" i="0" dirty="0" err="1">
+                <a:solidFill>
+                  <a:srgbClr val="222222"/>
+                </a:solidFill>
+                <a:effectLst/>
+                <a:highlight>
+                  <a:srgbClr val="FFFFFF"/>
+                </a:highlight>
+                <a:latin typeface="Arial" panose="020B0604020202020204" pitchFamily="34" charset="0"/>
+              </a:rPr>
+              <a:t>Yunxin</a:t>
+            </a:r>
+            <a:r>
+              <a:rPr lang="en-US" b="0" i="0" dirty="0">
+                <a:solidFill>
+                  <a:srgbClr val="222222"/>
+                </a:solidFill>
+                <a:effectLst/>
+                <a:highlight>
+                  <a:srgbClr val="FFFFFF"/>
+                </a:highlight>
+                <a:latin typeface="Arial" panose="020B0604020202020204" pitchFamily="34" charset="0"/>
+              </a:rPr>
+              <a:t> Liu. "</a:t>
+            </a:r>
+            <a:r>
+              <a:rPr lang="en-US" b="0" i="0" dirty="0" err="1">
+                <a:solidFill>
+                  <a:srgbClr val="222222"/>
+                </a:solidFill>
+                <a:effectLst/>
+                <a:highlight>
+                  <a:srgbClr val="FFFFFF"/>
+                </a:highlight>
+                <a:latin typeface="Arial" panose="020B0604020202020204" pitchFamily="34" charset="0"/>
+              </a:rPr>
+              <a:t>Nn</a:t>
+            </a:r>
+            <a:r>
+              <a:rPr lang="en-US" b="0" i="0" dirty="0">
+                <a:solidFill>
+                  <a:srgbClr val="222222"/>
+                </a:solidFill>
+                <a:effectLst/>
+                <a:highlight>
+                  <a:srgbClr val="FFFFFF"/>
+                </a:highlight>
+                <a:latin typeface="Arial" panose="020B0604020202020204" pitchFamily="34" charset="0"/>
+              </a:rPr>
+              <a:t>-meter: Towards accurate latency prediction of deep-learning model inference on diverse edge devices." In </a:t>
+            </a:r>
+            <a:r>
+              <a:rPr lang="en-US" b="0" i="1" dirty="0">
+                <a:solidFill>
+                  <a:srgbClr val="222222"/>
+                </a:solidFill>
+                <a:effectLst/>
+                <a:highlight>
+                  <a:srgbClr val="FFFFFF"/>
+                </a:highlight>
+                <a:latin typeface="Arial" panose="020B0604020202020204" pitchFamily="34" charset="0"/>
+              </a:rPr>
+              <a:t>Proceedings of the 19th Annual International Conference on Mobile Systems, Applications, and Services</a:t>
+            </a:r>
+            <a:r>
+              <a:rPr lang="en-US" b="0" i="0" dirty="0">
+                <a:solidFill>
+                  <a:srgbClr val="222222"/>
+                </a:solidFill>
+                <a:effectLst/>
+                <a:highlight>
+                  <a:srgbClr val="FFFFFF"/>
+                </a:highlight>
+                <a:latin typeface="Arial" panose="020B0604020202020204" pitchFamily="34" charset="0"/>
+              </a:rPr>
+              <a:t>, pp. 81-93. 2021.</a:t>
+            </a:r>
+            <a:endParaRPr lang="en-US" dirty="0"/>
+          </a:p>
+          <a:p>
+            <a:r>
+              <a:rPr lang="en-US" dirty="0"/>
+              <a:t>[5]: </a:t>
+            </a:r>
+            <a:r>
+              <a:rPr lang="en-US" b="0" i="0" dirty="0">
+                <a:solidFill>
+                  <a:srgbClr val="222222"/>
+                </a:solidFill>
+                <a:effectLst/>
+                <a:highlight>
+                  <a:srgbClr val="FFFFFF"/>
+                </a:highlight>
+                <a:latin typeface="Arial" panose="020B0604020202020204" pitchFamily="34" charset="0"/>
+              </a:rPr>
+              <a:t>Chai, Yuji, Devashree Tripathy, </a:t>
+            </a:r>
+            <a:r>
+              <a:rPr lang="en-US" b="0" i="0" dirty="0" err="1">
+                <a:solidFill>
+                  <a:srgbClr val="222222"/>
+                </a:solidFill>
+                <a:effectLst/>
+                <a:highlight>
+                  <a:srgbClr val="FFFFFF"/>
+                </a:highlight>
+                <a:latin typeface="Arial" panose="020B0604020202020204" pitchFamily="34" charset="0"/>
+              </a:rPr>
+              <a:t>Chuteng</a:t>
+            </a:r>
+            <a:r>
+              <a:rPr lang="en-US" b="0" i="0" dirty="0">
+                <a:solidFill>
+                  <a:srgbClr val="222222"/>
+                </a:solidFill>
+                <a:effectLst/>
+                <a:highlight>
+                  <a:srgbClr val="FFFFFF"/>
+                </a:highlight>
+                <a:latin typeface="Arial" panose="020B0604020202020204" pitchFamily="34" charset="0"/>
+              </a:rPr>
+              <a:t> Zhou, </a:t>
+            </a:r>
+            <a:r>
+              <a:rPr lang="en-US" b="0" i="0" dirty="0" err="1">
+                <a:solidFill>
+                  <a:srgbClr val="222222"/>
+                </a:solidFill>
+                <a:effectLst/>
+                <a:highlight>
+                  <a:srgbClr val="FFFFFF"/>
+                </a:highlight>
+                <a:latin typeface="Arial" panose="020B0604020202020204" pitchFamily="34" charset="0"/>
+              </a:rPr>
+              <a:t>Dibakar</a:t>
+            </a:r>
+            <a:r>
+              <a:rPr lang="en-US" b="0" i="0" dirty="0">
+                <a:solidFill>
+                  <a:srgbClr val="222222"/>
+                </a:solidFill>
+                <a:effectLst/>
+                <a:highlight>
+                  <a:srgbClr val="FFFFFF"/>
+                </a:highlight>
+                <a:latin typeface="Arial" panose="020B0604020202020204" pitchFamily="34" charset="0"/>
+              </a:rPr>
+              <a:t> </a:t>
+            </a:r>
+            <a:r>
+              <a:rPr lang="en-US" b="0" i="0" dirty="0" err="1">
+                <a:solidFill>
+                  <a:srgbClr val="222222"/>
+                </a:solidFill>
+                <a:effectLst/>
+                <a:highlight>
+                  <a:srgbClr val="FFFFFF"/>
+                </a:highlight>
+                <a:latin typeface="Arial" panose="020B0604020202020204" pitchFamily="34" charset="0"/>
+              </a:rPr>
+              <a:t>Gope</a:t>
+            </a:r>
+            <a:r>
+              <a:rPr lang="en-US" b="0" i="0" dirty="0">
+                <a:solidFill>
+                  <a:srgbClr val="222222"/>
+                </a:solidFill>
+                <a:effectLst/>
+                <a:highlight>
+                  <a:srgbClr val="FFFFFF"/>
+                </a:highlight>
+                <a:latin typeface="Arial" panose="020B0604020202020204" pitchFamily="34" charset="0"/>
+              </a:rPr>
+              <a:t>, Igor Fedorov, Ramon Matas, David Brooks, Gu-Yeon Wei, and Paul </a:t>
+            </a:r>
+            <a:r>
+              <a:rPr lang="en-US" b="0" i="0" dirty="0" err="1">
+                <a:solidFill>
+                  <a:srgbClr val="222222"/>
+                </a:solidFill>
+                <a:effectLst/>
+                <a:highlight>
+                  <a:srgbClr val="FFFFFF"/>
+                </a:highlight>
+                <a:latin typeface="Arial" panose="020B0604020202020204" pitchFamily="34" charset="0"/>
+              </a:rPr>
+              <a:t>Whatmough</a:t>
+            </a:r>
+            <a:r>
+              <a:rPr lang="en-US" b="0" i="0" dirty="0">
+                <a:solidFill>
+                  <a:srgbClr val="222222"/>
+                </a:solidFill>
+                <a:effectLst/>
+                <a:highlight>
+                  <a:srgbClr val="FFFFFF"/>
+                </a:highlight>
+                <a:latin typeface="Arial" panose="020B0604020202020204" pitchFamily="34" charset="0"/>
+              </a:rPr>
+              <a:t>. "</a:t>
+            </a:r>
+            <a:r>
+              <a:rPr lang="en-US" b="0" i="0" dirty="0" err="1">
+                <a:solidFill>
+                  <a:srgbClr val="222222"/>
+                </a:solidFill>
+                <a:effectLst/>
+                <a:highlight>
+                  <a:srgbClr val="FFFFFF"/>
+                </a:highlight>
+                <a:latin typeface="Arial" panose="020B0604020202020204" pitchFamily="34" charset="0"/>
+              </a:rPr>
+              <a:t>Perfsage</a:t>
+            </a:r>
+            <a:r>
+              <a:rPr lang="en-US" b="0" i="0" dirty="0">
+                <a:solidFill>
+                  <a:srgbClr val="222222"/>
+                </a:solidFill>
+                <a:effectLst/>
+                <a:highlight>
+                  <a:srgbClr val="FFFFFF"/>
+                </a:highlight>
+                <a:latin typeface="Arial" panose="020B0604020202020204" pitchFamily="34" charset="0"/>
+              </a:rPr>
+              <a:t>: Generalized inference performance predictor for arbitrary deep learning models on edge devices." </a:t>
+            </a:r>
+            <a:r>
+              <a:rPr lang="en-US" b="0" i="1" dirty="0" err="1">
+                <a:solidFill>
+                  <a:srgbClr val="222222"/>
+                </a:solidFill>
+                <a:effectLst/>
+                <a:highlight>
+                  <a:srgbClr val="FFFFFF"/>
+                </a:highlight>
+                <a:latin typeface="Arial" panose="020B0604020202020204" pitchFamily="34" charset="0"/>
+              </a:rPr>
+              <a:t>arXiv</a:t>
+            </a:r>
+            <a:r>
+              <a:rPr lang="en-US" b="0" i="1" dirty="0">
+                <a:solidFill>
+                  <a:srgbClr val="222222"/>
+                </a:solidFill>
+                <a:effectLst/>
+                <a:highlight>
+                  <a:srgbClr val="FFFFFF"/>
+                </a:highlight>
+                <a:latin typeface="Arial" panose="020B0604020202020204" pitchFamily="34" charset="0"/>
+              </a:rPr>
+              <a:t> preprint arXiv:2301.10999</a:t>
+            </a:r>
+            <a:r>
+              <a:rPr lang="en-US" b="0" i="0" dirty="0">
+                <a:solidFill>
+                  <a:srgbClr val="222222"/>
+                </a:solidFill>
+                <a:effectLst/>
+                <a:highlight>
+                  <a:srgbClr val="FFFFFF"/>
+                </a:highlight>
+                <a:latin typeface="Arial" panose="020B0604020202020204" pitchFamily="34" charset="0"/>
+              </a:rPr>
+              <a:t> (2023).</a:t>
+            </a:r>
+            <a:endParaRPr lang="en-US" dirty="0"/>
           </a:p>
         </p:txBody>
       </p:sp>
@@ -1719,6 +2401,526 @@
           <a:bodyPr/>
           <a:lstStyle/>
           <a:p>
+            <a:r>
+              <a:rPr lang="en-US" dirty="0"/>
+              <a:t>[1]: </a:t>
+            </a:r>
+            <a:r>
+              <a:rPr lang="en-US" b="0" i="0" dirty="0">
+                <a:solidFill>
+                  <a:srgbClr val="222222"/>
+                </a:solidFill>
+                <a:effectLst/>
+                <a:highlight>
+                  <a:srgbClr val="FFFFFF"/>
+                </a:highlight>
+                <a:latin typeface="Arial" panose="020B0604020202020204" pitchFamily="34" charset="0"/>
+              </a:rPr>
+              <a:t>Banbury, C., Zhou, C., Fedorov, I., Matas, R., </a:t>
+            </a:r>
+            <a:r>
+              <a:rPr lang="en-US" b="0" i="0" dirty="0" err="1">
+                <a:solidFill>
+                  <a:srgbClr val="222222"/>
+                </a:solidFill>
+                <a:effectLst/>
+                <a:highlight>
+                  <a:srgbClr val="FFFFFF"/>
+                </a:highlight>
+                <a:latin typeface="Arial" panose="020B0604020202020204" pitchFamily="34" charset="0"/>
+              </a:rPr>
+              <a:t>Thakker</a:t>
+            </a:r>
+            <a:r>
+              <a:rPr lang="en-US" b="0" i="0" dirty="0">
+                <a:solidFill>
+                  <a:srgbClr val="222222"/>
+                </a:solidFill>
+                <a:effectLst/>
+                <a:highlight>
+                  <a:srgbClr val="FFFFFF"/>
+                </a:highlight>
+                <a:latin typeface="Arial" panose="020B0604020202020204" pitchFamily="34" charset="0"/>
+              </a:rPr>
+              <a:t>, U., </a:t>
+            </a:r>
+            <a:r>
+              <a:rPr lang="en-US" b="0" i="0" dirty="0" err="1">
+                <a:solidFill>
+                  <a:srgbClr val="222222"/>
+                </a:solidFill>
+                <a:effectLst/>
+                <a:highlight>
+                  <a:srgbClr val="FFFFFF"/>
+                </a:highlight>
+                <a:latin typeface="Arial" panose="020B0604020202020204" pitchFamily="34" charset="0"/>
+              </a:rPr>
+              <a:t>Gope</a:t>
+            </a:r>
+            <a:r>
+              <a:rPr lang="en-US" b="0" i="0" dirty="0">
+                <a:solidFill>
+                  <a:srgbClr val="222222"/>
+                </a:solidFill>
+                <a:effectLst/>
+                <a:highlight>
+                  <a:srgbClr val="FFFFFF"/>
+                </a:highlight>
+                <a:latin typeface="Arial" panose="020B0604020202020204" pitchFamily="34" charset="0"/>
+              </a:rPr>
+              <a:t>, D., ... &amp; </a:t>
+            </a:r>
+            <a:r>
+              <a:rPr lang="en-US" b="0" i="0" dirty="0" err="1">
+                <a:solidFill>
+                  <a:srgbClr val="222222"/>
+                </a:solidFill>
+                <a:effectLst/>
+                <a:highlight>
+                  <a:srgbClr val="FFFFFF"/>
+                </a:highlight>
+                <a:latin typeface="Arial" panose="020B0604020202020204" pitchFamily="34" charset="0"/>
+              </a:rPr>
+              <a:t>Whatmough</a:t>
+            </a:r>
+            <a:r>
+              <a:rPr lang="en-US" b="0" i="0" dirty="0">
+                <a:solidFill>
+                  <a:srgbClr val="222222"/>
+                </a:solidFill>
+                <a:effectLst/>
+                <a:highlight>
+                  <a:srgbClr val="FFFFFF"/>
+                </a:highlight>
+                <a:latin typeface="Arial" panose="020B0604020202020204" pitchFamily="34" charset="0"/>
+              </a:rPr>
+              <a:t>, P. (2021). </a:t>
+            </a:r>
+            <a:r>
+              <a:rPr lang="en-US" b="0" i="0" dirty="0" err="1">
+                <a:solidFill>
+                  <a:srgbClr val="222222"/>
+                </a:solidFill>
+                <a:effectLst/>
+                <a:highlight>
+                  <a:srgbClr val="FFFFFF"/>
+                </a:highlight>
+                <a:latin typeface="Arial" panose="020B0604020202020204" pitchFamily="34" charset="0"/>
+              </a:rPr>
+              <a:t>Micronets</a:t>
+            </a:r>
+            <a:r>
+              <a:rPr lang="en-US" b="0" i="0" dirty="0">
+                <a:solidFill>
+                  <a:srgbClr val="222222"/>
+                </a:solidFill>
+                <a:effectLst/>
+                <a:highlight>
+                  <a:srgbClr val="FFFFFF"/>
+                </a:highlight>
+                <a:latin typeface="Arial" panose="020B0604020202020204" pitchFamily="34" charset="0"/>
+              </a:rPr>
+              <a:t>: Neural network architectures for deploying </a:t>
+            </a:r>
+            <a:r>
+              <a:rPr lang="en-US" b="0" i="0" dirty="0" err="1">
+                <a:solidFill>
+                  <a:srgbClr val="222222"/>
+                </a:solidFill>
+                <a:effectLst/>
+                <a:highlight>
+                  <a:srgbClr val="FFFFFF"/>
+                </a:highlight>
+                <a:latin typeface="Arial" panose="020B0604020202020204" pitchFamily="34" charset="0"/>
+              </a:rPr>
+              <a:t>tinyml</a:t>
+            </a:r>
+            <a:r>
+              <a:rPr lang="en-US" b="0" i="0" dirty="0">
+                <a:solidFill>
+                  <a:srgbClr val="222222"/>
+                </a:solidFill>
+                <a:effectLst/>
+                <a:highlight>
+                  <a:srgbClr val="FFFFFF"/>
+                </a:highlight>
+                <a:latin typeface="Arial" panose="020B0604020202020204" pitchFamily="34" charset="0"/>
+              </a:rPr>
+              <a:t> applications on commodity microcontrollers. </a:t>
+            </a:r>
+            <a:r>
+              <a:rPr lang="en-US" b="0" i="1" dirty="0">
+                <a:solidFill>
+                  <a:srgbClr val="222222"/>
+                </a:solidFill>
+                <a:effectLst/>
+                <a:highlight>
+                  <a:srgbClr val="FFFFFF"/>
+                </a:highlight>
+                <a:latin typeface="Arial" panose="020B0604020202020204" pitchFamily="34" charset="0"/>
+              </a:rPr>
+              <a:t>Proceedings of machine learning and systems</a:t>
+            </a:r>
+            <a:r>
+              <a:rPr lang="en-US" b="0" i="0" dirty="0">
+                <a:solidFill>
+                  <a:srgbClr val="222222"/>
+                </a:solidFill>
+                <a:effectLst/>
+                <a:highlight>
+                  <a:srgbClr val="FFFFFF"/>
+                </a:highlight>
+                <a:latin typeface="Arial" panose="020B0604020202020204" pitchFamily="34" charset="0"/>
+              </a:rPr>
+              <a:t>, </a:t>
+            </a:r>
+            <a:r>
+              <a:rPr lang="en-US" b="0" i="1" dirty="0">
+                <a:solidFill>
+                  <a:srgbClr val="222222"/>
+                </a:solidFill>
+                <a:effectLst/>
+                <a:highlight>
+                  <a:srgbClr val="FFFFFF"/>
+                </a:highlight>
+                <a:latin typeface="Arial" panose="020B0604020202020204" pitchFamily="34" charset="0"/>
+              </a:rPr>
+              <a:t>3</a:t>
+            </a:r>
+            <a:r>
+              <a:rPr lang="en-US" b="0" i="0" dirty="0">
+                <a:solidFill>
+                  <a:srgbClr val="222222"/>
+                </a:solidFill>
+                <a:effectLst/>
+                <a:highlight>
+                  <a:srgbClr val="FFFFFF"/>
+                </a:highlight>
+                <a:latin typeface="Arial" panose="020B0604020202020204" pitchFamily="34" charset="0"/>
+              </a:rPr>
+              <a:t>, 517-532.</a:t>
+            </a:r>
+          </a:p>
+        </p:txBody>
+      </p:sp>
+      <p:sp>
+        <p:nvSpPr>
+          <p:cNvPr id="4" name="Slide Number Placeholder 3"/>
+          <p:cNvSpPr>
+            <a:spLocks noGrp="1"/>
+          </p:cNvSpPr>
+          <p:nvPr>
+            <p:ph type="sldNum" sz="quarter" idx="5"/>
+          </p:nvPr>
+        </p:nvSpPr>
+        <p:spPr/>
+        <p:txBody>
+          <a:bodyPr/>
+          <a:lstStyle/>
+          <a:p>
+            <a:fld id="{8040ADDC-8370-4EF6-9B0F-387196F75E7A}" type="slidenum">
+              <a:rPr lang="en-US" smtClean="0"/>
+              <a:t>12</a:t>
+            </a:fld>
+            <a:endParaRPr lang="en-US"/>
+          </a:p>
+        </p:txBody>
+      </p:sp>
+    </p:spTree>
+    <p:extLst>
+      <p:ext uri="{BB962C8B-B14F-4D97-AF65-F5344CB8AC3E}">
+        <p14:creationId xmlns:p14="http://schemas.microsoft.com/office/powerpoint/2010/main" val="3451573168"/>
+      </p:ext>
+    </p:extLst>
+  </p:cSld>
+  <p:clrMapOvr>
+    <a:masterClrMapping/>
+  </p:clrMapOvr>
+</p:notes>
+</file>
+
+<file path=ppt/notesSlides/notesSlide6.xml><?xml version="1.0" encoding="utf-8"?>
+<p:notes xmlns:a="http://schemas.openxmlformats.org/drawingml/2006/main" xmlns:r="http://schemas.openxmlformats.org/officeDocument/2006/relationships" xmlns:p="http://schemas.openxmlformats.org/presentationml/2006/main">
+  <p:cSld>
+    <p:spTree>
+      <p:nvGrpSpPr>
+        <p:cNvPr id="1" name=""/>
+        <p:cNvGrpSpPr/>
+        <p:nvPr/>
+      </p:nvGrpSpPr>
+      <p:grpSpPr>
+        <a:xfrm>
+          <a:off x="0" y="0"/>
+          <a:ext cx="0" cy="0"/>
+          <a:chOff x="0" y="0"/>
+          <a:chExt cx="0" cy="0"/>
+        </a:xfrm>
+      </p:grpSpPr>
+      <p:sp>
+        <p:nvSpPr>
+          <p:cNvPr id="2" name="Slide Image Placeholder 1"/>
+          <p:cNvSpPr>
+            <a:spLocks noGrp="1" noRot="1" noChangeAspect="1"/>
+          </p:cNvSpPr>
+          <p:nvPr>
+            <p:ph type="sldImg"/>
+          </p:nvPr>
+        </p:nvSpPr>
+        <p:spPr/>
+      </p:sp>
+      <p:sp>
+        <p:nvSpPr>
+          <p:cNvPr id="3" name="Notes Placeholder 2"/>
+          <p:cNvSpPr>
+            <a:spLocks noGrp="1"/>
+          </p:cNvSpPr>
+          <p:nvPr>
+            <p:ph type="body" idx="1"/>
+          </p:nvPr>
+        </p:nvSpPr>
+        <p:spPr/>
+        <p:txBody>
+          <a:bodyPr/>
+          <a:lstStyle/>
+          <a:p>
+            <a:r>
+              <a:rPr lang="en-US" b="0" i="0" dirty="0">
+                <a:solidFill>
+                  <a:srgbClr val="222222"/>
+                </a:solidFill>
+                <a:effectLst/>
+                <a:highlight>
+                  <a:srgbClr val="FFFFFF"/>
+                </a:highlight>
+                <a:latin typeface="Arial" panose="020B0604020202020204" pitchFamily="34" charset="0"/>
+              </a:rPr>
+              <a:t>[1]: Zhang, </a:t>
+            </a:r>
+            <a:r>
+              <a:rPr lang="en-US" b="0" i="0" dirty="0" err="1">
+                <a:solidFill>
+                  <a:srgbClr val="222222"/>
+                </a:solidFill>
+                <a:effectLst/>
+                <a:highlight>
+                  <a:srgbClr val="FFFFFF"/>
+                </a:highlight>
+                <a:latin typeface="Arial" panose="020B0604020202020204" pitchFamily="34" charset="0"/>
+              </a:rPr>
+              <a:t>Shigeng</a:t>
+            </a:r>
+            <a:r>
+              <a:rPr lang="en-US" b="0" i="0" dirty="0">
+                <a:solidFill>
+                  <a:srgbClr val="222222"/>
+                </a:solidFill>
+                <a:effectLst/>
+                <a:highlight>
+                  <a:srgbClr val="FFFFFF"/>
+                </a:highlight>
+                <a:latin typeface="Arial" panose="020B0604020202020204" pitchFamily="34" charset="0"/>
+              </a:rPr>
+              <a:t>, </a:t>
+            </a:r>
+            <a:r>
+              <a:rPr lang="en-US" b="0" i="0" dirty="0" err="1">
+                <a:solidFill>
+                  <a:srgbClr val="222222"/>
+                </a:solidFill>
+                <a:effectLst/>
+                <a:highlight>
+                  <a:srgbClr val="FFFFFF"/>
+                </a:highlight>
+                <a:latin typeface="Arial" panose="020B0604020202020204" pitchFamily="34" charset="0"/>
+              </a:rPr>
+              <a:t>Yinggang</a:t>
+            </a:r>
+            <a:r>
+              <a:rPr lang="en-US" b="0" i="0" dirty="0">
+                <a:solidFill>
+                  <a:srgbClr val="222222"/>
+                </a:solidFill>
+                <a:effectLst/>
+                <a:highlight>
+                  <a:srgbClr val="FFFFFF"/>
+                </a:highlight>
+                <a:latin typeface="Arial" panose="020B0604020202020204" pitchFamily="34" charset="0"/>
+              </a:rPr>
+              <a:t> Li, Xuan Liu, Song Guo, </a:t>
+            </a:r>
+            <a:r>
+              <a:rPr lang="en-US" b="0" i="0" dirty="0" err="1">
+                <a:solidFill>
+                  <a:srgbClr val="222222"/>
+                </a:solidFill>
+                <a:effectLst/>
+                <a:highlight>
+                  <a:srgbClr val="FFFFFF"/>
+                </a:highlight>
+                <a:latin typeface="Arial" panose="020B0604020202020204" pitchFamily="34" charset="0"/>
+              </a:rPr>
+              <a:t>Weiping</a:t>
+            </a:r>
+            <a:r>
+              <a:rPr lang="en-US" b="0" i="0" dirty="0">
+                <a:solidFill>
+                  <a:srgbClr val="222222"/>
+                </a:solidFill>
+                <a:effectLst/>
+                <a:highlight>
+                  <a:srgbClr val="FFFFFF"/>
+                </a:highlight>
+                <a:latin typeface="Arial" panose="020B0604020202020204" pitchFamily="34" charset="0"/>
+              </a:rPr>
+              <a:t> Wang, </a:t>
+            </a:r>
+            <a:r>
+              <a:rPr lang="en-US" b="0" i="0" dirty="0" err="1">
+                <a:solidFill>
+                  <a:srgbClr val="222222"/>
+                </a:solidFill>
+                <a:effectLst/>
+                <a:highlight>
+                  <a:srgbClr val="FFFFFF"/>
+                </a:highlight>
+                <a:latin typeface="Arial" panose="020B0604020202020204" pitchFamily="34" charset="0"/>
+              </a:rPr>
+              <a:t>Jianxin</a:t>
+            </a:r>
+            <a:r>
+              <a:rPr lang="en-US" b="0" i="0" dirty="0">
+                <a:solidFill>
+                  <a:srgbClr val="222222"/>
+                </a:solidFill>
+                <a:effectLst/>
+                <a:highlight>
+                  <a:srgbClr val="FFFFFF"/>
+                </a:highlight>
+                <a:latin typeface="Arial" panose="020B0604020202020204" pitchFamily="34" charset="0"/>
+              </a:rPr>
+              <a:t> Wang, Bo Ding, and Di Wu. "Towards real-time cooperative deep inference over the cloud and edge end devices." </a:t>
+            </a:r>
+            <a:r>
+              <a:rPr lang="en-US" b="0" i="1" dirty="0">
+                <a:solidFill>
+                  <a:srgbClr val="222222"/>
+                </a:solidFill>
+                <a:effectLst/>
+                <a:highlight>
+                  <a:srgbClr val="FFFFFF"/>
+                </a:highlight>
+                <a:latin typeface="Arial" panose="020B0604020202020204" pitchFamily="34" charset="0"/>
+              </a:rPr>
+              <a:t>Proceedings of the ACM on Interactive, Mobile, Wearable and Ubiquitous Technologies</a:t>
+            </a:r>
+            <a:r>
+              <a:rPr lang="en-US" b="0" i="0" dirty="0">
+                <a:solidFill>
+                  <a:srgbClr val="222222"/>
+                </a:solidFill>
+                <a:effectLst/>
+                <a:highlight>
+                  <a:srgbClr val="FFFFFF"/>
+                </a:highlight>
+                <a:latin typeface="Arial" panose="020B0604020202020204" pitchFamily="34" charset="0"/>
+              </a:rPr>
+              <a:t> 4, no. 2 (2020): 1-24.</a:t>
+            </a:r>
+          </a:p>
+          <a:p>
+            <a:endParaRPr lang="en-US" b="0" i="0" dirty="0">
+              <a:solidFill>
+                <a:srgbClr val="222222"/>
+              </a:solidFill>
+              <a:effectLst/>
+              <a:highlight>
+                <a:srgbClr val="FFFFFF"/>
+              </a:highlight>
+              <a:latin typeface="Arial" panose="020B0604020202020204" pitchFamily="34" charset="0"/>
+            </a:endParaRPr>
+          </a:p>
+        </p:txBody>
+      </p:sp>
+      <p:sp>
+        <p:nvSpPr>
+          <p:cNvPr id="4" name="Slide Number Placeholder 3"/>
+          <p:cNvSpPr>
+            <a:spLocks noGrp="1"/>
+          </p:cNvSpPr>
+          <p:nvPr>
+            <p:ph type="sldNum" sz="quarter" idx="5"/>
+          </p:nvPr>
+        </p:nvSpPr>
+        <p:spPr/>
+        <p:txBody>
+          <a:bodyPr/>
+          <a:lstStyle/>
+          <a:p>
+            <a:fld id="{8040ADDC-8370-4EF6-9B0F-387196F75E7A}" type="slidenum">
+              <a:rPr lang="en-US" smtClean="0"/>
+              <a:t>13</a:t>
+            </a:fld>
+            <a:endParaRPr lang="en-US"/>
+          </a:p>
+        </p:txBody>
+      </p:sp>
+    </p:spTree>
+    <p:extLst>
+      <p:ext uri="{BB962C8B-B14F-4D97-AF65-F5344CB8AC3E}">
+        <p14:creationId xmlns:p14="http://schemas.microsoft.com/office/powerpoint/2010/main" val="1922334314"/>
+      </p:ext>
+    </p:extLst>
+  </p:cSld>
+  <p:clrMapOvr>
+    <a:masterClrMapping/>
+  </p:clrMapOvr>
+</p:notes>
+</file>
+
+<file path=ppt/notesSlides/notesSlide7.xml><?xml version="1.0" encoding="utf-8"?>
+<p:notes xmlns:a="http://schemas.openxmlformats.org/drawingml/2006/main" xmlns:r="http://schemas.openxmlformats.org/officeDocument/2006/relationships" xmlns:p="http://schemas.openxmlformats.org/presentationml/2006/main">
+  <p:cSld>
+    <p:spTree>
+      <p:nvGrpSpPr>
+        <p:cNvPr id="1" name=""/>
+        <p:cNvGrpSpPr/>
+        <p:nvPr/>
+      </p:nvGrpSpPr>
+      <p:grpSpPr>
+        <a:xfrm>
+          <a:off x="0" y="0"/>
+          <a:ext cx="0" cy="0"/>
+          <a:chOff x="0" y="0"/>
+          <a:chExt cx="0" cy="0"/>
+        </a:xfrm>
+      </p:grpSpPr>
+      <p:sp>
+        <p:nvSpPr>
+          <p:cNvPr id="2" name="Slide Image Placeholder 1"/>
+          <p:cNvSpPr>
+            <a:spLocks noGrp="1" noRot="1" noChangeAspect="1"/>
+          </p:cNvSpPr>
+          <p:nvPr>
+            <p:ph type="sldImg"/>
+          </p:nvPr>
+        </p:nvSpPr>
+        <p:spPr/>
+      </p:sp>
+      <p:sp>
+        <p:nvSpPr>
+          <p:cNvPr id="3" name="Notes Placeholder 2"/>
+          <p:cNvSpPr>
+            <a:spLocks noGrp="1"/>
+          </p:cNvSpPr>
+          <p:nvPr>
+            <p:ph type="body" idx="1"/>
+          </p:nvPr>
+        </p:nvSpPr>
+        <p:spPr/>
+        <p:txBody>
+          <a:bodyPr/>
+          <a:lstStyle/>
+          <a:p>
             <a:endParaRPr lang="en-US" dirty="0"/>
           </a:p>
         </p:txBody>
@@ -1759,7 +2961,7 @@
 </p:notes>
 </file>
 
-<file path=ppt/notesSlides/notesSlide6.xml><?xml version="1.0" encoding="utf-8"?>
+<file path=ppt/notesSlides/notesSlide8.xml><?xml version="1.0" encoding="utf-8"?>
 <p:notes xmlns:a="http://schemas.openxmlformats.org/drawingml/2006/main" xmlns:r="http://schemas.openxmlformats.org/officeDocument/2006/relationships" xmlns:p="http://schemas.openxmlformats.org/presentationml/2006/main">
   <p:cSld>
     <p:spTree>
@@ -1990,7 +3192,7 @@
           <a:p>
             <a:fld id="{CA099234-8B86-476D-9D9B-8192FE9AA948}" type="datetimeFigureOut">
               <a:rPr lang="en-US" smtClean="0"/>
-              <a:t>8/21/2024</a:t>
+              <a:t>8/23/2024</a:t>
             </a:fld>
             <a:endParaRPr lang="en-US"/>
           </a:p>
@@ -2188,7 +3390,7 @@
           <a:p>
             <a:fld id="{CA099234-8B86-476D-9D9B-8192FE9AA948}" type="datetimeFigureOut">
               <a:rPr lang="en-US" smtClean="0"/>
-              <a:t>8/21/2024</a:t>
+              <a:t>8/23/2024</a:t>
             </a:fld>
             <a:endParaRPr lang="en-US"/>
           </a:p>
@@ -2396,7 +3598,7 @@
           <a:p>
             <a:fld id="{CA099234-8B86-476D-9D9B-8192FE9AA948}" type="datetimeFigureOut">
               <a:rPr lang="en-US" smtClean="0"/>
-              <a:t>8/21/2024</a:t>
+              <a:t>8/23/2024</a:t>
             </a:fld>
             <a:endParaRPr lang="en-US"/>
           </a:p>
@@ -2594,7 +3796,7 @@
           <a:p>
             <a:fld id="{CA099234-8B86-476D-9D9B-8192FE9AA948}" type="datetimeFigureOut">
               <a:rPr lang="en-US" smtClean="0"/>
-              <a:t>8/21/2024</a:t>
+              <a:t>8/23/2024</a:t>
             </a:fld>
             <a:endParaRPr lang="en-US"/>
           </a:p>
@@ -2869,7 +4071,7 @@
           <a:p>
             <a:fld id="{CA099234-8B86-476D-9D9B-8192FE9AA948}" type="datetimeFigureOut">
               <a:rPr lang="en-US" smtClean="0"/>
-              <a:t>8/21/2024</a:t>
+              <a:t>8/23/2024</a:t>
             </a:fld>
             <a:endParaRPr lang="en-US"/>
           </a:p>
@@ -3134,7 +4336,7 @@
           <a:p>
             <a:fld id="{CA099234-8B86-476D-9D9B-8192FE9AA948}" type="datetimeFigureOut">
               <a:rPr lang="en-US" smtClean="0"/>
-              <a:t>8/21/2024</a:t>
+              <a:t>8/23/2024</a:t>
             </a:fld>
             <a:endParaRPr lang="en-US"/>
           </a:p>
@@ -3546,7 +4748,7 @@
           <a:p>
             <a:fld id="{CA099234-8B86-476D-9D9B-8192FE9AA948}" type="datetimeFigureOut">
               <a:rPr lang="en-US" smtClean="0"/>
-              <a:t>8/21/2024</a:t>
+              <a:t>8/23/2024</a:t>
             </a:fld>
             <a:endParaRPr lang="en-US"/>
           </a:p>
@@ -3687,7 +4889,7 @@
           <a:p>
             <a:fld id="{CA099234-8B86-476D-9D9B-8192FE9AA948}" type="datetimeFigureOut">
               <a:rPr lang="en-US" smtClean="0"/>
-              <a:t>8/21/2024</a:t>
+              <a:t>8/23/2024</a:t>
             </a:fld>
             <a:endParaRPr lang="en-US"/>
           </a:p>
@@ -3800,7 +5002,7 @@
           <a:p>
             <a:fld id="{CA099234-8B86-476D-9D9B-8192FE9AA948}" type="datetimeFigureOut">
               <a:rPr lang="en-US" smtClean="0"/>
-              <a:t>8/21/2024</a:t>
+              <a:t>8/23/2024</a:t>
             </a:fld>
             <a:endParaRPr lang="en-US"/>
           </a:p>
@@ -4111,7 +5313,7 @@
           <a:p>
             <a:fld id="{CA099234-8B86-476D-9D9B-8192FE9AA948}" type="datetimeFigureOut">
               <a:rPr lang="en-US" smtClean="0"/>
-              <a:t>8/21/2024</a:t>
+              <a:t>8/23/2024</a:t>
             </a:fld>
             <a:endParaRPr lang="en-US"/>
           </a:p>
@@ -4399,7 +5601,7 @@
           <a:p>
             <a:fld id="{CA099234-8B86-476D-9D9B-8192FE9AA948}" type="datetimeFigureOut">
               <a:rPr lang="en-US" smtClean="0"/>
-              <a:t>8/21/2024</a:t>
+              <a:t>8/23/2024</a:t>
             </a:fld>
             <a:endParaRPr lang="en-US"/>
           </a:p>
@@ -4640,7 +5842,7 @@
           <a:p>
             <a:fld id="{CA099234-8B86-476D-9D9B-8192FE9AA948}" type="datetimeFigureOut">
               <a:rPr lang="en-US" smtClean="0"/>
-              <a:t>8/21/2024</a:t>
+              <a:t>8/23/2024</a:t>
             </a:fld>
             <a:endParaRPr lang="en-US"/>
           </a:p>
@@ -5171,7 +6373,7 @@
           <a:p>
             <a:r>
               <a:rPr lang="en-US" sz="4200" dirty="0"/>
-              <a:t>Inference Performance Predictor Existing Works</a:t>
+              <a:t>3.2 Inference Performance Predictor Existing Works</a:t>
             </a:r>
           </a:p>
         </p:txBody>
@@ -5360,7 +6562,7 @@
           <a:p>
             <a:r>
               <a:rPr lang="en-US" sz="4200" dirty="0"/>
-              <a:t>Inference Performance Predictor Existing Works</a:t>
+              <a:t>3.3 Inference Performance Predictor Existing Works</a:t>
             </a:r>
           </a:p>
         </p:txBody>
@@ -5427,7 +6629,7 @@
           <a:p>
             <a:r>
               <a:rPr lang="en-US" dirty="0"/>
-              <a:t>Regression model:</a:t>
+              <a:t>Regression model</a:t>
             </a:r>
           </a:p>
           <a:p>
@@ -5495,6 +6697,36 @@
           <a:chExt cx="0" cy="0"/>
         </a:xfrm>
       </p:grpSpPr>
+      <p:pic>
+        <p:nvPicPr>
+          <p:cNvPr id="4" name="Picture 3">
+            <a:extLst>
+              <a:ext uri="{FF2B5EF4-FFF2-40B4-BE49-F238E27FC236}">
+                <a16:creationId xmlns:a16="http://schemas.microsoft.com/office/drawing/2014/main" id="{DE7D8584-A03E-84F9-B55E-4D4544615E47}"/>
+              </a:ext>
+            </a:extLst>
+          </p:cNvPr>
+          <p:cNvPicPr>
+            <a:picLocks noChangeAspect="1"/>
+          </p:cNvPicPr>
+          <p:nvPr/>
+        </p:nvPicPr>
+        <p:blipFill>
+          <a:blip r:embed="rId3"/>
+          <a:stretch>
+            <a:fillRect/>
+          </a:stretch>
+        </p:blipFill>
+        <p:spPr>
+          <a:xfrm>
+            <a:off x="7002251" y="1240718"/>
+            <a:ext cx="4351549" cy="5173143"/>
+          </a:xfrm>
+          <a:prstGeom prst="rect">
+            <a:avLst/>
+          </a:prstGeom>
+        </p:spPr>
+      </p:pic>
       <p:sp>
         <p:nvSpPr>
           <p:cNvPr id="2" name="Title 1">
@@ -5518,7 +6750,7 @@
           <a:p>
             <a:r>
               <a:rPr lang="en-US" dirty="0"/>
-              <a:t>Regression Models and Datasets</a:t>
+              <a:t>4. Inference Performance Predictor</a:t>
             </a:r>
           </a:p>
         </p:txBody>
@@ -5539,39 +6771,88 @@
             <p:ph idx="1"/>
           </p:nvPr>
         </p:nvSpPr>
-        <p:spPr/>
-        <p:txBody>
-          <a:bodyPr/>
+        <p:spPr>
+          <a:xfrm>
+            <a:off x="838200" y="1825625"/>
+            <a:ext cx="5948897" cy="4351338"/>
+          </a:xfrm>
+        </p:spPr>
+        <p:txBody>
+          <a:bodyPr>
+            <a:normAutofit fontScale="92500" lnSpcReduction="20000"/>
+          </a:bodyPr>
           <a:lstStyle/>
           <a:p>
             <a:r>
-              <a:rPr lang="en-US" b="1" dirty="0"/>
-              <a:t>Inference performance predictor datasets:</a:t>
+              <a:rPr lang="en-US" dirty="0"/>
+              <a:t>Datasets</a:t>
             </a:r>
           </a:p>
           <a:p>
             <a:pPr lvl="1"/>
             <a:r>
               <a:rPr lang="en-US" dirty="0"/>
-              <a:t>For various MCUs and different types of layers and sizes, latency, memory footprint, and energy consumption are measured using TensorFlow Lite for Microcontrollers (TFLM).</a:t>
-            </a:r>
-          </a:p>
-          <a:p>
-            <a:r>
-              <a:rPr lang="en-US" b="1" dirty="0"/>
-              <a:t>Inference performance predictor:</a:t>
+              <a:t>Latency datasets:</a:t>
+            </a:r>
+          </a:p>
+          <a:p>
+            <a:pPr lvl="2"/>
+            <a:r>
+              <a:rPr lang="en-US" dirty="0"/>
+              <a:t>The latency for various MCUs, across different types of layers and sizes, is measured using TensorFlow Lite for Microcontrollers (TFLM).</a:t>
             </a:r>
           </a:p>
           <a:p>
             <a:pPr lvl="1"/>
             <a:r>
               <a:rPr lang="en-US" dirty="0"/>
-              <a:t>For various MCUs and different types of layers, we train a regression model, can predict inference performance including latency, memory footprint, and energy consumption.</a:t>
+              <a:t>Memory footprint datasets:</a:t>
+            </a:r>
+          </a:p>
+          <a:p>
+            <a:pPr lvl="2"/>
+            <a:r>
+              <a:rPr lang="en-US" dirty="0"/>
+              <a:t>Simulation on Server?</a:t>
+            </a:r>
+          </a:p>
+          <a:p>
+            <a:pPr lvl="1"/>
+            <a:r>
+              <a:rPr lang="en-US" dirty="0"/>
+              <a:t>Energy consumption datasets:</a:t>
             </a:r>
           </a:p>
           <a:p>
             <a:pPr lvl="1"/>
             <a:endParaRPr lang="en-US" dirty="0"/>
+          </a:p>
+          <a:p>
+            <a:r>
+              <a:rPr lang="en-US" dirty="0"/>
+              <a:t>Predictor(MCU, Layer) = </a:t>
+            </a:r>
+          </a:p>
+          <a:p>
+            <a:pPr lvl="1"/>
+            <a:r>
+              <a:rPr lang="en-US" dirty="0"/>
+              <a:t>Latency</a:t>
+            </a:r>
+          </a:p>
+          <a:p>
+            <a:pPr lvl="1"/>
+            <a:r>
+              <a:rPr lang="en-US" dirty="0"/>
+              <a:t>Memory footprint (memory, storage)</a:t>
+            </a:r>
+          </a:p>
+          <a:p>
+            <a:pPr lvl="1"/>
+            <a:r>
+              <a:rPr lang="en-US" dirty="0"/>
+              <a:t>Energy consumption</a:t>
+            </a:r>
           </a:p>
         </p:txBody>
       </p:sp>
@@ -5607,10 +6888,10 @@
       </p:grpSpPr>
       <p:pic>
         <p:nvPicPr>
-          <p:cNvPr id="7" name="Picture 6">
-            <a:extLst>
-              <a:ext uri="{FF2B5EF4-FFF2-40B4-BE49-F238E27FC236}">
-                <a16:creationId xmlns:a16="http://schemas.microsoft.com/office/drawing/2014/main" id="{F28F17EB-8777-EB4E-73B4-C6DC6F679DF5}"/>
+          <p:cNvPr id="14" name="Picture 13">
+            <a:extLst>
+              <a:ext uri="{FF2B5EF4-FFF2-40B4-BE49-F238E27FC236}">
+                <a16:creationId xmlns:a16="http://schemas.microsoft.com/office/drawing/2014/main" id="{08719E29-278A-4A4F-D901-D65306E0ABD2}"/>
               </a:ext>
             </a:extLst>
           </p:cNvPr>
@@ -5620,15 +6901,15 @@
           <p:nvPr/>
         </p:nvPicPr>
         <p:blipFill>
-          <a:blip r:embed="rId2"/>
+          <a:blip r:embed="rId3"/>
           <a:stretch>
             <a:fillRect/>
           </a:stretch>
         </p:blipFill>
         <p:spPr>
           <a:xfrm>
-            <a:off x="6654045" y="1943947"/>
-            <a:ext cx="5537955" cy="3856463"/>
+            <a:off x="481243" y="4132345"/>
+            <a:ext cx="4389037" cy="2573158"/>
           </a:xfrm>
           <a:prstGeom prst="rect">
             <a:avLst/>
@@ -5637,10 +6918,10 @@
       </p:pic>
       <p:sp>
         <p:nvSpPr>
-          <p:cNvPr id="2" name="Title 1">
-            <a:extLst>
-              <a:ext uri="{FF2B5EF4-FFF2-40B4-BE49-F238E27FC236}">
-                <a16:creationId xmlns:a16="http://schemas.microsoft.com/office/drawing/2014/main" id="{66100857-F4BD-5FAD-E385-DE457A4797D0}"/>
+          <p:cNvPr id="3" name="Content Placeholder 2">
+            <a:extLst>
+              <a:ext uri="{FF2B5EF4-FFF2-40B4-BE49-F238E27FC236}">
+                <a16:creationId xmlns:a16="http://schemas.microsoft.com/office/drawing/2014/main" id="{B7CB7517-534B-E936-EFB0-C6CD58AC6E19}"/>
               </a:ext>
             </a:extLst>
           </p:cNvPr>
@@ -5648,27 +6929,44 @@
             <a:spLocks noGrp="1"/>
           </p:cNvSpPr>
           <p:nvPr>
-            <p:ph type="title"/>
-          </p:nvPr>
-        </p:nvSpPr>
-        <p:spPr/>
+            <p:ph idx="1"/>
+          </p:nvPr>
+        </p:nvSpPr>
+        <p:spPr>
+          <a:xfrm>
+            <a:off x="838200" y="1794773"/>
+            <a:ext cx="3518647" cy="1021775"/>
+          </a:xfrm>
+        </p:spPr>
         <p:txBody>
           <a:bodyPr/>
           <a:lstStyle/>
           <a:p>
             <a:r>
-              <a:rPr lang="en-US" dirty="0"/>
-              <a:t>Search</a:t>
-            </a:r>
-          </a:p>
-        </p:txBody>
-      </p:sp>
-      <p:sp>
-        <p:nvSpPr>
-          <p:cNvPr id="3" name="Content Placeholder 2">
-            <a:extLst>
-              <a:ext uri="{FF2B5EF4-FFF2-40B4-BE49-F238E27FC236}">
-                <a16:creationId xmlns:a16="http://schemas.microsoft.com/office/drawing/2014/main" id="{B7CB7517-534B-E936-EFB0-C6CD58AC6E19}"/>
+              <a:rPr lang="en-US" sz="2400" dirty="0"/>
+              <a:t>1. Per layer latency</a:t>
+            </a:r>
+          </a:p>
+          <a:p>
+            <a:r>
+              <a:rPr lang="en-US" sz="2400" dirty="0"/>
+              <a:t>2. Data size distribution</a:t>
+            </a:r>
+          </a:p>
+          <a:p>
+            <a:endParaRPr lang="en-US" dirty="0"/>
+          </a:p>
+          <a:p>
+            <a:endParaRPr lang="en-US" dirty="0"/>
+          </a:p>
+        </p:txBody>
+      </p:sp>
+      <p:sp>
+        <p:nvSpPr>
+          <p:cNvPr id="2" name="Title 1">
+            <a:extLst>
+              <a:ext uri="{FF2B5EF4-FFF2-40B4-BE49-F238E27FC236}">
+                <a16:creationId xmlns:a16="http://schemas.microsoft.com/office/drawing/2014/main" id="{66100857-F4BD-5FAD-E385-DE457A4797D0}"/>
               </a:ext>
             </a:extLst>
           </p:cNvPr>
@@ -5676,50 +6974,81 @@
             <a:spLocks noGrp="1"/>
           </p:cNvSpPr>
           <p:nvPr>
-            <p:ph idx="1"/>
-          </p:nvPr>
-        </p:nvSpPr>
+            <p:ph type="title"/>
+          </p:nvPr>
+        </p:nvSpPr>
+        <p:spPr/>
+        <p:txBody>
+          <a:bodyPr/>
+          <a:lstStyle/>
+          <a:p>
+            <a:r>
+              <a:rPr lang="en-US" dirty="0"/>
+              <a:t>5. Insights</a:t>
+            </a:r>
+          </a:p>
+        </p:txBody>
+      </p:sp>
+      <p:pic>
+        <p:nvPicPr>
+          <p:cNvPr id="10" name="Picture 9">
+            <a:extLst>
+              <a:ext uri="{FF2B5EF4-FFF2-40B4-BE49-F238E27FC236}">
+                <a16:creationId xmlns:a16="http://schemas.microsoft.com/office/drawing/2014/main" id="{C386BC01-8A11-9841-D34B-1E7F90C8F4B4}"/>
+              </a:ext>
+            </a:extLst>
+          </p:cNvPr>
+          <p:cNvPicPr>
+            <a:picLocks noChangeAspect="1"/>
+          </p:cNvPicPr>
+          <p:nvPr/>
+        </p:nvPicPr>
+        <p:blipFill>
+          <a:blip r:embed="rId4"/>
+          <a:stretch>
+            <a:fillRect/>
+          </a:stretch>
+        </p:blipFill>
         <p:spPr>
           <a:xfrm>
-            <a:off x="838200" y="1825625"/>
-            <a:ext cx="6299447" cy="4351338"/>
+            <a:off x="4810481" y="609017"/>
+            <a:ext cx="7008319" cy="3978307"/>
           </a:xfrm>
+          <a:prstGeom prst="rect">
+            <a:avLst/>
+          </a:prstGeom>
         </p:spPr>
-        <p:txBody>
-          <a:bodyPr/>
-          <a:lstStyle/>
-          <a:p>
-            <a:r>
-              <a:rPr lang="en-US" dirty="0"/>
-              <a:t>Observation:</a:t>
-            </a:r>
-          </a:p>
-          <a:p>
-            <a:pPr lvl="1"/>
-            <a:r>
-              <a:rPr lang="en-US" dirty="0"/>
-              <a:t>Early layers(Conv1, MaxPool1) have large output data sizes but relatively low latency.</a:t>
-            </a:r>
-          </a:p>
-          <a:p>
-            <a:pPr lvl="1"/>
-            <a:r>
-              <a:rPr lang="en-US" dirty="0"/>
-              <a:t>Later dense layers(e.g., Dense1) have significantly higher execution latency despite lower output data sizes.</a:t>
-            </a:r>
-          </a:p>
-          <a:p>
-            <a:pPr lvl="1"/>
-            <a:r>
-              <a:rPr lang="en-US" dirty="0"/>
-              <a:t>Intermediate layers(e.g., Conv2 to Conv5) show a balance between moderate data sizes and execution latency. </a:t>
-            </a:r>
-          </a:p>
-          <a:p>
-            <a:endParaRPr lang="en-US" dirty="0"/>
-          </a:p>
-        </p:txBody>
-      </p:sp>
+      </p:pic>
+      <p:pic>
+        <p:nvPicPr>
+          <p:cNvPr id="16" name="Picture 15">
+            <a:extLst>
+              <a:ext uri="{FF2B5EF4-FFF2-40B4-BE49-F238E27FC236}">
+                <a16:creationId xmlns:a16="http://schemas.microsoft.com/office/drawing/2014/main" id="{CDBC500C-0D54-6E35-4B86-16A06693B3E4}"/>
+              </a:ext>
+            </a:extLst>
+          </p:cNvPr>
+          <p:cNvPicPr>
+            <a:picLocks noChangeAspect="1"/>
+          </p:cNvPicPr>
+          <p:nvPr/>
+        </p:nvPicPr>
+        <p:blipFill>
+          <a:blip r:embed="rId5"/>
+          <a:stretch>
+            <a:fillRect/>
+          </a:stretch>
+        </p:blipFill>
+        <p:spPr>
+          <a:xfrm>
+            <a:off x="5139475" y="4614244"/>
+            <a:ext cx="6350330" cy="2091259"/>
+          </a:xfrm>
+          <a:prstGeom prst="rect">
+            <a:avLst/>
+          </a:prstGeom>
+        </p:spPr>
+      </p:pic>
     </p:spTree>
     <p:extLst>
       <p:ext uri="{BB962C8B-B14F-4D97-AF65-F5344CB8AC3E}">
@@ -5773,13 +7102,13 @@
           <a:p>
             <a:r>
               <a:rPr lang="en-US" dirty="0"/>
-              <a:t>Cost Function: multi-objectives search </a:t>
-            </a:r>
-          </a:p>
-        </p:txBody>
-      </p:sp>
-      <mc:AlternateContent xmlns:mc="http://schemas.openxmlformats.org/markup-compatibility/2006" xmlns:a14="http://schemas.microsoft.com/office/drawing/2010/main">
-        <mc:Choice Requires="a14">
+              <a:t>6. Search</a:t>
+            </a:r>
+          </a:p>
+        </p:txBody>
+      </p:sp>
+      <mc:AlternateContent xmlns:mc="http://schemas.openxmlformats.org/markup-compatibility/2006">
+        <mc:Choice xmlns:a14="http://schemas.microsoft.com/office/drawing/2010/main" Requires="a14">
           <p:sp>
             <p:nvSpPr>
               <p:cNvPr id="3" name="Content Placeholder 2">
@@ -5804,9 +7133,18 @@
             </p:spPr>
             <p:txBody>
               <a:bodyPr>
-                <a:normAutofit fontScale="85000" lnSpcReduction="20000"/>
+                <a:normAutofit fontScale="70000" lnSpcReduction="20000"/>
               </a:bodyPr>
               <a:lstStyle/>
+              <a:p>
+                <a:r>
+                  <a:rPr lang="en-US" sz="3600" b="1" dirty="0"/>
+                  <a:t>Cost Function: multi-objectives search </a:t>
+                </a:r>
+                <a:endParaRPr lang="en-US" sz="3600" b="1" i="1" dirty="0">
+                  <a:latin typeface="Cambria Math" panose="02040503050406030204" pitchFamily="18" charset="0"/>
+                </a:endParaRPr>
+              </a:p>
               <a:p>
                 <a14:m>
                   <m:oMath xmlns:m="http://schemas.openxmlformats.org/officeDocument/2006/math">
@@ -6938,7 +8276,7 @@
             </p:txBody>
           </p:sp>
         </mc:Choice>
-        <mc:Fallback xmlns="">
+        <mc:Fallback>
           <p:sp>
             <p:nvSpPr>
               <p:cNvPr id="3" name="Content Placeholder 2">
@@ -6963,7 +8301,7 @@
               <a:blipFill>
                 <a:blip r:embed="rId3"/>
                 <a:stretch>
-                  <a:fillRect l="-787" t="-1261"/>
+                  <a:fillRect l="-843" t="-3081"/>
                 </a:stretch>
               </a:blipFill>
             </p:spPr>
@@ -7035,7 +8373,7 @@
           <a:p>
             <a:r>
               <a:rPr lang="en-US" dirty="0"/>
-              <a:t>S</a:t>
+              <a:t>6. S</a:t>
             </a:r>
             <a:r>
               <a:rPr lang="en-US" altLang="zh-CN" dirty="0"/>
@@ -7140,7 +8478,7 @@
           <a:p>
             <a:r>
               <a:rPr lang="en-US" dirty="0"/>
-              <a:t>Computation and transfer time</a:t>
+              <a:t>6. Search</a:t>
             </a:r>
           </a:p>
         </p:txBody>
@@ -7169,9 +8507,15 @@
         </p:spPr>
         <p:txBody>
           <a:bodyPr>
-            <a:normAutofit/>
+            <a:normAutofit lnSpcReduction="10000"/>
           </a:bodyPr>
           <a:lstStyle/>
+          <a:p>
+            <a:r>
+              <a:rPr lang="en-US" b="1" dirty="0"/>
+              <a:t>Computation and transfer time:</a:t>
+            </a:r>
+          </a:p>
           <a:p>
             <a:r>
               <a:rPr lang="en-US" dirty="0"/>
@@ -7417,7 +8761,7 @@
           <a:p>
             <a:r>
               <a:rPr lang="en-US" dirty="0"/>
-              <a:t>Search Methods</a:t>
+              <a:t>6. Search Methods</a:t>
             </a:r>
           </a:p>
         </p:txBody>
@@ -7721,6 +9065,8 @@
               <a:rPr lang="en-US" altLang="zh-CN" dirty="0"/>
               <a:t>ontributions</a:t>
             </a:r>
+          </a:p>
+          <a:p>
             <a:endParaRPr lang="en-US" dirty="0"/>
           </a:p>
           <a:p>
@@ -7804,7 +9150,28 @@
           <a:bodyPr/>
           <a:lstStyle/>
           <a:p>
-            <a:endParaRPr lang="en-US"/>
+            <a:r>
+              <a:rPr lang="en-US" altLang="zh-CN" dirty="0"/>
+              <a:t>Memory should also be a problem. Like how to measure it? How to evaluate it?</a:t>
+            </a:r>
+          </a:p>
+          <a:p>
+            <a:r>
+              <a:rPr lang="en-US" dirty="0"/>
+              <a:t>Search method</a:t>
+            </a:r>
+          </a:p>
+          <a:p>
+            <a:r>
+              <a:rPr lang="en-US" dirty="0"/>
+              <a:t>Memory trend </a:t>
+            </a:r>
+          </a:p>
+          <a:p>
+            <a:r>
+              <a:rPr lang="en-US" dirty="0"/>
+              <a:t>Model layer data size figure</a:t>
+            </a:r>
           </a:p>
         </p:txBody>
       </p:sp>
@@ -7843,7 +9210,7 @@
           <p:cNvPr id="2" name="Title 1">
             <a:extLst>
               <a:ext uri="{FF2B5EF4-FFF2-40B4-BE49-F238E27FC236}">
-                <a16:creationId xmlns:a16="http://schemas.microsoft.com/office/drawing/2014/main" id="{D96116C7-906F-AFDF-8B25-C677E36D5991}"/>
+                <a16:creationId xmlns:a16="http://schemas.microsoft.com/office/drawing/2014/main" id="{C1D03BCF-BA60-7C37-10CB-D1996BA7C2BD}"/>
               </a:ext>
             </a:extLst>
           </p:cNvPr>
@@ -7861,7 +9228,7 @@
           <a:p>
             <a:r>
               <a:rPr lang="en-US" dirty="0"/>
-              <a:t>Overview</a:t>
+              <a:t>Outline</a:t>
             </a:r>
           </a:p>
         </p:txBody>
@@ -7871,7 +9238,7 @@
           <p:cNvPr id="3" name="Content Placeholder 2">
             <a:extLst>
               <a:ext uri="{FF2B5EF4-FFF2-40B4-BE49-F238E27FC236}">
-                <a16:creationId xmlns:a16="http://schemas.microsoft.com/office/drawing/2014/main" id="{8F37FB1E-EBA7-8E4E-DF52-9DD44016DCEB}"/>
+                <a16:creationId xmlns:a16="http://schemas.microsoft.com/office/drawing/2014/main" id="{2665BBC9-AAC2-9216-3CF3-ED005F196520}"/>
               </a:ext>
             </a:extLst>
           </p:cNvPr>
@@ -7884,55 +9251,277 @@
         </p:nvSpPr>
         <p:spPr/>
         <p:txBody>
-          <a:bodyPr>
-            <a:normAutofit/>
-          </a:bodyPr>
+          <a:bodyPr/>
           <a:lstStyle/>
           <a:p>
             <a:r>
               <a:rPr lang="en-US" dirty="0"/>
-              <a:t>The goal is to optimize the partitioning of DNN models across resource-limited MCU nodes in a BLE mesh network without internet connectivity, focusing on minimizing computation and transfer time while considering memory and energy constraints.</a:t>
+              <a:t>1. Overview </a:t>
+            </a:r>
+          </a:p>
+          <a:p>
+            <a:r>
+              <a:rPr lang="en-US" dirty="0"/>
+              <a:t>2. System Design and Pipeline </a:t>
+            </a:r>
+          </a:p>
+          <a:p>
+            <a:r>
+              <a:rPr lang="en-US" dirty="0"/>
+              <a:t>3. Existing Works</a:t>
+            </a:r>
+          </a:p>
+          <a:p>
+            <a:r>
+              <a:rPr lang="en-US" dirty="0"/>
+              <a:t>4. Inference Performance Predictor</a:t>
+            </a:r>
+          </a:p>
+          <a:p>
+            <a:r>
+              <a:rPr lang="en-US" dirty="0"/>
+              <a:t>5. Insights</a:t>
+            </a:r>
+          </a:p>
+          <a:p>
+            <a:r>
+              <a:rPr lang="en-US" dirty="0"/>
+              <a:t>6. Search</a:t>
             </a:r>
           </a:p>
           <a:p>
             <a:endParaRPr lang="en-US" dirty="0"/>
-          </a:p>
-          <a:p>
-            <a:r>
-              <a:rPr lang="en-US" dirty="0"/>
-              <a:t>This involves:</a:t>
-            </a:r>
-          </a:p>
-          <a:p>
-            <a:r>
-              <a:rPr lang="en-US" dirty="0"/>
-              <a:t>1. Building an overlay network(BLE) </a:t>
-            </a:r>
-          </a:p>
-          <a:p>
-            <a:r>
-              <a:rPr lang="en-US" dirty="0"/>
-              <a:t>2. Implementing distributed inference strategies. (</a:t>
-            </a:r>
-            <a:r>
-              <a:rPr lang="en-US" dirty="0">
-                <a:solidFill>
-                  <a:srgbClr val="FF0000"/>
-                </a:solidFill>
-              </a:rPr>
-              <a:t>layer-based</a:t>
-            </a:r>
-            <a:r>
-              <a:rPr lang="en-US" dirty="0"/>
-              <a:t>)</a:t>
-            </a:r>
           </a:p>
         </p:txBody>
       </p:sp>
     </p:spTree>
     <p:extLst>
       <p:ext uri="{BB962C8B-B14F-4D97-AF65-F5344CB8AC3E}">
-        <p14:creationId xmlns:p14="http://schemas.microsoft.com/office/powerpoint/2010/main" val="1933540329"/>
+        <p14:creationId xmlns:p14="http://schemas.microsoft.com/office/powerpoint/2010/main" val="1827088438"/>
+      </p:ext>
+    </p:extLst>
+  </p:cSld>
+  <p:clrMapOvr>
+    <a:masterClrMapping/>
+  </p:clrMapOvr>
+</p:sld>
+</file>
+
+<file path=ppt/slides/slide20.xml><?xml version="1.0" encoding="utf-8"?>
+<p:sld xmlns:a="http://schemas.openxmlformats.org/drawingml/2006/main" xmlns:r="http://schemas.openxmlformats.org/officeDocument/2006/relationships" xmlns:p="http://schemas.openxmlformats.org/presentationml/2006/main">
+  <p:cSld>
+    <p:spTree>
+      <p:nvGrpSpPr>
+        <p:cNvPr id="1" name=""/>
+        <p:cNvGrpSpPr/>
+        <p:nvPr/>
+      </p:nvGrpSpPr>
+      <p:grpSpPr>
+        <a:xfrm>
+          <a:off x="0" y="0"/>
+          <a:ext cx="0" cy="0"/>
+          <a:chOff x="0" y="0"/>
+          <a:chExt cx="0" cy="0"/>
+        </a:xfrm>
+      </p:grpSpPr>
+      <p:sp>
+        <p:nvSpPr>
+          <p:cNvPr id="2" name="Title 1">
+            <a:extLst>
+              <a:ext uri="{FF2B5EF4-FFF2-40B4-BE49-F238E27FC236}">
+                <a16:creationId xmlns:a16="http://schemas.microsoft.com/office/drawing/2014/main" id="{3D251E58-A95E-016D-9906-B7A3759ABE26}"/>
+              </a:ext>
+            </a:extLst>
+          </p:cNvPr>
+          <p:cNvSpPr>
+            <a:spLocks noGrp="1"/>
+          </p:cNvSpPr>
+          <p:nvPr>
+            <p:ph type="title"/>
+          </p:nvPr>
+        </p:nvSpPr>
+        <p:spPr/>
+        <p:txBody>
+          <a:bodyPr/>
+          <a:lstStyle/>
+          <a:p>
+            <a:endParaRPr lang="en-US"/>
+          </a:p>
+        </p:txBody>
+      </p:sp>
+      <p:sp>
+        <p:nvSpPr>
+          <p:cNvPr id="3" name="Content Placeholder 2">
+            <a:extLst>
+              <a:ext uri="{FF2B5EF4-FFF2-40B4-BE49-F238E27FC236}">
+                <a16:creationId xmlns:a16="http://schemas.microsoft.com/office/drawing/2014/main" id="{B33CCE71-D4D2-B191-D206-C64BD77BC9A1}"/>
+              </a:ext>
+            </a:extLst>
+          </p:cNvPr>
+          <p:cNvSpPr>
+            <a:spLocks noGrp="1"/>
+          </p:cNvSpPr>
+          <p:nvPr>
+            <p:ph idx="1"/>
+          </p:nvPr>
+        </p:nvSpPr>
+        <p:spPr/>
+        <p:txBody>
+          <a:bodyPr/>
+          <a:lstStyle/>
+          <a:p>
+            <a:r>
+              <a:rPr lang="en-US" dirty="0"/>
+              <a:t>Different memory components of one single device</a:t>
+            </a:r>
+          </a:p>
+          <a:p>
+            <a:r>
+              <a:rPr lang="en-US" dirty="0"/>
+              <a:t>How program be stored in MCUs</a:t>
+            </a:r>
+          </a:p>
+          <a:p>
+            <a:pPr lvl="1"/>
+            <a:r>
+              <a:rPr lang="en-US" dirty="0"/>
+              <a:t>Data </a:t>
+            </a:r>
+          </a:p>
+          <a:p>
+            <a:pPr lvl="1"/>
+            <a:r>
+              <a:rPr lang="en-US" dirty="0"/>
+              <a:t>Graph </a:t>
+            </a:r>
+          </a:p>
+          <a:p>
+            <a:pPr lvl="1"/>
+            <a:r>
+              <a:rPr lang="en-US" dirty="0"/>
+              <a:t>Parameters</a:t>
+            </a:r>
+          </a:p>
+          <a:p>
+            <a:pPr lvl="1"/>
+            <a:r>
+              <a:rPr lang="en-US" dirty="0"/>
+              <a:t>Output     </a:t>
+            </a:r>
+          </a:p>
+          <a:p>
+            <a:r>
+              <a:rPr lang="en-US" dirty="0"/>
+              <a:t>How to evaluate the memory footprint</a:t>
+            </a:r>
+          </a:p>
+          <a:p>
+            <a:pPr lvl="1"/>
+            <a:r>
+              <a:rPr lang="en-US" dirty="0"/>
+              <a:t>For the memory trend</a:t>
+            </a:r>
+          </a:p>
+          <a:p>
+            <a:r>
+              <a:rPr lang="en-US" dirty="0"/>
+              <a:t>We should also consider </a:t>
+            </a:r>
+            <a:r>
+              <a:rPr lang="en-US" dirty="0" err="1"/>
+              <a:t>ble</a:t>
+            </a:r>
+            <a:r>
+              <a:rPr lang="en-US" dirty="0"/>
+              <a:t> mesh firmware</a:t>
+            </a:r>
+          </a:p>
+        </p:txBody>
+      </p:sp>
+    </p:spTree>
+    <p:extLst>
+      <p:ext uri="{BB962C8B-B14F-4D97-AF65-F5344CB8AC3E}">
+        <p14:creationId xmlns:p14="http://schemas.microsoft.com/office/powerpoint/2010/main" val="2784032639"/>
+      </p:ext>
+    </p:extLst>
+  </p:cSld>
+  <p:clrMapOvr>
+    <a:masterClrMapping/>
+  </p:clrMapOvr>
+</p:sld>
+</file>
+
+<file path=ppt/slides/slide21.xml><?xml version="1.0" encoding="utf-8"?>
+<p:sld xmlns:a="http://schemas.openxmlformats.org/drawingml/2006/main" xmlns:r="http://schemas.openxmlformats.org/officeDocument/2006/relationships" xmlns:p="http://schemas.openxmlformats.org/presentationml/2006/main">
+  <p:cSld>
+    <p:spTree>
+      <p:nvGrpSpPr>
+        <p:cNvPr id="1" name=""/>
+        <p:cNvGrpSpPr/>
+        <p:nvPr/>
+      </p:nvGrpSpPr>
+      <p:grpSpPr>
+        <a:xfrm>
+          <a:off x="0" y="0"/>
+          <a:ext cx="0" cy="0"/>
+          <a:chOff x="0" y="0"/>
+          <a:chExt cx="0" cy="0"/>
+        </a:xfrm>
+      </p:grpSpPr>
+      <p:sp>
+        <p:nvSpPr>
+          <p:cNvPr id="2" name="Title 1">
+            <a:extLst>
+              <a:ext uri="{FF2B5EF4-FFF2-40B4-BE49-F238E27FC236}">
+                <a16:creationId xmlns:a16="http://schemas.microsoft.com/office/drawing/2014/main" id="{91D699B6-0E08-D122-6BF8-B2132A87D5A3}"/>
+              </a:ext>
+            </a:extLst>
+          </p:cNvPr>
+          <p:cNvSpPr>
+            <a:spLocks noGrp="1"/>
+          </p:cNvSpPr>
+          <p:nvPr>
+            <p:ph type="title"/>
+          </p:nvPr>
+        </p:nvSpPr>
+        <p:spPr/>
+        <p:txBody>
+          <a:bodyPr/>
+          <a:lstStyle/>
+          <a:p>
+            <a:endParaRPr lang="en-US"/>
+          </a:p>
+        </p:txBody>
+      </p:sp>
+      <p:sp>
+        <p:nvSpPr>
+          <p:cNvPr id="3" name="Content Placeholder 2">
+            <a:extLst>
+              <a:ext uri="{FF2B5EF4-FFF2-40B4-BE49-F238E27FC236}">
+                <a16:creationId xmlns:a16="http://schemas.microsoft.com/office/drawing/2014/main" id="{48CD3304-6546-7BAB-9E00-428CB8AEA871}"/>
+              </a:ext>
+            </a:extLst>
+          </p:cNvPr>
+          <p:cNvSpPr>
+            <a:spLocks noGrp="1"/>
+          </p:cNvSpPr>
+          <p:nvPr>
+            <p:ph idx="1"/>
+          </p:nvPr>
+        </p:nvSpPr>
+        <p:spPr/>
+        <p:txBody>
+          <a:bodyPr/>
+          <a:lstStyle/>
+          <a:p>
+            <a:endParaRPr lang="en-US"/>
+          </a:p>
+        </p:txBody>
+      </p:sp>
+    </p:spTree>
+    <p:extLst>
+      <p:ext uri="{BB962C8B-B14F-4D97-AF65-F5344CB8AC3E}">
+        <p14:creationId xmlns:p14="http://schemas.microsoft.com/office/powerpoint/2010/main" val="1723049971"/>
       </p:ext>
     </p:extLst>
   </p:cSld>
@@ -7964,7 +9553,7 @@
           <p:cNvPr id="2" name="Title 1">
             <a:extLst>
               <a:ext uri="{FF2B5EF4-FFF2-40B4-BE49-F238E27FC236}">
-                <a16:creationId xmlns:a16="http://schemas.microsoft.com/office/drawing/2014/main" id="{02260412-8F57-EF35-3491-E3B7D371FE3A}"/>
+                <a16:creationId xmlns:a16="http://schemas.microsoft.com/office/drawing/2014/main" id="{D96116C7-906F-AFDF-8B25-C677E36D5991}"/>
               </a:ext>
             </a:extLst>
           </p:cNvPr>
@@ -7982,7 +9571,7 @@
           <a:p>
             <a:r>
               <a:rPr lang="en-US" dirty="0"/>
-              <a:t>Motivations</a:t>
+              <a:t>1. Overview</a:t>
             </a:r>
           </a:p>
         </p:txBody>
@@ -7992,7 +9581,7 @@
           <p:cNvPr id="3" name="Content Placeholder 2">
             <a:extLst>
               <a:ext uri="{FF2B5EF4-FFF2-40B4-BE49-F238E27FC236}">
-                <a16:creationId xmlns:a16="http://schemas.microsoft.com/office/drawing/2014/main" id="{A3EC0B05-0896-E2B3-A8F2-9DE909834BCF}"/>
+                <a16:creationId xmlns:a16="http://schemas.microsoft.com/office/drawing/2014/main" id="{8F37FB1E-EBA7-8E4E-DF52-9DD44016DCEB}"/>
               </a:ext>
             </a:extLst>
           </p:cNvPr>
@@ -8005,50 +9594,63 @@
         </p:nvSpPr>
         <p:spPr/>
         <p:txBody>
-          <a:bodyPr/>
+          <a:bodyPr>
+            <a:normAutofit/>
+          </a:bodyPr>
           <a:lstStyle/>
           <a:p>
             <a:r>
               <a:rPr lang="en-US" dirty="0"/>
-              <a:t>Internet-less decentralized network</a:t>
+              <a:t>The goal is to optimize the partitioning of DNN models across resource-limited MCU nodes in a BLE mesh network without internet connectivity, focusing on minimizing computation and transfer time while considering memory and energy constraints.</a:t>
+            </a:r>
+          </a:p>
+          <a:p>
+            <a:endParaRPr lang="en-US" dirty="0"/>
+          </a:p>
+          <a:p>
+            <a:r>
+              <a:rPr lang="en-US" dirty="0"/>
+              <a:t>This involves:</a:t>
             </a:r>
           </a:p>
           <a:p>
             <a:pPr lvl="1"/>
             <a:r>
               <a:rPr lang="en-US" dirty="0"/>
-              <a:t>Applications: underground mining, deep sea, mountains, UAVs </a:t>
-            </a:r>
-          </a:p>
-          <a:p>
-            <a:endParaRPr lang="en-US" dirty="0"/>
-          </a:p>
-          <a:p>
-            <a:r>
-              <a:rPr lang="en-US" dirty="0"/>
-              <a:t>Distributed inference on embedding system</a:t>
+              <a:t>1. How to make multiple MCUs cooperate?</a:t>
+            </a:r>
+          </a:p>
+          <a:p>
+            <a:pPr lvl="2"/>
+            <a:r>
+              <a:rPr lang="en-US" dirty="0" err="1"/>
+              <a:t>WiFi</a:t>
+            </a:r>
+            <a:r>
+              <a:rPr lang="en-US" dirty="0"/>
+              <a:t> and BLE-Mesh</a:t>
             </a:r>
           </a:p>
           <a:p>
             <a:pPr lvl="1"/>
             <a:r>
               <a:rPr lang="en-US" dirty="0"/>
-              <a:t>Leverage resources from multiple devices (data, processor)</a:t>
-            </a:r>
-          </a:p>
-          <a:p>
-            <a:pPr lvl="1"/>
-            <a:endParaRPr lang="en-US" dirty="0"/>
-          </a:p>
-          <a:p>
-            <a:endParaRPr lang="en-US" dirty="0"/>
+              <a:t>2. How to run inference on multiple MCUs?</a:t>
+            </a:r>
+          </a:p>
+          <a:p>
+            <a:pPr lvl="2"/>
+            <a:r>
+              <a:rPr lang="en-US" dirty="0"/>
+              <a:t>Model Partitioning</a:t>
+            </a:r>
           </a:p>
         </p:txBody>
       </p:sp>
     </p:spTree>
     <p:extLst>
       <p:ext uri="{BB962C8B-B14F-4D97-AF65-F5344CB8AC3E}">
-        <p14:creationId xmlns:p14="http://schemas.microsoft.com/office/powerpoint/2010/main" val="2225556048"/>
+        <p14:creationId xmlns:p14="http://schemas.microsoft.com/office/powerpoint/2010/main" val="1933540329"/>
       </p:ext>
     </p:extLst>
   </p:cSld>
@@ -8080,7 +9682,7 @@
           <p:cNvPr id="2" name="Title 1">
             <a:extLst>
               <a:ext uri="{FF2B5EF4-FFF2-40B4-BE49-F238E27FC236}">
-                <a16:creationId xmlns:a16="http://schemas.microsoft.com/office/drawing/2014/main" id="{6E03B2AB-3665-15B4-2FCC-EFD0D533F094}"/>
+                <a16:creationId xmlns:a16="http://schemas.microsoft.com/office/drawing/2014/main" id="{43B54947-2B35-7D0E-AD81-D17D4DCBC308}"/>
               </a:ext>
             </a:extLst>
           </p:cNvPr>
@@ -8098,447 +9700,7 @@
           <a:p>
             <a:r>
               <a:rPr lang="en-US" dirty="0"/>
-              <a:t>Overlay network (p2p as an example)</a:t>
-            </a:r>
-          </a:p>
-        </p:txBody>
-      </p:sp>
-      <p:pic>
-        <p:nvPicPr>
-          <p:cNvPr id="1026" name="Picture 2" descr="P2P overlay network architecture | Download Scientific Diagram">
-            <a:extLst>
-              <a:ext uri="{FF2B5EF4-FFF2-40B4-BE49-F238E27FC236}">
-                <a16:creationId xmlns:a16="http://schemas.microsoft.com/office/drawing/2014/main" id="{1A104C18-B709-264E-5B76-877E77C3C652}"/>
-              </a:ext>
-            </a:extLst>
-          </p:cNvPr>
-          <p:cNvPicPr>
-            <a:picLocks noGrp="1" noChangeAspect="1" noChangeArrowheads="1"/>
-          </p:cNvPicPr>
-          <p:nvPr>
-            <p:ph idx="1"/>
-          </p:nvPr>
-        </p:nvPicPr>
-        <p:blipFill>
-          <a:blip r:embed="rId2">
-            <a:extLst>
-              <a:ext uri="{28A0092B-C50C-407E-A947-70E740481C1C}">
-                <a14:useLocalDpi xmlns:a14="http://schemas.microsoft.com/office/drawing/2010/main" val="0"/>
-              </a:ext>
-            </a:extLst>
-          </a:blip>
-          <a:srcRect/>
-          <a:stretch>
-            <a:fillRect/>
-          </a:stretch>
-        </p:blipFill>
-        <p:spPr bwMode="auto">
-          <a:xfrm>
-            <a:off x="838200" y="1950332"/>
-            <a:ext cx="5137855" cy="3734215"/>
-          </a:xfrm>
-          <a:prstGeom prst="rect">
-            <a:avLst/>
-          </a:prstGeom>
-          <a:noFill/>
-          <a:extLst>
-            <a:ext uri="{909E8E84-426E-40DD-AFC4-6F175D3DCCD1}">
-              <a14:hiddenFill xmlns:a14="http://schemas.microsoft.com/office/drawing/2010/main">
-                <a:solidFill>
-                  <a:srgbClr val="FFFFFF"/>
-                </a:solidFill>
-              </a14:hiddenFill>
-            </a:ext>
-          </a:extLst>
-        </p:spPr>
-      </p:pic>
-      <p:graphicFrame>
-        <p:nvGraphicFramePr>
-          <p:cNvPr id="5" name="Table 4">
-            <a:extLst>
-              <a:ext uri="{FF2B5EF4-FFF2-40B4-BE49-F238E27FC236}">
-                <a16:creationId xmlns:a16="http://schemas.microsoft.com/office/drawing/2014/main" id="{FF59B767-52FF-D4BB-7855-00103CB72F5B}"/>
-              </a:ext>
-            </a:extLst>
-          </p:cNvPr>
-          <p:cNvGraphicFramePr>
-            <a:graphicFrameLocks noGrp="1"/>
-          </p:cNvGraphicFramePr>
-          <p:nvPr/>
-        </p:nvGraphicFramePr>
-        <p:xfrm>
-          <a:off x="7800622" y="1950332"/>
-          <a:ext cx="3239911" cy="3524780"/>
-        </p:xfrm>
-        <a:graphic>
-          <a:graphicData uri="http://schemas.openxmlformats.org/drawingml/2006/table">
-            <a:tbl>
-              <a:tblPr firstRow="1" bandRow="1">
-                <a:tableStyleId>{5C22544A-7EE6-4342-B048-85BDC9FD1C3A}</a:tableStyleId>
-              </a:tblPr>
-              <a:tblGrid>
-                <a:gridCol w="3239911">
-                  <a:extLst>
-                    <a:ext uri="{9D8B030D-6E8A-4147-A177-3AD203B41FA5}">
-                      <a16:colId xmlns:a16="http://schemas.microsoft.com/office/drawing/2014/main" val="1259202687"/>
-                    </a:ext>
-                  </a:extLst>
-                </a:gridCol>
-              </a:tblGrid>
-              <a:tr h="1255765">
-                <a:tc>
-                  <a:txBody>
-                    <a:bodyPr/>
-                    <a:lstStyle/>
-                    <a:p>
-                      <a:r>
-                        <a:rPr lang="en-US"/>
-                        <a:t>Distributed Inference/retraining</a:t>
-                      </a:r>
-                    </a:p>
-                  </a:txBody>
-                  <a:tcPr/>
-                </a:tc>
-                <a:extLst>
-                  <a:ext uri="{0D108BD9-81ED-4DB2-BD59-A6C34878D82A}">
-                    <a16:rowId xmlns:a16="http://schemas.microsoft.com/office/drawing/2014/main" val="3763870162"/>
-                  </a:ext>
-                </a:extLst>
-              </a:tr>
-              <a:tr h="1255765">
-                <a:tc>
-                  <a:txBody>
-                    <a:bodyPr/>
-                    <a:lstStyle/>
-                    <a:p>
-                      <a:r>
-                        <a:rPr lang="en-US"/>
-                        <a:t>Collaborative Virtual Network</a:t>
-                      </a:r>
-                    </a:p>
-                    <a:p>
-                      <a:r>
-                        <a:rPr lang="en-US"/>
-                        <a:t>Our new virtual network</a:t>
-                      </a:r>
-                    </a:p>
-                  </a:txBody>
-                  <a:tcPr/>
-                </a:tc>
-                <a:extLst>
-                  <a:ext uri="{0D108BD9-81ED-4DB2-BD59-A6C34878D82A}">
-                    <a16:rowId xmlns:a16="http://schemas.microsoft.com/office/drawing/2014/main" val="588480382"/>
-                  </a:ext>
-                </a:extLst>
-              </a:tr>
-              <a:tr h="1013250">
-                <a:tc>
-                  <a:txBody>
-                    <a:bodyPr/>
-                    <a:lstStyle/>
-                    <a:p>
-                      <a:r>
-                        <a:rPr lang="en-US"/>
-                        <a:t>BLE 1.1 Mesh Network</a:t>
-                      </a:r>
-                    </a:p>
-                  </a:txBody>
-                  <a:tcPr/>
-                </a:tc>
-                <a:extLst>
-                  <a:ext uri="{0D108BD9-81ED-4DB2-BD59-A6C34878D82A}">
-                    <a16:rowId xmlns:a16="http://schemas.microsoft.com/office/drawing/2014/main" val="2814217622"/>
-                  </a:ext>
-                </a:extLst>
-              </a:tr>
-            </a:tbl>
-          </a:graphicData>
-        </a:graphic>
-      </p:graphicFrame>
-      <p:sp>
-        <p:nvSpPr>
-          <p:cNvPr id="6" name="TextBox 5">
-            <a:extLst>
-              <a:ext uri="{FF2B5EF4-FFF2-40B4-BE49-F238E27FC236}">
-                <a16:creationId xmlns:a16="http://schemas.microsoft.com/office/drawing/2014/main" id="{525852A6-3D76-1170-44A8-D41DB4542A51}"/>
-              </a:ext>
-            </a:extLst>
-          </p:cNvPr>
-          <p:cNvSpPr txBox="1"/>
-          <p:nvPr/>
-        </p:nvSpPr>
-        <p:spPr>
-          <a:xfrm>
-            <a:off x="1034390" y="5944191"/>
-            <a:ext cx="10123220" cy="369332"/>
-          </a:xfrm>
-          <a:prstGeom prst="rect">
-            <a:avLst/>
-          </a:prstGeom>
-          <a:noFill/>
-        </p:spPr>
-        <p:txBody>
-          <a:bodyPr wrap="none" rtlCol="0">
-            <a:spAutoFit/>
-          </a:bodyPr>
-          <a:lstStyle/>
-          <a:p>
-            <a:r>
-              <a:rPr lang="en-US" dirty="0"/>
-              <a:t>We will use computing/super nodes to establish the distributed learning path on the overlay network.</a:t>
-            </a:r>
-          </a:p>
-        </p:txBody>
-      </p:sp>
-    </p:spTree>
-    <p:extLst>
-      <p:ext uri="{BB962C8B-B14F-4D97-AF65-F5344CB8AC3E}">
-        <p14:creationId xmlns:p14="http://schemas.microsoft.com/office/powerpoint/2010/main" val="2277990870"/>
-      </p:ext>
-    </p:extLst>
-  </p:cSld>
-  <p:clrMapOvr>
-    <a:masterClrMapping/>
-  </p:clrMapOvr>
-</p:sld>
-</file>
-
-<file path=ppt/slides/slide5.xml><?xml version="1.0" encoding="utf-8"?>
-<p:sld xmlns:a="http://schemas.openxmlformats.org/drawingml/2006/main" xmlns:r="http://schemas.openxmlformats.org/officeDocument/2006/relationships" xmlns:p="http://schemas.openxmlformats.org/presentationml/2006/main">
-  <p:cSld>
-    <p:spTree>
-      <p:nvGrpSpPr>
-        <p:cNvPr id="1" name=""/>
-        <p:cNvGrpSpPr/>
-        <p:nvPr/>
-      </p:nvGrpSpPr>
-      <p:grpSpPr>
-        <a:xfrm>
-          <a:off x="0" y="0"/>
-          <a:ext cx="0" cy="0"/>
-          <a:chOff x="0" y="0"/>
-          <a:chExt cx="0" cy="0"/>
-        </a:xfrm>
-      </p:grpSpPr>
-      <p:sp>
-        <p:nvSpPr>
-          <p:cNvPr id="2" name="Title 1">
-            <a:extLst>
-              <a:ext uri="{FF2B5EF4-FFF2-40B4-BE49-F238E27FC236}">
-                <a16:creationId xmlns:a16="http://schemas.microsoft.com/office/drawing/2014/main" id="{3C4A9EB1-AC01-2A64-C7CE-5EEEBB35B1EA}"/>
-              </a:ext>
-            </a:extLst>
-          </p:cNvPr>
-          <p:cNvSpPr>
-            <a:spLocks noGrp="1"/>
-          </p:cNvSpPr>
-          <p:nvPr>
-            <p:ph type="title"/>
-          </p:nvPr>
-        </p:nvSpPr>
-        <p:spPr/>
-        <p:txBody>
-          <a:bodyPr/>
-          <a:lstStyle/>
-          <a:p>
-            <a:r>
-              <a:rPr lang="en-US" dirty="0"/>
-              <a:t>Pipeline</a:t>
-            </a:r>
-          </a:p>
-        </p:txBody>
-      </p:sp>
-      <p:sp>
-        <p:nvSpPr>
-          <p:cNvPr id="3" name="Content Placeholder 2">
-            <a:extLst>
-              <a:ext uri="{FF2B5EF4-FFF2-40B4-BE49-F238E27FC236}">
-                <a16:creationId xmlns:a16="http://schemas.microsoft.com/office/drawing/2014/main" id="{29EFB5C7-8C1F-DFA1-BA2D-49F9C6A8469D}"/>
-              </a:ext>
-            </a:extLst>
-          </p:cNvPr>
-          <p:cNvSpPr>
-            <a:spLocks noGrp="1"/>
-          </p:cNvSpPr>
-          <p:nvPr>
-            <p:ph idx="1"/>
-          </p:nvPr>
-        </p:nvSpPr>
-        <p:spPr/>
-        <p:txBody>
-          <a:bodyPr>
-            <a:normAutofit fontScale="85000" lnSpcReduction="20000"/>
-          </a:bodyPr>
-          <a:lstStyle/>
-          <a:p>
-            <a:r>
-              <a:rPr lang="en-US" dirty="0"/>
-              <a:t>1. Network Construction</a:t>
-            </a:r>
-          </a:p>
-          <a:p>
-            <a:r>
-              <a:rPr lang="en-US" dirty="0"/>
-              <a:t>2. Profiling</a:t>
-            </a:r>
-          </a:p>
-          <a:p>
-            <a:pPr lvl="1"/>
-            <a:r>
-              <a:rPr lang="en-US" dirty="0"/>
-              <a:t>Network conditions:</a:t>
-            </a:r>
-          </a:p>
-          <a:p>
-            <a:pPr lvl="2"/>
-            <a:r>
-              <a:rPr lang="en-US" dirty="0"/>
-              <a:t>Nodes capabilities(CPU, Memory, Architecture)-&gt;processing time</a:t>
-            </a:r>
-          </a:p>
-          <a:p>
-            <a:pPr lvl="2"/>
-            <a:r>
-              <a:rPr lang="en-US" dirty="0"/>
-              <a:t>Network bandwidth -&gt; transfer time</a:t>
-            </a:r>
-          </a:p>
-          <a:p>
-            <a:pPr lvl="1"/>
-            <a:r>
-              <a:rPr lang="en-US" dirty="0"/>
-              <a:t>DNN Model (per layer)</a:t>
-            </a:r>
-          </a:p>
-          <a:p>
-            <a:pPr lvl="2"/>
-            <a:r>
-              <a:rPr lang="en-US" dirty="0"/>
-              <a:t>Latency, memory, energy, data size</a:t>
-            </a:r>
-          </a:p>
-          <a:p>
-            <a:r>
-              <a:rPr lang="en-US" dirty="0"/>
-              <a:t>3.  Model Partitioning</a:t>
-            </a:r>
-          </a:p>
-          <a:p>
-            <a:pPr lvl="1"/>
-            <a:r>
-              <a:rPr lang="en-US" dirty="0"/>
-              <a:t>Per layer execution time (</a:t>
-            </a:r>
-            <a:r>
-              <a:rPr lang="en-US" dirty="0">
-                <a:solidFill>
-                  <a:srgbClr val="FF0000"/>
-                </a:solidFill>
-              </a:rPr>
-              <a:t>Assume that each layer is independent</a:t>
-            </a:r>
-            <a:r>
-              <a:rPr lang="en-US" dirty="0"/>
-              <a:t>)</a:t>
-            </a:r>
-          </a:p>
-          <a:p>
-            <a:pPr lvl="1"/>
-            <a:r>
-              <a:rPr lang="en-US" dirty="0"/>
-              <a:t>Assignment(layer-device) determination</a:t>
-            </a:r>
-          </a:p>
-          <a:p>
-            <a:r>
-              <a:rPr lang="en-US" dirty="0"/>
-              <a:t>4.  Model Deployment</a:t>
-            </a:r>
-          </a:p>
-          <a:p>
-            <a:pPr lvl="1"/>
-            <a:r>
-              <a:rPr lang="en-US" dirty="0"/>
-              <a:t>Select virtual ‘routing’ for distributed inference</a:t>
-            </a:r>
-          </a:p>
-          <a:p>
-            <a:r>
-              <a:rPr lang="en-US" dirty="0"/>
-              <a:t>5.  Feedback loop</a:t>
-            </a:r>
-          </a:p>
-          <a:p>
-            <a:pPr lvl="1"/>
-            <a:r>
-              <a:rPr lang="en-US" dirty="0">
-                <a:solidFill>
-                  <a:srgbClr val="FF0000"/>
-                </a:solidFill>
-              </a:rPr>
-              <a:t>Network &lt;-&gt; Model performance</a:t>
-            </a:r>
-          </a:p>
-          <a:p>
-            <a:pPr lvl="1"/>
-            <a:endParaRPr lang="en-US" dirty="0"/>
-          </a:p>
-        </p:txBody>
-      </p:sp>
-    </p:spTree>
-    <p:extLst>
-      <p:ext uri="{BB962C8B-B14F-4D97-AF65-F5344CB8AC3E}">
-        <p14:creationId xmlns:p14="http://schemas.microsoft.com/office/powerpoint/2010/main" val="1580585430"/>
-      </p:ext>
-    </p:extLst>
-  </p:cSld>
-  <p:clrMapOvr>
-    <a:masterClrMapping/>
-  </p:clrMapOvr>
-</p:sld>
-</file>
-
-<file path=ppt/slides/slide6.xml><?xml version="1.0" encoding="utf-8"?>
-<p:sld xmlns:a="http://schemas.openxmlformats.org/drawingml/2006/main" xmlns:r="http://schemas.openxmlformats.org/officeDocument/2006/relationships" xmlns:p="http://schemas.openxmlformats.org/presentationml/2006/main">
-  <p:cSld>
-    <p:spTree>
-      <p:nvGrpSpPr>
-        <p:cNvPr id="1" name=""/>
-        <p:cNvGrpSpPr/>
-        <p:nvPr/>
-      </p:nvGrpSpPr>
-      <p:grpSpPr>
-        <a:xfrm>
-          <a:off x="0" y="0"/>
-          <a:ext cx="0" cy="0"/>
-          <a:chOff x="0" y="0"/>
-          <a:chExt cx="0" cy="0"/>
-        </a:xfrm>
-      </p:grpSpPr>
-      <p:sp>
-        <p:nvSpPr>
-          <p:cNvPr id="2" name="Title 1">
-            <a:extLst>
-              <a:ext uri="{FF2B5EF4-FFF2-40B4-BE49-F238E27FC236}">
-                <a16:creationId xmlns:a16="http://schemas.microsoft.com/office/drawing/2014/main" id="{43B54947-2B35-7D0E-AD81-D17D4DCBC308}"/>
-              </a:ext>
-            </a:extLst>
-          </p:cNvPr>
-          <p:cNvSpPr>
-            <a:spLocks noGrp="1"/>
-          </p:cNvSpPr>
-          <p:nvPr>
-            <p:ph type="title"/>
-          </p:nvPr>
-        </p:nvSpPr>
-        <p:spPr/>
-        <p:txBody>
-          <a:bodyPr/>
-          <a:lstStyle/>
-          <a:p>
-            <a:r>
-              <a:rPr lang="en-US" dirty="0"/>
-              <a:t>S</a:t>
+              <a:t>2.1 S</a:t>
             </a:r>
             <a:r>
               <a:rPr lang="en-US" altLang="zh-CN" dirty="0"/>
@@ -8578,7 +9740,7 @@
           <a:p>
             <a:r>
               <a:rPr lang="en-US" dirty="0"/>
-              <a:t>1. Network construction</a:t>
+              <a:t>1. Network Construction</a:t>
             </a:r>
           </a:p>
           <a:p>
@@ -8599,7 +9761,7 @@
             <a:pPr lvl="1"/>
             <a:r>
               <a:rPr lang="en-US" dirty="0"/>
-              <a:t>Link?</a:t>
+              <a:t>Link</a:t>
             </a:r>
           </a:p>
         </p:txBody>
@@ -9079,12 +10241,222 @@
           </a:p>
         </p:txBody>
       </p:sp>
-      <p:sp>
-        <p:nvSpPr>
-          <p:cNvPr id="25" name="TextBox 24">
-            <a:extLst>
-              <a:ext uri="{FF2B5EF4-FFF2-40B4-BE49-F238E27FC236}">
-                <a16:creationId xmlns:a16="http://schemas.microsoft.com/office/drawing/2014/main" id="{60B15C90-79B3-4AA8-18C8-163261B373D2}"/>
+    </p:spTree>
+    <p:extLst>
+      <p:ext uri="{BB962C8B-B14F-4D97-AF65-F5344CB8AC3E}">
+        <p14:creationId xmlns:p14="http://schemas.microsoft.com/office/powerpoint/2010/main" val="2884314888"/>
+      </p:ext>
+    </p:extLst>
+  </p:cSld>
+  <p:clrMapOvr>
+    <a:masterClrMapping/>
+  </p:clrMapOvr>
+</p:sld>
+</file>
+
+<file path=ppt/slides/slide5.xml><?xml version="1.0" encoding="utf-8"?>
+<p:sld xmlns:a="http://schemas.openxmlformats.org/drawingml/2006/main" xmlns:r="http://schemas.openxmlformats.org/officeDocument/2006/relationships" xmlns:p="http://schemas.openxmlformats.org/presentationml/2006/main">
+  <p:cSld>
+    <p:spTree>
+      <p:nvGrpSpPr>
+        <p:cNvPr id="1" name=""/>
+        <p:cNvGrpSpPr/>
+        <p:nvPr/>
+      </p:nvGrpSpPr>
+      <p:grpSpPr>
+        <a:xfrm>
+          <a:off x="0" y="0"/>
+          <a:ext cx="0" cy="0"/>
+          <a:chOff x="0" y="0"/>
+          <a:chExt cx="0" cy="0"/>
+        </a:xfrm>
+      </p:grpSpPr>
+      <p:sp>
+        <p:nvSpPr>
+          <p:cNvPr id="2" name="Title 1">
+            <a:extLst>
+              <a:ext uri="{FF2B5EF4-FFF2-40B4-BE49-F238E27FC236}">
+                <a16:creationId xmlns:a16="http://schemas.microsoft.com/office/drawing/2014/main" id="{6E03B2AB-3665-15B4-2FCC-EFD0D533F094}"/>
+              </a:ext>
+            </a:extLst>
+          </p:cNvPr>
+          <p:cNvSpPr>
+            <a:spLocks noGrp="1"/>
+          </p:cNvSpPr>
+          <p:nvPr>
+            <p:ph type="title"/>
+          </p:nvPr>
+        </p:nvSpPr>
+        <p:spPr/>
+        <p:txBody>
+          <a:bodyPr/>
+          <a:lstStyle/>
+          <a:p>
+            <a:r>
+              <a:rPr lang="en-US" dirty="0"/>
+              <a:t>2.1 System Design</a:t>
+            </a:r>
+          </a:p>
+        </p:txBody>
+      </p:sp>
+      <p:pic>
+        <p:nvPicPr>
+          <p:cNvPr id="1026" name="Picture 2" descr="P2P overlay network architecture | Download Scientific Diagram">
+            <a:extLst>
+              <a:ext uri="{FF2B5EF4-FFF2-40B4-BE49-F238E27FC236}">
+                <a16:creationId xmlns:a16="http://schemas.microsoft.com/office/drawing/2014/main" id="{1A104C18-B709-264E-5B76-877E77C3C652}"/>
+              </a:ext>
+            </a:extLst>
+          </p:cNvPr>
+          <p:cNvPicPr>
+            <a:picLocks noGrp="1" noChangeAspect="1" noChangeArrowheads="1"/>
+          </p:cNvPicPr>
+          <p:nvPr>
+            <p:ph idx="1"/>
+          </p:nvPr>
+        </p:nvPicPr>
+        <p:blipFill>
+          <a:blip r:embed="rId2">
+            <a:extLst>
+              <a:ext uri="{28A0092B-C50C-407E-A947-70E740481C1C}">
+                <a14:useLocalDpi xmlns:a14="http://schemas.microsoft.com/office/drawing/2010/main" val="0"/>
+              </a:ext>
+            </a:extLst>
+          </a:blip>
+          <a:srcRect/>
+          <a:stretch>
+            <a:fillRect/>
+          </a:stretch>
+        </p:blipFill>
+        <p:spPr bwMode="auto">
+          <a:xfrm>
+            <a:off x="838200" y="1950332"/>
+            <a:ext cx="5137855" cy="3734215"/>
+          </a:xfrm>
+          <a:prstGeom prst="rect">
+            <a:avLst/>
+          </a:prstGeom>
+          <a:noFill/>
+          <a:extLst>
+            <a:ext uri="{909E8E84-426E-40DD-AFC4-6F175D3DCCD1}">
+              <a14:hiddenFill xmlns:a14="http://schemas.microsoft.com/office/drawing/2010/main">
+                <a:solidFill>
+                  <a:srgbClr val="FFFFFF"/>
+                </a:solidFill>
+              </a14:hiddenFill>
+            </a:ext>
+          </a:extLst>
+        </p:spPr>
+      </p:pic>
+      <p:graphicFrame>
+        <p:nvGraphicFramePr>
+          <p:cNvPr id="5" name="Table 4">
+            <a:extLst>
+              <a:ext uri="{FF2B5EF4-FFF2-40B4-BE49-F238E27FC236}">
+                <a16:creationId xmlns:a16="http://schemas.microsoft.com/office/drawing/2014/main" id="{FF59B767-52FF-D4BB-7855-00103CB72F5B}"/>
+              </a:ext>
+            </a:extLst>
+          </p:cNvPr>
+          <p:cNvGraphicFramePr>
+            <a:graphicFrameLocks noGrp="1"/>
+          </p:cNvGraphicFramePr>
+          <p:nvPr/>
+        </p:nvGraphicFramePr>
+        <p:xfrm>
+          <a:off x="7800622" y="1950332"/>
+          <a:ext cx="3239911" cy="3524780"/>
+        </p:xfrm>
+        <a:graphic>
+          <a:graphicData uri="http://schemas.openxmlformats.org/drawingml/2006/table">
+            <a:tbl>
+              <a:tblPr firstRow="1" bandRow="1">
+                <a:tableStyleId>{5C22544A-7EE6-4342-B048-85BDC9FD1C3A}</a:tableStyleId>
+              </a:tblPr>
+              <a:tblGrid>
+                <a:gridCol w="3239911">
+                  <a:extLst>
+                    <a:ext uri="{9D8B030D-6E8A-4147-A177-3AD203B41FA5}">
+                      <a16:colId xmlns:a16="http://schemas.microsoft.com/office/drawing/2014/main" val="1259202687"/>
+                    </a:ext>
+                  </a:extLst>
+                </a:gridCol>
+              </a:tblGrid>
+              <a:tr h="1255765">
+                <a:tc>
+                  <a:txBody>
+                    <a:bodyPr/>
+                    <a:lstStyle/>
+                    <a:p>
+                      <a:r>
+                        <a:rPr lang="en-US"/>
+                        <a:t>Distributed Inference/retraining</a:t>
+                      </a:r>
+                    </a:p>
+                  </a:txBody>
+                  <a:tcPr/>
+                </a:tc>
+                <a:extLst>
+                  <a:ext uri="{0D108BD9-81ED-4DB2-BD59-A6C34878D82A}">
+                    <a16:rowId xmlns:a16="http://schemas.microsoft.com/office/drawing/2014/main" val="3763870162"/>
+                  </a:ext>
+                </a:extLst>
+              </a:tr>
+              <a:tr h="1255765">
+                <a:tc>
+                  <a:txBody>
+                    <a:bodyPr/>
+                    <a:lstStyle/>
+                    <a:p>
+                      <a:r>
+                        <a:rPr lang="en-US"/>
+                        <a:t>Collaborative Virtual Network</a:t>
+                      </a:r>
+                    </a:p>
+                    <a:p>
+                      <a:r>
+                        <a:rPr lang="en-US"/>
+                        <a:t>Our new virtual network</a:t>
+                      </a:r>
+                    </a:p>
+                  </a:txBody>
+                  <a:tcPr/>
+                </a:tc>
+                <a:extLst>
+                  <a:ext uri="{0D108BD9-81ED-4DB2-BD59-A6C34878D82A}">
+                    <a16:rowId xmlns:a16="http://schemas.microsoft.com/office/drawing/2014/main" val="588480382"/>
+                  </a:ext>
+                </a:extLst>
+              </a:tr>
+              <a:tr h="1013250">
+                <a:tc>
+                  <a:txBody>
+                    <a:bodyPr/>
+                    <a:lstStyle/>
+                    <a:p>
+                      <a:r>
+                        <a:rPr lang="en-US"/>
+                        <a:t>BLE 1.1 Mesh Network</a:t>
+                      </a:r>
+                    </a:p>
+                  </a:txBody>
+                  <a:tcPr/>
+                </a:tc>
+                <a:extLst>
+                  <a:ext uri="{0D108BD9-81ED-4DB2-BD59-A6C34878D82A}">
+                    <a16:rowId xmlns:a16="http://schemas.microsoft.com/office/drawing/2014/main" val="2814217622"/>
+                  </a:ext>
+                </a:extLst>
+              </a:tr>
+            </a:tbl>
+          </a:graphicData>
+        </a:graphic>
+      </p:graphicFrame>
+      <p:sp>
+        <p:nvSpPr>
+          <p:cNvPr id="6" name="TextBox 5">
+            <a:extLst>
+              <a:ext uri="{FF2B5EF4-FFF2-40B4-BE49-F238E27FC236}">
+                <a16:creationId xmlns:a16="http://schemas.microsoft.com/office/drawing/2014/main" id="{525852A6-3D76-1170-44A8-D41DB4542A51}"/>
               </a:ext>
             </a:extLst>
           </p:cNvPr>
@@ -9093,8 +10465,8 @@
         </p:nvSpPr>
         <p:spPr>
           <a:xfrm>
-            <a:off x="3198769" y="5950441"/>
-            <a:ext cx="6214987" cy="369332"/>
+            <a:off x="1034390" y="5944191"/>
+            <a:ext cx="10123220" cy="369332"/>
           </a:xfrm>
           <a:prstGeom prst="rect">
             <a:avLst/>
@@ -9102,18 +10474,14 @@
           <a:noFill/>
         </p:spPr>
         <p:txBody>
-          <a:bodyPr wrap="square" rtlCol="0">
+          <a:bodyPr wrap="none" rtlCol="0">
             <a:spAutoFit/>
           </a:bodyPr>
           <a:lstStyle/>
           <a:p>
             <a:r>
-              <a:rPr lang="en-US" dirty="0">
-                <a:solidFill>
-                  <a:srgbClr val="FF0000"/>
-                </a:solidFill>
-              </a:rPr>
-              <a:t>What is our goal to build a network before deploying a DNN? </a:t>
+              <a:rPr lang="en-US" dirty="0"/>
+              <a:t>We will use computing/super nodes to establish the distributed learning path on the overlay network.</a:t>
             </a:r>
           </a:p>
         </p:txBody>
@@ -9121,7 +10489,210 @@
     </p:spTree>
     <p:extLst>
       <p:ext uri="{BB962C8B-B14F-4D97-AF65-F5344CB8AC3E}">
-        <p14:creationId xmlns:p14="http://schemas.microsoft.com/office/powerpoint/2010/main" val="2884314888"/>
+        <p14:creationId xmlns:p14="http://schemas.microsoft.com/office/powerpoint/2010/main" val="2277990870"/>
+      </p:ext>
+    </p:extLst>
+  </p:cSld>
+  <p:clrMapOvr>
+    <a:masterClrMapping/>
+  </p:clrMapOvr>
+</p:sld>
+</file>
+
+<file path=ppt/slides/slide6.xml><?xml version="1.0" encoding="utf-8"?>
+<p:sld xmlns:a="http://schemas.openxmlformats.org/drawingml/2006/main" xmlns:r="http://schemas.openxmlformats.org/officeDocument/2006/relationships" xmlns:p="http://schemas.openxmlformats.org/presentationml/2006/main">
+  <p:cSld>
+    <p:spTree>
+      <p:nvGrpSpPr>
+        <p:cNvPr id="1" name=""/>
+        <p:cNvGrpSpPr/>
+        <p:nvPr/>
+      </p:nvGrpSpPr>
+      <p:grpSpPr>
+        <a:xfrm>
+          <a:off x="0" y="0"/>
+          <a:ext cx="0" cy="0"/>
+          <a:chOff x="0" y="0"/>
+          <a:chExt cx="0" cy="0"/>
+        </a:xfrm>
+      </p:grpSpPr>
+      <p:sp>
+        <p:nvSpPr>
+          <p:cNvPr id="2" name="Title 1">
+            <a:extLst>
+              <a:ext uri="{FF2B5EF4-FFF2-40B4-BE49-F238E27FC236}">
+                <a16:creationId xmlns:a16="http://schemas.microsoft.com/office/drawing/2014/main" id="{3C4A9EB1-AC01-2A64-C7CE-5EEEBB35B1EA}"/>
+              </a:ext>
+            </a:extLst>
+          </p:cNvPr>
+          <p:cNvSpPr>
+            <a:spLocks noGrp="1"/>
+          </p:cNvSpPr>
+          <p:nvPr>
+            <p:ph type="title"/>
+          </p:nvPr>
+        </p:nvSpPr>
+        <p:spPr/>
+        <p:txBody>
+          <a:bodyPr/>
+          <a:lstStyle/>
+          <a:p>
+            <a:r>
+              <a:rPr lang="en-US" dirty="0"/>
+              <a:t>2. 2 Pipeline</a:t>
+            </a:r>
+          </a:p>
+        </p:txBody>
+      </p:sp>
+      <p:sp>
+        <p:nvSpPr>
+          <p:cNvPr id="3" name="Content Placeholder 2">
+            <a:extLst>
+              <a:ext uri="{FF2B5EF4-FFF2-40B4-BE49-F238E27FC236}">
+                <a16:creationId xmlns:a16="http://schemas.microsoft.com/office/drawing/2014/main" id="{29EFB5C7-8C1F-DFA1-BA2D-49F9C6A8469D}"/>
+              </a:ext>
+            </a:extLst>
+          </p:cNvPr>
+          <p:cNvSpPr>
+            <a:spLocks noGrp="1"/>
+          </p:cNvSpPr>
+          <p:nvPr>
+            <p:ph idx="1"/>
+          </p:nvPr>
+        </p:nvSpPr>
+        <p:spPr/>
+        <p:txBody>
+          <a:bodyPr>
+            <a:normAutofit fontScale="77500" lnSpcReduction="20000"/>
+          </a:bodyPr>
+          <a:lstStyle/>
+          <a:p>
+            <a:r>
+              <a:rPr lang="en-US" dirty="0"/>
+              <a:t>1. Network I</a:t>
+            </a:r>
+            <a:r>
+              <a:rPr lang="en-US" altLang="zh-CN" dirty="0"/>
+              <a:t>nitialization</a:t>
+            </a:r>
+            <a:endParaRPr lang="en-US" dirty="0"/>
+          </a:p>
+          <a:p>
+            <a:r>
+              <a:rPr lang="en-US" dirty="0"/>
+              <a:t>2. Profiling</a:t>
+            </a:r>
+          </a:p>
+          <a:p>
+            <a:pPr lvl="1"/>
+            <a:r>
+              <a:rPr lang="en-US" dirty="0"/>
+              <a:t>Network conditions:</a:t>
+            </a:r>
+          </a:p>
+          <a:p>
+            <a:pPr lvl="2"/>
+            <a:r>
+              <a:rPr lang="en-US" dirty="0"/>
+              <a:t>Nodes capabilities(CPU, Memory, Architecture)-&gt;processing time</a:t>
+            </a:r>
+          </a:p>
+          <a:p>
+            <a:pPr lvl="2"/>
+            <a:r>
+              <a:rPr lang="en-US" dirty="0"/>
+              <a:t>Network bandwidth -&gt; transfer time</a:t>
+            </a:r>
+          </a:p>
+          <a:p>
+            <a:pPr lvl="1"/>
+            <a:r>
+              <a:rPr lang="en-US" dirty="0"/>
+              <a:t>DNN Model (per layer)</a:t>
+            </a:r>
+          </a:p>
+          <a:p>
+            <a:pPr lvl="2"/>
+            <a:r>
+              <a:rPr lang="en-US" dirty="0"/>
+              <a:t>Latency, memory, energy, data size</a:t>
+            </a:r>
+          </a:p>
+          <a:p>
+            <a:r>
+              <a:rPr lang="en-US" dirty="0"/>
+              <a:t>3.  Model Partitioning</a:t>
+            </a:r>
+          </a:p>
+          <a:p>
+            <a:pPr lvl="1"/>
+            <a:r>
+              <a:rPr lang="en-US" dirty="0"/>
+              <a:t>Per layer execution time (</a:t>
+            </a:r>
+            <a:r>
+              <a:rPr lang="en-US" dirty="0">
+                <a:solidFill>
+                  <a:srgbClr val="FF0000"/>
+                </a:solidFill>
+              </a:rPr>
+              <a:t>Assume that each layer is independent</a:t>
+            </a:r>
+            <a:r>
+              <a:rPr lang="en-US" dirty="0"/>
+              <a:t>)</a:t>
+            </a:r>
+          </a:p>
+          <a:p>
+            <a:pPr lvl="1"/>
+            <a:r>
+              <a:rPr lang="en-US" dirty="0"/>
+              <a:t>Assignment(layer-device) determination</a:t>
+            </a:r>
+          </a:p>
+          <a:p>
+            <a:r>
+              <a:rPr lang="en-US" dirty="0"/>
+              <a:t>4.  Model Deployment</a:t>
+            </a:r>
+          </a:p>
+          <a:p>
+            <a:pPr lvl="1"/>
+            <a:r>
+              <a:rPr lang="en-US" dirty="0"/>
+              <a:t>Select virtual ‘routing’ for distributed inference</a:t>
+            </a:r>
+          </a:p>
+          <a:p>
+            <a:r>
+              <a:rPr lang="en-US" dirty="0"/>
+              <a:t>5.  Optimization (optional)</a:t>
+            </a:r>
+          </a:p>
+          <a:p>
+            <a:pPr lvl="1"/>
+            <a:r>
+              <a:rPr lang="en-US" dirty="0"/>
+              <a:t>Feedback loop (Network &lt;-&gt; Model performance)</a:t>
+            </a:r>
+          </a:p>
+          <a:p>
+            <a:pPr lvl="1"/>
+            <a:r>
+              <a:rPr lang="en-US" dirty="0"/>
+              <a:t>Model optimization</a:t>
+            </a:r>
+          </a:p>
+          <a:p>
+            <a:pPr lvl="1"/>
+            <a:endParaRPr lang="en-US" dirty="0"/>
+          </a:p>
+        </p:txBody>
+      </p:sp>
+    </p:spTree>
+    <p:extLst>
+      <p:ext uri="{BB962C8B-B14F-4D97-AF65-F5344CB8AC3E}">
+        <p14:creationId xmlns:p14="http://schemas.microsoft.com/office/powerpoint/2010/main" val="1580585430"/>
       </p:ext>
     </p:extLst>
   </p:cSld>
@@ -9543,7 +11114,7 @@
             <a:r>
               <a:rPr lang="en-US" sz="2000" dirty="0">
                 <a:solidFill>
-                  <a:srgbClr val="FF0000"/>
+                  <a:schemeClr val="bg1"/>
                 </a:solidFill>
               </a:rPr>
               <a:t>Inference performance predictor for MCUs</a:t>
@@ -10196,7 +11767,7 @@
           <a:p>
             <a:r>
               <a:rPr lang="en-US" dirty="0"/>
-              <a:t>Model Partitioning Pipeline</a:t>
+              <a:t>2. 3 Model Partitioning Pipeline</a:t>
             </a:r>
           </a:p>
         </p:txBody>
@@ -10443,10 +12014,9 @@
           <a:lstStyle/>
           <a:p>
             <a:r>
-              <a:rPr lang="en-US"/>
-              <a:t>Model Partitioning Existing Works</a:t>
-            </a:r>
-            <a:endParaRPr lang="en-US" dirty="0"/>
+              <a:rPr lang="en-US" dirty="0"/>
+              <a:t>3.1 Model Partitioning Existing Works</a:t>
+            </a:r>
           </a:p>
         </p:txBody>
       </p:sp>

--- a/micro-network-project.pptx
+++ b/micro-network-project.pptx
@@ -5,7 +5,7 @@
     <p:sldMasterId id="2147483648" r:id="rId1"/>
   </p:sldMasterIdLst>
   <p:notesMasterIdLst>
-    <p:notesMasterId r:id="rId23"/>
+    <p:notesMasterId r:id="rId22"/>
   </p:notesMasterIdLst>
   <p:sldIdLst>
     <p:sldId id="256" r:id="rId2"/>
@@ -16,19 +16,18 @@
     <p:sldId id="260" r:id="rId7"/>
     <p:sldId id="305" r:id="rId8"/>
     <p:sldId id="299" r:id="rId9"/>
-    <p:sldId id="263" r:id="rId10"/>
-    <p:sldId id="306" r:id="rId11"/>
-    <p:sldId id="307" r:id="rId12"/>
-    <p:sldId id="310" r:id="rId13"/>
-    <p:sldId id="308" r:id="rId14"/>
-    <p:sldId id="311" r:id="rId15"/>
-    <p:sldId id="312" r:id="rId16"/>
-    <p:sldId id="301" r:id="rId17"/>
-    <p:sldId id="303" r:id="rId18"/>
-    <p:sldId id="302" r:id="rId19"/>
-    <p:sldId id="314" r:id="rId20"/>
-    <p:sldId id="315" r:id="rId21"/>
-    <p:sldId id="318" r:id="rId22"/>
+    <p:sldId id="322" r:id="rId10"/>
+    <p:sldId id="263" r:id="rId11"/>
+    <p:sldId id="321" r:id="rId12"/>
+    <p:sldId id="306" r:id="rId13"/>
+    <p:sldId id="307" r:id="rId14"/>
+    <p:sldId id="310" r:id="rId15"/>
+    <p:sldId id="308" r:id="rId16"/>
+    <p:sldId id="323" r:id="rId17"/>
+    <p:sldId id="311" r:id="rId18"/>
+    <p:sldId id="301" r:id="rId19"/>
+    <p:sldId id="303" r:id="rId20"/>
+    <p:sldId id="302" r:id="rId21"/>
   </p:sldIdLst>
   <p:sldSz cx="12192000" cy="6858000"/>
   <p:notesSz cx="6858000" cy="9144000"/>
@@ -217,7 +216,7 @@
           <a:p>
             <a:fld id="{555D5C1C-6798-4FBE-88F4-FFD1BF4E1875}" type="datetimeFigureOut">
               <a:rPr lang="en-US" smtClean="0"/>
-              <a:t>8/23/2024</a:t>
+              <a:t>8/25/2024</a:t>
             </a:fld>
             <a:endParaRPr lang="en-US"/>
           </a:p>
@@ -568,6 +567,90 @@
 </p:notes>
 </file>
 
+<file path=ppt/notesSlides/notesSlide10.xml><?xml version="1.0" encoding="utf-8"?>
+<p:notes xmlns:a="http://schemas.openxmlformats.org/drawingml/2006/main" xmlns:r="http://schemas.openxmlformats.org/officeDocument/2006/relationships" xmlns:p="http://schemas.openxmlformats.org/presentationml/2006/main">
+  <p:cSld>
+    <p:spTree>
+      <p:nvGrpSpPr>
+        <p:cNvPr id="1" name=""/>
+        <p:cNvGrpSpPr/>
+        <p:nvPr/>
+      </p:nvGrpSpPr>
+      <p:grpSpPr>
+        <a:xfrm>
+          <a:off x="0" y="0"/>
+          <a:ext cx="0" cy="0"/>
+          <a:chOff x="0" y="0"/>
+          <a:chExt cx="0" cy="0"/>
+        </a:xfrm>
+      </p:grpSpPr>
+      <p:sp>
+        <p:nvSpPr>
+          <p:cNvPr id="2" name="Slide Image Placeholder 1"/>
+          <p:cNvSpPr>
+            <a:spLocks noGrp="1" noRot="1" noChangeAspect="1"/>
+          </p:cNvSpPr>
+          <p:nvPr>
+            <p:ph type="sldImg"/>
+          </p:nvPr>
+        </p:nvSpPr>
+        <p:spPr/>
+      </p:sp>
+      <p:sp>
+        <p:nvSpPr>
+          <p:cNvPr id="3" name="Notes Placeholder 2"/>
+          <p:cNvSpPr>
+            <a:spLocks noGrp="1"/>
+          </p:cNvSpPr>
+          <p:nvPr>
+            <p:ph type="body" idx="1"/>
+          </p:nvPr>
+        </p:nvSpPr>
+        <p:spPr/>
+        <p:txBody>
+          <a:bodyPr/>
+          <a:lstStyle/>
+          <a:p>
+            <a:endParaRPr lang="en-US" dirty="0"/>
+          </a:p>
+        </p:txBody>
+      </p:sp>
+      <p:sp>
+        <p:nvSpPr>
+          <p:cNvPr id="4" name="Slide Number Placeholder 3"/>
+          <p:cNvSpPr>
+            <a:spLocks noGrp="1"/>
+          </p:cNvSpPr>
+          <p:nvPr>
+            <p:ph type="sldNum" sz="quarter" idx="5"/>
+          </p:nvPr>
+        </p:nvSpPr>
+        <p:spPr/>
+        <p:txBody>
+          <a:bodyPr/>
+          <a:lstStyle/>
+          <a:p>
+            <a:fld id="{8040ADDC-8370-4EF6-9B0F-387196F75E7A}" type="slidenum">
+              <a:rPr lang="en-US" smtClean="0"/>
+              <a:t>20</a:t>
+            </a:fld>
+            <a:endParaRPr lang="en-US"/>
+          </a:p>
+        </p:txBody>
+      </p:sp>
+    </p:spTree>
+    <p:extLst>
+      <p:ext uri="{BB962C8B-B14F-4D97-AF65-F5344CB8AC3E}">
+        <p14:creationId xmlns:p14="http://schemas.microsoft.com/office/powerpoint/2010/main" val="3974527039"/>
+      </p:ext>
+    </p:extLst>
+  </p:cSld>
+  <p:clrMapOvr>
+    <a:masterClrMapping/>
+  </p:clrMapOvr>
+</p:notes>
+</file>
+
 <file path=ppt/notesSlides/notesSlide2.xml><?xml version="1.0" encoding="utf-8"?>
 <p:notes xmlns:a="http://schemas.openxmlformats.org/drawingml/2006/main" xmlns:r="http://schemas.openxmlformats.org/officeDocument/2006/relationships" xmlns:p="http://schemas.openxmlformats.org/presentationml/2006/main">
   <p:cSld>
@@ -613,6 +696,10 @@
           <a:lstStyle/>
           <a:p>
             <a:r>
+              <a:rPr lang="en-US" dirty="0"/>
+              <a:t>[1]: </a:t>
+            </a:r>
+            <a:r>
               <a:rPr lang="en-US" b="0" i="0" dirty="0">
                 <a:solidFill>
                   <a:srgbClr val="222222"/>
@@ -623,7 +710,7 @@
                 </a:highlight>
                 <a:latin typeface="Arial" panose="020B0604020202020204" pitchFamily="34" charset="0"/>
               </a:rPr>
-              <a:t>[1] Kang, Y., </a:t>
+              <a:t>Alonso, Tobias, Lucian </a:t>
             </a:r>
             <a:r>
               <a:rPr lang="en-US" b="0" i="0" dirty="0" err="1">
@@ -636,7 +723,7 @@
                 </a:highlight>
                 <a:latin typeface="Arial" panose="020B0604020202020204" pitchFamily="34" charset="0"/>
               </a:rPr>
-              <a:t>Hauswald</a:t>
+              <a:t>Petrica</a:t>
             </a:r>
             <a:r>
               <a:rPr lang="en-US" b="0" i="0" dirty="0">
@@ -649,7 +736,7 @@
                 </a:highlight>
                 <a:latin typeface="Arial" panose="020B0604020202020204" pitchFamily="34" charset="0"/>
               </a:rPr>
-              <a:t>, J., Gao, C., </a:t>
+              <a:t>, Mario Ruiz, </a:t>
             </a:r>
             <a:r>
               <a:rPr lang="en-US" b="0" i="0" dirty="0" err="1">
@@ -662,7 +749,7 @@
                 </a:highlight>
                 <a:latin typeface="Arial" panose="020B0604020202020204" pitchFamily="34" charset="0"/>
               </a:rPr>
-              <a:t>Rovinski</a:t>
+              <a:t>Jakoba</a:t>
             </a:r>
             <a:r>
               <a:rPr lang="en-US" b="0" i="0" dirty="0">
@@ -675,7 +762,7 @@
                 </a:highlight>
                 <a:latin typeface="Arial" panose="020B0604020202020204" pitchFamily="34" charset="0"/>
               </a:rPr>
-              <a:t>, A., </a:t>
+              <a:t> Petri-Koenig, </a:t>
             </a:r>
             <a:r>
               <a:rPr lang="en-US" b="0" i="0" dirty="0" err="1">
@@ -688,7 +775,7 @@
                 </a:highlight>
                 <a:latin typeface="Arial" panose="020B0604020202020204" pitchFamily="34" charset="0"/>
               </a:rPr>
-              <a:t>Mudge</a:t>
+              <a:t>Yaman</a:t>
             </a:r>
             <a:r>
               <a:rPr lang="en-US" b="0" i="0" dirty="0">
@@ -701,7 +788,215 @@
                 </a:highlight>
                 <a:latin typeface="Arial" panose="020B0604020202020204" pitchFamily="34" charset="0"/>
               </a:rPr>
-              <a:t>, T., Mars, J., &amp; Tang, L. (2017). Neurosurgeon: Collaborative intelligence between the cloud and mobile edge. </a:t>
+              <a:t> </a:t>
+            </a:r>
+            <a:r>
+              <a:rPr lang="en-US" b="0" i="0" dirty="0" err="1">
+                <a:solidFill>
+                  <a:srgbClr val="222222"/>
+                </a:solidFill>
+                <a:effectLst/>
+                <a:highlight>
+                  <a:srgbClr val="FFFFFF"/>
+                </a:highlight>
+                <a:latin typeface="Arial" panose="020B0604020202020204" pitchFamily="34" charset="0"/>
+              </a:rPr>
+              <a:t>Umuroglu</a:t>
+            </a:r>
+            <a:r>
+              <a:rPr lang="en-US" b="0" i="0" dirty="0">
+                <a:solidFill>
+                  <a:srgbClr val="222222"/>
+                </a:solidFill>
+                <a:effectLst/>
+                <a:highlight>
+                  <a:srgbClr val="FFFFFF"/>
+                </a:highlight>
+                <a:latin typeface="Arial" panose="020B0604020202020204" pitchFamily="34" charset="0"/>
+              </a:rPr>
+              <a:t>, Ioannis </a:t>
+            </a:r>
+            <a:r>
+              <a:rPr lang="en-US" b="0" i="0" dirty="0" err="1">
+                <a:solidFill>
+                  <a:srgbClr val="222222"/>
+                </a:solidFill>
+                <a:effectLst/>
+                <a:highlight>
+                  <a:srgbClr val="FFFFFF"/>
+                </a:highlight>
+                <a:latin typeface="Arial" panose="020B0604020202020204" pitchFamily="34" charset="0"/>
+              </a:rPr>
+              <a:t>Stamelos</a:t>
+            </a:r>
+            <a:r>
+              <a:rPr lang="en-US" b="0" i="0" dirty="0">
+                <a:solidFill>
+                  <a:srgbClr val="222222"/>
+                </a:solidFill>
+                <a:effectLst/>
+                <a:highlight>
+                  <a:srgbClr val="FFFFFF"/>
+                </a:highlight>
+                <a:latin typeface="Arial" panose="020B0604020202020204" pitchFamily="34" charset="0"/>
+              </a:rPr>
+              <a:t>, Elias </a:t>
+            </a:r>
+            <a:r>
+              <a:rPr lang="en-US" b="0" i="0" dirty="0" err="1">
+                <a:solidFill>
+                  <a:srgbClr val="222222"/>
+                </a:solidFill>
+                <a:effectLst/>
+                <a:highlight>
+                  <a:srgbClr val="FFFFFF"/>
+                </a:highlight>
+                <a:latin typeface="Arial" panose="020B0604020202020204" pitchFamily="34" charset="0"/>
+              </a:rPr>
+              <a:t>Koromilas</a:t>
+            </a:r>
+            <a:r>
+              <a:rPr lang="en-US" b="0" i="0" dirty="0">
+                <a:solidFill>
+                  <a:srgbClr val="222222"/>
+                </a:solidFill>
+                <a:effectLst/>
+                <a:highlight>
+                  <a:srgbClr val="FFFFFF"/>
+                </a:highlight>
+                <a:latin typeface="Arial" panose="020B0604020202020204" pitchFamily="34" charset="0"/>
+              </a:rPr>
+              <a:t>, Michaela </a:t>
+            </a:r>
+            <a:r>
+              <a:rPr lang="en-US" b="0" i="0" dirty="0" err="1">
+                <a:solidFill>
+                  <a:srgbClr val="222222"/>
+                </a:solidFill>
+                <a:effectLst/>
+                <a:highlight>
+                  <a:srgbClr val="FFFFFF"/>
+                </a:highlight>
+                <a:latin typeface="Arial" panose="020B0604020202020204" pitchFamily="34" charset="0"/>
+              </a:rPr>
+              <a:t>Blott</a:t>
+            </a:r>
+            <a:r>
+              <a:rPr lang="en-US" b="0" i="0" dirty="0">
+                <a:solidFill>
+                  <a:srgbClr val="222222"/>
+                </a:solidFill>
+                <a:effectLst/>
+                <a:highlight>
+                  <a:srgbClr val="FFFFFF"/>
+                </a:highlight>
+                <a:latin typeface="Arial" panose="020B0604020202020204" pitchFamily="34" charset="0"/>
+              </a:rPr>
+              <a:t>, and </a:t>
+            </a:r>
+            <a:r>
+              <a:rPr lang="en-US" b="0" i="0" dirty="0" err="1">
+                <a:solidFill>
+                  <a:srgbClr val="222222"/>
+                </a:solidFill>
+                <a:effectLst/>
+                <a:highlight>
+                  <a:srgbClr val="FFFFFF"/>
+                </a:highlight>
+                <a:latin typeface="Arial" panose="020B0604020202020204" pitchFamily="34" charset="0"/>
+              </a:rPr>
+              <a:t>Kees</a:t>
+            </a:r>
+            <a:r>
+              <a:rPr lang="en-US" b="0" i="0" dirty="0">
+                <a:solidFill>
+                  <a:srgbClr val="222222"/>
+                </a:solidFill>
+                <a:effectLst/>
+                <a:highlight>
+                  <a:srgbClr val="FFFFFF"/>
+                </a:highlight>
+                <a:latin typeface="Arial" panose="020B0604020202020204" pitchFamily="34" charset="0"/>
+              </a:rPr>
+              <a:t> Vissers. "Elastic-</a:t>
+            </a:r>
+            <a:r>
+              <a:rPr lang="en-US" b="0" i="0" dirty="0" err="1">
+                <a:solidFill>
+                  <a:srgbClr val="222222"/>
+                </a:solidFill>
+                <a:effectLst/>
+                <a:highlight>
+                  <a:srgbClr val="FFFFFF"/>
+                </a:highlight>
+                <a:latin typeface="Arial" panose="020B0604020202020204" pitchFamily="34" charset="0"/>
+              </a:rPr>
+              <a:t>df</a:t>
+            </a:r>
+            <a:r>
+              <a:rPr lang="en-US" b="0" i="0" dirty="0">
+                <a:solidFill>
+                  <a:srgbClr val="222222"/>
+                </a:solidFill>
+                <a:effectLst/>
+                <a:highlight>
+                  <a:srgbClr val="FFFFFF"/>
+                </a:highlight>
+                <a:latin typeface="Arial" panose="020B0604020202020204" pitchFamily="34" charset="0"/>
+              </a:rPr>
+              <a:t>: Scaling performance of </a:t>
+            </a:r>
+            <a:r>
+              <a:rPr lang="en-US" b="0" i="0" dirty="0" err="1">
+                <a:solidFill>
+                  <a:srgbClr val="222222"/>
+                </a:solidFill>
+                <a:effectLst/>
+                <a:highlight>
+                  <a:srgbClr val="FFFFFF"/>
+                </a:highlight>
+                <a:latin typeface="Arial" panose="020B0604020202020204" pitchFamily="34" charset="0"/>
+              </a:rPr>
+              <a:t>dnn</a:t>
+            </a:r>
+            <a:r>
+              <a:rPr lang="en-US" b="0" i="0" dirty="0">
+                <a:solidFill>
+                  <a:srgbClr val="222222"/>
+                </a:solidFill>
+                <a:effectLst/>
+                <a:highlight>
+                  <a:srgbClr val="FFFFFF"/>
+                </a:highlight>
+                <a:latin typeface="Arial" panose="020B0604020202020204" pitchFamily="34" charset="0"/>
+              </a:rPr>
+              <a:t> inference in </a:t>
+            </a:r>
+            <a:r>
+              <a:rPr lang="en-US" b="0" i="0" dirty="0" err="1">
+                <a:solidFill>
+                  <a:srgbClr val="222222"/>
+                </a:solidFill>
+                <a:effectLst/>
+                <a:highlight>
+                  <a:srgbClr val="FFFFFF"/>
+                </a:highlight>
+                <a:latin typeface="Arial" panose="020B0604020202020204" pitchFamily="34" charset="0"/>
+              </a:rPr>
+              <a:t>fpga</a:t>
+            </a:r>
+            <a:r>
+              <a:rPr lang="en-US" b="0" i="0" dirty="0">
+                <a:solidFill>
+                  <a:srgbClr val="222222"/>
+                </a:solidFill>
+                <a:effectLst/>
+                <a:highlight>
+                  <a:srgbClr val="FFFFFF"/>
+                </a:highlight>
+                <a:latin typeface="Arial" panose="020B0604020202020204" pitchFamily="34" charset="0"/>
+              </a:rPr>
+              <a:t> clouds through automatic partitioning." </a:t>
             </a:r>
             <a:r>
               <a:rPr lang="en-US" b="0" i="1" dirty="0">
@@ -714,7 +1009,7 @@
                 </a:highlight>
                 <a:latin typeface="Arial" panose="020B0604020202020204" pitchFamily="34" charset="0"/>
               </a:rPr>
-              <a:t>ACM SIGARCH Computer Architecture News</a:t>
+              <a:t>ACM Transactions on Reconfigurable Technology and Systems (TRETS)</a:t>
             </a:r>
             <a:r>
               <a:rPr lang="en-US" b="0" i="0" dirty="0">
@@ -727,398 +1022,8 @@
                 </a:highlight>
                 <a:latin typeface="Arial" panose="020B0604020202020204" pitchFamily="34" charset="0"/>
               </a:rPr>
-              <a:t>, </a:t>
-            </a:r>
-            <a:r>
-              <a:rPr lang="en-US" b="0" i="1" dirty="0">
-                <a:solidFill>
-                  <a:srgbClr val="222222"/>
-                </a:solidFill>
-                <a:effectLst/>
-                <a:highlight>
-                  <a:srgbClr val="FFFFFF"/>
-                </a:highlight>
-                <a:latin typeface="Arial" panose="020B0604020202020204" pitchFamily="34" charset="0"/>
-              </a:rPr>
-              <a:t>45</a:t>
-            </a:r>
-            <a:r>
-              <a:rPr lang="en-US" b="0" i="0" dirty="0">
-                <a:solidFill>
-                  <a:srgbClr val="222222"/>
-                </a:solidFill>
-                <a:effectLst/>
-                <a:highlight>
-                  <a:srgbClr val="FFFFFF"/>
-                </a:highlight>
-                <a:latin typeface="Arial" panose="020B0604020202020204" pitchFamily="34" charset="0"/>
-              </a:rPr>
-              <a:t>(1), 615-629.</a:t>
-            </a:r>
-          </a:p>
-          <a:p>
-            <a:endParaRPr lang="en-US" dirty="0"/>
-          </a:p>
-          <a:p>
-            <a:r>
-              <a:rPr lang="en-US" dirty="0"/>
-              <a:t>[2] </a:t>
-            </a:r>
-            <a:r>
-              <a:rPr lang="en-US" b="0" i="0" dirty="0">
-                <a:solidFill>
-                  <a:srgbClr val="222222"/>
-                </a:solidFill>
-                <a:effectLst/>
-                <a:highlight>
-                  <a:srgbClr val="FFFFFF"/>
-                </a:highlight>
-                <a:latin typeface="Arial" panose="020B0604020202020204" pitchFamily="34" charset="0"/>
-              </a:rPr>
-              <a:t>Hu, Chuang, Wei Bao, Dan Wang, and </a:t>
-            </a:r>
-            <a:r>
-              <a:rPr lang="en-US" b="0" i="0" dirty="0" err="1">
-                <a:solidFill>
-                  <a:srgbClr val="222222"/>
-                </a:solidFill>
-                <a:effectLst/>
-                <a:highlight>
-                  <a:srgbClr val="FFFFFF"/>
-                </a:highlight>
-                <a:latin typeface="Arial" panose="020B0604020202020204" pitchFamily="34" charset="0"/>
-              </a:rPr>
-              <a:t>Fengming</a:t>
-            </a:r>
-            <a:r>
-              <a:rPr lang="en-US" b="0" i="0" dirty="0">
-                <a:solidFill>
-                  <a:srgbClr val="222222"/>
-                </a:solidFill>
-                <a:effectLst/>
-                <a:highlight>
-                  <a:srgbClr val="FFFFFF"/>
-                </a:highlight>
-                <a:latin typeface="Arial" panose="020B0604020202020204" pitchFamily="34" charset="0"/>
-              </a:rPr>
-              <a:t> Liu. "Dynamic adaptive DNN surgery for inference acceleration on the edge." In </a:t>
-            </a:r>
-            <a:r>
-              <a:rPr lang="en-US" b="0" i="1" dirty="0">
-                <a:solidFill>
-                  <a:srgbClr val="222222"/>
-                </a:solidFill>
-                <a:effectLst/>
-                <a:highlight>
-                  <a:srgbClr val="FFFFFF"/>
-                </a:highlight>
-                <a:latin typeface="Arial" panose="020B0604020202020204" pitchFamily="34" charset="0"/>
-              </a:rPr>
-              <a:t>IEEE INFOCOM 2019-IEEE Conference on Computer Communications</a:t>
-            </a:r>
-            <a:r>
-              <a:rPr lang="en-US" b="0" i="0" dirty="0">
-                <a:solidFill>
-                  <a:srgbClr val="222222"/>
-                </a:solidFill>
-                <a:effectLst/>
-                <a:highlight>
-                  <a:srgbClr val="FFFFFF"/>
-                </a:highlight>
-                <a:latin typeface="Arial" panose="020B0604020202020204" pitchFamily="34" charset="0"/>
-              </a:rPr>
-              <a:t>, pp. 1423-1431. IEEE, 2019.</a:t>
-            </a:r>
-          </a:p>
-          <a:p>
-            <a:endParaRPr lang="en-US" b="0" i="0" dirty="0">
-              <a:solidFill>
-                <a:srgbClr val="222222"/>
-              </a:solidFill>
-              <a:effectLst/>
-              <a:highlight>
-                <a:srgbClr val="FFFFFF"/>
-              </a:highlight>
-              <a:latin typeface="Arial" panose="020B0604020202020204" pitchFamily="34" charset="0"/>
-            </a:endParaRPr>
-          </a:p>
-          <a:p>
-            <a:r>
-              <a:rPr lang="en-US" b="0" i="0" dirty="0">
-                <a:solidFill>
-                  <a:srgbClr val="222222"/>
-                </a:solidFill>
-                <a:effectLst/>
-                <a:highlight>
-                  <a:srgbClr val="FFFFFF"/>
-                </a:highlight>
-                <a:latin typeface="Arial" panose="020B0604020202020204" pitchFamily="34" charset="0"/>
-              </a:rPr>
-              <a:t>[3] Zhang, </a:t>
-            </a:r>
-            <a:r>
-              <a:rPr lang="en-US" b="0" i="0" dirty="0" err="1">
-                <a:solidFill>
-                  <a:srgbClr val="222222"/>
-                </a:solidFill>
-                <a:effectLst/>
-                <a:highlight>
-                  <a:srgbClr val="FFFFFF"/>
-                </a:highlight>
-                <a:latin typeface="Arial" panose="020B0604020202020204" pitchFamily="34" charset="0"/>
-              </a:rPr>
-              <a:t>Shigeng</a:t>
-            </a:r>
-            <a:r>
-              <a:rPr lang="en-US" b="0" i="0" dirty="0">
-                <a:solidFill>
-                  <a:srgbClr val="222222"/>
-                </a:solidFill>
-                <a:effectLst/>
-                <a:highlight>
-                  <a:srgbClr val="FFFFFF"/>
-                </a:highlight>
-                <a:latin typeface="Arial" panose="020B0604020202020204" pitchFamily="34" charset="0"/>
-              </a:rPr>
-              <a:t>, </a:t>
-            </a:r>
-            <a:r>
-              <a:rPr lang="en-US" b="0" i="0" dirty="0" err="1">
-                <a:solidFill>
-                  <a:srgbClr val="222222"/>
-                </a:solidFill>
-                <a:effectLst/>
-                <a:highlight>
-                  <a:srgbClr val="FFFFFF"/>
-                </a:highlight>
-                <a:latin typeface="Arial" panose="020B0604020202020204" pitchFamily="34" charset="0"/>
-              </a:rPr>
-              <a:t>Yinggang</a:t>
-            </a:r>
-            <a:r>
-              <a:rPr lang="en-US" b="0" i="0" dirty="0">
-                <a:solidFill>
-                  <a:srgbClr val="222222"/>
-                </a:solidFill>
-                <a:effectLst/>
-                <a:highlight>
-                  <a:srgbClr val="FFFFFF"/>
-                </a:highlight>
-                <a:latin typeface="Arial" panose="020B0604020202020204" pitchFamily="34" charset="0"/>
-              </a:rPr>
-              <a:t> Li, Xuan Liu, Song Guo, </a:t>
-            </a:r>
-            <a:r>
-              <a:rPr lang="en-US" b="0" i="0" dirty="0" err="1">
-                <a:solidFill>
-                  <a:srgbClr val="222222"/>
-                </a:solidFill>
-                <a:effectLst/>
-                <a:highlight>
-                  <a:srgbClr val="FFFFFF"/>
-                </a:highlight>
-                <a:latin typeface="Arial" panose="020B0604020202020204" pitchFamily="34" charset="0"/>
-              </a:rPr>
-              <a:t>Weiping</a:t>
-            </a:r>
-            <a:r>
-              <a:rPr lang="en-US" b="0" i="0" dirty="0">
-                <a:solidFill>
-                  <a:srgbClr val="222222"/>
-                </a:solidFill>
-                <a:effectLst/>
-                <a:highlight>
-                  <a:srgbClr val="FFFFFF"/>
-                </a:highlight>
-                <a:latin typeface="Arial" panose="020B0604020202020204" pitchFamily="34" charset="0"/>
-              </a:rPr>
-              <a:t> Wang, </a:t>
-            </a:r>
-            <a:r>
-              <a:rPr lang="en-US" b="0" i="0" dirty="0" err="1">
-                <a:solidFill>
-                  <a:srgbClr val="222222"/>
-                </a:solidFill>
-                <a:effectLst/>
-                <a:highlight>
-                  <a:srgbClr val="FFFFFF"/>
-                </a:highlight>
-                <a:latin typeface="Arial" panose="020B0604020202020204" pitchFamily="34" charset="0"/>
-              </a:rPr>
-              <a:t>Jianxin</a:t>
-            </a:r>
-            <a:r>
-              <a:rPr lang="en-US" b="0" i="0" dirty="0">
-                <a:solidFill>
-                  <a:srgbClr val="222222"/>
-                </a:solidFill>
-                <a:effectLst/>
-                <a:highlight>
-                  <a:srgbClr val="FFFFFF"/>
-                </a:highlight>
-                <a:latin typeface="Arial" panose="020B0604020202020204" pitchFamily="34" charset="0"/>
-              </a:rPr>
-              <a:t> Wang, Bo Ding, and Di Wu. "Towards real-time cooperative deep inference over the cloud and edge end devices." </a:t>
-            </a:r>
-            <a:r>
-              <a:rPr lang="en-US" b="0" i="1" dirty="0">
-                <a:solidFill>
-                  <a:srgbClr val="222222"/>
-                </a:solidFill>
-                <a:effectLst/>
-                <a:highlight>
-                  <a:srgbClr val="FFFFFF"/>
-                </a:highlight>
-                <a:latin typeface="Arial" panose="020B0604020202020204" pitchFamily="34" charset="0"/>
-              </a:rPr>
-              <a:t>Proceedings of the ACM on Interactive, Mobile, Wearable and Ubiquitous Technologies</a:t>
-            </a:r>
-            <a:r>
-              <a:rPr lang="en-US" b="0" i="0" dirty="0">
-                <a:solidFill>
-                  <a:srgbClr val="222222"/>
-                </a:solidFill>
-                <a:effectLst/>
-                <a:highlight>
-                  <a:srgbClr val="FFFFFF"/>
-                </a:highlight>
-                <a:latin typeface="Arial" panose="020B0604020202020204" pitchFamily="34" charset="0"/>
-              </a:rPr>
-              <a:t> 4, no. 2 (2020): 1-24.</a:t>
-            </a:r>
-          </a:p>
-          <a:p>
-            <a:endParaRPr lang="en-US" b="0" i="0" dirty="0">
-              <a:solidFill>
-                <a:srgbClr val="222222"/>
-              </a:solidFill>
-              <a:effectLst/>
-              <a:highlight>
-                <a:srgbClr val="FFFFFF"/>
-              </a:highlight>
-              <a:latin typeface="Arial" panose="020B0604020202020204" pitchFamily="34" charset="0"/>
-            </a:endParaRPr>
-          </a:p>
-          <a:p>
-            <a:r>
-              <a:rPr lang="en-US" b="0" i="0" dirty="0">
-                <a:solidFill>
-                  <a:srgbClr val="222222"/>
-                </a:solidFill>
-                <a:effectLst/>
-                <a:highlight>
-                  <a:srgbClr val="FFFFFF"/>
-                </a:highlight>
-                <a:latin typeface="Arial" panose="020B0604020202020204" pitchFamily="34" charset="0"/>
-              </a:rPr>
-              <a:t>[4] </a:t>
-            </a:r>
-            <a:r>
-              <a:rPr lang="en-US" b="0" i="0" dirty="0" err="1">
-                <a:solidFill>
-                  <a:srgbClr val="222222"/>
-                </a:solidFill>
-                <a:effectLst/>
-                <a:highlight>
-                  <a:srgbClr val="FFFFFF"/>
-                </a:highlight>
-                <a:latin typeface="Arial" panose="020B0604020202020204" pitchFamily="34" charset="0"/>
-              </a:rPr>
-              <a:t>Banitalebi-Dehkordi</a:t>
-            </a:r>
-            <a:r>
-              <a:rPr lang="en-US" b="0" i="0" dirty="0">
-                <a:solidFill>
-                  <a:srgbClr val="222222"/>
-                </a:solidFill>
-                <a:effectLst/>
-                <a:highlight>
-                  <a:srgbClr val="FFFFFF"/>
-                </a:highlight>
-                <a:latin typeface="Arial" panose="020B0604020202020204" pitchFamily="34" charset="0"/>
-              </a:rPr>
-              <a:t>, Amin, Naveen </a:t>
-            </a:r>
-            <a:r>
-              <a:rPr lang="en-US" b="0" i="0" dirty="0" err="1">
-                <a:solidFill>
-                  <a:srgbClr val="222222"/>
-                </a:solidFill>
-                <a:effectLst/>
-                <a:highlight>
-                  <a:srgbClr val="FFFFFF"/>
-                </a:highlight>
-                <a:latin typeface="Arial" panose="020B0604020202020204" pitchFamily="34" charset="0"/>
-              </a:rPr>
-              <a:t>Vedula</a:t>
-            </a:r>
-            <a:r>
-              <a:rPr lang="en-US" b="0" i="0" dirty="0">
-                <a:solidFill>
-                  <a:srgbClr val="222222"/>
-                </a:solidFill>
-                <a:effectLst/>
-                <a:highlight>
-                  <a:srgbClr val="FFFFFF"/>
-                </a:highlight>
-                <a:latin typeface="Arial" panose="020B0604020202020204" pitchFamily="34" charset="0"/>
-              </a:rPr>
-              <a:t>, Jian Pei, Fei Xia, </a:t>
-            </a:r>
-            <a:r>
-              <a:rPr lang="en-US" b="0" i="0" dirty="0" err="1">
-                <a:solidFill>
-                  <a:srgbClr val="222222"/>
-                </a:solidFill>
-                <a:effectLst/>
-                <a:highlight>
-                  <a:srgbClr val="FFFFFF"/>
-                </a:highlight>
-                <a:latin typeface="Arial" panose="020B0604020202020204" pitchFamily="34" charset="0"/>
-              </a:rPr>
-              <a:t>Lanjun</a:t>
-            </a:r>
-            <a:r>
-              <a:rPr lang="en-US" b="0" i="0" dirty="0">
-                <a:solidFill>
-                  <a:srgbClr val="222222"/>
-                </a:solidFill>
-                <a:effectLst/>
-                <a:highlight>
-                  <a:srgbClr val="FFFFFF"/>
-                </a:highlight>
-                <a:latin typeface="Arial" panose="020B0604020202020204" pitchFamily="34" charset="0"/>
-              </a:rPr>
-              <a:t> Wang, and Yong Zhang. "Auto-split: A general framework of collaborative edge-cloud AI." In </a:t>
-            </a:r>
-            <a:r>
-              <a:rPr lang="en-US" b="0" i="1" dirty="0">
-                <a:solidFill>
-                  <a:srgbClr val="222222"/>
-                </a:solidFill>
-                <a:effectLst/>
-                <a:highlight>
-                  <a:srgbClr val="FFFFFF"/>
-                </a:highlight>
-                <a:latin typeface="Arial" panose="020B0604020202020204" pitchFamily="34" charset="0"/>
-              </a:rPr>
-              <a:t>Proceedings of the 27th ACM SIGKDD Conference on Knowledge Discovery &amp; Data Mining</a:t>
-            </a:r>
-            <a:r>
-              <a:rPr lang="en-US" b="0" i="0" dirty="0">
-                <a:solidFill>
-                  <a:srgbClr val="222222"/>
-                </a:solidFill>
-                <a:effectLst/>
-                <a:highlight>
-                  <a:srgbClr val="FFFFFF"/>
-                </a:highlight>
-                <a:latin typeface="Arial" panose="020B0604020202020204" pitchFamily="34" charset="0"/>
-              </a:rPr>
-              <a:t>, pp. 2543-2553. 2021.</a:t>
-            </a:r>
-          </a:p>
-          <a:p>
+              <a:t> 15, no. 2 (2021): 1-34.</a:t>
+            </a:r>
             <a:endParaRPr lang="en-US" dirty="0"/>
           </a:p>
         </p:txBody>
@@ -1149,7 +1054,7 @@
     </p:spTree>
     <p:extLst>
       <p:ext uri="{BB962C8B-B14F-4D97-AF65-F5344CB8AC3E}">
-        <p14:creationId xmlns:p14="http://schemas.microsoft.com/office/powerpoint/2010/main" val="3443202215"/>
+        <p14:creationId xmlns:p14="http://schemas.microsoft.com/office/powerpoint/2010/main" val="196280338"/>
       </p:ext>
     </p:extLst>
   </p:cSld>
@@ -1204,30 +1109,156 @@
           <a:lstStyle/>
           <a:p>
             <a:r>
+              <a:rPr lang="en-US" b="0" i="0" dirty="0">
+                <a:solidFill>
+                  <a:srgbClr val="222222"/>
+                </a:solidFill>
+                <a:effectLst/>
+                <a:highlight>
+                  <a:srgbClr val="FFFFFF"/>
+                </a:highlight>
+                <a:latin typeface="Arial" panose="020B0604020202020204" pitchFamily="34" charset="0"/>
+              </a:rPr>
+              <a:t>[1] Kang, Y., </a:t>
+            </a:r>
+            <a:r>
+              <a:rPr lang="en-US" b="0" i="0" dirty="0" err="1">
+                <a:solidFill>
+                  <a:srgbClr val="222222"/>
+                </a:solidFill>
+                <a:effectLst/>
+                <a:highlight>
+                  <a:srgbClr val="FFFFFF"/>
+                </a:highlight>
+                <a:latin typeface="Arial" panose="020B0604020202020204" pitchFamily="34" charset="0"/>
+              </a:rPr>
+              <a:t>Hauswald</a:t>
+            </a:r>
+            <a:r>
+              <a:rPr lang="en-US" b="0" i="0" dirty="0">
+                <a:solidFill>
+                  <a:srgbClr val="222222"/>
+                </a:solidFill>
+                <a:effectLst/>
+                <a:highlight>
+                  <a:srgbClr val="FFFFFF"/>
+                </a:highlight>
+                <a:latin typeface="Arial" panose="020B0604020202020204" pitchFamily="34" charset="0"/>
+              </a:rPr>
+              <a:t>, J., Gao, C., </a:t>
+            </a:r>
+            <a:r>
+              <a:rPr lang="en-US" b="0" i="0" dirty="0" err="1">
+                <a:solidFill>
+                  <a:srgbClr val="222222"/>
+                </a:solidFill>
+                <a:effectLst/>
+                <a:highlight>
+                  <a:srgbClr val="FFFFFF"/>
+                </a:highlight>
+                <a:latin typeface="Arial" panose="020B0604020202020204" pitchFamily="34" charset="0"/>
+              </a:rPr>
+              <a:t>Rovinski</a:t>
+            </a:r>
+            <a:r>
+              <a:rPr lang="en-US" b="0" i="0" dirty="0">
+                <a:solidFill>
+                  <a:srgbClr val="222222"/>
+                </a:solidFill>
+                <a:effectLst/>
+                <a:highlight>
+                  <a:srgbClr val="FFFFFF"/>
+                </a:highlight>
+                <a:latin typeface="Arial" panose="020B0604020202020204" pitchFamily="34" charset="0"/>
+              </a:rPr>
+              <a:t>, A., </a:t>
+            </a:r>
+            <a:r>
+              <a:rPr lang="en-US" b="0" i="0" dirty="0" err="1">
+                <a:solidFill>
+                  <a:srgbClr val="222222"/>
+                </a:solidFill>
+                <a:effectLst/>
+                <a:highlight>
+                  <a:srgbClr val="FFFFFF"/>
+                </a:highlight>
+                <a:latin typeface="Arial" panose="020B0604020202020204" pitchFamily="34" charset="0"/>
+              </a:rPr>
+              <a:t>Mudge</a:t>
+            </a:r>
+            <a:r>
+              <a:rPr lang="en-US" b="0" i="0" dirty="0">
+                <a:solidFill>
+                  <a:srgbClr val="222222"/>
+                </a:solidFill>
+                <a:effectLst/>
+                <a:highlight>
+                  <a:srgbClr val="FFFFFF"/>
+                </a:highlight>
+                <a:latin typeface="Arial" panose="020B0604020202020204" pitchFamily="34" charset="0"/>
+              </a:rPr>
+              <a:t>, T., Mars, J., &amp; Tang, L. (2017). Neurosurgeon: Collaborative intelligence between the cloud and mobile edge. </a:t>
+            </a:r>
+            <a:r>
+              <a:rPr lang="en-US" b="0" i="1" dirty="0">
+                <a:solidFill>
+                  <a:srgbClr val="222222"/>
+                </a:solidFill>
+                <a:effectLst/>
+                <a:highlight>
+                  <a:srgbClr val="FFFFFF"/>
+                </a:highlight>
+                <a:latin typeface="Arial" panose="020B0604020202020204" pitchFamily="34" charset="0"/>
+              </a:rPr>
+              <a:t>ACM SIGARCH Computer Architecture News</a:t>
+            </a:r>
+            <a:r>
+              <a:rPr lang="en-US" b="0" i="0" dirty="0">
+                <a:solidFill>
+                  <a:srgbClr val="222222"/>
+                </a:solidFill>
+                <a:effectLst/>
+                <a:highlight>
+                  <a:srgbClr val="FFFFFF"/>
+                </a:highlight>
+                <a:latin typeface="Arial" panose="020B0604020202020204" pitchFamily="34" charset="0"/>
+              </a:rPr>
+              <a:t>, </a:t>
+            </a:r>
+            <a:r>
+              <a:rPr lang="en-US" b="0" i="1" dirty="0">
+                <a:solidFill>
+                  <a:srgbClr val="222222"/>
+                </a:solidFill>
+                <a:effectLst/>
+                <a:highlight>
+                  <a:srgbClr val="FFFFFF"/>
+                </a:highlight>
+                <a:latin typeface="Arial" panose="020B0604020202020204" pitchFamily="34" charset="0"/>
+              </a:rPr>
+              <a:t>45</a:t>
+            </a:r>
+            <a:r>
+              <a:rPr lang="en-US" b="0" i="0" dirty="0">
+                <a:solidFill>
+                  <a:srgbClr val="222222"/>
+                </a:solidFill>
+                <a:effectLst/>
+                <a:highlight>
+                  <a:srgbClr val="FFFFFF"/>
+                </a:highlight>
+                <a:latin typeface="Arial" panose="020B0604020202020204" pitchFamily="34" charset="0"/>
+              </a:rPr>
+              <a:t>(1), 615-629.</a:t>
+            </a:r>
+          </a:p>
+          <a:p>
+            <a:endParaRPr lang="en-US" dirty="0"/>
+          </a:p>
+          <a:p>
+            <a:r>
               <a:rPr lang="en-US" dirty="0"/>
-              <a:t>[1]: Kaufman, S., </a:t>
-            </a:r>
-            <a:r>
-              <a:rPr lang="en-US" dirty="0" err="1"/>
-              <a:t>Phothilimthana</a:t>
-            </a:r>
-            <a:r>
-              <a:rPr lang="en-US" dirty="0"/>
-              <a:t>, P., Zhou, Y., Mendis, C., Roy, S., </a:t>
-            </a:r>
-            <a:r>
-              <a:rPr lang="en-US" dirty="0" err="1"/>
-              <a:t>Sabne</a:t>
-            </a:r>
-            <a:r>
-              <a:rPr lang="en-US" dirty="0"/>
-              <a:t>, A., and Burrows, M. A learned performance model for tensor processing units. Proceedings of Machine Learning and Systems, 3:387–400, 2021.</a:t>
-            </a:r>
-          </a:p>
-          <a:p>
-            <a:r>
-              <a:rPr lang="en-US" dirty="0"/>
-              <a:t>[2]: </a:t>
+              <a:t>[2] </a:t>
             </a:r>
             <a:r>
               <a:rPr lang="en-US" b="0" i="0" dirty="0">
@@ -1240,7 +1271,7 @@
                 </a:highlight>
                 <a:latin typeface="Arial" panose="020B0604020202020204" pitchFamily="34" charset="0"/>
               </a:rPr>
-              <a:t>Wen, Wei, </a:t>
+              <a:t>Hu, Chuang, Wei Bao, Dan Wang, and </a:t>
             </a:r>
             <a:r>
               <a:rPr lang="en-US" b="0" i="0" dirty="0" err="1">
@@ -1253,7 +1284,7 @@
                 </a:highlight>
                 <a:latin typeface="Arial" panose="020B0604020202020204" pitchFamily="34" charset="0"/>
               </a:rPr>
-              <a:t>Hanxiao</a:t>
+              <a:t>Fengming</a:t>
             </a:r>
             <a:r>
               <a:rPr lang="en-US" b="0" i="0" dirty="0">
@@ -1266,7 +1297,60 @@
                 </a:highlight>
                 <a:latin typeface="Arial" panose="020B0604020202020204" pitchFamily="34" charset="0"/>
               </a:rPr>
-              <a:t> Liu, </a:t>
+              <a:t> Liu. "Dynamic adaptive DNN surgery for inference acceleration on the edge." In </a:t>
+            </a:r>
+            <a:r>
+              <a:rPr lang="en-US" b="0" i="1" dirty="0">
+                <a:solidFill>
+                  <a:srgbClr val="222222"/>
+                </a:solidFill>
+                <a:effectLst/>
+                <a:highlight>
+                  <a:srgbClr val="FFFFFF"/>
+                </a:highlight>
+                <a:latin typeface="Arial" panose="020B0604020202020204" pitchFamily="34" charset="0"/>
+              </a:rPr>
+              <a:t>IEEE INFOCOM 2019-IEEE Conference on Computer Communications</a:t>
+            </a:r>
+            <a:r>
+              <a:rPr lang="en-US" b="0" i="0" dirty="0">
+                <a:solidFill>
+                  <a:srgbClr val="222222"/>
+                </a:solidFill>
+                <a:effectLst/>
+                <a:highlight>
+                  <a:srgbClr val="FFFFFF"/>
+                </a:highlight>
+                <a:latin typeface="Arial" panose="020B0604020202020204" pitchFamily="34" charset="0"/>
+              </a:rPr>
+              <a:t>, pp. 1423-1431. IEEE, 2019.</a:t>
+            </a:r>
+          </a:p>
+          <a:p>
+            <a:endParaRPr lang="en-US" b="0" i="0" dirty="0">
+              <a:solidFill>
+                <a:srgbClr val="222222"/>
+              </a:solidFill>
+              <a:effectLst/>
+              <a:highlight>
+                <a:srgbClr val="FFFFFF"/>
+              </a:highlight>
+              <a:latin typeface="Arial" panose="020B0604020202020204" pitchFamily="34" charset="0"/>
+            </a:endParaRPr>
+          </a:p>
+          <a:p>
+            <a:r>
+              <a:rPr lang="en-US" b="0" i="0" dirty="0">
+                <a:solidFill>
+                  <a:srgbClr val="222222"/>
+                </a:solidFill>
+                <a:effectLst/>
+                <a:highlight>
+                  <a:srgbClr val="FFFFFF"/>
+                </a:highlight>
+                <a:latin typeface="Arial" panose="020B0604020202020204" pitchFamily="34" charset="0"/>
+              </a:rPr>
+              <a:t>[3] Zhang, </a:t>
             </a:r>
             <a:r>
               <a:rPr lang="en-US" b="0" i="0" dirty="0" err="1">
@@ -1279,7 +1363,7 @@
                 </a:highlight>
                 <a:latin typeface="Arial" panose="020B0604020202020204" pitchFamily="34" charset="0"/>
               </a:rPr>
-              <a:t>Yiran</a:t>
+              <a:t>Shigeng</a:t>
             </a:r>
             <a:r>
               <a:rPr lang="en-US" b="0" i="0" dirty="0">
@@ -1292,7 +1376,7 @@
                 </a:highlight>
                 <a:latin typeface="Arial" panose="020B0604020202020204" pitchFamily="34" charset="0"/>
               </a:rPr>
-              <a:t> Chen, Hai Li, Gabriel Bender, and Pieter-Jan </a:t>
+              <a:t>, </a:t>
             </a:r>
             <a:r>
               <a:rPr lang="en-US" b="0" i="0" dirty="0" err="1">
@@ -1305,7 +1389,7 @@
                 </a:highlight>
                 <a:latin typeface="Arial" panose="020B0604020202020204" pitchFamily="34" charset="0"/>
               </a:rPr>
-              <a:t>Kindermans</a:t>
+              <a:t>Yinggang</a:t>
             </a:r>
             <a:r>
               <a:rPr lang="en-US" b="0" i="0" dirty="0">
@@ -1318,7 +1402,59 @@
                 </a:highlight>
                 <a:latin typeface="Arial" panose="020B0604020202020204" pitchFamily="34" charset="0"/>
               </a:rPr>
-              <a:t>. "Neural predictor for neural architecture search." In </a:t>
+              <a:t> Li, Xuan Liu, Song Guo, </a:t>
+            </a:r>
+            <a:r>
+              <a:rPr lang="en-US" b="0" i="0" dirty="0" err="1">
+                <a:solidFill>
+                  <a:srgbClr val="222222"/>
+                </a:solidFill>
+                <a:effectLst/>
+                <a:highlight>
+                  <a:srgbClr val="FFFFFF"/>
+                </a:highlight>
+                <a:latin typeface="Arial" panose="020B0604020202020204" pitchFamily="34" charset="0"/>
+              </a:rPr>
+              <a:t>Weiping</a:t>
+            </a:r>
+            <a:r>
+              <a:rPr lang="en-US" b="0" i="0" dirty="0">
+                <a:solidFill>
+                  <a:srgbClr val="222222"/>
+                </a:solidFill>
+                <a:effectLst/>
+                <a:highlight>
+                  <a:srgbClr val="FFFFFF"/>
+                </a:highlight>
+                <a:latin typeface="Arial" panose="020B0604020202020204" pitchFamily="34" charset="0"/>
+              </a:rPr>
+              <a:t> Wang, </a:t>
+            </a:r>
+            <a:r>
+              <a:rPr lang="en-US" b="0" i="0" dirty="0" err="1">
+                <a:solidFill>
+                  <a:srgbClr val="222222"/>
+                </a:solidFill>
+                <a:effectLst/>
+                <a:highlight>
+                  <a:srgbClr val="FFFFFF"/>
+                </a:highlight>
+                <a:latin typeface="Arial" panose="020B0604020202020204" pitchFamily="34" charset="0"/>
+              </a:rPr>
+              <a:t>Jianxin</a:t>
+            </a:r>
+            <a:r>
+              <a:rPr lang="en-US" b="0" i="0" dirty="0">
+                <a:solidFill>
+                  <a:srgbClr val="222222"/>
+                </a:solidFill>
+                <a:effectLst/>
+                <a:highlight>
+                  <a:srgbClr val="FFFFFF"/>
+                </a:highlight>
+                <a:latin typeface="Arial" panose="020B0604020202020204" pitchFamily="34" charset="0"/>
+              </a:rPr>
+              <a:t> Wang, Bo Ding, and Di Wu. "Towards real-time cooperative deep inference over the cloud and edge end devices." </a:t>
             </a:r>
             <a:r>
               <a:rPr lang="en-US" b="0" i="1" dirty="0">
@@ -1331,7 +1467,7 @@
                 </a:highlight>
                 <a:latin typeface="Arial" panose="020B0604020202020204" pitchFamily="34" charset="0"/>
               </a:rPr>
-              <a:t>European Conference on Computer Vision</a:t>
+              <a:t>Proceedings of the ACM on Interactive, Mobile, Wearable and Ubiquitous Technologies</a:t>
             </a:r>
             <a:r>
               <a:rPr lang="en-US" b="0" i="0" dirty="0">
@@ -1344,14 +1480,34 @@
                 </a:highlight>
                 <a:latin typeface="Arial" panose="020B0604020202020204" pitchFamily="34" charset="0"/>
               </a:rPr>
-              <a:t>, pp. 660-676. Cham: Springer International Publishing, 2020.</a:t>
-            </a:r>
-            <a:endParaRPr lang="en-US" dirty="0"/>
-          </a:p>
-          <a:p>
-            <a:r>
-              <a:rPr lang="en-US" dirty="0"/>
-              <a:t>[3]: </a:t>
+              <a:t> 4, no. 2 (2020): 1-24.</a:t>
+            </a:r>
+          </a:p>
+          <a:p>
+            <a:endParaRPr lang="en-US" b="0" i="0" dirty="0">
+              <a:solidFill>
+                <a:srgbClr val="222222"/>
+              </a:solidFill>
+              <a:effectLst/>
+              <a:highlight>
+                <a:srgbClr val="FFFFFF"/>
+              </a:highlight>
+              <a:latin typeface="Arial" panose="020B0604020202020204" pitchFamily="34" charset="0"/>
+            </a:endParaRPr>
+          </a:p>
+          <a:p>
+            <a:r>
+              <a:rPr lang="en-US" b="0" i="0" dirty="0">
+                <a:solidFill>
+                  <a:srgbClr val="222222"/>
+                </a:solidFill>
+                <a:effectLst/>
+                <a:highlight>
+                  <a:srgbClr val="FFFFFF"/>
+                </a:highlight>
+                <a:latin typeface="Arial" panose="020B0604020202020204" pitchFamily="34" charset="0"/>
+              </a:rPr>
+              <a:t>[4] </a:t>
             </a:r>
             <a:r>
               <a:rPr lang="en-US" b="0" i="0" dirty="0" err="1">
@@ -1364,7 +1520,7 @@
                 </a:highlight>
                 <a:latin typeface="Arial" panose="020B0604020202020204" pitchFamily="34" charset="0"/>
               </a:rPr>
-              <a:t>Dudziak</a:t>
+              <a:t>Banitalebi-Dehkordi</a:t>
             </a:r>
             <a:r>
               <a:rPr lang="en-US" b="0" i="0" dirty="0">
@@ -1377,7 +1533,7 @@
                 </a:highlight>
                 <a:latin typeface="Arial" panose="020B0604020202020204" pitchFamily="34" charset="0"/>
               </a:rPr>
-              <a:t>, Lukasz, Thomas Chau, Mohamed Abdelfattah, </a:t>
+              <a:t>, Amin, Naveen </a:t>
             </a:r>
             <a:r>
               <a:rPr lang="en-US" b="0" i="0" dirty="0" err="1">
@@ -1390,7 +1546,7 @@
                 </a:highlight>
                 <a:latin typeface="Arial" panose="020B0604020202020204" pitchFamily="34" charset="0"/>
               </a:rPr>
-              <a:t>Royson</a:t>
+              <a:t>Vedula</a:t>
             </a:r>
             <a:r>
               <a:rPr lang="en-US" b="0" i="0" dirty="0">
@@ -1403,7 +1559,7 @@
                 </a:highlight>
                 <a:latin typeface="Arial" panose="020B0604020202020204" pitchFamily="34" charset="0"/>
               </a:rPr>
-              <a:t> Lee, </a:t>
+              <a:t>, Jian Pei, Fei Xia, </a:t>
             </a:r>
             <a:r>
               <a:rPr lang="en-US" b="0" i="0" dirty="0" err="1">
@@ -1416,7 +1572,7 @@
                 </a:highlight>
                 <a:latin typeface="Arial" panose="020B0604020202020204" pitchFamily="34" charset="0"/>
               </a:rPr>
-              <a:t>Hyeji</a:t>
+              <a:t>Lanjun</a:t>
             </a:r>
             <a:r>
               <a:rPr lang="en-US" b="0" i="0" dirty="0">
@@ -1429,20 +1585,20 @@
                 </a:highlight>
                 <a:latin typeface="Arial" panose="020B0604020202020204" pitchFamily="34" charset="0"/>
               </a:rPr>
-              <a:t> Kim, and Nicholas Lane. "</a:t>
-            </a:r>
-            <a:r>
-              <a:rPr lang="en-US" b="0" i="0" dirty="0" err="1">
-                <a:solidFill>
-                  <a:srgbClr val="222222"/>
-                </a:solidFill>
-                <a:effectLst/>
-                <a:highlight>
-                  <a:srgbClr val="FFFFFF"/>
-                </a:highlight>
-                <a:latin typeface="Arial" panose="020B0604020202020204" pitchFamily="34" charset="0"/>
-              </a:rPr>
-              <a:t>Brp-nas</a:t>
+              <a:t> Wang, and Yong Zhang. "Auto-split: A general framework of collaborative edge-cloud AI." In </a:t>
+            </a:r>
+            <a:r>
+              <a:rPr lang="en-US" b="0" i="1" dirty="0">
+                <a:solidFill>
+                  <a:srgbClr val="222222"/>
+                </a:solidFill>
+                <a:effectLst/>
+                <a:highlight>
+                  <a:srgbClr val="FFFFFF"/>
+                </a:highlight>
+                <a:latin typeface="Arial" panose="020B0604020202020204" pitchFamily="34" charset="0"/>
+              </a:rPr>
+              <a:t>Proceedings of the 27th ACM SIGKDD Conference on Knowledge Discovery &amp; Data Mining</a:t>
             </a:r>
             <a:r>
               <a:rPr lang="en-US" b="0" i="0" dirty="0">
@@ -1455,477 +1611,10 @@
                 </a:highlight>
                 <a:latin typeface="Arial" panose="020B0604020202020204" pitchFamily="34" charset="0"/>
               </a:rPr>
-              <a:t>: Prediction-based </a:t>
-            </a:r>
-            <a:r>
-              <a:rPr lang="en-US" b="0" i="0" dirty="0" err="1">
-                <a:solidFill>
-                  <a:srgbClr val="222222"/>
-                </a:solidFill>
-                <a:effectLst/>
-                <a:highlight>
-                  <a:srgbClr val="FFFFFF"/>
-                </a:highlight>
-                <a:latin typeface="Arial" panose="020B0604020202020204" pitchFamily="34" charset="0"/>
-              </a:rPr>
-              <a:t>nas</a:t>
-            </a:r>
-            <a:r>
-              <a:rPr lang="en-US" b="0" i="0" dirty="0">
-                <a:solidFill>
-                  <a:srgbClr val="222222"/>
-                </a:solidFill>
-                <a:effectLst/>
-                <a:highlight>
-                  <a:srgbClr val="FFFFFF"/>
-                </a:highlight>
-                <a:latin typeface="Arial" panose="020B0604020202020204" pitchFamily="34" charset="0"/>
-              </a:rPr>
-              <a:t> using </a:t>
-            </a:r>
-            <a:r>
-              <a:rPr lang="en-US" b="0" i="0" dirty="0" err="1">
-                <a:solidFill>
-                  <a:srgbClr val="222222"/>
-                </a:solidFill>
-                <a:effectLst/>
-                <a:highlight>
-                  <a:srgbClr val="FFFFFF"/>
-                </a:highlight>
-                <a:latin typeface="Arial" panose="020B0604020202020204" pitchFamily="34" charset="0"/>
-              </a:rPr>
-              <a:t>gcns</a:t>
-            </a:r>
-            <a:r>
-              <a:rPr lang="en-US" b="0" i="0" dirty="0">
-                <a:solidFill>
-                  <a:srgbClr val="222222"/>
-                </a:solidFill>
-                <a:effectLst/>
-                <a:highlight>
-                  <a:srgbClr val="FFFFFF"/>
-                </a:highlight>
-                <a:latin typeface="Arial" panose="020B0604020202020204" pitchFamily="34" charset="0"/>
-              </a:rPr>
-              <a:t>." </a:t>
-            </a:r>
-            <a:r>
-              <a:rPr lang="en-US" b="0" i="1" dirty="0">
-                <a:solidFill>
-                  <a:srgbClr val="222222"/>
-                </a:solidFill>
-                <a:effectLst/>
-                <a:highlight>
-                  <a:srgbClr val="FFFFFF"/>
-                </a:highlight>
-                <a:latin typeface="Arial" panose="020B0604020202020204" pitchFamily="34" charset="0"/>
-              </a:rPr>
-              <a:t>Advances in Neural Information Processing Systems</a:t>
-            </a:r>
-            <a:r>
-              <a:rPr lang="en-US" b="0" i="0" dirty="0">
-                <a:solidFill>
-                  <a:srgbClr val="222222"/>
-                </a:solidFill>
-                <a:effectLst/>
-                <a:highlight>
-                  <a:srgbClr val="FFFFFF"/>
-                </a:highlight>
-                <a:latin typeface="Arial" panose="020B0604020202020204" pitchFamily="34" charset="0"/>
-              </a:rPr>
-              <a:t> 33 (2020): 10480-10490.</a:t>
-            </a:r>
-            <a:endParaRPr lang="en-US" dirty="0"/>
-          </a:p>
-          <a:p>
-            <a:r>
-              <a:rPr lang="en-US" dirty="0"/>
-              <a:t>[4]: </a:t>
-            </a:r>
-            <a:r>
-              <a:rPr lang="en-US" b="0" i="0" dirty="0">
-                <a:solidFill>
-                  <a:srgbClr val="222222"/>
-                </a:solidFill>
-                <a:effectLst/>
-                <a:highlight>
-                  <a:srgbClr val="FFFFFF"/>
-                </a:highlight>
-                <a:latin typeface="Arial" panose="020B0604020202020204" pitchFamily="34" charset="0"/>
-              </a:rPr>
-              <a:t>Zhang, Li </a:t>
-            </a:r>
-            <a:r>
-              <a:rPr lang="en-US" b="0" i="0" dirty="0" err="1">
-                <a:solidFill>
-                  <a:srgbClr val="222222"/>
-                </a:solidFill>
-                <a:effectLst/>
-                <a:highlight>
-                  <a:srgbClr val="FFFFFF"/>
-                </a:highlight>
-                <a:latin typeface="Arial" panose="020B0604020202020204" pitchFamily="34" charset="0"/>
-              </a:rPr>
-              <a:t>Lyna</a:t>
-            </a:r>
-            <a:r>
-              <a:rPr lang="en-US" b="0" i="0" dirty="0">
-                <a:solidFill>
-                  <a:srgbClr val="222222"/>
-                </a:solidFill>
-                <a:effectLst/>
-                <a:highlight>
-                  <a:srgbClr val="FFFFFF"/>
-                </a:highlight>
-                <a:latin typeface="Arial" panose="020B0604020202020204" pitchFamily="34" charset="0"/>
-              </a:rPr>
-              <a:t>, </a:t>
-            </a:r>
-            <a:r>
-              <a:rPr lang="en-US" b="0" i="0" dirty="0" err="1">
-                <a:solidFill>
-                  <a:srgbClr val="222222"/>
-                </a:solidFill>
-                <a:effectLst/>
-                <a:highlight>
-                  <a:srgbClr val="FFFFFF"/>
-                </a:highlight>
-                <a:latin typeface="Arial" panose="020B0604020202020204" pitchFamily="34" charset="0"/>
-              </a:rPr>
-              <a:t>Shihao</a:t>
-            </a:r>
-            <a:r>
-              <a:rPr lang="en-US" b="0" i="0" dirty="0">
-                <a:solidFill>
-                  <a:srgbClr val="222222"/>
-                </a:solidFill>
-                <a:effectLst/>
-                <a:highlight>
-                  <a:srgbClr val="FFFFFF"/>
-                </a:highlight>
-                <a:latin typeface="Arial" panose="020B0604020202020204" pitchFamily="34" charset="0"/>
-              </a:rPr>
-              <a:t> Han, Jianyu Wei, </a:t>
-            </a:r>
-            <a:r>
-              <a:rPr lang="en-US" b="0" i="0" dirty="0" err="1">
-                <a:solidFill>
-                  <a:srgbClr val="222222"/>
-                </a:solidFill>
-                <a:effectLst/>
-                <a:highlight>
-                  <a:srgbClr val="FFFFFF"/>
-                </a:highlight>
-                <a:latin typeface="Arial" panose="020B0604020202020204" pitchFamily="34" charset="0"/>
-              </a:rPr>
-              <a:t>Ningxin</a:t>
-            </a:r>
-            <a:r>
-              <a:rPr lang="en-US" b="0" i="0" dirty="0">
-                <a:solidFill>
-                  <a:srgbClr val="222222"/>
-                </a:solidFill>
-                <a:effectLst/>
-                <a:highlight>
-                  <a:srgbClr val="FFFFFF"/>
-                </a:highlight>
-                <a:latin typeface="Arial" panose="020B0604020202020204" pitchFamily="34" charset="0"/>
-              </a:rPr>
-              <a:t> Zheng, Ting Cao, </a:t>
-            </a:r>
-            <a:r>
-              <a:rPr lang="en-US" b="0" i="0" dirty="0" err="1">
-                <a:solidFill>
-                  <a:srgbClr val="222222"/>
-                </a:solidFill>
-                <a:effectLst/>
-                <a:highlight>
-                  <a:srgbClr val="FFFFFF"/>
-                </a:highlight>
-                <a:latin typeface="Arial" panose="020B0604020202020204" pitchFamily="34" charset="0"/>
-              </a:rPr>
-              <a:t>Yuqing</a:t>
-            </a:r>
-            <a:r>
-              <a:rPr lang="en-US" b="0" i="0" dirty="0">
-                <a:solidFill>
-                  <a:srgbClr val="222222"/>
-                </a:solidFill>
-                <a:effectLst/>
-                <a:highlight>
-                  <a:srgbClr val="FFFFFF"/>
-                </a:highlight>
-                <a:latin typeface="Arial" panose="020B0604020202020204" pitchFamily="34" charset="0"/>
-              </a:rPr>
-              <a:t> Yang, and </a:t>
-            </a:r>
-            <a:r>
-              <a:rPr lang="en-US" b="0" i="0" dirty="0" err="1">
-                <a:solidFill>
-                  <a:srgbClr val="222222"/>
-                </a:solidFill>
-                <a:effectLst/>
-                <a:highlight>
-                  <a:srgbClr val="FFFFFF"/>
-                </a:highlight>
-                <a:latin typeface="Arial" panose="020B0604020202020204" pitchFamily="34" charset="0"/>
-              </a:rPr>
-              <a:t>Yunxin</a:t>
-            </a:r>
-            <a:r>
-              <a:rPr lang="en-US" b="0" i="0" dirty="0">
-                <a:solidFill>
-                  <a:srgbClr val="222222"/>
-                </a:solidFill>
-                <a:effectLst/>
-                <a:highlight>
-                  <a:srgbClr val="FFFFFF"/>
-                </a:highlight>
-                <a:latin typeface="Arial" panose="020B0604020202020204" pitchFamily="34" charset="0"/>
-              </a:rPr>
-              <a:t> Liu. "</a:t>
-            </a:r>
-            <a:r>
-              <a:rPr lang="en-US" b="0" i="0" dirty="0" err="1">
-                <a:solidFill>
-                  <a:srgbClr val="222222"/>
-                </a:solidFill>
-                <a:effectLst/>
-                <a:highlight>
-                  <a:srgbClr val="FFFFFF"/>
-                </a:highlight>
-                <a:latin typeface="Arial" panose="020B0604020202020204" pitchFamily="34" charset="0"/>
-              </a:rPr>
-              <a:t>Nn</a:t>
-            </a:r>
-            <a:r>
-              <a:rPr lang="en-US" b="0" i="0" dirty="0">
-                <a:solidFill>
-                  <a:srgbClr val="222222"/>
-                </a:solidFill>
-                <a:effectLst/>
-                <a:highlight>
-                  <a:srgbClr val="FFFFFF"/>
-                </a:highlight>
-                <a:latin typeface="Arial" panose="020B0604020202020204" pitchFamily="34" charset="0"/>
-              </a:rPr>
-              <a:t>-meter: Towards accurate latency prediction of deep-learning model inference on diverse edge devices." In </a:t>
-            </a:r>
-            <a:r>
-              <a:rPr lang="en-US" b="0" i="1" dirty="0">
-                <a:solidFill>
-                  <a:srgbClr val="222222"/>
-                </a:solidFill>
-                <a:effectLst/>
-                <a:highlight>
-                  <a:srgbClr val="FFFFFF"/>
-                </a:highlight>
-                <a:latin typeface="Arial" panose="020B0604020202020204" pitchFamily="34" charset="0"/>
-              </a:rPr>
-              <a:t>Proceedings of the 19th Annual International Conference on Mobile Systems, Applications, and Services</a:t>
-            </a:r>
-            <a:r>
-              <a:rPr lang="en-US" b="0" i="0" dirty="0">
-                <a:solidFill>
-                  <a:srgbClr val="222222"/>
-                </a:solidFill>
-                <a:effectLst/>
-                <a:highlight>
-                  <a:srgbClr val="FFFFFF"/>
-                </a:highlight>
-                <a:latin typeface="Arial" panose="020B0604020202020204" pitchFamily="34" charset="0"/>
-              </a:rPr>
-              <a:t>, pp. 81-93. 2021.</a:t>
-            </a:r>
-            <a:endParaRPr lang="en-US" dirty="0"/>
-          </a:p>
-          <a:p>
-            <a:r>
-              <a:rPr lang="en-US" dirty="0"/>
-              <a:t>[5]: </a:t>
-            </a:r>
-            <a:r>
-              <a:rPr lang="en-US" b="0" i="0" dirty="0">
-                <a:solidFill>
-                  <a:srgbClr val="222222"/>
-                </a:solidFill>
-                <a:effectLst/>
-                <a:highlight>
-                  <a:srgbClr val="FFFFFF"/>
-                </a:highlight>
-                <a:latin typeface="Arial" panose="020B0604020202020204" pitchFamily="34" charset="0"/>
-              </a:rPr>
-              <a:t>Chai, Yuji, Devashree Tripathy, </a:t>
-            </a:r>
-            <a:r>
-              <a:rPr lang="en-US" b="0" i="0" dirty="0" err="1">
-                <a:solidFill>
-                  <a:srgbClr val="222222"/>
-                </a:solidFill>
-                <a:effectLst/>
-                <a:highlight>
-                  <a:srgbClr val="FFFFFF"/>
-                </a:highlight>
-                <a:latin typeface="Arial" panose="020B0604020202020204" pitchFamily="34" charset="0"/>
-              </a:rPr>
-              <a:t>Chuteng</a:t>
-            </a:r>
-            <a:r>
-              <a:rPr lang="en-US" b="0" i="0" dirty="0">
-                <a:solidFill>
-                  <a:srgbClr val="222222"/>
-                </a:solidFill>
-                <a:effectLst/>
-                <a:highlight>
-                  <a:srgbClr val="FFFFFF"/>
-                </a:highlight>
-                <a:latin typeface="Arial" panose="020B0604020202020204" pitchFamily="34" charset="0"/>
-              </a:rPr>
-              <a:t> Zhou, </a:t>
-            </a:r>
-            <a:r>
-              <a:rPr lang="en-US" b="0" i="0" dirty="0" err="1">
-                <a:solidFill>
-                  <a:srgbClr val="222222"/>
-                </a:solidFill>
-                <a:effectLst/>
-                <a:highlight>
-                  <a:srgbClr val="FFFFFF"/>
-                </a:highlight>
-                <a:latin typeface="Arial" panose="020B0604020202020204" pitchFamily="34" charset="0"/>
-              </a:rPr>
-              <a:t>Dibakar</a:t>
-            </a:r>
-            <a:r>
-              <a:rPr lang="en-US" b="0" i="0" dirty="0">
-                <a:solidFill>
-                  <a:srgbClr val="222222"/>
-                </a:solidFill>
-                <a:effectLst/>
-                <a:highlight>
-                  <a:srgbClr val="FFFFFF"/>
-                </a:highlight>
-                <a:latin typeface="Arial" panose="020B0604020202020204" pitchFamily="34" charset="0"/>
-              </a:rPr>
-              <a:t> </a:t>
-            </a:r>
-            <a:r>
-              <a:rPr lang="en-US" b="0" i="0" dirty="0" err="1">
-                <a:solidFill>
-                  <a:srgbClr val="222222"/>
-                </a:solidFill>
-                <a:effectLst/>
-                <a:highlight>
-                  <a:srgbClr val="FFFFFF"/>
-                </a:highlight>
-                <a:latin typeface="Arial" panose="020B0604020202020204" pitchFamily="34" charset="0"/>
-              </a:rPr>
-              <a:t>Gope</a:t>
-            </a:r>
-            <a:r>
-              <a:rPr lang="en-US" b="0" i="0" dirty="0">
-                <a:solidFill>
-                  <a:srgbClr val="222222"/>
-                </a:solidFill>
-                <a:effectLst/>
-                <a:highlight>
-                  <a:srgbClr val="FFFFFF"/>
-                </a:highlight>
-                <a:latin typeface="Arial" panose="020B0604020202020204" pitchFamily="34" charset="0"/>
-              </a:rPr>
-              <a:t>, Igor Fedorov, Ramon Matas, David Brooks, Gu-Yeon Wei, and Paul </a:t>
-            </a:r>
-            <a:r>
-              <a:rPr lang="en-US" b="0" i="0" dirty="0" err="1">
-                <a:solidFill>
-                  <a:srgbClr val="222222"/>
-                </a:solidFill>
-                <a:effectLst/>
-                <a:highlight>
-                  <a:srgbClr val="FFFFFF"/>
-                </a:highlight>
-                <a:latin typeface="Arial" panose="020B0604020202020204" pitchFamily="34" charset="0"/>
-              </a:rPr>
-              <a:t>Whatmough</a:t>
-            </a:r>
-            <a:r>
-              <a:rPr lang="en-US" b="0" i="0" dirty="0">
-                <a:solidFill>
-                  <a:srgbClr val="222222"/>
-                </a:solidFill>
-                <a:effectLst/>
-                <a:highlight>
-                  <a:srgbClr val="FFFFFF"/>
-                </a:highlight>
-                <a:latin typeface="Arial" panose="020B0604020202020204" pitchFamily="34" charset="0"/>
-              </a:rPr>
-              <a:t>. "</a:t>
-            </a:r>
-            <a:r>
-              <a:rPr lang="en-US" b="0" i="0" dirty="0" err="1">
-                <a:solidFill>
-                  <a:srgbClr val="222222"/>
-                </a:solidFill>
-                <a:effectLst/>
-                <a:highlight>
-                  <a:srgbClr val="FFFFFF"/>
-                </a:highlight>
-                <a:latin typeface="Arial" panose="020B0604020202020204" pitchFamily="34" charset="0"/>
-              </a:rPr>
-              <a:t>Perfsage</a:t>
-            </a:r>
-            <a:r>
-              <a:rPr lang="en-US" b="0" i="0" dirty="0">
-                <a:solidFill>
-                  <a:srgbClr val="222222"/>
-                </a:solidFill>
-                <a:effectLst/>
-                <a:highlight>
-                  <a:srgbClr val="FFFFFF"/>
-                </a:highlight>
-                <a:latin typeface="Arial" panose="020B0604020202020204" pitchFamily="34" charset="0"/>
-              </a:rPr>
-              <a:t>: Generalized inference performance predictor for arbitrary deep learning models on edge devices." </a:t>
-            </a:r>
-            <a:r>
-              <a:rPr lang="en-US" b="0" i="1" dirty="0" err="1">
-                <a:solidFill>
-                  <a:srgbClr val="222222"/>
-                </a:solidFill>
-                <a:effectLst/>
-                <a:highlight>
-                  <a:srgbClr val="FFFFFF"/>
-                </a:highlight>
-                <a:latin typeface="Arial" panose="020B0604020202020204" pitchFamily="34" charset="0"/>
-              </a:rPr>
-              <a:t>arXiv</a:t>
-            </a:r>
-            <a:r>
-              <a:rPr lang="en-US" b="0" i="1" dirty="0">
-                <a:solidFill>
-                  <a:srgbClr val="222222"/>
-                </a:solidFill>
-                <a:effectLst/>
-                <a:highlight>
-                  <a:srgbClr val="FFFFFF"/>
-                </a:highlight>
-                <a:latin typeface="Arial" panose="020B0604020202020204" pitchFamily="34" charset="0"/>
-              </a:rPr>
-              <a:t> preprint arXiv:2301.10999</a:t>
-            </a:r>
-            <a:r>
-              <a:rPr lang="en-US" b="0" i="0" dirty="0">
-                <a:solidFill>
-                  <a:srgbClr val="222222"/>
-                </a:solidFill>
-                <a:effectLst/>
-                <a:highlight>
-                  <a:srgbClr val="FFFFFF"/>
-                </a:highlight>
-                <a:latin typeface="Arial" panose="020B0604020202020204" pitchFamily="34" charset="0"/>
-              </a:rPr>
-              <a:t> (2023).</a:t>
-            </a:r>
+              <a:t>, pp. 2543-2553. 2021.</a:t>
+            </a:r>
+          </a:p>
+          <a:p>
             <a:endParaRPr lang="en-US" dirty="0"/>
           </a:p>
         </p:txBody>
@@ -1956,7 +1645,7 @@
     </p:spTree>
     <p:extLst>
       <p:ext uri="{BB962C8B-B14F-4D97-AF65-F5344CB8AC3E}">
-        <p14:creationId xmlns:p14="http://schemas.microsoft.com/office/powerpoint/2010/main" val="3866353076"/>
+        <p14:creationId xmlns:p14="http://schemas.microsoft.com/office/powerpoint/2010/main" val="3443202215"/>
       </p:ext>
     </p:extLst>
   </p:cSld>
@@ -2011,10 +1700,6 @@
           <a:lstStyle/>
           <a:p>
             <a:r>
-              <a:rPr lang="en-US" dirty="0"/>
-              <a:t>[1]: </a:t>
-            </a:r>
-            <a:r>
               <a:rPr lang="en-US" b="0" i="0" dirty="0">
                 <a:solidFill>
                   <a:srgbClr val="222222"/>
@@ -2025,7 +1710,7 @@
                 </a:highlight>
                 <a:latin typeface="Arial" panose="020B0604020202020204" pitchFamily="34" charset="0"/>
               </a:rPr>
-              <a:t>Banbury, C., Zhou, C., Fedorov, I., Matas, R., </a:t>
+              <a:t>[1]: Chen, </a:t>
             </a:r>
             <a:r>
               <a:rPr lang="en-US" b="0" i="0" dirty="0" err="1">
@@ -2038,7 +1723,7 @@
                 </a:highlight>
                 <a:latin typeface="Arial" panose="020B0604020202020204" pitchFamily="34" charset="0"/>
               </a:rPr>
-              <a:t>Thakker</a:t>
+              <a:t>Jianan</a:t>
             </a:r>
             <a:r>
               <a:rPr lang="en-US" b="0" i="0" dirty="0">
@@ -2051,7 +1736,7 @@
                 </a:highlight>
                 <a:latin typeface="Arial" panose="020B0604020202020204" pitchFamily="34" charset="0"/>
               </a:rPr>
-              <a:t>, U., </a:t>
+              <a:t>, Qi </a:t>
             </a:r>
             <a:r>
               <a:rPr lang="en-US" b="0" i="0" dirty="0" err="1">
@@ -2064,7 +1749,7 @@
                 </a:highlight>
                 <a:latin typeface="Arial" panose="020B0604020202020204" pitchFamily="34" charset="0"/>
               </a:rPr>
-              <a:t>Gope</a:t>
+              <a:t>Qi</a:t>
             </a:r>
             <a:r>
               <a:rPr lang="en-US" b="0" i="0" dirty="0">
@@ -2077,7 +1762,7 @@
                 </a:highlight>
                 <a:latin typeface="Arial" panose="020B0604020202020204" pitchFamily="34" charset="0"/>
               </a:rPr>
-              <a:t>, D., ... &amp; </a:t>
+              <a:t>, </a:t>
             </a:r>
             <a:r>
               <a:rPr lang="en-US" b="0" i="0" dirty="0" err="1">
@@ -2090,7 +1775,7 @@
                 </a:highlight>
                 <a:latin typeface="Arial" panose="020B0604020202020204" pitchFamily="34" charset="0"/>
               </a:rPr>
-              <a:t>Whatmough</a:t>
+              <a:t>Jingyu</a:t>
             </a:r>
             <a:r>
               <a:rPr lang="en-US" b="0" i="0" dirty="0">
@@ -2103,7 +1788,7 @@
                 </a:highlight>
                 <a:latin typeface="Arial" panose="020B0604020202020204" pitchFamily="34" charset="0"/>
               </a:rPr>
-              <a:t>, P. (2021). </a:t>
+              <a:t> Wang, Haifeng Sun, and </a:t>
             </a:r>
             <a:r>
               <a:rPr lang="en-US" b="0" i="0" dirty="0" err="1">
@@ -2116,7 +1801,7 @@
                 </a:highlight>
                 <a:latin typeface="Arial" panose="020B0604020202020204" pitchFamily="34" charset="0"/>
               </a:rPr>
-              <a:t>Micronets</a:t>
+              <a:t>Jianxin</a:t>
             </a:r>
             <a:r>
               <a:rPr lang="en-US" b="0" i="0" dirty="0">
@@ -2129,7 +1814,7 @@
                 </a:highlight>
                 <a:latin typeface="Arial" panose="020B0604020202020204" pitchFamily="34" charset="0"/>
               </a:rPr>
-              <a:t>: Neural network architectures for deploying </a:t>
+              <a:t> Liao. "Accelerating </a:t>
             </a:r>
             <a:r>
               <a:rPr lang="en-US" b="0" i="0" dirty="0" err="1">
@@ -2142,7 +1827,7 @@
                 </a:highlight>
                 <a:latin typeface="Arial" panose="020B0604020202020204" pitchFamily="34" charset="0"/>
               </a:rPr>
-              <a:t>tinyml</a:t>
+              <a:t>dnn</a:t>
             </a:r>
             <a:r>
               <a:rPr lang="en-US" b="0" i="0" dirty="0">
@@ -2155,7 +1840,7 @@
                 </a:highlight>
                 <a:latin typeface="Arial" panose="020B0604020202020204" pitchFamily="34" charset="0"/>
               </a:rPr>
-              <a:t> applications on commodity microcontrollers. </a:t>
+              <a:t> inference by edge-cloud collaboration." In </a:t>
             </a:r>
             <a:r>
               <a:rPr lang="en-US" b="0" i="1" dirty="0">
@@ -2168,7 +1853,7 @@
                 </a:highlight>
                 <a:latin typeface="Arial" panose="020B0604020202020204" pitchFamily="34" charset="0"/>
               </a:rPr>
-              <a:t>Proceedings of machine learning and systems</a:t>
+              <a:t>2021 IEEE International Performance, Computing, and Communications Conference (IPCCC)</a:t>
             </a:r>
             <a:r>
               <a:rPr lang="en-US" b="0" i="0" dirty="0">
@@ -2181,7 +1866,100 @@
                 </a:highlight>
                 <a:latin typeface="Arial" panose="020B0604020202020204" pitchFamily="34" charset="0"/>
               </a:rPr>
-              <a:t>, </a:t>
+              <a:t>, pp. 1-7. IEEE, 2021.</a:t>
+            </a:r>
+          </a:p>
+          <a:p>
+            <a:r>
+              <a:rPr lang="en-US" b="0" i="0" dirty="0">
+                <a:solidFill>
+                  <a:srgbClr val="222222"/>
+                </a:solidFill>
+                <a:effectLst/>
+                <a:highlight>
+                  <a:srgbClr val="FFFFFF"/>
+                </a:highlight>
+                <a:latin typeface="Arial" panose="020B0604020202020204" pitchFamily="34" charset="0"/>
+              </a:rPr>
+              <a:t>[2]: Lin, Bing, </a:t>
+            </a:r>
+            <a:r>
+              <a:rPr lang="en-US" b="0" i="0" dirty="0" err="1">
+                <a:solidFill>
+                  <a:srgbClr val="222222"/>
+                </a:solidFill>
+                <a:effectLst/>
+                <a:highlight>
+                  <a:srgbClr val="FFFFFF"/>
+                </a:highlight>
+                <a:latin typeface="Arial" panose="020B0604020202020204" pitchFamily="34" charset="0"/>
+              </a:rPr>
+              <a:t>Yinhao</a:t>
+            </a:r>
+            <a:r>
+              <a:rPr lang="en-US" b="0" i="0" dirty="0">
+                <a:solidFill>
+                  <a:srgbClr val="222222"/>
+                </a:solidFill>
+                <a:effectLst/>
+                <a:highlight>
+                  <a:srgbClr val="FFFFFF"/>
+                </a:highlight>
+                <a:latin typeface="Arial" panose="020B0604020202020204" pitchFamily="34" charset="0"/>
+              </a:rPr>
+              <a:t> Huang, </a:t>
+            </a:r>
+            <a:r>
+              <a:rPr lang="en-US" b="0" i="0" dirty="0" err="1">
+                <a:solidFill>
+                  <a:srgbClr val="222222"/>
+                </a:solidFill>
+                <a:effectLst/>
+                <a:highlight>
+                  <a:srgbClr val="FFFFFF"/>
+                </a:highlight>
+                <a:latin typeface="Arial" panose="020B0604020202020204" pitchFamily="34" charset="0"/>
+              </a:rPr>
+              <a:t>Jianshan</a:t>
+            </a:r>
+            <a:r>
+              <a:rPr lang="en-US" b="0" i="0" dirty="0">
+                <a:solidFill>
+                  <a:srgbClr val="222222"/>
+                </a:solidFill>
+                <a:effectLst/>
+                <a:highlight>
+                  <a:srgbClr val="FFFFFF"/>
+                </a:highlight>
+                <a:latin typeface="Arial" panose="020B0604020202020204" pitchFamily="34" charset="0"/>
+              </a:rPr>
+              <a:t> Zhang, </a:t>
+            </a:r>
+            <a:r>
+              <a:rPr lang="en-US" b="0" i="0" dirty="0" err="1">
+                <a:solidFill>
+                  <a:srgbClr val="222222"/>
+                </a:solidFill>
+                <a:effectLst/>
+                <a:highlight>
+                  <a:srgbClr val="FFFFFF"/>
+                </a:highlight>
+                <a:latin typeface="Arial" panose="020B0604020202020204" pitchFamily="34" charset="0"/>
+              </a:rPr>
+              <a:t>Junqin</a:t>
+            </a:r>
+            <a:r>
+              <a:rPr lang="en-US" b="0" i="0" dirty="0">
+                <a:solidFill>
+                  <a:srgbClr val="222222"/>
+                </a:solidFill>
+                <a:effectLst/>
+                <a:highlight>
+                  <a:srgbClr val="FFFFFF"/>
+                </a:highlight>
+                <a:latin typeface="Arial" panose="020B0604020202020204" pitchFamily="34" charset="0"/>
+              </a:rPr>
+              <a:t> Hu, Xing Chen, and Jun Li. "Cost-driven off-loading for DNN-based applications over cloud, edge, and end devices." </a:t>
             </a:r>
             <a:r>
               <a:rPr lang="en-US" b="0" i="1" dirty="0">
@@ -2194,7 +1972,7 @@
                 </a:highlight>
                 <a:latin typeface="Arial" panose="020B0604020202020204" pitchFamily="34" charset="0"/>
               </a:rPr>
-              <a:t>3</a:t>
+              <a:t>IEEE Transactions on Industrial Informatics</a:t>
             </a:r>
             <a:r>
               <a:rPr lang="en-US" b="0" i="0" dirty="0">
@@ -2207,7 +1985,7 @@
                 </a:highlight>
                 <a:latin typeface="Arial" panose="020B0604020202020204" pitchFamily="34" charset="0"/>
               </a:rPr>
-              <a:t>, 517-532.</a:t>
+              <a:t> 16, no. 8 (2019): 5456-5466.</a:t>
             </a:r>
           </a:p>
           <a:p>
@@ -2222,7 +2000,7 @@
                 </a:highlight>
                 <a:latin typeface="Arial" panose="020B0604020202020204" pitchFamily="34" charset="0"/>
               </a:rPr>
-              <a:t>[2]: Banbury, Colby R., Vijay </a:t>
+              <a:t>[3]: Li, </a:t>
             </a:r>
             <a:r>
               <a:rPr lang="en-US" b="0" i="0" dirty="0" err="1">
@@ -2235,7 +2013,7 @@
                 </a:highlight>
                 <a:latin typeface="Arial" panose="020B0604020202020204" pitchFamily="34" charset="0"/>
               </a:rPr>
-              <a:t>Janapa</a:t>
+              <a:t>Chunlin</a:t>
             </a:r>
             <a:r>
               <a:rPr lang="en-US" b="0" i="0" dirty="0">
@@ -2248,7 +2026,7 @@
                 </a:highlight>
                 <a:latin typeface="Arial" panose="020B0604020202020204" pitchFamily="34" charset="0"/>
               </a:rPr>
-              <a:t> Reddi, Max Lam, William Fu, Amin Fazel, Jeremy Holleman, Xinyuan Huang et al. "Benchmarking </a:t>
+              <a:t>, Long Chai, Kun Jiang, Yong Zhang, Jun Liu, and </a:t>
             </a:r>
             <a:r>
               <a:rPr lang="en-US" b="0" i="0" dirty="0" err="1">
@@ -2261,7 +2039,7 @@
                 </a:highlight>
                 <a:latin typeface="Arial" panose="020B0604020202020204" pitchFamily="34" charset="0"/>
               </a:rPr>
-              <a:t>tinyml</a:t>
+              <a:t>Shaohua</a:t>
             </a:r>
             <a:r>
               <a:rPr lang="en-US" b="0" i="0" dirty="0">
@@ -2274,20 +2052,7 @@
                 </a:highlight>
                 <a:latin typeface="Arial" panose="020B0604020202020204" pitchFamily="34" charset="0"/>
               </a:rPr>
-              <a:t> systems: Challenges and direction." </a:t>
-            </a:r>
-            <a:r>
-              <a:rPr lang="en-US" b="0" i="1" dirty="0" err="1">
-                <a:solidFill>
-                  <a:srgbClr val="222222"/>
-                </a:solidFill>
-                <a:effectLst/>
-                <a:highlight>
-                  <a:srgbClr val="FFFFFF"/>
-                </a:highlight>
-                <a:latin typeface="Arial" panose="020B0604020202020204" pitchFamily="34" charset="0"/>
-              </a:rPr>
-              <a:t>arXiv</a:t>
+              <a:t> Wan. "DNN partition and offloading strategy with improved particle swarm genetic algorithm in VEC." </a:t>
             </a:r>
             <a:r>
               <a:rPr lang="en-US" b="0" i="1" dirty="0">
@@ -2300,7 +2065,7 @@
                 </a:highlight>
                 <a:latin typeface="Arial" panose="020B0604020202020204" pitchFamily="34" charset="0"/>
               </a:rPr>
-              <a:t> preprint arXiv:2003.04821</a:t>
+              <a:t>IEEE Transactions on Intelligent Vehicles</a:t>
             </a:r>
             <a:r>
               <a:rPr lang="en-US" b="0" i="0" dirty="0">
@@ -2313,8 +2078,139 @@
                 </a:highlight>
                 <a:latin typeface="Arial" panose="020B0604020202020204" pitchFamily="34" charset="0"/>
               </a:rPr>
-              <a:t> (2020).</a:t>
-            </a:r>
+              <a:t> (2023).</a:t>
+            </a:r>
+          </a:p>
+          <a:p>
+            <a:r>
+              <a:rPr lang="en-US" b="0" i="0" dirty="0">
+                <a:solidFill>
+                  <a:srgbClr val="222222"/>
+                </a:solidFill>
+                <a:effectLst/>
+                <a:highlight>
+                  <a:srgbClr val="FFFFFF"/>
+                </a:highlight>
+                <a:latin typeface="Arial" panose="020B0604020202020204" pitchFamily="34" charset="0"/>
+              </a:rPr>
+              <a:t>[4]: </a:t>
+            </a:r>
+            <a:r>
+              <a:rPr lang="en-US" b="0" i="0" dirty="0" err="1">
+                <a:solidFill>
+                  <a:srgbClr val="222222"/>
+                </a:solidFill>
+                <a:effectLst/>
+                <a:highlight>
+                  <a:srgbClr val="FFFFFF"/>
+                </a:highlight>
+                <a:latin typeface="Arial" panose="020B0604020202020204" pitchFamily="34" charset="0"/>
+              </a:rPr>
+              <a:t>Kayal</a:t>
+            </a:r>
+            <a:r>
+              <a:rPr lang="en-US" b="0" i="0" dirty="0">
+                <a:solidFill>
+                  <a:srgbClr val="222222"/>
+                </a:solidFill>
+                <a:effectLst/>
+                <a:highlight>
+                  <a:srgbClr val="FFFFFF"/>
+                </a:highlight>
+                <a:latin typeface="Arial" panose="020B0604020202020204" pitchFamily="34" charset="0"/>
+              </a:rPr>
+              <a:t>, </a:t>
+            </a:r>
+            <a:r>
+              <a:rPr lang="en-US" b="0" i="0" dirty="0" err="1">
+                <a:solidFill>
+                  <a:srgbClr val="222222"/>
+                </a:solidFill>
+                <a:effectLst/>
+                <a:highlight>
+                  <a:srgbClr val="FFFFFF"/>
+                </a:highlight>
+                <a:latin typeface="Arial" panose="020B0604020202020204" pitchFamily="34" charset="0"/>
+              </a:rPr>
+              <a:t>Paridhika</a:t>
+            </a:r>
+            <a:r>
+              <a:rPr lang="en-US" b="0" i="0" dirty="0">
+                <a:solidFill>
+                  <a:srgbClr val="222222"/>
+                </a:solidFill>
+                <a:effectLst/>
+                <a:highlight>
+                  <a:srgbClr val="FFFFFF"/>
+                </a:highlight>
+                <a:latin typeface="Arial" panose="020B0604020202020204" pitchFamily="34" charset="0"/>
+              </a:rPr>
+              <a:t>, and Alberto Leon-Garcia. "</a:t>
+            </a:r>
+            <a:r>
+              <a:rPr lang="en-US" b="0" i="0" dirty="0" err="1">
+                <a:solidFill>
+                  <a:srgbClr val="222222"/>
+                </a:solidFill>
+                <a:effectLst/>
+                <a:highlight>
+                  <a:srgbClr val="FFFFFF"/>
+                </a:highlight>
+                <a:latin typeface="Arial" panose="020B0604020202020204" pitchFamily="34" charset="0"/>
+              </a:rPr>
+              <a:t>DNNSplit</a:t>
+            </a:r>
+            <a:r>
+              <a:rPr lang="en-US" b="0" i="0" dirty="0">
+                <a:solidFill>
+                  <a:srgbClr val="222222"/>
+                </a:solidFill>
+                <a:effectLst/>
+                <a:highlight>
+                  <a:srgbClr val="FFFFFF"/>
+                </a:highlight>
+                <a:latin typeface="Arial" panose="020B0604020202020204" pitchFamily="34" charset="0"/>
+              </a:rPr>
+              <a:t>: Latency and Cost-efficient Split Point Identification for Multi-tier DNN Partitioning." </a:t>
+            </a:r>
+            <a:r>
+              <a:rPr lang="en-US" b="0" i="1" dirty="0">
+                <a:solidFill>
+                  <a:srgbClr val="222222"/>
+                </a:solidFill>
+                <a:effectLst/>
+                <a:highlight>
+                  <a:srgbClr val="FFFFFF"/>
+                </a:highlight>
+                <a:latin typeface="Arial" panose="020B0604020202020204" pitchFamily="34" charset="0"/>
+              </a:rPr>
+              <a:t>IEEE Access</a:t>
+            </a:r>
+            <a:r>
+              <a:rPr lang="en-US" b="0" i="0" dirty="0">
+                <a:solidFill>
+                  <a:srgbClr val="222222"/>
+                </a:solidFill>
+                <a:effectLst/>
+                <a:highlight>
+                  <a:srgbClr val="FFFFFF"/>
+                </a:highlight>
+                <a:latin typeface="Arial" panose="020B0604020202020204" pitchFamily="34" charset="0"/>
+              </a:rPr>
+              <a:t> (2024).</a:t>
+            </a:r>
+          </a:p>
+          <a:p>
+            <a:endParaRPr lang="en-US" b="0" i="0" dirty="0">
+              <a:solidFill>
+                <a:srgbClr val="222222"/>
+              </a:solidFill>
+              <a:effectLst/>
+              <a:highlight>
+                <a:srgbClr val="FFFFFF"/>
+              </a:highlight>
+              <a:latin typeface="Arial" panose="020B0604020202020204" pitchFamily="34" charset="0"/>
+            </a:endParaRPr>
           </a:p>
           <a:p>
             <a:endParaRPr lang="en-US" dirty="0"/>
@@ -2347,7 +2243,7 @@
     </p:spTree>
     <p:extLst>
       <p:ext uri="{BB962C8B-B14F-4D97-AF65-F5344CB8AC3E}">
-        <p14:creationId xmlns:p14="http://schemas.microsoft.com/office/powerpoint/2010/main" val="2949921131"/>
+        <p14:creationId xmlns:p14="http://schemas.microsoft.com/office/powerpoint/2010/main" val="1660109641"/>
       </p:ext>
     </p:extLst>
   </p:cSld>
@@ -2403,7 +2299,29 @@
           <a:p>
             <a:r>
               <a:rPr lang="en-US" dirty="0"/>
-              <a:t>[1]: </a:t>
+              <a:t>[1]: Kaufman, S., </a:t>
+            </a:r>
+            <a:r>
+              <a:rPr lang="en-US" dirty="0" err="1"/>
+              <a:t>Phothilimthana</a:t>
+            </a:r>
+            <a:r>
+              <a:rPr lang="en-US" dirty="0"/>
+              <a:t>, P., Zhou, Y., Mendis, C., Roy, S., </a:t>
+            </a:r>
+            <a:r>
+              <a:rPr lang="en-US" dirty="0" err="1"/>
+              <a:t>Sabne</a:t>
+            </a:r>
+            <a:r>
+              <a:rPr lang="en-US" dirty="0"/>
+              <a:t>, A., and Burrows, M. A learned performance model for tensor processing units. Proceedings of Machine Learning and Systems, 3:387–400, 2021.</a:t>
+            </a:r>
+          </a:p>
+          <a:p>
+            <a:r>
+              <a:rPr lang="en-US" dirty="0"/>
+              <a:t>[2]: </a:t>
             </a:r>
             <a:r>
               <a:rPr lang="en-US" b="0" i="0" dirty="0">
@@ -2416,7 +2334,7 @@
                 </a:highlight>
                 <a:latin typeface="Arial" panose="020B0604020202020204" pitchFamily="34" charset="0"/>
               </a:rPr>
-              <a:t>Banbury, C., Zhou, C., Fedorov, I., Matas, R., </a:t>
+              <a:t>Wen, Wei, </a:t>
             </a:r>
             <a:r>
               <a:rPr lang="en-US" b="0" i="0" dirty="0" err="1">
@@ -2429,7 +2347,7 @@
                 </a:highlight>
                 <a:latin typeface="Arial" panose="020B0604020202020204" pitchFamily="34" charset="0"/>
               </a:rPr>
-              <a:t>Thakker</a:t>
+              <a:t>Hanxiao</a:t>
             </a:r>
             <a:r>
               <a:rPr lang="en-US" b="0" i="0" dirty="0">
@@ -2442,7 +2360,7 @@
                 </a:highlight>
                 <a:latin typeface="Arial" panose="020B0604020202020204" pitchFamily="34" charset="0"/>
               </a:rPr>
-              <a:t>, U., </a:t>
+              <a:t> Liu, </a:t>
             </a:r>
             <a:r>
               <a:rPr lang="en-US" b="0" i="0" dirty="0" err="1">
@@ -2455,6 +2373,547 @@
                 </a:highlight>
                 <a:latin typeface="Arial" panose="020B0604020202020204" pitchFamily="34" charset="0"/>
               </a:rPr>
+              <a:t>Yiran</a:t>
+            </a:r>
+            <a:r>
+              <a:rPr lang="en-US" b="0" i="0" dirty="0">
+                <a:solidFill>
+                  <a:srgbClr val="222222"/>
+                </a:solidFill>
+                <a:effectLst/>
+                <a:highlight>
+                  <a:srgbClr val="FFFFFF"/>
+                </a:highlight>
+                <a:latin typeface="Arial" panose="020B0604020202020204" pitchFamily="34" charset="0"/>
+              </a:rPr>
+              <a:t> Chen, Hai Li, Gabriel Bender, and Pieter-Jan </a:t>
+            </a:r>
+            <a:r>
+              <a:rPr lang="en-US" b="0" i="0" dirty="0" err="1">
+                <a:solidFill>
+                  <a:srgbClr val="222222"/>
+                </a:solidFill>
+                <a:effectLst/>
+                <a:highlight>
+                  <a:srgbClr val="FFFFFF"/>
+                </a:highlight>
+                <a:latin typeface="Arial" panose="020B0604020202020204" pitchFamily="34" charset="0"/>
+              </a:rPr>
+              <a:t>Kindermans</a:t>
+            </a:r>
+            <a:r>
+              <a:rPr lang="en-US" b="0" i="0" dirty="0">
+                <a:solidFill>
+                  <a:srgbClr val="222222"/>
+                </a:solidFill>
+                <a:effectLst/>
+                <a:highlight>
+                  <a:srgbClr val="FFFFFF"/>
+                </a:highlight>
+                <a:latin typeface="Arial" panose="020B0604020202020204" pitchFamily="34" charset="0"/>
+              </a:rPr>
+              <a:t>. "Neural predictor for neural architecture search." In </a:t>
+            </a:r>
+            <a:r>
+              <a:rPr lang="en-US" b="0" i="1" dirty="0">
+                <a:solidFill>
+                  <a:srgbClr val="222222"/>
+                </a:solidFill>
+                <a:effectLst/>
+                <a:highlight>
+                  <a:srgbClr val="FFFFFF"/>
+                </a:highlight>
+                <a:latin typeface="Arial" panose="020B0604020202020204" pitchFamily="34" charset="0"/>
+              </a:rPr>
+              <a:t>European Conference on Computer Vision</a:t>
+            </a:r>
+            <a:r>
+              <a:rPr lang="en-US" b="0" i="0" dirty="0">
+                <a:solidFill>
+                  <a:srgbClr val="222222"/>
+                </a:solidFill>
+                <a:effectLst/>
+                <a:highlight>
+                  <a:srgbClr val="FFFFFF"/>
+                </a:highlight>
+                <a:latin typeface="Arial" panose="020B0604020202020204" pitchFamily="34" charset="0"/>
+              </a:rPr>
+              <a:t>, pp. 660-676. Cham: Springer International Publishing, 2020.</a:t>
+            </a:r>
+            <a:endParaRPr lang="en-US" dirty="0"/>
+          </a:p>
+          <a:p>
+            <a:r>
+              <a:rPr lang="en-US" dirty="0"/>
+              <a:t>[3]: </a:t>
+            </a:r>
+            <a:r>
+              <a:rPr lang="en-US" b="0" i="0" dirty="0" err="1">
+                <a:solidFill>
+                  <a:srgbClr val="222222"/>
+                </a:solidFill>
+                <a:effectLst/>
+                <a:highlight>
+                  <a:srgbClr val="FFFFFF"/>
+                </a:highlight>
+                <a:latin typeface="Arial" panose="020B0604020202020204" pitchFamily="34" charset="0"/>
+              </a:rPr>
+              <a:t>Dudziak</a:t>
+            </a:r>
+            <a:r>
+              <a:rPr lang="en-US" b="0" i="0" dirty="0">
+                <a:solidFill>
+                  <a:srgbClr val="222222"/>
+                </a:solidFill>
+                <a:effectLst/>
+                <a:highlight>
+                  <a:srgbClr val="FFFFFF"/>
+                </a:highlight>
+                <a:latin typeface="Arial" panose="020B0604020202020204" pitchFamily="34" charset="0"/>
+              </a:rPr>
+              <a:t>, Lukasz, Thomas Chau, Mohamed Abdelfattah, </a:t>
+            </a:r>
+            <a:r>
+              <a:rPr lang="en-US" b="0" i="0" dirty="0" err="1">
+                <a:solidFill>
+                  <a:srgbClr val="222222"/>
+                </a:solidFill>
+                <a:effectLst/>
+                <a:highlight>
+                  <a:srgbClr val="FFFFFF"/>
+                </a:highlight>
+                <a:latin typeface="Arial" panose="020B0604020202020204" pitchFamily="34" charset="0"/>
+              </a:rPr>
+              <a:t>Royson</a:t>
+            </a:r>
+            <a:r>
+              <a:rPr lang="en-US" b="0" i="0" dirty="0">
+                <a:solidFill>
+                  <a:srgbClr val="222222"/>
+                </a:solidFill>
+                <a:effectLst/>
+                <a:highlight>
+                  <a:srgbClr val="FFFFFF"/>
+                </a:highlight>
+                <a:latin typeface="Arial" panose="020B0604020202020204" pitchFamily="34" charset="0"/>
+              </a:rPr>
+              <a:t> Lee, </a:t>
+            </a:r>
+            <a:r>
+              <a:rPr lang="en-US" b="0" i="0" dirty="0" err="1">
+                <a:solidFill>
+                  <a:srgbClr val="222222"/>
+                </a:solidFill>
+                <a:effectLst/>
+                <a:highlight>
+                  <a:srgbClr val="FFFFFF"/>
+                </a:highlight>
+                <a:latin typeface="Arial" panose="020B0604020202020204" pitchFamily="34" charset="0"/>
+              </a:rPr>
+              <a:t>Hyeji</a:t>
+            </a:r>
+            <a:r>
+              <a:rPr lang="en-US" b="0" i="0" dirty="0">
+                <a:solidFill>
+                  <a:srgbClr val="222222"/>
+                </a:solidFill>
+                <a:effectLst/>
+                <a:highlight>
+                  <a:srgbClr val="FFFFFF"/>
+                </a:highlight>
+                <a:latin typeface="Arial" panose="020B0604020202020204" pitchFamily="34" charset="0"/>
+              </a:rPr>
+              <a:t> Kim, and Nicholas Lane. "</a:t>
+            </a:r>
+            <a:r>
+              <a:rPr lang="en-US" b="0" i="0" dirty="0" err="1">
+                <a:solidFill>
+                  <a:srgbClr val="222222"/>
+                </a:solidFill>
+                <a:effectLst/>
+                <a:highlight>
+                  <a:srgbClr val="FFFFFF"/>
+                </a:highlight>
+                <a:latin typeface="Arial" panose="020B0604020202020204" pitchFamily="34" charset="0"/>
+              </a:rPr>
+              <a:t>Brp-nas</a:t>
+            </a:r>
+            <a:r>
+              <a:rPr lang="en-US" b="0" i="0" dirty="0">
+                <a:solidFill>
+                  <a:srgbClr val="222222"/>
+                </a:solidFill>
+                <a:effectLst/>
+                <a:highlight>
+                  <a:srgbClr val="FFFFFF"/>
+                </a:highlight>
+                <a:latin typeface="Arial" panose="020B0604020202020204" pitchFamily="34" charset="0"/>
+              </a:rPr>
+              <a:t>: Prediction-based </a:t>
+            </a:r>
+            <a:r>
+              <a:rPr lang="en-US" b="0" i="0" dirty="0" err="1">
+                <a:solidFill>
+                  <a:srgbClr val="222222"/>
+                </a:solidFill>
+                <a:effectLst/>
+                <a:highlight>
+                  <a:srgbClr val="FFFFFF"/>
+                </a:highlight>
+                <a:latin typeface="Arial" panose="020B0604020202020204" pitchFamily="34" charset="0"/>
+              </a:rPr>
+              <a:t>nas</a:t>
+            </a:r>
+            <a:r>
+              <a:rPr lang="en-US" b="0" i="0" dirty="0">
+                <a:solidFill>
+                  <a:srgbClr val="222222"/>
+                </a:solidFill>
+                <a:effectLst/>
+                <a:highlight>
+                  <a:srgbClr val="FFFFFF"/>
+                </a:highlight>
+                <a:latin typeface="Arial" panose="020B0604020202020204" pitchFamily="34" charset="0"/>
+              </a:rPr>
+              <a:t> using </a:t>
+            </a:r>
+            <a:r>
+              <a:rPr lang="en-US" b="0" i="0" dirty="0" err="1">
+                <a:solidFill>
+                  <a:srgbClr val="222222"/>
+                </a:solidFill>
+                <a:effectLst/>
+                <a:highlight>
+                  <a:srgbClr val="FFFFFF"/>
+                </a:highlight>
+                <a:latin typeface="Arial" panose="020B0604020202020204" pitchFamily="34" charset="0"/>
+              </a:rPr>
+              <a:t>gcns</a:t>
+            </a:r>
+            <a:r>
+              <a:rPr lang="en-US" b="0" i="0" dirty="0">
+                <a:solidFill>
+                  <a:srgbClr val="222222"/>
+                </a:solidFill>
+                <a:effectLst/>
+                <a:highlight>
+                  <a:srgbClr val="FFFFFF"/>
+                </a:highlight>
+                <a:latin typeface="Arial" panose="020B0604020202020204" pitchFamily="34" charset="0"/>
+              </a:rPr>
+              <a:t>." </a:t>
+            </a:r>
+            <a:r>
+              <a:rPr lang="en-US" b="0" i="1" dirty="0">
+                <a:solidFill>
+                  <a:srgbClr val="222222"/>
+                </a:solidFill>
+                <a:effectLst/>
+                <a:highlight>
+                  <a:srgbClr val="FFFFFF"/>
+                </a:highlight>
+                <a:latin typeface="Arial" panose="020B0604020202020204" pitchFamily="34" charset="0"/>
+              </a:rPr>
+              <a:t>Advances in Neural Information Processing Systems</a:t>
+            </a:r>
+            <a:r>
+              <a:rPr lang="en-US" b="0" i="0" dirty="0">
+                <a:solidFill>
+                  <a:srgbClr val="222222"/>
+                </a:solidFill>
+                <a:effectLst/>
+                <a:highlight>
+                  <a:srgbClr val="FFFFFF"/>
+                </a:highlight>
+                <a:latin typeface="Arial" panose="020B0604020202020204" pitchFamily="34" charset="0"/>
+              </a:rPr>
+              <a:t> 33 (2020): 10480-10490.</a:t>
+            </a:r>
+            <a:endParaRPr lang="en-US" dirty="0"/>
+          </a:p>
+          <a:p>
+            <a:r>
+              <a:rPr lang="en-US" dirty="0"/>
+              <a:t>[4]: </a:t>
+            </a:r>
+            <a:r>
+              <a:rPr lang="en-US" b="0" i="0" dirty="0">
+                <a:solidFill>
+                  <a:srgbClr val="222222"/>
+                </a:solidFill>
+                <a:effectLst/>
+                <a:highlight>
+                  <a:srgbClr val="FFFFFF"/>
+                </a:highlight>
+                <a:latin typeface="Arial" panose="020B0604020202020204" pitchFamily="34" charset="0"/>
+              </a:rPr>
+              <a:t>Zhang, Li </a:t>
+            </a:r>
+            <a:r>
+              <a:rPr lang="en-US" b="0" i="0" dirty="0" err="1">
+                <a:solidFill>
+                  <a:srgbClr val="222222"/>
+                </a:solidFill>
+                <a:effectLst/>
+                <a:highlight>
+                  <a:srgbClr val="FFFFFF"/>
+                </a:highlight>
+                <a:latin typeface="Arial" panose="020B0604020202020204" pitchFamily="34" charset="0"/>
+              </a:rPr>
+              <a:t>Lyna</a:t>
+            </a:r>
+            <a:r>
+              <a:rPr lang="en-US" b="0" i="0" dirty="0">
+                <a:solidFill>
+                  <a:srgbClr val="222222"/>
+                </a:solidFill>
+                <a:effectLst/>
+                <a:highlight>
+                  <a:srgbClr val="FFFFFF"/>
+                </a:highlight>
+                <a:latin typeface="Arial" panose="020B0604020202020204" pitchFamily="34" charset="0"/>
+              </a:rPr>
+              <a:t>, </a:t>
+            </a:r>
+            <a:r>
+              <a:rPr lang="en-US" b="0" i="0" dirty="0" err="1">
+                <a:solidFill>
+                  <a:srgbClr val="222222"/>
+                </a:solidFill>
+                <a:effectLst/>
+                <a:highlight>
+                  <a:srgbClr val="FFFFFF"/>
+                </a:highlight>
+                <a:latin typeface="Arial" panose="020B0604020202020204" pitchFamily="34" charset="0"/>
+              </a:rPr>
+              <a:t>Shihao</a:t>
+            </a:r>
+            <a:r>
+              <a:rPr lang="en-US" b="0" i="0" dirty="0">
+                <a:solidFill>
+                  <a:srgbClr val="222222"/>
+                </a:solidFill>
+                <a:effectLst/>
+                <a:highlight>
+                  <a:srgbClr val="FFFFFF"/>
+                </a:highlight>
+                <a:latin typeface="Arial" panose="020B0604020202020204" pitchFamily="34" charset="0"/>
+              </a:rPr>
+              <a:t> Han, Jianyu Wei, </a:t>
+            </a:r>
+            <a:r>
+              <a:rPr lang="en-US" b="0" i="0" dirty="0" err="1">
+                <a:solidFill>
+                  <a:srgbClr val="222222"/>
+                </a:solidFill>
+                <a:effectLst/>
+                <a:highlight>
+                  <a:srgbClr val="FFFFFF"/>
+                </a:highlight>
+                <a:latin typeface="Arial" panose="020B0604020202020204" pitchFamily="34" charset="0"/>
+              </a:rPr>
+              <a:t>Ningxin</a:t>
+            </a:r>
+            <a:r>
+              <a:rPr lang="en-US" b="0" i="0" dirty="0">
+                <a:solidFill>
+                  <a:srgbClr val="222222"/>
+                </a:solidFill>
+                <a:effectLst/>
+                <a:highlight>
+                  <a:srgbClr val="FFFFFF"/>
+                </a:highlight>
+                <a:latin typeface="Arial" panose="020B0604020202020204" pitchFamily="34" charset="0"/>
+              </a:rPr>
+              <a:t> Zheng, Ting Cao, </a:t>
+            </a:r>
+            <a:r>
+              <a:rPr lang="en-US" b="0" i="0" dirty="0" err="1">
+                <a:solidFill>
+                  <a:srgbClr val="222222"/>
+                </a:solidFill>
+                <a:effectLst/>
+                <a:highlight>
+                  <a:srgbClr val="FFFFFF"/>
+                </a:highlight>
+                <a:latin typeface="Arial" panose="020B0604020202020204" pitchFamily="34" charset="0"/>
+              </a:rPr>
+              <a:t>Yuqing</a:t>
+            </a:r>
+            <a:r>
+              <a:rPr lang="en-US" b="0" i="0" dirty="0">
+                <a:solidFill>
+                  <a:srgbClr val="222222"/>
+                </a:solidFill>
+                <a:effectLst/>
+                <a:highlight>
+                  <a:srgbClr val="FFFFFF"/>
+                </a:highlight>
+                <a:latin typeface="Arial" panose="020B0604020202020204" pitchFamily="34" charset="0"/>
+              </a:rPr>
+              <a:t> Yang, and </a:t>
+            </a:r>
+            <a:r>
+              <a:rPr lang="en-US" b="0" i="0" dirty="0" err="1">
+                <a:solidFill>
+                  <a:srgbClr val="222222"/>
+                </a:solidFill>
+                <a:effectLst/>
+                <a:highlight>
+                  <a:srgbClr val="FFFFFF"/>
+                </a:highlight>
+                <a:latin typeface="Arial" panose="020B0604020202020204" pitchFamily="34" charset="0"/>
+              </a:rPr>
+              <a:t>Yunxin</a:t>
+            </a:r>
+            <a:r>
+              <a:rPr lang="en-US" b="0" i="0" dirty="0">
+                <a:solidFill>
+                  <a:srgbClr val="222222"/>
+                </a:solidFill>
+                <a:effectLst/>
+                <a:highlight>
+                  <a:srgbClr val="FFFFFF"/>
+                </a:highlight>
+                <a:latin typeface="Arial" panose="020B0604020202020204" pitchFamily="34" charset="0"/>
+              </a:rPr>
+              <a:t> Liu. "</a:t>
+            </a:r>
+            <a:r>
+              <a:rPr lang="en-US" b="0" i="0" dirty="0" err="1">
+                <a:solidFill>
+                  <a:srgbClr val="222222"/>
+                </a:solidFill>
+                <a:effectLst/>
+                <a:highlight>
+                  <a:srgbClr val="FFFFFF"/>
+                </a:highlight>
+                <a:latin typeface="Arial" panose="020B0604020202020204" pitchFamily="34" charset="0"/>
+              </a:rPr>
+              <a:t>Nn</a:t>
+            </a:r>
+            <a:r>
+              <a:rPr lang="en-US" b="0" i="0" dirty="0">
+                <a:solidFill>
+                  <a:srgbClr val="222222"/>
+                </a:solidFill>
+                <a:effectLst/>
+                <a:highlight>
+                  <a:srgbClr val="FFFFFF"/>
+                </a:highlight>
+                <a:latin typeface="Arial" panose="020B0604020202020204" pitchFamily="34" charset="0"/>
+              </a:rPr>
+              <a:t>-meter: Towards accurate latency prediction of deep-learning model inference on diverse edge devices." In </a:t>
+            </a:r>
+            <a:r>
+              <a:rPr lang="en-US" b="0" i="1" dirty="0">
+                <a:solidFill>
+                  <a:srgbClr val="222222"/>
+                </a:solidFill>
+                <a:effectLst/>
+                <a:highlight>
+                  <a:srgbClr val="FFFFFF"/>
+                </a:highlight>
+                <a:latin typeface="Arial" panose="020B0604020202020204" pitchFamily="34" charset="0"/>
+              </a:rPr>
+              <a:t>Proceedings of the 19th Annual International Conference on Mobile Systems, Applications, and Services</a:t>
+            </a:r>
+            <a:r>
+              <a:rPr lang="en-US" b="0" i="0" dirty="0">
+                <a:solidFill>
+                  <a:srgbClr val="222222"/>
+                </a:solidFill>
+                <a:effectLst/>
+                <a:highlight>
+                  <a:srgbClr val="FFFFFF"/>
+                </a:highlight>
+                <a:latin typeface="Arial" panose="020B0604020202020204" pitchFamily="34" charset="0"/>
+              </a:rPr>
+              <a:t>, pp. 81-93. 2021.</a:t>
+            </a:r>
+            <a:endParaRPr lang="en-US" dirty="0"/>
+          </a:p>
+          <a:p>
+            <a:r>
+              <a:rPr lang="en-US" dirty="0"/>
+              <a:t>[5]: </a:t>
+            </a:r>
+            <a:r>
+              <a:rPr lang="en-US" b="0" i="0" dirty="0">
+                <a:solidFill>
+                  <a:srgbClr val="222222"/>
+                </a:solidFill>
+                <a:effectLst/>
+                <a:highlight>
+                  <a:srgbClr val="FFFFFF"/>
+                </a:highlight>
+                <a:latin typeface="Arial" panose="020B0604020202020204" pitchFamily="34" charset="0"/>
+              </a:rPr>
+              <a:t>Chai, Yuji, Devashree Tripathy, </a:t>
+            </a:r>
+            <a:r>
+              <a:rPr lang="en-US" b="0" i="0" dirty="0" err="1">
+                <a:solidFill>
+                  <a:srgbClr val="222222"/>
+                </a:solidFill>
+                <a:effectLst/>
+                <a:highlight>
+                  <a:srgbClr val="FFFFFF"/>
+                </a:highlight>
+                <a:latin typeface="Arial" panose="020B0604020202020204" pitchFamily="34" charset="0"/>
+              </a:rPr>
+              <a:t>Chuteng</a:t>
+            </a:r>
+            <a:r>
+              <a:rPr lang="en-US" b="0" i="0" dirty="0">
+                <a:solidFill>
+                  <a:srgbClr val="222222"/>
+                </a:solidFill>
+                <a:effectLst/>
+                <a:highlight>
+                  <a:srgbClr val="FFFFFF"/>
+                </a:highlight>
+                <a:latin typeface="Arial" panose="020B0604020202020204" pitchFamily="34" charset="0"/>
+              </a:rPr>
+              <a:t> Zhou, </a:t>
+            </a:r>
+            <a:r>
+              <a:rPr lang="en-US" b="0" i="0" dirty="0" err="1">
+                <a:solidFill>
+                  <a:srgbClr val="222222"/>
+                </a:solidFill>
+                <a:effectLst/>
+                <a:highlight>
+                  <a:srgbClr val="FFFFFF"/>
+                </a:highlight>
+                <a:latin typeface="Arial" panose="020B0604020202020204" pitchFamily="34" charset="0"/>
+              </a:rPr>
+              <a:t>Dibakar</a:t>
+            </a:r>
+            <a:r>
+              <a:rPr lang="en-US" b="0" i="0" dirty="0">
+                <a:solidFill>
+                  <a:srgbClr val="222222"/>
+                </a:solidFill>
+                <a:effectLst/>
+                <a:highlight>
+                  <a:srgbClr val="FFFFFF"/>
+                </a:highlight>
+                <a:latin typeface="Arial" panose="020B0604020202020204" pitchFamily="34" charset="0"/>
+              </a:rPr>
+              <a:t> </a:t>
+            </a:r>
+            <a:r>
+              <a:rPr lang="en-US" b="0" i="0" dirty="0" err="1">
+                <a:solidFill>
+                  <a:srgbClr val="222222"/>
+                </a:solidFill>
+                <a:effectLst/>
+                <a:highlight>
+                  <a:srgbClr val="FFFFFF"/>
+                </a:highlight>
+                <a:latin typeface="Arial" panose="020B0604020202020204" pitchFamily="34" charset="0"/>
+              </a:rPr>
               <a:t>Gope</a:t>
             </a:r>
             <a:r>
@@ -2468,7 +2927,7 @@
                 </a:highlight>
                 <a:latin typeface="Arial" panose="020B0604020202020204" pitchFamily="34" charset="0"/>
               </a:rPr>
-              <a:t>, D., ... &amp; </a:t>
+              <a:t>, Igor Fedorov, Ramon Matas, David Brooks, Gu-Yeon Wei, and Paul </a:t>
             </a:r>
             <a:r>
               <a:rPr lang="en-US" b="0" i="0" dirty="0" err="1">
@@ -2494,7 +2953,7 @@
                 </a:highlight>
                 <a:latin typeface="Arial" panose="020B0604020202020204" pitchFamily="34" charset="0"/>
               </a:rPr>
-              <a:t>, P. (2021). </a:t>
+              <a:t>. "</a:t>
             </a:r>
             <a:r>
               <a:rPr lang="en-US" b="0" i="0" dirty="0" err="1">
@@ -2507,7 +2966,7 @@
                 </a:highlight>
                 <a:latin typeface="Arial" panose="020B0604020202020204" pitchFamily="34" charset="0"/>
               </a:rPr>
-              <a:t>Micronets</a:t>
+              <a:t>Perfsage</a:t>
             </a:r>
             <a:r>
               <a:rPr lang="en-US" b="0" i="0" dirty="0">
@@ -2520,20 +2979,33 @@
                 </a:highlight>
                 <a:latin typeface="Arial" panose="020B0604020202020204" pitchFamily="34" charset="0"/>
               </a:rPr>
-              <a:t>: Neural network architectures for deploying </a:t>
-            </a:r>
-            <a:r>
-              <a:rPr lang="en-US" b="0" i="0" dirty="0" err="1">
-                <a:solidFill>
-                  <a:srgbClr val="222222"/>
-                </a:solidFill>
-                <a:effectLst/>
-                <a:highlight>
-                  <a:srgbClr val="FFFFFF"/>
-                </a:highlight>
-                <a:latin typeface="Arial" panose="020B0604020202020204" pitchFamily="34" charset="0"/>
-              </a:rPr>
-              <a:t>tinyml</a:t>
+              <a:t>: Generalized inference performance predictor for arbitrary deep learning models on edge devices." </a:t>
+            </a:r>
+            <a:r>
+              <a:rPr lang="en-US" b="0" i="1" dirty="0" err="1">
+                <a:solidFill>
+                  <a:srgbClr val="222222"/>
+                </a:solidFill>
+                <a:effectLst/>
+                <a:highlight>
+                  <a:srgbClr val="FFFFFF"/>
+                </a:highlight>
+                <a:latin typeface="Arial" panose="020B0604020202020204" pitchFamily="34" charset="0"/>
+              </a:rPr>
+              <a:t>arXiv</a:t>
+            </a:r>
+            <a:r>
+              <a:rPr lang="en-US" b="0" i="1" dirty="0">
+                <a:solidFill>
+                  <a:srgbClr val="222222"/>
+                </a:solidFill>
+                <a:effectLst/>
+                <a:highlight>
+                  <a:srgbClr val="FFFFFF"/>
+                </a:highlight>
+                <a:latin typeface="Arial" panose="020B0604020202020204" pitchFamily="34" charset="0"/>
+              </a:rPr>
+              <a:t> preprint arXiv:2301.10999</a:t>
             </a:r>
             <a:r>
               <a:rPr lang="en-US" b="0" i="0" dirty="0">
@@ -2546,60 +3018,9 @@
                 </a:highlight>
                 <a:latin typeface="Arial" panose="020B0604020202020204" pitchFamily="34" charset="0"/>
               </a:rPr>
-              <a:t> applications on commodity microcontrollers. </a:t>
-            </a:r>
-            <a:r>
-              <a:rPr lang="en-US" b="0" i="1" dirty="0">
-                <a:solidFill>
-                  <a:srgbClr val="222222"/>
-                </a:solidFill>
-                <a:effectLst/>
-                <a:highlight>
-                  <a:srgbClr val="FFFFFF"/>
-                </a:highlight>
-                <a:latin typeface="Arial" panose="020B0604020202020204" pitchFamily="34" charset="0"/>
-              </a:rPr>
-              <a:t>Proceedings of machine learning and systems</a:t>
-            </a:r>
-            <a:r>
-              <a:rPr lang="en-US" b="0" i="0" dirty="0">
-                <a:solidFill>
-                  <a:srgbClr val="222222"/>
-                </a:solidFill>
-                <a:effectLst/>
-                <a:highlight>
-                  <a:srgbClr val="FFFFFF"/>
-                </a:highlight>
-                <a:latin typeface="Arial" panose="020B0604020202020204" pitchFamily="34" charset="0"/>
-              </a:rPr>
-              <a:t>, </a:t>
-            </a:r>
-            <a:r>
-              <a:rPr lang="en-US" b="0" i="1" dirty="0">
-                <a:solidFill>
-                  <a:srgbClr val="222222"/>
-                </a:solidFill>
-                <a:effectLst/>
-                <a:highlight>
-                  <a:srgbClr val="FFFFFF"/>
-                </a:highlight>
-                <a:latin typeface="Arial" panose="020B0604020202020204" pitchFamily="34" charset="0"/>
-              </a:rPr>
-              <a:t>3</a:t>
-            </a:r>
-            <a:r>
-              <a:rPr lang="en-US" b="0" i="0" dirty="0">
-                <a:solidFill>
-                  <a:srgbClr val="222222"/>
-                </a:solidFill>
-                <a:effectLst/>
-                <a:highlight>
-                  <a:srgbClr val="FFFFFF"/>
-                </a:highlight>
-                <a:latin typeface="Arial" panose="020B0604020202020204" pitchFamily="34" charset="0"/>
-              </a:rPr>
-              <a:t>, 517-532.</a:t>
-            </a:r>
+              <a:t> (2023).</a:t>
+            </a:r>
+            <a:endParaRPr lang="en-US" dirty="0"/>
           </a:p>
         </p:txBody>
       </p:sp>
@@ -2629,7 +3050,7 @@
     </p:spTree>
     <p:extLst>
       <p:ext uri="{BB962C8B-B14F-4D97-AF65-F5344CB8AC3E}">
-        <p14:creationId xmlns:p14="http://schemas.microsoft.com/office/powerpoint/2010/main" val="3451573168"/>
+        <p14:creationId xmlns:p14="http://schemas.microsoft.com/office/powerpoint/2010/main" val="3866353076"/>
       </p:ext>
     </p:extLst>
   </p:cSld>
@@ -2684,6 +3105,10 @@
           <a:lstStyle/>
           <a:p>
             <a:r>
+              <a:rPr lang="en-US" dirty="0"/>
+              <a:t>[1]: </a:t>
+            </a:r>
+            <a:r>
               <a:rPr lang="en-US" b="0" i="0" dirty="0">
                 <a:solidFill>
                   <a:srgbClr val="222222"/>
@@ -2694,7 +3119,7 @@
                 </a:highlight>
                 <a:latin typeface="Arial" panose="020B0604020202020204" pitchFamily="34" charset="0"/>
               </a:rPr>
-              <a:t>[1]: Zhang, </a:t>
+              <a:t>Banbury, C., Zhou, C., Fedorov, I., Matas, R., </a:t>
             </a:r>
             <a:r>
               <a:rPr lang="en-US" b="0" i="0" dirty="0" err="1">
@@ -2707,7 +3132,7 @@
                 </a:highlight>
                 <a:latin typeface="Arial" panose="020B0604020202020204" pitchFamily="34" charset="0"/>
               </a:rPr>
-              <a:t>Shigeng</a:t>
+              <a:t>Thakker</a:t>
             </a:r>
             <a:r>
               <a:rPr lang="en-US" b="0" i="0" dirty="0">
@@ -2720,7 +3145,7 @@
                 </a:highlight>
                 <a:latin typeface="Arial" panose="020B0604020202020204" pitchFamily="34" charset="0"/>
               </a:rPr>
-              <a:t>, </a:t>
+              <a:t>, U., </a:t>
             </a:r>
             <a:r>
               <a:rPr lang="en-US" b="0" i="0" dirty="0" err="1">
@@ -2733,7 +3158,7 @@
                 </a:highlight>
                 <a:latin typeface="Arial" panose="020B0604020202020204" pitchFamily="34" charset="0"/>
               </a:rPr>
-              <a:t>Yinggang</a:t>
+              <a:t>Gope</a:t>
             </a:r>
             <a:r>
               <a:rPr lang="en-US" b="0" i="0" dirty="0">
@@ -2746,7 +3171,7 @@
                 </a:highlight>
                 <a:latin typeface="Arial" panose="020B0604020202020204" pitchFamily="34" charset="0"/>
               </a:rPr>
-              <a:t> Li, Xuan Liu, Song Guo, </a:t>
+              <a:t>, D., ... &amp; </a:t>
             </a:r>
             <a:r>
               <a:rPr lang="en-US" b="0" i="0" dirty="0" err="1">
@@ -2759,7 +3184,7 @@
                 </a:highlight>
                 <a:latin typeface="Arial" panose="020B0604020202020204" pitchFamily="34" charset="0"/>
               </a:rPr>
-              <a:t>Weiping</a:t>
+              <a:t>Whatmough</a:t>
             </a:r>
             <a:r>
               <a:rPr lang="en-US" b="0" i="0" dirty="0">
@@ -2772,7 +3197,7 @@
                 </a:highlight>
                 <a:latin typeface="Arial" panose="020B0604020202020204" pitchFamily="34" charset="0"/>
               </a:rPr>
-              <a:t> Wang, </a:t>
+              <a:t>, P. (2021). </a:t>
             </a:r>
             <a:r>
               <a:rPr lang="en-US" b="0" i="0" dirty="0" err="1">
@@ -2785,7 +3210,7 @@
                 </a:highlight>
                 <a:latin typeface="Arial" panose="020B0604020202020204" pitchFamily="34" charset="0"/>
               </a:rPr>
-              <a:t>Jianxin</a:t>
+              <a:t>Micronets</a:t>
             </a:r>
             <a:r>
               <a:rPr lang="en-US" b="0" i="0" dirty="0">
@@ -2798,7 +3223,33 @@
                 </a:highlight>
                 <a:latin typeface="Arial" panose="020B0604020202020204" pitchFamily="34" charset="0"/>
               </a:rPr>
-              <a:t> Wang, Bo Ding, and Di Wu. "Towards real-time cooperative deep inference over the cloud and edge end devices." </a:t>
+              <a:t>: Neural network architectures for deploying </a:t>
+            </a:r>
+            <a:r>
+              <a:rPr lang="en-US" b="0" i="0" dirty="0" err="1">
+                <a:solidFill>
+                  <a:srgbClr val="222222"/>
+                </a:solidFill>
+                <a:effectLst/>
+                <a:highlight>
+                  <a:srgbClr val="FFFFFF"/>
+                </a:highlight>
+                <a:latin typeface="Arial" panose="020B0604020202020204" pitchFamily="34" charset="0"/>
+              </a:rPr>
+              <a:t>tinyml</a:t>
+            </a:r>
+            <a:r>
+              <a:rPr lang="en-US" b="0" i="0" dirty="0">
+                <a:solidFill>
+                  <a:srgbClr val="222222"/>
+                </a:solidFill>
+                <a:effectLst/>
+                <a:highlight>
+                  <a:srgbClr val="FFFFFF"/>
+                </a:highlight>
+                <a:latin typeface="Arial" panose="020B0604020202020204" pitchFamily="34" charset="0"/>
+              </a:rPr>
+              <a:t> applications on commodity microcontrollers. </a:t>
             </a:r>
             <a:r>
               <a:rPr lang="en-US" b="0" i="1" dirty="0">
@@ -2811,7 +3262,7 @@
                 </a:highlight>
                 <a:latin typeface="Arial" panose="020B0604020202020204" pitchFamily="34" charset="0"/>
               </a:rPr>
-              <a:t>Proceedings of the ACM on Interactive, Mobile, Wearable and Ubiquitous Technologies</a:t>
+              <a:t>Proceedings of machine learning and systems</a:t>
             </a:r>
             <a:r>
               <a:rPr lang="en-US" b="0" i="0" dirty="0">
@@ -2824,20 +3275,143 @@
                 </a:highlight>
                 <a:latin typeface="Arial" panose="020B0604020202020204" pitchFamily="34" charset="0"/>
               </a:rPr>
-              <a:t> 4, no. 2 (2020): 1-24.</a:t>
-            </a:r>
-          </a:p>
-          <a:p>
-            <a:endParaRPr lang="en-US" b="0" i="0" dirty="0">
-              <a:solidFill>
-                <a:srgbClr val="222222"/>
-              </a:solidFill>
-              <a:effectLst/>
-              <a:highlight>
-                <a:srgbClr val="FFFFFF"/>
-              </a:highlight>
-              <a:latin typeface="Arial" panose="020B0604020202020204" pitchFamily="34" charset="0"/>
-            </a:endParaRPr>
+              <a:t>, </a:t>
+            </a:r>
+            <a:r>
+              <a:rPr lang="en-US" b="0" i="1" dirty="0">
+                <a:solidFill>
+                  <a:srgbClr val="222222"/>
+                </a:solidFill>
+                <a:effectLst/>
+                <a:highlight>
+                  <a:srgbClr val="FFFFFF"/>
+                </a:highlight>
+                <a:latin typeface="Arial" panose="020B0604020202020204" pitchFamily="34" charset="0"/>
+              </a:rPr>
+              <a:t>3</a:t>
+            </a:r>
+            <a:r>
+              <a:rPr lang="en-US" b="0" i="0" dirty="0">
+                <a:solidFill>
+                  <a:srgbClr val="222222"/>
+                </a:solidFill>
+                <a:effectLst/>
+                <a:highlight>
+                  <a:srgbClr val="FFFFFF"/>
+                </a:highlight>
+                <a:latin typeface="Arial" panose="020B0604020202020204" pitchFamily="34" charset="0"/>
+              </a:rPr>
+              <a:t>, 517-532.</a:t>
+            </a:r>
+          </a:p>
+          <a:p>
+            <a:r>
+              <a:rPr lang="en-US" b="0" i="0" dirty="0">
+                <a:solidFill>
+                  <a:srgbClr val="222222"/>
+                </a:solidFill>
+                <a:effectLst/>
+                <a:highlight>
+                  <a:srgbClr val="FFFFFF"/>
+                </a:highlight>
+                <a:latin typeface="Arial" panose="020B0604020202020204" pitchFamily="34" charset="0"/>
+              </a:rPr>
+              <a:t>[2]: Banbury, Colby R., Vijay </a:t>
+            </a:r>
+            <a:r>
+              <a:rPr lang="en-US" b="0" i="0" dirty="0" err="1">
+                <a:solidFill>
+                  <a:srgbClr val="222222"/>
+                </a:solidFill>
+                <a:effectLst/>
+                <a:highlight>
+                  <a:srgbClr val="FFFFFF"/>
+                </a:highlight>
+                <a:latin typeface="Arial" panose="020B0604020202020204" pitchFamily="34" charset="0"/>
+              </a:rPr>
+              <a:t>Janapa</a:t>
+            </a:r>
+            <a:r>
+              <a:rPr lang="en-US" b="0" i="0" dirty="0">
+                <a:solidFill>
+                  <a:srgbClr val="222222"/>
+                </a:solidFill>
+                <a:effectLst/>
+                <a:highlight>
+                  <a:srgbClr val="FFFFFF"/>
+                </a:highlight>
+                <a:latin typeface="Arial" panose="020B0604020202020204" pitchFamily="34" charset="0"/>
+              </a:rPr>
+              <a:t> Reddi, Max Lam, William Fu, Amin Fazel, Jeremy Holleman, Xinyuan Huang et al. "Benchmarking </a:t>
+            </a:r>
+            <a:r>
+              <a:rPr lang="en-US" b="0" i="0" dirty="0" err="1">
+                <a:solidFill>
+                  <a:srgbClr val="222222"/>
+                </a:solidFill>
+                <a:effectLst/>
+                <a:highlight>
+                  <a:srgbClr val="FFFFFF"/>
+                </a:highlight>
+                <a:latin typeface="Arial" panose="020B0604020202020204" pitchFamily="34" charset="0"/>
+              </a:rPr>
+              <a:t>tinyml</a:t>
+            </a:r>
+            <a:r>
+              <a:rPr lang="en-US" b="0" i="0" dirty="0">
+                <a:solidFill>
+                  <a:srgbClr val="222222"/>
+                </a:solidFill>
+                <a:effectLst/>
+                <a:highlight>
+                  <a:srgbClr val="FFFFFF"/>
+                </a:highlight>
+                <a:latin typeface="Arial" panose="020B0604020202020204" pitchFamily="34" charset="0"/>
+              </a:rPr>
+              <a:t> systems: Challenges and direction." </a:t>
+            </a:r>
+            <a:r>
+              <a:rPr lang="en-US" b="0" i="1" dirty="0" err="1">
+                <a:solidFill>
+                  <a:srgbClr val="222222"/>
+                </a:solidFill>
+                <a:effectLst/>
+                <a:highlight>
+                  <a:srgbClr val="FFFFFF"/>
+                </a:highlight>
+                <a:latin typeface="Arial" panose="020B0604020202020204" pitchFamily="34" charset="0"/>
+              </a:rPr>
+              <a:t>arXiv</a:t>
+            </a:r>
+            <a:r>
+              <a:rPr lang="en-US" b="0" i="1" dirty="0">
+                <a:solidFill>
+                  <a:srgbClr val="222222"/>
+                </a:solidFill>
+                <a:effectLst/>
+                <a:highlight>
+                  <a:srgbClr val="FFFFFF"/>
+                </a:highlight>
+                <a:latin typeface="Arial" panose="020B0604020202020204" pitchFamily="34" charset="0"/>
+              </a:rPr>
+              <a:t> preprint arXiv:2003.04821</a:t>
+            </a:r>
+            <a:r>
+              <a:rPr lang="en-US" b="0" i="0" dirty="0">
+                <a:solidFill>
+                  <a:srgbClr val="222222"/>
+                </a:solidFill>
+                <a:effectLst/>
+                <a:highlight>
+                  <a:srgbClr val="FFFFFF"/>
+                </a:highlight>
+                <a:latin typeface="Arial" panose="020B0604020202020204" pitchFamily="34" charset="0"/>
+              </a:rPr>
+              <a:t> (2020).</a:t>
+            </a:r>
+          </a:p>
+          <a:p>
+            <a:endParaRPr lang="en-US" dirty="0"/>
           </a:p>
         </p:txBody>
       </p:sp>
@@ -2867,7 +3441,7 @@
     </p:spTree>
     <p:extLst>
       <p:ext uri="{BB962C8B-B14F-4D97-AF65-F5344CB8AC3E}">
-        <p14:creationId xmlns:p14="http://schemas.microsoft.com/office/powerpoint/2010/main" val="1922334314"/>
+        <p14:creationId xmlns:p14="http://schemas.microsoft.com/office/powerpoint/2010/main" val="2949921131"/>
       </p:ext>
     </p:extLst>
   </p:cSld>
@@ -2921,7 +3495,205 @@
           <a:bodyPr/>
           <a:lstStyle/>
           <a:p>
-            <a:endParaRPr lang="en-US" dirty="0"/>
+            <a:r>
+              <a:rPr lang="en-US" dirty="0"/>
+              <a:t>[1]: </a:t>
+            </a:r>
+            <a:r>
+              <a:rPr lang="en-US" b="0" i="0" dirty="0">
+                <a:solidFill>
+                  <a:srgbClr val="222222"/>
+                </a:solidFill>
+                <a:effectLst/>
+                <a:highlight>
+                  <a:srgbClr val="FFFFFF"/>
+                </a:highlight>
+                <a:latin typeface="Arial" panose="020B0604020202020204" pitchFamily="34" charset="0"/>
+              </a:rPr>
+              <a:t>Banbury, C., Zhou, C., Fedorov, I., Matas, R., </a:t>
+            </a:r>
+            <a:r>
+              <a:rPr lang="en-US" b="0" i="0" dirty="0" err="1">
+                <a:solidFill>
+                  <a:srgbClr val="222222"/>
+                </a:solidFill>
+                <a:effectLst/>
+                <a:highlight>
+                  <a:srgbClr val="FFFFFF"/>
+                </a:highlight>
+                <a:latin typeface="Arial" panose="020B0604020202020204" pitchFamily="34" charset="0"/>
+              </a:rPr>
+              <a:t>Thakker</a:t>
+            </a:r>
+            <a:r>
+              <a:rPr lang="en-US" b="0" i="0" dirty="0">
+                <a:solidFill>
+                  <a:srgbClr val="222222"/>
+                </a:solidFill>
+                <a:effectLst/>
+                <a:highlight>
+                  <a:srgbClr val="FFFFFF"/>
+                </a:highlight>
+                <a:latin typeface="Arial" panose="020B0604020202020204" pitchFamily="34" charset="0"/>
+              </a:rPr>
+              <a:t>, U., </a:t>
+            </a:r>
+            <a:r>
+              <a:rPr lang="en-US" b="0" i="0" dirty="0" err="1">
+                <a:solidFill>
+                  <a:srgbClr val="222222"/>
+                </a:solidFill>
+                <a:effectLst/>
+                <a:highlight>
+                  <a:srgbClr val="FFFFFF"/>
+                </a:highlight>
+                <a:latin typeface="Arial" panose="020B0604020202020204" pitchFamily="34" charset="0"/>
+              </a:rPr>
+              <a:t>Gope</a:t>
+            </a:r>
+            <a:r>
+              <a:rPr lang="en-US" b="0" i="0" dirty="0">
+                <a:solidFill>
+                  <a:srgbClr val="222222"/>
+                </a:solidFill>
+                <a:effectLst/>
+                <a:highlight>
+                  <a:srgbClr val="FFFFFF"/>
+                </a:highlight>
+                <a:latin typeface="Arial" panose="020B0604020202020204" pitchFamily="34" charset="0"/>
+              </a:rPr>
+              <a:t>, D., ... &amp; </a:t>
+            </a:r>
+            <a:r>
+              <a:rPr lang="en-US" b="0" i="0" dirty="0" err="1">
+                <a:solidFill>
+                  <a:srgbClr val="222222"/>
+                </a:solidFill>
+                <a:effectLst/>
+                <a:highlight>
+                  <a:srgbClr val="FFFFFF"/>
+                </a:highlight>
+                <a:latin typeface="Arial" panose="020B0604020202020204" pitchFamily="34" charset="0"/>
+              </a:rPr>
+              <a:t>Whatmough</a:t>
+            </a:r>
+            <a:r>
+              <a:rPr lang="en-US" b="0" i="0" dirty="0">
+                <a:solidFill>
+                  <a:srgbClr val="222222"/>
+                </a:solidFill>
+                <a:effectLst/>
+                <a:highlight>
+                  <a:srgbClr val="FFFFFF"/>
+                </a:highlight>
+                <a:latin typeface="Arial" panose="020B0604020202020204" pitchFamily="34" charset="0"/>
+              </a:rPr>
+              <a:t>, P. (2021). </a:t>
+            </a:r>
+            <a:r>
+              <a:rPr lang="en-US" b="0" i="0" dirty="0" err="1">
+                <a:solidFill>
+                  <a:srgbClr val="222222"/>
+                </a:solidFill>
+                <a:effectLst/>
+                <a:highlight>
+                  <a:srgbClr val="FFFFFF"/>
+                </a:highlight>
+                <a:latin typeface="Arial" panose="020B0604020202020204" pitchFamily="34" charset="0"/>
+              </a:rPr>
+              <a:t>Micronets</a:t>
+            </a:r>
+            <a:r>
+              <a:rPr lang="en-US" b="0" i="0" dirty="0">
+                <a:solidFill>
+                  <a:srgbClr val="222222"/>
+                </a:solidFill>
+                <a:effectLst/>
+                <a:highlight>
+                  <a:srgbClr val="FFFFFF"/>
+                </a:highlight>
+                <a:latin typeface="Arial" panose="020B0604020202020204" pitchFamily="34" charset="0"/>
+              </a:rPr>
+              <a:t>: Neural network architectures for deploying </a:t>
+            </a:r>
+            <a:r>
+              <a:rPr lang="en-US" b="0" i="0" dirty="0" err="1">
+                <a:solidFill>
+                  <a:srgbClr val="222222"/>
+                </a:solidFill>
+                <a:effectLst/>
+                <a:highlight>
+                  <a:srgbClr val="FFFFFF"/>
+                </a:highlight>
+                <a:latin typeface="Arial" panose="020B0604020202020204" pitchFamily="34" charset="0"/>
+              </a:rPr>
+              <a:t>tinyml</a:t>
+            </a:r>
+            <a:r>
+              <a:rPr lang="en-US" b="0" i="0" dirty="0">
+                <a:solidFill>
+                  <a:srgbClr val="222222"/>
+                </a:solidFill>
+                <a:effectLst/>
+                <a:highlight>
+                  <a:srgbClr val="FFFFFF"/>
+                </a:highlight>
+                <a:latin typeface="Arial" panose="020B0604020202020204" pitchFamily="34" charset="0"/>
+              </a:rPr>
+              <a:t> applications on commodity microcontrollers. </a:t>
+            </a:r>
+            <a:r>
+              <a:rPr lang="en-US" b="0" i="1" dirty="0">
+                <a:solidFill>
+                  <a:srgbClr val="222222"/>
+                </a:solidFill>
+                <a:effectLst/>
+                <a:highlight>
+                  <a:srgbClr val="FFFFFF"/>
+                </a:highlight>
+                <a:latin typeface="Arial" panose="020B0604020202020204" pitchFamily="34" charset="0"/>
+              </a:rPr>
+              <a:t>Proceedings of machine learning and systems</a:t>
+            </a:r>
+            <a:r>
+              <a:rPr lang="en-US" b="0" i="0" dirty="0">
+                <a:solidFill>
+                  <a:srgbClr val="222222"/>
+                </a:solidFill>
+                <a:effectLst/>
+                <a:highlight>
+                  <a:srgbClr val="FFFFFF"/>
+                </a:highlight>
+                <a:latin typeface="Arial" panose="020B0604020202020204" pitchFamily="34" charset="0"/>
+              </a:rPr>
+              <a:t>, </a:t>
+            </a:r>
+            <a:r>
+              <a:rPr lang="en-US" b="0" i="1" dirty="0">
+                <a:solidFill>
+                  <a:srgbClr val="222222"/>
+                </a:solidFill>
+                <a:effectLst/>
+                <a:highlight>
+                  <a:srgbClr val="FFFFFF"/>
+                </a:highlight>
+                <a:latin typeface="Arial" panose="020B0604020202020204" pitchFamily="34" charset="0"/>
+              </a:rPr>
+              <a:t>3</a:t>
+            </a:r>
+            <a:r>
+              <a:rPr lang="en-US" b="0" i="0" dirty="0">
+                <a:solidFill>
+                  <a:srgbClr val="222222"/>
+                </a:solidFill>
+                <a:effectLst/>
+                <a:highlight>
+                  <a:srgbClr val="FFFFFF"/>
+                </a:highlight>
+                <a:latin typeface="Arial" panose="020B0604020202020204" pitchFamily="34" charset="0"/>
+              </a:rPr>
+              <a:t>, 517-532.</a:t>
+            </a:r>
           </a:p>
         </p:txBody>
       </p:sp>
@@ -2951,7 +3723,7 @@
     </p:spTree>
     <p:extLst>
       <p:ext uri="{BB962C8B-B14F-4D97-AF65-F5344CB8AC3E}">
-        <p14:creationId xmlns:p14="http://schemas.microsoft.com/office/powerpoint/2010/main" val="767670145"/>
+        <p14:creationId xmlns:p14="http://schemas.microsoft.com/office/powerpoint/2010/main" val="3451573168"/>
       </p:ext>
     </p:extLst>
   </p:cSld>
@@ -3005,7 +3777,242 @@
           <a:bodyPr/>
           <a:lstStyle/>
           <a:p>
-            <a:endParaRPr lang="en-US" dirty="0"/>
+            <a:r>
+              <a:rPr lang="en-US" b="0" i="0" dirty="0">
+                <a:solidFill>
+                  <a:srgbClr val="222222"/>
+                </a:solidFill>
+                <a:effectLst/>
+                <a:highlight>
+                  <a:srgbClr val="FFFFFF"/>
+                </a:highlight>
+                <a:latin typeface="Arial" panose="020B0604020202020204" pitchFamily="34" charset="0"/>
+              </a:rPr>
+              <a:t>[1]: Zhang, </a:t>
+            </a:r>
+            <a:r>
+              <a:rPr lang="en-US" b="0" i="0" dirty="0" err="1">
+                <a:solidFill>
+                  <a:srgbClr val="222222"/>
+                </a:solidFill>
+                <a:effectLst/>
+                <a:highlight>
+                  <a:srgbClr val="FFFFFF"/>
+                </a:highlight>
+                <a:latin typeface="Arial" panose="020B0604020202020204" pitchFamily="34" charset="0"/>
+              </a:rPr>
+              <a:t>Shigeng</a:t>
+            </a:r>
+            <a:r>
+              <a:rPr lang="en-US" b="0" i="0" dirty="0">
+                <a:solidFill>
+                  <a:srgbClr val="222222"/>
+                </a:solidFill>
+                <a:effectLst/>
+                <a:highlight>
+                  <a:srgbClr val="FFFFFF"/>
+                </a:highlight>
+                <a:latin typeface="Arial" panose="020B0604020202020204" pitchFamily="34" charset="0"/>
+              </a:rPr>
+              <a:t>, </a:t>
+            </a:r>
+            <a:r>
+              <a:rPr lang="en-US" b="0" i="0" dirty="0" err="1">
+                <a:solidFill>
+                  <a:srgbClr val="222222"/>
+                </a:solidFill>
+                <a:effectLst/>
+                <a:highlight>
+                  <a:srgbClr val="FFFFFF"/>
+                </a:highlight>
+                <a:latin typeface="Arial" panose="020B0604020202020204" pitchFamily="34" charset="0"/>
+              </a:rPr>
+              <a:t>Yinggang</a:t>
+            </a:r>
+            <a:r>
+              <a:rPr lang="en-US" b="0" i="0" dirty="0">
+                <a:solidFill>
+                  <a:srgbClr val="222222"/>
+                </a:solidFill>
+                <a:effectLst/>
+                <a:highlight>
+                  <a:srgbClr val="FFFFFF"/>
+                </a:highlight>
+                <a:latin typeface="Arial" panose="020B0604020202020204" pitchFamily="34" charset="0"/>
+              </a:rPr>
+              <a:t> Li, Xuan Liu, Song Guo, </a:t>
+            </a:r>
+            <a:r>
+              <a:rPr lang="en-US" b="0" i="0" dirty="0" err="1">
+                <a:solidFill>
+                  <a:srgbClr val="222222"/>
+                </a:solidFill>
+                <a:effectLst/>
+                <a:highlight>
+                  <a:srgbClr val="FFFFFF"/>
+                </a:highlight>
+                <a:latin typeface="Arial" panose="020B0604020202020204" pitchFamily="34" charset="0"/>
+              </a:rPr>
+              <a:t>Weiping</a:t>
+            </a:r>
+            <a:r>
+              <a:rPr lang="en-US" b="0" i="0" dirty="0">
+                <a:solidFill>
+                  <a:srgbClr val="222222"/>
+                </a:solidFill>
+                <a:effectLst/>
+                <a:highlight>
+                  <a:srgbClr val="FFFFFF"/>
+                </a:highlight>
+                <a:latin typeface="Arial" panose="020B0604020202020204" pitchFamily="34" charset="0"/>
+              </a:rPr>
+              <a:t> Wang, </a:t>
+            </a:r>
+            <a:r>
+              <a:rPr lang="en-US" b="0" i="0" dirty="0" err="1">
+                <a:solidFill>
+                  <a:srgbClr val="222222"/>
+                </a:solidFill>
+                <a:effectLst/>
+                <a:highlight>
+                  <a:srgbClr val="FFFFFF"/>
+                </a:highlight>
+                <a:latin typeface="Arial" panose="020B0604020202020204" pitchFamily="34" charset="0"/>
+              </a:rPr>
+              <a:t>Jianxin</a:t>
+            </a:r>
+            <a:r>
+              <a:rPr lang="en-US" b="0" i="0" dirty="0">
+                <a:solidFill>
+                  <a:srgbClr val="222222"/>
+                </a:solidFill>
+                <a:effectLst/>
+                <a:highlight>
+                  <a:srgbClr val="FFFFFF"/>
+                </a:highlight>
+                <a:latin typeface="Arial" panose="020B0604020202020204" pitchFamily="34" charset="0"/>
+              </a:rPr>
+              <a:t> Wang, Bo Ding, and Di Wu. "Towards real-time cooperative deep inference over the cloud and edge end devices." </a:t>
+            </a:r>
+            <a:r>
+              <a:rPr lang="en-US" b="0" i="1" dirty="0">
+                <a:solidFill>
+                  <a:srgbClr val="222222"/>
+                </a:solidFill>
+                <a:effectLst/>
+                <a:highlight>
+                  <a:srgbClr val="FFFFFF"/>
+                </a:highlight>
+                <a:latin typeface="Arial" panose="020B0604020202020204" pitchFamily="34" charset="0"/>
+              </a:rPr>
+              <a:t>Proceedings of the ACM on Interactive, Mobile, Wearable and Ubiquitous Technologies</a:t>
+            </a:r>
+            <a:r>
+              <a:rPr lang="en-US" b="0" i="0" dirty="0">
+                <a:solidFill>
+                  <a:srgbClr val="222222"/>
+                </a:solidFill>
+                <a:effectLst/>
+                <a:highlight>
+                  <a:srgbClr val="FFFFFF"/>
+                </a:highlight>
+                <a:latin typeface="Arial" panose="020B0604020202020204" pitchFamily="34" charset="0"/>
+              </a:rPr>
+              <a:t> 4, no. 2 (2020): 1-24.</a:t>
+            </a:r>
+          </a:p>
+          <a:p>
+            <a:r>
+              <a:rPr lang="en-US" b="0" i="0" dirty="0">
+                <a:solidFill>
+                  <a:srgbClr val="222222"/>
+                </a:solidFill>
+                <a:effectLst/>
+                <a:highlight>
+                  <a:srgbClr val="FFFFFF"/>
+                </a:highlight>
+                <a:latin typeface="Arial" panose="020B0604020202020204" pitchFamily="34" charset="0"/>
+              </a:rPr>
+              <a:t>[2]: Liang, </a:t>
+            </a:r>
+            <a:r>
+              <a:rPr lang="en-US" b="0" i="0" dirty="0" err="1">
+                <a:solidFill>
+                  <a:srgbClr val="222222"/>
+                </a:solidFill>
+                <a:effectLst/>
+                <a:highlight>
+                  <a:srgbClr val="FFFFFF"/>
+                </a:highlight>
+                <a:latin typeface="Arial" panose="020B0604020202020204" pitchFamily="34" charset="0"/>
+              </a:rPr>
+              <a:t>Huanghuang</a:t>
+            </a:r>
+            <a:r>
+              <a:rPr lang="en-US" b="0" i="0" dirty="0">
+                <a:solidFill>
+                  <a:srgbClr val="222222"/>
+                </a:solidFill>
+                <a:effectLst/>
+                <a:highlight>
+                  <a:srgbClr val="FFFFFF"/>
+                </a:highlight>
+                <a:latin typeface="Arial" panose="020B0604020202020204" pitchFamily="34" charset="0"/>
+              </a:rPr>
+              <a:t>, Qianlong Sang, Chuang Hu, </a:t>
+            </a:r>
+            <a:r>
+              <a:rPr lang="en-US" b="0" i="0" dirty="0" err="1">
+                <a:solidFill>
+                  <a:srgbClr val="222222"/>
+                </a:solidFill>
+                <a:effectLst/>
+                <a:highlight>
+                  <a:srgbClr val="FFFFFF"/>
+                </a:highlight>
+                <a:latin typeface="Arial" panose="020B0604020202020204" pitchFamily="34" charset="0"/>
+              </a:rPr>
+              <a:t>Dazhao</a:t>
+            </a:r>
+            <a:r>
+              <a:rPr lang="en-US" b="0" i="0" dirty="0">
+                <a:solidFill>
+                  <a:srgbClr val="222222"/>
+                </a:solidFill>
+                <a:effectLst/>
+                <a:highlight>
+                  <a:srgbClr val="FFFFFF"/>
+                </a:highlight>
+                <a:latin typeface="Arial" panose="020B0604020202020204" pitchFamily="34" charset="0"/>
+              </a:rPr>
+              <a:t> Cheng, Xiaobo Zhou, Dan Wang, Wei Bao, and Yu Wang. "DNN surgery: Accelerating DNN inference on the edge through layer partitioning." </a:t>
+            </a:r>
+            <a:r>
+              <a:rPr lang="en-US" b="0" i="1" dirty="0">
+                <a:solidFill>
+                  <a:srgbClr val="222222"/>
+                </a:solidFill>
+                <a:effectLst/>
+                <a:highlight>
+                  <a:srgbClr val="FFFFFF"/>
+                </a:highlight>
+                <a:latin typeface="Arial" panose="020B0604020202020204" pitchFamily="34" charset="0"/>
+              </a:rPr>
+              <a:t>IEEE transactions on Cloud Computing</a:t>
+            </a:r>
+            <a:r>
+              <a:rPr lang="en-US" b="0" i="0" dirty="0">
+                <a:solidFill>
+                  <a:srgbClr val="222222"/>
+                </a:solidFill>
+                <a:effectLst/>
+                <a:highlight>
+                  <a:srgbClr val="FFFFFF"/>
+                </a:highlight>
+                <a:latin typeface="Arial" panose="020B0604020202020204" pitchFamily="34" charset="0"/>
+              </a:rPr>
+              <a:t> 11, no. 3 (2023): 3111-3125.</a:t>
+            </a:r>
           </a:p>
         </p:txBody>
       </p:sp>
@@ -3026,7 +4033,7 @@
           <a:p>
             <a:fld id="{8040ADDC-8370-4EF6-9B0F-387196F75E7A}" type="slidenum">
               <a:rPr lang="en-US" smtClean="0"/>
-              <a:t>18</a:t>
+              <a:t>15</a:t>
             </a:fld>
             <a:endParaRPr lang="en-US"/>
           </a:p>
@@ -3035,7 +4042,91 @@
     </p:spTree>
     <p:extLst>
       <p:ext uri="{BB962C8B-B14F-4D97-AF65-F5344CB8AC3E}">
-        <p14:creationId xmlns:p14="http://schemas.microsoft.com/office/powerpoint/2010/main" val="3974527039"/>
+        <p14:creationId xmlns:p14="http://schemas.microsoft.com/office/powerpoint/2010/main" val="1922334314"/>
+      </p:ext>
+    </p:extLst>
+  </p:cSld>
+  <p:clrMapOvr>
+    <a:masterClrMapping/>
+  </p:clrMapOvr>
+</p:notes>
+</file>
+
+<file path=ppt/notesSlides/notesSlide9.xml><?xml version="1.0" encoding="utf-8"?>
+<p:notes xmlns:a="http://schemas.openxmlformats.org/drawingml/2006/main" xmlns:r="http://schemas.openxmlformats.org/officeDocument/2006/relationships" xmlns:p="http://schemas.openxmlformats.org/presentationml/2006/main">
+  <p:cSld>
+    <p:spTree>
+      <p:nvGrpSpPr>
+        <p:cNvPr id="1" name=""/>
+        <p:cNvGrpSpPr/>
+        <p:nvPr/>
+      </p:nvGrpSpPr>
+      <p:grpSpPr>
+        <a:xfrm>
+          <a:off x="0" y="0"/>
+          <a:ext cx="0" cy="0"/>
+          <a:chOff x="0" y="0"/>
+          <a:chExt cx="0" cy="0"/>
+        </a:xfrm>
+      </p:grpSpPr>
+      <p:sp>
+        <p:nvSpPr>
+          <p:cNvPr id="2" name="Slide Image Placeholder 1"/>
+          <p:cNvSpPr>
+            <a:spLocks noGrp="1" noRot="1" noChangeAspect="1"/>
+          </p:cNvSpPr>
+          <p:nvPr>
+            <p:ph type="sldImg"/>
+          </p:nvPr>
+        </p:nvSpPr>
+        <p:spPr/>
+      </p:sp>
+      <p:sp>
+        <p:nvSpPr>
+          <p:cNvPr id="3" name="Notes Placeholder 2"/>
+          <p:cNvSpPr>
+            <a:spLocks noGrp="1"/>
+          </p:cNvSpPr>
+          <p:nvPr>
+            <p:ph type="body" idx="1"/>
+          </p:nvPr>
+        </p:nvSpPr>
+        <p:spPr/>
+        <p:txBody>
+          <a:bodyPr/>
+          <a:lstStyle/>
+          <a:p>
+            <a:endParaRPr lang="en-US" dirty="0"/>
+          </a:p>
+        </p:txBody>
+      </p:sp>
+      <p:sp>
+        <p:nvSpPr>
+          <p:cNvPr id="4" name="Slide Number Placeholder 3"/>
+          <p:cNvSpPr>
+            <a:spLocks noGrp="1"/>
+          </p:cNvSpPr>
+          <p:nvPr>
+            <p:ph type="sldNum" sz="quarter" idx="5"/>
+          </p:nvPr>
+        </p:nvSpPr>
+        <p:spPr/>
+        <p:txBody>
+          <a:bodyPr/>
+          <a:lstStyle/>
+          <a:p>
+            <a:fld id="{8040ADDC-8370-4EF6-9B0F-387196F75E7A}" type="slidenum">
+              <a:rPr lang="en-US" smtClean="0"/>
+              <a:t>17</a:t>
+            </a:fld>
+            <a:endParaRPr lang="en-US"/>
+          </a:p>
+        </p:txBody>
+      </p:sp>
+    </p:spTree>
+    <p:extLst>
+      <p:ext uri="{BB962C8B-B14F-4D97-AF65-F5344CB8AC3E}">
+        <p14:creationId xmlns:p14="http://schemas.microsoft.com/office/powerpoint/2010/main" val="767670145"/>
       </p:ext>
     </p:extLst>
   </p:cSld>
@@ -3192,7 +4283,7 @@
           <a:p>
             <a:fld id="{CA099234-8B86-476D-9D9B-8192FE9AA948}" type="datetimeFigureOut">
               <a:rPr lang="en-US" smtClean="0"/>
-              <a:t>8/23/2024</a:t>
+              <a:t>8/25/2024</a:t>
             </a:fld>
             <a:endParaRPr lang="en-US"/>
           </a:p>
@@ -3390,7 +4481,7 @@
           <a:p>
             <a:fld id="{CA099234-8B86-476D-9D9B-8192FE9AA948}" type="datetimeFigureOut">
               <a:rPr lang="en-US" smtClean="0"/>
-              <a:t>8/23/2024</a:t>
+              <a:t>8/25/2024</a:t>
             </a:fld>
             <a:endParaRPr lang="en-US"/>
           </a:p>
@@ -3598,7 +4689,7 @@
           <a:p>
             <a:fld id="{CA099234-8B86-476D-9D9B-8192FE9AA948}" type="datetimeFigureOut">
               <a:rPr lang="en-US" smtClean="0"/>
-              <a:t>8/23/2024</a:t>
+              <a:t>8/25/2024</a:t>
             </a:fld>
             <a:endParaRPr lang="en-US"/>
           </a:p>
@@ -3796,7 +4887,7 @@
           <a:p>
             <a:fld id="{CA099234-8B86-476D-9D9B-8192FE9AA948}" type="datetimeFigureOut">
               <a:rPr lang="en-US" smtClean="0"/>
-              <a:t>8/23/2024</a:t>
+              <a:t>8/25/2024</a:t>
             </a:fld>
             <a:endParaRPr lang="en-US"/>
           </a:p>
@@ -4071,7 +5162,7 @@
           <a:p>
             <a:fld id="{CA099234-8B86-476D-9D9B-8192FE9AA948}" type="datetimeFigureOut">
               <a:rPr lang="en-US" smtClean="0"/>
-              <a:t>8/23/2024</a:t>
+              <a:t>8/25/2024</a:t>
             </a:fld>
             <a:endParaRPr lang="en-US"/>
           </a:p>
@@ -4336,7 +5427,7 @@
           <a:p>
             <a:fld id="{CA099234-8B86-476D-9D9B-8192FE9AA948}" type="datetimeFigureOut">
               <a:rPr lang="en-US" smtClean="0"/>
-              <a:t>8/23/2024</a:t>
+              <a:t>8/25/2024</a:t>
             </a:fld>
             <a:endParaRPr lang="en-US"/>
           </a:p>
@@ -4748,7 +5839,7 @@
           <a:p>
             <a:fld id="{CA099234-8B86-476D-9D9B-8192FE9AA948}" type="datetimeFigureOut">
               <a:rPr lang="en-US" smtClean="0"/>
-              <a:t>8/23/2024</a:t>
+              <a:t>8/25/2024</a:t>
             </a:fld>
             <a:endParaRPr lang="en-US"/>
           </a:p>
@@ -4889,7 +5980,7 @@
           <a:p>
             <a:fld id="{CA099234-8B86-476D-9D9B-8192FE9AA948}" type="datetimeFigureOut">
               <a:rPr lang="en-US" smtClean="0"/>
-              <a:t>8/23/2024</a:t>
+              <a:t>8/25/2024</a:t>
             </a:fld>
             <a:endParaRPr lang="en-US"/>
           </a:p>
@@ -5002,7 +6093,7 @@
           <a:p>
             <a:fld id="{CA099234-8B86-476D-9D9B-8192FE9AA948}" type="datetimeFigureOut">
               <a:rPr lang="en-US" smtClean="0"/>
-              <a:t>8/23/2024</a:t>
+              <a:t>8/25/2024</a:t>
             </a:fld>
             <a:endParaRPr lang="en-US"/>
           </a:p>
@@ -5313,7 +6404,7 @@
           <a:p>
             <a:fld id="{CA099234-8B86-476D-9D9B-8192FE9AA948}" type="datetimeFigureOut">
               <a:rPr lang="en-US" smtClean="0"/>
-              <a:t>8/23/2024</a:t>
+              <a:t>8/25/2024</a:t>
             </a:fld>
             <a:endParaRPr lang="en-US"/>
           </a:p>
@@ -5601,7 +6692,7 @@
           <a:p>
             <a:fld id="{CA099234-8B86-476D-9D9B-8192FE9AA948}" type="datetimeFigureOut">
               <a:rPr lang="en-US" smtClean="0"/>
-              <a:t>8/23/2024</a:t>
+              <a:t>8/25/2024</a:t>
             </a:fld>
             <a:endParaRPr lang="en-US"/>
           </a:p>
@@ -5842,7 +6933,7 @@
           <a:p>
             <a:fld id="{CA099234-8B86-476D-9D9B-8192FE9AA948}" type="datetimeFigureOut">
               <a:rPr lang="en-US" smtClean="0"/>
-              <a:t>8/23/2024</a:t>
+              <a:t>8/25/2024</a:t>
             </a:fld>
             <a:endParaRPr lang="en-US"/>
           </a:p>
@@ -6348,12 +7439,42 @@
           <a:chExt cx="0" cy="0"/>
         </a:xfrm>
       </p:grpSpPr>
+      <p:pic>
+        <p:nvPicPr>
+          <p:cNvPr id="5" name="Picture 4">
+            <a:extLst>
+              <a:ext uri="{FF2B5EF4-FFF2-40B4-BE49-F238E27FC236}">
+                <a16:creationId xmlns:a16="http://schemas.microsoft.com/office/drawing/2014/main" id="{AEC0D26A-EF43-06BF-A6D5-771873938ABF}"/>
+              </a:ext>
+            </a:extLst>
+          </p:cNvPr>
+          <p:cNvPicPr>
+            <a:picLocks noChangeAspect="1"/>
+          </p:cNvPicPr>
+          <p:nvPr/>
+        </p:nvPicPr>
+        <p:blipFill>
+          <a:blip r:embed="rId3"/>
+          <a:stretch>
+            <a:fillRect/>
+          </a:stretch>
+        </p:blipFill>
+        <p:spPr>
+          <a:xfrm>
+            <a:off x="7049467" y="4543613"/>
+            <a:ext cx="4889211" cy="2106045"/>
+          </a:xfrm>
+          <a:prstGeom prst="rect">
+            <a:avLst/>
+          </a:prstGeom>
+        </p:spPr>
+      </p:pic>
       <p:sp>
         <p:nvSpPr>
           <p:cNvPr id="2" name="Title 1">
             <a:extLst>
               <a:ext uri="{FF2B5EF4-FFF2-40B4-BE49-F238E27FC236}">
-                <a16:creationId xmlns:a16="http://schemas.microsoft.com/office/drawing/2014/main" id="{C9E3005D-E2B3-1DD9-23B0-99EECECCF198}"/>
+                <a16:creationId xmlns:a16="http://schemas.microsoft.com/office/drawing/2014/main" id="{4860E9A2-BC0F-43EA-5D2B-A17EF4F0B643}"/>
               </a:ext>
             </a:extLst>
           </p:cNvPr>
@@ -6364,7 +7485,12 @@
             <p:ph type="title"/>
           </p:nvPr>
         </p:nvSpPr>
-        <p:spPr/>
+        <p:spPr>
+          <a:xfrm>
+            <a:off x="838200" y="365125"/>
+            <a:ext cx="10756642" cy="1325563"/>
+          </a:xfrm>
+        </p:spPr>
         <p:txBody>
           <a:bodyPr>
             <a:normAutofit/>
@@ -6372,8 +7498,417 @@
           <a:lstStyle/>
           <a:p>
             <a:r>
+              <a:rPr lang="en-US" sz="4000" dirty="0"/>
+              <a:t>3.1 Model Partitioning Existing Works(Edge - Cloud)</a:t>
+            </a:r>
+          </a:p>
+        </p:txBody>
+      </p:sp>
+      <p:sp>
+        <p:nvSpPr>
+          <p:cNvPr id="3" name="Content Placeholder 2">
+            <a:extLst>
+              <a:ext uri="{FF2B5EF4-FFF2-40B4-BE49-F238E27FC236}">
+                <a16:creationId xmlns:a16="http://schemas.microsoft.com/office/drawing/2014/main" id="{2F994F7F-58B6-B22D-A34F-EC6FEA2CBAAF}"/>
+              </a:ext>
+            </a:extLst>
+          </p:cNvPr>
+          <p:cNvSpPr>
+            <a:spLocks noGrp="1"/>
+          </p:cNvSpPr>
+          <p:nvPr>
+            <p:ph idx="1"/>
+          </p:nvPr>
+        </p:nvSpPr>
+        <p:spPr>
+          <a:xfrm>
+            <a:off x="838200" y="1690688"/>
+            <a:ext cx="6384792" cy="4594851"/>
+          </a:xfrm>
+        </p:spPr>
+        <p:txBody>
+          <a:bodyPr>
+            <a:normAutofit fontScale="92500"/>
+          </a:bodyPr>
+          <a:lstStyle/>
+          <a:p>
+            <a:r>
+              <a:rPr lang="en-US" b="1" dirty="0"/>
+              <a:t>Neurosurgeon</a:t>
+            </a:r>
+            <a:r>
+              <a:rPr lang="en-US" dirty="0"/>
+              <a:t>(ASPLOS’17)[1]: </a:t>
+            </a:r>
+          </a:p>
+          <a:p>
+            <a:pPr lvl="1"/>
+            <a:r>
+              <a:rPr lang="en-US" dirty="0"/>
+              <a:t>Analyze DNN Architecture-&gt; Predict Layer Performance-&gt;Evaluate Partition Points-&gt;Execute Partitioned DNN</a:t>
+            </a:r>
+          </a:p>
+          <a:p>
+            <a:r>
+              <a:rPr lang="en-US" b="1" dirty="0"/>
+              <a:t>DADS</a:t>
+            </a:r>
+            <a:r>
+              <a:rPr lang="en-US" dirty="0"/>
+              <a:t>(INFOCOM’19)[2]: Min-Cut</a:t>
+            </a:r>
+          </a:p>
+          <a:p>
+            <a:r>
+              <a:rPr lang="en-US" b="1" dirty="0"/>
+              <a:t>QDMP</a:t>
+            </a:r>
+            <a:r>
+              <a:rPr lang="en-US" dirty="0"/>
+              <a:t>(IMWUT’20)[3]: Per layer latency is calculated by subtracting the maximum latency of all precursor layers from the total latency up to the current layer.</a:t>
+            </a:r>
+          </a:p>
+          <a:p>
+            <a:r>
+              <a:rPr lang="en-US" b="1" dirty="0"/>
+              <a:t>Auto-Split</a:t>
+            </a:r>
+            <a:r>
+              <a:rPr lang="en-US" dirty="0"/>
+              <a:t>(KDD’21 ADS Track)[4]: Graph Optimization(Layer folding, layer fusion)</a:t>
+            </a:r>
+          </a:p>
+          <a:p>
+            <a:pPr lvl="1"/>
+            <a:endParaRPr lang="en-US" dirty="0"/>
+          </a:p>
+        </p:txBody>
+      </p:sp>
+      <p:pic>
+        <p:nvPicPr>
+          <p:cNvPr id="11" name="Picture 10">
+            <a:extLst>
+              <a:ext uri="{FF2B5EF4-FFF2-40B4-BE49-F238E27FC236}">
+                <a16:creationId xmlns:a16="http://schemas.microsoft.com/office/drawing/2014/main" id="{CEBF5F02-34DF-C847-EDF9-38FFD97C4653}"/>
+              </a:ext>
+            </a:extLst>
+          </p:cNvPr>
+          <p:cNvPicPr>
+            <a:picLocks noChangeAspect="1"/>
+          </p:cNvPicPr>
+          <p:nvPr/>
+        </p:nvPicPr>
+        <p:blipFill>
+          <a:blip r:embed="rId4"/>
+          <a:stretch>
+            <a:fillRect/>
+          </a:stretch>
+        </p:blipFill>
+        <p:spPr>
+          <a:xfrm>
+            <a:off x="7414073" y="1790213"/>
+            <a:ext cx="4362077" cy="2855952"/>
+          </a:xfrm>
+          <a:prstGeom prst="rect">
+            <a:avLst/>
+          </a:prstGeom>
+        </p:spPr>
+      </p:pic>
+    </p:spTree>
+    <p:extLst>
+      <p:ext uri="{BB962C8B-B14F-4D97-AF65-F5344CB8AC3E}">
+        <p14:creationId xmlns:p14="http://schemas.microsoft.com/office/powerpoint/2010/main" val="108957251"/>
+      </p:ext>
+    </p:extLst>
+  </p:cSld>
+  <p:clrMapOvr>
+    <a:masterClrMapping/>
+  </p:clrMapOvr>
+</p:sld>
+</file>
+
+<file path=ppt/slides/slide11.xml><?xml version="1.0" encoding="utf-8"?>
+<p:sld xmlns:a="http://schemas.openxmlformats.org/drawingml/2006/main" xmlns:r="http://schemas.openxmlformats.org/officeDocument/2006/relationships" xmlns:p="http://schemas.openxmlformats.org/presentationml/2006/main">
+  <p:cSld>
+    <p:spTree>
+      <p:nvGrpSpPr>
+        <p:cNvPr id="1" name=""/>
+        <p:cNvGrpSpPr/>
+        <p:nvPr/>
+      </p:nvGrpSpPr>
+      <p:grpSpPr>
+        <a:xfrm>
+          <a:off x="0" y="0"/>
+          <a:ext cx="0" cy="0"/>
+          <a:chOff x="0" y="0"/>
+          <a:chExt cx="0" cy="0"/>
+        </a:xfrm>
+      </p:grpSpPr>
+      <p:sp>
+        <p:nvSpPr>
+          <p:cNvPr id="2" name="Title 1">
+            <a:extLst>
+              <a:ext uri="{FF2B5EF4-FFF2-40B4-BE49-F238E27FC236}">
+                <a16:creationId xmlns:a16="http://schemas.microsoft.com/office/drawing/2014/main" id="{7E283C7E-7958-2750-082C-00BA05DC2205}"/>
+              </a:ext>
+            </a:extLst>
+          </p:cNvPr>
+          <p:cNvSpPr>
+            <a:spLocks noGrp="1"/>
+          </p:cNvSpPr>
+          <p:nvPr>
+            <p:ph type="title"/>
+          </p:nvPr>
+        </p:nvSpPr>
+        <p:spPr/>
+        <p:txBody>
+          <a:bodyPr>
+            <a:normAutofit/>
+          </a:bodyPr>
+          <a:lstStyle/>
+          <a:p>
+            <a:r>
+              <a:rPr lang="en-US" sz="4000" dirty="0"/>
+              <a:t>3.2 Model Partitioning Existing Works(Three-tier)</a:t>
+            </a:r>
+          </a:p>
+        </p:txBody>
+      </p:sp>
+      <p:sp>
+        <p:nvSpPr>
+          <p:cNvPr id="3" name="Content Placeholder 2">
+            <a:extLst>
+              <a:ext uri="{FF2B5EF4-FFF2-40B4-BE49-F238E27FC236}">
+                <a16:creationId xmlns:a16="http://schemas.microsoft.com/office/drawing/2014/main" id="{311D18FD-7B04-6D70-ABC1-F00DA776CCC6}"/>
+              </a:ext>
+            </a:extLst>
+          </p:cNvPr>
+          <p:cNvSpPr>
+            <a:spLocks noGrp="1"/>
+          </p:cNvSpPr>
+          <p:nvPr>
+            <p:ph idx="1"/>
+          </p:nvPr>
+        </p:nvSpPr>
+        <p:spPr/>
+        <p:txBody>
+          <a:bodyPr/>
+          <a:lstStyle/>
+          <a:p>
+            <a:r>
+              <a:rPr lang="en-US" dirty="0"/>
+              <a:t>DECC[1]: Iteration</a:t>
+            </a:r>
+          </a:p>
+          <a:p>
+            <a:endParaRPr lang="en-US" dirty="0"/>
+          </a:p>
+          <a:p>
+            <a:r>
+              <a:rPr lang="en-US" dirty="0"/>
+              <a:t>PSO-GA:</a:t>
+            </a:r>
+          </a:p>
+          <a:p>
+            <a:pPr lvl="1"/>
+            <a:r>
+              <a:rPr lang="en-US" dirty="0"/>
+              <a:t>Cloud-Edge-End[2]</a:t>
+            </a:r>
+          </a:p>
+          <a:p>
+            <a:pPr lvl="1"/>
+            <a:r>
+              <a:rPr lang="en-US" dirty="0"/>
+              <a:t>VEC[3]: Vehicles - Edge servers – Service vehicles</a:t>
+            </a:r>
+          </a:p>
+          <a:p>
+            <a:pPr lvl="1"/>
+            <a:endParaRPr lang="en-US" dirty="0"/>
+          </a:p>
+          <a:p>
+            <a:r>
+              <a:rPr lang="en-US" dirty="0" err="1"/>
+              <a:t>DNNSplit</a:t>
+            </a:r>
+            <a:r>
+              <a:rPr lang="en-US" dirty="0"/>
+              <a:t>[4]: </a:t>
+            </a:r>
+          </a:p>
+          <a:p>
+            <a:pPr lvl="1"/>
+            <a:r>
+              <a:rPr lang="en-US" dirty="0"/>
+              <a:t>Greedy Search</a:t>
+            </a:r>
+          </a:p>
+          <a:p>
+            <a:pPr lvl="1"/>
+            <a:r>
+              <a:rPr lang="en-US" dirty="0"/>
+              <a:t>D</a:t>
+            </a:r>
+            <a:r>
+              <a:rPr lang="en-US" altLang="zh-CN" dirty="0"/>
+              <a:t>eployment cost</a:t>
+            </a:r>
+          </a:p>
+        </p:txBody>
+      </p:sp>
+      <p:pic>
+        <p:nvPicPr>
+          <p:cNvPr id="5" name="Picture 4" descr="A diagram of a diagram&#10;&#10;Description automatically generated">
+            <a:extLst>
+              <a:ext uri="{FF2B5EF4-FFF2-40B4-BE49-F238E27FC236}">
+                <a16:creationId xmlns:a16="http://schemas.microsoft.com/office/drawing/2014/main" id="{1317AA72-A394-6A09-36FE-00A2790DC6EB}"/>
+              </a:ext>
+            </a:extLst>
+          </p:cNvPr>
+          <p:cNvPicPr>
+            <a:picLocks noChangeAspect="1"/>
+          </p:cNvPicPr>
+          <p:nvPr/>
+        </p:nvPicPr>
+        <p:blipFill>
+          <a:blip r:embed="rId3">
+            <a:extLst>
+              <a:ext uri="{28A0092B-C50C-407E-A947-70E740481C1C}">
+                <a14:useLocalDpi xmlns:a14="http://schemas.microsoft.com/office/drawing/2010/main" val="0"/>
+              </a:ext>
+            </a:extLst>
+          </a:blip>
+          <a:stretch>
+            <a:fillRect/>
+          </a:stretch>
+        </p:blipFill>
+        <p:spPr>
+          <a:xfrm>
+            <a:off x="3786191" y="2242439"/>
+            <a:ext cx="4032943" cy="1125788"/>
+          </a:xfrm>
+          <a:prstGeom prst="rect">
+            <a:avLst/>
+          </a:prstGeom>
+        </p:spPr>
+      </p:pic>
+      <p:pic>
+        <p:nvPicPr>
+          <p:cNvPr id="7" name="Picture 6">
+            <a:extLst>
+              <a:ext uri="{FF2B5EF4-FFF2-40B4-BE49-F238E27FC236}">
+                <a16:creationId xmlns:a16="http://schemas.microsoft.com/office/drawing/2014/main" id="{220DF99F-3E2A-19B2-2087-18FC04871054}"/>
+              </a:ext>
+            </a:extLst>
+          </p:cNvPr>
+          <p:cNvPicPr>
+            <a:picLocks noChangeAspect="1"/>
+          </p:cNvPicPr>
+          <p:nvPr/>
+        </p:nvPicPr>
+        <p:blipFill>
+          <a:blip r:embed="rId4"/>
+          <a:stretch>
+            <a:fillRect/>
+          </a:stretch>
+        </p:blipFill>
+        <p:spPr>
+          <a:xfrm>
+            <a:off x="8405810" y="1397876"/>
+            <a:ext cx="3180161" cy="2433144"/>
+          </a:xfrm>
+          <a:prstGeom prst="rect">
+            <a:avLst/>
+          </a:prstGeom>
+        </p:spPr>
+      </p:pic>
+      <p:pic>
+        <p:nvPicPr>
+          <p:cNvPr id="9" name="Picture 8">
+            <a:extLst>
+              <a:ext uri="{FF2B5EF4-FFF2-40B4-BE49-F238E27FC236}">
+                <a16:creationId xmlns:a16="http://schemas.microsoft.com/office/drawing/2014/main" id="{5E600B9F-66F3-8A9B-5D7A-81C5B1EDF4F4}"/>
+              </a:ext>
+            </a:extLst>
+          </p:cNvPr>
+          <p:cNvPicPr>
+            <a:picLocks noChangeAspect="1"/>
+          </p:cNvPicPr>
+          <p:nvPr/>
+        </p:nvPicPr>
+        <p:blipFill>
+          <a:blip r:embed="rId5"/>
+          <a:stretch>
+            <a:fillRect/>
+          </a:stretch>
+        </p:blipFill>
+        <p:spPr>
+          <a:xfrm>
+            <a:off x="7983857" y="4214524"/>
+            <a:ext cx="3956619" cy="2336586"/>
+          </a:xfrm>
+          <a:prstGeom prst="rect">
+            <a:avLst/>
+          </a:prstGeom>
+        </p:spPr>
+      </p:pic>
+    </p:spTree>
+    <p:extLst>
+      <p:ext uri="{BB962C8B-B14F-4D97-AF65-F5344CB8AC3E}">
+        <p14:creationId xmlns:p14="http://schemas.microsoft.com/office/powerpoint/2010/main" val="2962947390"/>
+      </p:ext>
+    </p:extLst>
+  </p:cSld>
+  <p:clrMapOvr>
+    <a:masterClrMapping/>
+  </p:clrMapOvr>
+</p:sld>
+</file>
+
+<file path=ppt/slides/slide12.xml><?xml version="1.0" encoding="utf-8"?>
+<p:sld xmlns:a="http://schemas.openxmlformats.org/drawingml/2006/main" xmlns:r="http://schemas.openxmlformats.org/officeDocument/2006/relationships" xmlns:p="http://schemas.openxmlformats.org/presentationml/2006/main">
+  <p:cSld>
+    <p:spTree>
+      <p:nvGrpSpPr>
+        <p:cNvPr id="1" name=""/>
+        <p:cNvGrpSpPr/>
+        <p:nvPr/>
+      </p:nvGrpSpPr>
+      <p:grpSpPr>
+        <a:xfrm>
+          <a:off x="0" y="0"/>
+          <a:ext cx="0" cy="0"/>
+          <a:chOff x="0" y="0"/>
+          <a:chExt cx="0" cy="0"/>
+        </a:xfrm>
+      </p:grpSpPr>
+      <p:sp>
+        <p:nvSpPr>
+          <p:cNvPr id="2" name="Title 1">
+            <a:extLst>
+              <a:ext uri="{FF2B5EF4-FFF2-40B4-BE49-F238E27FC236}">
+                <a16:creationId xmlns:a16="http://schemas.microsoft.com/office/drawing/2014/main" id="{C9E3005D-E2B3-1DD9-23B0-99EECECCF198}"/>
+              </a:ext>
+            </a:extLst>
+          </p:cNvPr>
+          <p:cNvSpPr>
+            <a:spLocks noGrp="1"/>
+          </p:cNvSpPr>
+          <p:nvPr>
+            <p:ph type="title"/>
+          </p:nvPr>
+        </p:nvSpPr>
+        <p:spPr/>
+        <p:txBody>
+          <a:bodyPr>
+            <a:normAutofit/>
+          </a:bodyPr>
+          <a:lstStyle/>
+          <a:p>
+            <a:r>
               <a:rPr lang="en-US" sz="4200" dirty="0"/>
-              <a:t>3.2 Inference Performance Predictor Existing Works</a:t>
+              <a:t>3.3 Inference Performance Predictor Existing Works</a:t>
             </a:r>
           </a:p>
         </p:txBody>
@@ -6520,7 +8055,7 @@
 </p:sld>
 </file>
 
-<file path=ppt/slides/slide11.xml><?xml version="1.0" encoding="utf-8"?>
+<file path=ppt/slides/slide13.xml><?xml version="1.0" encoding="utf-8"?>
 <p:sld xmlns:a="http://schemas.openxmlformats.org/drawingml/2006/main" xmlns:r="http://schemas.openxmlformats.org/officeDocument/2006/relationships" xmlns:p="http://schemas.openxmlformats.org/presentationml/2006/main">
   <p:cSld>
     <p:spTree>
@@ -6562,7 +8097,7 @@
           <a:p>
             <a:r>
               <a:rPr lang="en-US" sz="4200" dirty="0"/>
-              <a:t>3.3 Inference Performance Predictor Existing Works</a:t>
+              <a:t>3.4 Inference Performance Predictor Existing Works</a:t>
             </a:r>
           </a:p>
         </p:txBody>
@@ -6680,7 +8215,7 @@
 </p:sld>
 </file>
 
-<file path=ppt/slides/slide12.xml><?xml version="1.0" encoding="utf-8"?>
+<file path=ppt/slides/slide14.xml><?xml version="1.0" encoding="utf-8"?>
 <p:sld xmlns:a="http://schemas.openxmlformats.org/drawingml/2006/main" xmlns:r="http://schemas.openxmlformats.org/officeDocument/2006/relationships" xmlns:p="http://schemas.openxmlformats.org/presentationml/2006/main">
   <p:cSld>
     <p:spTree>
@@ -6869,7 +8404,7 @@
 </p:sld>
 </file>
 
-<file path=ppt/slides/slide13.xml><?xml version="1.0" encoding="utf-8"?>
+<file path=ppt/slides/slide15.xml><?xml version="1.0" encoding="utf-8"?>
 <p:sld xmlns:a="http://schemas.openxmlformats.org/drawingml/2006/main" xmlns:r="http://schemas.openxmlformats.org/officeDocument/2006/relationships" xmlns:p="http://schemas.openxmlformats.org/presentationml/2006/main">
   <p:cSld>
     <p:spTree>
@@ -6888,10 +8423,10 @@
       </p:grpSpPr>
       <p:pic>
         <p:nvPicPr>
-          <p:cNvPr id="14" name="Picture 13">
-            <a:extLst>
-              <a:ext uri="{FF2B5EF4-FFF2-40B4-BE49-F238E27FC236}">
-                <a16:creationId xmlns:a16="http://schemas.microsoft.com/office/drawing/2014/main" id="{08719E29-278A-4A4F-D901-D65306E0ABD2}"/>
+          <p:cNvPr id="5" name="Picture 4">
+            <a:extLst>
+              <a:ext uri="{FF2B5EF4-FFF2-40B4-BE49-F238E27FC236}">
+                <a16:creationId xmlns:a16="http://schemas.microsoft.com/office/drawing/2014/main" id="{AD56907E-8FC4-20D5-6529-3B79732D4EFF}"/>
               </a:ext>
             </a:extLst>
           </p:cNvPr>
@@ -6908,7 +8443,37 @@
         </p:blipFill>
         <p:spPr>
           <a:xfrm>
-            <a:off x="481243" y="4132345"/>
+            <a:off x="166583" y="4770080"/>
+            <a:ext cx="3550477" cy="1935423"/>
+          </a:xfrm>
+          <a:prstGeom prst="rect">
+            <a:avLst/>
+          </a:prstGeom>
+        </p:spPr>
+      </p:pic>
+      <p:pic>
+        <p:nvPicPr>
+          <p:cNvPr id="14" name="Picture 13">
+            <a:extLst>
+              <a:ext uri="{FF2B5EF4-FFF2-40B4-BE49-F238E27FC236}">
+                <a16:creationId xmlns:a16="http://schemas.microsoft.com/office/drawing/2014/main" id="{08719E29-278A-4A4F-D901-D65306E0ABD2}"/>
+              </a:ext>
+            </a:extLst>
+          </p:cNvPr>
+          <p:cNvPicPr>
+            <a:picLocks noChangeAspect="1"/>
+          </p:cNvPicPr>
+          <p:nvPr/>
+        </p:nvPicPr>
+        <p:blipFill>
+          <a:blip r:embed="rId4"/>
+          <a:stretch>
+            <a:fillRect/>
+          </a:stretch>
+        </p:blipFill>
+        <p:spPr>
+          <a:xfrm>
+            <a:off x="166583" y="2062578"/>
             <a:ext cx="4389037" cy="2573158"/>
           </a:xfrm>
           <a:prstGeom prst="rect">
@@ -6934,7 +8499,7 @@
         </p:nvSpPr>
         <p:spPr>
           <a:xfrm>
-            <a:off x="838200" y="1794773"/>
+            <a:off x="676559" y="1261404"/>
             <a:ext cx="3518647" cy="1021775"/>
           </a:xfrm>
         </p:spPr>
@@ -6977,7 +8542,12 @@
             <p:ph type="title"/>
           </p:nvPr>
         </p:nvSpPr>
-        <p:spPr/>
+        <p:spPr>
+          <a:xfrm>
+            <a:off x="739295" y="143080"/>
+            <a:ext cx="10515600" cy="1325563"/>
+          </a:xfrm>
+        </p:spPr>
         <p:txBody>
           <a:bodyPr/>
           <a:lstStyle/>
@@ -7004,7 +8574,7 @@
           <p:nvPr/>
         </p:nvPicPr>
         <p:blipFill>
-          <a:blip r:embed="rId4"/>
+          <a:blip r:embed="rId5"/>
           <a:stretch>
             <a:fillRect/>
           </a:stretch>
@@ -7034,7 +8604,7 @@
           <p:nvPr/>
         </p:nvPicPr>
         <p:blipFill>
-          <a:blip r:embed="rId5"/>
+          <a:blip r:embed="rId6"/>
           <a:stretch>
             <a:fillRect/>
           </a:stretch>
@@ -7062,7 +8632,7 @@
 </p:sld>
 </file>
 
-<file path=ppt/slides/slide14.xml><?xml version="1.0" encoding="utf-8"?>
+<file path=ppt/slides/slide16.xml><?xml version="1.0" encoding="utf-8"?>
 <p:sld xmlns:a="http://schemas.openxmlformats.org/drawingml/2006/main" xmlns:r="http://schemas.openxmlformats.org/officeDocument/2006/relationships" xmlns:p="http://schemas.openxmlformats.org/presentationml/2006/main">
   <p:cSld>
     <p:spTree>
@@ -7084,7 +8654,7 @@
           <p:cNvPr id="2" name="Title 1">
             <a:extLst>
               <a:ext uri="{FF2B5EF4-FFF2-40B4-BE49-F238E27FC236}">
-                <a16:creationId xmlns:a16="http://schemas.microsoft.com/office/drawing/2014/main" id="{6E2B5D9A-FAEE-C87E-4F78-08A32C2FA3EA}"/>
+                <a16:creationId xmlns:a16="http://schemas.microsoft.com/office/drawing/2014/main" id="{8794CEB4-AFEA-8850-B901-8A07525D55E4}"/>
               </a:ext>
             </a:extLst>
           </p:cNvPr>
@@ -7102,13 +8672,168 @@
           <a:p>
             <a:r>
               <a:rPr lang="en-US" dirty="0"/>
+              <a:t>5. Insights</a:t>
+            </a:r>
+          </a:p>
+        </p:txBody>
+      </p:sp>
+      <p:sp>
+        <p:nvSpPr>
+          <p:cNvPr id="3" name="Content Placeholder 2">
+            <a:extLst>
+              <a:ext uri="{FF2B5EF4-FFF2-40B4-BE49-F238E27FC236}">
+                <a16:creationId xmlns:a16="http://schemas.microsoft.com/office/drawing/2014/main" id="{C42CE54E-607F-5857-2CA6-E356783580CD}"/>
+              </a:ext>
+            </a:extLst>
+          </p:cNvPr>
+          <p:cNvSpPr>
+            <a:spLocks noGrp="1"/>
+          </p:cNvSpPr>
+          <p:nvPr>
+            <p:ph idx="1"/>
+          </p:nvPr>
+        </p:nvSpPr>
+        <p:spPr/>
+        <p:txBody>
+          <a:bodyPr>
+            <a:normAutofit lnSpcReduction="10000"/>
+          </a:bodyPr>
+          <a:lstStyle/>
+          <a:p>
+            <a:r>
+              <a:rPr lang="en-US" sz="2800" dirty="0"/>
+              <a:t>1. Per layer latency</a:t>
+            </a:r>
+          </a:p>
+          <a:p>
+            <a:pPr lvl="1"/>
+            <a:r>
+              <a:rPr lang="en-US" dirty="0"/>
+              <a:t>As much as possible, concentrate multiple layers on one single node</a:t>
+            </a:r>
+          </a:p>
+          <a:p>
+            <a:pPr lvl="2"/>
+            <a:r>
+              <a:rPr lang="en-US" dirty="0"/>
+              <a:t>Reduce transferring time</a:t>
+            </a:r>
+          </a:p>
+          <a:p>
+            <a:pPr lvl="2"/>
+            <a:r>
+              <a:rPr lang="en-US" dirty="0"/>
+              <a:t>Utilize cross-optimization</a:t>
+            </a:r>
+          </a:p>
+          <a:p>
+            <a:r>
+              <a:rPr lang="en-US" sz="2800" dirty="0"/>
+              <a:t>2. Data size distribution</a:t>
+            </a:r>
+            <a:endParaRPr lang="en-US" dirty="0"/>
+          </a:p>
+          <a:p>
+            <a:pPr lvl="1"/>
+            <a:r>
+              <a:rPr lang="en-US" dirty="0"/>
+              <a:t>High memory: model parallel distribution (Layer-Partitioning )</a:t>
+            </a:r>
+          </a:p>
+          <a:p>
+            <a:pPr lvl="1"/>
+            <a:r>
+              <a:rPr lang="en-US" dirty="0"/>
+              <a:t>High computation and low memory: data parallel distribution (maybe in optimization step)</a:t>
+            </a:r>
+          </a:p>
+          <a:p>
+            <a:r>
+              <a:rPr lang="en-US" dirty="0"/>
+              <a:t>3. Layer types:</a:t>
+            </a:r>
+          </a:p>
+          <a:p>
+            <a:pPr lvl="1"/>
+            <a:r>
+              <a:rPr lang="en-US" dirty="0"/>
+              <a:t>After Pooling Layers: Pooling layers reduce the dimensionality of the data</a:t>
+            </a:r>
+          </a:p>
+          <a:p>
+            <a:pPr lvl="1"/>
+            <a:r>
+              <a:rPr lang="en-US" dirty="0"/>
+              <a:t>After Dense Layers: </a:t>
+            </a:r>
+            <a:r>
+              <a:rPr lang="en-US"/>
+              <a:t>Small output</a:t>
+            </a:r>
+            <a:endParaRPr lang="en-US" dirty="0"/>
+          </a:p>
+        </p:txBody>
+      </p:sp>
+    </p:spTree>
+    <p:extLst>
+      <p:ext uri="{BB962C8B-B14F-4D97-AF65-F5344CB8AC3E}">
+        <p14:creationId xmlns:p14="http://schemas.microsoft.com/office/powerpoint/2010/main" val="2916927915"/>
+      </p:ext>
+    </p:extLst>
+  </p:cSld>
+  <p:clrMapOvr>
+    <a:masterClrMapping/>
+  </p:clrMapOvr>
+</p:sld>
+</file>
+
+<file path=ppt/slides/slide17.xml><?xml version="1.0" encoding="utf-8"?>
+<p:sld xmlns:a="http://schemas.openxmlformats.org/drawingml/2006/main" xmlns:r="http://schemas.openxmlformats.org/officeDocument/2006/relationships" xmlns:p="http://schemas.openxmlformats.org/presentationml/2006/main">
+  <p:cSld>
+    <p:spTree>
+      <p:nvGrpSpPr>
+        <p:cNvPr id="1" name=""/>
+        <p:cNvGrpSpPr/>
+        <p:nvPr/>
+      </p:nvGrpSpPr>
+      <p:grpSpPr>
+        <a:xfrm>
+          <a:off x="0" y="0"/>
+          <a:ext cx="0" cy="0"/>
+          <a:chOff x="0" y="0"/>
+          <a:chExt cx="0" cy="0"/>
+        </a:xfrm>
+      </p:grpSpPr>
+      <p:sp>
+        <p:nvSpPr>
+          <p:cNvPr id="2" name="Title 1">
+            <a:extLst>
+              <a:ext uri="{FF2B5EF4-FFF2-40B4-BE49-F238E27FC236}">
+                <a16:creationId xmlns:a16="http://schemas.microsoft.com/office/drawing/2014/main" id="{6E2B5D9A-FAEE-C87E-4F78-08A32C2FA3EA}"/>
+              </a:ext>
+            </a:extLst>
+          </p:cNvPr>
+          <p:cNvSpPr>
+            <a:spLocks noGrp="1"/>
+          </p:cNvSpPr>
+          <p:nvPr>
+            <p:ph type="title"/>
+          </p:nvPr>
+        </p:nvSpPr>
+        <p:spPr/>
+        <p:txBody>
+          <a:bodyPr/>
+          <a:lstStyle/>
+          <a:p>
+            <a:r>
+              <a:rPr lang="en-US" dirty="0"/>
               <a:t>6. Search</a:t>
             </a:r>
           </a:p>
         </p:txBody>
       </p:sp>
-      <mc:AlternateContent xmlns:mc="http://schemas.openxmlformats.org/markup-compatibility/2006">
-        <mc:Choice xmlns:a14="http://schemas.microsoft.com/office/drawing/2010/main" Requires="a14">
+      <mc:AlternateContent xmlns:mc="http://schemas.openxmlformats.org/markup-compatibility/2006" xmlns:a14="http://schemas.microsoft.com/office/drawing/2010/main">
+        <mc:Choice Requires="a14">
           <p:sp>
             <p:nvSpPr>
               <p:cNvPr id="3" name="Content Placeholder 2">
@@ -8276,7 +10001,7 @@
             </p:txBody>
           </p:sp>
         </mc:Choice>
-        <mc:Fallback>
+        <mc:Fallback xmlns="">
           <p:sp>
             <p:nvSpPr>
               <p:cNvPr id="3" name="Content Placeholder 2">
@@ -8333,112 +10058,7 @@
 </p:sld>
 </file>
 
-<file path=ppt/slides/slide15.xml><?xml version="1.0" encoding="utf-8"?>
-<p:sld xmlns:a="http://schemas.openxmlformats.org/drawingml/2006/main" xmlns:r="http://schemas.openxmlformats.org/officeDocument/2006/relationships" xmlns:p="http://schemas.openxmlformats.org/presentationml/2006/main">
-  <p:cSld>
-    <p:spTree>
-      <p:nvGrpSpPr>
-        <p:cNvPr id="1" name=""/>
-        <p:cNvGrpSpPr/>
-        <p:nvPr/>
-      </p:nvGrpSpPr>
-      <p:grpSpPr>
-        <a:xfrm>
-          <a:off x="0" y="0"/>
-          <a:ext cx="0" cy="0"/>
-          <a:chOff x="0" y="0"/>
-          <a:chExt cx="0" cy="0"/>
-        </a:xfrm>
-      </p:grpSpPr>
-      <p:sp>
-        <p:nvSpPr>
-          <p:cNvPr id="2" name="Title 1">
-            <a:extLst>
-              <a:ext uri="{FF2B5EF4-FFF2-40B4-BE49-F238E27FC236}">
-                <a16:creationId xmlns:a16="http://schemas.microsoft.com/office/drawing/2014/main" id="{1F68BA5A-4E37-105B-25E1-4DA00C51497F}"/>
-              </a:ext>
-            </a:extLst>
-          </p:cNvPr>
-          <p:cNvSpPr>
-            <a:spLocks noGrp="1"/>
-          </p:cNvSpPr>
-          <p:nvPr>
-            <p:ph type="title"/>
-          </p:nvPr>
-        </p:nvSpPr>
-        <p:spPr/>
-        <p:txBody>
-          <a:bodyPr/>
-          <a:lstStyle/>
-          <a:p>
-            <a:r>
-              <a:rPr lang="en-US" dirty="0"/>
-              <a:t>6. S</a:t>
-            </a:r>
-            <a:r>
-              <a:rPr lang="en-US" altLang="zh-CN" dirty="0"/>
-              <a:t>earch</a:t>
-            </a:r>
-            <a:endParaRPr lang="en-US" dirty="0"/>
-          </a:p>
-        </p:txBody>
-      </p:sp>
-      <p:sp>
-        <p:nvSpPr>
-          <p:cNvPr id="3" name="Content Placeholder 2">
-            <a:extLst>
-              <a:ext uri="{FF2B5EF4-FFF2-40B4-BE49-F238E27FC236}">
-                <a16:creationId xmlns:a16="http://schemas.microsoft.com/office/drawing/2014/main" id="{5F7CA0D7-D258-F0A0-D677-9D0CD614FC47}"/>
-              </a:ext>
-            </a:extLst>
-          </p:cNvPr>
-          <p:cNvSpPr>
-            <a:spLocks noGrp="1"/>
-          </p:cNvSpPr>
-          <p:nvPr>
-            <p:ph idx="1"/>
-          </p:nvPr>
-        </p:nvSpPr>
-        <p:spPr/>
-        <p:txBody>
-          <a:bodyPr/>
-          <a:lstStyle/>
-          <a:p>
-            <a:r>
-              <a:rPr lang="en-US" dirty="0"/>
-              <a:t>Insights:</a:t>
-            </a:r>
-          </a:p>
-          <a:p>
-            <a:pPr lvl="1"/>
-            <a:r>
-              <a:rPr lang="en-US" dirty="0"/>
-              <a:t>Memory Constraints First(hard conditions)</a:t>
-            </a:r>
-          </a:p>
-          <a:p>
-            <a:pPr lvl="1"/>
-            <a:r>
-              <a:rPr lang="en-US" dirty="0"/>
-              <a:t>Latency-Intensive Layers to powerful devices</a:t>
-            </a:r>
-          </a:p>
-        </p:txBody>
-      </p:sp>
-    </p:spTree>
-    <p:extLst>
-      <p:ext uri="{BB962C8B-B14F-4D97-AF65-F5344CB8AC3E}">
-        <p14:creationId xmlns:p14="http://schemas.microsoft.com/office/powerpoint/2010/main" val="885374420"/>
-      </p:ext>
-    </p:extLst>
-  </p:cSld>
-  <p:clrMapOvr>
-    <a:masterClrMapping/>
-  </p:clrMapOvr>
-</p:sld>
-</file>
-
-<file path=ppt/slides/slide16.xml><?xml version="1.0" encoding="utf-8"?>
+<file path=ppt/slides/slide18.xml><?xml version="1.0" encoding="utf-8"?>
 <p:sld xmlns:a="http://schemas.openxmlformats.org/drawingml/2006/main" xmlns:r="http://schemas.openxmlformats.org/officeDocument/2006/relationships" xmlns:p="http://schemas.openxmlformats.org/presentationml/2006/main">
   <p:cSld>
     <p:spTree>
@@ -8721,7 +10341,7 @@
 </p:sld>
 </file>
 
-<file path=ppt/slides/slide17.xml><?xml version="1.0" encoding="utf-8"?>
+<file path=ppt/slides/slide19.xml><?xml version="1.0" encoding="utf-8"?>
 <p:sld xmlns:a="http://schemas.openxmlformats.org/drawingml/2006/main" xmlns:r="http://schemas.openxmlformats.org/officeDocument/2006/relationships" xmlns:p="http://schemas.openxmlformats.org/presentationml/2006/main">
   <p:cSld>
     <p:spTree>
@@ -8968,226 +10588,6 @@
 </p:sld>
 </file>
 
-<file path=ppt/slides/slide18.xml><?xml version="1.0" encoding="utf-8"?>
-<p:sld xmlns:a="http://schemas.openxmlformats.org/drawingml/2006/main" xmlns:r="http://schemas.openxmlformats.org/officeDocument/2006/relationships" xmlns:p="http://schemas.openxmlformats.org/presentationml/2006/main">
-  <p:cSld>
-    <p:spTree>
-      <p:nvGrpSpPr>
-        <p:cNvPr id="1" name=""/>
-        <p:cNvGrpSpPr/>
-        <p:nvPr/>
-      </p:nvGrpSpPr>
-      <p:grpSpPr>
-        <a:xfrm>
-          <a:off x="0" y="0"/>
-          <a:ext cx="0" cy="0"/>
-          <a:chOff x="0" y="0"/>
-          <a:chExt cx="0" cy="0"/>
-        </a:xfrm>
-      </p:grpSpPr>
-      <p:sp>
-        <p:nvSpPr>
-          <p:cNvPr id="2" name="Title 1">
-            <a:extLst>
-              <a:ext uri="{FF2B5EF4-FFF2-40B4-BE49-F238E27FC236}">
-                <a16:creationId xmlns:a16="http://schemas.microsoft.com/office/drawing/2014/main" id="{6ABD71B6-787F-170F-81DA-B8BB6CDFAA09}"/>
-              </a:ext>
-            </a:extLst>
-          </p:cNvPr>
-          <p:cNvSpPr>
-            <a:spLocks noGrp="1"/>
-          </p:cNvSpPr>
-          <p:nvPr>
-            <p:ph type="title"/>
-          </p:nvPr>
-        </p:nvSpPr>
-        <p:spPr/>
-        <p:txBody>
-          <a:bodyPr/>
-          <a:lstStyle/>
-          <a:p>
-            <a:r>
-              <a:rPr lang="en-US" dirty="0"/>
-              <a:t>Q</a:t>
-            </a:r>
-            <a:r>
-              <a:rPr lang="en-US" altLang="zh-CN" dirty="0"/>
-              <a:t>uestions</a:t>
-            </a:r>
-            <a:endParaRPr lang="en-US" dirty="0"/>
-          </a:p>
-        </p:txBody>
-      </p:sp>
-      <p:sp>
-        <p:nvSpPr>
-          <p:cNvPr id="3" name="Content Placeholder 2">
-            <a:extLst>
-              <a:ext uri="{FF2B5EF4-FFF2-40B4-BE49-F238E27FC236}">
-                <a16:creationId xmlns:a16="http://schemas.microsoft.com/office/drawing/2014/main" id="{7EC7D343-3913-F985-9C94-8C4C13B5DCD8}"/>
-              </a:ext>
-            </a:extLst>
-          </p:cNvPr>
-          <p:cNvSpPr>
-            <a:spLocks noGrp="1"/>
-          </p:cNvSpPr>
-          <p:nvPr>
-            <p:ph idx="1"/>
-          </p:nvPr>
-        </p:nvSpPr>
-        <p:spPr/>
-        <p:txBody>
-          <a:bodyPr/>
-          <a:lstStyle/>
-          <a:p>
-            <a:r>
-              <a:rPr lang="en-US" dirty="0"/>
-              <a:t>1. Per layer execution time</a:t>
-            </a:r>
-          </a:p>
-          <a:p>
-            <a:r>
-              <a:rPr lang="en-US" dirty="0"/>
-              <a:t>2. Feedback: model &lt;-&gt; network</a:t>
-            </a:r>
-          </a:p>
-          <a:p>
-            <a:r>
-              <a:rPr lang="en-US" dirty="0"/>
-              <a:t>2. How to evaluate search methods?</a:t>
-            </a:r>
-          </a:p>
-          <a:p>
-            <a:r>
-              <a:rPr lang="en-US" dirty="0"/>
-              <a:t>4. C</a:t>
-            </a:r>
-            <a:r>
-              <a:rPr lang="en-US" altLang="zh-CN" dirty="0"/>
-              <a:t>ontributions</a:t>
-            </a:r>
-          </a:p>
-          <a:p>
-            <a:endParaRPr lang="en-US" dirty="0"/>
-          </a:p>
-          <a:p>
-            <a:endParaRPr lang="en-US" dirty="0"/>
-          </a:p>
-        </p:txBody>
-      </p:sp>
-    </p:spTree>
-    <p:extLst>
-      <p:ext uri="{BB962C8B-B14F-4D97-AF65-F5344CB8AC3E}">
-        <p14:creationId xmlns:p14="http://schemas.microsoft.com/office/powerpoint/2010/main" val="1267984057"/>
-      </p:ext>
-    </p:extLst>
-  </p:cSld>
-  <p:clrMapOvr>
-    <a:masterClrMapping/>
-  </p:clrMapOvr>
-</p:sld>
-</file>
-
-<file path=ppt/slides/slide19.xml><?xml version="1.0" encoding="utf-8"?>
-<p:sld xmlns:a="http://schemas.openxmlformats.org/drawingml/2006/main" xmlns:r="http://schemas.openxmlformats.org/officeDocument/2006/relationships" xmlns:p="http://schemas.openxmlformats.org/presentationml/2006/main">
-  <p:cSld>
-    <p:spTree>
-      <p:nvGrpSpPr>
-        <p:cNvPr id="1" name=""/>
-        <p:cNvGrpSpPr/>
-        <p:nvPr/>
-      </p:nvGrpSpPr>
-      <p:grpSpPr>
-        <a:xfrm>
-          <a:off x="0" y="0"/>
-          <a:ext cx="0" cy="0"/>
-          <a:chOff x="0" y="0"/>
-          <a:chExt cx="0" cy="0"/>
-        </a:xfrm>
-      </p:grpSpPr>
-      <p:sp>
-        <p:nvSpPr>
-          <p:cNvPr id="2" name="Title 1">
-            <a:extLst>
-              <a:ext uri="{FF2B5EF4-FFF2-40B4-BE49-F238E27FC236}">
-                <a16:creationId xmlns:a16="http://schemas.microsoft.com/office/drawing/2014/main" id="{74902368-0F56-044B-8108-D724D2465F8E}"/>
-              </a:ext>
-            </a:extLst>
-          </p:cNvPr>
-          <p:cNvSpPr>
-            <a:spLocks noGrp="1"/>
-          </p:cNvSpPr>
-          <p:nvPr>
-            <p:ph type="title"/>
-          </p:nvPr>
-        </p:nvSpPr>
-        <p:spPr/>
-        <p:txBody>
-          <a:bodyPr/>
-          <a:lstStyle/>
-          <a:p>
-            <a:endParaRPr lang="en-US"/>
-          </a:p>
-        </p:txBody>
-      </p:sp>
-      <p:sp>
-        <p:nvSpPr>
-          <p:cNvPr id="3" name="Content Placeholder 2">
-            <a:extLst>
-              <a:ext uri="{FF2B5EF4-FFF2-40B4-BE49-F238E27FC236}">
-                <a16:creationId xmlns:a16="http://schemas.microsoft.com/office/drawing/2014/main" id="{BA3BEDC8-C95C-51D4-1325-A1D98F60CE3B}"/>
-              </a:ext>
-            </a:extLst>
-          </p:cNvPr>
-          <p:cNvSpPr>
-            <a:spLocks noGrp="1"/>
-          </p:cNvSpPr>
-          <p:nvPr>
-            <p:ph idx="1"/>
-          </p:nvPr>
-        </p:nvSpPr>
-        <p:spPr/>
-        <p:txBody>
-          <a:bodyPr/>
-          <a:lstStyle/>
-          <a:p>
-            <a:r>
-              <a:rPr lang="en-US" altLang="zh-CN" dirty="0"/>
-              <a:t>Memory should also be a problem. Like how to measure it? How to evaluate it?</a:t>
-            </a:r>
-          </a:p>
-          <a:p>
-            <a:r>
-              <a:rPr lang="en-US" dirty="0"/>
-              <a:t>Search method</a:t>
-            </a:r>
-          </a:p>
-          <a:p>
-            <a:r>
-              <a:rPr lang="en-US" dirty="0"/>
-              <a:t>Memory trend </a:t>
-            </a:r>
-          </a:p>
-          <a:p>
-            <a:r>
-              <a:rPr lang="en-US" dirty="0"/>
-              <a:t>Model layer data size figure</a:t>
-            </a:r>
-          </a:p>
-        </p:txBody>
-      </p:sp>
-    </p:spTree>
-    <p:extLst>
-      <p:ext uri="{BB962C8B-B14F-4D97-AF65-F5344CB8AC3E}">
-        <p14:creationId xmlns:p14="http://schemas.microsoft.com/office/powerpoint/2010/main" val="3442928414"/>
-      </p:ext>
-    </p:extLst>
-  </p:cSld>
-  <p:clrMapOvr>
-    <a:masterClrMapping/>
-  </p:clrMapOvr>
-</p:sld>
-</file>
-
 <file path=ppt/slides/slide2.xml><?xml version="1.0" encoding="utf-8"?>
 <p:sld xmlns:a="http://schemas.openxmlformats.org/drawingml/2006/main" xmlns:r="http://schemas.openxmlformats.org/officeDocument/2006/relationships" xmlns:p="http://schemas.openxmlformats.org/presentationml/2006/main">
   <p:cSld>
@@ -9329,7 +10729,7 @@
           <p:cNvPr id="2" name="Title 1">
             <a:extLst>
               <a:ext uri="{FF2B5EF4-FFF2-40B4-BE49-F238E27FC236}">
-                <a16:creationId xmlns:a16="http://schemas.microsoft.com/office/drawing/2014/main" id="{3D251E58-A95E-016D-9906-B7A3759ABE26}"/>
+                <a16:creationId xmlns:a16="http://schemas.microsoft.com/office/drawing/2014/main" id="{6ABD71B6-787F-170F-81DA-B8BB6CDFAA09}"/>
               </a:ext>
             </a:extLst>
           </p:cNvPr>
@@ -9345,7 +10745,15 @@
           <a:bodyPr/>
           <a:lstStyle/>
           <a:p>
-            <a:endParaRPr lang="en-US"/>
+            <a:r>
+              <a:rPr lang="en-US" dirty="0"/>
+              <a:t>Q</a:t>
+            </a:r>
+            <a:r>
+              <a:rPr lang="en-US" altLang="zh-CN" dirty="0"/>
+              <a:t>uestions</a:t>
+            </a:r>
+            <a:endParaRPr lang="en-US" dirty="0"/>
           </a:p>
         </p:txBody>
       </p:sp>
@@ -9354,7 +10762,7 @@
           <p:cNvPr id="3" name="Content Placeholder 2">
             <a:extLst>
               <a:ext uri="{FF2B5EF4-FFF2-40B4-BE49-F238E27FC236}">
-                <a16:creationId xmlns:a16="http://schemas.microsoft.com/office/drawing/2014/main" id="{B33CCE71-D4D2-B191-D206-C64BD77BC9A1}"/>
+                <a16:creationId xmlns:a16="http://schemas.microsoft.com/office/drawing/2014/main" id="{7EC7D343-3913-F985-9C94-8C4C13B5DCD8}"/>
               </a:ext>
             </a:extLst>
           </p:cNvPr>
@@ -9372,156 +10780,49 @@
           <a:p>
             <a:r>
               <a:rPr lang="en-US" dirty="0"/>
-              <a:t>Different memory components of one single device</a:t>
+              <a:t>1. Per layer execution time</a:t>
             </a:r>
           </a:p>
           <a:p>
             <a:r>
               <a:rPr lang="en-US" dirty="0"/>
-              <a:t>How program be stored in MCUs</a:t>
-            </a:r>
-          </a:p>
-          <a:p>
-            <a:pPr lvl="1"/>
+              <a:t>2. Feedback: model &lt;-&gt; network</a:t>
+            </a:r>
+          </a:p>
+          <a:p>
             <a:r>
               <a:rPr lang="en-US" dirty="0"/>
-              <a:t>Data </a:t>
-            </a:r>
-          </a:p>
-          <a:p>
-            <a:pPr lvl="1"/>
+              <a:t>2. How to evaluate search methods?</a:t>
+            </a:r>
+          </a:p>
+          <a:p>
             <a:r>
               <a:rPr lang="en-US" dirty="0"/>
-              <a:t>Graph </a:t>
-            </a:r>
-          </a:p>
-          <a:p>
-            <a:pPr lvl="1"/>
-            <a:r>
-              <a:rPr lang="en-US" dirty="0"/>
-              <a:t>Parameters</a:t>
-            </a:r>
-          </a:p>
-          <a:p>
-            <a:pPr lvl="1"/>
-            <a:r>
-              <a:rPr lang="en-US" dirty="0"/>
-              <a:t>Output     </a:t>
-            </a:r>
-          </a:p>
-          <a:p>
-            <a:r>
-              <a:rPr lang="en-US" dirty="0"/>
-              <a:t>How to evaluate the memory footprint</a:t>
-            </a:r>
-          </a:p>
-          <a:p>
-            <a:pPr lvl="1"/>
-            <a:r>
-              <a:rPr lang="en-US" dirty="0"/>
-              <a:t>For the memory trend</a:t>
-            </a:r>
-          </a:p>
-          <a:p>
-            <a:r>
-              <a:rPr lang="en-US" dirty="0"/>
-              <a:t>We should also consider </a:t>
-            </a:r>
-            <a:r>
-              <a:rPr lang="en-US" dirty="0" err="1"/>
-              <a:t>ble</a:t>
-            </a:r>
-            <a:r>
-              <a:rPr lang="en-US" dirty="0"/>
-              <a:t> mesh firmware</a:t>
-            </a:r>
+              <a:t>4. C</a:t>
+            </a:r>
+            <a:r>
+              <a:rPr lang="en-US" altLang="zh-CN" dirty="0"/>
+              <a:t>ontributions</a:t>
+            </a:r>
+          </a:p>
+          <a:p>
+            <a:r>
+              <a:rPr lang="en-US" altLang="zh-CN" dirty="0"/>
+              <a:t>5. Deployment cost</a:t>
+            </a:r>
+          </a:p>
+          <a:p>
+            <a:endParaRPr lang="en-US" dirty="0"/>
+          </a:p>
+          <a:p>
+            <a:endParaRPr lang="en-US" dirty="0"/>
           </a:p>
         </p:txBody>
       </p:sp>
     </p:spTree>
     <p:extLst>
       <p:ext uri="{BB962C8B-B14F-4D97-AF65-F5344CB8AC3E}">
-        <p14:creationId xmlns:p14="http://schemas.microsoft.com/office/powerpoint/2010/main" val="2784032639"/>
-      </p:ext>
-    </p:extLst>
-  </p:cSld>
-  <p:clrMapOvr>
-    <a:masterClrMapping/>
-  </p:clrMapOvr>
-</p:sld>
-</file>
-
-<file path=ppt/slides/slide21.xml><?xml version="1.0" encoding="utf-8"?>
-<p:sld xmlns:a="http://schemas.openxmlformats.org/drawingml/2006/main" xmlns:r="http://schemas.openxmlformats.org/officeDocument/2006/relationships" xmlns:p="http://schemas.openxmlformats.org/presentationml/2006/main">
-  <p:cSld>
-    <p:spTree>
-      <p:nvGrpSpPr>
-        <p:cNvPr id="1" name=""/>
-        <p:cNvGrpSpPr/>
-        <p:nvPr/>
-      </p:nvGrpSpPr>
-      <p:grpSpPr>
-        <a:xfrm>
-          <a:off x="0" y="0"/>
-          <a:ext cx="0" cy="0"/>
-          <a:chOff x="0" y="0"/>
-          <a:chExt cx="0" cy="0"/>
-        </a:xfrm>
-      </p:grpSpPr>
-      <p:sp>
-        <p:nvSpPr>
-          <p:cNvPr id="2" name="Title 1">
-            <a:extLst>
-              <a:ext uri="{FF2B5EF4-FFF2-40B4-BE49-F238E27FC236}">
-                <a16:creationId xmlns:a16="http://schemas.microsoft.com/office/drawing/2014/main" id="{91D699B6-0E08-D122-6BF8-B2132A87D5A3}"/>
-              </a:ext>
-            </a:extLst>
-          </p:cNvPr>
-          <p:cNvSpPr>
-            <a:spLocks noGrp="1"/>
-          </p:cNvSpPr>
-          <p:nvPr>
-            <p:ph type="title"/>
-          </p:nvPr>
-        </p:nvSpPr>
-        <p:spPr/>
-        <p:txBody>
-          <a:bodyPr/>
-          <a:lstStyle/>
-          <a:p>
-            <a:endParaRPr lang="en-US"/>
-          </a:p>
-        </p:txBody>
-      </p:sp>
-      <p:sp>
-        <p:nvSpPr>
-          <p:cNvPr id="3" name="Content Placeholder 2">
-            <a:extLst>
-              <a:ext uri="{FF2B5EF4-FFF2-40B4-BE49-F238E27FC236}">
-                <a16:creationId xmlns:a16="http://schemas.microsoft.com/office/drawing/2014/main" id="{48CD3304-6546-7BAB-9E00-428CB8AEA871}"/>
-              </a:ext>
-            </a:extLst>
-          </p:cNvPr>
-          <p:cNvSpPr>
-            <a:spLocks noGrp="1"/>
-          </p:cNvSpPr>
-          <p:nvPr>
-            <p:ph idx="1"/>
-          </p:nvPr>
-        </p:nvSpPr>
-        <p:spPr/>
-        <p:txBody>
-          <a:bodyPr/>
-          <a:lstStyle/>
-          <a:p>
-            <a:endParaRPr lang="en-US"/>
-          </a:p>
-        </p:txBody>
-      </p:sp>
-    </p:spTree>
-    <p:extLst>
-      <p:ext uri="{BB962C8B-B14F-4D97-AF65-F5344CB8AC3E}">
-        <p14:creationId xmlns:p14="http://schemas.microsoft.com/office/powerpoint/2010/main" val="1723049971"/>
+        <p14:creationId xmlns:p14="http://schemas.microsoft.com/office/powerpoint/2010/main" val="1267984057"/>
       </p:ext>
     </p:extLst>
   </p:cSld>
@@ -11962,12 +13263,70 @@
           <a:chExt cx="0" cy="0"/>
         </a:xfrm>
       </p:grpSpPr>
+      <p:sp>
+        <p:nvSpPr>
+          <p:cNvPr id="2" name="Title 1">
+            <a:extLst>
+              <a:ext uri="{FF2B5EF4-FFF2-40B4-BE49-F238E27FC236}">
+                <a16:creationId xmlns:a16="http://schemas.microsoft.com/office/drawing/2014/main" id="{5A5F62AB-648A-1AF8-2CFD-FE8D2F21B979}"/>
+              </a:ext>
+            </a:extLst>
+          </p:cNvPr>
+          <p:cNvSpPr>
+            <a:spLocks noGrp="1"/>
+          </p:cNvSpPr>
+          <p:nvPr>
+            <p:ph type="title"/>
+          </p:nvPr>
+        </p:nvSpPr>
+        <p:spPr/>
+        <p:txBody>
+          <a:bodyPr/>
+          <a:lstStyle/>
+          <a:p>
+            <a:r>
+              <a:rPr lang="en-US" dirty="0"/>
+              <a:t>3. Distributed Inference</a:t>
+            </a:r>
+          </a:p>
+        </p:txBody>
+      </p:sp>
+      <p:sp>
+        <p:nvSpPr>
+          <p:cNvPr id="3" name="Content Placeholder 2">
+            <a:extLst>
+              <a:ext uri="{FF2B5EF4-FFF2-40B4-BE49-F238E27FC236}">
+                <a16:creationId xmlns:a16="http://schemas.microsoft.com/office/drawing/2014/main" id="{E3171250-AAB9-EDCD-7317-3D5B27957EBC}"/>
+              </a:ext>
+            </a:extLst>
+          </p:cNvPr>
+          <p:cNvSpPr>
+            <a:spLocks noGrp="1"/>
+          </p:cNvSpPr>
+          <p:nvPr>
+            <p:ph idx="1"/>
+          </p:nvPr>
+        </p:nvSpPr>
+        <p:spPr>
+          <a:xfrm>
+            <a:off x="838200" y="1825625"/>
+            <a:ext cx="4501055" cy="4351338"/>
+          </a:xfrm>
+        </p:spPr>
+        <p:txBody>
+          <a:bodyPr/>
+          <a:lstStyle/>
+          <a:p>
+            <a:endParaRPr lang="en-US" dirty="0"/>
+          </a:p>
+        </p:txBody>
+      </p:sp>
       <p:pic>
         <p:nvPicPr>
           <p:cNvPr id="5" name="Picture 4">
             <a:extLst>
               <a:ext uri="{FF2B5EF4-FFF2-40B4-BE49-F238E27FC236}">
-                <a16:creationId xmlns:a16="http://schemas.microsoft.com/office/drawing/2014/main" id="{AEC0D26A-EF43-06BF-A6D5-771873938ABF}"/>
+                <a16:creationId xmlns:a16="http://schemas.microsoft.com/office/drawing/2014/main" id="{383ABB3D-2E28-FF91-6290-F7C4C2949A37}"/>
               </a:ext>
             </a:extLst>
           </p:cNvPr>
@@ -11984,152 +13343,8 @@
         </p:blipFill>
         <p:spPr>
           <a:xfrm>
-            <a:off x="7049467" y="4543613"/>
-            <a:ext cx="4889211" cy="2106045"/>
-          </a:xfrm>
-          <a:prstGeom prst="rect">
-            <a:avLst/>
-          </a:prstGeom>
-        </p:spPr>
-      </p:pic>
-      <p:sp>
-        <p:nvSpPr>
-          <p:cNvPr id="2" name="Title 1">
-            <a:extLst>
-              <a:ext uri="{FF2B5EF4-FFF2-40B4-BE49-F238E27FC236}">
-                <a16:creationId xmlns:a16="http://schemas.microsoft.com/office/drawing/2014/main" id="{4860E9A2-BC0F-43EA-5D2B-A17EF4F0B643}"/>
-              </a:ext>
-            </a:extLst>
-          </p:cNvPr>
-          <p:cNvSpPr>
-            <a:spLocks noGrp="1"/>
-          </p:cNvSpPr>
-          <p:nvPr>
-            <p:ph type="title"/>
-          </p:nvPr>
-        </p:nvSpPr>
-        <p:spPr/>
-        <p:txBody>
-          <a:bodyPr/>
-          <a:lstStyle/>
-          <a:p>
-            <a:r>
-              <a:rPr lang="en-US" dirty="0"/>
-              <a:t>3.1 Model Partitioning Existing Works</a:t>
-            </a:r>
-          </a:p>
-        </p:txBody>
-      </p:sp>
-      <p:sp>
-        <p:nvSpPr>
-          <p:cNvPr id="3" name="Content Placeholder 2">
-            <a:extLst>
-              <a:ext uri="{FF2B5EF4-FFF2-40B4-BE49-F238E27FC236}">
-                <a16:creationId xmlns:a16="http://schemas.microsoft.com/office/drawing/2014/main" id="{2F994F7F-58B6-B22D-A34F-EC6FEA2CBAAF}"/>
-              </a:ext>
-            </a:extLst>
-          </p:cNvPr>
-          <p:cNvSpPr>
-            <a:spLocks noGrp="1"/>
-          </p:cNvSpPr>
-          <p:nvPr>
-            <p:ph idx="1"/>
-          </p:nvPr>
-        </p:nvSpPr>
-        <p:spPr>
-          <a:xfrm>
-            <a:off x="838200" y="1690688"/>
-            <a:ext cx="6384792" cy="4594851"/>
-          </a:xfrm>
-        </p:spPr>
-        <p:txBody>
-          <a:bodyPr>
-            <a:normAutofit fontScale="92500" lnSpcReduction="10000"/>
-          </a:bodyPr>
-          <a:lstStyle/>
-          <a:p>
-            <a:r>
-              <a:rPr lang="en-US" dirty="0"/>
-              <a:t>Applicable Scenarios: Edge-Cloud</a:t>
-            </a:r>
-          </a:p>
-          <a:p>
-            <a:r>
-              <a:rPr lang="en-US" b="1" dirty="0"/>
-              <a:t>Neurosurgeon</a:t>
-            </a:r>
-            <a:r>
-              <a:rPr lang="en-US" dirty="0"/>
-              <a:t>(ASPLOS’17)[1]: </a:t>
-            </a:r>
-          </a:p>
-          <a:p>
-            <a:pPr lvl="1"/>
-            <a:r>
-              <a:rPr lang="en-US" dirty="0"/>
-              <a:t>Analyze DNN Architecture-&gt; Predict Layer Performance-&gt;Evaluate Partition Points-&gt;Execute Partitioned DNN</a:t>
-            </a:r>
-          </a:p>
-          <a:p>
-            <a:r>
-              <a:rPr lang="en-US" b="1" dirty="0"/>
-              <a:t>DADS</a:t>
-            </a:r>
-            <a:r>
-              <a:rPr lang="en-US" dirty="0"/>
-              <a:t>(INFOCOM’19)[2]: Min-Cut</a:t>
-            </a:r>
-          </a:p>
-          <a:p>
-            <a:r>
-              <a:rPr lang="en-US" b="1" dirty="0"/>
-              <a:t>QDMP</a:t>
-            </a:r>
-            <a:r>
-              <a:rPr lang="en-US" dirty="0"/>
-              <a:t>(IMWUT’20)[3]: Per layer latency is calculated by subtracting the maximum latency of all precursor layers from the total latency up to the current layer.</a:t>
-            </a:r>
-          </a:p>
-          <a:p>
-            <a:r>
-              <a:rPr lang="en-US" b="1" dirty="0"/>
-              <a:t>Auto-Split</a:t>
-            </a:r>
-            <a:r>
-              <a:rPr lang="en-US" dirty="0"/>
-              <a:t>(KDD’21 ADS Track)[4]: Graph Optimization(Layer folding, layer fusion)</a:t>
-            </a:r>
-          </a:p>
-          <a:p>
-            <a:pPr lvl="1"/>
-            <a:endParaRPr lang="en-US" dirty="0"/>
-          </a:p>
-        </p:txBody>
-      </p:sp>
-      <p:pic>
-        <p:nvPicPr>
-          <p:cNvPr id="11" name="Picture 10">
-            <a:extLst>
-              <a:ext uri="{FF2B5EF4-FFF2-40B4-BE49-F238E27FC236}">
-                <a16:creationId xmlns:a16="http://schemas.microsoft.com/office/drawing/2014/main" id="{CEBF5F02-34DF-C847-EDF9-38FFD97C4653}"/>
-              </a:ext>
-            </a:extLst>
-          </p:cNvPr>
-          <p:cNvPicPr>
-            <a:picLocks noChangeAspect="1"/>
-          </p:cNvPicPr>
-          <p:nvPr/>
-        </p:nvPicPr>
-        <p:blipFill>
-          <a:blip r:embed="rId4"/>
-          <a:stretch>
-            <a:fillRect/>
-          </a:stretch>
-        </p:blipFill>
-        <p:spPr>
-          <a:xfrm>
-            <a:off x="7414073" y="1790213"/>
-            <a:ext cx="4362077" cy="2855952"/>
+            <a:off x="5622484" y="1865009"/>
+            <a:ext cx="6237289" cy="2481666"/>
           </a:xfrm>
           <a:prstGeom prst="rect">
             <a:avLst/>
@@ -12139,7 +13354,7 @@
     </p:spTree>
     <p:extLst>
       <p:ext uri="{BB962C8B-B14F-4D97-AF65-F5344CB8AC3E}">
-        <p14:creationId xmlns:p14="http://schemas.microsoft.com/office/powerpoint/2010/main" val="108957251"/>
+        <p14:creationId xmlns:p14="http://schemas.microsoft.com/office/powerpoint/2010/main" val="4168742496"/>
       </p:ext>
     </p:extLst>
   </p:cSld>

--- a/micro-network-project.pptx
+++ b/micro-network-project.pptx
@@ -5,7 +5,7 @@
     <p:sldMasterId id="2147483648" r:id="rId1"/>
   </p:sldMasterIdLst>
   <p:notesMasterIdLst>
-    <p:notesMasterId r:id="rId22"/>
+    <p:notesMasterId r:id="rId23"/>
   </p:notesMasterIdLst>
   <p:sldIdLst>
     <p:sldId id="256" r:id="rId2"/>
@@ -25,9 +25,10 @@
     <p:sldId id="308" r:id="rId16"/>
     <p:sldId id="323" r:id="rId17"/>
     <p:sldId id="311" r:id="rId18"/>
-    <p:sldId id="301" r:id="rId19"/>
-    <p:sldId id="303" r:id="rId20"/>
-    <p:sldId id="302" r:id="rId21"/>
+    <p:sldId id="324" r:id="rId19"/>
+    <p:sldId id="301" r:id="rId20"/>
+    <p:sldId id="303" r:id="rId21"/>
+    <p:sldId id="302" r:id="rId22"/>
   </p:sldIdLst>
   <p:sldSz cx="12192000" cy="6858000"/>
   <p:notesSz cx="6858000" cy="9144000"/>
@@ -632,7 +633,7 @@
           <a:p>
             <a:fld id="{8040ADDC-8370-4EF6-9B0F-387196F75E7A}" type="slidenum">
               <a:rPr lang="en-US" smtClean="0"/>
-              <a:t>20</a:t>
+              <a:t>21</a:t>
             </a:fld>
             <a:endParaRPr lang="en-US"/>
           </a:p>
@@ -8764,13 +8765,8 @@
             <a:pPr lvl="1"/>
             <a:r>
               <a:rPr lang="en-US" dirty="0"/>
-              <a:t>After Dense Layers: </a:t>
-            </a:r>
-            <a:r>
-              <a:rPr lang="en-US"/>
-              <a:t>Small output</a:t>
-            </a:r>
-            <a:endParaRPr lang="en-US" dirty="0"/>
+              <a:t>After Dense Layers: Small output</a:t>
+            </a:r>
           </a:p>
         </p:txBody>
       </p:sp>
@@ -8832,8 +8828,8 @@
           </a:p>
         </p:txBody>
       </p:sp>
-      <mc:AlternateContent xmlns:mc="http://schemas.openxmlformats.org/markup-compatibility/2006" xmlns:a14="http://schemas.microsoft.com/office/drawing/2010/main">
-        <mc:Choice Requires="a14">
+      <mc:AlternateContent xmlns:mc="http://schemas.openxmlformats.org/markup-compatibility/2006">
+        <mc:Choice xmlns:a14="http://schemas.microsoft.com/office/drawing/2010/main" Requires="a14">
           <p:sp>
             <p:nvSpPr>
               <p:cNvPr id="3" name="Content Placeholder 2">
@@ -8858,7 +8854,7 @@
             </p:spPr>
             <p:txBody>
               <a:bodyPr>
-                <a:normAutofit fontScale="70000" lnSpcReduction="20000"/>
+                <a:normAutofit fontScale="85000" lnSpcReduction="10000"/>
               </a:bodyPr>
               <a:lstStyle/>
               <a:p>
@@ -9899,109 +9895,26 @@
                   <a:rPr lang="en-US" dirty="0"/>
                   <a:t>Or non-linear: </a:t>
                 </a:r>
+              </a:p>
+              <a:p>
                 <a:endParaRPr lang="en-US" b="0" i="1" dirty="0">
                   <a:latin typeface="Cambria Math" panose="02040503050406030204" pitchFamily="18" charset="0"/>
                 </a:endParaRPr>
               </a:p>
               <a:p>
-                <a:pPr lvl="1"/>
-                <a14:m>
-                  <m:oMath xmlns:m="http://schemas.openxmlformats.org/officeDocument/2006/math">
-                    <m:r>
-                      <a:rPr lang="en-US" b="0" i="1" smtClean="0">
-                        <a:latin typeface="Cambria Math" panose="02040503050406030204" pitchFamily="18" charset="0"/>
-                      </a:rPr>
-                      <m:t>𝐶𝑜𝑠𝑡</m:t>
-                    </m:r>
-                    <m:d>
-                      <m:dPr>
-                        <m:ctrlPr>
-                          <a:rPr lang="en-US" b="0" i="1" smtClean="0">
-                            <a:latin typeface="Cambria Math" panose="02040503050406030204" pitchFamily="18" charset="0"/>
-                          </a:rPr>
-                        </m:ctrlPr>
-                      </m:dPr>
-                      <m:e>
-                        <m:r>
-                          <a:rPr lang="en-US" b="0" i="1" smtClean="0">
-                            <a:latin typeface="Cambria Math" panose="02040503050406030204" pitchFamily="18" charset="0"/>
-                          </a:rPr>
-                          <m:t>𝑋</m:t>
-                        </m:r>
-                      </m:e>
-                    </m:d>
-                    <m:r>
-                      <a:rPr lang="en-US" b="0" i="1" smtClean="0">
-                        <a:latin typeface="Cambria Math" panose="02040503050406030204" pitchFamily="18" charset="0"/>
-                      </a:rPr>
-                      <m:t>=</m:t>
-                    </m:r>
-                    <m:r>
-                      <a:rPr lang="en-US" b="0" i="1" smtClean="0">
-                        <a:latin typeface="Cambria Math" panose="02040503050406030204" pitchFamily="18" charset="0"/>
-                      </a:rPr>
-                      <m:t>𝑓</m:t>
-                    </m:r>
-                    <m:r>
-                      <a:rPr lang="en-US" b="0" i="1" smtClean="0">
-                        <a:latin typeface="Cambria Math" panose="02040503050406030204" pitchFamily="18" charset="0"/>
-                      </a:rPr>
-                      <m:t>(</m:t>
-                    </m:r>
-                    <m:r>
-                      <a:rPr lang="en-US" b="0" i="1" smtClean="0">
-                        <a:latin typeface="Cambria Math" panose="02040503050406030204" pitchFamily="18" charset="0"/>
-                      </a:rPr>
-                      <m:t>𝐶</m:t>
-                    </m:r>
-                    <m:r>
-                      <a:rPr lang="en-US" b="0" i="1" smtClean="0">
-                        <a:latin typeface="Cambria Math" panose="02040503050406030204" pitchFamily="18" charset="0"/>
-                      </a:rPr>
-                      <m:t>,</m:t>
-                    </m:r>
-                    <m:r>
-                      <a:rPr lang="en-US" b="0" i="1" smtClean="0">
-                        <a:latin typeface="Cambria Math" panose="02040503050406030204" pitchFamily="18" charset="0"/>
-                      </a:rPr>
-                      <m:t>𝑇</m:t>
-                    </m:r>
-                    <m:r>
-                      <a:rPr lang="en-US" b="0" i="1" smtClean="0">
-                        <a:latin typeface="Cambria Math" panose="02040503050406030204" pitchFamily="18" charset="0"/>
-                      </a:rPr>
-                      <m:t>,</m:t>
-                    </m:r>
-                    <m:r>
-                      <a:rPr lang="en-US" b="0" i="1" smtClean="0">
-                        <a:latin typeface="Cambria Math" panose="02040503050406030204" pitchFamily="18" charset="0"/>
-                      </a:rPr>
-                      <m:t>𝐸</m:t>
-                    </m:r>
-                    <m:r>
-                      <a:rPr lang="en-US" b="0" i="1" smtClean="0">
-                        <a:latin typeface="Cambria Math" panose="02040503050406030204" pitchFamily="18" charset="0"/>
-                      </a:rPr>
-                      <m:t>)</m:t>
-                    </m:r>
-                  </m:oMath>
-                </a14:m>
-                <a:endParaRPr lang="en-US" dirty="0"/>
-              </a:p>
-              <a:p>
-                <a:r>
-                  <a:rPr lang="en-US" dirty="0">
-                    <a:solidFill>
-                      <a:srgbClr val="FF0000"/>
-                    </a:solidFill>
-                  </a:rPr>
-                  <a:t>How to find a cost function?</a:t>
-                </a:r>
+                <a:pPr marL="0" indent="0">
+                  <a:buNone/>
+                </a:pPr>
+                <a:endParaRPr lang="en-US" dirty="0">
+                  <a:solidFill>
+                    <a:srgbClr val="FF0000"/>
+                  </a:solidFill>
+                </a:endParaRPr>
               </a:p>
             </p:txBody>
           </p:sp>
         </mc:Choice>
-        <mc:Fallback xmlns="">
+        <mc:Fallback>
           <p:sp>
             <p:nvSpPr>
               <p:cNvPr id="3" name="Content Placeholder 2">
@@ -10026,7 +9939,7 @@
               <a:blipFill>
                 <a:blip r:embed="rId3"/>
                 <a:stretch>
-                  <a:fillRect l="-843" t="-3081"/>
+                  <a:fillRect l="-1237" t="-3501" b="-560"/>
                 </a:stretch>
               </a:blipFill>
             </p:spPr>
@@ -10045,6 +9958,36 @@
           </p:sp>
         </mc:Fallback>
       </mc:AlternateContent>
+      <p:pic>
+        <p:nvPicPr>
+          <p:cNvPr id="5" name="Picture 4">
+            <a:extLst>
+              <a:ext uri="{FF2B5EF4-FFF2-40B4-BE49-F238E27FC236}">
+                <a16:creationId xmlns:a16="http://schemas.microsoft.com/office/drawing/2014/main" id="{9C60CABE-D692-630D-D515-E04FD31B8E45}"/>
+              </a:ext>
+            </a:extLst>
+          </p:cNvPr>
+          <p:cNvPicPr>
+            <a:picLocks noChangeAspect="1"/>
+          </p:cNvPicPr>
+          <p:nvPr/>
+        </p:nvPicPr>
+        <p:blipFill>
+          <a:blip r:embed="rId4"/>
+          <a:stretch>
+            <a:fillRect/>
+          </a:stretch>
+        </p:blipFill>
+        <p:spPr>
+          <a:xfrm>
+            <a:off x="3145871" y="5540075"/>
+            <a:ext cx="4017758" cy="584536"/>
+          </a:xfrm>
+          <a:prstGeom prst="rect">
+            <a:avLst/>
+          </a:prstGeom>
+        </p:spPr>
+      </p:pic>
     </p:spTree>
     <p:extLst>
       <p:ext uri="{BB962C8B-B14F-4D97-AF65-F5344CB8AC3E}">
@@ -10059,6 +10002,110 @@
 </file>
 
 <file path=ppt/slides/slide18.xml><?xml version="1.0" encoding="utf-8"?>
+<p:sld xmlns:a="http://schemas.openxmlformats.org/drawingml/2006/main" xmlns:r="http://schemas.openxmlformats.org/officeDocument/2006/relationships" xmlns:p="http://schemas.openxmlformats.org/presentationml/2006/main">
+  <p:cSld>
+    <p:spTree>
+      <p:nvGrpSpPr>
+        <p:cNvPr id="1" name=""/>
+        <p:cNvGrpSpPr/>
+        <p:nvPr/>
+      </p:nvGrpSpPr>
+      <p:grpSpPr>
+        <a:xfrm>
+          <a:off x="0" y="0"/>
+          <a:ext cx="0" cy="0"/>
+          <a:chOff x="0" y="0"/>
+          <a:chExt cx="0" cy="0"/>
+        </a:xfrm>
+      </p:grpSpPr>
+      <p:sp>
+        <p:nvSpPr>
+          <p:cNvPr id="2" name="Title 1">
+            <a:extLst>
+              <a:ext uri="{FF2B5EF4-FFF2-40B4-BE49-F238E27FC236}">
+                <a16:creationId xmlns:a16="http://schemas.microsoft.com/office/drawing/2014/main" id="{82CB0502-74B3-07B4-4F5F-13072F96B26A}"/>
+              </a:ext>
+            </a:extLst>
+          </p:cNvPr>
+          <p:cNvSpPr>
+            <a:spLocks noGrp="1"/>
+          </p:cNvSpPr>
+          <p:nvPr>
+            <p:ph type="title"/>
+          </p:nvPr>
+        </p:nvSpPr>
+        <p:spPr/>
+        <p:txBody>
+          <a:bodyPr/>
+          <a:lstStyle/>
+          <a:p>
+            <a:r>
+              <a:rPr lang="en-US" dirty="0"/>
+              <a:t>MILP</a:t>
+            </a:r>
+          </a:p>
+        </p:txBody>
+      </p:sp>
+      <p:sp>
+        <p:nvSpPr>
+          <p:cNvPr id="3" name="Content Placeholder 2">
+            <a:extLst>
+              <a:ext uri="{FF2B5EF4-FFF2-40B4-BE49-F238E27FC236}">
+                <a16:creationId xmlns:a16="http://schemas.microsoft.com/office/drawing/2014/main" id="{4A53B8AF-5CCE-BA61-00FF-7FF4F05B6F21}"/>
+              </a:ext>
+            </a:extLst>
+          </p:cNvPr>
+          <p:cNvSpPr>
+            <a:spLocks noGrp="1"/>
+          </p:cNvSpPr>
+          <p:nvPr>
+            <p:ph idx="1"/>
+          </p:nvPr>
+        </p:nvSpPr>
+        <p:spPr/>
+        <p:txBody>
+          <a:bodyPr/>
+          <a:lstStyle/>
+          <a:p>
+            <a:r>
+              <a:rPr lang="en-US" dirty="0"/>
+              <a:t>Binary Assignment Variables</a:t>
+            </a:r>
+          </a:p>
+          <a:p>
+            <a:r>
+              <a:rPr lang="en-US" dirty="0"/>
+              <a:t>Energy Variables</a:t>
+            </a:r>
+          </a:p>
+          <a:p>
+            <a:r>
+              <a:rPr lang="en-US" dirty="0"/>
+              <a:t>Time Variables</a:t>
+            </a:r>
+          </a:p>
+          <a:p>
+            <a:r>
+              <a:rPr lang="en-US" dirty="0"/>
+              <a:t>Objective function</a:t>
+            </a:r>
+          </a:p>
+        </p:txBody>
+      </p:sp>
+    </p:spTree>
+    <p:extLst>
+      <p:ext uri="{BB962C8B-B14F-4D97-AF65-F5344CB8AC3E}">
+        <p14:creationId xmlns:p14="http://schemas.microsoft.com/office/powerpoint/2010/main" val="2356480580"/>
+      </p:ext>
+    </p:extLst>
+  </p:cSld>
+  <p:clrMapOvr>
+    <a:masterClrMapping/>
+  </p:clrMapOvr>
+</p:sld>
+</file>
+
+<file path=ppt/slides/slide19.xml><?xml version="1.0" encoding="utf-8"?>
 <p:sld xmlns:a="http://schemas.openxmlformats.org/drawingml/2006/main" xmlns:r="http://schemas.openxmlformats.org/officeDocument/2006/relationships" xmlns:p="http://schemas.openxmlformats.org/presentationml/2006/main">
   <p:cSld>
     <p:spTree>
@@ -10341,7 +10388,126 @@
 </p:sld>
 </file>
 
-<file path=ppt/slides/slide19.xml><?xml version="1.0" encoding="utf-8"?>
+<file path=ppt/slides/slide2.xml><?xml version="1.0" encoding="utf-8"?>
+<p:sld xmlns:a="http://schemas.openxmlformats.org/drawingml/2006/main" xmlns:r="http://schemas.openxmlformats.org/officeDocument/2006/relationships" xmlns:p="http://schemas.openxmlformats.org/presentationml/2006/main">
+  <p:cSld>
+    <p:spTree>
+      <p:nvGrpSpPr>
+        <p:cNvPr id="1" name=""/>
+        <p:cNvGrpSpPr/>
+        <p:nvPr/>
+      </p:nvGrpSpPr>
+      <p:grpSpPr>
+        <a:xfrm>
+          <a:off x="0" y="0"/>
+          <a:ext cx="0" cy="0"/>
+          <a:chOff x="0" y="0"/>
+          <a:chExt cx="0" cy="0"/>
+        </a:xfrm>
+      </p:grpSpPr>
+      <p:sp>
+        <p:nvSpPr>
+          <p:cNvPr id="2" name="Title 1">
+            <a:extLst>
+              <a:ext uri="{FF2B5EF4-FFF2-40B4-BE49-F238E27FC236}">
+                <a16:creationId xmlns:a16="http://schemas.microsoft.com/office/drawing/2014/main" id="{C1D03BCF-BA60-7C37-10CB-D1996BA7C2BD}"/>
+              </a:ext>
+            </a:extLst>
+          </p:cNvPr>
+          <p:cNvSpPr>
+            <a:spLocks noGrp="1"/>
+          </p:cNvSpPr>
+          <p:nvPr>
+            <p:ph type="title"/>
+          </p:nvPr>
+        </p:nvSpPr>
+        <p:spPr/>
+        <p:txBody>
+          <a:bodyPr/>
+          <a:lstStyle/>
+          <a:p>
+            <a:r>
+              <a:rPr lang="en-US" dirty="0"/>
+              <a:t>Outline</a:t>
+            </a:r>
+          </a:p>
+        </p:txBody>
+      </p:sp>
+      <p:sp>
+        <p:nvSpPr>
+          <p:cNvPr id="3" name="Content Placeholder 2">
+            <a:extLst>
+              <a:ext uri="{FF2B5EF4-FFF2-40B4-BE49-F238E27FC236}">
+                <a16:creationId xmlns:a16="http://schemas.microsoft.com/office/drawing/2014/main" id="{2665BBC9-AAC2-9216-3CF3-ED005F196520}"/>
+              </a:ext>
+            </a:extLst>
+          </p:cNvPr>
+          <p:cNvSpPr>
+            <a:spLocks noGrp="1"/>
+          </p:cNvSpPr>
+          <p:nvPr>
+            <p:ph idx="1"/>
+          </p:nvPr>
+        </p:nvSpPr>
+        <p:spPr/>
+        <p:txBody>
+          <a:bodyPr/>
+          <a:lstStyle/>
+          <a:p>
+            <a:r>
+              <a:rPr lang="en-US" dirty="0"/>
+              <a:t>1. Overview </a:t>
+            </a:r>
+          </a:p>
+          <a:p>
+            <a:r>
+              <a:rPr lang="en-US" dirty="0"/>
+              <a:t>2. System Design and Pipeline </a:t>
+            </a:r>
+          </a:p>
+          <a:p>
+            <a:r>
+              <a:rPr lang="en-US" dirty="0"/>
+              <a:t>3. Existing Works</a:t>
+            </a:r>
+          </a:p>
+          <a:p>
+            <a:r>
+              <a:rPr lang="en-US" dirty="0"/>
+              <a:t>4. Inference Performance Predictor</a:t>
+            </a:r>
+          </a:p>
+          <a:p>
+            <a:r>
+              <a:rPr lang="en-US" dirty="0"/>
+              <a:t>5. Insights</a:t>
+            </a:r>
+          </a:p>
+          <a:p>
+            <a:r>
+              <a:rPr lang="en-US" dirty="0"/>
+              <a:t>6. Search</a:t>
+            </a:r>
+          </a:p>
+          <a:p>
+            <a:endParaRPr lang="en-US" dirty="0"/>
+          </a:p>
+        </p:txBody>
+      </p:sp>
+    </p:spTree>
+    <p:extLst>
+      <p:ext uri="{BB962C8B-B14F-4D97-AF65-F5344CB8AC3E}">
+        <p14:creationId xmlns:p14="http://schemas.microsoft.com/office/powerpoint/2010/main" val="1827088438"/>
+      </p:ext>
+    </p:extLst>
+  </p:cSld>
+  <p:clrMapOvr>
+    <a:masterClrMapping/>
+  </p:clrMapOvr>
+</p:sld>
+</file>
+
+<file path=ppt/slides/slide20.xml><?xml version="1.0" encoding="utf-8"?>
 <p:sld xmlns:a="http://schemas.openxmlformats.org/drawingml/2006/main" xmlns:r="http://schemas.openxmlformats.org/officeDocument/2006/relationships" xmlns:p="http://schemas.openxmlformats.org/presentationml/2006/main">
   <p:cSld>
     <p:spTree>
@@ -10588,126 +10754,7 @@
 </p:sld>
 </file>
 
-<file path=ppt/slides/slide2.xml><?xml version="1.0" encoding="utf-8"?>
-<p:sld xmlns:a="http://schemas.openxmlformats.org/drawingml/2006/main" xmlns:r="http://schemas.openxmlformats.org/officeDocument/2006/relationships" xmlns:p="http://schemas.openxmlformats.org/presentationml/2006/main">
-  <p:cSld>
-    <p:spTree>
-      <p:nvGrpSpPr>
-        <p:cNvPr id="1" name=""/>
-        <p:cNvGrpSpPr/>
-        <p:nvPr/>
-      </p:nvGrpSpPr>
-      <p:grpSpPr>
-        <a:xfrm>
-          <a:off x="0" y="0"/>
-          <a:ext cx="0" cy="0"/>
-          <a:chOff x="0" y="0"/>
-          <a:chExt cx="0" cy="0"/>
-        </a:xfrm>
-      </p:grpSpPr>
-      <p:sp>
-        <p:nvSpPr>
-          <p:cNvPr id="2" name="Title 1">
-            <a:extLst>
-              <a:ext uri="{FF2B5EF4-FFF2-40B4-BE49-F238E27FC236}">
-                <a16:creationId xmlns:a16="http://schemas.microsoft.com/office/drawing/2014/main" id="{C1D03BCF-BA60-7C37-10CB-D1996BA7C2BD}"/>
-              </a:ext>
-            </a:extLst>
-          </p:cNvPr>
-          <p:cNvSpPr>
-            <a:spLocks noGrp="1"/>
-          </p:cNvSpPr>
-          <p:nvPr>
-            <p:ph type="title"/>
-          </p:nvPr>
-        </p:nvSpPr>
-        <p:spPr/>
-        <p:txBody>
-          <a:bodyPr/>
-          <a:lstStyle/>
-          <a:p>
-            <a:r>
-              <a:rPr lang="en-US" dirty="0"/>
-              <a:t>Outline</a:t>
-            </a:r>
-          </a:p>
-        </p:txBody>
-      </p:sp>
-      <p:sp>
-        <p:nvSpPr>
-          <p:cNvPr id="3" name="Content Placeholder 2">
-            <a:extLst>
-              <a:ext uri="{FF2B5EF4-FFF2-40B4-BE49-F238E27FC236}">
-                <a16:creationId xmlns:a16="http://schemas.microsoft.com/office/drawing/2014/main" id="{2665BBC9-AAC2-9216-3CF3-ED005F196520}"/>
-              </a:ext>
-            </a:extLst>
-          </p:cNvPr>
-          <p:cNvSpPr>
-            <a:spLocks noGrp="1"/>
-          </p:cNvSpPr>
-          <p:nvPr>
-            <p:ph idx="1"/>
-          </p:nvPr>
-        </p:nvSpPr>
-        <p:spPr/>
-        <p:txBody>
-          <a:bodyPr/>
-          <a:lstStyle/>
-          <a:p>
-            <a:r>
-              <a:rPr lang="en-US" dirty="0"/>
-              <a:t>1. Overview </a:t>
-            </a:r>
-          </a:p>
-          <a:p>
-            <a:r>
-              <a:rPr lang="en-US" dirty="0"/>
-              <a:t>2. System Design and Pipeline </a:t>
-            </a:r>
-          </a:p>
-          <a:p>
-            <a:r>
-              <a:rPr lang="en-US" dirty="0"/>
-              <a:t>3. Existing Works</a:t>
-            </a:r>
-          </a:p>
-          <a:p>
-            <a:r>
-              <a:rPr lang="en-US" dirty="0"/>
-              <a:t>4. Inference Performance Predictor</a:t>
-            </a:r>
-          </a:p>
-          <a:p>
-            <a:r>
-              <a:rPr lang="en-US" dirty="0"/>
-              <a:t>5. Insights</a:t>
-            </a:r>
-          </a:p>
-          <a:p>
-            <a:r>
-              <a:rPr lang="en-US" dirty="0"/>
-              <a:t>6. Search</a:t>
-            </a:r>
-          </a:p>
-          <a:p>
-            <a:endParaRPr lang="en-US" dirty="0"/>
-          </a:p>
-        </p:txBody>
-      </p:sp>
-    </p:spTree>
-    <p:extLst>
-      <p:ext uri="{BB962C8B-B14F-4D97-AF65-F5344CB8AC3E}">
-        <p14:creationId xmlns:p14="http://schemas.microsoft.com/office/powerpoint/2010/main" val="1827088438"/>
-      </p:ext>
-    </p:extLst>
-  </p:cSld>
-  <p:clrMapOvr>
-    <a:masterClrMapping/>
-  </p:clrMapOvr>
-</p:sld>
-</file>
-
-<file path=ppt/slides/slide20.xml><?xml version="1.0" encoding="utf-8"?>
+<file path=ppt/slides/slide21.xml><?xml version="1.0" encoding="utf-8"?>
 <p:sld xmlns:a="http://schemas.openxmlformats.org/drawingml/2006/main" xmlns:r="http://schemas.openxmlformats.org/officeDocument/2006/relationships" xmlns:p="http://schemas.openxmlformats.org/presentationml/2006/main">
   <p:cSld>
     <p:spTree>

--- a/micro-network-project.pptx
+++ b/micro-network-project.pptx
@@ -5,7 +5,7 @@
     <p:sldMasterId id="2147483648" r:id="rId1"/>
   </p:sldMasterIdLst>
   <p:notesMasterIdLst>
-    <p:notesMasterId r:id="rId23"/>
+    <p:notesMasterId r:id="rId28"/>
   </p:notesMasterIdLst>
   <p:sldIdLst>
     <p:sldId id="256" r:id="rId2"/>
@@ -28,7 +28,12 @@
     <p:sldId id="324" r:id="rId19"/>
     <p:sldId id="301" r:id="rId20"/>
     <p:sldId id="303" r:id="rId21"/>
-    <p:sldId id="302" r:id="rId22"/>
+    <p:sldId id="325" r:id="rId22"/>
+    <p:sldId id="326" r:id="rId23"/>
+    <p:sldId id="327" r:id="rId24"/>
+    <p:sldId id="302" r:id="rId25"/>
+    <p:sldId id="328" r:id="rId26"/>
+    <p:sldId id="329" r:id="rId27"/>
   </p:sldIdLst>
   <p:sldSz cx="12192000" cy="6858000"/>
   <p:notesSz cx="6858000" cy="9144000"/>
@@ -217,7 +222,7 @@
           <a:p>
             <a:fld id="{555D5C1C-6798-4FBE-88F4-FFD1BF4E1875}" type="datetimeFigureOut">
               <a:rPr lang="en-US" smtClean="0"/>
-              <a:t>8/25/2024</a:t>
+              <a:t>8/28/2024</a:t>
             </a:fld>
             <a:endParaRPr lang="en-US"/>
           </a:p>
@@ -633,7 +638,7 @@
           <a:p>
             <a:fld id="{8040ADDC-8370-4EF6-9B0F-387196F75E7A}" type="slidenum">
               <a:rPr lang="en-US" smtClean="0"/>
-              <a:t>21</a:t>
+              <a:t>24</a:t>
             </a:fld>
             <a:endParaRPr lang="en-US"/>
           </a:p>
@@ -4284,7 +4289,7 @@
           <a:p>
             <a:fld id="{CA099234-8B86-476D-9D9B-8192FE9AA948}" type="datetimeFigureOut">
               <a:rPr lang="en-US" smtClean="0"/>
-              <a:t>8/25/2024</a:t>
+              <a:t>8/28/2024</a:t>
             </a:fld>
             <a:endParaRPr lang="en-US"/>
           </a:p>
@@ -4482,7 +4487,7 @@
           <a:p>
             <a:fld id="{CA099234-8B86-476D-9D9B-8192FE9AA948}" type="datetimeFigureOut">
               <a:rPr lang="en-US" smtClean="0"/>
-              <a:t>8/25/2024</a:t>
+              <a:t>8/28/2024</a:t>
             </a:fld>
             <a:endParaRPr lang="en-US"/>
           </a:p>
@@ -4690,7 +4695,7 @@
           <a:p>
             <a:fld id="{CA099234-8B86-476D-9D9B-8192FE9AA948}" type="datetimeFigureOut">
               <a:rPr lang="en-US" smtClean="0"/>
-              <a:t>8/25/2024</a:t>
+              <a:t>8/28/2024</a:t>
             </a:fld>
             <a:endParaRPr lang="en-US"/>
           </a:p>
@@ -4888,7 +4893,7 @@
           <a:p>
             <a:fld id="{CA099234-8B86-476D-9D9B-8192FE9AA948}" type="datetimeFigureOut">
               <a:rPr lang="en-US" smtClean="0"/>
-              <a:t>8/25/2024</a:t>
+              <a:t>8/28/2024</a:t>
             </a:fld>
             <a:endParaRPr lang="en-US"/>
           </a:p>
@@ -5163,7 +5168,7 @@
           <a:p>
             <a:fld id="{CA099234-8B86-476D-9D9B-8192FE9AA948}" type="datetimeFigureOut">
               <a:rPr lang="en-US" smtClean="0"/>
-              <a:t>8/25/2024</a:t>
+              <a:t>8/28/2024</a:t>
             </a:fld>
             <a:endParaRPr lang="en-US"/>
           </a:p>
@@ -5428,7 +5433,7 @@
           <a:p>
             <a:fld id="{CA099234-8B86-476D-9D9B-8192FE9AA948}" type="datetimeFigureOut">
               <a:rPr lang="en-US" smtClean="0"/>
-              <a:t>8/25/2024</a:t>
+              <a:t>8/28/2024</a:t>
             </a:fld>
             <a:endParaRPr lang="en-US"/>
           </a:p>
@@ -5840,7 +5845,7 @@
           <a:p>
             <a:fld id="{CA099234-8B86-476D-9D9B-8192FE9AA948}" type="datetimeFigureOut">
               <a:rPr lang="en-US" smtClean="0"/>
-              <a:t>8/25/2024</a:t>
+              <a:t>8/28/2024</a:t>
             </a:fld>
             <a:endParaRPr lang="en-US"/>
           </a:p>
@@ -5981,7 +5986,7 @@
           <a:p>
             <a:fld id="{CA099234-8B86-476D-9D9B-8192FE9AA948}" type="datetimeFigureOut">
               <a:rPr lang="en-US" smtClean="0"/>
-              <a:t>8/25/2024</a:t>
+              <a:t>8/28/2024</a:t>
             </a:fld>
             <a:endParaRPr lang="en-US"/>
           </a:p>
@@ -6094,7 +6099,7 @@
           <a:p>
             <a:fld id="{CA099234-8B86-476D-9D9B-8192FE9AA948}" type="datetimeFigureOut">
               <a:rPr lang="en-US" smtClean="0"/>
-              <a:t>8/25/2024</a:t>
+              <a:t>8/28/2024</a:t>
             </a:fld>
             <a:endParaRPr lang="en-US"/>
           </a:p>
@@ -6405,7 +6410,7 @@
           <a:p>
             <a:fld id="{CA099234-8B86-476D-9D9B-8192FE9AA948}" type="datetimeFigureOut">
               <a:rPr lang="en-US" smtClean="0"/>
-              <a:t>8/25/2024</a:t>
+              <a:t>8/28/2024</a:t>
             </a:fld>
             <a:endParaRPr lang="en-US"/>
           </a:p>
@@ -6693,7 +6698,7 @@
           <a:p>
             <a:fld id="{CA099234-8B86-476D-9D9B-8192FE9AA948}" type="datetimeFigureOut">
               <a:rPr lang="en-US" smtClean="0"/>
-              <a:t>8/25/2024</a:t>
+              <a:t>8/28/2024</a:t>
             </a:fld>
             <a:endParaRPr lang="en-US"/>
           </a:p>
@@ -6934,7 +6939,7 @@
           <a:p>
             <a:fld id="{CA099234-8B86-476D-9D9B-8192FE9AA948}" type="datetimeFigureOut">
               <a:rPr lang="en-US" smtClean="0"/>
-              <a:t>8/25/2024</a:t>
+              <a:t>8/28/2024</a:t>
             </a:fld>
             <a:endParaRPr lang="en-US"/>
           </a:p>
@@ -8828,8 +8833,8 @@
           </a:p>
         </p:txBody>
       </p:sp>
-      <mc:AlternateContent xmlns:mc="http://schemas.openxmlformats.org/markup-compatibility/2006">
-        <mc:Choice xmlns:a14="http://schemas.microsoft.com/office/drawing/2010/main" Requires="a14">
+      <mc:AlternateContent xmlns:mc="http://schemas.openxmlformats.org/markup-compatibility/2006" xmlns:a14="http://schemas.microsoft.com/office/drawing/2010/main">
+        <mc:Choice Requires="a14">
           <p:sp>
             <p:nvSpPr>
               <p:cNvPr id="3" name="Content Placeholder 2">
@@ -9914,7 +9919,7 @@
             </p:txBody>
           </p:sp>
         </mc:Choice>
-        <mc:Fallback>
+        <mc:Fallback xmlns="">
           <p:sp>
             <p:nvSpPr>
               <p:cNvPr id="3" name="Content Placeholder 2">
@@ -10776,6 +10781,359 @@
           <p:cNvPr id="2" name="Title 1">
             <a:extLst>
               <a:ext uri="{FF2B5EF4-FFF2-40B4-BE49-F238E27FC236}">
+                <a16:creationId xmlns:a16="http://schemas.microsoft.com/office/drawing/2014/main" id="{7564EC0C-26A2-8922-325F-A603604B28F0}"/>
+              </a:ext>
+            </a:extLst>
+          </p:cNvPr>
+          <p:cNvSpPr>
+            <a:spLocks noGrp="1"/>
+          </p:cNvSpPr>
+          <p:nvPr>
+            <p:ph type="title"/>
+          </p:nvPr>
+        </p:nvSpPr>
+        <p:spPr/>
+        <p:txBody>
+          <a:bodyPr/>
+          <a:lstStyle/>
+          <a:p>
+            <a:endParaRPr lang="en-US" dirty="0"/>
+          </a:p>
+        </p:txBody>
+      </p:sp>
+      <p:sp>
+        <p:nvSpPr>
+          <p:cNvPr id="3" name="Content Placeholder 2">
+            <a:extLst>
+              <a:ext uri="{FF2B5EF4-FFF2-40B4-BE49-F238E27FC236}">
+                <a16:creationId xmlns:a16="http://schemas.microsoft.com/office/drawing/2014/main" id="{B26AB9AA-0904-472D-B8DE-646BA2C9CC09}"/>
+              </a:ext>
+            </a:extLst>
+          </p:cNvPr>
+          <p:cNvSpPr>
+            <a:spLocks noGrp="1"/>
+          </p:cNvSpPr>
+          <p:nvPr>
+            <p:ph idx="1"/>
+          </p:nvPr>
+        </p:nvSpPr>
+        <p:spPr/>
+        <p:txBody>
+          <a:bodyPr/>
+          <a:lstStyle/>
+          <a:p>
+            <a:r>
+              <a:rPr lang="en-US" dirty="0"/>
+              <a:t>Multiple partitioning solutions</a:t>
+            </a:r>
+          </a:p>
+          <a:p>
+            <a:pPr lvl="1"/>
+            <a:r>
+              <a:rPr lang="en-US" dirty="0"/>
+              <a:t>P</a:t>
+            </a:r>
+            <a:r>
+              <a:rPr lang="en-US" altLang="zh-CN" dirty="0"/>
+              <a:t>re-compute Multiple Solutions</a:t>
+            </a:r>
+          </a:p>
+          <a:p>
+            <a:pPr lvl="1"/>
+            <a:r>
+              <a:rPr lang="en-US" altLang="zh-CN" dirty="0"/>
+              <a:t>Store locally</a:t>
+            </a:r>
+          </a:p>
+          <a:p>
+            <a:pPr lvl="2"/>
+            <a:r>
+              <a:rPr lang="en-US" altLang="zh-CN" dirty="0"/>
+              <a:t>To handle with node failures or dynamic changes</a:t>
+            </a:r>
+          </a:p>
+          <a:p>
+            <a:r>
+              <a:rPr lang="en-US" altLang="zh-CN" dirty="0"/>
+              <a:t>Redundancy through</a:t>
+            </a:r>
+          </a:p>
+          <a:p>
+            <a:pPr lvl="1"/>
+            <a:r>
+              <a:rPr lang="en-US" altLang="zh-CN" dirty="0"/>
+              <a:t>Store extra layers</a:t>
+            </a:r>
+          </a:p>
+          <a:p>
+            <a:pPr lvl="1"/>
+            <a:r>
+              <a:rPr lang="en-US" altLang="zh-CN" dirty="0"/>
+              <a:t>Predefined backup paths</a:t>
+            </a:r>
+          </a:p>
+          <a:p>
+            <a:pPr lvl="1"/>
+            <a:r>
+              <a:rPr lang="en-US" altLang="zh-CN" dirty="0"/>
+              <a:t>Dynamic Reassignment</a:t>
+            </a:r>
+          </a:p>
+        </p:txBody>
+      </p:sp>
+    </p:spTree>
+    <p:extLst>
+      <p:ext uri="{BB962C8B-B14F-4D97-AF65-F5344CB8AC3E}">
+        <p14:creationId xmlns:p14="http://schemas.microsoft.com/office/powerpoint/2010/main" val="1687086480"/>
+      </p:ext>
+    </p:extLst>
+  </p:cSld>
+  <p:clrMapOvr>
+    <a:masterClrMapping/>
+  </p:clrMapOvr>
+</p:sld>
+</file>
+
+<file path=ppt/slides/slide22.xml><?xml version="1.0" encoding="utf-8"?>
+<p:sld xmlns:a="http://schemas.openxmlformats.org/drawingml/2006/main" xmlns:r="http://schemas.openxmlformats.org/officeDocument/2006/relationships" xmlns:p="http://schemas.openxmlformats.org/presentationml/2006/main">
+  <p:cSld>
+    <p:spTree>
+      <p:nvGrpSpPr>
+        <p:cNvPr id="1" name=""/>
+        <p:cNvGrpSpPr/>
+        <p:nvPr/>
+      </p:nvGrpSpPr>
+      <p:grpSpPr>
+        <a:xfrm>
+          <a:off x="0" y="0"/>
+          <a:ext cx="0" cy="0"/>
+          <a:chOff x="0" y="0"/>
+          <a:chExt cx="0" cy="0"/>
+        </a:xfrm>
+      </p:grpSpPr>
+      <p:sp>
+        <p:nvSpPr>
+          <p:cNvPr id="2" name="Title 1">
+            <a:extLst>
+              <a:ext uri="{FF2B5EF4-FFF2-40B4-BE49-F238E27FC236}">
+                <a16:creationId xmlns:a16="http://schemas.microsoft.com/office/drawing/2014/main" id="{5D4D4EF2-B0C6-9F52-B0D2-6C7C80B66581}"/>
+              </a:ext>
+            </a:extLst>
+          </p:cNvPr>
+          <p:cNvSpPr>
+            <a:spLocks noGrp="1"/>
+          </p:cNvSpPr>
+          <p:nvPr>
+            <p:ph type="title"/>
+          </p:nvPr>
+        </p:nvSpPr>
+        <p:spPr/>
+        <p:txBody>
+          <a:bodyPr/>
+          <a:lstStyle/>
+          <a:p>
+            <a:r>
+              <a:rPr lang="en-US" dirty="0"/>
+              <a:t>Local scheduler</a:t>
+            </a:r>
+          </a:p>
+        </p:txBody>
+      </p:sp>
+      <p:sp>
+        <p:nvSpPr>
+          <p:cNvPr id="3" name="Content Placeholder 2">
+            <a:extLst>
+              <a:ext uri="{FF2B5EF4-FFF2-40B4-BE49-F238E27FC236}">
+                <a16:creationId xmlns:a16="http://schemas.microsoft.com/office/drawing/2014/main" id="{695E6A61-6A12-DA82-9FFC-5B108D8A2AD6}"/>
+              </a:ext>
+            </a:extLst>
+          </p:cNvPr>
+          <p:cNvSpPr>
+            <a:spLocks noGrp="1"/>
+          </p:cNvSpPr>
+          <p:nvPr>
+            <p:ph idx="1"/>
+          </p:nvPr>
+        </p:nvSpPr>
+        <p:spPr/>
+        <p:txBody>
+          <a:bodyPr/>
+          <a:lstStyle/>
+          <a:p>
+            <a:r>
+              <a:rPr lang="en-US" dirty="0"/>
+              <a:t>Monitor Task Execution: </a:t>
+            </a:r>
+          </a:p>
+          <a:p>
+            <a:pPr lvl="1"/>
+            <a:r>
+              <a:rPr lang="en-US" dirty="0"/>
+              <a:t>Ensure that inference tasks are proceeding as expected.</a:t>
+            </a:r>
+          </a:p>
+          <a:p>
+            <a:r>
+              <a:rPr lang="en-US" dirty="0"/>
+              <a:t>Monitor Task Queue: </a:t>
+            </a:r>
+          </a:p>
+          <a:p>
+            <a:pPr lvl="1"/>
+            <a:r>
+              <a:rPr lang="en-US" dirty="0"/>
+              <a:t>ensure that tasks are processed in order of priority.</a:t>
+            </a:r>
+          </a:p>
+          <a:p>
+            <a:r>
+              <a:rPr lang="en-US" dirty="0"/>
+              <a:t>S</a:t>
+            </a:r>
+            <a:r>
+              <a:rPr lang="en-US" altLang="zh-CN" dirty="0"/>
+              <a:t>ync?</a:t>
+            </a:r>
+          </a:p>
+          <a:p>
+            <a:r>
+              <a:rPr lang="en-US" dirty="0"/>
+              <a:t>Handle Timeouts/Failures:</a:t>
+            </a:r>
+          </a:p>
+          <a:p>
+            <a:pPr lvl="1"/>
+            <a:r>
+              <a:rPr lang="en-US" dirty="0"/>
+              <a:t>Detect if tasks fail to execute within expected timeframes</a:t>
+            </a:r>
+          </a:p>
+          <a:p>
+            <a:endParaRPr lang="en-US" dirty="0"/>
+          </a:p>
+        </p:txBody>
+      </p:sp>
+    </p:spTree>
+    <p:extLst>
+      <p:ext uri="{BB962C8B-B14F-4D97-AF65-F5344CB8AC3E}">
+        <p14:creationId xmlns:p14="http://schemas.microsoft.com/office/powerpoint/2010/main" val="3265744779"/>
+      </p:ext>
+    </p:extLst>
+  </p:cSld>
+  <p:clrMapOvr>
+    <a:masterClrMapping/>
+  </p:clrMapOvr>
+</p:sld>
+</file>
+
+<file path=ppt/slides/slide23.xml><?xml version="1.0" encoding="utf-8"?>
+<p:sld xmlns:a="http://schemas.openxmlformats.org/drawingml/2006/main" xmlns:r="http://schemas.openxmlformats.org/officeDocument/2006/relationships" xmlns:p="http://schemas.openxmlformats.org/presentationml/2006/main">
+  <p:cSld>
+    <p:spTree>
+      <p:nvGrpSpPr>
+        <p:cNvPr id="1" name=""/>
+        <p:cNvGrpSpPr/>
+        <p:nvPr/>
+      </p:nvGrpSpPr>
+      <p:grpSpPr>
+        <a:xfrm>
+          <a:off x="0" y="0"/>
+          <a:ext cx="0" cy="0"/>
+          <a:chOff x="0" y="0"/>
+          <a:chExt cx="0" cy="0"/>
+        </a:xfrm>
+      </p:grpSpPr>
+      <p:sp>
+        <p:nvSpPr>
+          <p:cNvPr id="2" name="Title 1">
+            <a:extLst>
+              <a:ext uri="{FF2B5EF4-FFF2-40B4-BE49-F238E27FC236}">
+                <a16:creationId xmlns:a16="http://schemas.microsoft.com/office/drawing/2014/main" id="{818CA557-4C4A-E61E-5D93-201AF6CADA06}"/>
+              </a:ext>
+            </a:extLst>
+          </p:cNvPr>
+          <p:cNvSpPr>
+            <a:spLocks noGrp="1"/>
+          </p:cNvSpPr>
+          <p:nvPr>
+            <p:ph type="title"/>
+          </p:nvPr>
+        </p:nvSpPr>
+        <p:spPr/>
+        <p:txBody>
+          <a:bodyPr/>
+          <a:lstStyle/>
+          <a:p>
+            <a:r>
+              <a:rPr lang="en-US" dirty="0"/>
+              <a:t>Local Scheduler Pipeline</a:t>
+            </a:r>
+          </a:p>
+        </p:txBody>
+      </p:sp>
+      <p:sp>
+        <p:nvSpPr>
+          <p:cNvPr id="3" name="Content Placeholder 2">
+            <a:extLst>
+              <a:ext uri="{FF2B5EF4-FFF2-40B4-BE49-F238E27FC236}">
+                <a16:creationId xmlns:a16="http://schemas.microsoft.com/office/drawing/2014/main" id="{3D5D7490-58D3-9E3A-7DB0-357552710AAA}"/>
+              </a:ext>
+            </a:extLst>
+          </p:cNvPr>
+          <p:cNvSpPr>
+            <a:spLocks noGrp="1"/>
+          </p:cNvSpPr>
+          <p:nvPr>
+            <p:ph idx="1"/>
+          </p:nvPr>
+        </p:nvSpPr>
+        <p:spPr/>
+        <p:txBody>
+          <a:bodyPr/>
+          <a:lstStyle/>
+          <a:p>
+            <a:r>
+              <a:rPr lang="en-US" dirty="0"/>
+              <a:t>1. Task Scheduling &amp; Execution</a:t>
+            </a:r>
+          </a:p>
+        </p:txBody>
+      </p:sp>
+    </p:spTree>
+    <p:extLst>
+      <p:ext uri="{BB962C8B-B14F-4D97-AF65-F5344CB8AC3E}">
+        <p14:creationId xmlns:p14="http://schemas.microsoft.com/office/powerpoint/2010/main" val="1522722660"/>
+      </p:ext>
+    </p:extLst>
+  </p:cSld>
+  <p:clrMapOvr>
+    <a:masterClrMapping/>
+  </p:clrMapOvr>
+</p:sld>
+</file>
+
+<file path=ppt/slides/slide24.xml><?xml version="1.0" encoding="utf-8"?>
+<p:sld xmlns:a="http://schemas.openxmlformats.org/drawingml/2006/main" xmlns:r="http://schemas.openxmlformats.org/officeDocument/2006/relationships" xmlns:p="http://schemas.openxmlformats.org/presentationml/2006/main">
+  <p:cSld>
+    <p:spTree>
+      <p:nvGrpSpPr>
+        <p:cNvPr id="1" name=""/>
+        <p:cNvGrpSpPr/>
+        <p:nvPr/>
+      </p:nvGrpSpPr>
+      <p:grpSpPr>
+        <a:xfrm>
+          <a:off x="0" y="0"/>
+          <a:ext cx="0" cy="0"/>
+          <a:chOff x="0" y="0"/>
+          <a:chExt cx="0" cy="0"/>
+        </a:xfrm>
+      </p:grpSpPr>
+      <p:sp>
+        <p:nvSpPr>
+          <p:cNvPr id="2" name="Title 1">
+            <a:extLst>
+              <a:ext uri="{FF2B5EF4-FFF2-40B4-BE49-F238E27FC236}">
                 <a16:creationId xmlns:a16="http://schemas.microsoft.com/office/drawing/2014/main" id="{6ABD71B6-787F-170F-81DA-B8BB6CDFAA09}"/>
               </a:ext>
             </a:extLst>
@@ -10870,6 +11228,300 @@
     <p:extLst>
       <p:ext uri="{BB962C8B-B14F-4D97-AF65-F5344CB8AC3E}">
         <p14:creationId xmlns:p14="http://schemas.microsoft.com/office/powerpoint/2010/main" val="1267984057"/>
+      </p:ext>
+    </p:extLst>
+  </p:cSld>
+  <p:clrMapOvr>
+    <a:masterClrMapping/>
+  </p:clrMapOvr>
+</p:sld>
+</file>
+
+<file path=ppt/slides/slide25.xml><?xml version="1.0" encoding="utf-8"?>
+<p:sld xmlns:a="http://schemas.openxmlformats.org/drawingml/2006/main" xmlns:r="http://schemas.openxmlformats.org/officeDocument/2006/relationships" xmlns:p="http://schemas.openxmlformats.org/presentationml/2006/main">
+  <p:cSld>
+    <p:spTree>
+      <p:nvGrpSpPr>
+        <p:cNvPr id="1" name=""/>
+        <p:cNvGrpSpPr/>
+        <p:nvPr/>
+      </p:nvGrpSpPr>
+      <p:grpSpPr>
+        <a:xfrm>
+          <a:off x="0" y="0"/>
+          <a:ext cx="0" cy="0"/>
+          <a:chOff x="0" y="0"/>
+          <a:chExt cx="0" cy="0"/>
+        </a:xfrm>
+      </p:grpSpPr>
+      <p:sp>
+        <p:nvSpPr>
+          <p:cNvPr id="2" name="Title 1">
+            <a:extLst>
+              <a:ext uri="{FF2B5EF4-FFF2-40B4-BE49-F238E27FC236}">
+                <a16:creationId xmlns:a16="http://schemas.microsoft.com/office/drawing/2014/main" id="{3685F7D2-E369-0B6A-8C38-2979463843AD}"/>
+              </a:ext>
+            </a:extLst>
+          </p:cNvPr>
+          <p:cNvSpPr>
+            <a:spLocks noGrp="1"/>
+          </p:cNvSpPr>
+          <p:nvPr>
+            <p:ph type="title"/>
+          </p:nvPr>
+        </p:nvSpPr>
+        <p:spPr/>
+        <p:txBody>
+          <a:bodyPr/>
+          <a:lstStyle/>
+          <a:p>
+            <a:r>
+              <a:rPr lang="en-US" altLang="zh-CN" dirty="0"/>
+              <a:t>Latency Estimation</a:t>
+            </a:r>
+            <a:endParaRPr lang="en-US" dirty="0"/>
+          </a:p>
+        </p:txBody>
+      </p:sp>
+      <p:sp>
+        <p:nvSpPr>
+          <p:cNvPr id="3" name="Content Placeholder 2">
+            <a:extLst>
+              <a:ext uri="{FF2B5EF4-FFF2-40B4-BE49-F238E27FC236}">
+                <a16:creationId xmlns:a16="http://schemas.microsoft.com/office/drawing/2014/main" id="{EEB61FCD-D52C-C770-8DC7-18AABD1D4D71}"/>
+              </a:ext>
+            </a:extLst>
+          </p:cNvPr>
+          <p:cNvSpPr>
+            <a:spLocks noGrp="1"/>
+          </p:cNvSpPr>
+          <p:nvPr>
+            <p:ph idx="1"/>
+          </p:nvPr>
+        </p:nvSpPr>
+        <p:spPr/>
+        <p:txBody>
+          <a:bodyPr/>
+          <a:lstStyle/>
+          <a:p>
+            <a:r>
+              <a:rPr lang="en-US" dirty="0"/>
+              <a:t>Hardware:</a:t>
+            </a:r>
+          </a:p>
+          <a:p>
+            <a:pPr lvl="1"/>
+            <a:r>
+              <a:rPr lang="en-US" dirty="0"/>
+              <a:t>Processor</a:t>
+            </a:r>
+          </a:p>
+          <a:p>
+            <a:pPr lvl="1"/>
+            <a:r>
+              <a:rPr lang="en-US" dirty="0"/>
+              <a:t>Persistent program memory (Flash)</a:t>
+            </a:r>
+          </a:p>
+          <a:p>
+            <a:pPr lvl="1"/>
+            <a:r>
+              <a:rPr lang="en-US" dirty="0"/>
+              <a:t>Volatile static RAM</a:t>
+            </a:r>
+          </a:p>
+          <a:p>
+            <a:endParaRPr lang="en-US" dirty="0"/>
+          </a:p>
+          <a:p>
+            <a:r>
+              <a:rPr lang="en-US" dirty="0">
+                <a:solidFill>
+                  <a:srgbClr val="FF0000"/>
+                </a:solidFill>
+              </a:rPr>
+              <a:t>On a different device, the same operator can have different latency.</a:t>
+            </a:r>
+          </a:p>
+        </p:txBody>
+      </p:sp>
+      <p:pic>
+        <p:nvPicPr>
+          <p:cNvPr id="5" name="Picture 4">
+            <a:extLst>
+              <a:ext uri="{FF2B5EF4-FFF2-40B4-BE49-F238E27FC236}">
+                <a16:creationId xmlns:a16="http://schemas.microsoft.com/office/drawing/2014/main" id="{C8343BF1-D8BC-9C72-7868-CCF7CEA82E50}"/>
+              </a:ext>
+            </a:extLst>
+          </p:cNvPr>
+          <p:cNvPicPr>
+            <a:picLocks noChangeAspect="1"/>
+          </p:cNvPicPr>
+          <p:nvPr/>
+        </p:nvPicPr>
+        <p:blipFill>
+          <a:blip r:embed="rId2"/>
+          <a:stretch>
+            <a:fillRect/>
+          </a:stretch>
+        </p:blipFill>
+        <p:spPr>
+          <a:xfrm>
+            <a:off x="7144055" y="1497168"/>
+            <a:ext cx="4323662" cy="2540947"/>
+          </a:xfrm>
+          <a:prstGeom prst="rect">
+            <a:avLst/>
+          </a:prstGeom>
+        </p:spPr>
+      </p:pic>
+    </p:spTree>
+    <p:extLst>
+      <p:ext uri="{BB962C8B-B14F-4D97-AF65-F5344CB8AC3E}">
+        <p14:creationId xmlns:p14="http://schemas.microsoft.com/office/powerpoint/2010/main" val="1773445711"/>
+      </p:ext>
+    </p:extLst>
+  </p:cSld>
+  <p:clrMapOvr>
+    <a:masterClrMapping/>
+  </p:clrMapOvr>
+</p:sld>
+</file>
+
+<file path=ppt/slides/slide26.xml><?xml version="1.0" encoding="utf-8"?>
+<p:sld xmlns:a="http://schemas.openxmlformats.org/drawingml/2006/main" xmlns:r="http://schemas.openxmlformats.org/officeDocument/2006/relationships" xmlns:p="http://schemas.openxmlformats.org/presentationml/2006/main">
+  <p:cSld>
+    <p:spTree>
+      <p:nvGrpSpPr>
+        <p:cNvPr id="1" name=""/>
+        <p:cNvGrpSpPr/>
+        <p:nvPr/>
+      </p:nvGrpSpPr>
+      <p:grpSpPr>
+        <a:xfrm>
+          <a:off x="0" y="0"/>
+          <a:ext cx="0" cy="0"/>
+          <a:chOff x="0" y="0"/>
+          <a:chExt cx="0" cy="0"/>
+        </a:xfrm>
+      </p:grpSpPr>
+      <p:sp>
+        <p:nvSpPr>
+          <p:cNvPr id="2" name="Title 1">
+            <a:extLst>
+              <a:ext uri="{FF2B5EF4-FFF2-40B4-BE49-F238E27FC236}">
+                <a16:creationId xmlns:a16="http://schemas.microsoft.com/office/drawing/2014/main" id="{BB5FD64F-AE39-962F-9F34-29DC9FDE7C43}"/>
+              </a:ext>
+            </a:extLst>
+          </p:cNvPr>
+          <p:cNvSpPr>
+            <a:spLocks noGrp="1"/>
+          </p:cNvSpPr>
+          <p:nvPr>
+            <p:ph type="title"/>
+          </p:nvPr>
+        </p:nvSpPr>
+        <p:spPr/>
+        <p:txBody>
+          <a:bodyPr/>
+          <a:lstStyle/>
+          <a:p>
+            <a:r>
+              <a:rPr lang="en-US" dirty="0"/>
+              <a:t>Energy Estimation </a:t>
+            </a:r>
+          </a:p>
+        </p:txBody>
+      </p:sp>
+      <p:sp>
+        <p:nvSpPr>
+          <p:cNvPr id="3" name="Content Placeholder 2">
+            <a:extLst>
+              <a:ext uri="{FF2B5EF4-FFF2-40B4-BE49-F238E27FC236}">
+                <a16:creationId xmlns:a16="http://schemas.microsoft.com/office/drawing/2014/main" id="{8ED4AFBF-0244-6AF6-2270-E6A9E86B8505}"/>
+              </a:ext>
+            </a:extLst>
+          </p:cNvPr>
+          <p:cNvSpPr>
+            <a:spLocks noGrp="1"/>
+          </p:cNvSpPr>
+          <p:nvPr>
+            <p:ph idx="1"/>
+          </p:nvPr>
+        </p:nvSpPr>
+        <p:spPr/>
+        <p:txBody>
+          <a:bodyPr/>
+          <a:lstStyle/>
+          <a:p>
+            <a:endParaRPr lang="en-US" dirty="0"/>
+          </a:p>
+        </p:txBody>
+      </p:sp>
+      <p:pic>
+        <p:nvPicPr>
+          <p:cNvPr id="5" name="Picture 4">
+            <a:extLst>
+              <a:ext uri="{FF2B5EF4-FFF2-40B4-BE49-F238E27FC236}">
+                <a16:creationId xmlns:a16="http://schemas.microsoft.com/office/drawing/2014/main" id="{F02FBB1A-E487-F4CC-EE65-03A1E7A82EF7}"/>
+              </a:ext>
+            </a:extLst>
+          </p:cNvPr>
+          <p:cNvPicPr>
+            <a:picLocks noChangeAspect="1"/>
+          </p:cNvPicPr>
+          <p:nvPr/>
+        </p:nvPicPr>
+        <p:blipFill>
+          <a:blip r:embed="rId2"/>
+          <a:stretch>
+            <a:fillRect/>
+          </a:stretch>
+        </p:blipFill>
+        <p:spPr>
+          <a:xfrm>
+            <a:off x="6374293" y="1776114"/>
+            <a:ext cx="4695897" cy="4450360"/>
+          </a:xfrm>
+          <a:prstGeom prst="rect">
+            <a:avLst/>
+          </a:prstGeom>
+        </p:spPr>
+      </p:pic>
+      <p:pic>
+        <p:nvPicPr>
+          <p:cNvPr id="6" name="Picture 5">
+            <a:extLst>
+              <a:ext uri="{FF2B5EF4-FFF2-40B4-BE49-F238E27FC236}">
+                <a16:creationId xmlns:a16="http://schemas.microsoft.com/office/drawing/2014/main" id="{2E7E4DBC-E413-E2B9-F6D9-CD4E2676CCC0}"/>
+              </a:ext>
+            </a:extLst>
+          </p:cNvPr>
+          <p:cNvPicPr>
+            <a:picLocks noChangeAspect="1"/>
+          </p:cNvPicPr>
+          <p:nvPr/>
+        </p:nvPicPr>
+        <p:blipFill>
+          <a:blip r:embed="rId3"/>
+          <a:stretch>
+            <a:fillRect/>
+          </a:stretch>
+        </p:blipFill>
+        <p:spPr>
+          <a:xfrm>
+            <a:off x="1584813" y="2013691"/>
+            <a:ext cx="4179530" cy="3698737"/>
+          </a:xfrm>
+          <a:prstGeom prst="rect">
+            <a:avLst/>
+          </a:prstGeom>
+        </p:spPr>
+      </p:pic>
+    </p:spTree>
+    <p:extLst>
+      <p:ext uri="{BB962C8B-B14F-4D97-AF65-F5344CB8AC3E}">
+        <p14:creationId xmlns:p14="http://schemas.microsoft.com/office/powerpoint/2010/main" val="3400440322"/>
       </p:ext>
     </p:extLst>
   </p:cSld>

--- a/micro-network-project.pptx
+++ b/micro-network-project.pptx
@@ -5,7 +5,7 @@
     <p:sldMasterId id="2147483648" r:id="rId1"/>
   </p:sldMasterIdLst>
   <p:notesMasterIdLst>
-    <p:notesMasterId r:id="rId28"/>
+    <p:notesMasterId r:id="rId30"/>
   </p:notesMasterIdLst>
   <p:sldIdLst>
     <p:sldId id="256" r:id="rId2"/>
@@ -34,6 +34,8 @@
     <p:sldId id="302" r:id="rId25"/>
     <p:sldId id="328" r:id="rId26"/>
     <p:sldId id="329" r:id="rId27"/>
+    <p:sldId id="330" r:id="rId28"/>
+    <p:sldId id="331" r:id="rId29"/>
   </p:sldIdLst>
   <p:sldSz cx="12192000" cy="6858000"/>
   <p:notesSz cx="6858000" cy="9144000"/>
@@ -222,7 +224,7 @@
           <a:p>
             <a:fld id="{555D5C1C-6798-4FBE-88F4-FFD1BF4E1875}" type="datetimeFigureOut">
               <a:rPr lang="en-US" smtClean="0"/>
-              <a:t>8/28/2024</a:t>
+              <a:t>8/31/2024</a:t>
             </a:fld>
             <a:endParaRPr lang="en-US"/>
           </a:p>
@@ -4289,7 +4291,7 @@
           <a:p>
             <a:fld id="{CA099234-8B86-476D-9D9B-8192FE9AA948}" type="datetimeFigureOut">
               <a:rPr lang="en-US" smtClean="0"/>
-              <a:t>8/28/2024</a:t>
+              <a:t>8/31/2024</a:t>
             </a:fld>
             <a:endParaRPr lang="en-US"/>
           </a:p>
@@ -4487,7 +4489,7 @@
           <a:p>
             <a:fld id="{CA099234-8B86-476D-9D9B-8192FE9AA948}" type="datetimeFigureOut">
               <a:rPr lang="en-US" smtClean="0"/>
-              <a:t>8/28/2024</a:t>
+              <a:t>8/31/2024</a:t>
             </a:fld>
             <a:endParaRPr lang="en-US"/>
           </a:p>
@@ -4695,7 +4697,7 @@
           <a:p>
             <a:fld id="{CA099234-8B86-476D-9D9B-8192FE9AA948}" type="datetimeFigureOut">
               <a:rPr lang="en-US" smtClean="0"/>
-              <a:t>8/28/2024</a:t>
+              <a:t>8/31/2024</a:t>
             </a:fld>
             <a:endParaRPr lang="en-US"/>
           </a:p>
@@ -4893,7 +4895,7 @@
           <a:p>
             <a:fld id="{CA099234-8B86-476D-9D9B-8192FE9AA948}" type="datetimeFigureOut">
               <a:rPr lang="en-US" smtClean="0"/>
-              <a:t>8/28/2024</a:t>
+              <a:t>8/31/2024</a:t>
             </a:fld>
             <a:endParaRPr lang="en-US"/>
           </a:p>
@@ -5168,7 +5170,7 @@
           <a:p>
             <a:fld id="{CA099234-8B86-476D-9D9B-8192FE9AA948}" type="datetimeFigureOut">
               <a:rPr lang="en-US" smtClean="0"/>
-              <a:t>8/28/2024</a:t>
+              <a:t>8/31/2024</a:t>
             </a:fld>
             <a:endParaRPr lang="en-US"/>
           </a:p>
@@ -5433,7 +5435,7 @@
           <a:p>
             <a:fld id="{CA099234-8B86-476D-9D9B-8192FE9AA948}" type="datetimeFigureOut">
               <a:rPr lang="en-US" smtClean="0"/>
-              <a:t>8/28/2024</a:t>
+              <a:t>8/31/2024</a:t>
             </a:fld>
             <a:endParaRPr lang="en-US"/>
           </a:p>
@@ -5845,7 +5847,7 @@
           <a:p>
             <a:fld id="{CA099234-8B86-476D-9D9B-8192FE9AA948}" type="datetimeFigureOut">
               <a:rPr lang="en-US" smtClean="0"/>
-              <a:t>8/28/2024</a:t>
+              <a:t>8/31/2024</a:t>
             </a:fld>
             <a:endParaRPr lang="en-US"/>
           </a:p>
@@ -5986,7 +5988,7 @@
           <a:p>
             <a:fld id="{CA099234-8B86-476D-9D9B-8192FE9AA948}" type="datetimeFigureOut">
               <a:rPr lang="en-US" smtClean="0"/>
-              <a:t>8/28/2024</a:t>
+              <a:t>8/31/2024</a:t>
             </a:fld>
             <a:endParaRPr lang="en-US"/>
           </a:p>
@@ -6099,7 +6101,7 @@
           <a:p>
             <a:fld id="{CA099234-8B86-476D-9D9B-8192FE9AA948}" type="datetimeFigureOut">
               <a:rPr lang="en-US" smtClean="0"/>
-              <a:t>8/28/2024</a:t>
+              <a:t>8/31/2024</a:t>
             </a:fld>
             <a:endParaRPr lang="en-US"/>
           </a:p>
@@ -6410,7 +6412,7 @@
           <a:p>
             <a:fld id="{CA099234-8B86-476D-9D9B-8192FE9AA948}" type="datetimeFigureOut">
               <a:rPr lang="en-US" smtClean="0"/>
-              <a:t>8/28/2024</a:t>
+              <a:t>8/31/2024</a:t>
             </a:fld>
             <a:endParaRPr lang="en-US"/>
           </a:p>
@@ -6698,7 +6700,7 @@
           <a:p>
             <a:fld id="{CA099234-8B86-476D-9D9B-8192FE9AA948}" type="datetimeFigureOut">
               <a:rPr lang="en-US" smtClean="0"/>
-              <a:t>8/28/2024</a:t>
+              <a:t>8/31/2024</a:t>
             </a:fld>
             <a:endParaRPr lang="en-US"/>
           </a:p>
@@ -6939,7 +6941,7 @@
           <a:p>
             <a:fld id="{CA099234-8B86-476D-9D9B-8192FE9AA948}" type="datetimeFigureOut">
               <a:rPr lang="en-US" smtClean="0"/>
-              <a:t>8/28/2024</a:t>
+              <a:t>8/31/2024</a:t>
             </a:fld>
             <a:endParaRPr lang="en-US"/>
           </a:p>
@@ -11217,6 +11219,21 @@
             </a:r>
           </a:p>
           <a:p>
+            <a:r>
+              <a:rPr lang="en-US" altLang="zh-CN" dirty="0"/>
+              <a:t>6. </a:t>
+            </a:r>
+            <a:r>
+              <a:rPr lang="en-US" altLang="zh-CN" dirty="0" err="1"/>
+              <a:t>tflite</a:t>
+            </a:r>
+            <a:r>
+              <a:rPr lang="en-US" altLang="zh-CN"/>
+              <a:t> optimization</a:t>
+            </a:r>
+            <a:endParaRPr lang="en-US" altLang="zh-CN" dirty="0"/>
+          </a:p>
+          <a:p>
             <a:endParaRPr lang="en-US" dirty="0"/>
           </a:p>
           <a:p>
@@ -11522,6 +11539,280 @@
     <p:extLst>
       <p:ext uri="{BB962C8B-B14F-4D97-AF65-F5344CB8AC3E}">
         <p14:creationId xmlns:p14="http://schemas.microsoft.com/office/powerpoint/2010/main" val="3400440322"/>
+      </p:ext>
+    </p:extLst>
+  </p:cSld>
+  <p:clrMapOvr>
+    <a:masterClrMapping/>
+  </p:clrMapOvr>
+</p:sld>
+</file>
+
+<file path=ppt/slides/slide27.xml><?xml version="1.0" encoding="utf-8"?>
+<p:sld xmlns:a="http://schemas.openxmlformats.org/drawingml/2006/main" xmlns:r="http://schemas.openxmlformats.org/officeDocument/2006/relationships" xmlns:p="http://schemas.openxmlformats.org/presentationml/2006/main">
+  <p:cSld>
+    <p:spTree>
+      <p:nvGrpSpPr>
+        <p:cNvPr id="1" name=""/>
+        <p:cNvGrpSpPr/>
+        <p:nvPr/>
+      </p:nvGrpSpPr>
+      <p:grpSpPr>
+        <a:xfrm>
+          <a:off x="0" y="0"/>
+          <a:ext cx="0" cy="0"/>
+          <a:chOff x="0" y="0"/>
+          <a:chExt cx="0" cy="0"/>
+        </a:xfrm>
+      </p:grpSpPr>
+      <p:sp>
+        <p:nvSpPr>
+          <p:cNvPr id="2" name="Title 1">
+            <a:extLst>
+              <a:ext uri="{FF2B5EF4-FFF2-40B4-BE49-F238E27FC236}">
+                <a16:creationId xmlns:a16="http://schemas.microsoft.com/office/drawing/2014/main" id="{C12E545E-9D1B-514D-D971-B7FCD6DCBD60}"/>
+              </a:ext>
+            </a:extLst>
+          </p:cNvPr>
+          <p:cNvSpPr>
+            <a:spLocks noGrp="1"/>
+          </p:cNvSpPr>
+          <p:nvPr>
+            <p:ph type="title"/>
+          </p:nvPr>
+        </p:nvSpPr>
+        <p:spPr/>
+        <p:txBody>
+          <a:bodyPr/>
+          <a:lstStyle/>
+          <a:p>
+            <a:r>
+              <a:rPr lang="en-US" dirty="0"/>
+              <a:t>Workflow</a:t>
+            </a:r>
+          </a:p>
+        </p:txBody>
+      </p:sp>
+      <p:sp>
+        <p:nvSpPr>
+          <p:cNvPr id="3" name="Content Placeholder 2">
+            <a:extLst>
+              <a:ext uri="{FF2B5EF4-FFF2-40B4-BE49-F238E27FC236}">
+                <a16:creationId xmlns:a16="http://schemas.microsoft.com/office/drawing/2014/main" id="{FE3915B6-1AA4-5ADE-A683-91F56930483C}"/>
+              </a:ext>
+            </a:extLst>
+          </p:cNvPr>
+          <p:cNvSpPr>
+            <a:spLocks noGrp="1"/>
+          </p:cNvSpPr>
+          <p:nvPr>
+            <p:ph idx="1"/>
+          </p:nvPr>
+        </p:nvSpPr>
+        <p:spPr/>
+        <p:txBody>
+          <a:bodyPr/>
+          <a:lstStyle/>
+          <a:p>
+            <a:r>
+              <a:rPr lang="en-US" dirty="0"/>
+              <a:t>1. Build and train a</a:t>
+            </a:r>
+            <a:r>
+              <a:rPr lang="en-US" b="1" dirty="0"/>
+              <a:t> model </a:t>
+            </a:r>
+            <a:r>
+              <a:rPr lang="en-US" dirty="0"/>
+              <a:t>using `TensorFlow`</a:t>
+            </a:r>
+          </a:p>
+          <a:p>
+            <a:r>
+              <a:rPr lang="en-US" dirty="0">
+                <a:effectLst/>
+                <a:latin typeface="Segoe UI" panose="020B0502040204020203" pitchFamily="34" charset="0"/>
+              </a:rPr>
+              <a:t>2. Convert the TensorFlow model to a `.</a:t>
+            </a:r>
+            <a:r>
+              <a:rPr lang="en-US" dirty="0" err="1">
+                <a:effectLst/>
+                <a:latin typeface="Segoe UI" panose="020B0502040204020203" pitchFamily="34" charset="0"/>
+              </a:rPr>
+              <a:t>tflite</a:t>
+            </a:r>
+            <a:r>
+              <a:rPr lang="en-US" dirty="0">
+                <a:effectLst/>
+                <a:latin typeface="Segoe UI" panose="020B0502040204020203" pitchFamily="34" charset="0"/>
+              </a:rPr>
+              <a:t>` file using `</a:t>
+            </a:r>
+            <a:r>
+              <a:rPr lang="en-US" dirty="0" err="1">
+                <a:effectLst/>
+                <a:latin typeface="Segoe UI" panose="020B0502040204020203" pitchFamily="34" charset="0"/>
+              </a:rPr>
+              <a:t>TFLiteConverter</a:t>
+            </a:r>
+            <a:r>
+              <a:rPr lang="en-US" dirty="0">
+                <a:effectLst/>
+                <a:latin typeface="Segoe UI" panose="020B0502040204020203" pitchFamily="34" charset="0"/>
+              </a:rPr>
+              <a:t>`</a:t>
+            </a:r>
+          </a:p>
+          <a:p>
+            <a:r>
+              <a:rPr lang="en-US" dirty="0"/>
+              <a:t>3. Apply optimizations like `quantization`, `pruning`, `operator`. (Optional)</a:t>
+            </a:r>
+          </a:p>
+          <a:p>
+            <a:r>
+              <a:rPr lang="en-US" b="1" dirty="0">
+                <a:solidFill>
+                  <a:srgbClr val="FF0000"/>
+                </a:solidFill>
+              </a:rPr>
+              <a:t>Profiling MACs</a:t>
+            </a:r>
+          </a:p>
+          <a:p>
+            <a:r>
+              <a:rPr lang="en-US" dirty="0"/>
+              <a:t>4. Adapt the TensorFlow Lite Model for TensorFlow Lite Micro.</a:t>
+            </a:r>
+          </a:p>
+          <a:p>
+            <a:pPr lvl="1"/>
+            <a:r>
+              <a:rPr lang="en-US" dirty="0"/>
+              <a:t>Model structure is not modified</a:t>
+            </a:r>
+          </a:p>
+        </p:txBody>
+      </p:sp>
+    </p:spTree>
+    <p:extLst>
+      <p:ext uri="{BB962C8B-B14F-4D97-AF65-F5344CB8AC3E}">
+        <p14:creationId xmlns:p14="http://schemas.microsoft.com/office/powerpoint/2010/main" val="2057624485"/>
+      </p:ext>
+    </p:extLst>
+  </p:cSld>
+  <p:clrMapOvr>
+    <a:masterClrMapping/>
+  </p:clrMapOvr>
+</p:sld>
+</file>
+
+<file path=ppt/slides/slide28.xml><?xml version="1.0" encoding="utf-8"?>
+<p:sld xmlns:a="http://schemas.openxmlformats.org/drawingml/2006/main" xmlns:r="http://schemas.openxmlformats.org/officeDocument/2006/relationships" xmlns:p="http://schemas.openxmlformats.org/presentationml/2006/main">
+  <p:cSld>
+    <p:spTree>
+      <p:nvGrpSpPr>
+        <p:cNvPr id="1" name=""/>
+        <p:cNvGrpSpPr/>
+        <p:nvPr/>
+      </p:nvGrpSpPr>
+      <p:grpSpPr>
+        <a:xfrm>
+          <a:off x="0" y="0"/>
+          <a:ext cx="0" cy="0"/>
+          <a:chOff x="0" y="0"/>
+          <a:chExt cx="0" cy="0"/>
+        </a:xfrm>
+      </p:grpSpPr>
+      <p:sp>
+        <p:nvSpPr>
+          <p:cNvPr id="2" name="Title 1">
+            <a:extLst>
+              <a:ext uri="{FF2B5EF4-FFF2-40B4-BE49-F238E27FC236}">
+                <a16:creationId xmlns:a16="http://schemas.microsoft.com/office/drawing/2014/main" id="{59EAA30A-A9C0-5A2A-DBEB-C10BEFB60C4B}"/>
+              </a:ext>
+            </a:extLst>
+          </p:cNvPr>
+          <p:cNvSpPr>
+            <a:spLocks noGrp="1"/>
+          </p:cNvSpPr>
+          <p:nvPr>
+            <p:ph type="title"/>
+          </p:nvPr>
+        </p:nvSpPr>
+        <p:spPr/>
+        <p:txBody>
+          <a:bodyPr/>
+          <a:lstStyle/>
+          <a:p>
+            <a:r>
+              <a:rPr lang="en-US" dirty="0"/>
+              <a:t>Model Generator</a:t>
+            </a:r>
+          </a:p>
+        </p:txBody>
+      </p:sp>
+      <p:sp>
+        <p:nvSpPr>
+          <p:cNvPr id="3" name="Content Placeholder 2">
+            <a:extLst>
+              <a:ext uri="{FF2B5EF4-FFF2-40B4-BE49-F238E27FC236}">
+                <a16:creationId xmlns:a16="http://schemas.microsoft.com/office/drawing/2014/main" id="{025C25C5-68DE-8539-9F78-4C838B68B926}"/>
+              </a:ext>
+            </a:extLst>
+          </p:cNvPr>
+          <p:cNvSpPr>
+            <a:spLocks noGrp="1"/>
+          </p:cNvSpPr>
+          <p:nvPr>
+            <p:ph idx="1"/>
+          </p:nvPr>
+        </p:nvSpPr>
+        <p:spPr/>
+        <p:txBody>
+          <a:bodyPr/>
+          <a:lstStyle/>
+          <a:p>
+            <a:r>
+              <a:rPr lang="en-US" dirty="0"/>
+              <a:t>Model Converter:</a:t>
+            </a:r>
+          </a:p>
+          <a:p>
+            <a:pPr lvl="1"/>
+            <a:r>
+              <a:rPr lang="en-US" dirty="0"/>
+              <a:t>Load Pre-trained Model</a:t>
+            </a:r>
+          </a:p>
+          <a:p>
+            <a:pPr lvl="1"/>
+            <a:r>
+              <a:rPr lang="en-US" dirty="0"/>
+              <a:t>Optional Modifications</a:t>
+            </a:r>
+          </a:p>
+          <a:p>
+            <a:pPr lvl="1"/>
+            <a:r>
+              <a:rPr lang="en-US" dirty="0"/>
+              <a:t>Convert the Model</a:t>
+            </a:r>
+          </a:p>
+          <a:p>
+            <a:endParaRPr lang="en-US" dirty="0"/>
+          </a:p>
+          <a:p>
+            <a:pPr lvl="1"/>
+            <a:endParaRPr lang="en-US" dirty="0"/>
+          </a:p>
+        </p:txBody>
+      </p:sp>
+    </p:spTree>
+    <p:extLst>
+      <p:ext uri="{BB962C8B-B14F-4D97-AF65-F5344CB8AC3E}">
+        <p14:creationId xmlns:p14="http://schemas.microsoft.com/office/powerpoint/2010/main" val="3184932886"/>
       </p:ext>
     </p:extLst>
   </p:cSld>

--- a/micro-network-project.pptx
+++ b/micro-network-project.pptx
@@ -5,7 +5,7 @@
     <p:sldMasterId id="2147483648" r:id="rId1"/>
   </p:sldMasterIdLst>
   <p:notesMasterIdLst>
-    <p:notesMasterId r:id="rId30"/>
+    <p:notesMasterId r:id="rId32"/>
   </p:notesMasterIdLst>
   <p:sldIdLst>
     <p:sldId id="256" r:id="rId2"/>
@@ -36,6 +36,8 @@
     <p:sldId id="329" r:id="rId27"/>
     <p:sldId id="330" r:id="rId28"/>
     <p:sldId id="331" r:id="rId29"/>
+    <p:sldId id="332" r:id="rId30"/>
+    <p:sldId id="333" r:id="rId31"/>
   </p:sldIdLst>
   <p:sldSz cx="12192000" cy="6858000"/>
   <p:notesSz cx="6858000" cy="9144000"/>
@@ -224,7 +226,7 @@
           <a:p>
             <a:fld id="{555D5C1C-6798-4FBE-88F4-FFD1BF4E1875}" type="datetimeFigureOut">
               <a:rPr lang="en-US" smtClean="0"/>
-              <a:t>8/31/2024</a:t>
+              <a:t>9/2/2024</a:t>
             </a:fld>
             <a:endParaRPr lang="en-US"/>
           </a:p>
@@ -4291,7 +4293,7 @@
           <a:p>
             <a:fld id="{CA099234-8B86-476D-9D9B-8192FE9AA948}" type="datetimeFigureOut">
               <a:rPr lang="en-US" smtClean="0"/>
-              <a:t>8/31/2024</a:t>
+              <a:t>9/2/2024</a:t>
             </a:fld>
             <a:endParaRPr lang="en-US"/>
           </a:p>
@@ -4489,7 +4491,7 @@
           <a:p>
             <a:fld id="{CA099234-8B86-476D-9D9B-8192FE9AA948}" type="datetimeFigureOut">
               <a:rPr lang="en-US" smtClean="0"/>
-              <a:t>8/31/2024</a:t>
+              <a:t>9/2/2024</a:t>
             </a:fld>
             <a:endParaRPr lang="en-US"/>
           </a:p>
@@ -4697,7 +4699,7 @@
           <a:p>
             <a:fld id="{CA099234-8B86-476D-9D9B-8192FE9AA948}" type="datetimeFigureOut">
               <a:rPr lang="en-US" smtClean="0"/>
-              <a:t>8/31/2024</a:t>
+              <a:t>9/2/2024</a:t>
             </a:fld>
             <a:endParaRPr lang="en-US"/>
           </a:p>
@@ -4895,7 +4897,7 @@
           <a:p>
             <a:fld id="{CA099234-8B86-476D-9D9B-8192FE9AA948}" type="datetimeFigureOut">
               <a:rPr lang="en-US" smtClean="0"/>
-              <a:t>8/31/2024</a:t>
+              <a:t>9/2/2024</a:t>
             </a:fld>
             <a:endParaRPr lang="en-US"/>
           </a:p>
@@ -5170,7 +5172,7 @@
           <a:p>
             <a:fld id="{CA099234-8B86-476D-9D9B-8192FE9AA948}" type="datetimeFigureOut">
               <a:rPr lang="en-US" smtClean="0"/>
-              <a:t>8/31/2024</a:t>
+              <a:t>9/2/2024</a:t>
             </a:fld>
             <a:endParaRPr lang="en-US"/>
           </a:p>
@@ -5435,7 +5437,7 @@
           <a:p>
             <a:fld id="{CA099234-8B86-476D-9D9B-8192FE9AA948}" type="datetimeFigureOut">
               <a:rPr lang="en-US" smtClean="0"/>
-              <a:t>8/31/2024</a:t>
+              <a:t>9/2/2024</a:t>
             </a:fld>
             <a:endParaRPr lang="en-US"/>
           </a:p>
@@ -5847,7 +5849,7 @@
           <a:p>
             <a:fld id="{CA099234-8B86-476D-9D9B-8192FE9AA948}" type="datetimeFigureOut">
               <a:rPr lang="en-US" smtClean="0"/>
-              <a:t>8/31/2024</a:t>
+              <a:t>9/2/2024</a:t>
             </a:fld>
             <a:endParaRPr lang="en-US"/>
           </a:p>
@@ -5988,7 +5990,7 @@
           <a:p>
             <a:fld id="{CA099234-8B86-476D-9D9B-8192FE9AA948}" type="datetimeFigureOut">
               <a:rPr lang="en-US" smtClean="0"/>
-              <a:t>8/31/2024</a:t>
+              <a:t>9/2/2024</a:t>
             </a:fld>
             <a:endParaRPr lang="en-US"/>
           </a:p>
@@ -6101,7 +6103,7 @@
           <a:p>
             <a:fld id="{CA099234-8B86-476D-9D9B-8192FE9AA948}" type="datetimeFigureOut">
               <a:rPr lang="en-US" smtClean="0"/>
-              <a:t>8/31/2024</a:t>
+              <a:t>9/2/2024</a:t>
             </a:fld>
             <a:endParaRPr lang="en-US"/>
           </a:p>
@@ -6412,7 +6414,7 @@
           <a:p>
             <a:fld id="{CA099234-8B86-476D-9D9B-8192FE9AA948}" type="datetimeFigureOut">
               <a:rPr lang="en-US" smtClean="0"/>
-              <a:t>8/31/2024</a:t>
+              <a:t>9/2/2024</a:t>
             </a:fld>
             <a:endParaRPr lang="en-US"/>
           </a:p>
@@ -6700,7 +6702,7 @@
           <a:p>
             <a:fld id="{CA099234-8B86-476D-9D9B-8192FE9AA948}" type="datetimeFigureOut">
               <a:rPr lang="en-US" smtClean="0"/>
-              <a:t>8/31/2024</a:t>
+              <a:t>9/2/2024</a:t>
             </a:fld>
             <a:endParaRPr lang="en-US"/>
           </a:p>
@@ -6941,7 +6943,7 @@
           <a:p>
             <a:fld id="{CA099234-8B86-476D-9D9B-8192FE9AA948}" type="datetimeFigureOut">
               <a:rPr lang="en-US" smtClean="0"/>
-              <a:t>8/31/2024</a:t>
+              <a:t>9/2/2024</a:t>
             </a:fld>
             <a:endParaRPr lang="en-US"/>
           </a:p>
@@ -11822,6 +11824,119 @@
 </p:sld>
 </file>
 
+<file path=ppt/slides/slide29.xml><?xml version="1.0" encoding="utf-8"?>
+<p:sld xmlns:a="http://schemas.openxmlformats.org/drawingml/2006/main" xmlns:r="http://schemas.openxmlformats.org/officeDocument/2006/relationships" xmlns:p="http://schemas.openxmlformats.org/presentationml/2006/main">
+  <p:cSld>
+    <p:spTree>
+      <p:nvGrpSpPr>
+        <p:cNvPr id="1" name=""/>
+        <p:cNvGrpSpPr/>
+        <p:nvPr/>
+      </p:nvGrpSpPr>
+      <p:grpSpPr>
+        <a:xfrm>
+          <a:off x="0" y="0"/>
+          <a:ext cx="0" cy="0"/>
+          <a:chOff x="0" y="0"/>
+          <a:chExt cx="0" cy="0"/>
+        </a:xfrm>
+      </p:grpSpPr>
+      <p:sp>
+        <p:nvSpPr>
+          <p:cNvPr id="2" name="Title 1">
+            <a:extLst>
+              <a:ext uri="{FF2B5EF4-FFF2-40B4-BE49-F238E27FC236}">
+                <a16:creationId xmlns:a16="http://schemas.microsoft.com/office/drawing/2014/main" id="{F9C2F45C-6FF4-6713-871E-84898C2830A8}"/>
+              </a:ext>
+            </a:extLst>
+          </p:cNvPr>
+          <p:cNvSpPr>
+            <a:spLocks noGrp="1"/>
+          </p:cNvSpPr>
+          <p:nvPr>
+            <p:ph type="title"/>
+          </p:nvPr>
+        </p:nvSpPr>
+        <p:spPr/>
+        <p:txBody>
+          <a:bodyPr/>
+          <a:lstStyle/>
+          <a:p>
+            <a:r>
+              <a:rPr lang="en-US" dirty="0"/>
+              <a:t>C</a:t>
+            </a:r>
+            <a:r>
+              <a:rPr lang="en-US" altLang="zh-CN" dirty="0"/>
+              <a:t>hallenges in Determining Exact Memory U</a:t>
+            </a:r>
+            <a:endParaRPr lang="en-US" dirty="0"/>
+          </a:p>
+        </p:txBody>
+      </p:sp>
+      <p:sp>
+        <p:nvSpPr>
+          <p:cNvPr id="3" name="Content Placeholder 2">
+            <a:extLst>
+              <a:ext uri="{FF2B5EF4-FFF2-40B4-BE49-F238E27FC236}">
+                <a16:creationId xmlns:a16="http://schemas.microsoft.com/office/drawing/2014/main" id="{5EFC3A21-7044-232A-B906-E404000EE374}"/>
+              </a:ext>
+            </a:extLst>
+          </p:cNvPr>
+          <p:cNvSpPr>
+            <a:spLocks noGrp="1"/>
+          </p:cNvSpPr>
+          <p:nvPr>
+            <p:ph idx="1"/>
+          </p:nvPr>
+        </p:nvSpPr>
+        <p:spPr/>
+        <p:txBody>
+          <a:bodyPr/>
+          <a:lstStyle/>
+          <a:p>
+            <a:r>
+              <a:rPr lang="en-US" dirty="0"/>
+              <a:t>Dynamic Memory Allocation:</a:t>
+            </a:r>
+          </a:p>
+          <a:p>
+            <a:r>
+              <a:rPr lang="en-US" dirty="0"/>
+              <a:t>Memory Overheads:</a:t>
+            </a:r>
+          </a:p>
+          <a:p>
+            <a:endParaRPr lang="en-US" dirty="0"/>
+          </a:p>
+          <a:p>
+            <a:r>
+              <a:rPr lang="en-US"/>
+              <a:t>the persistent buffers are generally allocated automatically by the TFLM runtime during the model's initialization phase.</a:t>
+            </a:r>
+            <a:endParaRPr lang="en-US" dirty="0"/>
+          </a:p>
+          <a:p>
+            <a:r>
+              <a:rPr lang="en-US" dirty="0"/>
+              <a:t>Layer-Specific Memory Needs</a:t>
+            </a:r>
+          </a:p>
+        </p:txBody>
+      </p:sp>
+    </p:spTree>
+    <p:extLst>
+      <p:ext uri="{BB962C8B-B14F-4D97-AF65-F5344CB8AC3E}">
+        <p14:creationId xmlns:p14="http://schemas.microsoft.com/office/powerpoint/2010/main" val="4023795915"/>
+      </p:ext>
+    </p:extLst>
+  </p:cSld>
+  <p:clrMapOvr>
+    <a:masterClrMapping/>
+  </p:clrMapOvr>
+</p:sld>
+</file>
+
 <file path=ppt/slides/slide3.xml><?xml version="1.0" encoding="utf-8"?>
 <p:sld xmlns:a="http://schemas.openxmlformats.org/drawingml/2006/main" xmlns:r="http://schemas.openxmlformats.org/officeDocument/2006/relationships" xmlns:p="http://schemas.openxmlformats.org/presentationml/2006/main">
   <p:cSld>
@@ -11942,6 +12057,123 @@
     <p:extLst>
       <p:ext uri="{BB962C8B-B14F-4D97-AF65-F5344CB8AC3E}">
         <p14:creationId xmlns:p14="http://schemas.microsoft.com/office/powerpoint/2010/main" val="1933540329"/>
+      </p:ext>
+    </p:extLst>
+  </p:cSld>
+  <p:clrMapOvr>
+    <a:masterClrMapping/>
+  </p:clrMapOvr>
+</p:sld>
+</file>
+
+<file path=ppt/slides/slide30.xml><?xml version="1.0" encoding="utf-8"?>
+<p:sld xmlns:a="http://schemas.openxmlformats.org/drawingml/2006/main" xmlns:r="http://schemas.openxmlformats.org/officeDocument/2006/relationships" xmlns:p="http://schemas.openxmlformats.org/presentationml/2006/main">
+  <p:cSld>
+    <p:spTree>
+      <p:nvGrpSpPr>
+        <p:cNvPr id="1" name=""/>
+        <p:cNvGrpSpPr/>
+        <p:nvPr/>
+      </p:nvGrpSpPr>
+      <p:grpSpPr>
+        <a:xfrm>
+          <a:off x="0" y="0"/>
+          <a:ext cx="0" cy="0"/>
+          <a:chOff x="0" y="0"/>
+          <a:chExt cx="0" cy="0"/>
+        </a:xfrm>
+      </p:grpSpPr>
+      <p:sp>
+        <p:nvSpPr>
+          <p:cNvPr id="2" name="Title 1">
+            <a:extLst>
+              <a:ext uri="{FF2B5EF4-FFF2-40B4-BE49-F238E27FC236}">
+                <a16:creationId xmlns:a16="http://schemas.microsoft.com/office/drawing/2014/main" id="{890EE5CE-2329-6191-EBA1-284D74AD3EE4}"/>
+              </a:ext>
+            </a:extLst>
+          </p:cNvPr>
+          <p:cNvSpPr>
+            <a:spLocks noGrp="1"/>
+          </p:cNvSpPr>
+          <p:nvPr>
+            <p:ph type="title"/>
+          </p:nvPr>
+        </p:nvSpPr>
+        <p:spPr/>
+        <p:txBody>
+          <a:bodyPr/>
+          <a:lstStyle/>
+          <a:p>
+            <a:endParaRPr lang="en-US"/>
+          </a:p>
+        </p:txBody>
+      </p:sp>
+      <p:sp>
+        <p:nvSpPr>
+          <p:cNvPr id="3" name="Content Placeholder 2">
+            <a:extLst>
+              <a:ext uri="{FF2B5EF4-FFF2-40B4-BE49-F238E27FC236}">
+                <a16:creationId xmlns:a16="http://schemas.microsoft.com/office/drawing/2014/main" id="{B915E2DA-2304-A1D1-59CF-DECCDDFF65C1}"/>
+              </a:ext>
+            </a:extLst>
+          </p:cNvPr>
+          <p:cNvSpPr>
+            <a:spLocks noGrp="1"/>
+          </p:cNvSpPr>
+          <p:nvPr>
+            <p:ph idx="1"/>
+          </p:nvPr>
+        </p:nvSpPr>
+        <p:spPr/>
+        <p:txBody>
+          <a:bodyPr/>
+          <a:lstStyle/>
+          <a:p>
+            <a:r>
+              <a:rPr lang="en-US" dirty="0"/>
+              <a:t>Step 1: Load the .</a:t>
+            </a:r>
+            <a:r>
+              <a:rPr lang="en-US" dirty="0" err="1"/>
+              <a:t>tflite</a:t>
+            </a:r>
+            <a:r>
+              <a:rPr lang="en-US" dirty="0"/>
+              <a:t> model and determine the size of the weights, biases, and graph.</a:t>
+            </a:r>
+          </a:p>
+          <a:p>
+            <a:r>
+              <a:rPr lang="en-US" dirty="0"/>
+              <a:t>Step 2: Profile or estimate the peak memory usage for tensors during model execution.</a:t>
+            </a:r>
+          </a:p>
+          <a:p>
+            <a:r>
+              <a:rPr lang="en-US" dirty="0"/>
+              <a:t>Step 3: Determine the fixed overhead for </a:t>
+            </a:r>
+            <a:r>
+              <a:rPr lang="en-US" dirty="0" err="1"/>
+              <a:t>TFMicro</a:t>
+            </a:r>
+            <a:r>
+              <a:rPr lang="en-US" dirty="0"/>
+              <a:t> by compiling a small example program.</a:t>
+            </a:r>
+          </a:p>
+          <a:p>
+            <a:r>
+              <a:rPr lang="en-US" dirty="0"/>
+              <a:t>Step 4: Analyze your model or use tools to estimate the memory required for persistent buffers.</a:t>
+            </a:r>
+          </a:p>
+        </p:txBody>
+      </p:sp>
+    </p:spTree>
+    <p:extLst>
+      <p:ext uri="{BB962C8B-B14F-4D97-AF65-F5344CB8AC3E}">
+        <p14:creationId xmlns:p14="http://schemas.microsoft.com/office/powerpoint/2010/main" val="2374586275"/>
       </p:ext>
     </p:extLst>
   </p:cSld>

--- a/micro-network-project.pptx
+++ b/micro-network-project.pptx
@@ -5,7 +5,7 @@
     <p:sldMasterId id="2147483648" r:id="rId1"/>
   </p:sldMasterIdLst>
   <p:notesMasterIdLst>
-    <p:notesMasterId r:id="rId32"/>
+    <p:notesMasterId r:id="rId33"/>
   </p:notesMasterIdLst>
   <p:sldIdLst>
     <p:sldId id="256" r:id="rId2"/>
@@ -38,6 +38,7 @@
     <p:sldId id="331" r:id="rId29"/>
     <p:sldId id="332" r:id="rId30"/>
     <p:sldId id="333" r:id="rId31"/>
+    <p:sldId id="334" r:id="rId32"/>
   </p:sldIdLst>
   <p:sldSz cx="12192000" cy="6858000"/>
   <p:notesSz cx="6858000" cy="9144000"/>
@@ -12183,6 +12184,97 @@
 </p:sld>
 </file>
 
+<file path=ppt/slides/slide31.xml><?xml version="1.0" encoding="utf-8"?>
+<p:sld xmlns:a="http://schemas.openxmlformats.org/drawingml/2006/main" xmlns:r="http://schemas.openxmlformats.org/officeDocument/2006/relationships" xmlns:p="http://schemas.openxmlformats.org/presentationml/2006/main">
+  <p:cSld>
+    <p:spTree>
+      <p:nvGrpSpPr>
+        <p:cNvPr id="1" name=""/>
+        <p:cNvGrpSpPr/>
+        <p:nvPr/>
+      </p:nvGrpSpPr>
+      <p:grpSpPr>
+        <a:xfrm>
+          <a:off x="0" y="0"/>
+          <a:ext cx="0" cy="0"/>
+          <a:chOff x="0" y="0"/>
+          <a:chExt cx="0" cy="0"/>
+        </a:xfrm>
+      </p:grpSpPr>
+      <p:sp>
+        <p:nvSpPr>
+          <p:cNvPr id="2" name="Title 1">
+            <a:extLst>
+              <a:ext uri="{FF2B5EF4-FFF2-40B4-BE49-F238E27FC236}">
+                <a16:creationId xmlns:a16="http://schemas.microsoft.com/office/drawing/2014/main" id="{C8A35BB3-7A27-0C5E-5F04-CC95B5451E65}"/>
+              </a:ext>
+            </a:extLst>
+          </p:cNvPr>
+          <p:cNvSpPr>
+            <a:spLocks noGrp="1"/>
+          </p:cNvSpPr>
+          <p:nvPr>
+            <p:ph type="title"/>
+          </p:nvPr>
+        </p:nvSpPr>
+        <p:spPr/>
+        <p:txBody>
+          <a:bodyPr/>
+          <a:lstStyle/>
+          <a:p>
+            <a:endParaRPr lang="en-US"/>
+          </a:p>
+        </p:txBody>
+      </p:sp>
+      <p:sp>
+        <p:nvSpPr>
+          <p:cNvPr id="3" name="Content Placeholder 2">
+            <a:extLst>
+              <a:ext uri="{FF2B5EF4-FFF2-40B4-BE49-F238E27FC236}">
+                <a16:creationId xmlns:a16="http://schemas.microsoft.com/office/drawing/2014/main" id="{ECEF02AC-7E3D-226E-7387-9B1B8F272132}"/>
+              </a:ext>
+            </a:extLst>
+          </p:cNvPr>
+          <p:cNvSpPr>
+            <a:spLocks noGrp="1"/>
+          </p:cNvSpPr>
+          <p:nvPr>
+            <p:ph idx="1"/>
+          </p:nvPr>
+        </p:nvSpPr>
+        <p:spPr/>
+        <p:txBody>
+          <a:bodyPr/>
+          <a:lstStyle/>
+          <a:p>
+            <a:r>
+              <a:rPr lang="en-US" dirty="0"/>
+              <a:t>the SRAM section shows that the Intermediate Tensors (174 KB) and Persistent Buffers (34 KB) are both part of the memory allocated by the </a:t>
+            </a:r>
+            <a:r>
+              <a:rPr lang="en-US" dirty="0" err="1"/>
+              <a:t>tensor_arena</a:t>
+            </a:r>
+            <a:r>
+              <a:rPr lang="en-US" dirty="0"/>
+              <a:t>.</a:t>
+            </a:r>
+          </a:p>
+        </p:txBody>
+      </p:sp>
+    </p:spTree>
+    <p:extLst>
+      <p:ext uri="{BB962C8B-B14F-4D97-AF65-F5344CB8AC3E}">
+        <p14:creationId xmlns:p14="http://schemas.microsoft.com/office/powerpoint/2010/main" val="916228410"/>
+      </p:ext>
+    </p:extLst>
+  </p:cSld>
+  <p:clrMapOvr>
+    <a:masterClrMapping/>
+  </p:clrMapOvr>
+</p:sld>
+</file>
+
 <file path=ppt/slides/slide4.xml><?xml version="1.0" encoding="utf-8"?>
 <p:sld xmlns:a="http://schemas.openxmlformats.org/drawingml/2006/main" xmlns:r="http://schemas.openxmlformats.org/officeDocument/2006/relationships" xmlns:p="http://schemas.openxmlformats.org/presentationml/2006/main">
   <p:cSld>

--- a/micro-network-project.pptx
+++ b/micro-network-project.pptx
@@ -5,7 +5,7 @@
     <p:sldMasterId id="2147483648" r:id="rId1"/>
   </p:sldMasterIdLst>
   <p:notesMasterIdLst>
-    <p:notesMasterId r:id="rId33"/>
+    <p:notesMasterId r:id="rId34"/>
   </p:notesMasterIdLst>
   <p:sldIdLst>
     <p:sldId id="256" r:id="rId2"/>
@@ -39,6 +39,7 @@
     <p:sldId id="332" r:id="rId30"/>
     <p:sldId id="333" r:id="rId31"/>
     <p:sldId id="334" r:id="rId32"/>
+    <p:sldId id="335" r:id="rId33"/>
   </p:sldIdLst>
   <p:sldSz cx="12192000" cy="6858000"/>
   <p:notesSz cx="6858000" cy="9144000"/>
@@ -12275,6 +12276,177 @@
 </p:sld>
 </file>
 
+<file path=ppt/slides/slide32.xml><?xml version="1.0" encoding="utf-8"?>
+<p:sld xmlns:a="http://schemas.openxmlformats.org/drawingml/2006/main" xmlns:r="http://schemas.openxmlformats.org/officeDocument/2006/relationships" xmlns:p="http://schemas.openxmlformats.org/presentationml/2006/main">
+  <p:cSld>
+    <p:spTree>
+      <p:nvGrpSpPr>
+        <p:cNvPr id="1" name=""/>
+        <p:cNvGrpSpPr/>
+        <p:nvPr/>
+      </p:nvGrpSpPr>
+      <p:grpSpPr>
+        <a:xfrm>
+          <a:off x="0" y="0"/>
+          <a:ext cx="0" cy="0"/>
+          <a:chOff x="0" y="0"/>
+          <a:chExt cx="0" cy="0"/>
+        </a:xfrm>
+      </p:grpSpPr>
+      <p:sp>
+        <p:nvSpPr>
+          <p:cNvPr id="2" name="Title 1">
+            <a:extLst>
+              <a:ext uri="{FF2B5EF4-FFF2-40B4-BE49-F238E27FC236}">
+                <a16:creationId xmlns:a16="http://schemas.microsoft.com/office/drawing/2014/main" id="{9925955B-40E3-832B-7E40-AC89ACCFE45D}"/>
+              </a:ext>
+            </a:extLst>
+          </p:cNvPr>
+          <p:cNvSpPr>
+            <a:spLocks noGrp="1"/>
+          </p:cNvSpPr>
+          <p:nvPr>
+            <p:ph type="title"/>
+          </p:nvPr>
+        </p:nvSpPr>
+        <p:spPr/>
+        <p:txBody>
+          <a:bodyPr/>
+          <a:lstStyle/>
+          <a:p>
+            <a:r>
+              <a:rPr lang="en-US" dirty="0"/>
+              <a:t>TFLM M</a:t>
+            </a:r>
+            <a:r>
+              <a:rPr lang="en-US" altLang="zh-CN" dirty="0"/>
+              <a:t>emory Management</a:t>
+            </a:r>
+            <a:endParaRPr lang="en-US" dirty="0"/>
+          </a:p>
+        </p:txBody>
+      </p:sp>
+      <p:sp>
+        <p:nvSpPr>
+          <p:cNvPr id="3" name="Content Placeholder 2">
+            <a:extLst>
+              <a:ext uri="{FF2B5EF4-FFF2-40B4-BE49-F238E27FC236}">
+                <a16:creationId xmlns:a16="http://schemas.microsoft.com/office/drawing/2014/main" id="{10953F4E-4FB1-9059-2655-95E7D8FC7254}"/>
+              </a:ext>
+            </a:extLst>
+          </p:cNvPr>
+          <p:cNvSpPr>
+            <a:spLocks noGrp="1"/>
+          </p:cNvSpPr>
+          <p:nvPr>
+            <p:ph idx="1"/>
+          </p:nvPr>
+        </p:nvSpPr>
+        <p:spPr/>
+        <p:txBody>
+          <a:bodyPr/>
+          <a:lstStyle/>
+          <a:p>
+            <a:r>
+              <a:rPr lang="en-US" b="1" dirty="0"/>
+              <a:t>Arena allocation total</a:t>
+            </a:r>
+            <a:r>
+              <a:rPr lang="en-US" dirty="0"/>
+              <a:t>: peak memory requirement</a:t>
+            </a:r>
+          </a:p>
+          <a:p>
+            <a:r>
+              <a:rPr lang="en-US" b="1" dirty="0"/>
+              <a:t>Arena allocation head:</a:t>
+            </a:r>
+          </a:p>
+          <a:p>
+            <a:pPr lvl="1"/>
+            <a:r>
+              <a:rPr lang="en-US" dirty="0"/>
+              <a:t>Input tensors</a:t>
+            </a:r>
+          </a:p>
+          <a:p>
+            <a:pPr lvl="1"/>
+            <a:r>
+              <a:rPr lang="en-US" dirty="0"/>
+              <a:t>Largest intermediate tensor</a:t>
+            </a:r>
+          </a:p>
+          <a:p>
+            <a:pPr lvl="1"/>
+            <a:r>
+              <a:rPr lang="en-US" dirty="0"/>
+              <a:t>Final output tensor</a:t>
+            </a:r>
+          </a:p>
+          <a:p>
+            <a:pPr lvl="1"/>
+            <a:r>
+              <a:rPr lang="en-US" dirty="0"/>
+              <a:t>Additional buffers required by the layers(non-persistent buffers)</a:t>
+            </a:r>
+          </a:p>
+          <a:p>
+            <a:r>
+              <a:rPr lang="en-US" dirty="0"/>
+              <a:t>Arena allocation tail:</a:t>
+            </a:r>
+          </a:p>
+          <a:p>
+            <a:endParaRPr lang="en-US" dirty="0"/>
+          </a:p>
+          <a:p>
+            <a:endParaRPr lang="en-US" dirty="0"/>
+          </a:p>
+        </p:txBody>
+      </p:sp>
+      <p:pic>
+        <p:nvPicPr>
+          <p:cNvPr id="5" name="Picture 4">
+            <a:extLst>
+              <a:ext uri="{FF2B5EF4-FFF2-40B4-BE49-F238E27FC236}">
+                <a16:creationId xmlns:a16="http://schemas.microsoft.com/office/drawing/2014/main" id="{E0CAEA2E-13F3-41F7-1147-14686A4A25DD}"/>
+              </a:ext>
+            </a:extLst>
+          </p:cNvPr>
+          <p:cNvPicPr>
+            <a:picLocks noChangeAspect="1"/>
+          </p:cNvPicPr>
+          <p:nvPr/>
+        </p:nvPicPr>
+        <p:blipFill>
+          <a:blip r:embed="rId2"/>
+          <a:stretch>
+            <a:fillRect/>
+          </a:stretch>
+        </p:blipFill>
+        <p:spPr>
+          <a:xfrm>
+            <a:off x="6659879" y="4422554"/>
+            <a:ext cx="4894177" cy="2219763"/>
+          </a:xfrm>
+          <a:prstGeom prst="rect">
+            <a:avLst/>
+          </a:prstGeom>
+        </p:spPr>
+      </p:pic>
+    </p:spTree>
+    <p:extLst>
+      <p:ext uri="{BB962C8B-B14F-4D97-AF65-F5344CB8AC3E}">
+        <p14:creationId xmlns:p14="http://schemas.microsoft.com/office/powerpoint/2010/main" val="2320074176"/>
+      </p:ext>
+    </p:extLst>
+  </p:cSld>
+  <p:clrMapOvr>
+    <a:masterClrMapping/>
+  </p:clrMapOvr>
+</p:sld>
+</file>
+
 <file path=ppt/slides/slide4.xml><?xml version="1.0" encoding="utf-8"?>
 <p:sld xmlns:a="http://schemas.openxmlformats.org/drawingml/2006/main" xmlns:r="http://schemas.openxmlformats.org/officeDocument/2006/relationships" xmlns:p="http://schemas.openxmlformats.org/presentationml/2006/main">
   <p:cSld>
